--- a/tex/figures/MagneticSource/Figures.pptx
+++ b/tex/figures/MagneticSource/Figures.pptx
@@ -11689,41 +11689,100 @@
       </p:grpSpPr>
       <p:grpSp>
         <p:nvGrpSpPr>
-          <p:cNvPr id="182" name="Group 181"/>
+          <p:cNvPr id="48" name="Group 47"/>
           <p:cNvGrpSpPr/>
           <p:nvPr/>
         </p:nvGrpSpPr>
         <p:grpSpPr>
           <a:xfrm>
-            <a:off x="8435842" y="2850197"/>
-            <a:ext cx="3031550" cy="3540384"/>
-            <a:chOff x="1205477" y="1141510"/>
-            <a:chExt cx="3031550" cy="3540384"/>
+            <a:off x="756448" y="912194"/>
+            <a:ext cx="4143743" cy="2331379"/>
+            <a:chOff x="2442029" y="1600200"/>
+            <a:chExt cx="4143743" cy="2331379"/>
           </a:xfrm>
-          <a:solidFill>
-            <a:schemeClr val="bg2"/>
-          </a:solidFill>
         </p:grpSpPr>
         <p:sp>
           <p:nvSpPr>
-            <p:cNvPr id="183" name="Multiply 182"/>
+            <p:cNvPr id="12" name="Freeform 11"/>
             <p:cNvSpPr/>
             <p:nvPr/>
           </p:nvSpPr>
           <p:spPr>
             <a:xfrm>
-              <a:off x="1205477" y="1141510"/>
-              <a:ext cx="414998" cy="393376"/>
+              <a:off x="2442029" y="1600200"/>
+              <a:ext cx="765797" cy="2331379"/>
             </a:xfrm>
-            <a:prstGeom prst="mathMultiply">
-              <a:avLst>
-                <a:gd name="adj1" fmla="val 3701"/>
-              </a:avLst>
-            </a:prstGeom>
-            <a:grpFill/>
+            <a:custGeom>
+              <a:avLst/>
+              <a:gdLst>
+                <a:gd name="connsiteX0" fmla="*/ 424188 w 1573763"/>
+                <a:gd name="connsiteY0" fmla="*/ 3091543 h 3091543"/>
+                <a:gd name="connsiteX1" fmla="*/ 54073 w 1573763"/>
+                <a:gd name="connsiteY1" fmla="*/ 1992086 h 3091543"/>
+                <a:gd name="connsiteX2" fmla="*/ 1458330 w 1573763"/>
+                <a:gd name="connsiteY2" fmla="*/ 1251857 h 3091543"/>
+                <a:gd name="connsiteX3" fmla="*/ 1393016 w 1573763"/>
+                <a:gd name="connsiteY3" fmla="*/ 0 h 3091543"/>
+                <a:gd name="connsiteX0" fmla="*/ 82854 w 1178851"/>
+                <a:gd name="connsiteY0" fmla="*/ 3091543 h 3091543"/>
+                <a:gd name="connsiteX1" fmla="*/ 450869 w 1178851"/>
+                <a:gd name="connsiteY1" fmla="*/ 1705647 h 3091543"/>
+                <a:gd name="connsiteX2" fmla="*/ 1116996 w 1178851"/>
+                <a:gd name="connsiteY2" fmla="*/ 1251857 h 3091543"/>
+                <a:gd name="connsiteX3" fmla="*/ 1051682 w 1178851"/>
+                <a:gd name="connsiteY3" fmla="*/ 0 h 3091543"/>
+                <a:gd name="connsiteX0" fmla="*/ 253694 w 765797"/>
+                <a:gd name="connsiteY0" fmla="*/ 2331379 h 2331379"/>
+                <a:gd name="connsiteX1" fmla="*/ 37815 w 765797"/>
+                <a:gd name="connsiteY1" fmla="*/ 1705647 h 2331379"/>
+                <a:gd name="connsiteX2" fmla="*/ 703942 w 765797"/>
+                <a:gd name="connsiteY2" fmla="*/ 1251857 h 2331379"/>
+                <a:gd name="connsiteX3" fmla="*/ 638628 w 765797"/>
+                <a:gd name="connsiteY3" fmla="*/ 0 h 2331379"/>
+              </a:gdLst>
+              <a:ahLst/>
+              <a:cxnLst>
+                <a:cxn ang="0">
+                  <a:pos x="connsiteX0" y="connsiteY0"/>
+                </a:cxn>
+                <a:cxn ang="0">
+                  <a:pos x="connsiteX1" y="connsiteY1"/>
+                </a:cxn>
+                <a:cxn ang="0">
+                  <a:pos x="connsiteX2" y="connsiteY2"/>
+                </a:cxn>
+                <a:cxn ang="0">
+                  <a:pos x="connsiteX3" y="connsiteY3"/>
+                </a:cxn>
+              </a:cxnLst>
+              <a:rect l="l" t="t" r="r" b="b"/>
+              <a:pathLst>
+                <a:path w="765797" h="2331379">
+                  <a:moveTo>
+                    <a:pt x="253694" y="2331379"/>
+                  </a:moveTo>
+                  <a:cubicBezTo>
+                    <a:pt x="-17542" y="1934957"/>
+                    <a:pt x="-37226" y="1885567"/>
+                    <a:pt x="37815" y="1705647"/>
+                  </a:cubicBezTo>
+                  <a:cubicBezTo>
+                    <a:pt x="112856" y="1525727"/>
+                    <a:pt x="603807" y="1536131"/>
+                    <a:pt x="703942" y="1251857"/>
+                  </a:cubicBezTo>
+                  <a:cubicBezTo>
+                    <a:pt x="804077" y="967583"/>
+                    <a:pt x="782863" y="459921"/>
+                    <a:pt x="638628" y="0"/>
+                  </a:cubicBezTo>
+                </a:path>
+              </a:pathLst>
+            </a:custGeom>
+            <a:noFill/>
             <a:ln w="38100">
               <a:solidFill>
-                <a:schemeClr val="bg2"/>
+                <a:schemeClr val="tx1"/>
               </a:solidFill>
             </a:ln>
           </p:spPr>
@@ -11752,26 +11811,444 @@
             </a:p>
           </p:txBody>
         </p:sp>
+        <p:cxnSp>
+          <p:nvCxnSpPr>
+            <p:cNvPr id="16" name="Straight Arrow Connector 15"/>
+            <p:cNvCxnSpPr/>
+            <p:nvPr/>
+          </p:nvCxnSpPr>
+          <p:spPr>
+            <a:xfrm flipH="1" flipV="1">
+              <a:off x="3130250" y="1783944"/>
+              <a:ext cx="65314" cy="304800"/>
+            </a:xfrm>
+            <a:prstGeom prst="straightConnector1">
+              <a:avLst/>
+            </a:prstGeom>
+            <a:ln w="38100">
+              <a:solidFill>
+                <a:schemeClr val="tx1"/>
+              </a:solidFill>
+              <a:tailEnd type="triangle" w="lg" len="lg"/>
+            </a:ln>
+          </p:spPr>
+          <p:style>
+            <a:lnRef idx="1">
+              <a:schemeClr val="accent1"/>
+            </a:lnRef>
+            <a:fillRef idx="0">
+              <a:schemeClr val="accent1"/>
+            </a:fillRef>
+            <a:effectRef idx="0">
+              <a:schemeClr val="accent1"/>
+            </a:effectRef>
+            <a:fontRef idx="minor">
+              <a:schemeClr val="tx1"/>
+            </a:fontRef>
+          </p:style>
+        </p:cxnSp>
+        <mc:AlternateContent xmlns:mc="http://schemas.openxmlformats.org/markup-compatibility/2006">
+          <mc:Choice xmlns:a14="http://schemas.microsoft.com/office/drawing/2010/main" Requires="a14">
+            <p:sp>
+              <p:nvSpPr>
+                <p:cNvPr id="17" name="TextBox 16"/>
+                <p:cNvSpPr txBox="1"/>
+                <p:nvPr/>
+              </p:nvSpPr>
+              <p:spPr>
+                <a:xfrm>
+                  <a:off x="2853369" y="1891137"/>
+                  <a:ext cx="176459" cy="307777"/>
+                </a:xfrm>
+                <a:prstGeom prst="rect">
+                  <a:avLst/>
+                </a:prstGeom>
+                <a:noFill/>
+              </p:spPr>
+              <p:txBody>
+                <a:bodyPr wrap="none" lIns="0" tIns="0" rIns="0" bIns="0" rtlCol="0">
+                  <a:spAutoFit/>
+                </a:bodyPr>
+                <a:lstStyle/>
+                <a:p>
+                  <a14:m>
+                    <m:oMathPara xmlns:m="http://schemas.openxmlformats.org/officeDocument/2006/math">
+                      <m:oMathParaPr>
+                        <m:jc m:val="centerGroup"/>
+                      </m:oMathParaPr>
+                      <m:oMath xmlns:m="http://schemas.openxmlformats.org/officeDocument/2006/math">
+                        <m:r>
+                          <a:rPr lang="en-US" sz="2000" b="0" i="1" smtClean="0">
+                            <a:latin typeface="Cambria Math" panose="02040503050406030204" pitchFamily="18" charset="0"/>
+                            <a:cs typeface="Arial" panose="020B0604020202020204" pitchFamily="34" charset="0"/>
+                          </a:rPr>
+                          <m:t>𝐼</m:t>
+                        </m:r>
+                      </m:oMath>
+                    </m:oMathPara>
+                  </a14:m>
+                  <a:endParaRPr lang="en-US" sz="2000" dirty="0" smtClean="0">
+                    <a:latin typeface="Arial" panose="020B0604020202020204" pitchFamily="34" charset="0"/>
+                    <a:cs typeface="Arial" panose="020B0604020202020204" pitchFamily="34" charset="0"/>
+                  </a:endParaRPr>
+                </a:p>
+              </p:txBody>
+            </p:sp>
+          </mc:Choice>
+          <mc:Fallback>
+            <p:sp>
+              <p:nvSpPr>
+                <p:cNvPr id="17" name="TextBox 16"/>
+                <p:cNvSpPr txBox="1">
+                  <a:spLocks noRot="1" noChangeAspect="1" noMove="1" noResize="1" noEditPoints="1" noAdjustHandles="1" noChangeArrowheads="1" noChangeShapeType="1" noTextEdit="1"/>
+                </p:cNvSpPr>
+                <p:nvPr/>
+              </p:nvSpPr>
+              <p:spPr>
+                <a:xfrm>
+                  <a:off x="2853369" y="1891137"/>
+                  <a:ext cx="176459" cy="307777"/>
+                </a:xfrm>
+                <a:prstGeom prst="rect">
+                  <a:avLst/>
+                </a:prstGeom>
+                <a:blipFill>
+                  <a:blip r:embed="rId2"/>
+                  <a:stretch>
+                    <a:fillRect l="-31034" r="-24138" b="-9804"/>
+                  </a:stretch>
+                </a:blipFill>
+              </p:spPr>
+              <p:txBody>
+                <a:bodyPr/>
+                <a:lstStyle/>
+                <a:p>
+                  <a:r>
+                    <a:rPr lang="en-US">
+                      <a:noFill/>
+                    </a:rPr>
+                    <a:t> </a:t>
+                  </a:r>
+                </a:p>
+              </p:txBody>
+            </p:sp>
+          </mc:Fallback>
+        </mc:AlternateContent>
+        <p:cxnSp>
+          <p:nvCxnSpPr>
+            <p:cNvPr id="19" name="Straight Arrow Connector 18"/>
+            <p:cNvCxnSpPr/>
+            <p:nvPr/>
+          </p:nvCxnSpPr>
+          <p:spPr>
+            <a:xfrm flipV="1">
+              <a:off x="3158335" y="2492828"/>
+              <a:ext cx="141230" cy="357369"/>
+            </a:xfrm>
+            <a:prstGeom prst="straightConnector1">
+              <a:avLst/>
+            </a:prstGeom>
+            <a:ln w="38100">
+              <a:solidFill>
+                <a:srgbClr val="FF0000"/>
+              </a:solidFill>
+              <a:tailEnd type="triangle"/>
+            </a:ln>
+          </p:spPr>
+          <p:style>
+            <a:lnRef idx="1">
+              <a:schemeClr val="accent1"/>
+            </a:lnRef>
+            <a:fillRef idx="0">
+              <a:schemeClr val="accent1"/>
+            </a:fillRef>
+            <a:effectRef idx="0">
+              <a:schemeClr val="accent1"/>
+            </a:effectRef>
+            <a:fontRef idx="minor">
+              <a:schemeClr val="tx1"/>
+            </a:fontRef>
+          </p:style>
+        </p:cxnSp>
+        <mc:AlternateContent xmlns:mc="http://schemas.openxmlformats.org/markup-compatibility/2006">
+          <mc:Choice xmlns:a14="http://schemas.microsoft.com/office/drawing/2010/main" Requires="a14">
+            <p:sp>
+              <p:nvSpPr>
+                <p:cNvPr id="21" name="TextBox 20"/>
+                <p:cNvSpPr txBox="1"/>
+                <p:nvPr/>
+              </p:nvSpPr>
+              <p:spPr>
+                <a:xfrm>
+                  <a:off x="2840684" y="2412694"/>
+                  <a:ext cx="317651" cy="353302"/>
+                </a:xfrm>
+                <a:prstGeom prst="rect">
+                  <a:avLst/>
+                </a:prstGeom>
+                <a:noFill/>
+              </p:spPr>
+              <p:txBody>
+                <a:bodyPr wrap="none" lIns="0" tIns="0" rIns="0" bIns="0" rtlCol="0">
+                  <a:spAutoFit/>
+                </a:bodyPr>
+                <a:lstStyle/>
+                <a:p>
+                  <a14:m>
+                    <m:oMathPara xmlns:m="http://schemas.openxmlformats.org/officeDocument/2006/math">
+                      <m:oMathParaPr>
+                        <m:jc m:val="centerGroup"/>
+                      </m:oMathParaPr>
+                      <m:oMath xmlns:m="http://schemas.openxmlformats.org/officeDocument/2006/math">
+                        <m:r>
+                          <a:rPr lang="en-US" sz="2000" b="0" i="1" smtClean="0">
+                            <a:solidFill>
+                              <a:srgbClr val="FF0000"/>
+                            </a:solidFill>
+                            <a:latin typeface="Cambria Math" panose="02040503050406030204" pitchFamily="18" charset="0"/>
+                            <a:cs typeface="Arial" panose="020B0604020202020204" pitchFamily="34" charset="0"/>
+                          </a:rPr>
+                          <m:t>𝑑</m:t>
+                        </m:r>
+                        <m:acc>
+                          <m:accPr>
+                            <m:chr m:val="⃗"/>
+                            <m:ctrlPr>
+                              <a:rPr lang="en-US" sz="2000" b="0" i="1" smtClean="0">
+                                <a:solidFill>
+                                  <a:srgbClr val="FF0000"/>
+                                </a:solidFill>
+                                <a:latin typeface="Cambria Math" panose="02040503050406030204" pitchFamily="18" charset="0"/>
+                                <a:cs typeface="Arial" panose="020B0604020202020204" pitchFamily="34" charset="0"/>
+                              </a:rPr>
+                            </m:ctrlPr>
+                          </m:accPr>
+                          <m:e>
+                            <m:r>
+                              <a:rPr lang="en-US" sz="2000" b="0" i="1" smtClean="0">
+                                <a:solidFill>
+                                  <a:srgbClr val="FF0000"/>
+                                </a:solidFill>
+                                <a:latin typeface="Cambria Math" panose="02040503050406030204" pitchFamily="18" charset="0"/>
+                                <a:cs typeface="Arial" panose="020B0604020202020204" pitchFamily="34" charset="0"/>
+                              </a:rPr>
+                              <m:t>𝑙</m:t>
+                            </m:r>
+                          </m:e>
+                        </m:acc>
+                      </m:oMath>
+                    </m:oMathPara>
+                  </a14:m>
+                  <a:endParaRPr lang="en-US" sz="2000" dirty="0" smtClean="0">
+                    <a:solidFill>
+                      <a:srgbClr val="FF0000"/>
+                    </a:solidFill>
+                    <a:latin typeface="Arial" panose="020B0604020202020204" pitchFamily="34" charset="0"/>
+                    <a:cs typeface="Arial" panose="020B0604020202020204" pitchFamily="34" charset="0"/>
+                  </a:endParaRPr>
+                </a:p>
+              </p:txBody>
+            </p:sp>
+          </mc:Choice>
+          <mc:Fallback>
+            <p:sp>
+              <p:nvSpPr>
+                <p:cNvPr id="21" name="TextBox 20"/>
+                <p:cNvSpPr txBox="1">
+                  <a:spLocks noRot="1" noChangeAspect="1" noMove="1" noResize="1" noEditPoints="1" noAdjustHandles="1" noChangeArrowheads="1" noChangeShapeType="1" noTextEdit="1"/>
+                </p:cNvSpPr>
+                <p:nvPr/>
+              </p:nvSpPr>
+              <p:spPr>
+                <a:xfrm>
+                  <a:off x="2840684" y="2412694"/>
+                  <a:ext cx="317651" cy="353302"/>
+                </a:xfrm>
+                <a:prstGeom prst="rect">
+                  <a:avLst/>
+                </a:prstGeom>
+                <a:blipFill>
+                  <a:blip r:embed="rId3"/>
+                  <a:stretch>
+                    <a:fillRect l="-16981" t="-34483" r="-101887" b="-8621"/>
+                  </a:stretch>
+                </a:blipFill>
+              </p:spPr>
+              <p:txBody>
+                <a:bodyPr/>
+                <a:lstStyle/>
+                <a:p>
+                  <a:r>
+                    <a:rPr lang="en-US">
+                      <a:noFill/>
+                    </a:rPr>
+                    <a:t> </a:t>
+                  </a:r>
+                </a:p>
+              </p:txBody>
+            </p:sp>
+          </mc:Fallback>
+        </mc:AlternateContent>
+        <p:cxnSp>
+          <p:nvCxnSpPr>
+            <p:cNvPr id="23" name="Straight Arrow Connector 22"/>
+            <p:cNvCxnSpPr>
+              <a:stCxn id="12" idx="2"/>
+            </p:cNvCxnSpPr>
+            <p:nvPr/>
+          </p:nvCxnSpPr>
+          <p:spPr>
+            <a:xfrm flipV="1">
+              <a:off x="3145971" y="2628483"/>
+              <a:ext cx="1268476" cy="223574"/>
+            </a:xfrm>
+            <a:prstGeom prst="straightConnector1">
+              <a:avLst/>
+            </a:prstGeom>
+            <a:ln w="38100">
+              <a:solidFill>
+                <a:schemeClr val="tx1"/>
+              </a:solidFill>
+              <a:tailEnd type="triangle"/>
+            </a:ln>
+          </p:spPr>
+          <p:style>
+            <a:lnRef idx="1">
+              <a:schemeClr val="accent1"/>
+            </a:lnRef>
+            <a:fillRef idx="0">
+              <a:schemeClr val="accent1"/>
+            </a:fillRef>
+            <a:effectRef idx="0">
+              <a:schemeClr val="accent1"/>
+            </a:effectRef>
+            <a:fontRef idx="minor">
+              <a:schemeClr val="tx1"/>
+            </a:fontRef>
+          </p:style>
+        </p:cxnSp>
+        <mc:AlternateContent xmlns:mc="http://schemas.openxmlformats.org/markup-compatibility/2006">
+          <mc:Choice xmlns:a14="http://schemas.microsoft.com/office/drawing/2010/main" Requires="a14">
+            <p:sp>
+              <p:nvSpPr>
+                <p:cNvPr id="24" name="TextBox 23"/>
+                <p:cNvSpPr txBox="1"/>
+                <p:nvPr/>
+              </p:nvSpPr>
+              <p:spPr>
+                <a:xfrm>
+                  <a:off x="3780209" y="2806275"/>
+                  <a:ext cx="198003" cy="307777"/>
+                </a:xfrm>
+                <a:prstGeom prst="rect">
+                  <a:avLst/>
+                </a:prstGeom>
+                <a:noFill/>
+              </p:spPr>
+              <p:txBody>
+                <a:bodyPr wrap="none" lIns="0" tIns="0" rIns="0" bIns="0" rtlCol="0">
+                  <a:spAutoFit/>
+                </a:bodyPr>
+                <a:lstStyle/>
+                <a:p>
+                  <a14:m>
+                    <m:oMathPara xmlns:m="http://schemas.openxmlformats.org/officeDocument/2006/math">
+                      <m:oMathParaPr>
+                        <m:jc m:val="centerGroup"/>
+                      </m:oMathParaPr>
+                      <m:oMath xmlns:m="http://schemas.openxmlformats.org/officeDocument/2006/math">
+                        <m:acc>
+                          <m:accPr>
+                            <m:chr m:val="⃗"/>
+                            <m:ctrlPr>
+                              <a:rPr lang="en-US" sz="2000" b="0" i="1" smtClean="0">
+                                <a:latin typeface="Cambria Math" panose="02040503050406030204" pitchFamily="18" charset="0"/>
+                                <a:cs typeface="Arial" panose="020B0604020202020204" pitchFamily="34" charset="0"/>
+                              </a:rPr>
+                            </m:ctrlPr>
+                          </m:accPr>
+                          <m:e>
+                            <m:r>
+                              <a:rPr lang="en-US" sz="2000" b="0" i="1" smtClean="0">
+                                <a:latin typeface="Cambria Math" panose="02040503050406030204" pitchFamily="18" charset="0"/>
+                                <a:cs typeface="Arial" panose="020B0604020202020204" pitchFamily="34" charset="0"/>
+                              </a:rPr>
+                              <m:t>𝑟</m:t>
+                            </m:r>
+                          </m:e>
+                        </m:acc>
+                      </m:oMath>
+                    </m:oMathPara>
+                  </a14:m>
+                  <a:endParaRPr lang="en-US" sz="2000" dirty="0" smtClean="0">
+                    <a:latin typeface="Arial" panose="020B0604020202020204" pitchFamily="34" charset="0"/>
+                    <a:cs typeface="Arial" panose="020B0604020202020204" pitchFamily="34" charset="0"/>
+                  </a:endParaRPr>
+                </a:p>
+              </p:txBody>
+            </p:sp>
+          </mc:Choice>
+          <mc:Fallback>
+            <p:sp>
+              <p:nvSpPr>
+                <p:cNvPr id="24" name="TextBox 23"/>
+                <p:cNvSpPr txBox="1">
+                  <a:spLocks noRot="1" noChangeAspect="1" noMove="1" noResize="1" noEditPoints="1" noAdjustHandles="1" noChangeArrowheads="1" noChangeShapeType="1" noTextEdit="1"/>
+                </p:cNvSpPr>
+                <p:nvPr/>
+              </p:nvSpPr>
+              <p:spPr>
+                <a:xfrm>
+                  <a:off x="3780209" y="2806275"/>
+                  <a:ext cx="198003" cy="307777"/>
+                </a:xfrm>
+                <a:prstGeom prst="rect">
+                  <a:avLst/>
+                </a:prstGeom>
+                <a:blipFill>
+                  <a:blip r:embed="rId4"/>
+                  <a:stretch>
+                    <a:fillRect l="-31250" t="-33333" r="-96875" b="-5882"/>
+                  </a:stretch>
+                </a:blipFill>
+              </p:spPr>
+              <p:txBody>
+                <a:bodyPr/>
+                <a:lstStyle/>
+                <a:p>
+                  <a:r>
+                    <a:rPr lang="en-US">
+                      <a:noFill/>
+                    </a:rPr>
+                    <a:t> </a:t>
+                  </a:r>
+                </a:p>
+              </p:txBody>
+            </p:sp>
+          </mc:Fallback>
+        </mc:AlternateContent>
         <p:sp>
           <p:nvSpPr>
-            <p:cNvPr id="184" name="Multiply 183"/>
+            <p:cNvPr id="167" name="Multiply 166"/>
             <p:cNvSpPr/>
             <p:nvPr/>
           </p:nvSpPr>
           <p:spPr>
             <a:xfrm>
-              <a:off x="1641569" y="1141510"/>
-              <a:ext cx="414998" cy="393376"/>
+              <a:off x="4283098" y="2431794"/>
+              <a:ext cx="427838" cy="393376"/>
             </a:xfrm>
             <a:prstGeom prst="mathMultiply">
               <a:avLst>
                 <a:gd name="adj1" fmla="val 3701"/>
               </a:avLst>
             </a:prstGeom>
-            <a:grpFill/>
+            <a:solidFill>
+              <a:schemeClr val="tx1"/>
+            </a:solidFill>
             <a:ln w="38100">
               <a:solidFill>
-                <a:schemeClr val="bg2"/>
+                <a:schemeClr val="tx1"/>
               </a:solidFill>
             </a:ln>
           </p:spPr>
@@ -11800,2934 +12277,1943 @@
             </a:p>
           </p:txBody>
         </p:sp>
-        <p:sp>
-          <p:nvSpPr>
-            <p:cNvPr id="185" name="Multiply 184"/>
-            <p:cNvSpPr/>
+        <mc:AlternateContent xmlns:mc="http://schemas.openxmlformats.org/markup-compatibility/2006">
+          <mc:Choice xmlns:a14="http://schemas.microsoft.com/office/drawing/2010/main" Requires="a14">
+            <p:sp>
+              <p:nvSpPr>
+                <p:cNvPr id="46" name="TextBox 45"/>
+                <p:cNvSpPr txBox="1"/>
+                <p:nvPr/>
+              </p:nvSpPr>
+              <p:spPr>
+                <a:xfrm>
+                  <a:off x="4324063" y="2118507"/>
+                  <a:ext cx="2261709" cy="345159"/>
+                </a:xfrm>
+                <a:prstGeom prst="rect">
+                  <a:avLst/>
+                </a:prstGeom>
+                <a:noFill/>
+              </p:spPr>
+              <p:txBody>
+                <a:bodyPr wrap="none" lIns="0" tIns="0" rIns="0" bIns="0" rtlCol="0">
+                  <a:spAutoFit/>
+                </a:bodyPr>
+                <a:lstStyle/>
+                <a:p>
+                  <a14:m>
+                    <m:oMathPara xmlns:m="http://schemas.openxmlformats.org/officeDocument/2006/math">
+                      <m:oMathParaPr>
+                        <m:jc m:val="centerGroup"/>
+                      </m:oMathParaPr>
+                      <m:oMath xmlns:m="http://schemas.openxmlformats.org/officeDocument/2006/math">
+                        <m:r>
+                          <a:rPr lang="en-US" sz="2000" b="0" i="1" smtClean="0">
+                            <a:latin typeface="Cambria Math" panose="02040503050406030204" pitchFamily="18" charset="0"/>
+                            <a:cs typeface="Arial" panose="020B0604020202020204" pitchFamily="34" charset="0"/>
+                          </a:rPr>
+                          <m:t>𝑑</m:t>
+                        </m:r>
+                        <m:acc>
+                          <m:accPr>
+                            <m:chr m:val="⃗"/>
+                            <m:ctrlPr>
+                              <a:rPr lang="en-US" sz="2000" b="0" i="1" smtClean="0">
+                                <a:latin typeface="Cambria Math" panose="02040503050406030204" pitchFamily="18" charset="0"/>
+                                <a:cs typeface="Arial" panose="020B0604020202020204" pitchFamily="34" charset="0"/>
+                              </a:rPr>
+                            </m:ctrlPr>
+                          </m:accPr>
+                          <m:e>
+                            <m:r>
+                              <a:rPr lang="en-US" sz="2000" b="0" i="1" smtClean="0">
+                                <a:latin typeface="Cambria Math" panose="02040503050406030204" pitchFamily="18" charset="0"/>
+                                <a:cs typeface="Arial" panose="020B0604020202020204" pitchFamily="34" charset="0"/>
+                              </a:rPr>
+                              <m:t>𝐵</m:t>
+                            </m:r>
+                          </m:e>
+                        </m:acc>
+                        <m:r>
+                          <a:rPr lang="en-US" sz="2000" b="0" i="1" smtClean="0">
+                            <a:latin typeface="Cambria Math" panose="02040503050406030204" pitchFamily="18" charset="0"/>
+                            <a:cs typeface="Arial" panose="020B0604020202020204" pitchFamily="34" charset="0"/>
+                          </a:rPr>
+                          <m:t>  (</m:t>
+                        </m:r>
+                        <m:r>
+                          <a:rPr lang="en-US" sz="2000" b="0" i="1" smtClean="0">
+                            <a:latin typeface="Cambria Math" panose="02040503050406030204" pitchFamily="18" charset="0"/>
+                            <a:cs typeface="Arial" panose="020B0604020202020204" pitchFamily="34" charset="0"/>
+                          </a:rPr>
+                          <m:t>𝑖𝑛𝑡𝑜</m:t>
+                        </m:r>
+                        <m:r>
+                          <a:rPr lang="en-US" sz="2000" b="0" i="1" smtClean="0">
+                            <a:latin typeface="Cambria Math" panose="02040503050406030204" pitchFamily="18" charset="0"/>
+                            <a:cs typeface="Arial" panose="020B0604020202020204" pitchFamily="34" charset="0"/>
+                          </a:rPr>
+                          <m:t> </m:t>
+                        </m:r>
+                        <m:r>
+                          <a:rPr lang="en-US" sz="2000" b="0" i="1" smtClean="0">
+                            <a:latin typeface="Cambria Math" panose="02040503050406030204" pitchFamily="18" charset="0"/>
+                            <a:cs typeface="Arial" panose="020B0604020202020204" pitchFamily="34" charset="0"/>
+                          </a:rPr>
+                          <m:t>𝑡h𝑒</m:t>
+                        </m:r>
+                        <m:r>
+                          <a:rPr lang="en-US" sz="2000" b="0" i="1" smtClean="0">
+                            <a:latin typeface="Cambria Math" panose="02040503050406030204" pitchFamily="18" charset="0"/>
+                            <a:cs typeface="Arial" panose="020B0604020202020204" pitchFamily="34" charset="0"/>
+                          </a:rPr>
+                          <m:t> </m:t>
+                        </m:r>
+                        <m:r>
+                          <a:rPr lang="en-US" sz="2000" b="0" i="1" smtClean="0">
+                            <a:latin typeface="Cambria Math" panose="02040503050406030204" pitchFamily="18" charset="0"/>
+                            <a:cs typeface="Arial" panose="020B0604020202020204" pitchFamily="34" charset="0"/>
+                          </a:rPr>
+                          <m:t>𝑝𝑎𝑔𝑒</m:t>
+                        </m:r>
+                        <m:r>
+                          <a:rPr lang="en-US" sz="2000" b="0" i="1" smtClean="0">
+                            <a:latin typeface="Cambria Math" panose="02040503050406030204" pitchFamily="18" charset="0"/>
+                            <a:cs typeface="Arial" panose="020B0604020202020204" pitchFamily="34" charset="0"/>
+                          </a:rPr>
+                          <m:t>)</m:t>
+                        </m:r>
+                      </m:oMath>
+                    </m:oMathPara>
+                  </a14:m>
+                  <a:endParaRPr lang="en-US" sz="2000" dirty="0" smtClean="0">
+                    <a:latin typeface="Arial" panose="020B0604020202020204" pitchFamily="34" charset="0"/>
+                    <a:cs typeface="Arial" panose="020B0604020202020204" pitchFamily="34" charset="0"/>
+                  </a:endParaRPr>
+                </a:p>
+              </p:txBody>
+            </p:sp>
+          </mc:Choice>
+          <mc:Fallback>
+            <p:sp>
+              <p:nvSpPr>
+                <p:cNvPr id="46" name="TextBox 45"/>
+                <p:cNvSpPr txBox="1">
+                  <a:spLocks noRot="1" noChangeAspect="1" noMove="1" noResize="1" noEditPoints="1" noAdjustHandles="1" noChangeArrowheads="1" noChangeShapeType="1" noTextEdit="1"/>
+                </p:cNvSpPr>
+                <p:nvPr/>
+              </p:nvSpPr>
+              <p:spPr>
+                <a:xfrm>
+                  <a:off x="4324063" y="2118507"/>
+                  <a:ext cx="2261709" cy="345159"/>
+                </a:xfrm>
+                <a:prstGeom prst="rect">
+                  <a:avLst/>
+                </a:prstGeom>
+                <a:blipFill>
+                  <a:blip r:embed="rId5"/>
+                  <a:stretch>
+                    <a:fillRect l="-2156" r="-3235" b="-35714"/>
+                  </a:stretch>
+                </a:blipFill>
+              </p:spPr>
+              <p:txBody>
+                <a:bodyPr/>
+                <a:lstStyle/>
+                <a:p>
+                  <a:r>
+                    <a:rPr lang="en-US">
+                      <a:noFill/>
+                    </a:rPr>
+                    <a:t> </a:t>
+                  </a:r>
+                </a:p>
+              </p:txBody>
+            </p:sp>
+          </mc:Fallback>
+        </mc:AlternateContent>
+      </p:grpSp>
+      <p:grpSp>
+        <p:nvGrpSpPr>
+          <p:cNvPr id="139" name="Group 138"/>
+          <p:cNvGrpSpPr/>
+          <p:nvPr/>
+        </p:nvGrpSpPr>
+        <p:grpSpPr>
+          <a:xfrm>
+            <a:off x="5978120" y="695852"/>
+            <a:ext cx="5462478" cy="4076573"/>
+            <a:chOff x="5978120" y="695852"/>
+            <a:chExt cx="5462478" cy="4076573"/>
+          </a:xfrm>
+        </p:grpSpPr>
+        <p:grpSp>
+          <p:nvGrpSpPr>
+            <p:cNvPr id="136" name="Group 135"/>
+            <p:cNvGrpSpPr/>
             <p:nvPr/>
-          </p:nvSpPr>
+          </p:nvGrpSpPr>
+          <p:grpSpPr>
+            <a:xfrm>
+              <a:off x="5978120" y="695852"/>
+              <a:ext cx="5462478" cy="4076573"/>
+              <a:chOff x="5978120" y="695852"/>
+              <a:chExt cx="5462478" cy="4076573"/>
+            </a:xfrm>
+          </p:grpSpPr>
+          <p:grpSp>
+            <p:nvGrpSpPr>
+              <p:cNvPr id="135" name="Group 134"/>
+              <p:cNvGrpSpPr/>
+              <p:nvPr/>
+            </p:nvGrpSpPr>
+            <p:grpSpPr>
+              <a:xfrm>
+                <a:off x="6210537" y="695852"/>
+                <a:ext cx="5230061" cy="3677844"/>
+                <a:chOff x="6210537" y="695852"/>
+                <a:chExt cx="5230061" cy="3677844"/>
+              </a:xfrm>
+            </p:grpSpPr>
+            <p:cxnSp>
+              <p:nvCxnSpPr>
+                <p:cNvPr id="55" name="Straight Connector 54"/>
+                <p:cNvCxnSpPr/>
+                <p:nvPr/>
+              </p:nvCxnSpPr>
+              <p:spPr>
+                <a:xfrm>
+                  <a:off x="7006727" y="707371"/>
+                  <a:ext cx="0" cy="3666325"/>
+                </a:xfrm>
+                <a:prstGeom prst="line">
+                  <a:avLst/>
+                </a:prstGeom>
+                <a:ln w="47625">
+                  <a:solidFill>
+                    <a:schemeClr val="tx1"/>
+                  </a:solidFill>
+                </a:ln>
+              </p:spPr>
+              <p:style>
+                <a:lnRef idx="1">
+                  <a:schemeClr val="accent1"/>
+                </a:lnRef>
+                <a:fillRef idx="0">
+                  <a:schemeClr val="accent1"/>
+                </a:fillRef>
+                <a:effectRef idx="0">
+                  <a:schemeClr val="accent1"/>
+                </a:effectRef>
+                <a:fontRef idx="minor">
+                  <a:schemeClr val="tx1"/>
+                </a:fontRef>
+              </p:style>
+            </p:cxnSp>
+            <p:cxnSp>
+              <p:nvCxnSpPr>
+                <p:cNvPr id="173" name="Straight Arrow Connector 172"/>
+                <p:cNvCxnSpPr/>
+                <p:nvPr/>
+              </p:nvCxnSpPr>
+              <p:spPr>
+                <a:xfrm flipH="1" flipV="1">
+                  <a:off x="7006726" y="3835825"/>
+                  <a:ext cx="1" cy="390431"/>
+                </a:xfrm>
+                <a:prstGeom prst="straightConnector1">
+                  <a:avLst/>
+                </a:prstGeom>
+                <a:ln w="38100">
+                  <a:solidFill>
+                    <a:schemeClr val="tx1"/>
+                  </a:solidFill>
+                  <a:tailEnd type="triangle" w="lg" len="lg"/>
+                </a:ln>
+              </p:spPr>
+              <p:style>
+                <a:lnRef idx="1">
+                  <a:schemeClr val="accent1"/>
+                </a:lnRef>
+                <a:fillRef idx="0">
+                  <a:schemeClr val="accent1"/>
+                </a:fillRef>
+                <a:effectRef idx="0">
+                  <a:schemeClr val="accent1"/>
+                </a:effectRef>
+                <a:fontRef idx="minor">
+                  <a:schemeClr val="tx1"/>
+                </a:fontRef>
+              </p:style>
+            </p:cxnSp>
+            <mc:AlternateContent xmlns:mc="http://schemas.openxmlformats.org/markup-compatibility/2006">
+              <mc:Choice xmlns:a14="http://schemas.microsoft.com/office/drawing/2010/main" Requires="a14">
+                <p:sp>
+                  <p:nvSpPr>
+                    <p:cNvPr id="62" name="TextBox 61"/>
+                    <p:cNvSpPr txBox="1"/>
+                    <p:nvPr/>
+                  </p:nvSpPr>
+                  <p:spPr>
+                    <a:xfrm>
+                      <a:off x="6742037" y="4031040"/>
+                      <a:ext cx="176459" cy="307777"/>
+                    </a:xfrm>
+                    <a:prstGeom prst="rect">
+                      <a:avLst/>
+                    </a:prstGeom>
+                    <a:noFill/>
+                  </p:spPr>
+                  <p:txBody>
+                    <a:bodyPr wrap="none" lIns="0" tIns="0" rIns="0" bIns="0" rtlCol="0">
+                      <a:spAutoFit/>
+                    </a:bodyPr>
+                    <a:lstStyle/>
+                    <a:p>
+                      <a14:m>
+                        <m:oMathPara xmlns:m="http://schemas.openxmlformats.org/officeDocument/2006/math">
+                          <m:oMathParaPr>
+                            <m:jc m:val="centerGroup"/>
+                          </m:oMathParaPr>
+                          <m:oMath xmlns:m="http://schemas.openxmlformats.org/officeDocument/2006/math">
+                            <m:r>
+                              <a:rPr lang="en-US" sz="2000" b="0" i="1" smtClean="0">
+                                <a:latin typeface="Cambria Math" panose="02040503050406030204" pitchFamily="18" charset="0"/>
+                                <a:cs typeface="Arial" panose="020B0604020202020204" pitchFamily="34" charset="0"/>
+                              </a:rPr>
+                              <m:t>𝐼</m:t>
+                            </m:r>
+                          </m:oMath>
+                        </m:oMathPara>
+                      </a14:m>
+                      <a:endParaRPr lang="en-US" sz="2000" dirty="0" smtClean="0">
+                        <a:latin typeface="Arial" panose="020B0604020202020204" pitchFamily="34" charset="0"/>
+                        <a:cs typeface="Arial" panose="020B0604020202020204" pitchFamily="34" charset="0"/>
+                      </a:endParaRPr>
+                    </a:p>
+                  </p:txBody>
+                </p:sp>
+              </mc:Choice>
+              <mc:Fallback>
+                <p:sp>
+                  <p:nvSpPr>
+                    <p:cNvPr id="62" name="TextBox 61"/>
+                    <p:cNvSpPr txBox="1">
+                      <a:spLocks noRot="1" noChangeAspect="1" noMove="1" noResize="1" noEditPoints="1" noAdjustHandles="1" noChangeArrowheads="1" noChangeShapeType="1" noTextEdit="1"/>
+                    </p:cNvSpPr>
+                    <p:nvPr/>
+                  </p:nvSpPr>
+                  <p:spPr>
+                    <a:xfrm>
+                      <a:off x="6742037" y="4031040"/>
+                      <a:ext cx="176459" cy="307777"/>
+                    </a:xfrm>
+                    <a:prstGeom prst="rect">
+                      <a:avLst/>
+                    </a:prstGeom>
+                    <a:blipFill>
+                      <a:blip r:embed="rId6"/>
+                      <a:stretch>
+                        <a:fillRect l="-31034" r="-24138" b="-9804"/>
+                      </a:stretch>
+                    </a:blipFill>
+                  </p:spPr>
+                  <p:txBody>
+                    <a:bodyPr/>
+                    <a:lstStyle/>
+                    <a:p>
+                      <a:r>
+                        <a:rPr lang="en-US">
+                          <a:noFill/>
+                        </a:rPr>
+                        <a:t> </a:t>
+                      </a:r>
+                    </a:p>
+                  </p:txBody>
+                </p:sp>
+              </mc:Fallback>
+            </mc:AlternateContent>
+            <p:cxnSp>
+              <p:nvCxnSpPr>
+                <p:cNvPr id="66" name="Straight Connector 65"/>
+                <p:cNvCxnSpPr/>
+                <p:nvPr/>
+              </p:nvCxnSpPr>
+              <p:spPr>
+                <a:xfrm flipV="1">
+                  <a:off x="7034268" y="2540533"/>
+                  <a:ext cx="2263968" cy="8836"/>
+                </a:xfrm>
+                <a:prstGeom prst="line">
+                  <a:avLst/>
+                </a:prstGeom>
+                <a:ln w="25400">
+                  <a:solidFill>
+                    <a:schemeClr val="tx1"/>
+                  </a:solidFill>
+                  <a:prstDash val="dash"/>
+                </a:ln>
+              </p:spPr>
+              <p:style>
+                <a:lnRef idx="1">
+                  <a:schemeClr val="accent1"/>
+                </a:lnRef>
+                <a:fillRef idx="0">
+                  <a:schemeClr val="accent1"/>
+                </a:fillRef>
+                <a:effectRef idx="0">
+                  <a:schemeClr val="accent1"/>
+                </a:effectRef>
+                <a:fontRef idx="minor">
+                  <a:schemeClr val="tx1"/>
+                </a:fontRef>
+              </p:style>
+            </p:cxnSp>
+            <p:cxnSp>
+              <p:nvCxnSpPr>
+                <p:cNvPr id="181" name="Straight Arrow Connector 180"/>
+                <p:cNvCxnSpPr/>
+                <p:nvPr/>
+              </p:nvCxnSpPr>
+              <p:spPr>
+                <a:xfrm flipV="1">
+                  <a:off x="7006726" y="1400739"/>
+                  <a:ext cx="0" cy="374921"/>
+                </a:xfrm>
+                <a:prstGeom prst="straightConnector1">
+                  <a:avLst/>
+                </a:prstGeom>
+                <a:ln w="44450">
+                  <a:solidFill>
+                    <a:srgbClr val="FF0000"/>
+                  </a:solidFill>
+                  <a:tailEnd type="triangle"/>
+                </a:ln>
+              </p:spPr>
+              <p:style>
+                <a:lnRef idx="1">
+                  <a:schemeClr val="accent1"/>
+                </a:lnRef>
+                <a:fillRef idx="0">
+                  <a:schemeClr val="accent1"/>
+                </a:fillRef>
+                <a:effectRef idx="0">
+                  <a:schemeClr val="accent1"/>
+                </a:effectRef>
+                <a:fontRef idx="minor">
+                  <a:schemeClr val="tx1"/>
+                </a:fontRef>
+              </p:style>
+            </p:cxnSp>
+            <mc:AlternateContent xmlns:mc="http://schemas.openxmlformats.org/markup-compatibility/2006">
+              <mc:Choice xmlns:a14="http://schemas.microsoft.com/office/drawing/2010/main" Requires="a14">
+                <p:sp>
+                  <p:nvSpPr>
+                    <p:cNvPr id="246" name="TextBox 245"/>
+                    <p:cNvSpPr txBox="1"/>
+                    <p:nvPr/>
+                  </p:nvSpPr>
+                  <p:spPr>
+                    <a:xfrm>
+                      <a:off x="6601853" y="1414525"/>
+                      <a:ext cx="317651" cy="353302"/>
+                    </a:xfrm>
+                    <a:prstGeom prst="rect">
+                      <a:avLst/>
+                    </a:prstGeom>
+                    <a:noFill/>
+                  </p:spPr>
+                  <p:txBody>
+                    <a:bodyPr wrap="none" lIns="0" tIns="0" rIns="0" bIns="0" rtlCol="0">
+                      <a:spAutoFit/>
+                    </a:bodyPr>
+                    <a:lstStyle/>
+                    <a:p>
+                      <a14:m>
+                        <m:oMathPara xmlns:m="http://schemas.openxmlformats.org/officeDocument/2006/math">
+                          <m:oMathParaPr>
+                            <m:jc m:val="centerGroup"/>
+                          </m:oMathParaPr>
+                          <m:oMath xmlns:m="http://schemas.openxmlformats.org/officeDocument/2006/math">
+                            <m:r>
+                              <a:rPr lang="en-US" sz="2000" b="0" i="1" smtClean="0">
+                                <a:solidFill>
+                                  <a:srgbClr val="FF0000"/>
+                                </a:solidFill>
+                                <a:latin typeface="Cambria Math" panose="02040503050406030204" pitchFamily="18" charset="0"/>
+                                <a:cs typeface="Arial" panose="020B0604020202020204" pitchFamily="34" charset="0"/>
+                              </a:rPr>
+                              <m:t>𝑑</m:t>
+                            </m:r>
+                            <m:acc>
+                              <m:accPr>
+                                <m:chr m:val="⃗"/>
+                                <m:ctrlPr>
+                                  <a:rPr lang="en-US" sz="2000" b="0" i="1" smtClean="0">
+                                    <a:solidFill>
+                                      <a:srgbClr val="FF0000"/>
+                                    </a:solidFill>
+                                    <a:latin typeface="Cambria Math" panose="02040503050406030204" pitchFamily="18" charset="0"/>
+                                    <a:cs typeface="Arial" panose="020B0604020202020204" pitchFamily="34" charset="0"/>
+                                  </a:rPr>
+                                </m:ctrlPr>
+                              </m:accPr>
+                              <m:e>
+                                <m:r>
+                                  <a:rPr lang="en-US" sz="2000" b="0" i="1" smtClean="0">
+                                    <a:solidFill>
+                                      <a:srgbClr val="FF0000"/>
+                                    </a:solidFill>
+                                    <a:latin typeface="Cambria Math" panose="02040503050406030204" pitchFamily="18" charset="0"/>
+                                    <a:cs typeface="Arial" panose="020B0604020202020204" pitchFamily="34" charset="0"/>
+                                  </a:rPr>
+                                  <m:t>𝑙</m:t>
+                                </m:r>
+                              </m:e>
+                            </m:acc>
+                          </m:oMath>
+                        </m:oMathPara>
+                      </a14:m>
+                      <a:endParaRPr lang="en-US" sz="2000" dirty="0" smtClean="0">
+                        <a:solidFill>
+                          <a:srgbClr val="FF0000"/>
+                        </a:solidFill>
+                        <a:latin typeface="Arial" panose="020B0604020202020204" pitchFamily="34" charset="0"/>
+                        <a:cs typeface="Arial" panose="020B0604020202020204" pitchFamily="34" charset="0"/>
+                      </a:endParaRPr>
+                    </a:p>
+                  </p:txBody>
+                </p:sp>
+              </mc:Choice>
+              <mc:Fallback>
+                <p:sp>
+                  <p:nvSpPr>
+                    <p:cNvPr id="246" name="TextBox 245"/>
+                    <p:cNvSpPr txBox="1">
+                      <a:spLocks noRot="1" noChangeAspect="1" noMove="1" noResize="1" noEditPoints="1" noAdjustHandles="1" noChangeArrowheads="1" noChangeShapeType="1" noTextEdit="1"/>
+                    </p:cNvSpPr>
+                    <p:nvPr/>
+                  </p:nvSpPr>
+                  <p:spPr>
+                    <a:xfrm>
+                      <a:off x="6601853" y="1414525"/>
+                      <a:ext cx="317651" cy="353302"/>
+                    </a:xfrm>
+                    <a:prstGeom prst="rect">
+                      <a:avLst/>
+                    </a:prstGeom>
+                    <a:blipFill>
+                      <a:blip r:embed="rId7"/>
+                      <a:stretch>
+                        <a:fillRect l="-17308" t="-32759" r="-103846" b="-8621"/>
+                      </a:stretch>
+                    </a:blipFill>
+                  </p:spPr>
+                  <p:txBody>
+                    <a:bodyPr/>
+                    <a:lstStyle/>
+                    <a:p>
+                      <a:r>
+                        <a:rPr lang="en-US">
+                          <a:noFill/>
+                        </a:rPr>
+                        <a:t> </a:t>
+                      </a:r>
+                    </a:p>
+                  </p:txBody>
+                </p:sp>
+              </mc:Fallback>
+            </mc:AlternateContent>
+            <p:cxnSp>
+              <p:nvCxnSpPr>
+                <p:cNvPr id="72" name="Straight Arrow Connector 71"/>
+                <p:cNvCxnSpPr/>
+                <p:nvPr/>
+              </p:nvCxnSpPr>
+              <p:spPr>
+                <a:xfrm>
+                  <a:off x="7006726" y="1767827"/>
+                  <a:ext cx="2291510" cy="772706"/>
+                </a:xfrm>
+                <a:prstGeom prst="straightConnector1">
+                  <a:avLst/>
+                </a:prstGeom>
+                <a:ln w="38100">
+                  <a:solidFill>
+                    <a:schemeClr val="tx1"/>
+                  </a:solidFill>
+                  <a:tailEnd type="triangle" w="med" len="med"/>
+                </a:ln>
+              </p:spPr>
+              <p:style>
+                <a:lnRef idx="1">
+                  <a:schemeClr val="accent1"/>
+                </a:lnRef>
+                <a:fillRef idx="0">
+                  <a:schemeClr val="accent1"/>
+                </a:fillRef>
+                <a:effectRef idx="0">
+                  <a:schemeClr val="accent1"/>
+                </a:effectRef>
+                <a:fontRef idx="minor">
+                  <a:schemeClr val="tx1"/>
+                </a:fontRef>
+              </p:style>
+            </p:cxnSp>
+            <mc:AlternateContent xmlns:mc="http://schemas.openxmlformats.org/markup-compatibility/2006">
+              <mc:Choice xmlns:a14="http://schemas.microsoft.com/office/drawing/2010/main" Requires="a14">
+                <p:sp>
+                  <p:nvSpPr>
+                    <p:cNvPr id="123" name="TextBox 122"/>
+                    <p:cNvSpPr txBox="1"/>
+                    <p:nvPr/>
+                  </p:nvSpPr>
+                  <p:spPr>
+                    <a:xfrm>
+                      <a:off x="7966256" y="1724688"/>
+                      <a:ext cx="198003" cy="307777"/>
+                    </a:xfrm>
+                    <a:prstGeom prst="rect">
+                      <a:avLst/>
+                    </a:prstGeom>
+                    <a:noFill/>
+                  </p:spPr>
+                  <p:txBody>
+                    <a:bodyPr wrap="none" lIns="0" tIns="0" rIns="0" bIns="0" rtlCol="0">
+                      <a:spAutoFit/>
+                    </a:bodyPr>
+                    <a:lstStyle/>
+                    <a:p>
+                      <a14:m>
+                        <m:oMathPara xmlns:m="http://schemas.openxmlformats.org/officeDocument/2006/math">
+                          <m:oMathParaPr>
+                            <m:jc m:val="centerGroup"/>
+                          </m:oMathParaPr>
+                          <m:oMath xmlns:m="http://schemas.openxmlformats.org/officeDocument/2006/math">
+                            <m:acc>
+                              <m:accPr>
+                                <m:chr m:val="⃗"/>
+                                <m:ctrlPr>
+                                  <a:rPr lang="en-US" sz="2000" b="0" i="1" smtClean="0">
+                                    <a:latin typeface="Cambria Math" panose="02040503050406030204" pitchFamily="18" charset="0"/>
+                                    <a:cs typeface="Arial" panose="020B0604020202020204" pitchFamily="34" charset="0"/>
+                                  </a:rPr>
+                                </m:ctrlPr>
+                              </m:accPr>
+                              <m:e>
+                                <m:r>
+                                  <a:rPr lang="en-US" sz="2000" b="0" i="1" smtClean="0">
+                                    <a:latin typeface="Cambria Math" panose="02040503050406030204" pitchFamily="18" charset="0"/>
+                                    <a:cs typeface="Arial" panose="020B0604020202020204" pitchFamily="34" charset="0"/>
+                                  </a:rPr>
+                                  <m:t>𝑟</m:t>
+                                </m:r>
+                              </m:e>
+                            </m:acc>
+                          </m:oMath>
+                        </m:oMathPara>
+                      </a14:m>
+                      <a:endParaRPr lang="en-US" sz="2000" dirty="0" smtClean="0">
+                        <a:latin typeface="Arial" panose="020B0604020202020204" pitchFamily="34" charset="0"/>
+                        <a:cs typeface="Arial" panose="020B0604020202020204" pitchFamily="34" charset="0"/>
+                      </a:endParaRPr>
+                    </a:p>
+                  </p:txBody>
+                </p:sp>
+              </mc:Choice>
+              <mc:Fallback>
+                <p:sp>
+                  <p:nvSpPr>
+                    <p:cNvPr id="123" name="TextBox 122"/>
+                    <p:cNvSpPr txBox="1">
+                      <a:spLocks noRot="1" noChangeAspect="1" noMove="1" noResize="1" noEditPoints="1" noAdjustHandles="1" noChangeArrowheads="1" noChangeShapeType="1" noTextEdit="1"/>
+                    </p:cNvSpPr>
+                    <p:nvPr/>
+                  </p:nvSpPr>
+                  <p:spPr>
+                    <a:xfrm>
+                      <a:off x="7966256" y="1724688"/>
+                      <a:ext cx="198003" cy="307777"/>
+                    </a:xfrm>
+                    <a:prstGeom prst="rect">
+                      <a:avLst/>
+                    </a:prstGeom>
+                    <a:blipFill>
+                      <a:blip r:embed="rId8"/>
+                      <a:stretch>
+                        <a:fillRect l="-31250" t="-36000" r="-96875" b="-6000"/>
+                      </a:stretch>
+                    </a:blipFill>
+                  </p:spPr>
+                  <p:txBody>
+                    <a:bodyPr/>
+                    <a:lstStyle/>
+                    <a:p>
+                      <a:r>
+                        <a:rPr lang="en-US">
+                          <a:noFill/>
+                        </a:rPr>
+                        <a:t> </a:t>
+                      </a:r>
+                    </a:p>
+                  </p:txBody>
+                </p:sp>
+              </mc:Fallback>
+            </mc:AlternateContent>
+            <p:sp>
+              <p:nvSpPr>
+                <p:cNvPr id="247" name="Multiply 246"/>
+                <p:cNvSpPr/>
+                <p:nvPr/>
+              </p:nvSpPr>
+              <p:spPr>
+                <a:xfrm>
+                  <a:off x="9136243" y="2327312"/>
+                  <a:ext cx="427838" cy="393376"/>
+                </a:xfrm>
+                <a:prstGeom prst="mathMultiply">
+                  <a:avLst>
+                    <a:gd name="adj1" fmla="val 3701"/>
+                  </a:avLst>
+                </a:prstGeom>
+                <a:solidFill>
+                  <a:schemeClr val="tx1"/>
+                </a:solidFill>
+                <a:ln w="38100">
+                  <a:solidFill>
+                    <a:schemeClr val="tx1"/>
+                  </a:solidFill>
+                </a:ln>
+              </p:spPr>
+              <p:style>
+                <a:lnRef idx="2">
+                  <a:schemeClr val="accent1">
+                    <a:shade val="50000"/>
+                  </a:schemeClr>
+                </a:lnRef>
+                <a:fillRef idx="1">
+                  <a:schemeClr val="accent1"/>
+                </a:fillRef>
+                <a:effectRef idx="0">
+                  <a:schemeClr val="accent1"/>
+                </a:effectRef>
+                <a:fontRef idx="minor">
+                  <a:schemeClr val="lt1"/>
+                </a:fontRef>
+              </p:style>
+              <p:txBody>
+                <a:bodyPr rtlCol="0" anchor="ctr"/>
+                <a:lstStyle/>
+                <a:p>
+                  <a:pPr algn="ctr"/>
+                  <a:endParaRPr lang="en-US"/>
+                </a:p>
+              </p:txBody>
+            </p:sp>
+            <mc:AlternateContent xmlns:mc="http://schemas.openxmlformats.org/markup-compatibility/2006">
+              <mc:Choice xmlns:a14="http://schemas.microsoft.com/office/drawing/2010/main" Requires="a14">
+                <p:sp>
+                  <p:nvSpPr>
+                    <p:cNvPr id="248" name="TextBox 247"/>
+                    <p:cNvSpPr txBox="1"/>
+                    <p:nvPr/>
+                  </p:nvSpPr>
+                  <p:spPr>
+                    <a:xfrm>
+                      <a:off x="9178889" y="2019040"/>
+                      <a:ext cx="2261709" cy="345159"/>
+                    </a:xfrm>
+                    <a:prstGeom prst="rect">
+                      <a:avLst/>
+                    </a:prstGeom>
+                    <a:noFill/>
+                  </p:spPr>
+                  <p:txBody>
+                    <a:bodyPr wrap="none" lIns="0" tIns="0" rIns="0" bIns="0" rtlCol="0">
+                      <a:spAutoFit/>
+                    </a:bodyPr>
+                    <a:lstStyle/>
+                    <a:p>
+                      <a14:m>
+                        <m:oMathPara xmlns:m="http://schemas.openxmlformats.org/officeDocument/2006/math">
+                          <m:oMathParaPr>
+                            <m:jc m:val="centerGroup"/>
+                          </m:oMathParaPr>
+                          <m:oMath xmlns:m="http://schemas.openxmlformats.org/officeDocument/2006/math">
+                            <m:r>
+                              <a:rPr lang="en-US" sz="2000" b="0" i="1" smtClean="0">
+                                <a:latin typeface="Cambria Math" panose="02040503050406030204" pitchFamily="18" charset="0"/>
+                                <a:cs typeface="Arial" panose="020B0604020202020204" pitchFamily="34" charset="0"/>
+                              </a:rPr>
+                              <m:t>𝑑</m:t>
+                            </m:r>
+                            <m:acc>
+                              <m:accPr>
+                                <m:chr m:val="⃗"/>
+                                <m:ctrlPr>
+                                  <a:rPr lang="en-US" sz="2000" b="0" i="1" smtClean="0">
+                                    <a:latin typeface="Cambria Math" panose="02040503050406030204" pitchFamily="18" charset="0"/>
+                                    <a:cs typeface="Arial" panose="020B0604020202020204" pitchFamily="34" charset="0"/>
+                                  </a:rPr>
+                                </m:ctrlPr>
+                              </m:accPr>
+                              <m:e>
+                                <m:r>
+                                  <a:rPr lang="en-US" sz="2000" b="0" i="1" smtClean="0">
+                                    <a:latin typeface="Cambria Math" panose="02040503050406030204" pitchFamily="18" charset="0"/>
+                                    <a:cs typeface="Arial" panose="020B0604020202020204" pitchFamily="34" charset="0"/>
+                                  </a:rPr>
+                                  <m:t>𝐵</m:t>
+                                </m:r>
+                              </m:e>
+                            </m:acc>
+                            <m:r>
+                              <a:rPr lang="en-US" sz="2000" b="0" i="1" smtClean="0">
+                                <a:latin typeface="Cambria Math" panose="02040503050406030204" pitchFamily="18" charset="0"/>
+                                <a:cs typeface="Arial" panose="020B0604020202020204" pitchFamily="34" charset="0"/>
+                              </a:rPr>
+                              <m:t>  (</m:t>
+                            </m:r>
+                            <m:r>
+                              <a:rPr lang="en-US" sz="2000" b="0" i="1" smtClean="0">
+                                <a:latin typeface="Cambria Math" panose="02040503050406030204" pitchFamily="18" charset="0"/>
+                                <a:cs typeface="Arial" panose="020B0604020202020204" pitchFamily="34" charset="0"/>
+                              </a:rPr>
+                              <m:t>𝑖𝑛𝑡𝑜</m:t>
+                            </m:r>
+                            <m:r>
+                              <a:rPr lang="en-US" sz="2000" b="0" i="1" smtClean="0">
+                                <a:latin typeface="Cambria Math" panose="02040503050406030204" pitchFamily="18" charset="0"/>
+                                <a:cs typeface="Arial" panose="020B0604020202020204" pitchFamily="34" charset="0"/>
+                              </a:rPr>
+                              <m:t> </m:t>
+                            </m:r>
+                            <m:r>
+                              <a:rPr lang="en-US" sz="2000" b="0" i="1" smtClean="0">
+                                <a:latin typeface="Cambria Math" panose="02040503050406030204" pitchFamily="18" charset="0"/>
+                                <a:cs typeface="Arial" panose="020B0604020202020204" pitchFamily="34" charset="0"/>
+                              </a:rPr>
+                              <m:t>𝑡h𝑒</m:t>
+                            </m:r>
+                            <m:r>
+                              <a:rPr lang="en-US" sz="2000" b="0" i="1" smtClean="0">
+                                <a:latin typeface="Cambria Math" panose="02040503050406030204" pitchFamily="18" charset="0"/>
+                                <a:cs typeface="Arial" panose="020B0604020202020204" pitchFamily="34" charset="0"/>
+                              </a:rPr>
+                              <m:t> </m:t>
+                            </m:r>
+                            <m:r>
+                              <a:rPr lang="en-US" sz="2000" b="0" i="1" smtClean="0">
+                                <a:latin typeface="Cambria Math" panose="02040503050406030204" pitchFamily="18" charset="0"/>
+                                <a:cs typeface="Arial" panose="020B0604020202020204" pitchFamily="34" charset="0"/>
+                              </a:rPr>
+                              <m:t>𝑝𝑎𝑔𝑒</m:t>
+                            </m:r>
+                            <m:r>
+                              <a:rPr lang="en-US" sz="2000" b="0" i="1" smtClean="0">
+                                <a:latin typeface="Cambria Math" panose="02040503050406030204" pitchFamily="18" charset="0"/>
+                                <a:cs typeface="Arial" panose="020B0604020202020204" pitchFamily="34" charset="0"/>
+                              </a:rPr>
+                              <m:t>)</m:t>
+                            </m:r>
+                          </m:oMath>
+                        </m:oMathPara>
+                      </a14:m>
+                      <a:endParaRPr lang="en-US" sz="2000" dirty="0" smtClean="0">
+                        <a:latin typeface="Arial" panose="020B0604020202020204" pitchFamily="34" charset="0"/>
+                        <a:cs typeface="Arial" panose="020B0604020202020204" pitchFamily="34" charset="0"/>
+                      </a:endParaRPr>
+                    </a:p>
+                  </p:txBody>
+                </p:sp>
+              </mc:Choice>
+              <mc:Fallback>
+                <p:sp>
+                  <p:nvSpPr>
+                    <p:cNvPr id="248" name="TextBox 247"/>
+                    <p:cNvSpPr txBox="1">
+                      <a:spLocks noRot="1" noChangeAspect="1" noMove="1" noResize="1" noEditPoints="1" noAdjustHandles="1" noChangeArrowheads="1" noChangeShapeType="1" noTextEdit="1"/>
+                    </p:cNvSpPr>
+                    <p:nvPr/>
+                  </p:nvSpPr>
+                  <p:spPr>
+                    <a:xfrm>
+                      <a:off x="9178889" y="2019040"/>
+                      <a:ext cx="2261709" cy="345159"/>
+                    </a:xfrm>
+                    <a:prstGeom prst="rect">
+                      <a:avLst/>
+                    </a:prstGeom>
+                    <a:blipFill>
+                      <a:blip r:embed="rId9"/>
+                      <a:stretch>
+                        <a:fillRect l="-2156" r="-3235" b="-33333"/>
+                      </a:stretch>
+                    </a:blipFill>
+                  </p:spPr>
+                  <p:txBody>
+                    <a:bodyPr/>
+                    <a:lstStyle/>
+                    <a:p>
+                      <a:r>
+                        <a:rPr lang="en-US">
+                          <a:noFill/>
+                        </a:rPr>
+                        <a:t> </a:t>
+                      </a:r>
+                    </a:p>
+                  </p:txBody>
+                </p:sp>
+              </mc:Fallback>
+            </mc:AlternateContent>
+            <mc:AlternateContent xmlns:mc="http://schemas.openxmlformats.org/markup-compatibility/2006">
+              <mc:Choice xmlns:a14="http://schemas.microsoft.com/office/drawing/2010/main" Requires="a14">
+                <p:sp>
+                  <p:nvSpPr>
+                    <p:cNvPr id="124" name="TextBox 123"/>
+                    <p:cNvSpPr txBox="1"/>
+                    <p:nvPr/>
+                  </p:nvSpPr>
+                  <p:spPr>
+                    <a:xfrm>
+                      <a:off x="7726586" y="2603686"/>
+                      <a:ext cx="217560" cy="307777"/>
+                    </a:xfrm>
+                    <a:prstGeom prst="rect">
+                      <a:avLst/>
+                    </a:prstGeom>
+                    <a:noFill/>
+                  </p:spPr>
+                  <p:txBody>
+                    <a:bodyPr wrap="none" lIns="0" tIns="0" rIns="0" bIns="0" rtlCol="0">
+                      <a:spAutoFit/>
+                    </a:bodyPr>
+                    <a:lstStyle/>
+                    <a:p>
+                      <a14:m>
+                        <m:oMathPara xmlns:m="http://schemas.openxmlformats.org/officeDocument/2006/math">
+                          <m:oMathParaPr>
+                            <m:jc m:val="centerGroup"/>
+                          </m:oMathParaPr>
+                          <m:oMath xmlns:m="http://schemas.openxmlformats.org/officeDocument/2006/math">
+                            <m:r>
+                              <a:rPr lang="en-US" sz="2000" b="0" i="1" smtClean="0">
+                                <a:latin typeface="Cambria Math" panose="02040503050406030204" pitchFamily="18" charset="0"/>
+                                <a:cs typeface="Arial" panose="020B0604020202020204" pitchFamily="34" charset="0"/>
+                              </a:rPr>
+                              <m:t>h</m:t>
+                            </m:r>
+                          </m:oMath>
+                        </m:oMathPara>
+                      </a14:m>
+                      <a:endParaRPr lang="en-US" sz="2000" dirty="0" smtClean="0">
+                        <a:latin typeface="Arial" panose="020B0604020202020204" pitchFamily="34" charset="0"/>
+                        <a:cs typeface="Arial" panose="020B0604020202020204" pitchFamily="34" charset="0"/>
+                      </a:endParaRPr>
+                    </a:p>
+                  </p:txBody>
+                </p:sp>
+              </mc:Choice>
+              <mc:Fallback>
+                <p:sp>
+                  <p:nvSpPr>
+                    <p:cNvPr id="124" name="TextBox 123"/>
+                    <p:cNvSpPr txBox="1">
+                      <a:spLocks noRot="1" noChangeAspect="1" noMove="1" noResize="1" noEditPoints="1" noAdjustHandles="1" noChangeArrowheads="1" noChangeShapeType="1" noTextEdit="1"/>
+                    </p:cNvSpPr>
+                    <p:nvPr/>
+                  </p:nvSpPr>
+                  <p:spPr>
+                    <a:xfrm>
+                      <a:off x="7726586" y="2603686"/>
+                      <a:ext cx="217560" cy="307777"/>
+                    </a:xfrm>
+                    <a:prstGeom prst="rect">
+                      <a:avLst/>
+                    </a:prstGeom>
+                    <a:blipFill>
+                      <a:blip r:embed="rId10"/>
+                      <a:stretch>
+                        <a:fillRect l="-25000" r="-22222" b="-9804"/>
+                      </a:stretch>
+                    </a:blipFill>
+                  </p:spPr>
+                  <p:txBody>
+                    <a:bodyPr/>
+                    <a:lstStyle/>
+                    <a:p>
+                      <a:r>
+                        <a:rPr lang="en-US">
+                          <a:noFill/>
+                        </a:rPr>
+                        <a:t> </a:t>
+                      </a:r>
+                    </a:p>
+                  </p:txBody>
+                </p:sp>
+              </mc:Fallback>
+            </mc:AlternateContent>
+            <p:sp>
+              <p:nvSpPr>
+                <p:cNvPr id="125" name="Arc 124"/>
+                <p:cNvSpPr/>
+                <p:nvPr/>
+              </p:nvSpPr>
+              <p:spPr>
+                <a:xfrm>
+                  <a:off x="8509865" y="2270881"/>
+                  <a:ext cx="308278" cy="561338"/>
+                </a:xfrm>
+                <a:prstGeom prst="arc">
+                  <a:avLst>
+                    <a:gd name="adj1" fmla="val 11309349"/>
+                    <a:gd name="adj2" fmla="val 15243741"/>
+                  </a:avLst>
+                </a:prstGeom>
+                <a:ln w="38100">
+                  <a:solidFill>
+                    <a:schemeClr val="tx1"/>
+                  </a:solidFill>
+                </a:ln>
+              </p:spPr>
+              <p:style>
+                <a:lnRef idx="1">
+                  <a:schemeClr val="accent1"/>
+                </a:lnRef>
+                <a:fillRef idx="0">
+                  <a:schemeClr val="accent1"/>
+                </a:fillRef>
+                <a:effectRef idx="0">
+                  <a:schemeClr val="accent1"/>
+                </a:effectRef>
+                <a:fontRef idx="minor">
+                  <a:schemeClr val="tx1"/>
+                </a:fontRef>
+              </p:style>
+              <p:txBody>
+                <a:bodyPr rtlCol="0" anchor="ctr"/>
+                <a:lstStyle/>
+                <a:p>
+                  <a:pPr algn="ctr"/>
+                  <a:endParaRPr lang="en-US"/>
+                </a:p>
+              </p:txBody>
+            </p:sp>
+            <mc:AlternateContent xmlns:mc="http://schemas.openxmlformats.org/markup-compatibility/2006">
+              <mc:Choice xmlns:a14="http://schemas.microsoft.com/office/drawing/2010/main" Requires="a14">
+                <p:sp>
+                  <p:nvSpPr>
+                    <p:cNvPr id="126" name="TextBox 125"/>
+                    <p:cNvSpPr txBox="1"/>
+                    <p:nvPr/>
+                  </p:nvSpPr>
+                  <p:spPr>
+                    <a:xfrm>
+                      <a:off x="8238823" y="2237174"/>
+                      <a:ext cx="222304" cy="307777"/>
+                    </a:xfrm>
+                    <a:prstGeom prst="rect">
+                      <a:avLst/>
+                    </a:prstGeom>
+                    <a:noFill/>
+                  </p:spPr>
+                  <p:txBody>
+                    <a:bodyPr wrap="none" lIns="0" tIns="0" rIns="0" bIns="0" rtlCol="0">
+                      <a:spAutoFit/>
+                    </a:bodyPr>
+                    <a:lstStyle/>
+                    <a:p>
+                      <a14:m>
+                        <m:oMathPara xmlns:m="http://schemas.openxmlformats.org/officeDocument/2006/math">
+                          <m:oMathParaPr>
+                            <m:jc m:val="centerGroup"/>
+                          </m:oMathParaPr>
+                          <m:oMath xmlns:m="http://schemas.openxmlformats.org/officeDocument/2006/math">
+                            <m:r>
+                              <a:rPr lang="en-US" sz="2000" b="0" i="1" smtClean="0">
+                                <a:latin typeface="Cambria Math" panose="02040503050406030204" pitchFamily="18" charset="0"/>
+                                <a:cs typeface="Arial" panose="020B0604020202020204" pitchFamily="34" charset="0"/>
+                              </a:rPr>
+                              <m:t>𝜃</m:t>
+                            </m:r>
+                          </m:oMath>
+                        </m:oMathPara>
+                      </a14:m>
+                      <a:endParaRPr lang="en-US" sz="2000" dirty="0" smtClean="0">
+                        <a:latin typeface="Arial" panose="020B0604020202020204" pitchFamily="34" charset="0"/>
+                        <a:cs typeface="Arial" panose="020B0604020202020204" pitchFamily="34" charset="0"/>
+                      </a:endParaRPr>
+                    </a:p>
+                  </p:txBody>
+                </p:sp>
+              </mc:Choice>
+              <mc:Fallback>
+                <p:sp>
+                  <p:nvSpPr>
+                    <p:cNvPr id="126" name="TextBox 125"/>
+                    <p:cNvSpPr txBox="1">
+                      <a:spLocks noRot="1" noChangeAspect="1" noMove="1" noResize="1" noEditPoints="1" noAdjustHandles="1" noChangeArrowheads="1" noChangeShapeType="1" noTextEdit="1"/>
+                    </p:cNvSpPr>
+                    <p:nvPr/>
+                  </p:nvSpPr>
+                  <p:spPr>
+                    <a:xfrm>
+                      <a:off x="8238823" y="2237174"/>
+                      <a:ext cx="222304" cy="307777"/>
+                    </a:xfrm>
+                    <a:prstGeom prst="rect">
+                      <a:avLst/>
+                    </a:prstGeom>
+                    <a:blipFill>
+                      <a:blip r:embed="rId11"/>
+                      <a:stretch>
+                        <a:fillRect l="-25000" r="-25000" b="-12000"/>
+                      </a:stretch>
+                    </a:blipFill>
+                  </p:spPr>
+                  <p:txBody>
+                    <a:bodyPr/>
+                    <a:lstStyle/>
+                    <a:p>
+                      <a:r>
+                        <a:rPr lang="en-US">
+                          <a:noFill/>
+                        </a:rPr>
+                        <a:t> </a:t>
+                      </a:r>
+                    </a:p>
+                  </p:txBody>
+                </p:sp>
+              </mc:Fallback>
+            </mc:AlternateContent>
+            <p:cxnSp>
+              <p:nvCxnSpPr>
+                <p:cNvPr id="129" name="Straight Arrow Connector 128"/>
+                <p:cNvCxnSpPr/>
+                <p:nvPr/>
+              </p:nvCxnSpPr>
+              <p:spPr>
+                <a:xfrm>
+                  <a:off x="6555899" y="695852"/>
+                  <a:ext cx="11017" cy="3666325"/>
+                </a:xfrm>
+                <a:prstGeom prst="straightConnector1">
+                  <a:avLst/>
+                </a:prstGeom>
+                <a:ln w="28575">
+                  <a:solidFill>
+                    <a:schemeClr val="tx1"/>
+                  </a:solidFill>
+                  <a:prstDash val="sysDot"/>
+                  <a:headEnd type="triangle"/>
+                  <a:tailEnd type="triangle"/>
+                </a:ln>
+              </p:spPr>
+              <p:style>
+                <a:lnRef idx="1">
+                  <a:schemeClr val="accent1"/>
+                </a:lnRef>
+                <a:fillRef idx="0">
+                  <a:schemeClr val="accent1"/>
+                </a:fillRef>
+                <a:effectRef idx="0">
+                  <a:schemeClr val="accent1"/>
+                </a:effectRef>
+                <a:fontRef idx="minor">
+                  <a:schemeClr val="tx1"/>
+                </a:fontRef>
+              </p:style>
+            </p:cxnSp>
+            <mc:AlternateContent xmlns:mc="http://schemas.openxmlformats.org/markup-compatibility/2006">
+              <mc:Choice xmlns:a14="http://schemas.microsoft.com/office/drawing/2010/main" Requires="a14">
+                <p:sp>
+                  <p:nvSpPr>
+                    <p:cNvPr id="130" name="TextBox 129"/>
+                    <p:cNvSpPr txBox="1"/>
+                    <p:nvPr/>
+                  </p:nvSpPr>
+                  <p:spPr>
+                    <a:xfrm>
+                      <a:off x="6210537" y="2449797"/>
+                      <a:ext cx="212045" cy="307777"/>
+                    </a:xfrm>
+                    <a:prstGeom prst="rect">
+                      <a:avLst/>
+                    </a:prstGeom>
+                    <a:noFill/>
+                  </p:spPr>
+                  <p:txBody>
+                    <a:bodyPr wrap="none" lIns="0" tIns="0" rIns="0" bIns="0" rtlCol="0">
+                      <a:spAutoFit/>
+                    </a:bodyPr>
+                    <a:lstStyle/>
+                    <a:p>
+                      <a14:m>
+                        <m:oMathPara xmlns:m="http://schemas.openxmlformats.org/officeDocument/2006/math">
+                          <m:oMathParaPr>
+                            <m:jc m:val="centerGroup"/>
+                          </m:oMathParaPr>
+                          <m:oMath xmlns:m="http://schemas.openxmlformats.org/officeDocument/2006/math">
+                            <m:r>
+                              <a:rPr lang="en-US" sz="2000" b="0" i="1" smtClean="0">
+                                <a:latin typeface="Cambria Math" panose="02040503050406030204" pitchFamily="18" charset="0"/>
+                                <a:cs typeface="Arial" panose="020B0604020202020204" pitchFamily="34" charset="0"/>
+                              </a:rPr>
+                              <m:t>𝐿</m:t>
+                            </m:r>
+                          </m:oMath>
+                        </m:oMathPara>
+                      </a14:m>
+                      <a:endParaRPr lang="en-US" sz="2000" dirty="0" smtClean="0">
+                        <a:latin typeface="Arial" panose="020B0604020202020204" pitchFamily="34" charset="0"/>
+                        <a:cs typeface="Arial" panose="020B0604020202020204" pitchFamily="34" charset="0"/>
+                      </a:endParaRPr>
+                    </a:p>
+                  </p:txBody>
+                </p:sp>
+              </mc:Choice>
+              <mc:Fallback>
+                <p:sp>
+                  <p:nvSpPr>
+                    <p:cNvPr id="130" name="TextBox 129"/>
+                    <p:cNvSpPr txBox="1">
+                      <a:spLocks noRot="1" noChangeAspect="1" noMove="1" noResize="1" noEditPoints="1" noAdjustHandles="1" noChangeArrowheads="1" noChangeShapeType="1" noTextEdit="1"/>
+                    </p:cNvSpPr>
+                    <p:nvPr/>
+                  </p:nvSpPr>
+                  <p:spPr>
+                    <a:xfrm>
+                      <a:off x="6210537" y="2449797"/>
+                      <a:ext cx="212045" cy="307777"/>
+                    </a:xfrm>
+                    <a:prstGeom prst="rect">
+                      <a:avLst/>
+                    </a:prstGeom>
+                    <a:blipFill>
+                      <a:blip r:embed="rId12"/>
+                      <a:stretch>
+                        <a:fillRect l="-25714" r="-20000" b="-10000"/>
+                      </a:stretch>
+                    </a:blipFill>
+                  </p:spPr>
+                  <p:txBody>
+                    <a:bodyPr/>
+                    <a:lstStyle/>
+                    <a:p>
+                      <a:r>
+                        <a:rPr lang="en-US">
+                          <a:noFill/>
+                        </a:rPr>
+                        <a:t> </a:t>
+                      </a:r>
+                    </a:p>
+                  </p:txBody>
+                </p:sp>
+              </mc:Fallback>
+            </mc:AlternateContent>
+            <p:cxnSp>
+              <p:nvCxnSpPr>
+                <p:cNvPr id="249" name="Straight Connector 248"/>
+                <p:cNvCxnSpPr/>
+                <p:nvPr/>
+              </p:nvCxnSpPr>
+              <p:spPr>
+                <a:xfrm flipH="1">
+                  <a:off x="7006725" y="2535519"/>
+                  <a:ext cx="2253120" cy="1826658"/>
+                </a:xfrm>
+                <a:prstGeom prst="line">
+                  <a:avLst/>
+                </a:prstGeom>
+                <a:ln w="25400">
+                  <a:solidFill>
+                    <a:schemeClr val="tx1"/>
+                  </a:solidFill>
+                  <a:prstDash val="dash"/>
+                </a:ln>
+              </p:spPr>
+              <p:style>
+                <a:lnRef idx="1">
+                  <a:schemeClr val="accent1"/>
+                </a:lnRef>
+                <a:fillRef idx="0">
+                  <a:schemeClr val="accent1"/>
+                </a:fillRef>
+                <a:effectRef idx="0">
+                  <a:schemeClr val="accent1"/>
+                </a:effectRef>
+                <a:fontRef idx="minor">
+                  <a:schemeClr val="tx1"/>
+                </a:fontRef>
+              </p:style>
+            </p:cxnSp>
+            <p:sp>
+              <p:nvSpPr>
+                <p:cNvPr id="250" name="Arc 249"/>
+                <p:cNvSpPr/>
+                <p:nvPr/>
+              </p:nvSpPr>
+              <p:spPr>
+                <a:xfrm>
+                  <a:off x="8683200" y="2422572"/>
+                  <a:ext cx="308278" cy="561338"/>
+                </a:xfrm>
+                <a:prstGeom prst="arc">
+                  <a:avLst>
+                    <a:gd name="adj1" fmla="val 6989760"/>
+                    <a:gd name="adj2" fmla="val 13520348"/>
+                  </a:avLst>
+                </a:prstGeom>
+                <a:ln w="38100">
+                  <a:solidFill>
+                    <a:schemeClr val="tx1"/>
+                  </a:solidFill>
+                </a:ln>
+              </p:spPr>
+              <p:style>
+                <a:lnRef idx="1">
+                  <a:schemeClr val="accent1"/>
+                </a:lnRef>
+                <a:fillRef idx="0">
+                  <a:schemeClr val="accent1"/>
+                </a:fillRef>
+                <a:effectRef idx="0">
+                  <a:schemeClr val="accent1"/>
+                </a:effectRef>
+                <a:fontRef idx="minor">
+                  <a:schemeClr val="tx1"/>
+                </a:fontRef>
+              </p:style>
+              <p:txBody>
+                <a:bodyPr rtlCol="0" anchor="ctr"/>
+                <a:lstStyle/>
+                <a:p>
+                  <a:pPr algn="ctr"/>
+                  <a:endParaRPr lang="en-US"/>
+                </a:p>
+              </p:txBody>
+            </p:sp>
+            <mc:AlternateContent xmlns:mc="http://schemas.openxmlformats.org/markup-compatibility/2006">
+              <mc:Choice xmlns:a14="http://schemas.microsoft.com/office/drawing/2010/main" Requires="a14">
+                <p:sp>
+                  <p:nvSpPr>
+                    <p:cNvPr id="251" name="TextBox 250"/>
+                    <p:cNvSpPr txBox="1"/>
+                    <p:nvPr/>
+                  </p:nvSpPr>
+                  <p:spPr>
+                    <a:xfrm>
+                      <a:off x="8262246" y="2695762"/>
+                      <a:ext cx="340063" cy="307777"/>
+                    </a:xfrm>
+                    <a:prstGeom prst="rect">
+                      <a:avLst/>
+                    </a:prstGeom>
+                    <a:noFill/>
+                  </p:spPr>
+                  <p:txBody>
+                    <a:bodyPr wrap="square" lIns="0" tIns="0" rIns="0" bIns="0" rtlCol="0">
+                      <a:spAutoFit/>
+                    </a:bodyPr>
+                    <a:lstStyle/>
+                    <a:p>
+                      <a14:m>
+                        <m:oMathPara xmlns:m="http://schemas.openxmlformats.org/officeDocument/2006/math">
+                          <m:oMathParaPr>
+                            <m:jc m:val="centerGroup"/>
+                          </m:oMathParaPr>
+                          <m:oMath xmlns:m="http://schemas.openxmlformats.org/officeDocument/2006/math">
+                            <m:r>
+                              <a:rPr lang="en-US" sz="2000" b="0" i="1" smtClean="0">
+                                <a:latin typeface="Cambria Math" panose="02040503050406030204" pitchFamily="18" charset="0"/>
+                                <a:cs typeface="Arial" panose="020B0604020202020204" pitchFamily="34" charset="0"/>
+                              </a:rPr>
+                              <m:t>−</m:t>
+                            </m:r>
+                            <m:sSub>
+                              <m:sSubPr>
+                                <m:ctrlPr>
+                                  <a:rPr lang="en-US" sz="2000" b="0" i="1" smtClean="0">
+                                    <a:latin typeface="Cambria Math" panose="02040503050406030204" pitchFamily="18" charset="0"/>
+                                    <a:cs typeface="Arial" panose="020B0604020202020204" pitchFamily="34" charset="0"/>
+                                  </a:rPr>
+                                </m:ctrlPr>
+                              </m:sSubPr>
+                              <m:e>
+                                <m:r>
+                                  <a:rPr lang="en-US" sz="2000" b="0" i="1" smtClean="0">
+                                    <a:latin typeface="Cambria Math" panose="02040503050406030204" pitchFamily="18" charset="0"/>
+                                    <a:cs typeface="Arial" panose="020B0604020202020204" pitchFamily="34" charset="0"/>
+                                  </a:rPr>
+                                  <m:t>𝜃</m:t>
+                                </m:r>
+                              </m:e>
+                              <m:sub>
+                                <m:r>
+                                  <a:rPr lang="en-US" sz="2000" b="0" i="1" smtClean="0">
+                                    <a:latin typeface="Cambria Math" panose="02040503050406030204" pitchFamily="18" charset="0"/>
+                                    <a:cs typeface="Arial" panose="020B0604020202020204" pitchFamily="34" charset="0"/>
+                                  </a:rPr>
+                                  <m:t>0</m:t>
+                                </m:r>
+                              </m:sub>
+                            </m:sSub>
+                          </m:oMath>
+                        </m:oMathPara>
+                      </a14:m>
+                      <a:endParaRPr lang="en-US" sz="2000" dirty="0" smtClean="0">
+                        <a:latin typeface="Arial" panose="020B0604020202020204" pitchFamily="34" charset="0"/>
+                        <a:cs typeface="Arial" panose="020B0604020202020204" pitchFamily="34" charset="0"/>
+                      </a:endParaRPr>
+                    </a:p>
+                  </p:txBody>
+                </p:sp>
+              </mc:Choice>
+              <mc:Fallback>
+                <p:sp>
+                  <p:nvSpPr>
+                    <p:cNvPr id="251" name="TextBox 250"/>
+                    <p:cNvSpPr txBox="1">
+                      <a:spLocks noRot="1" noChangeAspect="1" noMove="1" noResize="1" noEditPoints="1" noAdjustHandles="1" noChangeArrowheads="1" noChangeShapeType="1" noTextEdit="1"/>
+                    </p:cNvSpPr>
+                    <p:nvPr/>
+                  </p:nvSpPr>
+                  <p:spPr>
+                    <a:xfrm>
+                      <a:off x="8262246" y="2695762"/>
+                      <a:ext cx="340063" cy="307777"/>
+                    </a:xfrm>
+                    <a:prstGeom prst="rect">
+                      <a:avLst/>
+                    </a:prstGeom>
+                    <a:blipFill>
+                      <a:blip r:embed="rId13"/>
+                      <a:stretch>
+                        <a:fillRect l="-12500" r="-48214" b="-19608"/>
+                      </a:stretch>
+                    </a:blipFill>
+                  </p:spPr>
+                  <p:txBody>
+                    <a:bodyPr/>
+                    <a:lstStyle/>
+                    <a:p>
+                      <a:r>
+                        <a:rPr lang="en-US">
+                          <a:noFill/>
+                        </a:rPr>
+                        <a:t> </a:t>
+                      </a:r>
+                    </a:p>
+                  </p:txBody>
+                </p:sp>
+              </mc:Fallback>
+            </mc:AlternateContent>
+          </p:grpSp>
+          <p:grpSp>
+            <p:nvGrpSpPr>
+              <p:cNvPr id="252" name="Group 251"/>
+              <p:cNvGrpSpPr/>
+              <p:nvPr/>
+            </p:nvGrpSpPr>
+            <p:grpSpPr>
+              <a:xfrm>
+                <a:off x="5978120" y="4062430"/>
+                <a:ext cx="877523" cy="709995"/>
+                <a:chOff x="758520" y="708040"/>
+                <a:chExt cx="2534677" cy="2135605"/>
+              </a:xfrm>
+            </p:grpSpPr>
+            <p:grpSp>
+              <p:nvGrpSpPr>
+                <p:cNvPr id="253" name="Group 252"/>
+                <p:cNvGrpSpPr/>
+                <p:nvPr/>
+              </p:nvGrpSpPr>
+              <p:grpSpPr>
+                <a:xfrm>
+                  <a:off x="758520" y="708040"/>
+                  <a:ext cx="2534677" cy="2135605"/>
+                  <a:chOff x="785815" y="680744"/>
+                  <a:chExt cx="2534677" cy="2135605"/>
+                </a:xfrm>
+              </p:grpSpPr>
+              <p:cxnSp>
+                <p:nvCxnSpPr>
+                  <p:cNvPr id="255" name="Straight Arrow Connector 254"/>
+                  <p:cNvCxnSpPr/>
+                  <p:nvPr/>
+                </p:nvCxnSpPr>
+                <p:spPr>
+                  <a:xfrm flipV="1">
+                    <a:off x="1452939" y="680744"/>
+                    <a:ext cx="7683" cy="1859536"/>
+                  </a:xfrm>
+                  <a:prstGeom prst="straightConnector1">
+                    <a:avLst/>
+                  </a:prstGeom>
+                  <a:ln w="38100">
+                    <a:solidFill>
+                      <a:schemeClr val="tx1"/>
+                    </a:solidFill>
+                    <a:tailEnd type="triangle"/>
+                  </a:ln>
+                </p:spPr>
+                <p:style>
+                  <a:lnRef idx="1">
+                    <a:schemeClr val="accent1"/>
+                  </a:lnRef>
+                  <a:fillRef idx="0">
+                    <a:schemeClr val="accent1"/>
+                  </a:fillRef>
+                  <a:effectRef idx="0">
+                    <a:schemeClr val="accent1"/>
+                  </a:effectRef>
+                  <a:fontRef idx="minor">
+                    <a:schemeClr val="tx1"/>
+                  </a:fontRef>
+                </p:style>
+              </p:cxnSp>
+              <p:cxnSp>
+                <p:nvCxnSpPr>
+                  <p:cNvPr id="256" name="Straight Arrow Connector 255"/>
+                  <p:cNvCxnSpPr/>
+                  <p:nvPr/>
+                </p:nvCxnSpPr>
+                <p:spPr>
+                  <a:xfrm flipV="1">
+                    <a:off x="1445588" y="2503276"/>
+                    <a:ext cx="1874904" cy="0"/>
+                  </a:xfrm>
+                  <a:prstGeom prst="straightConnector1">
+                    <a:avLst/>
+                  </a:prstGeom>
+                  <a:ln w="38100">
+                    <a:solidFill>
+                      <a:schemeClr val="tx1"/>
+                    </a:solidFill>
+                    <a:tailEnd type="triangle"/>
+                  </a:ln>
+                </p:spPr>
+                <p:style>
+                  <a:lnRef idx="1">
+                    <a:schemeClr val="accent1"/>
+                  </a:lnRef>
+                  <a:fillRef idx="0">
+                    <a:schemeClr val="accent1"/>
+                  </a:fillRef>
+                  <a:effectRef idx="0">
+                    <a:schemeClr val="accent1"/>
+                  </a:effectRef>
+                  <a:fontRef idx="minor">
+                    <a:schemeClr val="tx1"/>
+                  </a:fontRef>
+                </p:style>
+              </p:cxnSp>
+              <mc:AlternateContent xmlns:mc="http://schemas.openxmlformats.org/markup-compatibility/2006" xmlns:a14="http://schemas.microsoft.com/office/drawing/2010/main">
+                <mc:Choice Requires="a14">
+                  <p:sp>
+                    <p:nvSpPr>
+                      <p:cNvPr id="257" name="Rectangle 256"/>
+                      <p:cNvSpPr/>
+                      <p:nvPr/>
+                    </p:nvSpPr>
+                    <p:spPr>
+                      <a:xfrm>
+                        <a:off x="2697555" y="2447016"/>
+                        <a:ext cx="367985" cy="369333"/>
+                      </a:xfrm>
+                      <a:prstGeom prst="rect">
+                        <a:avLst/>
+                      </a:prstGeom>
+                    </p:spPr>
+                    <p:txBody>
+                      <a:bodyPr wrap="none">
+                        <a:spAutoFit/>
+                      </a:bodyPr>
+                      <a:lstStyle/>
+                      <a:p>
+                        <a:pPr/>
+                        <a14:m>
+                          <m:oMathPara xmlns:m="http://schemas.openxmlformats.org/officeDocument/2006/math">
+                            <m:oMathParaPr>
+                              <m:jc m:val="centerGroup"/>
+                            </m:oMathParaPr>
+                            <m:oMath xmlns:m="http://schemas.openxmlformats.org/officeDocument/2006/math">
+                              <m:r>
+                                <a:rPr lang="en-US" i="1">
+                                  <a:latin typeface="Cambria Math" panose="02040503050406030204" pitchFamily="18" charset="0"/>
+                                  <a:cs typeface="Arial" panose="020B0604020202020204" pitchFamily="34" charset="0"/>
+                                </a:rPr>
+                                <m:t>𝑥</m:t>
+                              </m:r>
+                            </m:oMath>
+                          </m:oMathPara>
+                        </a14:m>
+                        <a:endParaRPr lang="en-CA" dirty="0"/>
+                      </a:p>
+                    </p:txBody>
+                  </p:sp>
+                </mc:Choice>
+                <mc:Fallback xmlns="">
+                  <p:sp>
+                    <p:nvSpPr>
+                      <p:cNvPr id="107" name="Rectangle 106"/>
+                      <p:cNvSpPr>
+                        <a:spLocks noRot="1" noChangeAspect="1" noMove="1" noResize="1" noEditPoints="1" noAdjustHandles="1" noChangeArrowheads="1" noChangeShapeType="1" noTextEdit="1"/>
+                      </p:cNvSpPr>
+                      <p:nvPr/>
+                    </p:nvSpPr>
+                    <p:spPr>
+                      <a:xfrm>
+                        <a:off x="2697555" y="2447016"/>
+                        <a:ext cx="367985" cy="369333"/>
+                      </a:xfrm>
+                      <a:prstGeom prst="rect">
+                        <a:avLst/>
+                      </a:prstGeom>
+                      <a:blipFill>
+                        <a:blip r:embed="rId27"/>
+                        <a:stretch>
+                          <a:fillRect r="-95238" b="-160000"/>
+                        </a:stretch>
+                      </a:blipFill>
+                    </p:spPr>
+                    <p:txBody>
+                      <a:bodyPr/>
+                      <a:lstStyle/>
+                      <a:p>
+                        <a:r>
+                          <a:rPr lang="en-US">
+                            <a:noFill/>
+                          </a:rPr>
+                          <a:t> </a:t>
+                        </a:r>
+                      </a:p>
+                    </p:txBody>
+                  </p:sp>
+                </mc:Fallback>
+              </mc:AlternateContent>
+              <mc:AlternateContent xmlns:mc="http://schemas.openxmlformats.org/markup-compatibility/2006" xmlns:a14="http://schemas.microsoft.com/office/drawing/2010/main">
+                <mc:Choice Requires="a14">
+                  <p:sp>
+                    <p:nvSpPr>
+                      <p:cNvPr id="258" name="Rectangle 257"/>
+                      <p:cNvSpPr/>
+                      <p:nvPr/>
+                    </p:nvSpPr>
+                    <p:spPr>
+                      <a:xfrm>
+                        <a:off x="785815" y="912420"/>
+                        <a:ext cx="371385" cy="369333"/>
+                      </a:xfrm>
+                      <a:prstGeom prst="rect">
+                        <a:avLst/>
+                      </a:prstGeom>
+                    </p:spPr>
+                    <p:txBody>
+                      <a:bodyPr wrap="none">
+                        <a:spAutoFit/>
+                      </a:bodyPr>
+                      <a:lstStyle/>
+                      <a:p>
+                        <a:pPr/>
+                        <a14:m>
+                          <m:oMathPara xmlns:m="http://schemas.openxmlformats.org/officeDocument/2006/math">
+                            <m:oMathParaPr>
+                              <m:jc m:val="centerGroup"/>
+                            </m:oMathParaPr>
+                            <m:oMath xmlns:m="http://schemas.openxmlformats.org/officeDocument/2006/math">
+                              <m:r>
+                                <a:rPr lang="en-US" b="0" i="1" smtClean="0">
+                                  <a:latin typeface="Cambria Math" panose="02040503050406030204" pitchFamily="18" charset="0"/>
+                                </a:rPr>
+                                <m:t>𝑦</m:t>
+                              </m:r>
+                            </m:oMath>
+                          </m:oMathPara>
+                        </a14:m>
+                        <a:endParaRPr lang="en-CA" dirty="0"/>
+                      </a:p>
+                    </p:txBody>
+                  </p:sp>
+                </mc:Choice>
+                <mc:Fallback xmlns="">
+                  <p:sp>
+                    <p:nvSpPr>
+                      <p:cNvPr id="108" name="Rectangle 107"/>
+                      <p:cNvSpPr>
+                        <a:spLocks noRot="1" noChangeAspect="1" noMove="1" noResize="1" noEditPoints="1" noAdjustHandles="1" noChangeArrowheads="1" noChangeShapeType="1" noTextEdit="1"/>
+                      </p:cNvSpPr>
+                      <p:nvPr/>
+                    </p:nvSpPr>
+                    <p:spPr>
+                      <a:xfrm>
+                        <a:off x="785815" y="912420"/>
+                        <a:ext cx="371385" cy="369333"/>
+                      </a:xfrm>
+                      <a:prstGeom prst="rect">
+                        <a:avLst/>
+                      </a:prstGeom>
+                      <a:blipFill>
+                        <a:blip r:embed="rId28"/>
+                        <a:stretch>
+                          <a:fillRect l="-19048" r="-114286" b="-220000"/>
+                        </a:stretch>
+                      </a:blipFill>
+                    </p:spPr>
+                    <p:txBody>
+                      <a:bodyPr/>
+                      <a:lstStyle/>
+                      <a:p>
+                        <a:r>
+                          <a:rPr lang="en-US">
+                            <a:noFill/>
+                          </a:rPr>
+                          <a:t> </a:t>
+                        </a:r>
+                      </a:p>
+                    </p:txBody>
+                  </p:sp>
+                </mc:Fallback>
+              </mc:AlternateContent>
+              <mc:AlternateContent xmlns:mc="http://schemas.openxmlformats.org/markup-compatibility/2006" xmlns:a14="http://schemas.microsoft.com/office/drawing/2010/main">
+                <mc:Choice Requires="a14">
+                  <p:sp>
+                    <p:nvSpPr>
+                      <p:cNvPr id="259" name="Rectangle 258"/>
+                      <p:cNvSpPr/>
+                      <p:nvPr/>
+                    </p:nvSpPr>
+                    <p:spPr>
+                      <a:xfrm>
+                        <a:off x="1006642" y="2350591"/>
+                        <a:ext cx="367985" cy="369333"/>
+                      </a:xfrm>
+                      <a:prstGeom prst="rect">
+                        <a:avLst/>
+                      </a:prstGeom>
+                    </p:spPr>
+                    <p:txBody>
+                      <a:bodyPr wrap="none">
+                        <a:spAutoFit/>
+                      </a:bodyPr>
+                      <a:lstStyle/>
+                      <a:p>
+                        <a:pPr/>
+                        <a14:m>
+                          <m:oMathPara xmlns:m="http://schemas.openxmlformats.org/officeDocument/2006/math">
+                            <m:oMathParaPr>
+                              <m:jc m:val="centerGroup"/>
+                            </m:oMathParaPr>
+                            <m:oMath xmlns:m="http://schemas.openxmlformats.org/officeDocument/2006/math">
+                              <m:r>
+                                <a:rPr lang="en-US" b="0" i="1" smtClean="0">
+                                  <a:latin typeface="Cambria Math" panose="02040503050406030204" pitchFamily="18" charset="0"/>
+                                  <a:cs typeface="Arial" panose="020B0604020202020204" pitchFamily="34" charset="0"/>
+                                </a:rPr>
+                                <m:t>0</m:t>
+                              </m:r>
+                            </m:oMath>
+                          </m:oMathPara>
+                        </a14:m>
+                        <a:endParaRPr lang="en-CA" dirty="0"/>
+                      </a:p>
+                    </p:txBody>
+                  </p:sp>
+                </mc:Choice>
+                <mc:Fallback xmlns="">
+                  <p:sp>
+                    <p:nvSpPr>
+                      <p:cNvPr id="109" name="Rectangle 108"/>
+                      <p:cNvSpPr>
+                        <a:spLocks noRot="1" noChangeAspect="1" noMove="1" noResize="1" noEditPoints="1" noAdjustHandles="1" noChangeArrowheads="1" noChangeShapeType="1" noTextEdit="1"/>
+                      </p:cNvSpPr>
+                      <p:nvPr/>
+                    </p:nvSpPr>
+                    <p:spPr>
+                      <a:xfrm>
+                        <a:off x="1006642" y="2350591"/>
+                        <a:ext cx="367985" cy="369333"/>
+                      </a:xfrm>
+                      <a:prstGeom prst="rect">
+                        <a:avLst/>
+                      </a:prstGeom>
+                      <a:blipFill>
+                        <a:blip r:embed="rId29"/>
+                        <a:stretch>
+                          <a:fillRect l="-14286" r="-114286" b="-180000"/>
+                        </a:stretch>
+                      </a:blipFill>
+                    </p:spPr>
+                    <p:txBody>
+                      <a:bodyPr/>
+                      <a:lstStyle/>
+                      <a:p>
+                        <a:r>
+                          <a:rPr lang="en-US">
+                            <a:noFill/>
+                          </a:rPr>
+                          <a:t> </a:t>
+                        </a:r>
+                      </a:p>
+                    </p:txBody>
+                  </p:sp>
+                </mc:Fallback>
+              </mc:AlternateContent>
+            </p:grpSp>
+            <p:sp>
+              <p:nvSpPr>
+                <p:cNvPr id="254" name="Rectangle 253"/>
+                <p:cNvSpPr/>
+                <p:nvPr/>
+              </p:nvSpPr>
+              <p:spPr>
+                <a:xfrm>
+                  <a:off x="1129904" y="1614682"/>
+                  <a:ext cx="184731" cy="369332"/>
+                </a:xfrm>
+                <a:prstGeom prst="rect">
+                  <a:avLst/>
+                </a:prstGeom>
+              </p:spPr>
+              <p:txBody>
+                <a:bodyPr wrap="none">
+                  <a:spAutoFit/>
+                </a:bodyPr>
+                <a:lstStyle/>
+                <a:p>
+                  <a:endParaRPr lang="en-CA" dirty="0"/>
+                </a:p>
+              </p:txBody>
+            </p:sp>
+          </p:grpSp>
+        </p:grpSp>
+        <p:cxnSp>
+          <p:nvCxnSpPr>
+            <p:cNvPr id="260" name="Straight Arrow Connector 259"/>
+            <p:cNvCxnSpPr/>
+            <p:nvPr/>
+          </p:nvCxnSpPr>
           <p:spPr>
-            <a:xfrm>
-              <a:off x="2077661" y="1141510"/>
-              <a:ext cx="414998" cy="393376"/>
+            <a:xfrm flipH="1">
+              <a:off x="6911072" y="1777234"/>
+              <a:ext cx="7424" cy="719860"/>
             </a:xfrm>
-            <a:prstGeom prst="mathMultiply">
-              <a:avLst>
-                <a:gd name="adj1" fmla="val 3701"/>
-              </a:avLst>
+            <a:prstGeom prst="straightConnector1">
+              <a:avLst/>
             </a:prstGeom>
-            <a:grpFill/>
-            <a:ln w="38100">
+            <a:ln w="28575">
               <a:solidFill>
-                <a:schemeClr val="bg2"/>
+                <a:schemeClr val="tx1"/>
               </a:solidFill>
+              <a:prstDash val="sysDot"/>
+              <a:headEnd type="triangle"/>
+              <a:tailEnd type="triangle"/>
             </a:ln>
           </p:spPr>
           <p:style>
-            <a:lnRef idx="2">
-              <a:schemeClr val="accent1">
-                <a:shade val="50000"/>
-              </a:schemeClr>
+            <a:lnRef idx="1">
+              <a:schemeClr val="accent1"/>
             </a:lnRef>
-            <a:fillRef idx="1">
+            <a:fillRef idx="0">
               <a:schemeClr val="accent1"/>
             </a:fillRef>
             <a:effectRef idx="0">
               <a:schemeClr val="accent1"/>
             </a:effectRef>
             <a:fontRef idx="minor">
-              <a:schemeClr val="lt1"/>
+              <a:schemeClr val="tx1"/>
             </a:fontRef>
           </p:style>
-          <p:txBody>
-            <a:bodyPr rtlCol="0" anchor="ctr"/>
-            <a:lstStyle/>
-            <a:p>
-              <a:pPr algn="ctr"/>
-              <a:endParaRPr lang="en-US"/>
-            </a:p>
-          </p:txBody>
-        </p:sp>
-        <p:sp>
-          <p:nvSpPr>
-            <p:cNvPr id="186" name="Multiply 185"/>
-            <p:cNvSpPr/>
-            <p:nvPr/>
-          </p:nvSpPr>
-          <p:spPr>
-            <a:xfrm>
-              <a:off x="2513753" y="1141510"/>
-              <a:ext cx="414998" cy="393376"/>
-            </a:xfrm>
-            <a:prstGeom prst="mathMultiply">
-              <a:avLst>
-                <a:gd name="adj1" fmla="val 3701"/>
-              </a:avLst>
-            </a:prstGeom>
-            <a:grpFill/>
-            <a:ln w="38100">
-              <a:solidFill>
-                <a:schemeClr val="bg2"/>
-              </a:solidFill>
-            </a:ln>
-          </p:spPr>
-          <p:style>
-            <a:lnRef idx="2">
-              <a:schemeClr val="accent1">
-                <a:shade val="50000"/>
-              </a:schemeClr>
-            </a:lnRef>
-            <a:fillRef idx="1">
-              <a:schemeClr val="accent1"/>
-            </a:fillRef>
-            <a:effectRef idx="0">
-              <a:schemeClr val="accent1"/>
-            </a:effectRef>
-            <a:fontRef idx="minor">
-              <a:schemeClr val="lt1"/>
-            </a:fontRef>
-          </p:style>
-          <p:txBody>
-            <a:bodyPr rtlCol="0" anchor="ctr"/>
-            <a:lstStyle/>
-            <a:p>
-              <a:pPr algn="ctr"/>
-              <a:endParaRPr lang="en-US"/>
-            </a:p>
-          </p:txBody>
-        </p:sp>
-        <p:sp>
-          <p:nvSpPr>
-            <p:cNvPr id="187" name="Multiply 186"/>
-            <p:cNvSpPr/>
-            <p:nvPr/>
-          </p:nvSpPr>
-          <p:spPr>
-            <a:xfrm>
-              <a:off x="2949845" y="1141510"/>
-              <a:ext cx="414998" cy="393376"/>
-            </a:xfrm>
-            <a:prstGeom prst="mathMultiply">
-              <a:avLst>
-                <a:gd name="adj1" fmla="val 3701"/>
-              </a:avLst>
-            </a:prstGeom>
-            <a:grpFill/>
-            <a:ln w="38100">
-              <a:solidFill>
-                <a:schemeClr val="bg2"/>
-              </a:solidFill>
-            </a:ln>
-          </p:spPr>
-          <p:style>
-            <a:lnRef idx="2">
-              <a:schemeClr val="accent1">
-                <a:shade val="50000"/>
-              </a:schemeClr>
-            </a:lnRef>
-            <a:fillRef idx="1">
-              <a:schemeClr val="accent1"/>
-            </a:fillRef>
-            <a:effectRef idx="0">
-              <a:schemeClr val="accent1"/>
-            </a:effectRef>
-            <a:fontRef idx="minor">
-              <a:schemeClr val="lt1"/>
-            </a:fontRef>
-          </p:style>
-          <p:txBody>
-            <a:bodyPr rtlCol="0" anchor="ctr"/>
-            <a:lstStyle/>
-            <a:p>
-              <a:pPr algn="ctr"/>
-              <a:endParaRPr lang="en-US"/>
-            </a:p>
-          </p:txBody>
-        </p:sp>
-        <p:sp>
-          <p:nvSpPr>
-            <p:cNvPr id="188" name="Multiply 187"/>
-            <p:cNvSpPr/>
-            <p:nvPr/>
-          </p:nvSpPr>
-          <p:spPr>
-            <a:xfrm>
-              <a:off x="3385937" y="1141510"/>
-              <a:ext cx="414998" cy="393376"/>
-            </a:xfrm>
-            <a:prstGeom prst="mathMultiply">
-              <a:avLst>
-                <a:gd name="adj1" fmla="val 3701"/>
-              </a:avLst>
-            </a:prstGeom>
-            <a:grpFill/>
-            <a:ln w="38100">
-              <a:solidFill>
-                <a:schemeClr val="bg2"/>
-              </a:solidFill>
-            </a:ln>
-          </p:spPr>
-          <p:style>
-            <a:lnRef idx="2">
-              <a:schemeClr val="accent1">
-                <a:shade val="50000"/>
-              </a:schemeClr>
-            </a:lnRef>
-            <a:fillRef idx="1">
-              <a:schemeClr val="accent1"/>
-            </a:fillRef>
-            <a:effectRef idx="0">
-              <a:schemeClr val="accent1"/>
-            </a:effectRef>
-            <a:fontRef idx="minor">
-              <a:schemeClr val="lt1"/>
-            </a:fontRef>
-          </p:style>
-          <p:txBody>
-            <a:bodyPr rtlCol="0" anchor="ctr"/>
-            <a:lstStyle/>
-            <a:p>
-              <a:pPr algn="ctr"/>
-              <a:endParaRPr lang="en-US"/>
-            </a:p>
-          </p:txBody>
-        </p:sp>
-        <p:sp>
-          <p:nvSpPr>
-            <p:cNvPr id="189" name="Multiply 188"/>
-            <p:cNvSpPr/>
-            <p:nvPr/>
-          </p:nvSpPr>
-          <p:spPr>
-            <a:xfrm>
-              <a:off x="3822029" y="1141510"/>
-              <a:ext cx="414998" cy="393376"/>
-            </a:xfrm>
-            <a:prstGeom prst="mathMultiply">
-              <a:avLst>
-                <a:gd name="adj1" fmla="val 3701"/>
-              </a:avLst>
-            </a:prstGeom>
-            <a:grpFill/>
-            <a:ln w="38100">
-              <a:solidFill>
-                <a:schemeClr val="bg2"/>
-              </a:solidFill>
-            </a:ln>
-          </p:spPr>
-          <p:style>
-            <a:lnRef idx="2">
-              <a:schemeClr val="accent1">
-                <a:shade val="50000"/>
-              </a:schemeClr>
-            </a:lnRef>
-            <a:fillRef idx="1">
-              <a:schemeClr val="accent1"/>
-            </a:fillRef>
-            <a:effectRef idx="0">
-              <a:schemeClr val="accent1"/>
-            </a:effectRef>
-            <a:fontRef idx="minor">
-              <a:schemeClr val="lt1"/>
-            </a:fontRef>
-          </p:style>
-          <p:txBody>
-            <a:bodyPr rtlCol="0" anchor="ctr"/>
-            <a:lstStyle/>
-            <a:p>
-              <a:pPr algn="ctr"/>
-              <a:endParaRPr lang="en-US"/>
-            </a:p>
-          </p:txBody>
-        </p:sp>
-        <p:sp>
-          <p:nvSpPr>
-            <p:cNvPr id="190" name="Multiply 189"/>
-            <p:cNvSpPr/>
-            <p:nvPr/>
-          </p:nvSpPr>
-          <p:spPr>
-            <a:xfrm>
-              <a:off x="1205477" y="1534886"/>
-              <a:ext cx="414998" cy="393376"/>
-            </a:xfrm>
-            <a:prstGeom prst="mathMultiply">
-              <a:avLst>
-                <a:gd name="adj1" fmla="val 3701"/>
-              </a:avLst>
-            </a:prstGeom>
-            <a:grpFill/>
-            <a:ln w="38100">
-              <a:solidFill>
-                <a:schemeClr val="bg2"/>
-              </a:solidFill>
-            </a:ln>
-          </p:spPr>
-          <p:style>
-            <a:lnRef idx="2">
-              <a:schemeClr val="accent1">
-                <a:shade val="50000"/>
-              </a:schemeClr>
-            </a:lnRef>
-            <a:fillRef idx="1">
-              <a:schemeClr val="accent1"/>
-            </a:fillRef>
-            <a:effectRef idx="0">
-              <a:schemeClr val="accent1"/>
-            </a:effectRef>
-            <a:fontRef idx="minor">
-              <a:schemeClr val="lt1"/>
-            </a:fontRef>
-          </p:style>
-          <p:txBody>
-            <a:bodyPr rtlCol="0" anchor="ctr"/>
-            <a:lstStyle/>
-            <a:p>
-              <a:pPr algn="ctr"/>
-              <a:endParaRPr lang="en-US"/>
-            </a:p>
-          </p:txBody>
-        </p:sp>
-        <p:sp>
-          <p:nvSpPr>
-            <p:cNvPr id="191" name="Multiply 190"/>
-            <p:cNvSpPr/>
-            <p:nvPr/>
-          </p:nvSpPr>
-          <p:spPr>
-            <a:xfrm>
-              <a:off x="1641569" y="1534886"/>
-              <a:ext cx="414998" cy="393376"/>
-            </a:xfrm>
-            <a:prstGeom prst="mathMultiply">
-              <a:avLst>
-                <a:gd name="adj1" fmla="val 3701"/>
-              </a:avLst>
-            </a:prstGeom>
-            <a:grpFill/>
-            <a:ln w="38100">
-              <a:solidFill>
-                <a:schemeClr val="bg2"/>
-              </a:solidFill>
-            </a:ln>
-          </p:spPr>
-          <p:style>
-            <a:lnRef idx="2">
-              <a:schemeClr val="accent1">
-                <a:shade val="50000"/>
-              </a:schemeClr>
-            </a:lnRef>
-            <a:fillRef idx="1">
-              <a:schemeClr val="accent1"/>
-            </a:fillRef>
-            <a:effectRef idx="0">
-              <a:schemeClr val="accent1"/>
-            </a:effectRef>
-            <a:fontRef idx="minor">
-              <a:schemeClr val="lt1"/>
-            </a:fontRef>
-          </p:style>
-          <p:txBody>
-            <a:bodyPr rtlCol="0" anchor="ctr"/>
-            <a:lstStyle/>
-            <a:p>
-              <a:pPr algn="ctr"/>
-              <a:endParaRPr lang="en-US"/>
-            </a:p>
-          </p:txBody>
-        </p:sp>
-        <p:sp>
-          <p:nvSpPr>
-            <p:cNvPr id="192" name="Multiply 191"/>
-            <p:cNvSpPr/>
-            <p:nvPr/>
-          </p:nvSpPr>
-          <p:spPr>
-            <a:xfrm>
-              <a:off x="2077661" y="1534886"/>
-              <a:ext cx="414998" cy="393376"/>
-            </a:xfrm>
-            <a:prstGeom prst="mathMultiply">
-              <a:avLst>
-                <a:gd name="adj1" fmla="val 3701"/>
-              </a:avLst>
-            </a:prstGeom>
-            <a:grpFill/>
-            <a:ln w="38100">
-              <a:solidFill>
-                <a:schemeClr val="bg2"/>
-              </a:solidFill>
-            </a:ln>
-          </p:spPr>
-          <p:style>
-            <a:lnRef idx="2">
-              <a:schemeClr val="accent1">
-                <a:shade val="50000"/>
-              </a:schemeClr>
-            </a:lnRef>
-            <a:fillRef idx="1">
-              <a:schemeClr val="accent1"/>
-            </a:fillRef>
-            <a:effectRef idx="0">
-              <a:schemeClr val="accent1"/>
-            </a:effectRef>
-            <a:fontRef idx="minor">
-              <a:schemeClr val="lt1"/>
-            </a:fontRef>
-          </p:style>
-          <p:txBody>
-            <a:bodyPr rtlCol="0" anchor="ctr"/>
-            <a:lstStyle/>
-            <a:p>
-              <a:pPr algn="ctr"/>
-              <a:endParaRPr lang="en-US"/>
-            </a:p>
-          </p:txBody>
-        </p:sp>
-        <p:sp>
-          <p:nvSpPr>
-            <p:cNvPr id="193" name="Multiply 192"/>
-            <p:cNvSpPr/>
-            <p:nvPr/>
-          </p:nvSpPr>
-          <p:spPr>
-            <a:xfrm>
-              <a:off x="2513753" y="1534886"/>
-              <a:ext cx="414998" cy="393376"/>
-            </a:xfrm>
-            <a:prstGeom prst="mathMultiply">
-              <a:avLst>
-                <a:gd name="adj1" fmla="val 3701"/>
-              </a:avLst>
-            </a:prstGeom>
-            <a:grpFill/>
-            <a:ln w="38100">
-              <a:solidFill>
-                <a:schemeClr val="bg2"/>
-              </a:solidFill>
-            </a:ln>
-          </p:spPr>
-          <p:style>
-            <a:lnRef idx="2">
-              <a:schemeClr val="accent1">
-                <a:shade val="50000"/>
-              </a:schemeClr>
-            </a:lnRef>
-            <a:fillRef idx="1">
-              <a:schemeClr val="accent1"/>
-            </a:fillRef>
-            <a:effectRef idx="0">
-              <a:schemeClr val="accent1"/>
-            </a:effectRef>
-            <a:fontRef idx="minor">
-              <a:schemeClr val="lt1"/>
-            </a:fontRef>
-          </p:style>
-          <p:txBody>
-            <a:bodyPr rtlCol="0" anchor="ctr"/>
-            <a:lstStyle/>
-            <a:p>
-              <a:pPr algn="ctr"/>
-              <a:endParaRPr lang="en-US"/>
-            </a:p>
-          </p:txBody>
-        </p:sp>
-        <p:sp>
-          <p:nvSpPr>
-            <p:cNvPr id="194" name="Multiply 193"/>
-            <p:cNvSpPr/>
-            <p:nvPr/>
-          </p:nvSpPr>
-          <p:spPr>
-            <a:xfrm>
-              <a:off x="2949845" y="1534886"/>
-              <a:ext cx="414998" cy="393376"/>
-            </a:xfrm>
-            <a:prstGeom prst="mathMultiply">
-              <a:avLst>
-                <a:gd name="adj1" fmla="val 3701"/>
-              </a:avLst>
-            </a:prstGeom>
-            <a:grpFill/>
-            <a:ln w="38100">
-              <a:solidFill>
-                <a:schemeClr val="bg2"/>
-              </a:solidFill>
-            </a:ln>
-          </p:spPr>
-          <p:style>
-            <a:lnRef idx="2">
-              <a:schemeClr val="accent1">
-                <a:shade val="50000"/>
-              </a:schemeClr>
-            </a:lnRef>
-            <a:fillRef idx="1">
-              <a:schemeClr val="accent1"/>
-            </a:fillRef>
-            <a:effectRef idx="0">
-              <a:schemeClr val="accent1"/>
-            </a:effectRef>
-            <a:fontRef idx="minor">
-              <a:schemeClr val="lt1"/>
-            </a:fontRef>
-          </p:style>
-          <p:txBody>
-            <a:bodyPr rtlCol="0" anchor="ctr"/>
-            <a:lstStyle/>
-            <a:p>
-              <a:pPr algn="ctr"/>
-              <a:endParaRPr lang="en-US"/>
-            </a:p>
-          </p:txBody>
-        </p:sp>
-        <p:sp>
-          <p:nvSpPr>
-            <p:cNvPr id="195" name="Multiply 194"/>
-            <p:cNvSpPr/>
-            <p:nvPr/>
-          </p:nvSpPr>
-          <p:spPr>
-            <a:xfrm>
-              <a:off x="3385937" y="1534886"/>
-              <a:ext cx="414998" cy="393376"/>
-            </a:xfrm>
-            <a:prstGeom prst="mathMultiply">
-              <a:avLst>
-                <a:gd name="adj1" fmla="val 3701"/>
-              </a:avLst>
-            </a:prstGeom>
-            <a:grpFill/>
-            <a:ln w="38100">
-              <a:solidFill>
-                <a:schemeClr val="bg2"/>
-              </a:solidFill>
-            </a:ln>
-          </p:spPr>
-          <p:style>
-            <a:lnRef idx="2">
-              <a:schemeClr val="accent1">
-                <a:shade val="50000"/>
-              </a:schemeClr>
-            </a:lnRef>
-            <a:fillRef idx="1">
-              <a:schemeClr val="accent1"/>
-            </a:fillRef>
-            <a:effectRef idx="0">
-              <a:schemeClr val="accent1"/>
-            </a:effectRef>
-            <a:fontRef idx="minor">
-              <a:schemeClr val="lt1"/>
-            </a:fontRef>
-          </p:style>
-          <p:txBody>
-            <a:bodyPr rtlCol="0" anchor="ctr"/>
-            <a:lstStyle/>
-            <a:p>
-              <a:pPr algn="ctr"/>
-              <a:endParaRPr lang="en-US"/>
-            </a:p>
-          </p:txBody>
-        </p:sp>
-        <p:sp>
-          <p:nvSpPr>
-            <p:cNvPr id="196" name="Multiply 195"/>
-            <p:cNvSpPr/>
-            <p:nvPr/>
-          </p:nvSpPr>
-          <p:spPr>
-            <a:xfrm>
-              <a:off x="3822029" y="1534886"/>
-              <a:ext cx="414998" cy="393376"/>
-            </a:xfrm>
-            <a:prstGeom prst="mathMultiply">
-              <a:avLst>
-                <a:gd name="adj1" fmla="val 3701"/>
-              </a:avLst>
-            </a:prstGeom>
-            <a:grpFill/>
-            <a:ln w="38100">
-              <a:solidFill>
-                <a:schemeClr val="bg2"/>
-              </a:solidFill>
-            </a:ln>
-          </p:spPr>
-          <p:style>
-            <a:lnRef idx="2">
-              <a:schemeClr val="accent1">
-                <a:shade val="50000"/>
-              </a:schemeClr>
-            </a:lnRef>
-            <a:fillRef idx="1">
-              <a:schemeClr val="accent1"/>
-            </a:fillRef>
-            <a:effectRef idx="0">
-              <a:schemeClr val="accent1"/>
-            </a:effectRef>
-            <a:fontRef idx="minor">
-              <a:schemeClr val="lt1"/>
-            </a:fontRef>
-          </p:style>
-          <p:txBody>
-            <a:bodyPr rtlCol="0" anchor="ctr"/>
-            <a:lstStyle/>
-            <a:p>
-              <a:pPr algn="ctr"/>
-              <a:endParaRPr lang="en-US"/>
-            </a:p>
-          </p:txBody>
-        </p:sp>
-        <p:sp>
-          <p:nvSpPr>
-            <p:cNvPr id="197" name="Multiply 196"/>
-            <p:cNvSpPr/>
-            <p:nvPr/>
-          </p:nvSpPr>
-          <p:spPr>
-            <a:xfrm>
-              <a:off x="1205477" y="1928262"/>
-              <a:ext cx="414998" cy="393376"/>
-            </a:xfrm>
-            <a:prstGeom prst="mathMultiply">
-              <a:avLst>
-                <a:gd name="adj1" fmla="val 3701"/>
-              </a:avLst>
-            </a:prstGeom>
-            <a:grpFill/>
-            <a:ln w="38100">
-              <a:solidFill>
-                <a:schemeClr val="bg2"/>
-              </a:solidFill>
-            </a:ln>
-          </p:spPr>
-          <p:style>
-            <a:lnRef idx="2">
-              <a:schemeClr val="accent1">
-                <a:shade val="50000"/>
-              </a:schemeClr>
-            </a:lnRef>
-            <a:fillRef idx="1">
-              <a:schemeClr val="accent1"/>
-            </a:fillRef>
-            <a:effectRef idx="0">
-              <a:schemeClr val="accent1"/>
-            </a:effectRef>
-            <a:fontRef idx="minor">
-              <a:schemeClr val="lt1"/>
-            </a:fontRef>
-          </p:style>
-          <p:txBody>
-            <a:bodyPr rtlCol="0" anchor="ctr"/>
-            <a:lstStyle/>
-            <a:p>
-              <a:pPr algn="ctr"/>
-              <a:endParaRPr lang="en-US"/>
-            </a:p>
-          </p:txBody>
-        </p:sp>
-        <p:sp>
-          <p:nvSpPr>
-            <p:cNvPr id="198" name="Multiply 197"/>
-            <p:cNvSpPr/>
-            <p:nvPr/>
-          </p:nvSpPr>
-          <p:spPr>
-            <a:xfrm>
-              <a:off x="1641569" y="1928262"/>
-              <a:ext cx="414998" cy="393376"/>
-            </a:xfrm>
-            <a:prstGeom prst="mathMultiply">
-              <a:avLst>
-                <a:gd name="adj1" fmla="val 3701"/>
-              </a:avLst>
-            </a:prstGeom>
-            <a:grpFill/>
-            <a:ln w="38100">
-              <a:solidFill>
-                <a:schemeClr val="bg2"/>
-              </a:solidFill>
-            </a:ln>
-          </p:spPr>
-          <p:style>
-            <a:lnRef idx="2">
-              <a:schemeClr val="accent1">
-                <a:shade val="50000"/>
-              </a:schemeClr>
-            </a:lnRef>
-            <a:fillRef idx="1">
-              <a:schemeClr val="accent1"/>
-            </a:fillRef>
-            <a:effectRef idx="0">
-              <a:schemeClr val="accent1"/>
-            </a:effectRef>
-            <a:fontRef idx="minor">
-              <a:schemeClr val="lt1"/>
-            </a:fontRef>
-          </p:style>
-          <p:txBody>
-            <a:bodyPr rtlCol="0" anchor="ctr"/>
-            <a:lstStyle/>
-            <a:p>
-              <a:pPr algn="ctr"/>
-              <a:endParaRPr lang="en-US"/>
-            </a:p>
-          </p:txBody>
-        </p:sp>
-        <p:sp>
-          <p:nvSpPr>
-            <p:cNvPr id="199" name="Multiply 198"/>
-            <p:cNvSpPr/>
-            <p:nvPr/>
-          </p:nvSpPr>
-          <p:spPr>
-            <a:xfrm>
-              <a:off x="2077661" y="1928262"/>
-              <a:ext cx="414998" cy="393376"/>
-            </a:xfrm>
-            <a:prstGeom prst="mathMultiply">
-              <a:avLst>
-                <a:gd name="adj1" fmla="val 3701"/>
-              </a:avLst>
-            </a:prstGeom>
-            <a:grpFill/>
-            <a:ln w="38100">
-              <a:solidFill>
-                <a:schemeClr val="bg2"/>
-              </a:solidFill>
-            </a:ln>
-          </p:spPr>
-          <p:style>
-            <a:lnRef idx="2">
-              <a:schemeClr val="accent1">
-                <a:shade val="50000"/>
-              </a:schemeClr>
-            </a:lnRef>
-            <a:fillRef idx="1">
-              <a:schemeClr val="accent1"/>
-            </a:fillRef>
-            <a:effectRef idx="0">
-              <a:schemeClr val="accent1"/>
-            </a:effectRef>
-            <a:fontRef idx="minor">
-              <a:schemeClr val="lt1"/>
-            </a:fontRef>
-          </p:style>
-          <p:txBody>
-            <a:bodyPr rtlCol="0" anchor="ctr"/>
-            <a:lstStyle/>
-            <a:p>
-              <a:pPr algn="ctr"/>
-              <a:endParaRPr lang="en-US"/>
-            </a:p>
-          </p:txBody>
-        </p:sp>
-        <p:sp>
-          <p:nvSpPr>
-            <p:cNvPr id="200" name="Multiply 199"/>
-            <p:cNvSpPr/>
-            <p:nvPr/>
-          </p:nvSpPr>
-          <p:spPr>
-            <a:xfrm>
-              <a:off x="2513753" y="1928262"/>
-              <a:ext cx="414998" cy="393376"/>
-            </a:xfrm>
-            <a:prstGeom prst="mathMultiply">
-              <a:avLst>
-                <a:gd name="adj1" fmla="val 3701"/>
-              </a:avLst>
-            </a:prstGeom>
-            <a:grpFill/>
-            <a:ln w="38100">
-              <a:solidFill>
-                <a:schemeClr val="bg2"/>
-              </a:solidFill>
-            </a:ln>
-          </p:spPr>
-          <p:style>
-            <a:lnRef idx="2">
-              <a:schemeClr val="accent1">
-                <a:shade val="50000"/>
-              </a:schemeClr>
-            </a:lnRef>
-            <a:fillRef idx="1">
-              <a:schemeClr val="accent1"/>
-            </a:fillRef>
-            <a:effectRef idx="0">
-              <a:schemeClr val="accent1"/>
-            </a:effectRef>
-            <a:fontRef idx="minor">
-              <a:schemeClr val="lt1"/>
-            </a:fontRef>
-          </p:style>
-          <p:txBody>
-            <a:bodyPr rtlCol="0" anchor="ctr"/>
-            <a:lstStyle/>
-            <a:p>
-              <a:pPr algn="ctr"/>
-              <a:endParaRPr lang="en-US"/>
-            </a:p>
-          </p:txBody>
-        </p:sp>
-        <p:sp>
-          <p:nvSpPr>
-            <p:cNvPr id="201" name="Multiply 200"/>
-            <p:cNvSpPr/>
-            <p:nvPr/>
-          </p:nvSpPr>
-          <p:spPr>
-            <a:xfrm>
-              <a:off x="2949845" y="1928262"/>
-              <a:ext cx="414998" cy="393376"/>
-            </a:xfrm>
-            <a:prstGeom prst="mathMultiply">
-              <a:avLst>
-                <a:gd name="adj1" fmla="val 3701"/>
-              </a:avLst>
-            </a:prstGeom>
-            <a:grpFill/>
-            <a:ln w="38100">
-              <a:solidFill>
-                <a:schemeClr val="bg2"/>
-              </a:solidFill>
-            </a:ln>
-          </p:spPr>
-          <p:style>
-            <a:lnRef idx="2">
-              <a:schemeClr val="accent1">
-                <a:shade val="50000"/>
-              </a:schemeClr>
-            </a:lnRef>
-            <a:fillRef idx="1">
-              <a:schemeClr val="accent1"/>
-            </a:fillRef>
-            <a:effectRef idx="0">
-              <a:schemeClr val="accent1"/>
-            </a:effectRef>
-            <a:fontRef idx="minor">
-              <a:schemeClr val="lt1"/>
-            </a:fontRef>
-          </p:style>
-          <p:txBody>
-            <a:bodyPr rtlCol="0" anchor="ctr"/>
-            <a:lstStyle/>
-            <a:p>
-              <a:pPr algn="ctr"/>
-              <a:endParaRPr lang="en-US"/>
-            </a:p>
-          </p:txBody>
-        </p:sp>
-        <p:sp>
-          <p:nvSpPr>
-            <p:cNvPr id="202" name="Multiply 201"/>
-            <p:cNvSpPr/>
-            <p:nvPr/>
-          </p:nvSpPr>
-          <p:spPr>
-            <a:xfrm>
-              <a:off x="3385937" y="1928262"/>
-              <a:ext cx="414998" cy="393376"/>
-            </a:xfrm>
-            <a:prstGeom prst="mathMultiply">
-              <a:avLst>
-                <a:gd name="adj1" fmla="val 3701"/>
-              </a:avLst>
-            </a:prstGeom>
-            <a:grpFill/>
-            <a:ln w="38100">
-              <a:solidFill>
-                <a:schemeClr val="bg2"/>
-              </a:solidFill>
-            </a:ln>
-          </p:spPr>
-          <p:style>
-            <a:lnRef idx="2">
-              <a:schemeClr val="accent1">
-                <a:shade val="50000"/>
-              </a:schemeClr>
-            </a:lnRef>
-            <a:fillRef idx="1">
-              <a:schemeClr val="accent1"/>
-            </a:fillRef>
-            <a:effectRef idx="0">
-              <a:schemeClr val="accent1"/>
-            </a:effectRef>
-            <a:fontRef idx="minor">
-              <a:schemeClr val="lt1"/>
-            </a:fontRef>
-          </p:style>
-          <p:txBody>
-            <a:bodyPr rtlCol="0" anchor="ctr"/>
-            <a:lstStyle/>
-            <a:p>
-              <a:pPr algn="ctr"/>
-              <a:endParaRPr lang="en-US"/>
-            </a:p>
-          </p:txBody>
-        </p:sp>
-        <p:sp>
-          <p:nvSpPr>
-            <p:cNvPr id="203" name="Multiply 202"/>
-            <p:cNvSpPr/>
-            <p:nvPr/>
-          </p:nvSpPr>
-          <p:spPr>
-            <a:xfrm>
-              <a:off x="3822029" y="1928262"/>
-              <a:ext cx="414998" cy="393376"/>
-            </a:xfrm>
-            <a:prstGeom prst="mathMultiply">
-              <a:avLst>
-                <a:gd name="adj1" fmla="val 3701"/>
-              </a:avLst>
-            </a:prstGeom>
-            <a:grpFill/>
-            <a:ln w="38100">
-              <a:solidFill>
-                <a:schemeClr val="bg2"/>
-              </a:solidFill>
-            </a:ln>
-          </p:spPr>
-          <p:style>
-            <a:lnRef idx="2">
-              <a:schemeClr val="accent1">
-                <a:shade val="50000"/>
-              </a:schemeClr>
-            </a:lnRef>
-            <a:fillRef idx="1">
-              <a:schemeClr val="accent1"/>
-            </a:fillRef>
-            <a:effectRef idx="0">
-              <a:schemeClr val="accent1"/>
-            </a:effectRef>
-            <a:fontRef idx="minor">
-              <a:schemeClr val="lt1"/>
-            </a:fontRef>
-          </p:style>
-          <p:txBody>
-            <a:bodyPr rtlCol="0" anchor="ctr"/>
-            <a:lstStyle/>
-            <a:p>
-              <a:pPr algn="ctr"/>
-              <a:endParaRPr lang="en-US"/>
-            </a:p>
-          </p:txBody>
-        </p:sp>
-        <p:sp>
-          <p:nvSpPr>
-            <p:cNvPr id="204" name="Multiply 203"/>
-            <p:cNvSpPr/>
-            <p:nvPr/>
-          </p:nvSpPr>
-          <p:spPr>
-            <a:xfrm>
-              <a:off x="1205477" y="2321638"/>
-              <a:ext cx="414998" cy="393376"/>
-            </a:xfrm>
-            <a:prstGeom prst="mathMultiply">
-              <a:avLst>
-                <a:gd name="adj1" fmla="val 3701"/>
-              </a:avLst>
-            </a:prstGeom>
-            <a:grpFill/>
-            <a:ln w="38100">
-              <a:solidFill>
-                <a:schemeClr val="bg2"/>
-              </a:solidFill>
-            </a:ln>
-          </p:spPr>
-          <p:style>
-            <a:lnRef idx="2">
-              <a:schemeClr val="accent1">
-                <a:shade val="50000"/>
-              </a:schemeClr>
-            </a:lnRef>
-            <a:fillRef idx="1">
-              <a:schemeClr val="accent1"/>
-            </a:fillRef>
-            <a:effectRef idx="0">
-              <a:schemeClr val="accent1"/>
-            </a:effectRef>
-            <a:fontRef idx="minor">
-              <a:schemeClr val="lt1"/>
-            </a:fontRef>
-          </p:style>
-          <p:txBody>
-            <a:bodyPr rtlCol="0" anchor="ctr"/>
-            <a:lstStyle/>
-            <a:p>
-              <a:pPr algn="ctr"/>
-              <a:endParaRPr lang="en-US"/>
-            </a:p>
-          </p:txBody>
-        </p:sp>
-        <p:sp>
-          <p:nvSpPr>
-            <p:cNvPr id="205" name="Multiply 204"/>
-            <p:cNvSpPr/>
-            <p:nvPr/>
-          </p:nvSpPr>
-          <p:spPr>
-            <a:xfrm>
-              <a:off x="1641569" y="2321638"/>
-              <a:ext cx="414998" cy="393376"/>
-            </a:xfrm>
-            <a:prstGeom prst="mathMultiply">
-              <a:avLst>
-                <a:gd name="adj1" fmla="val 3701"/>
-              </a:avLst>
-            </a:prstGeom>
-            <a:grpFill/>
-            <a:ln w="38100">
-              <a:solidFill>
-                <a:schemeClr val="bg2"/>
-              </a:solidFill>
-            </a:ln>
-          </p:spPr>
-          <p:style>
-            <a:lnRef idx="2">
-              <a:schemeClr val="accent1">
-                <a:shade val="50000"/>
-              </a:schemeClr>
-            </a:lnRef>
-            <a:fillRef idx="1">
-              <a:schemeClr val="accent1"/>
-            </a:fillRef>
-            <a:effectRef idx="0">
-              <a:schemeClr val="accent1"/>
-            </a:effectRef>
-            <a:fontRef idx="minor">
-              <a:schemeClr val="lt1"/>
-            </a:fontRef>
-          </p:style>
-          <p:txBody>
-            <a:bodyPr rtlCol="0" anchor="ctr"/>
-            <a:lstStyle/>
-            <a:p>
-              <a:pPr algn="ctr"/>
-              <a:endParaRPr lang="en-US"/>
-            </a:p>
-          </p:txBody>
-        </p:sp>
-        <p:sp>
-          <p:nvSpPr>
-            <p:cNvPr id="206" name="Multiply 205"/>
-            <p:cNvSpPr/>
-            <p:nvPr/>
-          </p:nvSpPr>
-          <p:spPr>
-            <a:xfrm>
-              <a:off x="2077661" y="2321638"/>
-              <a:ext cx="414998" cy="393376"/>
-            </a:xfrm>
-            <a:prstGeom prst="mathMultiply">
-              <a:avLst>
-                <a:gd name="adj1" fmla="val 3701"/>
-              </a:avLst>
-            </a:prstGeom>
-            <a:grpFill/>
-            <a:ln w="38100">
-              <a:solidFill>
-                <a:schemeClr val="bg2"/>
-              </a:solidFill>
-            </a:ln>
-          </p:spPr>
-          <p:style>
-            <a:lnRef idx="2">
-              <a:schemeClr val="accent1">
-                <a:shade val="50000"/>
-              </a:schemeClr>
-            </a:lnRef>
-            <a:fillRef idx="1">
-              <a:schemeClr val="accent1"/>
-            </a:fillRef>
-            <a:effectRef idx="0">
-              <a:schemeClr val="accent1"/>
-            </a:effectRef>
-            <a:fontRef idx="minor">
-              <a:schemeClr val="lt1"/>
-            </a:fontRef>
-          </p:style>
-          <p:txBody>
-            <a:bodyPr rtlCol="0" anchor="ctr"/>
-            <a:lstStyle/>
-            <a:p>
-              <a:pPr algn="ctr"/>
-              <a:endParaRPr lang="en-US"/>
-            </a:p>
-          </p:txBody>
-        </p:sp>
-        <p:sp>
-          <p:nvSpPr>
-            <p:cNvPr id="207" name="Multiply 206"/>
-            <p:cNvSpPr/>
-            <p:nvPr/>
-          </p:nvSpPr>
-          <p:spPr>
-            <a:xfrm>
-              <a:off x="2513753" y="2321638"/>
-              <a:ext cx="414998" cy="393376"/>
-            </a:xfrm>
-            <a:prstGeom prst="mathMultiply">
-              <a:avLst>
-                <a:gd name="adj1" fmla="val 3701"/>
-              </a:avLst>
-            </a:prstGeom>
-            <a:grpFill/>
-            <a:ln w="38100">
-              <a:solidFill>
-                <a:schemeClr val="bg2"/>
-              </a:solidFill>
-            </a:ln>
-          </p:spPr>
-          <p:style>
-            <a:lnRef idx="2">
-              <a:schemeClr val="accent1">
-                <a:shade val="50000"/>
-              </a:schemeClr>
-            </a:lnRef>
-            <a:fillRef idx="1">
-              <a:schemeClr val="accent1"/>
-            </a:fillRef>
-            <a:effectRef idx="0">
-              <a:schemeClr val="accent1"/>
-            </a:effectRef>
-            <a:fontRef idx="minor">
-              <a:schemeClr val="lt1"/>
-            </a:fontRef>
-          </p:style>
-          <p:txBody>
-            <a:bodyPr rtlCol="0" anchor="ctr"/>
-            <a:lstStyle/>
-            <a:p>
-              <a:pPr algn="ctr"/>
-              <a:endParaRPr lang="en-US"/>
-            </a:p>
-          </p:txBody>
-        </p:sp>
-        <p:sp>
-          <p:nvSpPr>
-            <p:cNvPr id="208" name="Multiply 207"/>
-            <p:cNvSpPr/>
-            <p:nvPr/>
-          </p:nvSpPr>
-          <p:spPr>
-            <a:xfrm>
-              <a:off x="2949845" y="2321638"/>
-              <a:ext cx="414998" cy="393376"/>
-            </a:xfrm>
-            <a:prstGeom prst="mathMultiply">
-              <a:avLst>
-                <a:gd name="adj1" fmla="val 3701"/>
-              </a:avLst>
-            </a:prstGeom>
-            <a:grpFill/>
-            <a:ln w="38100">
-              <a:solidFill>
-                <a:schemeClr val="bg2"/>
-              </a:solidFill>
-            </a:ln>
-          </p:spPr>
-          <p:style>
-            <a:lnRef idx="2">
-              <a:schemeClr val="accent1">
-                <a:shade val="50000"/>
-              </a:schemeClr>
-            </a:lnRef>
-            <a:fillRef idx="1">
-              <a:schemeClr val="accent1"/>
-            </a:fillRef>
-            <a:effectRef idx="0">
-              <a:schemeClr val="accent1"/>
-            </a:effectRef>
-            <a:fontRef idx="minor">
-              <a:schemeClr val="lt1"/>
-            </a:fontRef>
-          </p:style>
-          <p:txBody>
-            <a:bodyPr rtlCol="0" anchor="ctr"/>
-            <a:lstStyle/>
-            <a:p>
-              <a:pPr algn="ctr"/>
-              <a:endParaRPr lang="en-US"/>
-            </a:p>
-          </p:txBody>
-        </p:sp>
-        <p:sp>
-          <p:nvSpPr>
-            <p:cNvPr id="209" name="Multiply 208"/>
-            <p:cNvSpPr/>
-            <p:nvPr/>
-          </p:nvSpPr>
-          <p:spPr>
-            <a:xfrm>
-              <a:off x="3385937" y="2321638"/>
-              <a:ext cx="414998" cy="393376"/>
-            </a:xfrm>
-            <a:prstGeom prst="mathMultiply">
-              <a:avLst>
-                <a:gd name="adj1" fmla="val 3701"/>
-              </a:avLst>
-            </a:prstGeom>
-            <a:grpFill/>
-            <a:ln w="38100">
-              <a:solidFill>
-                <a:schemeClr val="bg2"/>
-              </a:solidFill>
-            </a:ln>
-          </p:spPr>
-          <p:style>
-            <a:lnRef idx="2">
-              <a:schemeClr val="accent1">
-                <a:shade val="50000"/>
-              </a:schemeClr>
-            </a:lnRef>
-            <a:fillRef idx="1">
-              <a:schemeClr val="accent1"/>
-            </a:fillRef>
-            <a:effectRef idx="0">
-              <a:schemeClr val="accent1"/>
-            </a:effectRef>
-            <a:fontRef idx="minor">
-              <a:schemeClr val="lt1"/>
-            </a:fontRef>
-          </p:style>
-          <p:txBody>
-            <a:bodyPr rtlCol="0" anchor="ctr"/>
-            <a:lstStyle/>
-            <a:p>
-              <a:pPr algn="ctr"/>
-              <a:endParaRPr lang="en-US"/>
-            </a:p>
-          </p:txBody>
-        </p:sp>
-        <p:sp>
-          <p:nvSpPr>
-            <p:cNvPr id="210" name="Multiply 209"/>
-            <p:cNvSpPr/>
-            <p:nvPr/>
-          </p:nvSpPr>
-          <p:spPr>
-            <a:xfrm>
-              <a:off x="3822029" y="2321638"/>
-              <a:ext cx="414998" cy="393376"/>
-            </a:xfrm>
-            <a:prstGeom prst="mathMultiply">
-              <a:avLst>
-                <a:gd name="adj1" fmla="val 3701"/>
-              </a:avLst>
-            </a:prstGeom>
-            <a:grpFill/>
-            <a:ln w="38100">
-              <a:solidFill>
-                <a:schemeClr val="bg2"/>
-              </a:solidFill>
-            </a:ln>
-          </p:spPr>
-          <p:style>
-            <a:lnRef idx="2">
-              <a:schemeClr val="accent1">
-                <a:shade val="50000"/>
-              </a:schemeClr>
-            </a:lnRef>
-            <a:fillRef idx="1">
-              <a:schemeClr val="accent1"/>
-            </a:fillRef>
-            <a:effectRef idx="0">
-              <a:schemeClr val="accent1"/>
-            </a:effectRef>
-            <a:fontRef idx="minor">
-              <a:schemeClr val="lt1"/>
-            </a:fontRef>
-          </p:style>
-          <p:txBody>
-            <a:bodyPr rtlCol="0" anchor="ctr"/>
-            <a:lstStyle/>
-            <a:p>
-              <a:pPr algn="ctr"/>
-              <a:endParaRPr lang="en-US"/>
-            </a:p>
-          </p:txBody>
-        </p:sp>
-        <p:sp>
-          <p:nvSpPr>
-            <p:cNvPr id="211" name="Multiply 210"/>
-            <p:cNvSpPr/>
-            <p:nvPr/>
-          </p:nvSpPr>
-          <p:spPr>
-            <a:xfrm>
-              <a:off x="1205477" y="2715014"/>
-              <a:ext cx="414998" cy="393376"/>
-            </a:xfrm>
-            <a:prstGeom prst="mathMultiply">
-              <a:avLst>
-                <a:gd name="adj1" fmla="val 3701"/>
-              </a:avLst>
-            </a:prstGeom>
-            <a:grpFill/>
-            <a:ln w="38100">
-              <a:solidFill>
-                <a:schemeClr val="bg2"/>
-              </a:solidFill>
-            </a:ln>
-          </p:spPr>
-          <p:style>
-            <a:lnRef idx="2">
-              <a:schemeClr val="accent1">
-                <a:shade val="50000"/>
-              </a:schemeClr>
-            </a:lnRef>
-            <a:fillRef idx="1">
-              <a:schemeClr val="accent1"/>
-            </a:fillRef>
-            <a:effectRef idx="0">
-              <a:schemeClr val="accent1"/>
-            </a:effectRef>
-            <a:fontRef idx="minor">
-              <a:schemeClr val="lt1"/>
-            </a:fontRef>
-          </p:style>
-          <p:txBody>
-            <a:bodyPr rtlCol="0" anchor="ctr"/>
-            <a:lstStyle/>
-            <a:p>
-              <a:pPr algn="ctr"/>
-              <a:endParaRPr lang="en-US"/>
-            </a:p>
-          </p:txBody>
-        </p:sp>
-        <p:sp>
-          <p:nvSpPr>
-            <p:cNvPr id="212" name="Multiply 211"/>
-            <p:cNvSpPr/>
-            <p:nvPr/>
-          </p:nvSpPr>
-          <p:spPr>
-            <a:xfrm>
-              <a:off x="1641569" y="2715014"/>
-              <a:ext cx="414998" cy="393376"/>
-            </a:xfrm>
-            <a:prstGeom prst="mathMultiply">
-              <a:avLst>
-                <a:gd name="adj1" fmla="val 3701"/>
-              </a:avLst>
-            </a:prstGeom>
-            <a:grpFill/>
-            <a:ln w="38100">
-              <a:solidFill>
-                <a:schemeClr val="bg2"/>
-              </a:solidFill>
-            </a:ln>
-          </p:spPr>
-          <p:style>
-            <a:lnRef idx="2">
-              <a:schemeClr val="accent1">
-                <a:shade val="50000"/>
-              </a:schemeClr>
-            </a:lnRef>
-            <a:fillRef idx="1">
-              <a:schemeClr val="accent1"/>
-            </a:fillRef>
-            <a:effectRef idx="0">
-              <a:schemeClr val="accent1"/>
-            </a:effectRef>
-            <a:fontRef idx="minor">
-              <a:schemeClr val="lt1"/>
-            </a:fontRef>
-          </p:style>
-          <p:txBody>
-            <a:bodyPr rtlCol="0" anchor="ctr"/>
-            <a:lstStyle/>
-            <a:p>
-              <a:pPr algn="ctr"/>
-              <a:endParaRPr lang="en-US"/>
-            </a:p>
-          </p:txBody>
-        </p:sp>
-        <p:sp>
-          <p:nvSpPr>
-            <p:cNvPr id="213" name="Multiply 212"/>
-            <p:cNvSpPr/>
-            <p:nvPr/>
-          </p:nvSpPr>
-          <p:spPr>
-            <a:xfrm>
-              <a:off x="2077661" y="2715014"/>
-              <a:ext cx="414998" cy="393376"/>
-            </a:xfrm>
-            <a:prstGeom prst="mathMultiply">
-              <a:avLst>
-                <a:gd name="adj1" fmla="val 3701"/>
-              </a:avLst>
-            </a:prstGeom>
-            <a:grpFill/>
-            <a:ln w="38100">
-              <a:solidFill>
-                <a:schemeClr val="bg2"/>
-              </a:solidFill>
-            </a:ln>
-          </p:spPr>
-          <p:style>
-            <a:lnRef idx="2">
-              <a:schemeClr val="accent1">
-                <a:shade val="50000"/>
-              </a:schemeClr>
-            </a:lnRef>
-            <a:fillRef idx="1">
-              <a:schemeClr val="accent1"/>
-            </a:fillRef>
-            <a:effectRef idx="0">
-              <a:schemeClr val="accent1"/>
-            </a:effectRef>
-            <a:fontRef idx="minor">
-              <a:schemeClr val="lt1"/>
-            </a:fontRef>
-          </p:style>
-          <p:txBody>
-            <a:bodyPr rtlCol="0" anchor="ctr"/>
-            <a:lstStyle/>
-            <a:p>
-              <a:pPr algn="ctr"/>
-              <a:endParaRPr lang="en-US"/>
-            </a:p>
-          </p:txBody>
-        </p:sp>
-        <p:sp>
-          <p:nvSpPr>
-            <p:cNvPr id="214" name="Multiply 213"/>
-            <p:cNvSpPr/>
-            <p:nvPr/>
-          </p:nvSpPr>
-          <p:spPr>
-            <a:xfrm>
-              <a:off x="2513753" y="2715014"/>
-              <a:ext cx="414998" cy="393376"/>
-            </a:xfrm>
-            <a:prstGeom prst="mathMultiply">
-              <a:avLst>
-                <a:gd name="adj1" fmla="val 3701"/>
-              </a:avLst>
-            </a:prstGeom>
-            <a:grpFill/>
-            <a:ln w="38100">
-              <a:solidFill>
-                <a:schemeClr val="bg2"/>
-              </a:solidFill>
-            </a:ln>
-          </p:spPr>
-          <p:style>
-            <a:lnRef idx="2">
-              <a:schemeClr val="accent1">
-                <a:shade val="50000"/>
-              </a:schemeClr>
-            </a:lnRef>
-            <a:fillRef idx="1">
-              <a:schemeClr val="accent1"/>
-            </a:fillRef>
-            <a:effectRef idx="0">
-              <a:schemeClr val="accent1"/>
-            </a:effectRef>
-            <a:fontRef idx="minor">
-              <a:schemeClr val="lt1"/>
-            </a:fontRef>
-          </p:style>
-          <p:txBody>
-            <a:bodyPr rtlCol="0" anchor="ctr"/>
-            <a:lstStyle/>
-            <a:p>
-              <a:pPr algn="ctr"/>
-              <a:endParaRPr lang="en-US"/>
-            </a:p>
-          </p:txBody>
-        </p:sp>
-        <p:sp>
-          <p:nvSpPr>
-            <p:cNvPr id="215" name="Multiply 214"/>
-            <p:cNvSpPr/>
-            <p:nvPr/>
-          </p:nvSpPr>
-          <p:spPr>
-            <a:xfrm>
-              <a:off x="2949845" y="2715014"/>
-              <a:ext cx="414998" cy="393376"/>
-            </a:xfrm>
-            <a:prstGeom prst="mathMultiply">
-              <a:avLst>
-                <a:gd name="adj1" fmla="val 3701"/>
-              </a:avLst>
-            </a:prstGeom>
-            <a:grpFill/>
-            <a:ln w="38100">
-              <a:solidFill>
-                <a:schemeClr val="bg2"/>
-              </a:solidFill>
-            </a:ln>
-          </p:spPr>
-          <p:style>
-            <a:lnRef idx="2">
-              <a:schemeClr val="accent1">
-                <a:shade val="50000"/>
-              </a:schemeClr>
-            </a:lnRef>
-            <a:fillRef idx="1">
-              <a:schemeClr val="accent1"/>
-            </a:fillRef>
-            <a:effectRef idx="0">
-              <a:schemeClr val="accent1"/>
-            </a:effectRef>
-            <a:fontRef idx="minor">
-              <a:schemeClr val="lt1"/>
-            </a:fontRef>
-          </p:style>
-          <p:txBody>
-            <a:bodyPr rtlCol="0" anchor="ctr"/>
-            <a:lstStyle/>
-            <a:p>
-              <a:pPr algn="ctr"/>
-              <a:endParaRPr lang="en-US"/>
-            </a:p>
-          </p:txBody>
-        </p:sp>
-        <p:sp>
-          <p:nvSpPr>
-            <p:cNvPr id="216" name="Multiply 215"/>
-            <p:cNvSpPr/>
-            <p:nvPr/>
-          </p:nvSpPr>
-          <p:spPr>
-            <a:xfrm>
-              <a:off x="3385937" y="2715014"/>
-              <a:ext cx="414998" cy="393376"/>
-            </a:xfrm>
-            <a:prstGeom prst="mathMultiply">
-              <a:avLst>
-                <a:gd name="adj1" fmla="val 3701"/>
-              </a:avLst>
-            </a:prstGeom>
-            <a:grpFill/>
-            <a:ln w="38100">
-              <a:solidFill>
-                <a:schemeClr val="bg2"/>
-              </a:solidFill>
-            </a:ln>
-          </p:spPr>
-          <p:style>
-            <a:lnRef idx="2">
-              <a:schemeClr val="accent1">
-                <a:shade val="50000"/>
-              </a:schemeClr>
-            </a:lnRef>
-            <a:fillRef idx="1">
-              <a:schemeClr val="accent1"/>
-            </a:fillRef>
-            <a:effectRef idx="0">
-              <a:schemeClr val="accent1"/>
-            </a:effectRef>
-            <a:fontRef idx="minor">
-              <a:schemeClr val="lt1"/>
-            </a:fontRef>
-          </p:style>
-          <p:txBody>
-            <a:bodyPr rtlCol="0" anchor="ctr"/>
-            <a:lstStyle/>
-            <a:p>
-              <a:pPr algn="ctr"/>
-              <a:endParaRPr lang="en-US"/>
-            </a:p>
-          </p:txBody>
-        </p:sp>
-        <p:sp>
-          <p:nvSpPr>
-            <p:cNvPr id="217" name="Multiply 216"/>
-            <p:cNvSpPr/>
-            <p:nvPr/>
-          </p:nvSpPr>
-          <p:spPr>
-            <a:xfrm>
-              <a:off x="3822029" y="2715014"/>
-              <a:ext cx="414998" cy="393376"/>
-            </a:xfrm>
-            <a:prstGeom prst="mathMultiply">
-              <a:avLst>
-                <a:gd name="adj1" fmla="val 3701"/>
-              </a:avLst>
-            </a:prstGeom>
-            <a:grpFill/>
-            <a:ln w="38100">
-              <a:solidFill>
-                <a:schemeClr val="bg2"/>
-              </a:solidFill>
-            </a:ln>
-          </p:spPr>
-          <p:style>
-            <a:lnRef idx="2">
-              <a:schemeClr val="accent1">
-                <a:shade val="50000"/>
-              </a:schemeClr>
-            </a:lnRef>
-            <a:fillRef idx="1">
-              <a:schemeClr val="accent1"/>
-            </a:fillRef>
-            <a:effectRef idx="0">
-              <a:schemeClr val="accent1"/>
-            </a:effectRef>
-            <a:fontRef idx="minor">
-              <a:schemeClr val="lt1"/>
-            </a:fontRef>
-          </p:style>
-          <p:txBody>
-            <a:bodyPr rtlCol="0" anchor="ctr"/>
-            <a:lstStyle/>
-            <a:p>
-              <a:pPr algn="ctr"/>
-              <a:endParaRPr lang="en-US"/>
-            </a:p>
-          </p:txBody>
-        </p:sp>
-        <p:sp>
-          <p:nvSpPr>
-            <p:cNvPr id="218" name="Multiply 217"/>
-            <p:cNvSpPr/>
-            <p:nvPr/>
-          </p:nvSpPr>
-          <p:spPr>
-            <a:xfrm>
-              <a:off x="1205477" y="3108390"/>
-              <a:ext cx="414998" cy="393376"/>
-            </a:xfrm>
-            <a:prstGeom prst="mathMultiply">
-              <a:avLst>
-                <a:gd name="adj1" fmla="val 3701"/>
-              </a:avLst>
-            </a:prstGeom>
-            <a:grpFill/>
-            <a:ln w="38100">
-              <a:solidFill>
-                <a:schemeClr val="bg2"/>
-              </a:solidFill>
-            </a:ln>
-          </p:spPr>
-          <p:style>
-            <a:lnRef idx="2">
-              <a:schemeClr val="accent1">
-                <a:shade val="50000"/>
-              </a:schemeClr>
-            </a:lnRef>
-            <a:fillRef idx="1">
-              <a:schemeClr val="accent1"/>
-            </a:fillRef>
-            <a:effectRef idx="0">
-              <a:schemeClr val="accent1"/>
-            </a:effectRef>
-            <a:fontRef idx="minor">
-              <a:schemeClr val="lt1"/>
-            </a:fontRef>
-          </p:style>
-          <p:txBody>
-            <a:bodyPr rtlCol="0" anchor="ctr"/>
-            <a:lstStyle/>
-            <a:p>
-              <a:pPr algn="ctr"/>
-              <a:endParaRPr lang="en-US"/>
-            </a:p>
-          </p:txBody>
-        </p:sp>
-        <p:sp>
-          <p:nvSpPr>
-            <p:cNvPr id="219" name="Multiply 218"/>
-            <p:cNvSpPr/>
-            <p:nvPr/>
-          </p:nvSpPr>
-          <p:spPr>
-            <a:xfrm>
-              <a:off x="1641569" y="3108390"/>
-              <a:ext cx="414998" cy="393376"/>
-            </a:xfrm>
-            <a:prstGeom prst="mathMultiply">
-              <a:avLst>
-                <a:gd name="adj1" fmla="val 3701"/>
-              </a:avLst>
-            </a:prstGeom>
-            <a:grpFill/>
-            <a:ln w="38100">
-              <a:solidFill>
-                <a:schemeClr val="bg2"/>
-              </a:solidFill>
-            </a:ln>
-          </p:spPr>
-          <p:style>
-            <a:lnRef idx="2">
-              <a:schemeClr val="accent1">
-                <a:shade val="50000"/>
-              </a:schemeClr>
-            </a:lnRef>
-            <a:fillRef idx="1">
-              <a:schemeClr val="accent1"/>
-            </a:fillRef>
-            <a:effectRef idx="0">
-              <a:schemeClr val="accent1"/>
-            </a:effectRef>
-            <a:fontRef idx="minor">
-              <a:schemeClr val="lt1"/>
-            </a:fontRef>
-          </p:style>
-          <p:txBody>
-            <a:bodyPr rtlCol="0" anchor="ctr"/>
-            <a:lstStyle/>
-            <a:p>
-              <a:pPr algn="ctr"/>
-              <a:endParaRPr lang="en-US"/>
-            </a:p>
-          </p:txBody>
-        </p:sp>
-        <p:sp>
-          <p:nvSpPr>
-            <p:cNvPr id="220" name="Multiply 219"/>
-            <p:cNvSpPr/>
-            <p:nvPr/>
-          </p:nvSpPr>
-          <p:spPr>
-            <a:xfrm>
-              <a:off x="2077661" y="3108390"/>
-              <a:ext cx="414998" cy="393376"/>
-            </a:xfrm>
-            <a:prstGeom prst="mathMultiply">
-              <a:avLst>
-                <a:gd name="adj1" fmla="val 3701"/>
-              </a:avLst>
-            </a:prstGeom>
-            <a:grpFill/>
-            <a:ln w="38100">
-              <a:solidFill>
-                <a:schemeClr val="bg2"/>
-              </a:solidFill>
-            </a:ln>
-          </p:spPr>
-          <p:style>
-            <a:lnRef idx="2">
-              <a:schemeClr val="accent1">
-                <a:shade val="50000"/>
-              </a:schemeClr>
-            </a:lnRef>
-            <a:fillRef idx="1">
-              <a:schemeClr val="accent1"/>
-            </a:fillRef>
-            <a:effectRef idx="0">
-              <a:schemeClr val="accent1"/>
-            </a:effectRef>
-            <a:fontRef idx="minor">
-              <a:schemeClr val="lt1"/>
-            </a:fontRef>
-          </p:style>
-          <p:txBody>
-            <a:bodyPr rtlCol="0" anchor="ctr"/>
-            <a:lstStyle/>
-            <a:p>
-              <a:pPr algn="ctr"/>
-              <a:endParaRPr lang="en-US"/>
-            </a:p>
-          </p:txBody>
-        </p:sp>
-        <p:sp>
-          <p:nvSpPr>
-            <p:cNvPr id="221" name="Multiply 220"/>
-            <p:cNvSpPr/>
-            <p:nvPr/>
-          </p:nvSpPr>
-          <p:spPr>
-            <a:xfrm>
-              <a:off x="2513753" y="3108390"/>
-              <a:ext cx="414998" cy="393376"/>
-            </a:xfrm>
-            <a:prstGeom prst="mathMultiply">
-              <a:avLst>
-                <a:gd name="adj1" fmla="val 3701"/>
-              </a:avLst>
-            </a:prstGeom>
-            <a:grpFill/>
-            <a:ln w="38100">
-              <a:solidFill>
-                <a:schemeClr val="bg2"/>
-              </a:solidFill>
-            </a:ln>
-          </p:spPr>
-          <p:style>
-            <a:lnRef idx="2">
-              <a:schemeClr val="accent1">
-                <a:shade val="50000"/>
-              </a:schemeClr>
-            </a:lnRef>
-            <a:fillRef idx="1">
-              <a:schemeClr val="accent1"/>
-            </a:fillRef>
-            <a:effectRef idx="0">
-              <a:schemeClr val="accent1"/>
-            </a:effectRef>
-            <a:fontRef idx="minor">
-              <a:schemeClr val="lt1"/>
-            </a:fontRef>
-          </p:style>
-          <p:txBody>
-            <a:bodyPr rtlCol="0" anchor="ctr"/>
-            <a:lstStyle/>
-            <a:p>
-              <a:pPr algn="ctr"/>
-              <a:endParaRPr lang="en-US"/>
-            </a:p>
-          </p:txBody>
-        </p:sp>
-        <p:sp>
-          <p:nvSpPr>
-            <p:cNvPr id="222" name="Multiply 221"/>
-            <p:cNvSpPr/>
-            <p:nvPr/>
-          </p:nvSpPr>
-          <p:spPr>
-            <a:xfrm>
-              <a:off x="2949845" y="3108390"/>
-              <a:ext cx="414998" cy="393376"/>
-            </a:xfrm>
-            <a:prstGeom prst="mathMultiply">
-              <a:avLst>
-                <a:gd name="adj1" fmla="val 3701"/>
-              </a:avLst>
-            </a:prstGeom>
-            <a:grpFill/>
-            <a:ln w="38100">
-              <a:solidFill>
-                <a:schemeClr val="bg2"/>
-              </a:solidFill>
-            </a:ln>
-          </p:spPr>
-          <p:style>
-            <a:lnRef idx="2">
-              <a:schemeClr val="accent1">
-                <a:shade val="50000"/>
-              </a:schemeClr>
-            </a:lnRef>
-            <a:fillRef idx="1">
-              <a:schemeClr val="accent1"/>
-            </a:fillRef>
-            <a:effectRef idx="0">
-              <a:schemeClr val="accent1"/>
-            </a:effectRef>
-            <a:fontRef idx="minor">
-              <a:schemeClr val="lt1"/>
-            </a:fontRef>
-          </p:style>
-          <p:txBody>
-            <a:bodyPr rtlCol="0" anchor="ctr"/>
-            <a:lstStyle/>
-            <a:p>
-              <a:pPr algn="ctr"/>
-              <a:endParaRPr lang="en-US"/>
-            </a:p>
-          </p:txBody>
-        </p:sp>
-        <p:sp>
-          <p:nvSpPr>
-            <p:cNvPr id="223" name="Multiply 222"/>
-            <p:cNvSpPr/>
-            <p:nvPr/>
-          </p:nvSpPr>
-          <p:spPr>
-            <a:xfrm>
-              <a:off x="3385937" y="3108390"/>
-              <a:ext cx="414998" cy="393376"/>
-            </a:xfrm>
-            <a:prstGeom prst="mathMultiply">
-              <a:avLst>
-                <a:gd name="adj1" fmla="val 3701"/>
-              </a:avLst>
-            </a:prstGeom>
-            <a:grpFill/>
-            <a:ln w="38100">
-              <a:solidFill>
-                <a:schemeClr val="bg2"/>
-              </a:solidFill>
-            </a:ln>
-          </p:spPr>
-          <p:style>
-            <a:lnRef idx="2">
-              <a:schemeClr val="accent1">
-                <a:shade val="50000"/>
-              </a:schemeClr>
-            </a:lnRef>
-            <a:fillRef idx="1">
-              <a:schemeClr val="accent1"/>
-            </a:fillRef>
-            <a:effectRef idx="0">
-              <a:schemeClr val="accent1"/>
-            </a:effectRef>
-            <a:fontRef idx="minor">
-              <a:schemeClr val="lt1"/>
-            </a:fontRef>
-          </p:style>
-          <p:txBody>
-            <a:bodyPr rtlCol="0" anchor="ctr"/>
-            <a:lstStyle/>
-            <a:p>
-              <a:pPr algn="ctr"/>
-              <a:endParaRPr lang="en-US"/>
-            </a:p>
-          </p:txBody>
-        </p:sp>
-        <p:sp>
-          <p:nvSpPr>
-            <p:cNvPr id="224" name="Multiply 223"/>
-            <p:cNvSpPr/>
-            <p:nvPr/>
-          </p:nvSpPr>
-          <p:spPr>
-            <a:xfrm>
-              <a:off x="3822029" y="3108390"/>
-              <a:ext cx="414998" cy="393376"/>
-            </a:xfrm>
-            <a:prstGeom prst="mathMultiply">
-              <a:avLst>
-                <a:gd name="adj1" fmla="val 3701"/>
-              </a:avLst>
-            </a:prstGeom>
-            <a:grpFill/>
-            <a:ln w="38100">
-              <a:solidFill>
-                <a:schemeClr val="bg2"/>
-              </a:solidFill>
-            </a:ln>
-          </p:spPr>
-          <p:style>
-            <a:lnRef idx="2">
-              <a:schemeClr val="accent1">
-                <a:shade val="50000"/>
-              </a:schemeClr>
-            </a:lnRef>
-            <a:fillRef idx="1">
-              <a:schemeClr val="accent1"/>
-            </a:fillRef>
-            <a:effectRef idx="0">
-              <a:schemeClr val="accent1"/>
-            </a:effectRef>
-            <a:fontRef idx="minor">
-              <a:schemeClr val="lt1"/>
-            </a:fontRef>
-          </p:style>
-          <p:txBody>
-            <a:bodyPr rtlCol="0" anchor="ctr"/>
-            <a:lstStyle/>
-            <a:p>
-              <a:pPr algn="ctr"/>
-              <a:endParaRPr lang="en-US"/>
-            </a:p>
-          </p:txBody>
-        </p:sp>
-        <p:sp>
-          <p:nvSpPr>
-            <p:cNvPr id="225" name="Multiply 224"/>
-            <p:cNvSpPr/>
-            <p:nvPr/>
-          </p:nvSpPr>
-          <p:spPr>
-            <a:xfrm>
-              <a:off x="1205477" y="3501766"/>
-              <a:ext cx="414998" cy="393376"/>
-            </a:xfrm>
-            <a:prstGeom prst="mathMultiply">
-              <a:avLst>
-                <a:gd name="adj1" fmla="val 3701"/>
-              </a:avLst>
-            </a:prstGeom>
-            <a:grpFill/>
-            <a:ln w="38100">
-              <a:solidFill>
-                <a:schemeClr val="bg2"/>
-              </a:solidFill>
-            </a:ln>
-          </p:spPr>
-          <p:style>
-            <a:lnRef idx="2">
-              <a:schemeClr val="accent1">
-                <a:shade val="50000"/>
-              </a:schemeClr>
-            </a:lnRef>
-            <a:fillRef idx="1">
-              <a:schemeClr val="accent1"/>
-            </a:fillRef>
-            <a:effectRef idx="0">
-              <a:schemeClr val="accent1"/>
-            </a:effectRef>
-            <a:fontRef idx="minor">
-              <a:schemeClr val="lt1"/>
-            </a:fontRef>
-          </p:style>
-          <p:txBody>
-            <a:bodyPr rtlCol="0" anchor="ctr"/>
-            <a:lstStyle/>
-            <a:p>
-              <a:pPr algn="ctr"/>
-              <a:endParaRPr lang="en-US"/>
-            </a:p>
-          </p:txBody>
-        </p:sp>
-        <p:sp>
-          <p:nvSpPr>
-            <p:cNvPr id="226" name="Multiply 225"/>
-            <p:cNvSpPr/>
-            <p:nvPr/>
-          </p:nvSpPr>
-          <p:spPr>
-            <a:xfrm>
-              <a:off x="1641569" y="3501766"/>
-              <a:ext cx="414998" cy="393376"/>
-            </a:xfrm>
-            <a:prstGeom prst="mathMultiply">
-              <a:avLst>
-                <a:gd name="adj1" fmla="val 3701"/>
-              </a:avLst>
-            </a:prstGeom>
-            <a:grpFill/>
-            <a:ln w="38100">
-              <a:solidFill>
-                <a:schemeClr val="bg2"/>
-              </a:solidFill>
-            </a:ln>
-          </p:spPr>
-          <p:style>
-            <a:lnRef idx="2">
-              <a:schemeClr val="accent1">
-                <a:shade val="50000"/>
-              </a:schemeClr>
-            </a:lnRef>
-            <a:fillRef idx="1">
-              <a:schemeClr val="accent1"/>
-            </a:fillRef>
-            <a:effectRef idx="0">
-              <a:schemeClr val="accent1"/>
-            </a:effectRef>
-            <a:fontRef idx="minor">
-              <a:schemeClr val="lt1"/>
-            </a:fontRef>
-          </p:style>
-          <p:txBody>
-            <a:bodyPr rtlCol="0" anchor="ctr"/>
-            <a:lstStyle/>
-            <a:p>
-              <a:pPr algn="ctr"/>
-              <a:endParaRPr lang="en-US"/>
-            </a:p>
-          </p:txBody>
-        </p:sp>
-        <p:sp>
-          <p:nvSpPr>
-            <p:cNvPr id="227" name="Multiply 226"/>
-            <p:cNvSpPr/>
-            <p:nvPr/>
-          </p:nvSpPr>
-          <p:spPr>
-            <a:xfrm>
-              <a:off x="2077661" y="3501766"/>
-              <a:ext cx="414998" cy="393376"/>
-            </a:xfrm>
-            <a:prstGeom prst="mathMultiply">
-              <a:avLst>
-                <a:gd name="adj1" fmla="val 3701"/>
-              </a:avLst>
-            </a:prstGeom>
-            <a:grpFill/>
-            <a:ln w="38100">
-              <a:solidFill>
-                <a:schemeClr val="bg2"/>
-              </a:solidFill>
-            </a:ln>
-          </p:spPr>
-          <p:style>
-            <a:lnRef idx="2">
-              <a:schemeClr val="accent1">
-                <a:shade val="50000"/>
-              </a:schemeClr>
-            </a:lnRef>
-            <a:fillRef idx="1">
-              <a:schemeClr val="accent1"/>
-            </a:fillRef>
-            <a:effectRef idx="0">
-              <a:schemeClr val="accent1"/>
-            </a:effectRef>
-            <a:fontRef idx="minor">
-              <a:schemeClr val="lt1"/>
-            </a:fontRef>
-          </p:style>
-          <p:txBody>
-            <a:bodyPr rtlCol="0" anchor="ctr"/>
-            <a:lstStyle/>
-            <a:p>
-              <a:pPr algn="ctr"/>
-              <a:endParaRPr lang="en-US"/>
-            </a:p>
-          </p:txBody>
-        </p:sp>
-        <p:sp>
-          <p:nvSpPr>
-            <p:cNvPr id="228" name="Multiply 227"/>
-            <p:cNvSpPr/>
-            <p:nvPr/>
-          </p:nvSpPr>
-          <p:spPr>
-            <a:xfrm>
-              <a:off x="2513753" y="3501766"/>
-              <a:ext cx="414998" cy="393376"/>
-            </a:xfrm>
-            <a:prstGeom prst="mathMultiply">
-              <a:avLst>
-                <a:gd name="adj1" fmla="val 3701"/>
-              </a:avLst>
-            </a:prstGeom>
-            <a:grpFill/>
-            <a:ln w="38100">
-              <a:solidFill>
-                <a:schemeClr val="bg2"/>
-              </a:solidFill>
-            </a:ln>
-          </p:spPr>
-          <p:style>
-            <a:lnRef idx="2">
-              <a:schemeClr val="accent1">
-                <a:shade val="50000"/>
-              </a:schemeClr>
-            </a:lnRef>
-            <a:fillRef idx="1">
-              <a:schemeClr val="accent1"/>
-            </a:fillRef>
-            <a:effectRef idx="0">
-              <a:schemeClr val="accent1"/>
-            </a:effectRef>
-            <a:fontRef idx="minor">
-              <a:schemeClr val="lt1"/>
-            </a:fontRef>
-          </p:style>
-          <p:txBody>
-            <a:bodyPr rtlCol="0" anchor="ctr"/>
-            <a:lstStyle/>
-            <a:p>
-              <a:pPr algn="ctr"/>
-              <a:endParaRPr lang="en-US"/>
-            </a:p>
-          </p:txBody>
-        </p:sp>
-        <p:sp>
-          <p:nvSpPr>
-            <p:cNvPr id="229" name="Multiply 228"/>
-            <p:cNvSpPr/>
-            <p:nvPr/>
-          </p:nvSpPr>
-          <p:spPr>
-            <a:xfrm>
-              <a:off x="2949845" y="3501766"/>
-              <a:ext cx="414998" cy="393376"/>
-            </a:xfrm>
-            <a:prstGeom prst="mathMultiply">
-              <a:avLst>
-                <a:gd name="adj1" fmla="val 3701"/>
-              </a:avLst>
-            </a:prstGeom>
-            <a:grpFill/>
-            <a:ln w="38100">
-              <a:solidFill>
-                <a:schemeClr val="bg2"/>
-              </a:solidFill>
-            </a:ln>
-          </p:spPr>
-          <p:style>
-            <a:lnRef idx="2">
-              <a:schemeClr val="accent1">
-                <a:shade val="50000"/>
-              </a:schemeClr>
-            </a:lnRef>
-            <a:fillRef idx="1">
-              <a:schemeClr val="accent1"/>
-            </a:fillRef>
-            <a:effectRef idx="0">
-              <a:schemeClr val="accent1"/>
-            </a:effectRef>
-            <a:fontRef idx="minor">
-              <a:schemeClr val="lt1"/>
-            </a:fontRef>
-          </p:style>
-          <p:txBody>
-            <a:bodyPr rtlCol="0" anchor="ctr"/>
-            <a:lstStyle/>
-            <a:p>
-              <a:pPr algn="ctr"/>
-              <a:endParaRPr lang="en-US"/>
-            </a:p>
-          </p:txBody>
-        </p:sp>
-        <p:sp>
-          <p:nvSpPr>
-            <p:cNvPr id="230" name="Multiply 229"/>
-            <p:cNvSpPr/>
-            <p:nvPr/>
-          </p:nvSpPr>
-          <p:spPr>
-            <a:xfrm>
-              <a:off x="3385937" y="3501766"/>
-              <a:ext cx="414998" cy="393376"/>
-            </a:xfrm>
-            <a:prstGeom prst="mathMultiply">
-              <a:avLst>
-                <a:gd name="adj1" fmla="val 3701"/>
-              </a:avLst>
-            </a:prstGeom>
-            <a:grpFill/>
-            <a:ln w="38100">
-              <a:solidFill>
-                <a:schemeClr val="bg2"/>
-              </a:solidFill>
-            </a:ln>
-          </p:spPr>
-          <p:style>
-            <a:lnRef idx="2">
-              <a:schemeClr val="accent1">
-                <a:shade val="50000"/>
-              </a:schemeClr>
-            </a:lnRef>
-            <a:fillRef idx="1">
-              <a:schemeClr val="accent1"/>
-            </a:fillRef>
-            <a:effectRef idx="0">
-              <a:schemeClr val="accent1"/>
-            </a:effectRef>
-            <a:fontRef idx="minor">
-              <a:schemeClr val="lt1"/>
-            </a:fontRef>
-          </p:style>
-          <p:txBody>
-            <a:bodyPr rtlCol="0" anchor="ctr"/>
-            <a:lstStyle/>
-            <a:p>
-              <a:pPr algn="ctr"/>
-              <a:endParaRPr lang="en-US"/>
-            </a:p>
-          </p:txBody>
-        </p:sp>
-        <p:sp>
-          <p:nvSpPr>
-            <p:cNvPr id="231" name="Multiply 230"/>
-            <p:cNvSpPr/>
-            <p:nvPr/>
-          </p:nvSpPr>
-          <p:spPr>
-            <a:xfrm>
-              <a:off x="3822029" y="3501766"/>
-              <a:ext cx="414998" cy="393376"/>
-            </a:xfrm>
-            <a:prstGeom prst="mathMultiply">
-              <a:avLst>
-                <a:gd name="adj1" fmla="val 3701"/>
-              </a:avLst>
-            </a:prstGeom>
-            <a:grpFill/>
-            <a:ln w="38100">
-              <a:solidFill>
-                <a:schemeClr val="bg2"/>
-              </a:solidFill>
-            </a:ln>
-          </p:spPr>
-          <p:style>
-            <a:lnRef idx="2">
-              <a:schemeClr val="accent1">
-                <a:shade val="50000"/>
-              </a:schemeClr>
-            </a:lnRef>
-            <a:fillRef idx="1">
-              <a:schemeClr val="accent1"/>
-            </a:fillRef>
-            <a:effectRef idx="0">
-              <a:schemeClr val="accent1"/>
-            </a:effectRef>
-            <a:fontRef idx="minor">
-              <a:schemeClr val="lt1"/>
-            </a:fontRef>
-          </p:style>
-          <p:txBody>
-            <a:bodyPr rtlCol="0" anchor="ctr"/>
-            <a:lstStyle/>
-            <a:p>
-              <a:pPr algn="ctr"/>
-              <a:endParaRPr lang="en-US"/>
-            </a:p>
-          </p:txBody>
-        </p:sp>
-        <p:sp>
-          <p:nvSpPr>
-            <p:cNvPr id="232" name="Multiply 231"/>
-            <p:cNvSpPr/>
-            <p:nvPr/>
-          </p:nvSpPr>
-          <p:spPr>
-            <a:xfrm>
-              <a:off x="1205477" y="3895142"/>
-              <a:ext cx="414998" cy="393376"/>
-            </a:xfrm>
-            <a:prstGeom prst="mathMultiply">
-              <a:avLst>
-                <a:gd name="adj1" fmla="val 3701"/>
-              </a:avLst>
-            </a:prstGeom>
-            <a:grpFill/>
-            <a:ln w="38100">
-              <a:solidFill>
-                <a:schemeClr val="bg2"/>
-              </a:solidFill>
-            </a:ln>
-          </p:spPr>
-          <p:style>
-            <a:lnRef idx="2">
-              <a:schemeClr val="accent1">
-                <a:shade val="50000"/>
-              </a:schemeClr>
-            </a:lnRef>
-            <a:fillRef idx="1">
-              <a:schemeClr val="accent1"/>
-            </a:fillRef>
-            <a:effectRef idx="0">
-              <a:schemeClr val="accent1"/>
-            </a:effectRef>
-            <a:fontRef idx="minor">
-              <a:schemeClr val="lt1"/>
-            </a:fontRef>
-          </p:style>
-          <p:txBody>
-            <a:bodyPr rtlCol="0" anchor="ctr"/>
-            <a:lstStyle/>
-            <a:p>
-              <a:pPr algn="ctr"/>
-              <a:endParaRPr lang="en-US"/>
-            </a:p>
-          </p:txBody>
-        </p:sp>
-        <p:sp>
-          <p:nvSpPr>
-            <p:cNvPr id="233" name="Multiply 232"/>
-            <p:cNvSpPr/>
-            <p:nvPr/>
-          </p:nvSpPr>
-          <p:spPr>
-            <a:xfrm>
-              <a:off x="1641569" y="3895142"/>
-              <a:ext cx="414998" cy="393376"/>
-            </a:xfrm>
-            <a:prstGeom prst="mathMultiply">
-              <a:avLst>
-                <a:gd name="adj1" fmla="val 3701"/>
-              </a:avLst>
-            </a:prstGeom>
-            <a:grpFill/>
-            <a:ln w="38100">
-              <a:solidFill>
-                <a:schemeClr val="bg2"/>
-              </a:solidFill>
-            </a:ln>
-          </p:spPr>
-          <p:style>
-            <a:lnRef idx="2">
-              <a:schemeClr val="accent1">
-                <a:shade val="50000"/>
-              </a:schemeClr>
-            </a:lnRef>
-            <a:fillRef idx="1">
-              <a:schemeClr val="accent1"/>
-            </a:fillRef>
-            <a:effectRef idx="0">
-              <a:schemeClr val="accent1"/>
-            </a:effectRef>
-            <a:fontRef idx="minor">
-              <a:schemeClr val="lt1"/>
-            </a:fontRef>
-          </p:style>
-          <p:txBody>
-            <a:bodyPr rtlCol="0" anchor="ctr"/>
-            <a:lstStyle/>
-            <a:p>
-              <a:pPr algn="ctr"/>
-              <a:endParaRPr lang="en-US"/>
-            </a:p>
-          </p:txBody>
-        </p:sp>
-        <p:sp>
-          <p:nvSpPr>
-            <p:cNvPr id="234" name="Multiply 233"/>
-            <p:cNvSpPr/>
-            <p:nvPr/>
-          </p:nvSpPr>
-          <p:spPr>
-            <a:xfrm>
-              <a:off x="2077661" y="3895142"/>
-              <a:ext cx="414998" cy="393376"/>
-            </a:xfrm>
-            <a:prstGeom prst="mathMultiply">
-              <a:avLst>
-                <a:gd name="adj1" fmla="val 3701"/>
-              </a:avLst>
-            </a:prstGeom>
-            <a:grpFill/>
-            <a:ln w="38100">
-              <a:solidFill>
-                <a:schemeClr val="bg2"/>
-              </a:solidFill>
-            </a:ln>
-          </p:spPr>
-          <p:style>
-            <a:lnRef idx="2">
-              <a:schemeClr val="accent1">
-                <a:shade val="50000"/>
-              </a:schemeClr>
-            </a:lnRef>
-            <a:fillRef idx="1">
-              <a:schemeClr val="accent1"/>
-            </a:fillRef>
-            <a:effectRef idx="0">
-              <a:schemeClr val="accent1"/>
-            </a:effectRef>
-            <a:fontRef idx="minor">
-              <a:schemeClr val="lt1"/>
-            </a:fontRef>
-          </p:style>
-          <p:txBody>
-            <a:bodyPr rtlCol="0" anchor="ctr"/>
-            <a:lstStyle/>
-            <a:p>
-              <a:pPr algn="ctr"/>
-              <a:endParaRPr lang="en-US"/>
-            </a:p>
-          </p:txBody>
-        </p:sp>
-        <p:sp>
-          <p:nvSpPr>
-            <p:cNvPr id="235" name="Multiply 234"/>
-            <p:cNvSpPr/>
-            <p:nvPr/>
-          </p:nvSpPr>
-          <p:spPr>
-            <a:xfrm>
-              <a:off x="2513753" y="3895142"/>
-              <a:ext cx="414998" cy="393376"/>
-            </a:xfrm>
-            <a:prstGeom prst="mathMultiply">
-              <a:avLst>
-                <a:gd name="adj1" fmla="val 3701"/>
-              </a:avLst>
-            </a:prstGeom>
-            <a:grpFill/>
-            <a:ln w="38100">
-              <a:solidFill>
-                <a:schemeClr val="bg2"/>
-              </a:solidFill>
-            </a:ln>
-          </p:spPr>
-          <p:style>
-            <a:lnRef idx="2">
-              <a:schemeClr val="accent1">
-                <a:shade val="50000"/>
-              </a:schemeClr>
-            </a:lnRef>
-            <a:fillRef idx="1">
-              <a:schemeClr val="accent1"/>
-            </a:fillRef>
-            <a:effectRef idx="0">
-              <a:schemeClr val="accent1"/>
-            </a:effectRef>
-            <a:fontRef idx="minor">
-              <a:schemeClr val="lt1"/>
-            </a:fontRef>
-          </p:style>
-          <p:txBody>
-            <a:bodyPr rtlCol="0" anchor="ctr"/>
-            <a:lstStyle/>
-            <a:p>
-              <a:pPr algn="ctr"/>
-              <a:endParaRPr lang="en-US"/>
-            </a:p>
-          </p:txBody>
-        </p:sp>
-        <p:sp>
-          <p:nvSpPr>
-            <p:cNvPr id="236" name="Multiply 235"/>
-            <p:cNvSpPr/>
-            <p:nvPr/>
-          </p:nvSpPr>
-          <p:spPr>
-            <a:xfrm>
-              <a:off x="2949845" y="3895142"/>
-              <a:ext cx="414998" cy="393376"/>
-            </a:xfrm>
-            <a:prstGeom prst="mathMultiply">
-              <a:avLst>
-                <a:gd name="adj1" fmla="val 3701"/>
-              </a:avLst>
-            </a:prstGeom>
-            <a:grpFill/>
-            <a:ln w="38100">
-              <a:solidFill>
-                <a:schemeClr val="bg2"/>
-              </a:solidFill>
-            </a:ln>
-          </p:spPr>
-          <p:style>
-            <a:lnRef idx="2">
-              <a:schemeClr val="accent1">
-                <a:shade val="50000"/>
-              </a:schemeClr>
-            </a:lnRef>
-            <a:fillRef idx="1">
-              <a:schemeClr val="accent1"/>
-            </a:fillRef>
-            <a:effectRef idx="0">
-              <a:schemeClr val="accent1"/>
-            </a:effectRef>
-            <a:fontRef idx="minor">
-              <a:schemeClr val="lt1"/>
-            </a:fontRef>
-          </p:style>
-          <p:txBody>
-            <a:bodyPr rtlCol="0" anchor="ctr"/>
-            <a:lstStyle/>
-            <a:p>
-              <a:pPr algn="ctr"/>
-              <a:endParaRPr lang="en-US"/>
-            </a:p>
-          </p:txBody>
-        </p:sp>
-        <p:sp>
-          <p:nvSpPr>
-            <p:cNvPr id="237" name="Multiply 236"/>
-            <p:cNvSpPr/>
-            <p:nvPr/>
-          </p:nvSpPr>
-          <p:spPr>
-            <a:xfrm>
-              <a:off x="3385937" y="3895142"/>
-              <a:ext cx="414998" cy="393376"/>
-            </a:xfrm>
-            <a:prstGeom prst="mathMultiply">
-              <a:avLst>
-                <a:gd name="adj1" fmla="val 3701"/>
-              </a:avLst>
-            </a:prstGeom>
-            <a:grpFill/>
-            <a:ln w="38100">
-              <a:solidFill>
-                <a:schemeClr val="bg2"/>
-              </a:solidFill>
-            </a:ln>
-          </p:spPr>
-          <p:style>
-            <a:lnRef idx="2">
-              <a:schemeClr val="accent1">
-                <a:shade val="50000"/>
-              </a:schemeClr>
-            </a:lnRef>
-            <a:fillRef idx="1">
-              <a:schemeClr val="accent1"/>
-            </a:fillRef>
-            <a:effectRef idx="0">
-              <a:schemeClr val="accent1"/>
-            </a:effectRef>
-            <a:fontRef idx="minor">
-              <a:schemeClr val="lt1"/>
-            </a:fontRef>
-          </p:style>
-          <p:txBody>
-            <a:bodyPr rtlCol="0" anchor="ctr"/>
-            <a:lstStyle/>
-            <a:p>
-              <a:pPr algn="ctr"/>
-              <a:endParaRPr lang="en-US"/>
-            </a:p>
-          </p:txBody>
-        </p:sp>
-        <p:sp>
-          <p:nvSpPr>
-            <p:cNvPr id="238" name="Multiply 237"/>
-            <p:cNvSpPr/>
-            <p:nvPr/>
-          </p:nvSpPr>
-          <p:spPr>
-            <a:xfrm>
-              <a:off x="3822029" y="3895142"/>
-              <a:ext cx="414998" cy="393376"/>
-            </a:xfrm>
-            <a:prstGeom prst="mathMultiply">
-              <a:avLst>
-                <a:gd name="adj1" fmla="val 3701"/>
-              </a:avLst>
-            </a:prstGeom>
-            <a:grpFill/>
-            <a:ln w="38100">
-              <a:solidFill>
-                <a:schemeClr val="bg2"/>
-              </a:solidFill>
-            </a:ln>
-          </p:spPr>
-          <p:style>
-            <a:lnRef idx="2">
-              <a:schemeClr val="accent1">
-                <a:shade val="50000"/>
-              </a:schemeClr>
-            </a:lnRef>
-            <a:fillRef idx="1">
-              <a:schemeClr val="accent1"/>
-            </a:fillRef>
-            <a:effectRef idx="0">
-              <a:schemeClr val="accent1"/>
-            </a:effectRef>
-            <a:fontRef idx="minor">
-              <a:schemeClr val="lt1"/>
-            </a:fontRef>
-          </p:style>
-          <p:txBody>
-            <a:bodyPr rtlCol="0" anchor="ctr"/>
-            <a:lstStyle/>
-            <a:p>
-              <a:pPr algn="ctr"/>
-              <a:endParaRPr lang="en-US"/>
-            </a:p>
-          </p:txBody>
-        </p:sp>
-        <p:sp>
-          <p:nvSpPr>
-            <p:cNvPr id="239" name="Multiply 238"/>
-            <p:cNvSpPr/>
-            <p:nvPr/>
-          </p:nvSpPr>
-          <p:spPr>
-            <a:xfrm>
-              <a:off x="1205477" y="4288518"/>
-              <a:ext cx="414998" cy="393376"/>
-            </a:xfrm>
-            <a:prstGeom prst="mathMultiply">
-              <a:avLst>
-                <a:gd name="adj1" fmla="val 3701"/>
-              </a:avLst>
-            </a:prstGeom>
-            <a:grpFill/>
-            <a:ln w="38100">
-              <a:solidFill>
-                <a:schemeClr val="bg2"/>
-              </a:solidFill>
-            </a:ln>
-          </p:spPr>
-          <p:style>
-            <a:lnRef idx="2">
-              <a:schemeClr val="accent1">
-                <a:shade val="50000"/>
-              </a:schemeClr>
-            </a:lnRef>
-            <a:fillRef idx="1">
-              <a:schemeClr val="accent1"/>
-            </a:fillRef>
-            <a:effectRef idx="0">
-              <a:schemeClr val="accent1"/>
-            </a:effectRef>
-            <a:fontRef idx="minor">
-              <a:schemeClr val="lt1"/>
-            </a:fontRef>
-          </p:style>
-          <p:txBody>
-            <a:bodyPr rtlCol="0" anchor="ctr"/>
-            <a:lstStyle/>
-            <a:p>
-              <a:pPr algn="ctr"/>
-              <a:endParaRPr lang="en-US"/>
-            </a:p>
-          </p:txBody>
-        </p:sp>
-        <p:sp>
-          <p:nvSpPr>
-            <p:cNvPr id="240" name="Multiply 239"/>
-            <p:cNvSpPr/>
-            <p:nvPr/>
-          </p:nvSpPr>
-          <p:spPr>
-            <a:xfrm>
-              <a:off x="1641569" y="4288518"/>
-              <a:ext cx="414998" cy="393376"/>
-            </a:xfrm>
-            <a:prstGeom prst="mathMultiply">
-              <a:avLst>
-                <a:gd name="adj1" fmla="val 3701"/>
-              </a:avLst>
-            </a:prstGeom>
-            <a:grpFill/>
-            <a:ln w="38100">
-              <a:solidFill>
-                <a:schemeClr val="bg2"/>
-              </a:solidFill>
-            </a:ln>
-          </p:spPr>
-          <p:style>
-            <a:lnRef idx="2">
-              <a:schemeClr val="accent1">
-                <a:shade val="50000"/>
-              </a:schemeClr>
-            </a:lnRef>
-            <a:fillRef idx="1">
-              <a:schemeClr val="accent1"/>
-            </a:fillRef>
-            <a:effectRef idx="0">
-              <a:schemeClr val="accent1"/>
-            </a:effectRef>
-            <a:fontRef idx="minor">
-              <a:schemeClr val="lt1"/>
-            </a:fontRef>
-          </p:style>
-          <p:txBody>
-            <a:bodyPr rtlCol="0" anchor="ctr"/>
-            <a:lstStyle/>
-            <a:p>
-              <a:pPr algn="ctr"/>
-              <a:endParaRPr lang="en-US"/>
-            </a:p>
-          </p:txBody>
-        </p:sp>
-        <p:sp>
-          <p:nvSpPr>
-            <p:cNvPr id="241" name="Multiply 240"/>
-            <p:cNvSpPr/>
-            <p:nvPr/>
-          </p:nvSpPr>
-          <p:spPr>
-            <a:xfrm>
-              <a:off x="2077661" y="4288518"/>
-              <a:ext cx="414998" cy="393376"/>
-            </a:xfrm>
-            <a:prstGeom prst="mathMultiply">
-              <a:avLst>
-                <a:gd name="adj1" fmla="val 3701"/>
-              </a:avLst>
-            </a:prstGeom>
-            <a:grpFill/>
-            <a:ln w="38100">
-              <a:solidFill>
-                <a:schemeClr val="bg2"/>
-              </a:solidFill>
-            </a:ln>
-          </p:spPr>
-          <p:style>
-            <a:lnRef idx="2">
-              <a:schemeClr val="accent1">
-                <a:shade val="50000"/>
-              </a:schemeClr>
-            </a:lnRef>
-            <a:fillRef idx="1">
-              <a:schemeClr val="accent1"/>
-            </a:fillRef>
-            <a:effectRef idx="0">
-              <a:schemeClr val="accent1"/>
-            </a:effectRef>
-            <a:fontRef idx="minor">
-              <a:schemeClr val="lt1"/>
-            </a:fontRef>
-          </p:style>
-          <p:txBody>
-            <a:bodyPr rtlCol="0" anchor="ctr"/>
-            <a:lstStyle/>
-            <a:p>
-              <a:pPr algn="ctr"/>
-              <a:endParaRPr lang="en-US"/>
-            </a:p>
-          </p:txBody>
-        </p:sp>
-        <p:sp>
-          <p:nvSpPr>
-            <p:cNvPr id="242" name="Multiply 241"/>
-            <p:cNvSpPr/>
-            <p:nvPr/>
-          </p:nvSpPr>
-          <p:spPr>
-            <a:xfrm>
-              <a:off x="2513753" y="4288518"/>
-              <a:ext cx="414998" cy="393376"/>
-            </a:xfrm>
-            <a:prstGeom prst="mathMultiply">
-              <a:avLst>
-                <a:gd name="adj1" fmla="val 3701"/>
-              </a:avLst>
-            </a:prstGeom>
-            <a:grpFill/>
-            <a:ln w="38100">
-              <a:solidFill>
-                <a:schemeClr val="bg2"/>
-              </a:solidFill>
-            </a:ln>
-          </p:spPr>
-          <p:style>
-            <a:lnRef idx="2">
-              <a:schemeClr val="accent1">
-                <a:shade val="50000"/>
-              </a:schemeClr>
-            </a:lnRef>
-            <a:fillRef idx="1">
-              <a:schemeClr val="accent1"/>
-            </a:fillRef>
-            <a:effectRef idx="0">
-              <a:schemeClr val="accent1"/>
-            </a:effectRef>
-            <a:fontRef idx="minor">
-              <a:schemeClr val="lt1"/>
-            </a:fontRef>
-          </p:style>
-          <p:txBody>
-            <a:bodyPr rtlCol="0" anchor="ctr"/>
-            <a:lstStyle/>
-            <a:p>
-              <a:pPr algn="ctr"/>
-              <a:endParaRPr lang="en-US"/>
-            </a:p>
-          </p:txBody>
-        </p:sp>
-        <p:sp>
-          <p:nvSpPr>
-            <p:cNvPr id="243" name="Multiply 242"/>
-            <p:cNvSpPr/>
-            <p:nvPr/>
-          </p:nvSpPr>
-          <p:spPr>
-            <a:xfrm>
-              <a:off x="2949845" y="4288518"/>
-              <a:ext cx="414998" cy="393376"/>
-            </a:xfrm>
-            <a:prstGeom prst="mathMultiply">
-              <a:avLst>
-                <a:gd name="adj1" fmla="val 3701"/>
-              </a:avLst>
-            </a:prstGeom>
-            <a:grpFill/>
-            <a:ln w="38100">
-              <a:solidFill>
-                <a:schemeClr val="bg2"/>
-              </a:solidFill>
-            </a:ln>
-          </p:spPr>
-          <p:style>
-            <a:lnRef idx="2">
-              <a:schemeClr val="accent1">
-                <a:shade val="50000"/>
-              </a:schemeClr>
-            </a:lnRef>
-            <a:fillRef idx="1">
-              <a:schemeClr val="accent1"/>
-            </a:fillRef>
-            <a:effectRef idx="0">
-              <a:schemeClr val="accent1"/>
-            </a:effectRef>
-            <a:fontRef idx="minor">
-              <a:schemeClr val="lt1"/>
-            </a:fontRef>
-          </p:style>
-          <p:txBody>
-            <a:bodyPr rtlCol="0" anchor="ctr"/>
-            <a:lstStyle/>
-            <a:p>
-              <a:pPr algn="ctr"/>
-              <a:endParaRPr lang="en-US"/>
-            </a:p>
-          </p:txBody>
-        </p:sp>
-        <p:sp>
-          <p:nvSpPr>
-            <p:cNvPr id="244" name="Multiply 243"/>
-            <p:cNvSpPr/>
-            <p:nvPr/>
-          </p:nvSpPr>
-          <p:spPr>
-            <a:xfrm>
-              <a:off x="3385937" y="4288518"/>
-              <a:ext cx="414998" cy="393376"/>
-            </a:xfrm>
-            <a:prstGeom prst="mathMultiply">
-              <a:avLst>
-                <a:gd name="adj1" fmla="val 3701"/>
-              </a:avLst>
-            </a:prstGeom>
-            <a:grpFill/>
-            <a:ln w="38100">
-              <a:solidFill>
-                <a:schemeClr val="bg2"/>
-              </a:solidFill>
-            </a:ln>
-          </p:spPr>
-          <p:style>
-            <a:lnRef idx="2">
-              <a:schemeClr val="accent1">
-                <a:shade val="50000"/>
-              </a:schemeClr>
-            </a:lnRef>
-            <a:fillRef idx="1">
-              <a:schemeClr val="accent1"/>
-            </a:fillRef>
-            <a:effectRef idx="0">
-              <a:schemeClr val="accent1"/>
-            </a:effectRef>
-            <a:fontRef idx="minor">
-              <a:schemeClr val="lt1"/>
-            </a:fontRef>
-          </p:style>
-          <p:txBody>
-            <a:bodyPr rtlCol="0" anchor="ctr"/>
-            <a:lstStyle/>
-            <a:p>
-              <a:pPr algn="ctr"/>
-              <a:endParaRPr lang="en-US"/>
-            </a:p>
-          </p:txBody>
-        </p:sp>
-        <p:sp>
-          <p:nvSpPr>
-            <p:cNvPr id="245" name="Multiply 244"/>
-            <p:cNvSpPr/>
-            <p:nvPr/>
-          </p:nvSpPr>
-          <p:spPr>
-            <a:xfrm>
-              <a:off x="3822029" y="4288518"/>
-              <a:ext cx="414998" cy="393376"/>
-            </a:xfrm>
-            <a:prstGeom prst="mathMultiply">
-              <a:avLst>
-                <a:gd name="adj1" fmla="val 3701"/>
-              </a:avLst>
-            </a:prstGeom>
-            <a:grpFill/>
-            <a:ln w="38100">
-              <a:solidFill>
-                <a:schemeClr val="bg2"/>
-              </a:solidFill>
-            </a:ln>
-          </p:spPr>
-          <p:style>
-            <a:lnRef idx="2">
-              <a:schemeClr val="accent1">
-                <a:shade val="50000"/>
-              </a:schemeClr>
-            </a:lnRef>
-            <a:fillRef idx="1">
-              <a:schemeClr val="accent1"/>
-            </a:fillRef>
-            <a:effectRef idx="0">
-              <a:schemeClr val="accent1"/>
-            </a:effectRef>
-            <a:fontRef idx="minor">
-              <a:schemeClr val="lt1"/>
-            </a:fontRef>
-          </p:style>
-          <p:txBody>
-            <a:bodyPr rtlCol="0" anchor="ctr"/>
-            <a:lstStyle/>
-            <a:p>
-              <a:pPr algn="ctr"/>
-              <a:endParaRPr lang="en-US"/>
-            </a:p>
-          </p:txBody>
-        </p:sp>
+        </p:cxnSp>
+        <mc:AlternateContent xmlns:mc="http://schemas.openxmlformats.org/markup-compatibility/2006">
+          <mc:Choice xmlns:a14="http://schemas.microsoft.com/office/drawing/2010/main" Requires="a14">
+            <p:sp>
+              <p:nvSpPr>
+                <p:cNvPr id="138" name="TextBox 137"/>
+                <p:cNvSpPr txBox="1"/>
+                <p:nvPr/>
+              </p:nvSpPr>
+              <p:spPr>
+                <a:xfrm>
+                  <a:off x="6653754" y="1943463"/>
+                  <a:ext cx="219163" cy="307777"/>
+                </a:xfrm>
+                <a:prstGeom prst="rect">
+                  <a:avLst/>
+                </a:prstGeom>
+                <a:noFill/>
+              </p:spPr>
+              <p:txBody>
+                <a:bodyPr wrap="none" lIns="0" tIns="0" rIns="0" bIns="0" rtlCol="0">
+                  <a:spAutoFit/>
+                </a:bodyPr>
+                <a:lstStyle/>
+                <a:p>
+                  <a14:m>
+                    <m:oMathPara xmlns:m="http://schemas.openxmlformats.org/officeDocument/2006/math">
+                      <m:oMathParaPr>
+                        <m:jc m:val="centerGroup"/>
+                      </m:oMathParaPr>
+                      <m:oMath xmlns:m="http://schemas.openxmlformats.org/officeDocument/2006/math">
+                        <m:r>
+                          <a:rPr lang="en-US" sz="2000" b="0" i="1" smtClean="0">
+                            <a:latin typeface="Cambria Math" panose="02040503050406030204" pitchFamily="18" charset="0"/>
+                            <a:cs typeface="Arial" panose="020B0604020202020204" pitchFamily="34" charset="0"/>
+                          </a:rPr>
+                          <m:t>𝑦</m:t>
+                        </m:r>
+                      </m:oMath>
+                    </m:oMathPara>
+                  </a14:m>
+                  <a:endParaRPr lang="en-US" sz="2000" dirty="0" smtClean="0">
+                    <a:latin typeface="Arial" panose="020B0604020202020204" pitchFamily="34" charset="0"/>
+                    <a:cs typeface="Arial" panose="020B0604020202020204" pitchFamily="34" charset="0"/>
+                  </a:endParaRPr>
+                </a:p>
+              </p:txBody>
+            </p:sp>
+          </mc:Choice>
+          <mc:Fallback>
+            <p:sp>
+              <p:nvSpPr>
+                <p:cNvPr id="138" name="TextBox 137"/>
+                <p:cNvSpPr txBox="1">
+                  <a:spLocks noRot="1" noChangeAspect="1" noMove="1" noResize="1" noEditPoints="1" noAdjustHandles="1" noChangeArrowheads="1" noChangeShapeType="1" noTextEdit="1"/>
+                </p:cNvSpPr>
+                <p:nvPr/>
+              </p:nvSpPr>
+              <p:spPr>
+                <a:xfrm>
+                  <a:off x="6653754" y="1943463"/>
+                  <a:ext cx="219163" cy="307777"/>
+                </a:xfrm>
+                <a:prstGeom prst="rect">
+                  <a:avLst/>
+                </a:prstGeom>
+                <a:blipFill>
+                  <a:blip r:embed="rId30"/>
+                  <a:stretch>
+                    <a:fillRect l="-25000" r="-25000" b="-30000"/>
+                  </a:stretch>
+                </a:blipFill>
+              </p:spPr>
+              <p:txBody>
+                <a:bodyPr/>
+                <a:lstStyle/>
+                <a:p>
+                  <a:r>
+                    <a:rPr lang="en-US">
+                      <a:noFill/>
+                    </a:rPr>
+                    <a:t> </a:t>
+                  </a:r>
+                </a:p>
+              </p:txBody>
+            </p:sp>
+          </mc:Fallback>
+        </mc:AlternateContent>
       </p:grpSp>
     </p:spTree>
     <p:extLst>

--- a/tex/figures/MagneticSource/Figures.pptx
+++ b/tex/figures/MagneticSource/Figures.pptx
@@ -201,7 +201,7 @@
           <a:p>
             <a:fld id="{FA15A6B2-55AC-CD4B-A1E6-BB01091FE9DC}" type="datetimeFigureOut">
               <a:rPr lang="en-US" smtClean="0"/>
-              <a:t>7/24/2019</a:t>
+              <a:t>7/25/2019</a:t>
             </a:fld>
             <a:endParaRPr lang="en-US"/>
           </a:p>
@@ -600,7 +600,7 @@
           <a:p>
             <a:fld id="{F7249F8D-641B-4CAF-BAE5-10524742F6F1}" type="datetimeFigureOut">
               <a:rPr lang="en-CA" smtClean="0"/>
-              <a:t>2019-07-24</a:t>
+              <a:t>2019-07-25</a:t>
             </a:fld>
             <a:endParaRPr lang="en-CA"/>
           </a:p>
@@ -770,7 +770,7 @@
           <a:p>
             <a:fld id="{F7249F8D-641B-4CAF-BAE5-10524742F6F1}" type="datetimeFigureOut">
               <a:rPr lang="en-CA" smtClean="0"/>
-              <a:t>2019-07-24</a:t>
+              <a:t>2019-07-25</a:t>
             </a:fld>
             <a:endParaRPr lang="en-CA"/>
           </a:p>
@@ -950,7 +950,7 @@
           <a:p>
             <a:fld id="{F7249F8D-641B-4CAF-BAE5-10524742F6F1}" type="datetimeFigureOut">
               <a:rPr lang="en-CA" smtClean="0"/>
-              <a:t>2019-07-24</a:t>
+              <a:t>2019-07-25</a:t>
             </a:fld>
             <a:endParaRPr lang="en-CA"/>
           </a:p>
@@ -1120,7 +1120,7 @@
           <a:p>
             <a:fld id="{F7249F8D-641B-4CAF-BAE5-10524742F6F1}" type="datetimeFigureOut">
               <a:rPr lang="en-CA" smtClean="0"/>
-              <a:t>2019-07-24</a:t>
+              <a:t>2019-07-25</a:t>
             </a:fld>
             <a:endParaRPr lang="en-CA"/>
           </a:p>
@@ -1366,7 +1366,7 @@
           <a:p>
             <a:fld id="{F7249F8D-641B-4CAF-BAE5-10524742F6F1}" type="datetimeFigureOut">
               <a:rPr lang="en-CA" smtClean="0"/>
-              <a:t>2019-07-24</a:t>
+              <a:t>2019-07-25</a:t>
             </a:fld>
             <a:endParaRPr lang="en-CA"/>
           </a:p>
@@ -1598,7 +1598,7 @@
           <a:p>
             <a:fld id="{F7249F8D-641B-4CAF-BAE5-10524742F6F1}" type="datetimeFigureOut">
               <a:rPr lang="en-CA" smtClean="0"/>
-              <a:t>2019-07-24</a:t>
+              <a:t>2019-07-25</a:t>
             </a:fld>
             <a:endParaRPr lang="en-CA"/>
           </a:p>
@@ -1965,7 +1965,7 @@
           <a:p>
             <a:fld id="{F7249F8D-641B-4CAF-BAE5-10524742F6F1}" type="datetimeFigureOut">
               <a:rPr lang="en-CA" smtClean="0"/>
-              <a:t>2019-07-24</a:t>
+              <a:t>2019-07-25</a:t>
             </a:fld>
             <a:endParaRPr lang="en-CA"/>
           </a:p>
@@ -2083,7 +2083,7 @@
           <a:p>
             <a:fld id="{F7249F8D-641B-4CAF-BAE5-10524742F6F1}" type="datetimeFigureOut">
               <a:rPr lang="en-CA" smtClean="0"/>
-              <a:t>2019-07-24</a:t>
+              <a:t>2019-07-25</a:t>
             </a:fld>
             <a:endParaRPr lang="en-CA"/>
           </a:p>
@@ -2178,7 +2178,7 @@
           <a:p>
             <a:fld id="{F7249F8D-641B-4CAF-BAE5-10524742F6F1}" type="datetimeFigureOut">
               <a:rPr lang="en-CA" smtClean="0"/>
-              <a:t>2019-07-24</a:t>
+              <a:t>2019-07-25</a:t>
             </a:fld>
             <a:endParaRPr lang="en-CA"/>
           </a:p>
@@ -2455,7 +2455,7 @@
           <a:p>
             <a:fld id="{F7249F8D-641B-4CAF-BAE5-10524742F6F1}" type="datetimeFigureOut">
               <a:rPr lang="en-CA" smtClean="0"/>
-              <a:t>2019-07-24</a:t>
+              <a:t>2019-07-25</a:t>
             </a:fld>
             <a:endParaRPr lang="en-CA"/>
           </a:p>
@@ -2708,7 +2708,7 @@
           <a:p>
             <a:fld id="{F7249F8D-641B-4CAF-BAE5-10524742F6F1}" type="datetimeFigureOut">
               <a:rPr lang="en-CA" smtClean="0"/>
-              <a:t>2019-07-24</a:t>
+              <a:t>2019-07-25</a:t>
             </a:fld>
             <a:endParaRPr lang="en-CA"/>
           </a:p>
@@ -2921,7 +2921,7 @@
           <a:p>
             <a:fld id="{F7249F8D-641B-4CAF-BAE5-10524742F6F1}" type="datetimeFigureOut">
               <a:rPr lang="en-CA" smtClean="0"/>
-              <a:t>2019-07-24</a:t>
+              <a:t>2019-07-25</a:t>
             </a:fld>
             <a:endParaRPr lang="en-CA"/>
           </a:p>
@@ -11650,6 +11650,188 @@
           </p:sp>
         </p:grpSp>
       </p:grpSp>
+      <p:grpSp>
+        <p:nvGrpSpPr>
+          <p:cNvPr id="229" name="Group 228"/>
+          <p:cNvGrpSpPr/>
+          <p:nvPr/>
+        </p:nvGrpSpPr>
+        <p:grpSpPr>
+          <a:xfrm>
+            <a:off x="7101394" y="1185020"/>
+            <a:ext cx="225387" cy="176270"/>
+            <a:chOff x="9105900" y="2412694"/>
+            <a:chExt cx="225387" cy="176270"/>
+          </a:xfrm>
+        </p:grpSpPr>
+        <p:cxnSp>
+          <p:nvCxnSpPr>
+            <p:cNvPr id="230" name="Straight Connector 229"/>
+            <p:cNvCxnSpPr/>
+            <p:nvPr/>
+          </p:nvCxnSpPr>
+          <p:spPr>
+            <a:xfrm>
+              <a:off x="9199084" y="2412694"/>
+              <a:ext cx="132203" cy="176270"/>
+            </a:xfrm>
+            <a:prstGeom prst="line">
+              <a:avLst/>
+            </a:prstGeom>
+            <a:ln w="38100">
+              <a:solidFill>
+                <a:schemeClr val="tx1"/>
+              </a:solidFill>
+            </a:ln>
+          </p:spPr>
+          <p:style>
+            <a:lnRef idx="1">
+              <a:schemeClr val="accent1"/>
+            </a:lnRef>
+            <a:fillRef idx="0">
+              <a:schemeClr val="accent1"/>
+            </a:fillRef>
+            <a:effectRef idx="0">
+              <a:schemeClr val="accent1"/>
+            </a:effectRef>
+            <a:fontRef idx="minor">
+              <a:schemeClr val="tx1"/>
+            </a:fontRef>
+          </p:style>
+        </p:cxnSp>
+        <p:cxnSp>
+          <p:nvCxnSpPr>
+            <p:cNvPr id="231" name="Straight Connector 230"/>
+            <p:cNvCxnSpPr/>
+            <p:nvPr/>
+          </p:nvCxnSpPr>
+          <p:spPr>
+            <a:xfrm flipH="1">
+              <a:off x="9105900" y="2412694"/>
+              <a:ext cx="112390" cy="176270"/>
+            </a:xfrm>
+            <a:prstGeom prst="line">
+              <a:avLst/>
+            </a:prstGeom>
+            <a:ln w="38100">
+              <a:solidFill>
+                <a:schemeClr val="tx1"/>
+              </a:solidFill>
+            </a:ln>
+          </p:spPr>
+          <p:style>
+            <a:lnRef idx="1">
+              <a:schemeClr val="accent1"/>
+            </a:lnRef>
+            <a:fillRef idx="0">
+              <a:schemeClr val="accent1"/>
+            </a:fillRef>
+            <a:effectRef idx="0">
+              <a:schemeClr val="accent1"/>
+            </a:effectRef>
+            <a:fontRef idx="minor">
+              <a:schemeClr val="tx1"/>
+            </a:fontRef>
+          </p:style>
+        </p:cxnSp>
+      </p:grpSp>
+      <p:grpSp>
+        <p:nvGrpSpPr>
+          <p:cNvPr id="232" name="Group 231"/>
+          <p:cNvGrpSpPr/>
+          <p:nvPr/>
+        </p:nvGrpSpPr>
+        <p:grpSpPr>
+          <a:xfrm>
+            <a:off x="8207921" y="3429650"/>
+            <a:ext cx="882650" cy="247348"/>
+            <a:chOff x="9055100" y="3993844"/>
+            <a:chExt cx="882650" cy="247348"/>
+          </a:xfrm>
+        </p:grpSpPr>
+        <p:sp>
+          <p:nvSpPr>
+            <p:cNvPr id="233" name="Oval 232"/>
+            <p:cNvSpPr/>
+            <p:nvPr/>
+          </p:nvSpPr>
+          <p:spPr>
+            <a:xfrm>
+              <a:off x="9055100" y="3993844"/>
+              <a:ext cx="882650" cy="247348"/>
+            </a:xfrm>
+            <a:prstGeom prst="ellipse">
+              <a:avLst/>
+            </a:prstGeom>
+            <a:noFill/>
+            <a:ln w="38100">
+              <a:solidFill>
+                <a:schemeClr val="tx1"/>
+              </a:solidFill>
+            </a:ln>
+          </p:spPr>
+          <p:style>
+            <a:lnRef idx="2">
+              <a:schemeClr val="accent1">
+                <a:shade val="50000"/>
+              </a:schemeClr>
+            </a:lnRef>
+            <a:fillRef idx="1">
+              <a:schemeClr val="accent1"/>
+            </a:fillRef>
+            <a:effectRef idx="0">
+              <a:schemeClr val="accent1"/>
+            </a:effectRef>
+            <a:fontRef idx="minor">
+              <a:schemeClr val="lt1"/>
+            </a:fontRef>
+          </p:style>
+          <p:txBody>
+            <a:bodyPr rtlCol="0" anchor="ctr"/>
+            <a:lstStyle/>
+            <a:p>
+              <a:pPr algn="ctr"/>
+              <a:endParaRPr lang="en-US"/>
+            </a:p>
+          </p:txBody>
+        </p:sp>
+        <p:cxnSp>
+          <p:nvCxnSpPr>
+            <p:cNvPr id="234" name="Straight Arrow Connector 233"/>
+            <p:cNvCxnSpPr/>
+            <p:nvPr/>
+          </p:nvCxnSpPr>
+          <p:spPr>
+            <a:xfrm flipV="1">
+              <a:off x="9631680" y="4211074"/>
+              <a:ext cx="116205" cy="30118"/>
+            </a:xfrm>
+            <a:prstGeom prst="straightConnector1">
+              <a:avLst/>
+            </a:prstGeom>
+            <a:ln w="38100">
+              <a:solidFill>
+                <a:schemeClr val="tx1"/>
+              </a:solidFill>
+              <a:tailEnd type="triangle"/>
+            </a:ln>
+          </p:spPr>
+          <p:style>
+            <a:lnRef idx="1">
+              <a:schemeClr val="accent1"/>
+            </a:lnRef>
+            <a:fillRef idx="0">
+              <a:schemeClr val="accent1"/>
+            </a:fillRef>
+            <a:effectRef idx="0">
+              <a:schemeClr val="accent1"/>
+            </a:effectRef>
+            <a:fontRef idx="minor">
+              <a:schemeClr val="tx1"/>
+            </a:fontRef>
+          </p:style>
+        </p:cxnSp>
+      </p:grpSp>
     </p:spTree>
     <p:extLst>
       <p:ext uri="{BB962C8B-B14F-4D97-AF65-F5344CB8AC3E}">
@@ -11847,8 +12029,8 @@
             </a:fontRef>
           </p:style>
         </p:cxnSp>
-        <mc:AlternateContent xmlns:mc="http://schemas.openxmlformats.org/markup-compatibility/2006">
-          <mc:Choice xmlns:a14="http://schemas.microsoft.com/office/drawing/2010/main" Requires="a14">
+        <mc:AlternateContent xmlns:mc="http://schemas.openxmlformats.org/markup-compatibility/2006" xmlns:a14="http://schemas.microsoft.com/office/drawing/2010/main">
+          <mc:Choice Requires="a14">
             <p:sp>
               <p:nvSpPr>
                 <p:cNvPr id="17" name="TextBox 16"/>
@@ -11871,6 +12053,7 @@
                 </a:bodyPr>
                 <a:lstStyle/>
                 <a:p>
+                  <a:pPr/>
                   <a14:m>
                     <m:oMathPara xmlns:m="http://schemas.openxmlformats.org/officeDocument/2006/math">
                       <m:oMathParaPr>
@@ -11895,7 +12078,7 @@
               </p:txBody>
             </p:sp>
           </mc:Choice>
-          <mc:Fallback>
+          <mc:Fallback xmlns="">
             <p:sp>
               <p:nvSpPr>
                 <p:cNvPr id="17" name="TextBox 16"/>
@@ -11970,8 +12153,8 @@
             </a:fontRef>
           </p:style>
         </p:cxnSp>
-        <mc:AlternateContent xmlns:mc="http://schemas.openxmlformats.org/markup-compatibility/2006">
-          <mc:Choice xmlns:a14="http://schemas.microsoft.com/office/drawing/2010/main" Requires="a14">
+        <mc:AlternateContent xmlns:mc="http://schemas.openxmlformats.org/markup-compatibility/2006" xmlns:a14="http://schemas.microsoft.com/office/drawing/2010/main">
+          <mc:Choice Requires="a14">
             <p:sp>
               <p:nvSpPr>
                 <p:cNvPr id="21" name="TextBox 20"/>
@@ -11994,6 +12177,7 @@
                 </a:bodyPr>
                 <a:lstStyle/>
                 <a:p>
+                  <a:pPr/>
                   <a14:m>
                     <m:oMathPara xmlns:m="http://schemas.openxmlformats.org/officeDocument/2006/math">
                       <m:oMathParaPr>
@@ -12050,7 +12234,7 @@
               </p:txBody>
             </p:sp>
           </mc:Choice>
-          <mc:Fallback>
+          <mc:Fallback xmlns="">
             <p:sp>
               <p:nvSpPr>
                 <p:cNvPr id="21" name="TextBox 20"/>
@@ -12127,8 +12311,8 @@
             </a:fontRef>
           </p:style>
         </p:cxnSp>
-        <mc:AlternateContent xmlns:mc="http://schemas.openxmlformats.org/markup-compatibility/2006">
-          <mc:Choice xmlns:a14="http://schemas.microsoft.com/office/drawing/2010/main" Requires="a14">
+        <mc:AlternateContent xmlns:mc="http://schemas.openxmlformats.org/markup-compatibility/2006" xmlns:a14="http://schemas.microsoft.com/office/drawing/2010/main">
+          <mc:Choice Requires="a14">
             <p:sp>
               <p:nvSpPr>
                 <p:cNvPr id="24" name="TextBox 23"/>
@@ -12151,6 +12335,7 @@
                 </a:bodyPr>
                 <a:lstStyle/>
                 <a:p>
+                  <a:pPr/>
                   <a14:m>
                     <m:oMathPara xmlns:m="http://schemas.openxmlformats.org/officeDocument/2006/math">
                       <m:oMathParaPr>
@@ -12188,7 +12373,7 @@
               </p:txBody>
             </p:sp>
           </mc:Choice>
-          <mc:Fallback>
+          <mc:Fallback xmlns="">
             <p:sp>
               <p:nvSpPr>
                 <p:cNvPr id="24" name="TextBox 23"/>
@@ -12277,8 +12462,8 @@
             </a:p>
           </p:txBody>
         </p:sp>
-        <mc:AlternateContent xmlns:mc="http://schemas.openxmlformats.org/markup-compatibility/2006">
-          <mc:Choice xmlns:a14="http://schemas.microsoft.com/office/drawing/2010/main" Requires="a14">
+        <mc:AlternateContent xmlns:mc="http://schemas.openxmlformats.org/markup-compatibility/2006" xmlns:a14="http://schemas.microsoft.com/office/drawing/2010/main">
+          <mc:Choice Requires="a14">
             <p:sp>
               <p:nvSpPr>
                 <p:cNvPr id="46" name="TextBox 45"/>
@@ -12301,6 +12486,7 @@
                 </a:bodyPr>
                 <a:lstStyle/>
                 <a:p>
+                  <a:pPr/>
                   <a14:m>
                     <m:oMathPara xmlns:m="http://schemas.openxmlformats.org/officeDocument/2006/math">
                       <m:oMathParaPr>
@@ -12394,7 +12580,7 @@
               </p:txBody>
             </p:sp>
           </mc:Choice>
-          <mc:Fallback>
+          <mc:Fallback xmlns="">
             <p:sp>
               <p:nvSpPr>
                 <p:cNvPr id="46" name="TextBox 45"/>
@@ -12436,13 +12622,13 @@
       </p:grpSp>
       <p:grpSp>
         <p:nvGrpSpPr>
-          <p:cNvPr id="139" name="Group 138"/>
+          <p:cNvPr id="2" name="Group 1"/>
           <p:cNvGrpSpPr/>
           <p:nvPr/>
         </p:nvGrpSpPr>
         <p:grpSpPr>
           <a:xfrm>
-            <a:off x="5978120" y="695852"/>
+            <a:off x="6511520" y="233870"/>
             <a:ext cx="5462478" cy="4076573"/>
             <a:chOff x="5978120" y="695852"/>
             <a:chExt cx="5462478" cy="4076573"/>
@@ -12450,7 +12636,7 @@
         </p:grpSpPr>
         <p:grpSp>
           <p:nvGrpSpPr>
-            <p:cNvPr id="136" name="Group 135"/>
+            <p:cNvPr id="139" name="Group 138"/>
             <p:cNvGrpSpPr/>
             <p:nvPr/>
           </p:nvGrpSpPr>
@@ -12464,278 +12650,2218 @@
           </p:grpSpPr>
           <p:grpSp>
             <p:nvGrpSpPr>
-              <p:cNvPr id="135" name="Group 134"/>
+              <p:cNvPr id="136" name="Group 135"/>
               <p:cNvGrpSpPr/>
               <p:nvPr/>
             </p:nvGrpSpPr>
             <p:grpSpPr>
               <a:xfrm>
-                <a:off x="6210537" y="695852"/>
-                <a:ext cx="5230061" cy="3677844"/>
-                <a:chOff x="6210537" y="695852"/>
-                <a:chExt cx="5230061" cy="3677844"/>
+                <a:off x="5978120" y="695852"/>
+                <a:ext cx="5462478" cy="4076573"/>
+                <a:chOff x="5978120" y="695852"/>
+                <a:chExt cx="5462478" cy="4076573"/>
               </a:xfrm>
             </p:grpSpPr>
-            <p:cxnSp>
-              <p:nvCxnSpPr>
-                <p:cNvPr id="55" name="Straight Connector 54"/>
-                <p:cNvCxnSpPr/>
+            <p:grpSp>
+              <p:nvGrpSpPr>
+                <p:cNvPr id="135" name="Group 134"/>
+                <p:cNvGrpSpPr/>
                 <p:nvPr/>
-              </p:nvCxnSpPr>
-              <p:spPr>
+              </p:nvGrpSpPr>
+              <p:grpSpPr>
                 <a:xfrm>
-                  <a:off x="7006727" y="707371"/>
-                  <a:ext cx="0" cy="3666325"/>
+                  <a:off x="6210537" y="695852"/>
+                  <a:ext cx="5230061" cy="3677844"/>
+                  <a:chOff x="6210537" y="695852"/>
+                  <a:chExt cx="5230061" cy="3677844"/>
                 </a:xfrm>
-                <a:prstGeom prst="line">
-                  <a:avLst/>
-                </a:prstGeom>
-                <a:ln w="47625">
+              </p:grpSpPr>
+              <p:cxnSp>
+                <p:nvCxnSpPr>
+                  <p:cNvPr id="55" name="Straight Connector 54"/>
+                  <p:cNvCxnSpPr/>
+                  <p:nvPr/>
+                </p:nvCxnSpPr>
+                <p:spPr>
+                  <a:xfrm>
+                    <a:off x="7006727" y="707371"/>
+                    <a:ext cx="0" cy="3666325"/>
+                  </a:xfrm>
+                  <a:prstGeom prst="line">
+                    <a:avLst/>
+                  </a:prstGeom>
+                  <a:ln w="47625">
+                    <a:solidFill>
+                      <a:schemeClr val="tx1"/>
+                    </a:solidFill>
+                  </a:ln>
+                </p:spPr>
+                <p:style>
+                  <a:lnRef idx="1">
+                    <a:schemeClr val="accent1"/>
+                  </a:lnRef>
+                  <a:fillRef idx="0">
+                    <a:schemeClr val="accent1"/>
+                  </a:fillRef>
+                  <a:effectRef idx="0">
+                    <a:schemeClr val="accent1"/>
+                  </a:effectRef>
+                  <a:fontRef idx="minor">
+                    <a:schemeClr val="tx1"/>
+                  </a:fontRef>
+                </p:style>
+              </p:cxnSp>
+              <p:cxnSp>
+                <p:nvCxnSpPr>
+                  <p:cNvPr id="173" name="Straight Arrow Connector 172"/>
+                  <p:cNvCxnSpPr/>
+                  <p:nvPr/>
+                </p:nvCxnSpPr>
+                <p:spPr>
+                  <a:xfrm flipH="1" flipV="1">
+                    <a:off x="7006726" y="3835825"/>
+                    <a:ext cx="1" cy="390431"/>
+                  </a:xfrm>
+                  <a:prstGeom prst="straightConnector1">
+                    <a:avLst/>
+                  </a:prstGeom>
+                  <a:ln w="38100">
+                    <a:solidFill>
+                      <a:schemeClr val="tx1"/>
+                    </a:solidFill>
+                    <a:tailEnd type="triangle" w="lg" len="lg"/>
+                  </a:ln>
+                </p:spPr>
+                <p:style>
+                  <a:lnRef idx="1">
+                    <a:schemeClr val="accent1"/>
+                  </a:lnRef>
+                  <a:fillRef idx="0">
+                    <a:schemeClr val="accent1"/>
+                  </a:fillRef>
+                  <a:effectRef idx="0">
+                    <a:schemeClr val="accent1"/>
+                  </a:effectRef>
+                  <a:fontRef idx="minor">
+                    <a:schemeClr val="tx1"/>
+                  </a:fontRef>
+                </p:style>
+              </p:cxnSp>
+              <mc:AlternateContent xmlns:mc="http://schemas.openxmlformats.org/markup-compatibility/2006" xmlns:a14="http://schemas.microsoft.com/office/drawing/2010/main">
+                <mc:Choice Requires="a14">
+                  <p:sp>
+                    <p:nvSpPr>
+                      <p:cNvPr id="62" name="TextBox 61"/>
+                      <p:cNvSpPr txBox="1"/>
+                      <p:nvPr/>
+                    </p:nvSpPr>
+                    <p:spPr>
+                      <a:xfrm>
+                        <a:off x="6742037" y="4031040"/>
+                        <a:ext cx="176459" cy="307777"/>
+                      </a:xfrm>
+                      <a:prstGeom prst="rect">
+                        <a:avLst/>
+                      </a:prstGeom>
+                      <a:noFill/>
+                    </p:spPr>
+                    <p:txBody>
+                      <a:bodyPr wrap="none" lIns="0" tIns="0" rIns="0" bIns="0" rtlCol="0">
+                        <a:spAutoFit/>
+                      </a:bodyPr>
+                      <a:lstStyle/>
+                      <a:p>
+                        <a:pPr/>
+                        <a14:m>
+                          <m:oMathPara xmlns:m="http://schemas.openxmlformats.org/officeDocument/2006/math">
+                            <m:oMathParaPr>
+                              <m:jc m:val="centerGroup"/>
+                            </m:oMathParaPr>
+                            <m:oMath xmlns:m="http://schemas.openxmlformats.org/officeDocument/2006/math">
+                              <m:r>
+                                <a:rPr lang="en-US" sz="2000" b="0" i="1" smtClean="0">
+                                  <a:latin typeface="Cambria Math" panose="02040503050406030204" pitchFamily="18" charset="0"/>
+                                  <a:cs typeface="Arial" panose="020B0604020202020204" pitchFamily="34" charset="0"/>
+                                </a:rPr>
+                                <m:t>𝐼</m:t>
+                              </m:r>
+                            </m:oMath>
+                          </m:oMathPara>
+                        </a14:m>
+                        <a:endParaRPr lang="en-US" sz="2000" dirty="0" smtClean="0">
+                          <a:latin typeface="Arial" panose="020B0604020202020204" pitchFamily="34" charset="0"/>
+                          <a:cs typeface="Arial" panose="020B0604020202020204" pitchFamily="34" charset="0"/>
+                        </a:endParaRPr>
+                      </a:p>
+                    </p:txBody>
+                  </p:sp>
+                </mc:Choice>
+                <mc:Fallback xmlns="">
+                  <p:sp>
+                    <p:nvSpPr>
+                      <p:cNvPr id="62" name="TextBox 61"/>
+                      <p:cNvSpPr txBox="1">
+                        <a:spLocks noRot="1" noChangeAspect="1" noMove="1" noResize="1" noEditPoints="1" noAdjustHandles="1" noChangeArrowheads="1" noChangeShapeType="1" noTextEdit="1"/>
+                      </p:cNvSpPr>
+                      <p:nvPr/>
+                    </p:nvSpPr>
+                    <p:spPr>
+                      <a:xfrm>
+                        <a:off x="6742037" y="4031040"/>
+                        <a:ext cx="176459" cy="307777"/>
+                      </a:xfrm>
+                      <a:prstGeom prst="rect">
+                        <a:avLst/>
+                      </a:prstGeom>
+                      <a:blipFill>
+                        <a:blip r:embed="rId6"/>
+                        <a:stretch>
+                          <a:fillRect l="-31034" r="-24138" b="-9804"/>
+                        </a:stretch>
+                      </a:blipFill>
+                    </p:spPr>
+                    <p:txBody>
+                      <a:bodyPr/>
+                      <a:lstStyle/>
+                      <a:p>
+                        <a:r>
+                          <a:rPr lang="en-US">
+                            <a:noFill/>
+                          </a:rPr>
+                          <a:t> </a:t>
+                        </a:r>
+                      </a:p>
+                    </p:txBody>
+                  </p:sp>
+                </mc:Fallback>
+              </mc:AlternateContent>
+              <p:cxnSp>
+                <p:nvCxnSpPr>
+                  <p:cNvPr id="66" name="Straight Connector 65"/>
+                  <p:cNvCxnSpPr/>
+                  <p:nvPr/>
+                </p:nvCxnSpPr>
+                <p:spPr>
+                  <a:xfrm flipV="1">
+                    <a:off x="7034268" y="2540533"/>
+                    <a:ext cx="2263968" cy="8836"/>
+                  </a:xfrm>
+                  <a:prstGeom prst="line">
+                    <a:avLst/>
+                  </a:prstGeom>
+                  <a:ln w="25400">
+                    <a:solidFill>
+                      <a:schemeClr val="tx1"/>
+                    </a:solidFill>
+                    <a:prstDash val="dash"/>
+                  </a:ln>
+                </p:spPr>
+                <p:style>
+                  <a:lnRef idx="1">
+                    <a:schemeClr val="accent1"/>
+                  </a:lnRef>
+                  <a:fillRef idx="0">
+                    <a:schemeClr val="accent1"/>
+                  </a:fillRef>
+                  <a:effectRef idx="0">
+                    <a:schemeClr val="accent1"/>
+                  </a:effectRef>
+                  <a:fontRef idx="minor">
+                    <a:schemeClr val="tx1"/>
+                  </a:fontRef>
+                </p:style>
+              </p:cxnSp>
+              <p:cxnSp>
+                <p:nvCxnSpPr>
+                  <p:cNvPr id="181" name="Straight Arrow Connector 180"/>
+                  <p:cNvCxnSpPr/>
+                  <p:nvPr/>
+                </p:nvCxnSpPr>
+                <p:spPr>
+                  <a:xfrm flipV="1">
+                    <a:off x="7006726" y="1400739"/>
+                    <a:ext cx="0" cy="374921"/>
+                  </a:xfrm>
+                  <a:prstGeom prst="straightConnector1">
+                    <a:avLst/>
+                  </a:prstGeom>
+                  <a:ln w="44450">
+                    <a:solidFill>
+                      <a:srgbClr val="FF0000"/>
+                    </a:solidFill>
+                    <a:tailEnd type="triangle"/>
+                  </a:ln>
+                </p:spPr>
+                <p:style>
+                  <a:lnRef idx="1">
+                    <a:schemeClr val="accent1"/>
+                  </a:lnRef>
+                  <a:fillRef idx="0">
+                    <a:schemeClr val="accent1"/>
+                  </a:fillRef>
+                  <a:effectRef idx="0">
+                    <a:schemeClr val="accent1"/>
+                  </a:effectRef>
+                  <a:fontRef idx="minor">
+                    <a:schemeClr val="tx1"/>
+                  </a:fontRef>
+                </p:style>
+              </p:cxnSp>
+              <mc:AlternateContent xmlns:mc="http://schemas.openxmlformats.org/markup-compatibility/2006" xmlns:a14="http://schemas.microsoft.com/office/drawing/2010/main">
+                <mc:Choice Requires="a14">
+                  <p:sp>
+                    <p:nvSpPr>
+                      <p:cNvPr id="246" name="TextBox 245"/>
+                      <p:cNvSpPr txBox="1"/>
+                      <p:nvPr/>
+                    </p:nvSpPr>
+                    <p:spPr>
+                      <a:xfrm>
+                        <a:off x="6601853" y="1414525"/>
+                        <a:ext cx="317651" cy="353302"/>
+                      </a:xfrm>
+                      <a:prstGeom prst="rect">
+                        <a:avLst/>
+                      </a:prstGeom>
+                      <a:noFill/>
+                    </p:spPr>
+                    <p:txBody>
+                      <a:bodyPr wrap="none" lIns="0" tIns="0" rIns="0" bIns="0" rtlCol="0">
+                        <a:spAutoFit/>
+                      </a:bodyPr>
+                      <a:lstStyle/>
+                      <a:p>
+                        <a:pPr/>
+                        <a14:m>
+                          <m:oMathPara xmlns:m="http://schemas.openxmlformats.org/officeDocument/2006/math">
+                            <m:oMathParaPr>
+                              <m:jc m:val="centerGroup"/>
+                            </m:oMathParaPr>
+                            <m:oMath xmlns:m="http://schemas.openxmlformats.org/officeDocument/2006/math">
+                              <m:r>
+                                <a:rPr lang="en-US" sz="2000" b="0" i="1" smtClean="0">
+                                  <a:solidFill>
+                                    <a:srgbClr val="FF0000"/>
+                                  </a:solidFill>
+                                  <a:latin typeface="Cambria Math" panose="02040503050406030204" pitchFamily="18" charset="0"/>
+                                  <a:cs typeface="Arial" panose="020B0604020202020204" pitchFamily="34" charset="0"/>
+                                </a:rPr>
+                                <m:t>𝑑</m:t>
+                              </m:r>
+                              <m:acc>
+                                <m:accPr>
+                                  <m:chr m:val="⃗"/>
+                                  <m:ctrlPr>
+                                    <a:rPr lang="en-US" sz="2000" b="0" i="1" smtClean="0">
+                                      <a:solidFill>
+                                        <a:srgbClr val="FF0000"/>
+                                      </a:solidFill>
+                                      <a:latin typeface="Cambria Math" panose="02040503050406030204" pitchFamily="18" charset="0"/>
+                                      <a:cs typeface="Arial" panose="020B0604020202020204" pitchFamily="34" charset="0"/>
+                                    </a:rPr>
+                                  </m:ctrlPr>
+                                </m:accPr>
+                                <m:e>
+                                  <m:r>
+                                    <a:rPr lang="en-US" sz="2000" b="0" i="1" smtClean="0">
+                                      <a:solidFill>
+                                        <a:srgbClr val="FF0000"/>
+                                      </a:solidFill>
+                                      <a:latin typeface="Cambria Math" panose="02040503050406030204" pitchFamily="18" charset="0"/>
+                                      <a:cs typeface="Arial" panose="020B0604020202020204" pitchFamily="34" charset="0"/>
+                                    </a:rPr>
+                                    <m:t>𝑙</m:t>
+                                  </m:r>
+                                </m:e>
+                              </m:acc>
+                            </m:oMath>
+                          </m:oMathPara>
+                        </a14:m>
+                        <a:endParaRPr lang="en-US" sz="2000" dirty="0" smtClean="0">
+                          <a:solidFill>
+                            <a:srgbClr val="FF0000"/>
+                          </a:solidFill>
+                          <a:latin typeface="Arial" panose="020B0604020202020204" pitchFamily="34" charset="0"/>
+                          <a:cs typeface="Arial" panose="020B0604020202020204" pitchFamily="34" charset="0"/>
+                        </a:endParaRPr>
+                      </a:p>
+                    </p:txBody>
+                  </p:sp>
+                </mc:Choice>
+                <mc:Fallback xmlns="">
+                  <p:sp>
+                    <p:nvSpPr>
+                      <p:cNvPr id="246" name="TextBox 245"/>
+                      <p:cNvSpPr txBox="1">
+                        <a:spLocks noRot="1" noChangeAspect="1" noMove="1" noResize="1" noEditPoints="1" noAdjustHandles="1" noChangeArrowheads="1" noChangeShapeType="1" noTextEdit="1"/>
+                      </p:cNvSpPr>
+                      <p:nvPr/>
+                    </p:nvSpPr>
+                    <p:spPr>
+                      <a:xfrm>
+                        <a:off x="6601853" y="1414525"/>
+                        <a:ext cx="317651" cy="353302"/>
+                      </a:xfrm>
+                      <a:prstGeom prst="rect">
+                        <a:avLst/>
+                      </a:prstGeom>
+                      <a:blipFill>
+                        <a:blip r:embed="rId7"/>
+                        <a:stretch>
+                          <a:fillRect l="-17308" t="-32759" r="-103846" b="-8621"/>
+                        </a:stretch>
+                      </a:blipFill>
+                    </p:spPr>
+                    <p:txBody>
+                      <a:bodyPr/>
+                      <a:lstStyle/>
+                      <a:p>
+                        <a:r>
+                          <a:rPr lang="en-US">
+                            <a:noFill/>
+                          </a:rPr>
+                          <a:t> </a:t>
+                        </a:r>
+                      </a:p>
+                    </p:txBody>
+                  </p:sp>
+                </mc:Fallback>
+              </mc:AlternateContent>
+              <p:cxnSp>
+                <p:nvCxnSpPr>
+                  <p:cNvPr id="72" name="Straight Arrow Connector 71"/>
+                  <p:cNvCxnSpPr/>
+                  <p:nvPr/>
+                </p:nvCxnSpPr>
+                <p:spPr>
+                  <a:xfrm>
+                    <a:off x="7006726" y="1767827"/>
+                    <a:ext cx="2291510" cy="772706"/>
+                  </a:xfrm>
+                  <a:prstGeom prst="straightConnector1">
+                    <a:avLst/>
+                  </a:prstGeom>
+                  <a:ln w="38100">
+                    <a:solidFill>
+                      <a:schemeClr val="tx1"/>
+                    </a:solidFill>
+                    <a:tailEnd type="triangle" w="med" len="med"/>
+                  </a:ln>
+                </p:spPr>
+                <p:style>
+                  <a:lnRef idx="1">
+                    <a:schemeClr val="accent1"/>
+                  </a:lnRef>
+                  <a:fillRef idx="0">
+                    <a:schemeClr val="accent1"/>
+                  </a:fillRef>
+                  <a:effectRef idx="0">
+                    <a:schemeClr val="accent1"/>
+                  </a:effectRef>
+                  <a:fontRef idx="minor">
+                    <a:schemeClr val="tx1"/>
+                  </a:fontRef>
+                </p:style>
+              </p:cxnSp>
+              <mc:AlternateContent xmlns:mc="http://schemas.openxmlformats.org/markup-compatibility/2006" xmlns:a14="http://schemas.microsoft.com/office/drawing/2010/main">
+                <mc:Choice Requires="a14">
+                  <p:sp>
+                    <p:nvSpPr>
+                      <p:cNvPr id="123" name="TextBox 122"/>
+                      <p:cNvSpPr txBox="1"/>
+                      <p:nvPr/>
+                    </p:nvSpPr>
+                    <p:spPr>
+                      <a:xfrm>
+                        <a:off x="7966256" y="1724688"/>
+                        <a:ext cx="198003" cy="307777"/>
+                      </a:xfrm>
+                      <a:prstGeom prst="rect">
+                        <a:avLst/>
+                      </a:prstGeom>
+                      <a:noFill/>
+                    </p:spPr>
+                    <p:txBody>
+                      <a:bodyPr wrap="none" lIns="0" tIns="0" rIns="0" bIns="0" rtlCol="0">
+                        <a:spAutoFit/>
+                      </a:bodyPr>
+                      <a:lstStyle/>
+                      <a:p>
+                        <a:pPr/>
+                        <a14:m>
+                          <m:oMathPara xmlns:m="http://schemas.openxmlformats.org/officeDocument/2006/math">
+                            <m:oMathParaPr>
+                              <m:jc m:val="centerGroup"/>
+                            </m:oMathParaPr>
+                            <m:oMath xmlns:m="http://schemas.openxmlformats.org/officeDocument/2006/math">
+                              <m:acc>
+                                <m:accPr>
+                                  <m:chr m:val="⃗"/>
+                                  <m:ctrlPr>
+                                    <a:rPr lang="en-US" sz="2000" b="0" i="1" smtClean="0">
+                                      <a:latin typeface="Cambria Math" panose="02040503050406030204" pitchFamily="18" charset="0"/>
+                                      <a:cs typeface="Arial" panose="020B0604020202020204" pitchFamily="34" charset="0"/>
+                                    </a:rPr>
+                                  </m:ctrlPr>
+                                </m:accPr>
+                                <m:e>
+                                  <m:r>
+                                    <a:rPr lang="en-US" sz="2000" b="0" i="1" smtClean="0">
+                                      <a:latin typeface="Cambria Math" panose="02040503050406030204" pitchFamily="18" charset="0"/>
+                                      <a:cs typeface="Arial" panose="020B0604020202020204" pitchFamily="34" charset="0"/>
+                                    </a:rPr>
+                                    <m:t>𝑟</m:t>
+                                  </m:r>
+                                </m:e>
+                              </m:acc>
+                            </m:oMath>
+                          </m:oMathPara>
+                        </a14:m>
+                        <a:endParaRPr lang="en-US" sz="2000" dirty="0" smtClean="0">
+                          <a:latin typeface="Arial" panose="020B0604020202020204" pitchFamily="34" charset="0"/>
+                          <a:cs typeface="Arial" panose="020B0604020202020204" pitchFamily="34" charset="0"/>
+                        </a:endParaRPr>
+                      </a:p>
+                    </p:txBody>
+                  </p:sp>
+                </mc:Choice>
+                <mc:Fallback xmlns="">
+                  <p:sp>
+                    <p:nvSpPr>
+                      <p:cNvPr id="123" name="TextBox 122"/>
+                      <p:cNvSpPr txBox="1">
+                        <a:spLocks noRot="1" noChangeAspect="1" noMove="1" noResize="1" noEditPoints="1" noAdjustHandles="1" noChangeArrowheads="1" noChangeShapeType="1" noTextEdit="1"/>
+                      </p:cNvSpPr>
+                      <p:nvPr/>
+                    </p:nvSpPr>
+                    <p:spPr>
+                      <a:xfrm>
+                        <a:off x="7966256" y="1724688"/>
+                        <a:ext cx="198003" cy="307777"/>
+                      </a:xfrm>
+                      <a:prstGeom prst="rect">
+                        <a:avLst/>
+                      </a:prstGeom>
+                      <a:blipFill>
+                        <a:blip r:embed="rId8"/>
+                        <a:stretch>
+                          <a:fillRect l="-31250" t="-36000" r="-96875" b="-6000"/>
+                        </a:stretch>
+                      </a:blipFill>
+                    </p:spPr>
+                    <p:txBody>
+                      <a:bodyPr/>
+                      <a:lstStyle/>
+                      <a:p>
+                        <a:r>
+                          <a:rPr lang="en-US">
+                            <a:noFill/>
+                          </a:rPr>
+                          <a:t> </a:t>
+                        </a:r>
+                      </a:p>
+                    </p:txBody>
+                  </p:sp>
+                </mc:Fallback>
+              </mc:AlternateContent>
+              <p:sp>
+                <p:nvSpPr>
+                  <p:cNvPr id="247" name="Multiply 246"/>
+                  <p:cNvSpPr/>
+                  <p:nvPr/>
+                </p:nvSpPr>
+                <p:spPr>
+                  <a:xfrm>
+                    <a:off x="9136243" y="2327312"/>
+                    <a:ext cx="427838" cy="393376"/>
+                  </a:xfrm>
+                  <a:prstGeom prst="mathMultiply">
+                    <a:avLst>
+                      <a:gd name="adj1" fmla="val 3701"/>
+                    </a:avLst>
+                  </a:prstGeom>
                   <a:solidFill>
                     <a:schemeClr val="tx1"/>
                   </a:solidFill>
-                </a:ln>
-              </p:spPr>
-              <p:style>
-                <a:lnRef idx="1">
-                  <a:schemeClr val="accent1"/>
-                </a:lnRef>
-                <a:fillRef idx="0">
-                  <a:schemeClr val="accent1"/>
-                </a:fillRef>
-                <a:effectRef idx="0">
-                  <a:schemeClr val="accent1"/>
-                </a:effectRef>
-                <a:fontRef idx="minor">
+                  <a:ln w="38100">
+                    <a:solidFill>
+                      <a:schemeClr val="tx1"/>
+                    </a:solidFill>
+                  </a:ln>
+                </p:spPr>
+                <p:style>
+                  <a:lnRef idx="2">
+                    <a:schemeClr val="accent1">
+                      <a:shade val="50000"/>
+                    </a:schemeClr>
+                  </a:lnRef>
+                  <a:fillRef idx="1">
+                    <a:schemeClr val="accent1"/>
+                  </a:fillRef>
+                  <a:effectRef idx="0">
+                    <a:schemeClr val="accent1"/>
+                  </a:effectRef>
+                  <a:fontRef idx="minor">
+                    <a:schemeClr val="lt1"/>
+                  </a:fontRef>
+                </p:style>
+                <p:txBody>
+                  <a:bodyPr rtlCol="0" anchor="ctr"/>
+                  <a:lstStyle/>
+                  <a:p>
+                    <a:pPr algn="ctr"/>
+                    <a:endParaRPr lang="en-US"/>
+                  </a:p>
+                </p:txBody>
+              </p:sp>
+              <mc:AlternateContent xmlns:mc="http://schemas.openxmlformats.org/markup-compatibility/2006" xmlns:a14="http://schemas.microsoft.com/office/drawing/2010/main">
+                <mc:Choice Requires="a14">
+                  <p:sp>
+                    <p:nvSpPr>
+                      <p:cNvPr id="248" name="TextBox 247"/>
+                      <p:cNvSpPr txBox="1"/>
+                      <p:nvPr/>
+                    </p:nvSpPr>
+                    <p:spPr>
+                      <a:xfrm>
+                        <a:off x="9178889" y="2019040"/>
+                        <a:ext cx="2261709" cy="345159"/>
+                      </a:xfrm>
+                      <a:prstGeom prst="rect">
+                        <a:avLst/>
+                      </a:prstGeom>
+                      <a:noFill/>
+                    </p:spPr>
+                    <p:txBody>
+                      <a:bodyPr wrap="none" lIns="0" tIns="0" rIns="0" bIns="0" rtlCol="0">
+                        <a:spAutoFit/>
+                      </a:bodyPr>
+                      <a:lstStyle/>
+                      <a:p>
+                        <a:pPr/>
+                        <a14:m>
+                          <m:oMathPara xmlns:m="http://schemas.openxmlformats.org/officeDocument/2006/math">
+                            <m:oMathParaPr>
+                              <m:jc m:val="centerGroup"/>
+                            </m:oMathParaPr>
+                            <m:oMath xmlns:m="http://schemas.openxmlformats.org/officeDocument/2006/math">
+                              <m:r>
+                                <a:rPr lang="en-US" sz="2000" b="0" i="1" smtClean="0">
+                                  <a:latin typeface="Cambria Math" panose="02040503050406030204" pitchFamily="18" charset="0"/>
+                                  <a:cs typeface="Arial" panose="020B0604020202020204" pitchFamily="34" charset="0"/>
+                                </a:rPr>
+                                <m:t>𝑑</m:t>
+                              </m:r>
+                              <m:acc>
+                                <m:accPr>
+                                  <m:chr m:val="⃗"/>
+                                  <m:ctrlPr>
+                                    <a:rPr lang="en-US" sz="2000" b="0" i="1" smtClean="0">
+                                      <a:latin typeface="Cambria Math" panose="02040503050406030204" pitchFamily="18" charset="0"/>
+                                      <a:cs typeface="Arial" panose="020B0604020202020204" pitchFamily="34" charset="0"/>
+                                    </a:rPr>
+                                  </m:ctrlPr>
+                                </m:accPr>
+                                <m:e>
+                                  <m:r>
+                                    <a:rPr lang="en-US" sz="2000" b="0" i="1" smtClean="0">
+                                      <a:latin typeface="Cambria Math" panose="02040503050406030204" pitchFamily="18" charset="0"/>
+                                      <a:cs typeface="Arial" panose="020B0604020202020204" pitchFamily="34" charset="0"/>
+                                    </a:rPr>
+                                    <m:t>𝐵</m:t>
+                                  </m:r>
+                                </m:e>
+                              </m:acc>
+                              <m:r>
+                                <a:rPr lang="en-US" sz="2000" b="0" i="1" smtClean="0">
+                                  <a:latin typeface="Cambria Math" panose="02040503050406030204" pitchFamily="18" charset="0"/>
+                                  <a:cs typeface="Arial" panose="020B0604020202020204" pitchFamily="34" charset="0"/>
+                                </a:rPr>
+                                <m:t>  (</m:t>
+                              </m:r>
+                              <m:r>
+                                <a:rPr lang="en-US" sz="2000" b="0" i="1" smtClean="0">
+                                  <a:latin typeface="Cambria Math" panose="02040503050406030204" pitchFamily="18" charset="0"/>
+                                  <a:cs typeface="Arial" panose="020B0604020202020204" pitchFamily="34" charset="0"/>
+                                </a:rPr>
+                                <m:t>𝑖𝑛𝑡𝑜</m:t>
+                              </m:r>
+                              <m:r>
+                                <a:rPr lang="en-US" sz="2000" b="0" i="1" smtClean="0">
+                                  <a:latin typeface="Cambria Math" panose="02040503050406030204" pitchFamily="18" charset="0"/>
+                                  <a:cs typeface="Arial" panose="020B0604020202020204" pitchFamily="34" charset="0"/>
+                                </a:rPr>
+                                <m:t> </m:t>
+                              </m:r>
+                              <m:r>
+                                <a:rPr lang="en-US" sz="2000" b="0" i="1" smtClean="0">
+                                  <a:latin typeface="Cambria Math" panose="02040503050406030204" pitchFamily="18" charset="0"/>
+                                  <a:cs typeface="Arial" panose="020B0604020202020204" pitchFamily="34" charset="0"/>
+                                </a:rPr>
+                                <m:t>𝑡h𝑒</m:t>
+                              </m:r>
+                              <m:r>
+                                <a:rPr lang="en-US" sz="2000" b="0" i="1" smtClean="0">
+                                  <a:latin typeface="Cambria Math" panose="02040503050406030204" pitchFamily="18" charset="0"/>
+                                  <a:cs typeface="Arial" panose="020B0604020202020204" pitchFamily="34" charset="0"/>
+                                </a:rPr>
+                                <m:t> </m:t>
+                              </m:r>
+                              <m:r>
+                                <a:rPr lang="en-US" sz="2000" b="0" i="1" smtClean="0">
+                                  <a:latin typeface="Cambria Math" panose="02040503050406030204" pitchFamily="18" charset="0"/>
+                                  <a:cs typeface="Arial" panose="020B0604020202020204" pitchFamily="34" charset="0"/>
+                                </a:rPr>
+                                <m:t>𝑝𝑎𝑔𝑒</m:t>
+                              </m:r>
+                              <m:r>
+                                <a:rPr lang="en-US" sz="2000" b="0" i="1" smtClean="0">
+                                  <a:latin typeface="Cambria Math" panose="02040503050406030204" pitchFamily="18" charset="0"/>
+                                  <a:cs typeface="Arial" panose="020B0604020202020204" pitchFamily="34" charset="0"/>
+                                </a:rPr>
+                                <m:t>)</m:t>
+                              </m:r>
+                            </m:oMath>
+                          </m:oMathPara>
+                        </a14:m>
+                        <a:endParaRPr lang="en-US" sz="2000" dirty="0" smtClean="0">
+                          <a:latin typeface="Arial" panose="020B0604020202020204" pitchFamily="34" charset="0"/>
+                          <a:cs typeface="Arial" panose="020B0604020202020204" pitchFamily="34" charset="0"/>
+                        </a:endParaRPr>
+                      </a:p>
+                    </p:txBody>
+                  </p:sp>
+                </mc:Choice>
+                <mc:Fallback xmlns="">
+                  <p:sp>
+                    <p:nvSpPr>
+                      <p:cNvPr id="248" name="TextBox 247"/>
+                      <p:cNvSpPr txBox="1">
+                        <a:spLocks noRot="1" noChangeAspect="1" noMove="1" noResize="1" noEditPoints="1" noAdjustHandles="1" noChangeArrowheads="1" noChangeShapeType="1" noTextEdit="1"/>
+                      </p:cNvSpPr>
+                      <p:nvPr/>
+                    </p:nvSpPr>
+                    <p:spPr>
+                      <a:xfrm>
+                        <a:off x="9178889" y="2019040"/>
+                        <a:ext cx="2261709" cy="345159"/>
+                      </a:xfrm>
+                      <a:prstGeom prst="rect">
+                        <a:avLst/>
+                      </a:prstGeom>
+                      <a:blipFill>
+                        <a:blip r:embed="rId9"/>
+                        <a:stretch>
+                          <a:fillRect l="-2156" r="-3235" b="-33333"/>
+                        </a:stretch>
+                      </a:blipFill>
+                    </p:spPr>
+                    <p:txBody>
+                      <a:bodyPr/>
+                      <a:lstStyle/>
+                      <a:p>
+                        <a:r>
+                          <a:rPr lang="en-US">
+                            <a:noFill/>
+                          </a:rPr>
+                          <a:t> </a:t>
+                        </a:r>
+                      </a:p>
+                    </p:txBody>
+                  </p:sp>
+                </mc:Fallback>
+              </mc:AlternateContent>
+              <mc:AlternateContent xmlns:mc="http://schemas.openxmlformats.org/markup-compatibility/2006" xmlns:a14="http://schemas.microsoft.com/office/drawing/2010/main">
+                <mc:Choice Requires="a14">
+                  <p:sp>
+                    <p:nvSpPr>
+                      <p:cNvPr id="124" name="TextBox 123"/>
+                      <p:cNvSpPr txBox="1"/>
+                      <p:nvPr/>
+                    </p:nvSpPr>
+                    <p:spPr>
+                      <a:xfrm>
+                        <a:off x="7726586" y="2603686"/>
+                        <a:ext cx="217560" cy="307777"/>
+                      </a:xfrm>
+                      <a:prstGeom prst="rect">
+                        <a:avLst/>
+                      </a:prstGeom>
+                      <a:noFill/>
+                    </p:spPr>
+                    <p:txBody>
+                      <a:bodyPr wrap="none" lIns="0" tIns="0" rIns="0" bIns="0" rtlCol="0">
+                        <a:spAutoFit/>
+                      </a:bodyPr>
+                      <a:lstStyle/>
+                      <a:p>
+                        <a:pPr/>
+                        <a14:m>
+                          <m:oMathPara xmlns:m="http://schemas.openxmlformats.org/officeDocument/2006/math">
+                            <m:oMathParaPr>
+                              <m:jc m:val="centerGroup"/>
+                            </m:oMathParaPr>
+                            <m:oMath xmlns:m="http://schemas.openxmlformats.org/officeDocument/2006/math">
+                              <m:r>
+                                <a:rPr lang="en-US" sz="2000" b="0" i="1" smtClean="0">
+                                  <a:latin typeface="Cambria Math" panose="02040503050406030204" pitchFamily="18" charset="0"/>
+                                  <a:cs typeface="Arial" panose="020B0604020202020204" pitchFamily="34" charset="0"/>
+                                </a:rPr>
+                                <m:t>h</m:t>
+                              </m:r>
+                            </m:oMath>
+                          </m:oMathPara>
+                        </a14:m>
+                        <a:endParaRPr lang="en-US" sz="2000" dirty="0" smtClean="0">
+                          <a:latin typeface="Arial" panose="020B0604020202020204" pitchFamily="34" charset="0"/>
+                          <a:cs typeface="Arial" panose="020B0604020202020204" pitchFamily="34" charset="0"/>
+                        </a:endParaRPr>
+                      </a:p>
+                    </p:txBody>
+                  </p:sp>
+                </mc:Choice>
+                <mc:Fallback xmlns="">
+                  <p:sp>
+                    <p:nvSpPr>
+                      <p:cNvPr id="124" name="TextBox 123"/>
+                      <p:cNvSpPr txBox="1">
+                        <a:spLocks noRot="1" noChangeAspect="1" noMove="1" noResize="1" noEditPoints="1" noAdjustHandles="1" noChangeArrowheads="1" noChangeShapeType="1" noTextEdit="1"/>
+                      </p:cNvSpPr>
+                      <p:nvPr/>
+                    </p:nvSpPr>
+                    <p:spPr>
+                      <a:xfrm>
+                        <a:off x="7726586" y="2603686"/>
+                        <a:ext cx="217560" cy="307777"/>
+                      </a:xfrm>
+                      <a:prstGeom prst="rect">
+                        <a:avLst/>
+                      </a:prstGeom>
+                      <a:blipFill>
+                        <a:blip r:embed="rId10"/>
+                        <a:stretch>
+                          <a:fillRect l="-25000" r="-22222" b="-9804"/>
+                        </a:stretch>
+                      </a:blipFill>
+                    </p:spPr>
+                    <p:txBody>
+                      <a:bodyPr/>
+                      <a:lstStyle/>
+                      <a:p>
+                        <a:r>
+                          <a:rPr lang="en-US">
+                            <a:noFill/>
+                          </a:rPr>
+                          <a:t> </a:t>
+                        </a:r>
+                      </a:p>
+                    </p:txBody>
+                  </p:sp>
+                </mc:Fallback>
+              </mc:AlternateContent>
+              <p:sp>
+                <p:nvSpPr>
+                  <p:cNvPr id="125" name="Arc 124"/>
+                  <p:cNvSpPr/>
+                  <p:nvPr/>
+                </p:nvSpPr>
+                <p:spPr>
+                  <a:xfrm>
+                    <a:off x="8509865" y="2270881"/>
+                    <a:ext cx="308278" cy="561338"/>
+                  </a:xfrm>
+                  <a:prstGeom prst="arc">
+                    <a:avLst>
+                      <a:gd name="adj1" fmla="val 11309349"/>
+                      <a:gd name="adj2" fmla="val 15243741"/>
+                    </a:avLst>
+                  </a:prstGeom>
+                  <a:ln w="38100">
+                    <a:solidFill>
+                      <a:schemeClr val="tx1"/>
+                    </a:solidFill>
+                  </a:ln>
+                </p:spPr>
+                <p:style>
+                  <a:lnRef idx="1">
+                    <a:schemeClr val="accent1"/>
+                  </a:lnRef>
+                  <a:fillRef idx="0">
+                    <a:schemeClr val="accent1"/>
+                  </a:fillRef>
+                  <a:effectRef idx="0">
+                    <a:schemeClr val="accent1"/>
+                  </a:effectRef>
+                  <a:fontRef idx="minor">
+                    <a:schemeClr val="tx1"/>
+                  </a:fontRef>
+                </p:style>
+                <p:txBody>
+                  <a:bodyPr rtlCol="0" anchor="ctr"/>
+                  <a:lstStyle/>
+                  <a:p>
+                    <a:pPr algn="ctr"/>
+                    <a:endParaRPr lang="en-US"/>
+                  </a:p>
+                </p:txBody>
+              </p:sp>
+              <mc:AlternateContent xmlns:mc="http://schemas.openxmlformats.org/markup-compatibility/2006" xmlns:a14="http://schemas.microsoft.com/office/drawing/2010/main">
+                <mc:Choice Requires="a14">
+                  <p:sp>
+                    <p:nvSpPr>
+                      <p:cNvPr id="126" name="TextBox 125"/>
+                      <p:cNvSpPr txBox="1"/>
+                      <p:nvPr/>
+                    </p:nvSpPr>
+                    <p:spPr>
+                      <a:xfrm>
+                        <a:off x="8238823" y="2237174"/>
+                        <a:ext cx="222304" cy="307777"/>
+                      </a:xfrm>
+                      <a:prstGeom prst="rect">
+                        <a:avLst/>
+                      </a:prstGeom>
+                      <a:noFill/>
+                    </p:spPr>
+                    <p:txBody>
+                      <a:bodyPr wrap="none" lIns="0" tIns="0" rIns="0" bIns="0" rtlCol="0">
+                        <a:spAutoFit/>
+                      </a:bodyPr>
+                      <a:lstStyle/>
+                      <a:p>
+                        <a:pPr/>
+                        <a14:m>
+                          <m:oMathPara xmlns:m="http://schemas.openxmlformats.org/officeDocument/2006/math">
+                            <m:oMathParaPr>
+                              <m:jc m:val="centerGroup"/>
+                            </m:oMathParaPr>
+                            <m:oMath xmlns:m="http://schemas.openxmlformats.org/officeDocument/2006/math">
+                              <m:r>
+                                <a:rPr lang="en-US" sz="2000" b="0" i="1" smtClean="0">
+                                  <a:latin typeface="Cambria Math" panose="02040503050406030204" pitchFamily="18" charset="0"/>
+                                  <a:cs typeface="Arial" panose="020B0604020202020204" pitchFamily="34" charset="0"/>
+                                </a:rPr>
+                                <m:t>𝜃</m:t>
+                              </m:r>
+                            </m:oMath>
+                          </m:oMathPara>
+                        </a14:m>
+                        <a:endParaRPr lang="en-US" sz="2000" dirty="0" smtClean="0">
+                          <a:latin typeface="Arial" panose="020B0604020202020204" pitchFamily="34" charset="0"/>
+                          <a:cs typeface="Arial" panose="020B0604020202020204" pitchFamily="34" charset="0"/>
+                        </a:endParaRPr>
+                      </a:p>
+                    </p:txBody>
+                  </p:sp>
+                </mc:Choice>
+                <mc:Fallback xmlns="">
+                  <p:sp>
+                    <p:nvSpPr>
+                      <p:cNvPr id="126" name="TextBox 125"/>
+                      <p:cNvSpPr txBox="1">
+                        <a:spLocks noRot="1" noChangeAspect="1" noMove="1" noResize="1" noEditPoints="1" noAdjustHandles="1" noChangeArrowheads="1" noChangeShapeType="1" noTextEdit="1"/>
+                      </p:cNvSpPr>
+                      <p:nvPr/>
+                    </p:nvSpPr>
+                    <p:spPr>
+                      <a:xfrm>
+                        <a:off x="8238823" y="2237174"/>
+                        <a:ext cx="222304" cy="307777"/>
+                      </a:xfrm>
+                      <a:prstGeom prst="rect">
+                        <a:avLst/>
+                      </a:prstGeom>
+                      <a:blipFill>
+                        <a:blip r:embed="rId11"/>
+                        <a:stretch>
+                          <a:fillRect l="-25000" r="-25000" b="-12000"/>
+                        </a:stretch>
+                      </a:blipFill>
+                    </p:spPr>
+                    <p:txBody>
+                      <a:bodyPr/>
+                      <a:lstStyle/>
+                      <a:p>
+                        <a:r>
+                          <a:rPr lang="en-US">
+                            <a:noFill/>
+                          </a:rPr>
+                          <a:t> </a:t>
+                        </a:r>
+                      </a:p>
+                    </p:txBody>
+                  </p:sp>
+                </mc:Fallback>
+              </mc:AlternateContent>
+              <p:cxnSp>
+                <p:nvCxnSpPr>
+                  <p:cNvPr id="129" name="Straight Arrow Connector 128"/>
+                  <p:cNvCxnSpPr/>
+                  <p:nvPr/>
+                </p:nvCxnSpPr>
+                <p:spPr>
+                  <a:xfrm>
+                    <a:off x="6555899" y="695852"/>
+                    <a:ext cx="11017" cy="3666325"/>
+                  </a:xfrm>
+                  <a:prstGeom prst="straightConnector1">
+                    <a:avLst/>
+                  </a:prstGeom>
+                  <a:ln w="28575">
+                    <a:solidFill>
+                      <a:schemeClr val="tx1"/>
+                    </a:solidFill>
+                    <a:prstDash val="sysDot"/>
+                    <a:headEnd type="triangle"/>
+                    <a:tailEnd type="triangle"/>
+                  </a:ln>
+                </p:spPr>
+                <p:style>
+                  <a:lnRef idx="1">
+                    <a:schemeClr val="accent1"/>
+                  </a:lnRef>
+                  <a:fillRef idx="0">
+                    <a:schemeClr val="accent1"/>
+                  </a:fillRef>
+                  <a:effectRef idx="0">
+                    <a:schemeClr val="accent1"/>
+                  </a:effectRef>
+                  <a:fontRef idx="minor">
+                    <a:schemeClr val="tx1"/>
+                  </a:fontRef>
+                </p:style>
+              </p:cxnSp>
+              <mc:AlternateContent xmlns:mc="http://schemas.openxmlformats.org/markup-compatibility/2006" xmlns:a14="http://schemas.microsoft.com/office/drawing/2010/main">
+                <mc:Choice Requires="a14">
+                  <p:sp>
+                    <p:nvSpPr>
+                      <p:cNvPr id="130" name="TextBox 129"/>
+                      <p:cNvSpPr txBox="1"/>
+                      <p:nvPr/>
+                    </p:nvSpPr>
+                    <p:spPr>
+                      <a:xfrm>
+                        <a:off x="6210537" y="2449797"/>
+                        <a:ext cx="212045" cy="307777"/>
+                      </a:xfrm>
+                      <a:prstGeom prst="rect">
+                        <a:avLst/>
+                      </a:prstGeom>
+                      <a:noFill/>
+                    </p:spPr>
+                    <p:txBody>
+                      <a:bodyPr wrap="none" lIns="0" tIns="0" rIns="0" bIns="0" rtlCol="0">
+                        <a:spAutoFit/>
+                      </a:bodyPr>
+                      <a:lstStyle/>
+                      <a:p>
+                        <a:pPr/>
+                        <a14:m>
+                          <m:oMathPara xmlns:m="http://schemas.openxmlformats.org/officeDocument/2006/math">
+                            <m:oMathParaPr>
+                              <m:jc m:val="centerGroup"/>
+                            </m:oMathParaPr>
+                            <m:oMath xmlns:m="http://schemas.openxmlformats.org/officeDocument/2006/math">
+                              <m:r>
+                                <a:rPr lang="en-US" sz="2000" b="0" i="1" smtClean="0">
+                                  <a:latin typeface="Cambria Math" panose="02040503050406030204" pitchFamily="18" charset="0"/>
+                                  <a:cs typeface="Arial" panose="020B0604020202020204" pitchFamily="34" charset="0"/>
+                                </a:rPr>
+                                <m:t>𝐿</m:t>
+                              </m:r>
+                            </m:oMath>
+                          </m:oMathPara>
+                        </a14:m>
+                        <a:endParaRPr lang="en-US" sz="2000" dirty="0" smtClean="0">
+                          <a:latin typeface="Arial" panose="020B0604020202020204" pitchFamily="34" charset="0"/>
+                          <a:cs typeface="Arial" panose="020B0604020202020204" pitchFamily="34" charset="0"/>
+                        </a:endParaRPr>
+                      </a:p>
+                    </p:txBody>
+                  </p:sp>
+                </mc:Choice>
+                <mc:Fallback xmlns="">
+                  <p:sp>
+                    <p:nvSpPr>
+                      <p:cNvPr id="130" name="TextBox 129"/>
+                      <p:cNvSpPr txBox="1">
+                        <a:spLocks noRot="1" noChangeAspect="1" noMove="1" noResize="1" noEditPoints="1" noAdjustHandles="1" noChangeArrowheads="1" noChangeShapeType="1" noTextEdit="1"/>
+                      </p:cNvSpPr>
+                      <p:nvPr/>
+                    </p:nvSpPr>
+                    <p:spPr>
+                      <a:xfrm>
+                        <a:off x="6210537" y="2449797"/>
+                        <a:ext cx="212045" cy="307777"/>
+                      </a:xfrm>
+                      <a:prstGeom prst="rect">
+                        <a:avLst/>
+                      </a:prstGeom>
+                      <a:blipFill>
+                        <a:blip r:embed="rId12"/>
+                        <a:stretch>
+                          <a:fillRect l="-25714" r="-20000" b="-10000"/>
+                        </a:stretch>
+                      </a:blipFill>
+                    </p:spPr>
+                    <p:txBody>
+                      <a:bodyPr/>
+                      <a:lstStyle/>
+                      <a:p>
+                        <a:r>
+                          <a:rPr lang="en-US">
+                            <a:noFill/>
+                          </a:rPr>
+                          <a:t> </a:t>
+                        </a:r>
+                      </a:p>
+                    </p:txBody>
+                  </p:sp>
+                </mc:Fallback>
+              </mc:AlternateContent>
+              <p:cxnSp>
+                <p:nvCxnSpPr>
+                  <p:cNvPr id="249" name="Straight Connector 248"/>
+                  <p:cNvCxnSpPr/>
+                  <p:nvPr/>
+                </p:nvCxnSpPr>
+                <p:spPr>
+                  <a:xfrm flipH="1">
+                    <a:off x="7006725" y="2535519"/>
+                    <a:ext cx="2253120" cy="1826658"/>
+                  </a:xfrm>
+                  <a:prstGeom prst="line">
+                    <a:avLst/>
+                  </a:prstGeom>
+                  <a:ln w="25400">
+                    <a:solidFill>
+                      <a:schemeClr val="tx1"/>
+                    </a:solidFill>
+                    <a:prstDash val="dash"/>
+                  </a:ln>
+                </p:spPr>
+                <p:style>
+                  <a:lnRef idx="1">
+                    <a:schemeClr val="accent1"/>
+                  </a:lnRef>
+                  <a:fillRef idx="0">
+                    <a:schemeClr val="accent1"/>
+                  </a:fillRef>
+                  <a:effectRef idx="0">
+                    <a:schemeClr val="accent1"/>
+                  </a:effectRef>
+                  <a:fontRef idx="minor">
+                    <a:schemeClr val="tx1"/>
+                  </a:fontRef>
+                </p:style>
+              </p:cxnSp>
+              <p:sp>
+                <p:nvSpPr>
+                  <p:cNvPr id="250" name="Arc 249"/>
+                  <p:cNvSpPr/>
+                  <p:nvPr/>
+                </p:nvSpPr>
+                <p:spPr>
+                  <a:xfrm>
+                    <a:off x="8683200" y="2422572"/>
+                    <a:ext cx="308278" cy="561338"/>
+                  </a:xfrm>
+                  <a:prstGeom prst="arc">
+                    <a:avLst>
+                      <a:gd name="adj1" fmla="val 6989760"/>
+                      <a:gd name="adj2" fmla="val 13520348"/>
+                    </a:avLst>
+                  </a:prstGeom>
+                  <a:ln w="38100">
+                    <a:solidFill>
+                      <a:schemeClr val="tx1"/>
+                    </a:solidFill>
+                  </a:ln>
+                </p:spPr>
+                <p:style>
+                  <a:lnRef idx="1">
+                    <a:schemeClr val="accent1"/>
+                  </a:lnRef>
+                  <a:fillRef idx="0">
+                    <a:schemeClr val="accent1"/>
+                  </a:fillRef>
+                  <a:effectRef idx="0">
+                    <a:schemeClr val="accent1"/>
+                  </a:effectRef>
+                  <a:fontRef idx="minor">
+                    <a:schemeClr val="tx1"/>
+                  </a:fontRef>
+                </p:style>
+                <p:txBody>
+                  <a:bodyPr rtlCol="0" anchor="ctr"/>
+                  <a:lstStyle/>
+                  <a:p>
+                    <a:pPr algn="ctr"/>
+                    <a:endParaRPr lang="en-US"/>
+                  </a:p>
+                </p:txBody>
+              </p:sp>
+              <mc:AlternateContent xmlns:mc="http://schemas.openxmlformats.org/markup-compatibility/2006" xmlns:a14="http://schemas.microsoft.com/office/drawing/2010/main">
+                <mc:Choice Requires="a14">
+                  <p:sp>
+                    <p:nvSpPr>
+                      <p:cNvPr id="251" name="TextBox 250"/>
+                      <p:cNvSpPr txBox="1"/>
+                      <p:nvPr/>
+                    </p:nvSpPr>
+                    <p:spPr>
+                      <a:xfrm>
+                        <a:off x="8262246" y="2695762"/>
+                        <a:ext cx="340063" cy="307777"/>
+                      </a:xfrm>
+                      <a:prstGeom prst="rect">
+                        <a:avLst/>
+                      </a:prstGeom>
+                      <a:noFill/>
+                    </p:spPr>
+                    <p:txBody>
+                      <a:bodyPr wrap="square" lIns="0" tIns="0" rIns="0" bIns="0" rtlCol="0">
+                        <a:spAutoFit/>
+                      </a:bodyPr>
+                      <a:lstStyle/>
+                      <a:p>
+                        <a:pPr/>
+                        <a14:m>
+                          <m:oMathPara xmlns:m="http://schemas.openxmlformats.org/officeDocument/2006/math">
+                            <m:oMathParaPr>
+                              <m:jc m:val="centerGroup"/>
+                            </m:oMathParaPr>
+                            <m:oMath xmlns:m="http://schemas.openxmlformats.org/officeDocument/2006/math">
+                              <m:r>
+                                <a:rPr lang="en-US" sz="2000" b="0" i="1" smtClean="0">
+                                  <a:latin typeface="Cambria Math" panose="02040503050406030204" pitchFamily="18" charset="0"/>
+                                  <a:cs typeface="Arial" panose="020B0604020202020204" pitchFamily="34" charset="0"/>
+                                </a:rPr>
+                                <m:t>−</m:t>
+                              </m:r>
+                              <m:sSub>
+                                <m:sSubPr>
+                                  <m:ctrlPr>
+                                    <a:rPr lang="en-US" sz="2000" b="0" i="1" smtClean="0">
+                                      <a:latin typeface="Cambria Math" panose="02040503050406030204" pitchFamily="18" charset="0"/>
+                                      <a:cs typeface="Arial" panose="020B0604020202020204" pitchFamily="34" charset="0"/>
+                                    </a:rPr>
+                                  </m:ctrlPr>
+                                </m:sSubPr>
+                                <m:e>
+                                  <m:r>
+                                    <a:rPr lang="en-US" sz="2000" b="0" i="1" smtClean="0">
+                                      <a:latin typeface="Cambria Math" panose="02040503050406030204" pitchFamily="18" charset="0"/>
+                                      <a:cs typeface="Arial" panose="020B0604020202020204" pitchFamily="34" charset="0"/>
+                                    </a:rPr>
+                                    <m:t>𝜃</m:t>
+                                  </m:r>
+                                </m:e>
+                                <m:sub>
+                                  <m:r>
+                                    <a:rPr lang="en-US" sz="2000" b="0" i="1" smtClean="0">
+                                      <a:latin typeface="Cambria Math" panose="02040503050406030204" pitchFamily="18" charset="0"/>
+                                      <a:cs typeface="Arial" panose="020B0604020202020204" pitchFamily="34" charset="0"/>
+                                    </a:rPr>
+                                    <m:t>0</m:t>
+                                  </m:r>
+                                </m:sub>
+                              </m:sSub>
+                            </m:oMath>
+                          </m:oMathPara>
+                        </a14:m>
+                        <a:endParaRPr lang="en-US" sz="2000" dirty="0" smtClean="0">
+                          <a:latin typeface="Arial" panose="020B0604020202020204" pitchFamily="34" charset="0"/>
+                          <a:cs typeface="Arial" panose="020B0604020202020204" pitchFamily="34" charset="0"/>
+                        </a:endParaRPr>
+                      </a:p>
+                    </p:txBody>
+                  </p:sp>
+                </mc:Choice>
+                <mc:Fallback xmlns="">
+                  <p:sp>
+                    <p:nvSpPr>
+                      <p:cNvPr id="251" name="TextBox 250"/>
+                      <p:cNvSpPr txBox="1">
+                        <a:spLocks noRot="1" noChangeAspect="1" noMove="1" noResize="1" noEditPoints="1" noAdjustHandles="1" noChangeArrowheads="1" noChangeShapeType="1" noTextEdit="1"/>
+                      </p:cNvSpPr>
+                      <p:nvPr/>
+                    </p:nvSpPr>
+                    <p:spPr>
+                      <a:xfrm>
+                        <a:off x="8262246" y="2695762"/>
+                        <a:ext cx="340063" cy="307777"/>
+                      </a:xfrm>
+                      <a:prstGeom prst="rect">
+                        <a:avLst/>
+                      </a:prstGeom>
+                      <a:blipFill>
+                        <a:blip r:embed="rId13"/>
+                        <a:stretch>
+                          <a:fillRect l="-12500" r="-48214" b="-19608"/>
+                        </a:stretch>
+                      </a:blipFill>
+                    </p:spPr>
+                    <p:txBody>
+                      <a:bodyPr/>
+                      <a:lstStyle/>
+                      <a:p>
+                        <a:r>
+                          <a:rPr lang="en-US">
+                            <a:noFill/>
+                          </a:rPr>
+                          <a:t> </a:t>
+                        </a:r>
+                      </a:p>
+                    </p:txBody>
+                  </p:sp>
+                </mc:Fallback>
+              </mc:AlternateContent>
+            </p:grpSp>
+            <p:grpSp>
+              <p:nvGrpSpPr>
+                <p:cNvPr id="252" name="Group 251"/>
+                <p:cNvGrpSpPr/>
+                <p:nvPr/>
+              </p:nvGrpSpPr>
+              <p:grpSpPr>
+                <a:xfrm>
+                  <a:off x="5978120" y="4062430"/>
+                  <a:ext cx="877523" cy="709995"/>
+                  <a:chOff x="758520" y="708040"/>
+                  <a:chExt cx="2534677" cy="2135605"/>
+                </a:xfrm>
+              </p:grpSpPr>
+              <p:grpSp>
+                <p:nvGrpSpPr>
+                  <p:cNvPr id="253" name="Group 252"/>
+                  <p:cNvGrpSpPr/>
+                  <p:nvPr/>
+                </p:nvGrpSpPr>
+                <p:grpSpPr>
+                  <a:xfrm>
+                    <a:off x="758520" y="708040"/>
+                    <a:ext cx="2534677" cy="2135605"/>
+                    <a:chOff x="785815" y="680744"/>
+                    <a:chExt cx="2534677" cy="2135605"/>
+                  </a:xfrm>
+                </p:grpSpPr>
+                <p:cxnSp>
+                  <p:nvCxnSpPr>
+                    <p:cNvPr id="255" name="Straight Arrow Connector 254"/>
+                    <p:cNvCxnSpPr/>
+                    <p:nvPr/>
+                  </p:nvCxnSpPr>
+                  <p:spPr>
+                    <a:xfrm flipV="1">
+                      <a:off x="1452939" y="680744"/>
+                      <a:ext cx="7683" cy="1859536"/>
+                    </a:xfrm>
+                    <a:prstGeom prst="straightConnector1">
+                      <a:avLst/>
+                    </a:prstGeom>
+                    <a:ln w="38100">
+                      <a:solidFill>
+                        <a:schemeClr val="tx1"/>
+                      </a:solidFill>
+                      <a:tailEnd type="triangle"/>
+                    </a:ln>
+                  </p:spPr>
+                  <p:style>
+                    <a:lnRef idx="1">
+                      <a:schemeClr val="accent1"/>
+                    </a:lnRef>
+                    <a:fillRef idx="0">
+                      <a:schemeClr val="accent1"/>
+                    </a:fillRef>
+                    <a:effectRef idx="0">
+                      <a:schemeClr val="accent1"/>
+                    </a:effectRef>
+                    <a:fontRef idx="minor">
+                      <a:schemeClr val="tx1"/>
+                    </a:fontRef>
+                  </p:style>
+                </p:cxnSp>
+                <p:cxnSp>
+                  <p:nvCxnSpPr>
+                    <p:cNvPr id="256" name="Straight Arrow Connector 255"/>
+                    <p:cNvCxnSpPr/>
+                    <p:nvPr/>
+                  </p:nvCxnSpPr>
+                  <p:spPr>
+                    <a:xfrm flipV="1">
+                      <a:off x="1445588" y="2503276"/>
+                      <a:ext cx="1874904" cy="0"/>
+                    </a:xfrm>
+                    <a:prstGeom prst="straightConnector1">
+                      <a:avLst/>
+                    </a:prstGeom>
+                    <a:ln w="38100">
+                      <a:solidFill>
+                        <a:schemeClr val="tx1"/>
+                      </a:solidFill>
+                      <a:tailEnd type="triangle"/>
+                    </a:ln>
+                  </p:spPr>
+                  <p:style>
+                    <a:lnRef idx="1">
+                      <a:schemeClr val="accent1"/>
+                    </a:lnRef>
+                    <a:fillRef idx="0">
+                      <a:schemeClr val="accent1"/>
+                    </a:fillRef>
+                    <a:effectRef idx="0">
+                      <a:schemeClr val="accent1"/>
+                    </a:effectRef>
+                    <a:fontRef idx="minor">
+                      <a:schemeClr val="tx1"/>
+                    </a:fontRef>
+                  </p:style>
+                </p:cxnSp>
+                <mc:AlternateContent xmlns:mc="http://schemas.openxmlformats.org/markup-compatibility/2006" xmlns:a14="http://schemas.microsoft.com/office/drawing/2010/main">
+                  <mc:Choice Requires="a14">
+                    <p:sp>
+                      <p:nvSpPr>
+                        <p:cNvPr id="257" name="Rectangle 256"/>
+                        <p:cNvSpPr/>
+                        <p:nvPr/>
+                      </p:nvSpPr>
+                      <p:spPr>
+                        <a:xfrm>
+                          <a:off x="2697555" y="2447016"/>
+                          <a:ext cx="367985" cy="369333"/>
+                        </a:xfrm>
+                        <a:prstGeom prst="rect">
+                          <a:avLst/>
+                        </a:prstGeom>
+                      </p:spPr>
+                      <p:txBody>
+                        <a:bodyPr wrap="none">
+                          <a:spAutoFit/>
+                        </a:bodyPr>
+                        <a:lstStyle/>
+                        <a:p>
+                          <a:pPr/>
+                          <a14:m>
+                            <m:oMathPara xmlns:m="http://schemas.openxmlformats.org/officeDocument/2006/math">
+                              <m:oMathParaPr>
+                                <m:jc m:val="centerGroup"/>
+                              </m:oMathParaPr>
+                              <m:oMath xmlns:m="http://schemas.openxmlformats.org/officeDocument/2006/math">
+                                <m:r>
+                                  <a:rPr lang="en-US" i="1">
+                                    <a:latin typeface="Cambria Math" panose="02040503050406030204" pitchFamily="18" charset="0"/>
+                                    <a:cs typeface="Arial" panose="020B0604020202020204" pitchFamily="34" charset="0"/>
+                                  </a:rPr>
+                                  <m:t>𝑥</m:t>
+                                </m:r>
+                              </m:oMath>
+                            </m:oMathPara>
+                          </a14:m>
+                          <a:endParaRPr lang="en-CA" dirty="0"/>
+                        </a:p>
+                      </p:txBody>
+                    </p:sp>
+                  </mc:Choice>
+                  <mc:Fallback xmlns="">
+                    <p:sp>
+                      <p:nvSpPr>
+                        <p:cNvPr id="107" name="Rectangle 106"/>
+                        <p:cNvSpPr>
+                          <a:spLocks noRot="1" noChangeAspect="1" noMove="1" noResize="1" noEditPoints="1" noAdjustHandles="1" noChangeArrowheads="1" noChangeShapeType="1" noTextEdit="1"/>
+                        </p:cNvSpPr>
+                        <p:nvPr/>
+                      </p:nvSpPr>
+                      <p:spPr>
+                        <a:xfrm>
+                          <a:off x="2697555" y="2447016"/>
+                          <a:ext cx="367985" cy="369333"/>
+                        </a:xfrm>
+                        <a:prstGeom prst="rect">
+                          <a:avLst/>
+                        </a:prstGeom>
+                        <a:blipFill>
+                          <a:blip r:embed="rId27"/>
+                          <a:stretch>
+                            <a:fillRect r="-95238" b="-160000"/>
+                          </a:stretch>
+                        </a:blipFill>
+                      </p:spPr>
+                      <p:txBody>
+                        <a:bodyPr/>
+                        <a:lstStyle/>
+                        <a:p>
+                          <a:r>
+                            <a:rPr lang="en-US">
+                              <a:noFill/>
+                            </a:rPr>
+                            <a:t> </a:t>
+                          </a:r>
+                        </a:p>
+                      </p:txBody>
+                    </p:sp>
+                  </mc:Fallback>
+                </mc:AlternateContent>
+                <mc:AlternateContent xmlns:mc="http://schemas.openxmlformats.org/markup-compatibility/2006" xmlns:a14="http://schemas.microsoft.com/office/drawing/2010/main">
+                  <mc:Choice Requires="a14">
+                    <p:sp>
+                      <p:nvSpPr>
+                        <p:cNvPr id="258" name="Rectangle 257"/>
+                        <p:cNvSpPr/>
+                        <p:nvPr/>
+                      </p:nvSpPr>
+                      <p:spPr>
+                        <a:xfrm>
+                          <a:off x="785815" y="912420"/>
+                          <a:ext cx="371385" cy="369333"/>
+                        </a:xfrm>
+                        <a:prstGeom prst="rect">
+                          <a:avLst/>
+                        </a:prstGeom>
+                      </p:spPr>
+                      <p:txBody>
+                        <a:bodyPr wrap="none">
+                          <a:spAutoFit/>
+                        </a:bodyPr>
+                        <a:lstStyle/>
+                        <a:p>
+                          <a:pPr/>
+                          <a14:m>
+                            <m:oMathPara xmlns:m="http://schemas.openxmlformats.org/officeDocument/2006/math">
+                              <m:oMathParaPr>
+                                <m:jc m:val="centerGroup"/>
+                              </m:oMathParaPr>
+                              <m:oMath xmlns:m="http://schemas.openxmlformats.org/officeDocument/2006/math">
+                                <m:r>
+                                  <a:rPr lang="en-US" b="0" i="1" smtClean="0">
+                                    <a:latin typeface="Cambria Math" panose="02040503050406030204" pitchFamily="18" charset="0"/>
+                                  </a:rPr>
+                                  <m:t>𝑦</m:t>
+                                </m:r>
+                              </m:oMath>
+                            </m:oMathPara>
+                          </a14:m>
+                          <a:endParaRPr lang="en-CA" dirty="0"/>
+                        </a:p>
+                      </p:txBody>
+                    </p:sp>
+                  </mc:Choice>
+                  <mc:Fallback xmlns="">
+                    <p:sp>
+                      <p:nvSpPr>
+                        <p:cNvPr id="108" name="Rectangle 107"/>
+                        <p:cNvSpPr>
+                          <a:spLocks noRot="1" noChangeAspect="1" noMove="1" noResize="1" noEditPoints="1" noAdjustHandles="1" noChangeArrowheads="1" noChangeShapeType="1" noTextEdit="1"/>
+                        </p:cNvSpPr>
+                        <p:nvPr/>
+                      </p:nvSpPr>
+                      <p:spPr>
+                        <a:xfrm>
+                          <a:off x="785815" y="912420"/>
+                          <a:ext cx="371385" cy="369333"/>
+                        </a:xfrm>
+                        <a:prstGeom prst="rect">
+                          <a:avLst/>
+                        </a:prstGeom>
+                        <a:blipFill>
+                          <a:blip r:embed="rId28"/>
+                          <a:stretch>
+                            <a:fillRect l="-19048" r="-114286" b="-220000"/>
+                          </a:stretch>
+                        </a:blipFill>
+                      </p:spPr>
+                      <p:txBody>
+                        <a:bodyPr/>
+                        <a:lstStyle/>
+                        <a:p>
+                          <a:r>
+                            <a:rPr lang="en-US">
+                              <a:noFill/>
+                            </a:rPr>
+                            <a:t> </a:t>
+                          </a:r>
+                        </a:p>
+                      </p:txBody>
+                    </p:sp>
+                  </mc:Fallback>
+                </mc:AlternateContent>
+                <mc:AlternateContent xmlns:mc="http://schemas.openxmlformats.org/markup-compatibility/2006" xmlns:a14="http://schemas.microsoft.com/office/drawing/2010/main">
+                  <mc:Choice Requires="a14">
+                    <p:sp>
+                      <p:nvSpPr>
+                        <p:cNvPr id="259" name="Rectangle 258"/>
+                        <p:cNvSpPr/>
+                        <p:nvPr/>
+                      </p:nvSpPr>
+                      <p:spPr>
+                        <a:xfrm>
+                          <a:off x="1006642" y="2350591"/>
+                          <a:ext cx="367985" cy="369333"/>
+                        </a:xfrm>
+                        <a:prstGeom prst="rect">
+                          <a:avLst/>
+                        </a:prstGeom>
+                      </p:spPr>
+                      <p:txBody>
+                        <a:bodyPr wrap="none">
+                          <a:spAutoFit/>
+                        </a:bodyPr>
+                        <a:lstStyle/>
+                        <a:p>
+                          <a:pPr/>
+                          <a14:m>
+                            <m:oMathPara xmlns:m="http://schemas.openxmlformats.org/officeDocument/2006/math">
+                              <m:oMathParaPr>
+                                <m:jc m:val="centerGroup"/>
+                              </m:oMathParaPr>
+                              <m:oMath xmlns:m="http://schemas.openxmlformats.org/officeDocument/2006/math">
+                                <m:r>
+                                  <a:rPr lang="en-US" b="0" i="1" smtClean="0">
+                                    <a:latin typeface="Cambria Math" panose="02040503050406030204" pitchFamily="18" charset="0"/>
+                                    <a:cs typeface="Arial" panose="020B0604020202020204" pitchFamily="34" charset="0"/>
+                                  </a:rPr>
+                                  <m:t>0</m:t>
+                                </m:r>
+                              </m:oMath>
+                            </m:oMathPara>
+                          </a14:m>
+                          <a:endParaRPr lang="en-CA" dirty="0"/>
+                        </a:p>
+                      </p:txBody>
+                    </p:sp>
+                  </mc:Choice>
+                  <mc:Fallback xmlns="">
+                    <p:sp>
+                      <p:nvSpPr>
+                        <p:cNvPr id="109" name="Rectangle 108"/>
+                        <p:cNvSpPr>
+                          <a:spLocks noRot="1" noChangeAspect="1" noMove="1" noResize="1" noEditPoints="1" noAdjustHandles="1" noChangeArrowheads="1" noChangeShapeType="1" noTextEdit="1"/>
+                        </p:cNvSpPr>
+                        <p:nvPr/>
+                      </p:nvSpPr>
+                      <p:spPr>
+                        <a:xfrm>
+                          <a:off x="1006642" y="2350591"/>
+                          <a:ext cx="367985" cy="369333"/>
+                        </a:xfrm>
+                        <a:prstGeom prst="rect">
+                          <a:avLst/>
+                        </a:prstGeom>
+                        <a:blipFill>
+                          <a:blip r:embed="rId29"/>
+                          <a:stretch>
+                            <a:fillRect l="-14286" r="-114286" b="-180000"/>
+                          </a:stretch>
+                        </a:blipFill>
+                      </p:spPr>
+                      <p:txBody>
+                        <a:bodyPr/>
+                        <a:lstStyle/>
+                        <a:p>
+                          <a:r>
+                            <a:rPr lang="en-US">
+                              <a:noFill/>
+                            </a:rPr>
+                            <a:t> </a:t>
+                          </a:r>
+                        </a:p>
+                      </p:txBody>
+                    </p:sp>
+                  </mc:Fallback>
+                </mc:AlternateContent>
+              </p:grpSp>
+              <p:sp>
+                <p:nvSpPr>
+                  <p:cNvPr id="254" name="Rectangle 253"/>
+                  <p:cNvSpPr/>
+                  <p:nvPr/>
+                </p:nvSpPr>
+                <p:spPr>
+                  <a:xfrm>
+                    <a:off x="1129904" y="1614682"/>
+                    <a:ext cx="184731" cy="369332"/>
+                  </a:xfrm>
+                  <a:prstGeom prst="rect">
+                    <a:avLst/>
+                  </a:prstGeom>
+                </p:spPr>
+                <p:txBody>
+                  <a:bodyPr wrap="none">
+                    <a:spAutoFit/>
+                  </a:bodyPr>
+                  <a:lstStyle/>
+                  <a:p>
+                    <a:endParaRPr lang="en-CA" dirty="0"/>
+                  </a:p>
+                </p:txBody>
+              </p:sp>
+            </p:grpSp>
+          </p:grpSp>
+          <p:cxnSp>
+            <p:nvCxnSpPr>
+              <p:cNvPr id="260" name="Straight Arrow Connector 259"/>
+              <p:cNvCxnSpPr/>
+              <p:nvPr/>
+            </p:nvCxnSpPr>
+            <p:spPr>
+              <a:xfrm flipH="1">
+                <a:off x="6911072" y="1777234"/>
+                <a:ext cx="7424" cy="719860"/>
+              </a:xfrm>
+              <a:prstGeom prst="straightConnector1">
+                <a:avLst/>
+              </a:prstGeom>
+              <a:ln w="28575">
+                <a:solidFill>
                   <a:schemeClr val="tx1"/>
-                </a:fontRef>
-              </p:style>
-            </p:cxnSp>
-            <p:cxnSp>
-              <p:nvCxnSpPr>
-                <p:cNvPr id="173" name="Straight Arrow Connector 172"/>
-                <p:cNvCxnSpPr/>
+                </a:solidFill>
+                <a:prstDash val="sysDot"/>
+                <a:headEnd type="triangle"/>
+                <a:tailEnd type="triangle"/>
+              </a:ln>
+            </p:spPr>
+            <p:style>
+              <a:lnRef idx="1">
+                <a:schemeClr val="accent1"/>
+              </a:lnRef>
+              <a:fillRef idx="0">
+                <a:schemeClr val="accent1"/>
+              </a:fillRef>
+              <a:effectRef idx="0">
+                <a:schemeClr val="accent1"/>
+              </a:effectRef>
+              <a:fontRef idx="minor">
+                <a:schemeClr val="tx1"/>
+              </a:fontRef>
+            </p:style>
+          </p:cxnSp>
+          <mc:AlternateContent xmlns:mc="http://schemas.openxmlformats.org/markup-compatibility/2006" xmlns:a14="http://schemas.microsoft.com/office/drawing/2010/main">
+            <mc:Choice Requires="a14">
+              <p:sp>
+                <p:nvSpPr>
+                  <p:cNvPr id="138" name="TextBox 137"/>
+                  <p:cNvSpPr txBox="1"/>
+                  <p:nvPr/>
+                </p:nvSpPr>
+                <p:spPr>
+                  <a:xfrm>
+                    <a:off x="6653754" y="1943463"/>
+                    <a:ext cx="219163" cy="307777"/>
+                  </a:xfrm>
+                  <a:prstGeom prst="rect">
+                    <a:avLst/>
+                  </a:prstGeom>
+                  <a:noFill/>
+                </p:spPr>
+                <p:txBody>
+                  <a:bodyPr wrap="none" lIns="0" tIns="0" rIns="0" bIns="0" rtlCol="0">
+                    <a:spAutoFit/>
+                  </a:bodyPr>
+                  <a:lstStyle/>
+                  <a:p>
+                    <a:pPr/>
+                    <a14:m>
+                      <m:oMathPara xmlns:m="http://schemas.openxmlformats.org/officeDocument/2006/math">
+                        <m:oMathParaPr>
+                          <m:jc m:val="centerGroup"/>
+                        </m:oMathParaPr>
+                        <m:oMath xmlns:m="http://schemas.openxmlformats.org/officeDocument/2006/math">
+                          <m:r>
+                            <a:rPr lang="en-US" sz="2000" b="0" i="1" smtClean="0">
+                              <a:latin typeface="Cambria Math" panose="02040503050406030204" pitchFamily="18" charset="0"/>
+                              <a:cs typeface="Arial" panose="020B0604020202020204" pitchFamily="34" charset="0"/>
+                            </a:rPr>
+                            <m:t>𝑦</m:t>
+                          </m:r>
+                        </m:oMath>
+                      </m:oMathPara>
+                    </a14:m>
+                    <a:endParaRPr lang="en-US" sz="2000" dirty="0" smtClean="0">
+                      <a:latin typeface="Arial" panose="020B0604020202020204" pitchFamily="34" charset="0"/>
+                      <a:cs typeface="Arial" panose="020B0604020202020204" pitchFamily="34" charset="0"/>
+                    </a:endParaRPr>
+                  </a:p>
+                </p:txBody>
+              </p:sp>
+            </mc:Choice>
+            <mc:Fallback xmlns="">
+              <p:sp>
+                <p:nvSpPr>
+                  <p:cNvPr id="138" name="TextBox 137"/>
+                  <p:cNvSpPr txBox="1">
+                    <a:spLocks noRot="1" noChangeAspect="1" noMove="1" noResize="1" noEditPoints="1" noAdjustHandles="1" noChangeArrowheads="1" noChangeShapeType="1" noTextEdit="1"/>
+                  </p:cNvSpPr>
+                  <p:nvPr/>
+                </p:nvSpPr>
+                <p:spPr>
+                  <a:xfrm>
+                    <a:off x="6653754" y="1943463"/>
+                    <a:ext cx="219163" cy="307777"/>
+                  </a:xfrm>
+                  <a:prstGeom prst="rect">
+                    <a:avLst/>
+                  </a:prstGeom>
+                  <a:blipFill>
+                    <a:blip r:embed="rId30"/>
+                    <a:stretch>
+                      <a:fillRect l="-25000" r="-25000" b="-30000"/>
+                    </a:stretch>
+                  </a:blipFill>
+                </p:spPr>
+                <p:txBody>
+                  <a:bodyPr/>
+                  <a:lstStyle/>
+                  <a:p>
+                    <a:r>
+                      <a:rPr lang="en-US">
+                        <a:noFill/>
+                      </a:rPr>
+                      <a:t> </a:t>
+                    </a:r>
+                  </a:p>
+                </p:txBody>
+              </p:sp>
+            </mc:Fallback>
+          </mc:AlternateContent>
+        </p:grpSp>
+        <p:sp>
+          <p:nvSpPr>
+            <p:cNvPr id="43" name="Arc 42"/>
+            <p:cNvSpPr/>
+            <p:nvPr/>
+          </p:nvSpPr>
+          <p:spPr>
+            <a:xfrm>
+              <a:off x="6829110" y="1596333"/>
+              <a:ext cx="451140" cy="469839"/>
+            </a:xfrm>
+            <a:prstGeom prst="arc">
+              <a:avLst>
+                <a:gd name="adj1" fmla="val 15767481"/>
+                <a:gd name="adj2" fmla="val 252240"/>
+              </a:avLst>
+            </a:prstGeom>
+            <a:ln w="38100">
+              <a:solidFill>
+                <a:schemeClr val="tx1"/>
+              </a:solidFill>
+            </a:ln>
+          </p:spPr>
+          <p:style>
+            <a:lnRef idx="1">
+              <a:schemeClr val="accent1"/>
+            </a:lnRef>
+            <a:fillRef idx="0">
+              <a:schemeClr val="accent1"/>
+            </a:fillRef>
+            <a:effectRef idx="0">
+              <a:schemeClr val="accent1"/>
+            </a:effectRef>
+            <a:fontRef idx="minor">
+              <a:schemeClr val="tx1"/>
+            </a:fontRef>
+          </p:style>
+          <p:txBody>
+            <a:bodyPr rtlCol="0" anchor="ctr"/>
+            <a:lstStyle/>
+            <a:p>
+              <a:pPr algn="ctr"/>
+              <a:endParaRPr lang="en-US"/>
+            </a:p>
+          </p:txBody>
+        </p:sp>
+        <mc:AlternateContent xmlns:mc="http://schemas.openxmlformats.org/markup-compatibility/2006">
+          <mc:Choice xmlns:a14="http://schemas.microsoft.com/office/drawing/2010/main" Requires="a14">
+            <p:sp>
+              <p:nvSpPr>
+                <p:cNvPr id="44" name="TextBox 43"/>
+                <p:cNvSpPr txBox="1"/>
                 <p:nvPr/>
-              </p:nvCxnSpPr>
+              </p:nvSpPr>
               <p:spPr>
-                <a:xfrm flipH="1" flipV="1">
-                  <a:off x="7006726" y="3835825"/>
-                  <a:ext cx="1" cy="390431"/>
+                <a:xfrm>
+                  <a:off x="7280250" y="1467883"/>
+                  <a:ext cx="250774" cy="307777"/>
                 </a:xfrm>
-                <a:prstGeom prst="straightConnector1">
+                <a:prstGeom prst="rect">
                   <a:avLst/>
                 </a:prstGeom>
-                <a:ln w="38100">
-                  <a:solidFill>
-                    <a:schemeClr val="tx1"/>
-                  </a:solidFill>
-                  <a:tailEnd type="triangle" w="lg" len="lg"/>
-                </a:ln>
+                <a:noFill/>
               </p:spPr>
-              <p:style>
-                <a:lnRef idx="1">
-                  <a:schemeClr val="accent1"/>
-                </a:lnRef>
-                <a:fillRef idx="0">
-                  <a:schemeClr val="accent1"/>
-                </a:fillRef>
-                <a:effectRef idx="0">
-                  <a:schemeClr val="accent1"/>
-                </a:effectRef>
-                <a:fontRef idx="minor">
-                  <a:schemeClr val="tx1"/>
-                </a:fontRef>
-              </p:style>
-            </p:cxnSp>
-            <mc:AlternateContent xmlns:mc="http://schemas.openxmlformats.org/markup-compatibility/2006">
-              <mc:Choice xmlns:a14="http://schemas.microsoft.com/office/drawing/2010/main" Requires="a14">
-                <p:sp>
-                  <p:nvSpPr>
-                    <p:cNvPr id="62" name="TextBox 61"/>
-                    <p:cNvSpPr txBox="1"/>
-                    <p:nvPr/>
-                  </p:nvSpPr>
-                  <p:spPr>
-                    <a:xfrm>
-                      <a:off x="6742037" y="4031040"/>
-                      <a:ext cx="176459" cy="307777"/>
-                    </a:xfrm>
-                    <a:prstGeom prst="rect">
-                      <a:avLst/>
-                    </a:prstGeom>
-                    <a:noFill/>
-                  </p:spPr>
-                  <p:txBody>
-                    <a:bodyPr wrap="none" lIns="0" tIns="0" rIns="0" bIns="0" rtlCol="0">
-                      <a:spAutoFit/>
-                    </a:bodyPr>
-                    <a:lstStyle/>
-                    <a:p>
-                      <a14:m>
-                        <m:oMathPara xmlns:m="http://schemas.openxmlformats.org/officeDocument/2006/math">
-                          <m:oMathParaPr>
-                            <m:jc m:val="centerGroup"/>
-                          </m:oMathParaPr>
-                          <m:oMath xmlns:m="http://schemas.openxmlformats.org/officeDocument/2006/math">
-                            <m:r>
+              <p:txBody>
+                <a:bodyPr wrap="none" lIns="0" tIns="0" rIns="0" bIns="0" rtlCol="0">
+                  <a:spAutoFit/>
+                </a:bodyPr>
+                <a:lstStyle/>
+                <a:p>
+                  <a:pPr/>
+                  <a14:m>
+                    <m:oMathPara xmlns:m="http://schemas.openxmlformats.org/officeDocument/2006/math">
+                      <m:oMathParaPr>
+                        <m:jc m:val="centerGroup"/>
+                      </m:oMathParaPr>
+                      <m:oMath xmlns:m="http://schemas.openxmlformats.org/officeDocument/2006/math">
+                        <m:r>
+                          <a:rPr lang="en-US" sz="2000" b="0" i="1" smtClean="0">
+                            <a:latin typeface="Cambria Math" panose="02040503050406030204" pitchFamily="18" charset="0"/>
+                            <a:cs typeface="Arial" panose="020B0604020202020204" pitchFamily="34" charset="0"/>
+                          </a:rPr>
+                          <m:t>𝜙</m:t>
+                        </m:r>
+                      </m:oMath>
+                    </m:oMathPara>
+                  </a14:m>
+                  <a:endParaRPr lang="en-US" sz="2000" dirty="0" smtClean="0">
+                    <a:latin typeface="Arial" panose="020B0604020202020204" pitchFamily="34" charset="0"/>
+                    <a:cs typeface="Arial" panose="020B0604020202020204" pitchFamily="34" charset="0"/>
+                  </a:endParaRPr>
+                </a:p>
+              </p:txBody>
+            </p:sp>
+          </mc:Choice>
+          <mc:Fallback>
+            <p:sp>
+              <p:nvSpPr>
+                <p:cNvPr id="44" name="TextBox 43"/>
+                <p:cNvSpPr txBox="1">
+                  <a:spLocks noRot="1" noChangeAspect="1" noMove="1" noResize="1" noEditPoints="1" noAdjustHandles="1" noChangeArrowheads="1" noChangeShapeType="1" noTextEdit="1"/>
+                </p:cNvSpPr>
+                <p:nvPr/>
+              </p:nvSpPr>
+              <p:spPr>
+                <a:xfrm>
+                  <a:off x="7280250" y="1467883"/>
+                  <a:ext cx="250774" cy="307777"/>
+                </a:xfrm>
+                <a:prstGeom prst="rect">
+                  <a:avLst/>
+                </a:prstGeom>
+                <a:blipFill>
+                  <a:blip r:embed="rId31"/>
+                  <a:stretch>
+                    <a:fillRect l="-31707" r="-31707" b="-38000"/>
+                  </a:stretch>
+                </a:blipFill>
+              </p:spPr>
+              <p:txBody>
+                <a:bodyPr/>
+                <a:lstStyle/>
+                <a:p>
+                  <a:r>
+                    <a:rPr lang="en-US">
+                      <a:noFill/>
+                    </a:rPr>
+                    <a:t> </a:t>
+                  </a:r>
+                </a:p>
+              </p:txBody>
+            </p:sp>
+          </mc:Fallback>
+        </mc:AlternateContent>
+      </p:grpSp>
+      <p:grpSp>
+        <p:nvGrpSpPr>
+          <p:cNvPr id="40" name="Group 39"/>
+          <p:cNvGrpSpPr/>
+          <p:nvPr/>
+        </p:nvGrpSpPr>
+        <p:grpSpPr>
+          <a:xfrm>
+            <a:off x="991518" y="2972743"/>
+            <a:ext cx="5520002" cy="3318125"/>
+            <a:chOff x="991518" y="2972743"/>
+            <a:chExt cx="5520002" cy="3318125"/>
+          </a:xfrm>
+        </p:grpSpPr>
+        <p:cxnSp>
+          <p:nvCxnSpPr>
+            <p:cNvPr id="49" name="Straight Connector 48"/>
+            <p:cNvCxnSpPr/>
+            <p:nvPr/>
+          </p:nvCxnSpPr>
+          <p:spPr>
+            <a:xfrm>
+              <a:off x="3689581" y="5410233"/>
+              <a:ext cx="0" cy="880635"/>
+            </a:xfrm>
+            <a:prstGeom prst="line">
+              <a:avLst/>
+            </a:prstGeom>
+            <a:ln w="47625">
+              <a:solidFill>
+                <a:schemeClr val="tx1"/>
+              </a:solidFill>
+            </a:ln>
+          </p:spPr>
+          <p:style>
+            <a:lnRef idx="1">
+              <a:schemeClr val="accent1"/>
+            </a:lnRef>
+            <a:fillRef idx="0">
+              <a:schemeClr val="accent1"/>
+            </a:fillRef>
+            <a:effectRef idx="0">
+              <a:schemeClr val="accent1"/>
+            </a:effectRef>
+            <a:fontRef idx="minor">
+              <a:schemeClr val="tx1"/>
+            </a:fontRef>
+          </p:style>
+        </p:cxnSp>
+        <p:cxnSp>
+          <p:nvCxnSpPr>
+            <p:cNvPr id="50" name="Straight Arrow Connector 49"/>
+            <p:cNvCxnSpPr/>
+            <p:nvPr/>
+          </p:nvCxnSpPr>
+          <p:spPr>
+            <a:xfrm flipH="1" flipV="1">
+              <a:off x="3675435" y="5732498"/>
+              <a:ext cx="1" cy="390431"/>
+            </a:xfrm>
+            <a:prstGeom prst="straightConnector1">
+              <a:avLst/>
+            </a:prstGeom>
+            <a:ln w="38100">
+              <a:solidFill>
+                <a:schemeClr val="tx1"/>
+              </a:solidFill>
+              <a:tailEnd type="triangle" w="lg" len="lg"/>
+            </a:ln>
+          </p:spPr>
+          <p:style>
+            <a:lnRef idx="1">
+              <a:schemeClr val="accent1"/>
+            </a:lnRef>
+            <a:fillRef idx="0">
+              <a:schemeClr val="accent1"/>
+            </a:fillRef>
+            <a:effectRef idx="0">
+              <a:schemeClr val="accent1"/>
+            </a:effectRef>
+            <a:fontRef idx="minor">
+              <a:schemeClr val="tx1"/>
+            </a:fontRef>
+          </p:style>
+        </p:cxnSp>
+        <mc:AlternateContent xmlns:mc="http://schemas.openxmlformats.org/markup-compatibility/2006">
+          <mc:Choice xmlns:a14="http://schemas.microsoft.com/office/drawing/2010/main" Requires="a14">
+            <p:sp>
+              <p:nvSpPr>
+                <p:cNvPr id="51" name="TextBox 50"/>
+                <p:cNvSpPr txBox="1"/>
+                <p:nvPr/>
+              </p:nvSpPr>
+              <p:spPr>
+                <a:xfrm>
+                  <a:off x="3327047" y="5815152"/>
+                  <a:ext cx="176459" cy="307777"/>
+                </a:xfrm>
+                <a:prstGeom prst="rect">
+                  <a:avLst/>
+                </a:prstGeom>
+                <a:noFill/>
+              </p:spPr>
+              <p:txBody>
+                <a:bodyPr wrap="none" lIns="0" tIns="0" rIns="0" bIns="0" rtlCol="0">
+                  <a:spAutoFit/>
+                </a:bodyPr>
+                <a:lstStyle/>
+                <a:p>
+                  <a:pPr/>
+                  <a14:m>
+                    <m:oMathPara xmlns:m="http://schemas.openxmlformats.org/officeDocument/2006/math">
+                      <m:oMathParaPr>
+                        <m:jc m:val="centerGroup"/>
+                      </m:oMathParaPr>
+                      <m:oMath xmlns:m="http://schemas.openxmlformats.org/officeDocument/2006/math">
+                        <m:r>
+                          <a:rPr lang="en-US" sz="2000" b="0" i="1" smtClean="0">
+                            <a:latin typeface="Cambria Math" panose="02040503050406030204" pitchFamily="18" charset="0"/>
+                            <a:cs typeface="Arial" panose="020B0604020202020204" pitchFamily="34" charset="0"/>
+                          </a:rPr>
+                          <m:t>𝐼</m:t>
+                        </m:r>
+                      </m:oMath>
+                    </m:oMathPara>
+                  </a14:m>
+                  <a:endParaRPr lang="en-US" sz="2000" dirty="0" smtClean="0">
+                    <a:latin typeface="Arial" panose="020B0604020202020204" pitchFamily="34" charset="0"/>
+                    <a:cs typeface="Arial" panose="020B0604020202020204" pitchFamily="34" charset="0"/>
+                  </a:endParaRPr>
+                </a:p>
+              </p:txBody>
+            </p:sp>
+          </mc:Choice>
+          <mc:Fallback>
+            <p:sp>
+              <p:nvSpPr>
+                <p:cNvPr id="51" name="TextBox 50"/>
+                <p:cNvSpPr txBox="1">
+                  <a:spLocks noRot="1" noChangeAspect="1" noMove="1" noResize="1" noEditPoints="1" noAdjustHandles="1" noChangeArrowheads="1" noChangeShapeType="1" noTextEdit="1"/>
+                </p:cNvSpPr>
+                <p:nvPr/>
+              </p:nvSpPr>
+              <p:spPr>
+                <a:xfrm>
+                  <a:off x="3327047" y="5815152"/>
+                  <a:ext cx="176459" cy="307777"/>
+                </a:xfrm>
+                <a:prstGeom prst="rect">
+                  <a:avLst/>
+                </a:prstGeom>
+                <a:blipFill>
+                  <a:blip r:embed="rId32"/>
+                  <a:stretch>
+                    <a:fillRect l="-31034" r="-24138" b="-10000"/>
+                  </a:stretch>
+                </a:blipFill>
+              </p:spPr>
+              <p:txBody>
+                <a:bodyPr/>
+                <a:lstStyle/>
+                <a:p>
+                  <a:r>
+                    <a:rPr lang="en-US">
+                      <a:noFill/>
+                    </a:rPr>
+                    <a:t> </a:t>
+                  </a:r>
+                </a:p>
+              </p:txBody>
+            </p:sp>
+          </mc:Fallback>
+        </mc:AlternateContent>
+        <p:sp>
+          <p:nvSpPr>
+            <p:cNvPr id="5" name="Parallelogram 4"/>
+            <p:cNvSpPr/>
+            <p:nvPr/>
+          </p:nvSpPr>
+          <p:spPr>
+            <a:xfrm>
+              <a:off x="991518" y="4310443"/>
+              <a:ext cx="5520002" cy="1076805"/>
+            </a:xfrm>
+            <a:prstGeom prst="parallelogram">
+              <a:avLst>
+                <a:gd name="adj" fmla="val 182083"/>
+              </a:avLst>
+            </a:prstGeom>
+            <a:solidFill>
+              <a:schemeClr val="bg2"/>
+            </a:solidFill>
+            <a:ln w="38100">
+              <a:solidFill>
+                <a:schemeClr val="tx1"/>
+              </a:solidFill>
+            </a:ln>
+          </p:spPr>
+          <p:style>
+            <a:lnRef idx="2">
+              <a:schemeClr val="accent1">
+                <a:shade val="50000"/>
+              </a:schemeClr>
+            </a:lnRef>
+            <a:fillRef idx="1">
+              <a:schemeClr val="accent1"/>
+            </a:fillRef>
+            <a:effectRef idx="0">
+              <a:schemeClr val="accent1"/>
+            </a:effectRef>
+            <a:fontRef idx="minor">
+              <a:schemeClr val="lt1"/>
+            </a:fontRef>
+          </p:style>
+          <p:txBody>
+            <a:bodyPr rtlCol="0" anchor="ctr"/>
+            <a:lstStyle/>
+            <a:p>
+              <a:pPr algn="ctr"/>
+              <a:endParaRPr lang="en-US"/>
+            </a:p>
+          </p:txBody>
+        </p:sp>
+        <p:cxnSp>
+          <p:nvCxnSpPr>
+            <p:cNvPr id="56" name="Straight Connector 55"/>
+            <p:cNvCxnSpPr/>
+            <p:nvPr/>
+          </p:nvCxnSpPr>
+          <p:spPr>
+            <a:xfrm>
+              <a:off x="3691966" y="4629940"/>
+              <a:ext cx="0" cy="1220017"/>
+            </a:xfrm>
+            <a:prstGeom prst="line">
+              <a:avLst/>
+            </a:prstGeom>
+            <a:ln w="47625">
+              <a:solidFill>
+                <a:schemeClr val="tx1"/>
+              </a:solidFill>
+              <a:prstDash val="sysDash"/>
+            </a:ln>
+          </p:spPr>
+          <p:style>
+            <a:lnRef idx="1">
+              <a:schemeClr val="accent1"/>
+            </a:lnRef>
+            <a:fillRef idx="0">
+              <a:schemeClr val="accent1"/>
+            </a:fillRef>
+            <a:effectRef idx="0">
+              <a:schemeClr val="accent1"/>
+            </a:effectRef>
+            <a:fontRef idx="minor">
+              <a:schemeClr val="tx1"/>
+            </a:fontRef>
+          </p:style>
+        </p:cxnSp>
+        <mc:AlternateContent xmlns:mc="http://schemas.openxmlformats.org/markup-compatibility/2006">
+          <mc:Choice xmlns:a14="http://schemas.microsoft.com/office/drawing/2010/main" Requires="a14">
+            <p:sp>
+              <p:nvSpPr>
+                <p:cNvPr id="32" name="TextBox 31"/>
+                <p:cNvSpPr txBox="1"/>
+                <p:nvPr/>
+              </p:nvSpPr>
+              <p:spPr>
+                <a:xfrm>
+                  <a:off x="4566093" y="4674178"/>
+                  <a:ext cx="245708" cy="345159"/>
+                </a:xfrm>
+                <a:prstGeom prst="rect">
+                  <a:avLst/>
+                </a:prstGeom>
+                <a:noFill/>
+              </p:spPr>
+              <p:txBody>
+                <a:bodyPr wrap="none" lIns="0" tIns="0" rIns="0" bIns="0" rtlCol="0">
+                  <a:spAutoFit/>
+                </a:bodyPr>
+                <a:lstStyle/>
+                <a:p>
+                  <a14:m>
+                    <m:oMathPara xmlns:m="http://schemas.openxmlformats.org/officeDocument/2006/math">
+                      <m:oMathParaPr>
+                        <m:jc m:val="centerGroup"/>
+                      </m:oMathParaPr>
+                      <m:oMath xmlns:m="http://schemas.openxmlformats.org/officeDocument/2006/math">
+                        <m:acc>
+                          <m:accPr>
+                            <m:chr m:val="⃗"/>
+                            <m:ctrlPr>
                               <a:rPr lang="en-US" sz="2000" b="0" i="1" smtClean="0">
+                                <a:solidFill>
+                                  <a:srgbClr val="FF0000"/>
+                                </a:solidFill>
                                 <a:latin typeface="Cambria Math" panose="02040503050406030204" pitchFamily="18" charset="0"/>
                                 <a:cs typeface="Arial" panose="020B0604020202020204" pitchFamily="34" charset="0"/>
                               </a:rPr>
-                              <m:t>𝐼</m:t>
-                            </m:r>
-                          </m:oMath>
-                        </m:oMathPara>
-                      </a14:m>
-                      <a:endParaRPr lang="en-US" sz="2000" dirty="0" smtClean="0">
-                        <a:latin typeface="Arial" panose="020B0604020202020204" pitchFamily="34" charset="0"/>
-                        <a:cs typeface="Arial" panose="020B0604020202020204" pitchFamily="34" charset="0"/>
-                      </a:endParaRPr>
-                    </a:p>
-                  </p:txBody>
-                </p:sp>
-              </mc:Choice>
-              <mc:Fallback>
-                <p:sp>
-                  <p:nvSpPr>
-                    <p:cNvPr id="62" name="TextBox 61"/>
-                    <p:cNvSpPr txBox="1">
-                      <a:spLocks noRot="1" noChangeAspect="1" noMove="1" noResize="1" noEditPoints="1" noAdjustHandles="1" noChangeArrowheads="1" noChangeShapeType="1" noTextEdit="1"/>
-                    </p:cNvSpPr>
-                    <p:nvPr/>
-                  </p:nvSpPr>
-                  <p:spPr>
-                    <a:xfrm>
-                      <a:off x="6742037" y="4031040"/>
-                      <a:ext cx="176459" cy="307777"/>
-                    </a:xfrm>
-                    <a:prstGeom prst="rect">
-                      <a:avLst/>
-                    </a:prstGeom>
-                    <a:blipFill>
-                      <a:blip r:embed="rId6"/>
-                      <a:stretch>
-                        <a:fillRect l="-31034" r="-24138" b="-9804"/>
-                      </a:stretch>
-                    </a:blipFill>
-                  </p:spPr>
-                  <p:txBody>
-                    <a:bodyPr/>
-                    <a:lstStyle/>
-                    <a:p>
-                      <a:r>
-                        <a:rPr lang="en-US">
-                          <a:noFill/>
-                        </a:rPr>
-                        <a:t> </a:t>
-                      </a:r>
-                    </a:p>
-                  </p:txBody>
-                </p:sp>
-              </mc:Fallback>
-            </mc:AlternateContent>
-            <p:cxnSp>
-              <p:nvCxnSpPr>
-                <p:cNvPr id="66" name="Straight Connector 65"/>
-                <p:cNvCxnSpPr/>
-                <p:nvPr/>
-              </p:nvCxnSpPr>
-              <p:spPr>
-                <a:xfrm flipV="1">
-                  <a:off x="7034268" y="2540533"/>
-                  <a:ext cx="2263968" cy="8836"/>
-                </a:xfrm>
-                <a:prstGeom prst="line">
-                  <a:avLst/>
-                </a:prstGeom>
-                <a:ln w="25400">
-                  <a:solidFill>
-                    <a:schemeClr val="tx1"/>
-                  </a:solidFill>
-                  <a:prstDash val="dash"/>
-                </a:ln>
-              </p:spPr>
-              <p:style>
-                <a:lnRef idx="1">
-                  <a:schemeClr val="accent1"/>
-                </a:lnRef>
-                <a:fillRef idx="0">
-                  <a:schemeClr val="accent1"/>
-                </a:fillRef>
-                <a:effectRef idx="0">
-                  <a:schemeClr val="accent1"/>
-                </a:effectRef>
-                <a:fontRef idx="minor">
-                  <a:schemeClr val="tx1"/>
-                </a:fontRef>
-              </p:style>
-            </p:cxnSp>
-            <p:cxnSp>
-              <p:nvCxnSpPr>
-                <p:cNvPr id="181" name="Straight Arrow Connector 180"/>
-                <p:cNvCxnSpPr/>
-                <p:nvPr/>
-              </p:nvCxnSpPr>
-              <p:spPr>
-                <a:xfrm flipV="1">
-                  <a:off x="7006726" y="1400739"/>
-                  <a:ext cx="0" cy="374921"/>
-                </a:xfrm>
-                <a:prstGeom prst="straightConnector1">
-                  <a:avLst/>
-                </a:prstGeom>
-                <a:ln w="44450">
-                  <a:solidFill>
-                    <a:srgbClr val="FF0000"/>
-                  </a:solidFill>
-                  <a:tailEnd type="triangle"/>
-                </a:ln>
-              </p:spPr>
-              <p:style>
-                <a:lnRef idx="1">
-                  <a:schemeClr val="accent1"/>
-                </a:lnRef>
-                <a:fillRef idx="0">
-                  <a:schemeClr val="accent1"/>
-                </a:fillRef>
-                <a:effectRef idx="0">
-                  <a:schemeClr val="accent1"/>
-                </a:effectRef>
-                <a:fontRef idx="minor">
-                  <a:schemeClr val="tx1"/>
-                </a:fontRef>
-              </p:style>
-            </p:cxnSp>
-            <mc:AlternateContent xmlns:mc="http://schemas.openxmlformats.org/markup-compatibility/2006">
-              <mc:Choice xmlns:a14="http://schemas.microsoft.com/office/drawing/2010/main" Requires="a14">
-                <p:sp>
-                  <p:nvSpPr>
-                    <p:cNvPr id="246" name="TextBox 245"/>
-                    <p:cNvSpPr txBox="1"/>
-                    <p:nvPr/>
-                  </p:nvSpPr>
-                  <p:spPr>
-                    <a:xfrm>
-                      <a:off x="6601853" y="1414525"/>
-                      <a:ext cx="317651" cy="353302"/>
-                    </a:xfrm>
-                    <a:prstGeom prst="rect">
-                      <a:avLst/>
-                    </a:prstGeom>
-                    <a:noFill/>
-                  </p:spPr>
-                  <p:txBody>
-                    <a:bodyPr wrap="none" lIns="0" tIns="0" rIns="0" bIns="0" rtlCol="0">
-                      <a:spAutoFit/>
-                    </a:bodyPr>
-                    <a:lstStyle/>
-                    <a:p>
-                      <a14:m>
-                        <m:oMathPara xmlns:m="http://schemas.openxmlformats.org/officeDocument/2006/math">
-                          <m:oMathParaPr>
-                            <m:jc m:val="centerGroup"/>
-                          </m:oMathParaPr>
-                          <m:oMath xmlns:m="http://schemas.openxmlformats.org/officeDocument/2006/math">
+                            </m:ctrlPr>
+                          </m:accPr>
+                          <m:e>
                             <m:r>
                               <a:rPr lang="en-US" sz="2000" b="0" i="1" smtClean="0">
                                 <a:solidFill>
@@ -12744,534 +14870,706 @@
                                 <a:latin typeface="Cambria Math" panose="02040503050406030204" pitchFamily="18" charset="0"/>
                                 <a:cs typeface="Arial" panose="020B0604020202020204" pitchFamily="34" charset="0"/>
                               </a:rPr>
-                              <m:t>𝑑</m:t>
+                              <m:t>𝐵</m:t>
                             </m:r>
-                            <m:acc>
-                              <m:accPr>
-                                <m:chr m:val="⃗"/>
-                                <m:ctrlPr>
-                                  <a:rPr lang="en-US" sz="2000" b="0" i="1" smtClean="0">
-                                    <a:solidFill>
-                                      <a:srgbClr val="FF0000"/>
-                                    </a:solidFill>
-                                    <a:latin typeface="Cambria Math" panose="02040503050406030204" pitchFamily="18" charset="0"/>
-                                    <a:cs typeface="Arial" panose="020B0604020202020204" pitchFamily="34" charset="0"/>
-                                  </a:rPr>
-                                </m:ctrlPr>
-                              </m:accPr>
-                              <m:e>
-                                <m:r>
-                                  <a:rPr lang="en-US" sz="2000" b="0" i="1" smtClean="0">
-                                    <a:solidFill>
-                                      <a:srgbClr val="FF0000"/>
-                                    </a:solidFill>
-                                    <a:latin typeface="Cambria Math" panose="02040503050406030204" pitchFamily="18" charset="0"/>
-                                    <a:cs typeface="Arial" panose="020B0604020202020204" pitchFamily="34" charset="0"/>
-                                  </a:rPr>
-                                  <m:t>𝑙</m:t>
-                                </m:r>
-                              </m:e>
-                            </m:acc>
-                          </m:oMath>
-                        </m:oMathPara>
-                      </a14:m>
-                      <a:endParaRPr lang="en-US" sz="2000" dirty="0" smtClean="0">
-                        <a:solidFill>
-                          <a:srgbClr val="FF0000"/>
-                        </a:solidFill>
-                        <a:latin typeface="Arial" panose="020B0604020202020204" pitchFamily="34" charset="0"/>
-                        <a:cs typeface="Arial" panose="020B0604020202020204" pitchFamily="34" charset="0"/>
-                      </a:endParaRPr>
-                    </a:p>
-                  </p:txBody>
-                </p:sp>
-              </mc:Choice>
-              <mc:Fallback>
-                <p:sp>
-                  <p:nvSpPr>
-                    <p:cNvPr id="246" name="TextBox 245"/>
-                    <p:cNvSpPr txBox="1">
-                      <a:spLocks noRot="1" noChangeAspect="1" noMove="1" noResize="1" noEditPoints="1" noAdjustHandles="1" noChangeArrowheads="1" noChangeShapeType="1" noTextEdit="1"/>
-                    </p:cNvSpPr>
-                    <p:nvPr/>
-                  </p:nvSpPr>
-                  <p:spPr>
-                    <a:xfrm>
-                      <a:off x="6601853" y="1414525"/>
-                      <a:ext cx="317651" cy="353302"/>
-                    </a:xfrm>
-                    <a:prstGeom prst="rect">
-                      <a:avLst/>
-                    </a:prstGeom>
-                    <a:blipFill>
-                      <a:blip r:embed="rId7"/>
-                      <a:stretch>
-                        <a:fillRect l="-17308" t="-32759" r="-103846" b="-8621"/>
-                      </a:stretch>
-                    </a:blipFill>
-                  </p:spPr>
-                  <p:txBody>
-                    <a:bodyPr/>
-                    <a:lstStyle/>
-                    <a:p>
-                      <a:r>
-                        <a:rPr lang="en-US">
-                          <a:noFill/>
-                        </a:rPr>
-                        <a:t> </a:t>
-                      </a:r>
-                    </a:p>
-                  </p:txBody>
-                </p:sp>
-              </mc:Fallback>
-            </mc:AlternateContent>
-            <p:cxnSp>
-              <p:nvCxnSpPr>
-                <p:cNvPr id="72" name="Straight Arrow Connector 71"/>
-                <p:cNvCxnSpPr/>
+                          </m:e>
+                        </m:acc>
+                      </m:oMath>
+                    </m:oMathPara>
+                  </a14:m>
+                  <a:endParaRPr lang="en-US" sz="2000" dirty="0" smtClean="0">
+                    <a:solidFill>
+                      <a:srgbClr val="FF0000"/>
+                    </a:solidFill>
+                    <a:latin typeface="Arial" panose="020B0604020202020204" pitchFamily="34" charset="0"/>
+                    <a:cs typeface="Arial" panose="020B0604020202020204" pitchFamily="34" charset="0"/>
+                  </a:endParaRPr>
+                </a:p>
+              </p:txBody>
+            </p:sp>
+          </mc:Choice>
+          <mc:Fallback>
+            <p:sp>
+              <p:nvSpPr>
+                <p:cNvPr id="32" name="TextBox 31"/>
+                <p:cNvSpPr txBox="1">
+                  <a:spLocks noRot="1" noChangeAspect="1" noMove="1" noResize="1" noEditPoints="1" noAdjustHandles="1" noChangeArrowheads="1" noChangeShapeType="1" noTextEdit="1"/>
+                </p:cNvSpPr>
                 <p:nvPr/>
-              </p:nvCxnSpPr>
+              </p:nvSpPr>
               <p:spPr>
                 <a:xfrm>
-                  <a:off x="7006726" y="1767827"/>
-                  <a:ext cx="2291510" cy="772706"/>
+                  <a:off x="4566093" y="4674178"/>
+                  <a:ext cx="245708" cy="345159"/>
                 </a:xfrm>
-                <a:prstGeom prst="straightConnector1">
+                <a:prstGeom prst="rect">
                   <a:avLst/>
                 </a:prstGeom>
-                <a:ln w="38100">
-                  <a:solidFill>
-                    <a:schemeClr val="tx1"/>
-                  </a:solidFill>
-                  <a:tailEnd type="triangle" w="med" len="med"/>
-                </a:ln>
+                <a:blipFill>
+                  <a:blip r:embed="rId33"/>
+                  <a:stretch>
+                    <a:fillRect l="-20000" r="-22500" b="-8929"/>
+                  </a:stretch>
+                </a:blipFill>
               </p:spPr>
-              <p:style>
-                <a:lnRef idx="1">
-                  <a:schemeClr val="accent1"/>
-                </a:lnRef>
-                <a:fillRef idx="0">
-                  <a:schemeClr val="accent1"/>
-                </a:fillRef>
-                <a:effectRef idx="0">
-                  <a:schemeClr val="accent1"/>
-                </a:effectRef>
-                <a:fontRef idx="minor">
-                  <a:schemeClr val="tx1"/>
-                </a:fontRef>
-              </p:style>
-            </p:cxnSp>
-            <mc:AlternateContent xmlns:mc="http://schemas.openxmlformats.org/markup-compatibility/2006">
-              <mc:Choice xmlns:a14="http://schemas.microsoft.com/office/drawing/2010/main" Requires="a14">
-                <p:sp>
-                  <p:nvSpPr>
-                    <p:cNvPr id="123" name="TextBox 122"/>
-                    <p:cNvSpPr txBox="1"/>
-                    <p:nvPr/>
-                  </p:nvSpPr>
-                  <p:spPr>
-                    <a:xfrm>
-                      <a:off x="7966256" y="1724688"/>
-                      <a:ext cx="198003" cy="307777"/>
-                    </a:xfrm>
-                    <a:prstGeom prst="rect">
-                      <a:avLst/>
-                    </a:prstGeom>
-                    <a:noFill/>
-                  </p:spPr>
-                  <p:txBody>
-                    <a:bodyPr wrap="none" lIns="0" tIns="0" rIns="0" bIns="0" rtlCol="0">
-                      <a:spAutoFit/>
-                    </a:bodyPr>
-                    <a:lstStyle/>
-                    <a:p>
-                      <a14:m>
-                        <m:oMathPara xmlns:m="http://schemas.openxmlformats.org/officeDocument/2006/math">
-                          <m:oMathParaPr>
-                            <m:jc m:val="centerGroup"/>
-                          </m:oMathParaPr>
-                          <m:oMath xmlns:m="http://schemas.openxmlformats.org/officeDocument/2006/math">
-                            <m:acc>
-                              <m:accPr>
-                                <m:chr m:val="⃗"/>
-                                <m:ctrlPr>
-                                  <a:rPr lang="en-US" sz="2000" b="0" i="1" smtClean="0">
-                                    <a:latin typeface="Cambria Math" panose="02040503050406030204" pitchFamily="18" charset="0"/>
-                                    <a:cs typeface="Arial" panose="020B0604020202020204" pitchFamily="34" charset="0"/>
-                                  </a:rPr>
-                                </m:ctrlPr>
-                              </m:accPr>
-                              <m:e>
-                                <m:r>
-                                  <a:rPr lang="en-US" sz="2000" b="0" i="1" smtClean="0">
-                                    <a:latin typeface="Cambria Math" panose="02040503050406030204" pitchFamily="18" charset="0"/>
-                                    <a:cs typeface="Arial" panose="020B0604020202020204" pitchFamily="34" charset="0"/>
-                                  </a:rPr>
-                                  <m:t>𝑟</m:t>
-                                </m:r>
-                              </m:e>
-                            </m:acc>
-                          </m:oMath>
-                        </m:oMathPara>
-                      </a14:m>
-                      <a:endParaRPr lang="en-US" sz="2000" dirty="0" smtClean="0">
-                        <a:latin typeface="Arial" panose="020B0604020202020204" pitchFamily="34" charset="0"/>
-                        <a:cs typeface="Arial" panose="020B0604020202020204" pitchFamily="34" charset="0"/>
-                      </a:endParaRPr>
-                    </a:p>
-                  </p:txBody>
-                </p:sp>
-              </mc:Choice>
-              <mc:Fallback>
-                <p:sp>
-                  <p:nvSpPr>
-                    <p:cNvPr id="123" name="TextBox 122"/>
-                    <p:cNvSpPr txBox="1">
-                      <a:spLocks noRot="1" noChangeAspect="1" noMove="1" noResize="1" noEditPoints="1" noAdjustHandles="1" noChangeArrowheads="1" noChangeShapeType="1" noTextEdit="1"/>
-                    </p:cNvSpPr>
-                    <p:nvPr/>
-                  </p:nvSpPr>
-                  <p:spPr>
-                    <a:xfrm>
-                      <a:off x="7966256" y="1724688"/>
-                      <a:ext cx="198003" cy="307777"/>
-                    </a:xfrm>
-                    <a:prstGeom prst="rect">
-                      <a:avLst/>
-                    </a:prstGeom>
-                    <a:blipFill>
-                      <a:blip r:embed="rId8"/>
-                      <a:stretch>
-                        <a:fillRect l="-31250" t="-36000" r="-96875" b="-6000"/>
-                      </a:stretch>
-                    </a:blipFill>
-                  </p:spPr>
-                  <p:txBody>
-                    <a:bodyPr/>
-                    <a:lstStyle/>
-                    <a:p>
-                      <a:r>
-                        <a:rPr lang="en-US">
-                          <a:noFill/>
-                        </a:rPr>
-                        <a:t> </a:t>
-                      </a:r>
-                    </a:p>
-                  </p:txBody>
-                </p:sp>
-              </mc:Fallback>
-            </mc:AlternateContent>
+              <p:txBody>
+                <a:bodyPr/>
+                <a:lstStyle/>
+                <a:p>
+                  <a:r>
+                    <a:rPr lang="en-US">
+                      <a:noFill/>
+                    </a:rPr>
+                    <a:t> </a:t>
+                  </a:r>
+                </a:p>
+              </p:txBody>
+            </p:sp>
+          </mc:Fallback>
+        </mc:AlternateContent>
+        <p:grpSp>
+          <p:nvGrpSpPr>
+            <p:cNvPr id="85" name="Group 84"/>
+            <p:cNvGrpSpPr/>
+            <p:nvPr/>
+          </p:nvGrpSpPr>
+          <p:grpSpPr>
+            <a:xfrm>
+              <a:off x="3248256" y="4763966"/>
+              <a:ext cx="882650" cy="247348"/>
+              <a:chOff x="9055100" y="3993844"/>
+              <a:chExt cx="882650" cy="247348"/>
+            </a:xfrm>
+          </p:grpSpPr>
+          <p:sp>
+            <p:nvSpPr>
+              <p:cNvPr id="86" name="Oval 85"/>
+              <p:cNvSpPr/>
+              <p:nvPr/>
+            </p:nvSpPr>
+            <p:spPr>
+              <a:xfrm>
+                <a:off x="9055100" y="3993844"/>
+                <a:ext cx="882650" cy="247348"/>
+              </a:xfrm>
+              <a:prstGeom prst="ellipse">
+                <a:avLst/>
+              </a:prstGeom>
+              <a:noFill/>
+              <a:ln w="38100">
+                <a:solidFill>
+                  <a:srgbClr val="FF0000"/>
+                </a:solidFill>
+              </a:ln>
+            </p:spPr>
+            <p:style>
+              <a:lnRef idx="2">
+                <a:schemeClr val="accent1">
+                  <a:shade val="50000"/>
+                </a:schemeClr>
+              </a:lnRef>
+              <a:fillRef idx="1">
+                <a:schemeClr val="accent1"/>
+              </a:fillRef>
+              <a:effectRef idx="0">
+                <a:schemeClr val="accent1"/>
+              </a:effectRef>
+              <a:fontRef idx="minor">
+                <a:schemeClr val="lt1"/>
+              </a:fontRef>
+            </p:style>
+            <p:txBody>
+              <a:bodyPr rtlCol="0" anchor="ctr"/>
+              <a:lstStyle/>
+              <a:p>
+                <a:pPr algn="ctr"/>
+                <a:endParaRPr lang="en-US"/>
+              </a:p>
+            </p:txBody>
+          </p:sp>
+          <p:cxnSp>
+            <p:nvCxnSpPr>
+              <p:cNvPr id="87" name="Straight Arrow Connector 86"/>
+              <p:cNvCxnSpPr/>
+              <p:nvPr/>
+            </p:nvCxnSpPr>
+            <p:spPr>
+              <a:xfrm flipV="1">
+                <a:off x="9703011" y="4205424"/>
+                <a:ext cx="116205" cy="30118"/>
+              </a:xfrm>
+              <a:prstGeom prst="straightConnector1">
+                <a:avLst/>
+              </a:prstGeom>
+              <a:ln w="38100">
+                <a:solidFill>
+                  <a:srgbClr val="FF0000"/>
+                </a:solidFill>
+                <a:tailEnd type="triangle"/>
+              </a:ln>
+            </p:spPr>
+            <p:style>
+              <a:lnRef idx="1">
+                <a:schemeClr val="accent1"/>
+              </a:lnRef>
+              <a:fillRef idx="0">
+                <a:schemeClr val="accent1"/>
+              </a:fillRef>
+              <a:effectRef idx="0">
+                <a:schemeClr val="accent1"/>
+              </a:effectRef>
+              <a:fontRef idx="minor">
+                <a:schemeClr val="tx1"/>
+              </a:fontRef>
+            </p:style>
+          </p:cxnSp>
+        </p:grpSp>
+        <p:grpSp>
+          <p:nvGrpSpPr>
+            <p:cNvPr id="92" name="Group 91"/>
+            <p:cNvGrpSpPr/>
+            <p:nvPr/>
+          </p:nvGrpSpPr>
+          <p:grpSpPr>
+            <a:xfrm>
+              <a:off x="2973211" y="4694384"/>
+              <a:ext cx="1426482" cy="399748"/>
+              <a:chOff x="9055100" y="3993844"/>
+              <a:chExt cx="882650" cy="247348"/>
+            </a:xfrm>
+          </p:grpSpPr>
+          <p:sp>
+            <p:nvSpPr>
+              <p:cNvPr id="93" name="Oval 92"/>
+              <p:cNvSpPr/>
+              <p:nvPr/>
+            </p:nvSpPr>
+            <p:spPr>
+              <a:xfrm>
+                <a:off x="9055100" y="3993844"/>
+                <a:ext cx="882650" cy="247348"/>
+              </a:xfrm>
+              <a:prstGeom prst="ellipse">
+                <a:avLst/>
+              </a:prstGeom>
+              <a:noFill/>
+              <a:ln w="38100">
+                <a:solidFill>
+                  <a:srgbClr val="FF0000"/>
+                </a:solidFill>
+              </a:ln>
+            </p:spPr>
+            <p:style>
+              <a:lnRef idx="2">
+                <a:schemeClr val="accent1">
+                  <a:shade val="50000"/>
+                </a:schemeClr>
+              </a:lnRef>
+              <a:fillRef idx="1">
+                <a:schemeClr val="accent1"/>
+              </a:fillRef>
+              <a:effectRef idx="0">
+                <a:schemeClr val="accent1"/>
+              </a:effectRef>
+              <a:fontRef idx="minor">
+                <a:schemeClr val="lt1"/>
+              </a:fontRef>
+            </p:style>
+            <p:txBody>
+              <a:bodyPr rtlCol="0" anchor="ctr"/>
+              <a:lstStyle/>
+              <a:p>
+                <a:pPr algn="ctr"/>
+                <a:endParaRPr lang="en-US"/>
+              </a:p>
+            </p:txBody>
+          </p:sp>
+          <p:cxnSp>
+            <p:nvCxnSpPr>
+              <p:cNvPr id="94" name="Straight Arrow Connector 93"/>
+              <p:cNvCxnSpPr/>
+              <p:nvPr/>
+            </p:nvCxnSpPr>
+            <p:spPr>
+              <a:xfrm flipV="1">
+                <a:off x="9713401" y="4207939"/>
+                <a:ext cx="58035" cy="19164"/>
+              </a:xfrm>
+              <a:prstGeom prst="straightConnector1">
+                <a:avLst/>
+              </a:prstGeom>
+              <a:ln w="38100">
+                <a:solidFill>
+                  <a:srgbClr val="FF0000"/>
+                </a:solidFill>
+                <a:tailEnd type="triangle"/>
+              </a:ln>
+            </p:spPr>
+            <p:style>
+              <a:lnRef idx="1">
+                <a:schemeClr val="accent1"/>
+              </a:lnRef>
+              <a:fillRef idx="0">
+                <a:schemeClr val="accent1"/>
+              </a:fillRef>
+              <a:effectRef idx="0">
+                <a:schemeClr val="accent1"/>
+              </a:effectRef>
+              <a:fontRef idx="minor">
+                <a:schemeClr val="tx1"/>
+              </a:fontRef>
+            </p:style>
+          </p:cxnSp>
+        </p:grpSp>
+        <p:grpSp>
+          <p:nvGrpSpPr>
+            <p:cNvPr id="95" name="Group 94"/>
+            <p:cNvGrpSpPr/>
+            <p:nvPr/>
+          </p:nvGrpSpPr>
+          <p:grpSpPr>
+            <a:xfrm>
+              <a:off x="2308574" y="4487686"/>
+              <a:ext cx="2784550" cy="780324"/>
+              <a:chOff x="9055100" y="3993844"/>
+              <a:chExt cx="882650" cy="247348"/>
+            </a:xfrm>
+          </p:grpSpPr>
+          <p:sp>
+            <p:nvSpPr>
+              <p:cNvPr id="96" name="Oval 95"/>
+              <p:cNvSpPr/>
+              <p:nvPr/>
+            </p:nvSpPr>
+            <p:spPr>
+              <a:xfrm>
+                <a:off x="9055100" y="3993844"/>
+                <a:ext cx="882650" cy="247348"/>
+              </a:xfrm>
+              <a:prstGeom prst="ellipse">
+                <a:avLst/>
+              </a:prstGeom>
+              <a:noFill/>
+              <a:ln w="38100">
+                <a:solidFill>
+                  <a:srgbClr val="FF0000"/>
+                </a:solidFill>
+              </a:ln>
+            </p:spPr>
+            <p:style>
+              <a:lnRef idx="2">
+                <a:schemeClr val="accent1">
+                  <a:shade val="50000"/>
+                </a:schemeClr>
+              </a:lnRef>
+              <a:fillRef idx="1">
+                <a:schemeClr val="accent1"/>
+              </a:fillRef>
+              <a:effectRef idx="0">
+                <a:schemeClr val="accent1"/>
+              </a:effectRef>
+              <a:fontRef idx="minor">
+                <a:schemeClr val="lt1"/>
+              </a:fontRef>
+            </p:style>
+            <p:txBody>
+              <a:bodyPr rtlCol="0" anchor="ctr"/>
+              <a:lstStyle/>
+              <a:p>
+                <a:pPr algn="ctr"/>
+                <a:endParaRPr lang="en-US"/>
+              </a:p>
+            </p:txBody>
+          </p:sp>
+          <p:cxnSp>
+            <p:nvCxnSpPr>
+              <p:cNvPr id="97" name="Straight Arrow Connector 96"/>
+              <p:cNvCxnSpPr/>
+              <p:nvPr/>
+            </p:nvCxnSpPr>
+            <p:spPr>
+              <a:xfrm flipV="1">
+                <a:off x="9700977" y="4216702"/>
+                <a:ext cx="42125" cy="12669"/>
+              </a:xfrm>
+              <a:prstGeom prst="straightConnector1">
+                <a:avLst/>
+              </a:prstGeom>
+              <a:ln w="38100">
+                <a:solidFill>
+                  <a:srgbClr val="FF0000"/>
+                </a:solidFill>
+                <a:tailEnd type="triangle"/>
+              </a:ln>
+            </p:spPr>
+            <p:style>
+              <a:lnRef idx="1">
+                <a:schemeClr val="accent1"/>
+              </a:lnRef>
+              <a:fillRef idx="0">
+                <a:schemeClr val="accent1"/>
+              </a:fillRef>
+              <a:effectRef idx="0">
+                <a:schemeClr val="accent1"/>
+              </a:effectRef>
+              <a:fontRef idx="minor">
+                <a:schemeClr val="tx1"/>
+              </a:fontRef>
+            </p:style>
+          </p:cxnSp>
+        </p:grpSp>
+        <p:grpSp>
+          <p:nvGrpSpPr>
+            <p:cNvPr id="98" name="Group 97"/>
+            <p:cNvGrpSpPr/>
+            <p:nvPr/>
+          </p:nvGrpSpPr>
+          <p:grpSpPr>
+            <a:xfrm>
+              <a:off x="3465060" y="4829079"/>
+              <a:ext cx="442783" cy="124086"/>
+              <a:chOff x="9055100" y="3993838"/>
+              <a:chExt cx="882650" cy="247354"/>
+            </a:xfrm>
+          </p:grpSpPr>
+          <p:sp>
+            <p:nvSpPr>
+              <p:cNvPr id="99" name="Oval 98"/>
+              <p:cNvSpPr/>
+              <p:nvPr/>
+            </p:nvSpPr>
+            <p:spPr>
+              <a:xfrm>
+                <a:off x="9055100" y="3993838"/>
+                <a:ext cx="882650" cy="247348"/>
+              </a:xfrm>
+              <a:prstGeom prst="ellipse">
+                <a:avLst/>
+              </a:prstGeom>
+              <a:noFill/>
+              <a:ln w="38100">
+                <a:solidFill>
+                  <a:srgbClr val="FF0000"/>
+                </a:solidFill>
+              </a:ln>
+            </p:spPr>
+            <p:style>
+              <a:lnRef idx="2">
+                <a:schemeClr val="accent1">
+                  <a:shade val="50000"/>
+                </a:schemeClr>
+              </a:lnRef>
+              <a:fillRef idx="1">
+                <a:schemeClr val="accent1"/>
+              </a:fillRef>
+              <a:effectRef idx="0">
+                <a:schemeClr val="accent1"/>
+              </a:effectRef>
+              <a:fontRef idx="minor">
+                <a:schemeClr val="lt1"/>
+              </a:fontRef>
+            </p:style>
+            <p:txBody>
+              <a:bodyPr rtlCol="0" anchor="ctr"/>
+              <a:lstStyle/>
+              <a:p>
+                <a:pPr algn="ctr"/>
+                <a:endParaRPr lang="en-US"/>
+              </a:p>
+            </p:txBody>
+          </p:sp>
+          <p:cxnSp>
+            <p:nvCxnSpPr>
+              <p:cNvPr id="100" name="Straight Arrow Connector 99"/>
+              <p:cNvCxnSpPr/>
+              <p:nvPr/>
+            </p:nvCxnSpPr>
+            <p:spPr>
+              <a:xfrm flipV="1">
+                <a:off x="9631680" y="4211074"/>
+                <a:ext cx="116205" cy="30118"/>
+              </a:xfrm>
+              <a:prstGeom prst="straightConnector1">
+                <a:avLst/>
+              </a:prstGeom>
+              <a:ln w="38100">
+                <a:solidFill>
+                  <a:srgbClr val="FF0000"/>
+                </a:solidFill>
+                <a:tailEnd type="triangle"/>
+              </a:ln>
+            </p:spPr>
+            <p:style>
+              <a:lnRef idx="1">
+                <a:schemeClr val="accent1"/>
+              </a:lnRef>
+              <a:fillRef idx="0">
+                <a:schemeClr val="accent1"/>
+              </a:fillRef>
+              <a:effectRef idx="0">
+                <a:schemeClr val="accent1"/>
+              </a:effectRef>
+              <a:fontRef idx="minor">
+                <a:schemeClr val="tx1"/>
+              </a:fontRef>
+            </p:style>
+          </p:cxnSp>
+        </p:grpSp>
+        <p:cxnSp>
+          <p:nvCxnSpPr>
+            <p:cNvPr id="52" name="Straight Connector 51"/>
+            <p:cNvCxnSpPr/>
+            <p:nvPr/>
+          </p:nvCxnSpPr>
+          <p:spPr>
+            <a:xfrm>
+              <a:off x="3691966" y="2972743"/>
+              <a:ext cx="291" cy="1888464"/>
+            </a:xfrm>
+            <a:prstGeom prst="line">
+              <a:avLst/>
+            </a:prstGeom>
+            <a:ln w="47625">
+              <a:solidFill>
+                <a:schemeClr val="tx1"/>
+              </a:solidFill>
+            </a:ln>
+          </p:spPr>
+          <p:style>
+            <a:lnRef idx="1">
+              <a:schemeClr val="accent1"/>
+            </a:lnRef>
+            <a:fillRef idx="0">
+              <a:schemeClr val="accent1"/>
+            </a:fillRef>
+            <a:effectRef idx="0">
+              <a:schemeClr val="accent1"/>
+            </a:effectRef>
+            <a:fontRef idx="minor">
+              <a:schemeClr val="tx1"/>
+            </a:fontRef>
+          </p:style>
+        </p:cxnSp>
+      </p:grpSp>
+    </p:spTree>
+    <p:extLst>
+      <p:ext uri="{BB962C8B-B14F-4D97-AF65-F5344CB8AC3E}">
+        <p14:creationId xmlns:p14="http://schemas.microsoft.com/office/powerpoint/2010/main" val="4078106684"/>
+      </p:ext>
+    </p:extLst>
+  </p:cSld>
+  <p:clrMapOvr>
+    <a:masterClrMapping/>
+  </p:clrMapOvr>
+</p:sld>
+</file>
+
+<file path=ppt/slides/slide3.xml><?xml version="1.0" encoding="utf-8"?>
+<p:sld xmlns:a="http://schemas.openxmlformats.org/drawingml/2006/main" xmlns:r="http://schemas.openxmlformats.org/officeDocument/2006/relationships" xmlns:p="http://schemas.openxmlformats.org/presentationml/2006/main">
+  <p:cSld>
+    <p:spTree>
+      <p:nvGrpSpPr>
+        <p:cNvPr id="1" name=""/>
+        <p:cNvGrpSpPr/>
+        <p:nvPr/>
+      </p:nvGrpSpPr>
+      <p:grpSpPr>
+        <a:xfrm>
+          <a:off x="0" y="0"/>
+          <a:ext cx="0" cy="0"/>
+          <a:chOff x="0" y="0"/>
+          <a:chExt cx="0" cy="0"/>
+        </a:xfrm>
+      </p:grpSpPr>
+      <p:grpSp>
+        <p:nvGrpSpPr>
+          <p:cNvPr id="76" name="Group 75"/>
+          <p:cNvGrpSpPr/>
+          <p:nvPr/>
+        </p:nvGrpSpPr>
+        <p:grpSpPr>
+          <a:xfrm>
+            <a:off x="207634" y="506777"/>
+            <a:ext cx="4827705" cy="4111946"/>
+            <a:chOff x="405937" y="716098"/>
+            <a:chExt cx="4827705" cy="4111946"/>
+          </a:xfrm>
+        </p:grpSpPr>
+        <p:grpSp>
+          <p:nvGrpSpPr>
+            <p:cNvPr id="73" name="Group 72"/>
+            <p:cNvGrpSpPr/>
+            <p:nvPr/>
+          </p:nvGrpSpPr>
+          <p:grpSpPr>
+            <a:xfrm>
+              <a:off x="405937" y="716098"/>
+              <a:ext cx="4827705" cy="4111946"/>
+              <a:chOff x="4812684" y="2192358"/>
+              <a:chExt cx="4827705" cy="4111946"/>
+            </a:xfrm>
+          </p:grpSpPr>
+          <p:cxnSp>
+            <p:nvCxnSpPr>
+              <p:cNvPr id="58" name="Straight Connector 57"/>
+              <p:cNvCxnSpPr/>
+              <p:nvPr/>
+            </p:nvCxnSpPr>
+            <p:spPr>
+              <a:xfrm>
+                <a:off x="5026273" y="4084959"/>
+                <a:ext cx="4354285" cy="599030"/>
+              </a:xfrm>
+              <a:prstGeom prst="line">
+                <a:avLst/>
+              </a:prstGeom>
+              <a:ln w="38100">
+                <a:solidFill>
+                  <a:srgbClr val="FF0000"/>
+                </a:solidFill>
+              </a:ln>
+            </p:spPr>
+            <p:style>
+              <a:lnRef idx="1">
+                <a:schemeClr val="accent1"/>
+              </a:lnRef>
+              <a:fillRef idx="0">
+                <a:schemeClr val="accent1"/>
+              </a:fillRef>
+              <a:effectRef idx="0">
+                <a:schemeClr val="accent1"/>
+              </a:effectRef>
+              <a:fontRef idx="minor">
+                <a:schemeClr val="tx1"/>
+              </a:fontRef>
+            </p:style>
+          </p:cxnSp>
+          <p:sp>
+            <p:nvSpPr>
+              <p:cNvPr id="63" name="Freeform 62"/>
+              <p:cNvSpPr/>
+              <p:nvPr/>
+            </p:nvSpPr>
+            <p:spPr>
+              <a:xfrm>
+                <a:off x="5434149" y="3683726"/>
+                <a:ext cx="4206240" cy="736147"/>
+              </a:xfrm>
+              <a:custGeom>
+                <a:avLst/>
+                <a:gdLst>
+                  <a:gd name="connsiteX0" fmla="*/ 0 w 4206240"/>
+                  <a:gd name="connsiteY0" fmla="*/ 0 h 736147"/>
+                  <a:gd name="connsiteX1" fmla="*/ 801188 w 4206240"/>
+                  <a:gd name="connsiteY1" fmla="*/ 435428 h 736147"/>
+                  <a:gd name="connsiteX2" fmla="*/ 3169920 w 4206240"/>
+                  <a:gd name="connsiteY2" fmla="*/ 722811 h 736147"/>
+                  <a:gd name="connsiteX3" fmla="*/ 4206240 w 4206240"/>
+                  <a:gd name="connsiteY3" fmla="*/ 661851 h 736147"/>
+                </a:gdLst>
+                <a:ahLst/>
+                <a:cxnLst>
+                  <a:cxn ang="0">
+                    <a:pos x="connsiteX0" y="connsiteY0"/>
+                  </a:cxn>
+                  <a:cxn ang="0">
+                    <a:pos x="connsiteX1" y="connsiteY1"/>
+                  </a:cxn>
+                  <a:cxn ang="0">
+                    <a:pos x="connsiteX2" y="connsiteY2"/>
+                  </a:cxn>
+                  <a:cxn ang="0">
+                    <a:pos x="connsiteX3" y="connsiteY3"/>
+                  </a:cxn>
+                </a:cxnLst>
+                <a:rect l="l" t="t" r="r" b="b"/>
+                <a:pathLst>
+                  <a:path w="4206240" h="736147">
+                    <a:moveTo>
+                      <a:pt x="0" y="0"/>
+                    </a:moveTo>
+                    <a:cubicBezTo>
+                      <a:pt x="136434" y="157480"/>
+                      <a:pt x="272868" y="314960"/>
+                      <a:pt x="801188" y="435428"/>
+                    </a:cubicBezTo>
+                    <a:cubicBezTo>
+                      <a:pt x="1329508" y="555897"/>
+                      <a:pt x="2602411" y="685074"/>
+                      <a:pt x="3169920" y="722811"/>
+                    </a:cubicBezTo>
+                    <a:cubicBezTo>
+                      <a:pt x="3737429" y="760548"/>
+                      <a:pt x="3971834" y="711199"/>
+                      <a:pt x="4206240" y="661851"/>
+                    </a:cubicBezTo>
+                  </a:path>
+                </a:pathLst>
+              </a:custGeom>
+              <a:noFill/>
+              <a:ln w="38100">
+                <a:solidFill>
+                  <a:srgbClr val="FF0000"/>
+                </a:solidFill>
+              </a:ln>
+            </p:spPr>
+            <p:style>
+              <a:lnRef idx="2">
+                <a:schemeClr val="accent1">
+                  <a:shade val="50000"/>
+                </a:schemeClr>
+              </a:lnRef>
+              <a:fillRef idx="1">
+                <a:schemeClr val="accent1"/>
+              </a:fillRef>
+              <a:effectRef idx="0">
+                <a:schemeClr val="accent1"/>
+              </a:effectRef>
+              <a:fontRef idx="minor">
+                <a:schemeClr val="lt1"/>
+              </a:fontRef>
+            </p:style>
+            <p:txBody>
+              <a:bodyPr rtlCol="0" anchor="ctr"/>
+              <a:lstStyle/>
+              <a:p>
+                <a:pPr algn="ctr"/>
+                <a:endParaRPr lang="en-US"/>
+              </a:p>
+            </p:txBody>
+          </p:sp>
+          <p:grpSp>
+            <p:nvGrpSpPr>
+              <p:cNvPr id="3" name="Group 2"/>
+              <p:cNvGrpSpPr/>
+              <p:nvPr/>
+            </p:nvGrpSpPr>
+            <p:grpSpPr>
+              <a:xfrm>
+                <a:off x="6378766" y="2192358"/>
+                <a:ext cx="1027180" cy="4111946"/>
+                <a:chOff x="9831571" y="1558741"/>
+                <a:chExt cx="504586" cy="3062177"/>
+              </a:xfrm>
+            </p:grpSpPr>
             <p:sp>
               <p:nvSpPr>
-                <p:cNvPr id="247" name="Multiply 246"/>
+                <p:cNvPr id="5" name="Arc 4"/>
                 <p:cNvSpPr/>
                 <p:nvPr/>
               </p:nvSpPr>
               <p:spPr>
                 <a:xfrm>
-                  <a:off x="9136243" y="2327312"/>
-                  <a:ext cx="427838" cy="393376"/>
-                </a:xfrm>
-                <a:prstGeom prst="mathMultiply">
-                  <a:avLst>
-                    <a:gd name="adj1" fmla="val 3701"/>
-                  </a:avLst>
-                </a:prstGeom>
-                <a:solidFill>
-                  <a:schemeClr val="tx1"/>
-                </a:solidFill>
-                <a:ln w="38100">
-                  <a:solidFill>
-                    <a:schemeClr val="tx1"/>
-                  </a:solidFill>
-                </a:ln>
-              </p:spPr>
-              <p:style>
-                <a:lnRef idx="2">
-                  <a:schemeClr val="accent1">
-                    <a:shade val="50000"/>
-                  </a:schemeClr>
-                </a:lnRef>
-                <a:fillRef idx="1">
-                  <a:schemeClr val="accent1"/>
-                </a:fillRef>
-                <a:effectRef idx="0">
-                  <a:schemeClr val="accent1"/>
-                </a:effectRef>
-                <a:fontRef idx="minor">
-                  <a:schemeClr val="lt1"/>
-                </a:fontRef>
-              </p:style>
-              <p:txBody>
-                <a:bodyPr rtlCol="0" anchor="ctr"/>
-                <a:lstStyle/>
-                <a:p>
-                  <a:pPr algn="ctr"/>
-                  <a:endParaRPr lang="en-US"/>
-                </a:p>
-              </p:txBody>
-            </p:sp>
-            <mc:AlternateContent xmlns:mc="http://schemas.openxmlformats.org/markup-compatibility/2006">
-              <mc:Choice xmlns:a14="http://schemas.microsoft.com/office/drawing/2010/main" Requires="a14">
-                <p:sp>
-                  <p:nvSpPr>
-                    <p:cNvPr id="248" name="TextBox 247"/>
-                    <p:cNvSpPr txBox="1"/>
-                    <p:nvPr/>
-                  </p:nvSpPr>
-                  <p:spPr>
-                    <a:xfrm>
-                      <a:off x="9178889" y="2019040"/>
-                      <a:ext cx="2261709" cy="345159"/>
-                    </a:xfrm>
-                    <a:prstGeom prst="rect">
-                      <a:avLst/>
-                    </a:prstGeom>
-                    <a:noFill/>
-                  </p:spPr>
-                  <p:txBody>
-                    <a:bodyPr wrap="none" lIns="0" tIns="0" rIns="0" bIns="0" rtlCol="0">
-                      <a:spAutoFit/>
-                    </a:bodyPr>
-                    <a:lstStyle/>
-                    <a:p>
-                      <a14:m>
-                        <m:oMathPara xmlns:m="http://schemas.openxmlformats.org/officeDocument/2006/math">
-                          <m:oMathParaPr>
-                            <m:jc m:val="centerGroup"/>
-                          </m:oMathParaPr>
-                          <m:oMath xmlns:m="http://schemas.openxmlformats.org/officeDocument/2006/math">
-                            <m:r>
-                              <a:rPr lang="en-US" sz="2000" b="0" i="1" smtClean="0">
-                                <a:latin typeface="Cambria Math" panose="02040503050406030204" pitchFamily="18" charset="0"/>
-                                <a:cs typeface="Arial" panose="020B0604020202020204" pitchFamily="34" charset="0"/>
-                              </a:rPr>
-                              <m:t>𝑑</m:t>
-                            </m:r>
-                            <m:acc>
-                              <m:accPr>
-                                <m:chr m:val="⃗"/>
-                                <m:ctrlPr>
-                                  <a:rPr lang="en-US" sz="2000" b="0" i="1" smtClean="0">
-                                    <a:latin typeface="Cambria Math" panose="02040503050406030204" pitchFamily="18" charset="0"/>
-                                    <a:cs typeface="Arial" panose="020B0604020202020204" pitchFamily="34" charset="0"/>
-                                  </a:rPr>
-                                </m:ctrlPr>
-                              </m:accPr>
-                              <m:e>
-                                <m:r>
-                                  <a:rPr lang="en-US" sz="2000" b="0" i="1" smtClean="0">
-                                    <a:latin typeface="Cambria Math" panose="02040503050406030204" pitchFamily="18" charset="0"/>
-                                    <a:cs typeface="Arial" panose="020B0604020202020204" pitchFamily="34" charset="0"/>
-                                  </a:rPr>
-                                  <m:t>𝐵</m:t>
-                                </m:r>
-                              </m:e>
-                            </m:acc>
-                            <m:r>
-                              <a:rPr lang="en-US" sz="2000" b="0" i="1" smtClean="0">
-                                <a:latin typeface="Cambria Math" panose="02040503050406030204" pitchFamily="18" charset="0"/>
-                                <a:cs typeface="Arial" panose="020B0604020202020204" pitchFamily="34" charset="0"/>
-                              </a:rPr>
-                              <m:t>  (</m:t>
-                            </m:r>
-                            <m:r>
-                              <a:rPr lang="en-US" sz="2000" b="0" i="1" smtClean="0">
-                                <a:latin typeface="Cambria Math" panose="02040503050406030204" pitchFamily="18" charset="0"/>
-                                <a:cs typeface="Arial" panose="020B0604020202020204" pitchFamily="34" charset="0"/>
-                              </a:rPr>
-                              <m:t>𝑖𝑛𝑡𝑜</m:t>
-                            </m:r>
-                            <m:r>
-                              <a:rPr lang="en-US" sz="2000" b="0" i="1" smtClean="0">
-                                <a:latin typeface="Cambria Math" panose="02040503050406030204" pitchFamily="18" charset="0"/>
-                                <a:cs typeface="Arial" panose="020B0604020202020204" pitchFamily="34" charset="0"/>
-                              </a:rPr>
-                              <m:t> </m:t>
-                            </m:r>
-                            <m:r>
-                              <a:rPr lang="en-US" sz="2000" b="0" i="1" smtClean="0">
-                                <a:latin typeface="Cambria Math" panose="02040503050406030204" pitchFamily="18" charset="0"/>
-                                <a:cs typeface="Arial" panose="020B0604020202020204" pitchFamily="34" charset="0"/>
-                              </a:rPr>
-                              <m:t>𝑡h𝑒</m:t>
-                            </m:r>
-                            <m:r>
-                              <a:rPr lang="en-US" sz="2000" b="0" i="1" smtClean="0">
-                                <a:latin typeface="Cambria Math" panose="02040503050406030204" pitchFamily="18" charset="0"/>
-                                <a:cs typeface="Arial" panose="020B0604020202020204" pitchFamily="34" charset="0"/>
-                              </a:rPr>
-                              <m:t> </m:t>
-                            </m:r>
-                            <m:r>
-                              <a:rPr lang="en-US" sz="2000" b="0" i="1" smtClean="0">
-                                <a:latin typeface="Cambria Math" panose="02040503050406030204" pitchFamily="18" charset="0"/>
-                                <a:cs typeface="Arial" panose="020B0604020202020204" pitchFamily="34" charset="0"/>
-                              </a:rPr>
-                              <m:t>𝑝𝑎𝑔𝑒</m:t>
-                            </m:r>
-                            <m:r>
-                              <a:rPr lang="en-US" sz="2000" b="0" i="1" smtClean="0">
-                                <a:latin typeface="Cambria Math" panose="02040503050406030204" pitchFamily="18" charset="0"/>
-                                <a:cs typeface="Arial" panose="020B0604020202020204" pitchFamily="34" charset="0"/>
-                              </a:rPr>
-                              <m:t>)</m:t>
-                            </m:r>
-                          </m:oMath>
-                        </m:oMathPara>
-                      </a14:m>
-                      <a:endParaRPr lang="en-US" sz="2000" dirty="0" smtClean="0">
-                        <a:latin typeface="Arial" panose="020B0604020202020204" pitchFamily="34" charset="0"/>
-                        <a:cs typeface="Arial" panose="020B0604020202020204" pitchFamily="34" charset="0"/>
-                      </a:endParaRPr>
-                    </a:p>
-                  </p:txBody>
-                </p:sp>
-              </mc:Choice>
-              <mc:Fallback>
-                <p:sp>
-                  <p:nvSpPr>
-                    <p:cNvPr id="248" name="TextBox 247"/>
-                    <p:cNvSpPr txBox="1">
-                      <a:spLocks noRot="1" noChangeAspect="1" noMove="1" noResize="1" noEditPoints="1" noAdjustHandles="1" noChangeArrowheads="1" noChangeShapeType="1" noTextEdit="1"/>
-                    </p:cNvSpPr>
-                    <p:nvPr/>
-                  </p:nvSpPr>
-                  <p:spPr>
-                    <a:xfrm>
-                      <a:off x="9178889" y="2019040"/>
-                      <a:ext cx="2261709" cy="345159"/>
-                    </a:xfrm>
-                    <a:prstGeom prst="rect">
-                      <a:avLst/>
-                    </a:prstGeom>
-                    <a:blipFill>
-                      <a:blip r:embed="rId9"/>
-                      <a:stretch>
-                        <a:fillRect l="-2156" r="-3235" b="-33333"/>
-                      </a:stretch>
-                    </a:blipFill>
-                  </p:spPr>
-                  <p:txBody>
-                    <a:bodyPr/>
-                    <a:lstStyle/>
-                    <a:p>
-                      <a:r>
-                        <a:rPr lang="en-US">
-                          <a:noFill/>
-                        </a:rPr>
-                        <a:t> </a:t>
-                      </a:r>
-                    </a:p>
-                  </p:txBody>
-                </p:sp>
-              </mc:Fallback>
-            </mc:AlternateContent>
-            <mc:AlternateContent xmlns:mc="http://schemas.openxmlformats.org/markup-compatibility/2006">
-              <mc:Choice xmlns:a14="http://schemas.microsoft.com/office/drawing/2010/main" Requires="a14">
-                <p:sp>
-                  <p:nvSpPr>
-                    <p:cNvPr id="124" name="TextBox 123"/>
-                    <p:cNvSpPr txBox="1"/>
-                    <p:nvPr/>
-                  </p:nvSpPr>
-                  <p:spPr>
-                    <a:xfrm>
-                      <a:off x="7726586" y="2603686"/>
-                      <a:ext cx="217560" cy="307777"/>
-                    </a:xfrm>
-                    <a:prstGeom prst="rect">
-                      <a:avLst/>
-                    </a:prstGeom>
-                    <a:noFill/>
-                  </p:spPr>
-                  <p:txBody>
-                    <a:bodyPr wrap="none" lIns="0" tIns="0" rIns="0" bIns="0" rtlCol="0">
-                      <a:spAutoFit/>
-                    </a:bodyPr>
-                    <a:lstStyle/>
-                    <a:p>
-                      <a14:m>
-                        <m:oMathPara xmlns:m="http://schemas.openxmlformats.org/officeDocument/2006/math">
-                          <m:oMathParaPr>
-                            <m:jc m:val="centerGroup"/>
-                          </m:oMathParaPr>
-                          <m:oMath xmlns:m="http://schemas.openxmlformats.org/officeDocument/2006/math">
-                            <m:r>
-                              <a:rPr lang="en-US" sz="2000" b="0" i="1" smtClean="0">
-                                <a:latin typeface="Cambria Math" panose="02040503050406030204" pitchFamily="18" charset="0"/>
-                                <a:cs typeface="Arial" panose="020B0604020202020204" pitchFamily="34" charset="0"/>
-                              </a:rPr>
-                              <m:t>h</m:t>
-                            </m:r>
-                          </m:oMath>
-                        </m:oMathPara>
-                      </a14:m>
-                      <a:endParaRPr lang="en-US" sz="2000" dirty="0" smtClean="0">
-                        <a:latin typeface="Arial" panose="020B0604020202020204" pitchFamily="34" charset="0"/>
-                        <a:cs typeface="Arial" panose="020B0604020202020204" pitchFamily="34" charset="0"/>
-                      </a:endParaRPr>
-                    </a:p>
-                  </p:txBody>
-                </p:sp>
-              </mc:Choice>
-              <mc:Fallback>
-                <p:sp>
-                  <p:nvSpPr>
-                    <p:cNvPr id="124" name="TextBox 123"/>
-                    <p:cNvSpPr txBox="1">
-                      <a:spLocks noRot="1" noChangeAspect="1" noMove="1" noResize="1" noEditPoints="1" noAdjustHandles="1" noChangeArrowheads="1" noChangeShapeType="1" noTextEdit="1"/>
-                    </p:cNvSpPr>
-                    <p:nvPr/>
-                  </p:nvSpPr>
-                  <p:spPr>
-                    <a:xfrm>
-                      <a:off x="7726586" y="2603686"/>
-                      <a:ext cx="217560" cy="307777"/>
-                    </a:xfrm>
-                    <a:prstGeom prst="rect">
-                      <a:avLst/>
-                    </a:prstGeom>
-                    <a:blipFill>
-                      <a:blip r:embed="rId10"/>
-                      <a:stretch>
-                        <a:fillRect l="-25000" r="-22222" b="-9804"/>
-                      </a:stretch>
-                    </a:blipFill>
-                  </p:spPr>
-                  <p:txBody>
-                    <a:bodyPr/>
-                    <a:lstStyle/>
-                    <a:p>
-                      <a:r>
-                        <a:rPr lang="en-US">
-                          <a:noFill/>
-                        </a:rPr>
-                        <a:t> </a:t>
-                      </a:r>
-                    </a:p>
-                  </p:txBody>
-                </p:sp>
-              </mc:Fallback>
-            </mc:AlternateContent>
-            <p:sp>
-              <p:nvSpPr>
-                <p:cNvPr id="125" name="Arc 124"/>
-                <p:cNvSpPr/>
-                <p:nvPr/>
-              </p:nvSpPr>
-              <p:spPr>
-                <a:xfrm>
-                  <a:off x="8509865" y="2270881"/>
-                  <a:ext cx="308278" cy="561338"/>
+                  <a:off x="9831571" y="1569374"/>
+                  <a:ext cx="481549" cy="3051544"/>
                 </a:xfrm>
                 <a:prstGeom prst="arc">
                   <a:avLst>
-                    <a:gd name="adj1" fmla="val 11309349"/>
-                    <a:gd name="adj2" fmla="val 15243741"/>
+                    <a:gd name="adj1" fmla="val 5305153"/>
+                    <a:gd name="adj2" fmla="val 16224316"/>
                   </a:avLst>
                 </a:prstGeom>
-                <a:ln w="38100">
+                <a:ln w="50800">
                   <a:solidFill>
                     <a:schemeClr val="tx1"/>
                   </a:solidFill>
@@ -13300,233 +15598,24 @@
                 </a:p>
               </p:txBody>
             </p:sp>
-            <mc:AlternateContent xmlns:mc="http://schemas.openxmlformats.org/markup-compatibility/2006">
-              <mc:Choice xmlns:a14="http://schemas.microsoft.com/office/drawing/2010/main" Requires="a14">
-                <p:sp>
-                  <p:nvSpPr>
-                    <p:cNvPr id="126" name="TextBox 125"/>
-                    <p:cNvSpPr txBox="1"/>
-                    <p:nvPr/>
-                  </p:nvSpPr>
-                  <p:spPr>
-                    <a:xfrm>
-                      <a:off x="8238823" y="2237174"/>
-                      <a:ext cx="222304" cy="307777"/>
-                    </a:xfrm>
-                    <a:prstGeom prst="rect">
-                      <a:avLst/>
-                    </a:prstGeom>
-                    <a:noFill/>
-                  </p:spPr>
-                  <p:txBody>
-                    <a:bodyPr wrap="none" lIns="0" tIns="0" rIns="0" bIns="0" rtlCol="0">
-                      <a:spAutoFit/>
-                    </a:bodyPr>
-                    <a:lstStyle/>
-                    <a:p>
-                      <a14:m>
-                        <m:oMathPara xmlns:m="http://schemas.openxmlformats.org/officeDocument/2006/math">
-                          <m:oMathParaPr>
-                            <m:jc m:val="centerGroup"/>
-                          </m:oMathParaPr>
-                          <m:oMath xmlns:m="http://schemas.openxmlformats.org/officeDocument/2006/math">
-                            <m:r>
-                              <a:rPr lang="en-US" sz="2000" b="0" i="1" smtClean="0">
-                                <a:latin typeface="Cambria Math" panose="02040503050406030204" pitchFamily="18" charset="0"/>
-                                <a:cs typeface="Arial" panose="020B0604020202020204" pitchFamily="34" charset="0"/>
-                              </a:rPr>
-                              <m:t>𝜃</m:t>
-                            </m:r>
-                          </m:oMath>
-                        </m:oMathPara>
-                      </a14:m>
-                      <a:endParaRPr lang="en-US" sz="2000" dirty="0" smtClean="0">
-                        <a:latin typeface="Arial" panose="020B0604020202020204" pitchFamily="34" charset="0"/>
-                        <a:cs typeface="Arial" panose="020B0604020202020204" pitchFamily="34" charset="0"/>
-                      </a:endParaRPr>
-                    </a:p>
-                  </p:txBody>
-                </p:sp>
-              </mc:Choice>
-              <mc:Fallback>
-                <p:sp>
-                  <p:nvSpPr>
-                    <p:cNvPr id="126" name="TextBox 125"/>
-                    <p:cNvSpPr txBox="1">
-                      <a:spLocks noRot="1" noChangeAspect="1" noMove="1" noResize="1" noEditPoints="1" noAdjustHandles="1" noChangeArrowheads="1" noChangeShapeType="1" noTextEdit="1"/>
-                    </p:cNvSpPr>
-                    <p:nvPr/>
-                  </p:nvSpPr>
-                  <p:spPr>
-                    <a:xfrm>
-                      <a:off x="8238823" y="2237174"/>
-                      <a:ext cx="222304" cy="307777"/>
-                    </a:xfrm>
-                    <a:prstGeom prst="rect">
-                      <a:avLst/>
-                    </a:prstGeom>
-                    <a:blipFill>
-                      <a:blip r:embed="rId11"/>
-                      <a:stretch>
-                        <a:fillRect l="-25000" r="-25000" b="-12000"/>
-                      </a:stretch>
-                    </a:blipFill>
-                  </p:spPr>
-                  <p:txBody>
-                    <a:bodyPr/>
-                    <a:lstStyle/>
-                    <a:p>
-                      <a:r>
-                        <a:rPr lang="en-US">
-                          <a:noFill/>
-                        </a:rPr>
-                        <a:t> </a:t>
-                      </a:r>
-                    </a:p>
-                  </p:txBody>
-                </p:sp>
-              </mc:Fallback>
-            </mc:AlternateContent>
-            <p:cxnSp>
-              <p:nvCxnSpPr>
-                <p:cNvPr id="129" name="Straight Arrow Connector 128"/>
-                <p:cNvCxnSpPr/>
+            <p:sp>
+              <p:nvSpPr>
+                <p:cNvPr id="4" name="Arc 3"/>
+                <p:cNvSpPr/>
                 <p:nvPr/>
-              </p:nvCxnSpPr>
+              </p:nvSpPr>
               <p:spPr>
                 <a:xfrm>
-                  <a:off x="6555899" y="695852"/>
-                  <a:ext cx="11017" cy="3666325"/>
+                  <a:off x="9854608" y="1558741"/>
+                  <a:ext cx="481549" cy="3051544"/>
                 </a:xfrm>
-                <a:prstGeom prst="straightConnector1">
-                  <a:avLst/>
+                <a:prstGeom prst="arc">
+                  <a:avLst>
+                    <a:gd name="adj1" fmla="val 16200000"/>
+                    <a:gd name="adj2" fmla="val 5342088"/>
+                  </a:avLst>
                 </a:prstGeom>
-                <a:ln w="28575">
-                  <a:solidFill>
-                    <a:schemeClr val="tx1"/>
-                  </a:solidFill>
-                  <a:prstDash val="sysDot"/>
-                  <a:headEnd type="triangle"/>
-                  <a:tailEnd type="triangle"/>
-                </a:ln>
-              </p:spPr>
-              <p:style>
-                <a:lnRef idx="1">
-                  <a:schemeClr val="accent1"/>
-                </a:lnRef>
-                <a:fillRef idx="0">
-                  <a:schemeClr val="accent1"/>
-                </a:fillRef>
-                <a:effectRef idx="0">
-                  <a:schemeClr val="accent1"/>
-                </a:effectRef>
-                <a:fontRef idx="minor">
-                  <a:schemeClr val="tx1"/>
-                </a:fontRef>
-              </p:style>
-            </p:cxnSp>
-            <mc:AlternateContent xmlns:mc="http://schemas.openxmlformats.org/markup-compatibility/2006">
-              <mc:Choice xmlns:a14="http://schemas.microsoft.com/office/drawing/2010/main" Requires="a14">
-                <p:sp>
-                  <p:nvSpPr>
-                    <p:cNvPr id="130" name="TextBox 129"/>
-                    <p:cNvSpPr txBox="1"/>
-                    <p:nvPr/>
-                  </p:nvSpPr>
-                  <p:spPr>
-                    <a:xfrm>
-                      <a:off x="6210537" y="2449797"/>
-                      <a:ext cx="212045" cy="307777"/>
-                    </a:xfrm>
-                    <a:prstGeom prst="rect">
-                      <a:avLst/>
-                    </a:prstGeom>
-                    <a:noFill/>
-                  </p:spPr>
-                  <p:txBody>
-                    <a:bodyPr wrap="none" lIns="0" tIns="0" rIns="0" bIns="0" rtlCol="0">
-                      <a:spAutoFit/>
-                    </a:bodyPr>
-                    <a:lstStyle/>
-                    <a:p>
-                      <a14:m>
-                        <m:oMathPara xmlns:m="http://schemas.openxmlformats.org/officeDocument/2006/math">
-                          <m:oMathParaPr>
-                            <m:jc m:val="centerGroup"/>
-                          </m:oMathParaPr>
-                          <m:oMath xmlns:m="http://schemas.openxmlformats.org/officeDocument/2006/math">
-                            <m:r>
-                              <a:rPr lang="en-US" sz="2000" b="0" i="1" smtClean="0">
-                                <a:latin typeface="Cambria Math" panose="02040503050406030204" pitchFamily="18" charset="0"/>
-                                <a:cs typeface="Arial" panose="020B0604020202020204" pitchFamily="34" charset="0"/>
-                              </a:rPr>
-                              <m:t>𝐿</m:t>
-                            </m:r>
-                          </m:oMath>
-                        </m:oMathPara>
-                      </a14:m>
-                      <a:endParaRPr lang="en-US" sz="2000" dirty="0" smtClean="0">
-                        <a:latin typeface="Arial" panose="020B0604020202020204" pitchFamily="34" charset="0"/>
-                        <a:cs typeface="Arial" panose="020B0604020202020204" pitchFamily="34" charset="0"/>
-                      </a:endParaRPr>
-                    </a:p>
-                  </p:txBody>
-                </p:sp>
-              </mc:Choice>
-              <mc:Fallback>
-                <p:sp>
-                  <p:nvSpPr>
-                    <p:cNvPr id="130" name="TextBox 129"/>
-                    <p:cNvSpPr txBox="1">
-                      <a:spLocks noRot="1" noChangeAspect="1" noMove="1" noResize="1" noEditPoints="1" noAdjustHandles="1" noChangeArrowheads="1" noChangeShapeType="1" noTextEdit="1"/>
-                    </p:cNvSpPr>
-                    <p:nvPr/>
-                  </p:nvSpPr>
-                  <p:spPr>
-                    <a:xfrm>
-                      <a:off x="6210537" y="2449797"/>
-                      <a:ext cx="212045" cy="307777"/>
-                    </a:xfrm>
-                    <a:prstGeom prst="rect">
-                      <a:avLst/>
-                    </a:prstGeom>
-                    <a:blipFill>
-                      <a:blip r:embed="rId12"/>
-                      <a:stretch>
-                        <a:fillRect l="-25714" r="-20000" b="-10000"/>
-                      </a:stretch>
-                    </a:blipFill>
-                  </p:spPr>
-                  <p:txBody>
-                    <a:bodyPr/>
-                    <a:lstStyle/>
-                    <a:p>
-                      <a:r>
-                        <a:rPr lang="en-US">
-                          <a:noFill/>
-                        </a:rPr>
-                        <a:t> </a:t>
-                      </a:r>
-                    </a:p>
-                  </p:txBody>
-                </p:sp>
-              </mc:Fallback>
-            </mc:AlternateContent>
-            <p:cxnSp>
-              <p:nvCxnSpPr>
-                <p:cNvPr id="249" name="Straight Connector 248"/>
-                <p:cNvCxnSpPr/>
-                <p:nvPr/>
-              </p:nvCxnSpPr>
-              <p:spPr>
-                <a:xfrm flipH="1">
-                  <a:off x="7006725" y="2535519"/>
-                  <a:ext cx="2253120" cy="1826658"/>
-                </a:xfrm>
-                <a:prstGeom prst="line">
-                  <a:avLst/>
-                </a:prstGeom>
-                <a:ln w="25400">
+                <a:ln w="50800">
                   <a:solidFill>
                     <a:schemeClr val="tx1"/>
                   </a:solidFill>
@@ -13547,25 +15636,1068 @@
                   <a:schemeClr val="tx1"/>
                 </a:fontRef>
               </p:style>
+              <p:txBody>
+                <a:bodyPr rtlCol="0" anchor="ctr"/>
+                <a:lstStyle/>
+                <a:p>
+                  <a:pPr algn="ctr"/>
+                  <a:endParaRPr lang="en-US"/>
+                </a:p>
+              </p:txBody>
+            </p:sp>
+          </p:grpSp>
+          <p:grpSp>
+            <p:nvGrpSpPr>
+              <p:cNvPr id="12" name="Group 11"/>
+              <p:cNvGrpSpPr/>
+              <p:nvPr/>
+            </p:nvGrpSpPr>
+            <p:grpSpPr>
+              <a:xfrm>
+                <a:off x="6276821" y="3993844"/>
+                <a:ext cx="225387" cy="176270"/>
+                <a:chOff x="9105900" y="2412694"/>
+                <a:chExt cx="225387" cy="176270"/>
+              </a:xfrm>
+            </p:grpSpPr>
+            <p:cxnSp>
+              <p:nvCxnSpPr>
+                <p:cNvPr id="7" name="Straight Connector 6"/>
+                <p:cNvCxnSpPr/>
+                <p:nvPr/>
+              </p:nvCxnSpPr>
+              <p:spPr>
+                <a:xfrm>
+                  <a:off x="9199084" y="2412694"/>
+                  <a:ext cx="132203" cy="176270"/>
+                </a:xfrm>
+                <a:prstGeom prst="line">
+                  <a:avLst/>
+                </a:prstGeom>
+                <a:ln w="38100">
+                  <a:solidFill>
+                    <a:schemeClr val="tx1"/>
+                  </a:solidFill>
+                </a:ln>
+              </p:spPr>
+              <p:style>
+                <a:lnRef idx="1">
+                  <a:schemeClr val="accent1"/>
+                </a:lnRef>
+                <a:fillRef idx="0">
+                  <a:schemeClr val="accent1"/>
+                </a:fillRef>
+                <a:effectRef idx="0">
+                  <a:schemeClr val="accent1"/>
+                </a:effectRef>
+                <a:fontRef idx="minor">
+                  <a:schemeClr val="tx1"/>
+                </a:fontRef>
+              </p:style>
             </p:cxnSp>
+            <p:cxnSp>
+              <p:nvCxnSpPr>
+                <p:cNvPr id="8" name="Straight Connector 7"/>
+                <p:cNvCxnSpPr/>
+                <p:nvPr/>
+              </p:nvCxnSpPr>
+              <p:spPr>
+                <a:xfrm flipH="1">
+                  <a:off x="9105900" y="2412694"/>
+                  <a:ext cx="112390" cy="176270"/>
+                </a:xfrm>
+                <a:prstGeom prst="line">
+                  <a:avLst/>
+                </a:prstGeom>
+                <a:ln w="38100">
+                  <a:solidFill>
+                    <a:schemeClr val="tx1"/>
+                  </a:solidFill>
+                </a:ln>
+              </p:spPr>
+              <p:style>
+                <a:lnRef idx="1">
+                  <a:schemeClr val="accent1"/>
+                </a:lnRef>
+                <a:fillRef idx="0">
+                  <a:schemeClr val="accent1"/>
+                </a:fillRef>
+                <a:effectRef idx="0">
+                  <a:schemeClr val="accent1"/>
+                </a:effectRef>
+                <a:fontRef idx="minor">
+                  <a:schemeClr val="tx1"/>
+                </a:fontRef>
+              </p:style>
+            </p:cxnSp>
+          </p:grpSp>
+          <p:grpSp>
+            <p:nvGrpSpPr>
+              <p:cNvPr id="13" name="Group 12"/>
+              <p:cNvGrpSpPr/>
+              <p:nvPr/>
+            </p:nvGrpSpPr>
+            <p:grpSpPr>
+              <a:xfrm rot="10800000">
+                <a:off x="7282773" y="3962070"/>
+                <a:ext cx="225387" cy="176270"/>
+                <a:chOff x="9105900" y="2412694"/>
+                <a:chExt cx="225387" cy="176270"/>
+              </a:xfrm>
+            </p:grpSpPr>
+            <p:cxnSp>
+              <p:nvCxnSpPr>
+                <p:cNvPr id="14" name="Straight Connector 13"/>
+                <p:cNvCxnSpPr/>
+                <p:nvPr/>
+              </p:nvCxnSpPr>
+              <p:spPr>
+                <a:xfrm>
+                  <a:off x="9199084" y="2412694"/>
+                  <a:ext cx="132203" cy="176270"/>
+                </a:xfrm>
+                <a:prstGeom prst="line">
+                  <a:avLst/>
+                </a:prstGeom>
+                <a:ln w="38100">
+                  <a:solidFill>
+                    <a:schemeClr val="tx1"/>
+                  </a:solidFill>
+                </a:ln>
+              </p:spPr>
+              <p:style>
+                <a:lnRef idx="1">
+                  <a:schemeClr val="accent1"/>
+                </a:lnRef>
+                <a:fillRef idx="0">
+                  <a:schemeClr val="accent1"/>
+                </a:fillRef>
+                <a:effectRef idx="0">
+                  <a:schemeClr val="accent1"/>
+                </a:effectRef>
+                <a:fontRef idx="minor">
+                  <a:schemeClr val="tx1"/>
+                </a:fontRef>
+              </p:style>
+            </p:cxnSp>
+            <p:cxnSp>
+              <p:nvCxnSpPr>
+                <p:cNvPr id="15" name="Straight Connector 14"/>
+                <p:cNvCxnSpPr/>
+                <p:nvPr/>
+              </p:nvCxnSpPr>
+              <p:spPr>
+                <a:xfrm flipH="1">
+                  <a:off x="9105900" y="2412694"/>
+                  <a:ext cx="112390" cy="176270"/>
+                </a:xfrm>
+                <a:prstGeom prst="line">
+                  <a:avLst/>
+                </a:prstGeom>
+                <a:ln w="38100">
+                  <a:solidFill>
+                    <a:schemeClr val="tx1"/>
+                  </a:solidFill>
+                </a:ln>
+              </p:spPr>
+              <p:style>
+                <a:lnRef idx="1">
+                  <a:schemeClr val="accent1"/>
+                </a:lnRef>
+                <a:fillRef idx="0">
+                  <a:schemeClr val="accent1"/>
+                </a:fillRef>
+                <a:effectRef idx="0">
+                  <a:schemeClr val="accent1"/>
+                </a:effectRef>
+                <a:fontRef idx="minor">
+                  <a:schemeClr val="tx1"/>
+                </a:fontRef>
+              </p:style>
+            </p:cxnSp>
+          </p:grpSp>
+          <p:grpSp>
+            <p:nvGrpSpPr>
+              <p:cNvPr id="59" name="Group 58"/>
+              <p:cNvGrpSpPr/>
+              <p:nvPr/>
+            </p:nvGrpSpPr>
+            <p:grpSpPr>
+              <a:xfrm>
+                <a:off x="5674625" y="4488795"/>
+                <a:ext cx="1316174" cy="368836"/>
+                <a:chOff x="5674625" y="4488795"/>
+                <a:chExt cx="1316174" cy="368836"/>
+              </a:xfrm>
+            </p:grpSpPr>
+            <p:grpSp>
+              <p:nvGrpSpPr>
+                <p:cNvPr id="28" name="Group 27"/>
+                <p:cNvGrpSpPr/>
+                <p:nvPr/>
+              </p:nvGrpSpPr>
+              <p:grpSpPr>
+                <a:xfrm>
+                  <a:off x="6011206" y="4552013"/>
+                  <a:ext cx="643012" cy="180193"/>
+                  <a:chOff x="9055100" y="3993844"/>
+                  <a:chExt cx="882650" cy="247348"/>
+                </a:xfrm>
+              </p:grpSpPr>
+              <p:sp>
+                <p:nvSpPr>
+                  <p:cNvPr id="16" name="Oval 15"/>
+                  <p:cNvSpPr/>
+                  <p:nvPr/>
+                </p:nvSpPr>
+                <p:spPr>
+                  <a:xfrm>
+                    <a:off x="9055100" y="3993844"/>
+                    <a:ext cx="882650" cy="247348"/>
+                  </a:xfrm>
+                  <a:prstGeom prst="ellipse">
+                    <a:avLst/>
+                  </a:prstGeom>
+                  <a:noFill/>
+                  <a:ln w="38100">
+                    <a:solidFill>
+                      <a:srgbClr val="FF0000"/>
+                    </a:solidFill>
+                  </a:ln>
+                </p:spPr>
+                <p:style>
+                  <a:lnRef idx="2">
+                    <a:schemeClr val="accent1">
+                      <a:shade val="50000"/>
+                    </a:schemeClr>
+                  </a:lnRef>
+                  <a:fillRef idx="1">
+                    <a:schemeClr val="accent1"/>
+                  </a:fillRef>
+                  <a:effectRef idx="0">
+                    <a:schemeClr val="accent1"/>
+                  </a:effectRef>
+                  <a:fontRef idx="minor">
+                    <a:schemeClr val="lt1"/>
+                  </a:fontRef>
+                </p:style>
+                <p:txBody>
+                  <a:bodyPr rtlCol="0" anchor="ctr"/>
+                  <a:lstStyle/>
+                  <a:p>
+                    <a:pPr algn="ctr"/>
+                    <a:endParaRPr lang="en-US"/>
+                  </a:p>
+                </p:txBody>
+              </p:sp>
+              <p:cxnSp>
+                <p:nvCxnSpPr>
+                  <p:cNvPr id="24" name="Straight Arrow Connector 23"/>
+                  <p:cNvCxnSpPr/>
+                  <p:nvPr/>
+                </p:nvCxnSpPr>
+                <p:spPr>
+                  <a:xfrm flipV="1">
+                    <a:off x="9631680" y="4211074"/>
+                    <a:ext cx="116205" cy="30118"/>
+                  </a:xfrm>
+                  <a:prstGeom prst="straightConnector1">
+                    <a:avLst/>
+                  </a:prstGeom>
+                  <a:ln w="38100">
+                    <a:solidFill>
+                      <a:srgbClr val="FF0000"/>
+                    </a:solidFill>
+                    <a:tailEnd type="triangle"/>
+                  </a:ln>
+                </p:spPr>
+                <p:style>
+                  <a:lnRef idx="1">
+                    <a:schemeClr val="accent1"/>
+                  </a:lnRef>
+                  <a:fillRef idx="0">
+                    <a:schemeClr val="accent1"/>
+                  </a:fillRef>
+                  <a:effectRef idx="0">
+                    <a:schemeClr val="accent1"/>
+                  </a:effectRef>
+                  <a:fontRef idx="minor">
+                    <a:schemeClr val="tx1"/>
+                  </a:fontRef>
+                </p:style>
+              </p:cxnSp>
+            </p:grpSp>
+            <p:grpSp>
+              <p:nvGrpSpPr>
+                <p:cNvPr id="32" name="Group 31"/>
+                <p:cNvGrpSpPr/>
+                <p:nvPr/>
+              </p:nvGrpSpPr>
+              <p:grpSpPr>
+                <a:xfrm>
+                  <a:off x="5674625" y="4488795"/>
+                  <a:ext cx="1316174" cy="368836"/>
+                  <a:chOff x="9055100" y="3993844"/>
+                  <a:chExt cx="882650" cy="247348"/>
+                </a:xfrm>
+              </p:grpSpPr>
+              <p:sp>
+                <p:nvSpPr>
+                  <p:cNvPr id="33" name="Oval 32"/>
+                  <p:cNvSpPr/>
+                  <p:nvPr/>
+                </p:nvSpPr>
+                <p:spPr>
+                  <a:xfrm>
+                    <a:off x="9055100" y="3993844"/>
+                    <a:ext cx="882650" cy="247348"/>
+                  </a:xfrm>
+                  <a:prstGeom prst="ellipse">
+                    <a:avLst/>
+                  </a:prstGeom>
+                  <a:noFill/>
+                  <a:ln w="38100">
+                    <a:solidFill>
+                      <a:srgbClr val="FF0000"/>
+                    </a:solidFill>
+                  </a:ln>
+                </p:spPr>
+                <p:style>
+                  <a:lnRef idx="2">
+                    <a:schemeClr val="accent1">
+                      <a:shade val="50000"/>
+                    </a:schemeClr>
+                  </a:lnRef>
+                  <a:fillRef idx="1">
+                    <a:schemeClr val="accent1"/>
+                  </a:fillRef>
+                  <a:effectRef idx="0">
+                    <a:schemeClr val="accent1"/>
+                  </a:effectRef>
+                  <a:fontRef idx="minor">
+                    <a:schemeClr val="lt1"/>
+                  </a:fontRef>
+                </p:style>
+                <p:txBody>
+                  <a:bodyPr rtlCol="0" anchor="ctr"/>
+                  <a:lstStyle/>
+                  <a:p>
+                    <a:pPr algn="ctr"/>
+                    <a:endParaRPr lang="en-US"/>
+                  </a:p>
+                </p:txBody>
+              </p:sp>
+              <p:cxnSp>
+                <p:nvCxnSpPr>
+                  <p:cNvPr id="34" name="Straight Arrow Connector 33"/>
+                  <p:cNvCxnSpPr/>
+                  <p:nvPr/>
+                </p:nvCxnSpPr>
+                <p:spPr>
+                  <a:xfrm flipV="1">
+                    <a:off x="9631680" y="4211074"/>
+                    <a:ext cx="116205" cy="30118"/>
+                  </a:xfrm>
+                  <a:prstGeom prst="straightConnector1">
+                    <a:avLst/>
+                  </a:prstGeom>
+                  <a:ln w="38100">
+                    <a:solidFill>
+                      <a:srgbClr val="FF0000"/>
+                    </a:solidFill>
+                    <a:tailEnd type="triangle"/>
+                  </a:ln>
+                </p:spPr>
+                <p:style>
+                  <a:lnRef idx="1">
+                    <a:schemeClr val="accent1"/>
+                  </a:lnRef>
+                  <a:fillRef idx="0">
+                    <a:schemeClr val="accent1"/>
+                  </a:fillRef>
+                  <a:effectRef idx="0">
+                    <a:schemeClr val="accent1"/>
+                  </a:effectRef>
+                  <a:fontRef idx="minor">
+                    <a:schemeClr val="tx1"/>
+                  </a:fontRef>
+                </p:style>
+              </p:cxnSp>
+            </p:grpSp>
+          </p:grpSp>
+          <p:grpSp>
+            <p:nvGrpSpPr>
+              <p:cNvPr id="49" name="Group 48"/>
+              <p:cNvGrpSpPr/>
+              <p:nvPr/>
+            </p:nvGrpSpPr>
+            <p:grpSpPr>
+              <a:xfrm>
+                <a:off x="6747017" y="3850228"/>
+                <a:ext cx="1316174" cy="368837"/>
+                <a:chOff x="2647393" y="4035098"/>
+                <a:chExt cx="1316174" cy="368837"/>
+              </a:xfrm>
+            </p:grpSpPr>
+            <p:grpSp>
+              <p:nvGrpSpPr>
+                <p:cNvPr id="50" name="Group 49"/>
+                <p:cNvGrpSpPr/>
+                <p:nvPr/>
+              </p:nvGrpSpPr>
+              <p:grpSpPr>
+                <a:xfrm>
+                  <a:off x="2983974" y="4098328"/>
+                  <a:ext cx="643012" cy="180198"/>
+                  <a:chOff x="9055100" y="3993837"/>
+                  <a:chExt cx="882650" cy="247354"/>
+                </a:xfrm>
+              </p:grpSpPr>
+              <p:sp>
+                <p:nvSpPr>
+                  <p:cNvPr id="54" name="Oval 53"/>
+                  <p:cNvSpPr/>
+                  <p:nvPr/>
+                </p:nvSpPr>
+                <p:spPr>
+                  <a:xfrm>
+                    <a:off x="9055100" y="3993837"/>
+                    <a:ext cx="882650" cy="247347"/>
+                  </a:xfrm>
+                  <a:prstGeom prst="ellipse">
+                    <a:avLst/>
+                  </a:prstGeom>
+                  <a:noFill/>
+                  <a:ln w="38100">
+                    <a:solidFill>
+                      <a:srgbClr val="FF0000"/>
+                    </a:solidFill>
+                  </a:ln>
+                </p:spPr>
+                <p:style>
+                  <a:lnRef idx="2">
+                    <a:schemeClr val="accent1">
+                      <a:shade val="50000"/>
+                    </a:schemeClr>
+                  </a:lnRef>
+                  <a:fillRef idx="1">
+                    <a:schemeClr val="accent1"/>
+                  </a:fillRef>
+                  <a:effectRef idx="0">
+                    <a:schemeClr val="accent1"/>
+                  </a:effectRef>
+                  <a:fontRef idx="minor">
+                    <a:schemeClr val="lt1"/>
+                  </a:fontRef>
+                </p:style>
+                <p:txBody>
+                  <a:bodyPr rtlCol="0" anchor="ctr"/>
+                  <a:lstStyle/>
+                  <a:p>
+                    <a:pPr algn="ctr"/>
+                    <a:endParaRPr lang="en-US"/>
+                  </a:p>
+                </p:txBody>
+              </p:sp>
+              <p:cxnSp>
+                <p:nvCxnSpPr>
+                  <p:cNvPr id="55" name="Straight Arrow Connector 54"/>
+                  <p:cNvCxnSpPr>
+                    <a:endCxn id="54" idx="4"/>
+                  </p:cNvCxnSpPr>
+                  <p:nvPr/>
+                </p:nvCxnSpPr>
+                <p:spPr>
+                  <a:xfrm flipH="1" flipV="1">
+                    <a:off x="9496425" y="4241190"/>
+                    <a:ext cx="135254" cy="1"/>
+                  </a:xfrm>
+                  <a:prstGeom prst="straightConnector1">
+                    <a:avLst/>
+                  </a:prstGeom>
+                  <a:ln w="38100">
+                    <a:solidFill>
+                      <a:srgbClr val="FF0000"/>
+                    </a:solidFill>
+                    <a:tailEnd type="triangle"/>
+                  </a:ln>
+                </p:spPr>
+                <p:style>
+                  <a:lnRef idx="1">
+                    <a:schemeClr val="accent1"/>
+                  </a:lnRef>
+                  <a:fillRef idx="0">
+                    <a:schemeClr val="accent1"/>
+                  </a:fillRef>
+                  <a:effectRef idx="0">
+                    <a:schemeClr val="accent1"/>
+                  </a:effectRef>
+                  <a:fontRef idx="minor">
+                    <a:schemeClr val="tx1"/>
+                  </a:fontRef>
+                </p:style>
+              </p:cxnSp>
+            </p:grpSp>
+            <p:grpSp>
+              <p:nvGrpSpPr>
+                <p:cNvPr id="51" name="Group 50"/>
+                <p:cNvGrpSpPr/>
+                <p:nvPr/>
+              </p:nvGrpSpPr>
+              <p:grpSpPr>
+                <a:xfrm>
+                  <a:off x="2647393" y="4035098"/>
+                  <a:ext cx="1316174" cy="368837"/>
+                  <a:chOff x="9055100" y="3993844"/>
+                  <a:chExt cx="882650" cy="247349"/>
+                </a:xfrm>
+              </p:grpSpPr>
+              <p:sp>
+                <p:nvSpPr>
+                  <p:cNvPr id="52" name="Oval 51"/>
+                  <p:cNvSpPr/>
+                  <p:nvPr/>
+                </p:nvSpPr>
+                <p:spPr>
+                  <a:xfrm>
+                    <a:off x="9055100" y="3993844"/>
+                    <a:ext cx="882650" cy="247348"/>
+                  </a:xfrm>
+                  <a:prstGeom prst="ellipse">
+                    <a:avLst/>
+                  </a:prstGeom>
+                  <a:noFill/>
+                  <a:ln w="38100">
+                    <a:solidFill>
+                      <a:srgbClr val="FF0000"/>
+                    </a:solidFill>
+                  </a:ln>
+                </p:spPr>
+                <p:style>
+                  <a:lnRef idx="2">
+                    <a:schemeClr val="accent1">
+                      <a:shade val="50000"/>
+                    </a:schemeClr>
+                  </a:lnRef>
+                  <a:fillRef idx="1">
+                    <a:schemeClr val="accent1"/>
+                  </a:fillRef>
+                  <a:effectRef idx="0">
+                    <a:schemeClr val="accent1"/>
+                  </a:effectRef>
+                  <a:fontRef idx="minor">
+                    <a:schemeClr val="lt1"/>
+                  </a:fontRef>
+                </p:style>
+                <p:txBody>
+                  <a:bodyPr rtlCol="0" anchor="ctr"/>
+                  <a:lstStyle/>
+                  <a:p>
+                    <a:pPr algn="ctr"/>
+                    <a:endParaRPr lang="en-US"/>
+                  </a:p>
+                </p:txBody>
+              </p:sp>
+              <p:cxnSp>
+                <p:nvCxnSpPr>
+                  <p:cNvPr id="53" name="Straight Arrow Connector 52"/>
+                  <p:cNvCxnSpPr>
+                    <a:endCxn id="52" idx="4"/>
+                  </p:cNvCxnSpPr>
+                  <p:nvPr/>
+                </p:nvCxnSpPr>
+                <p:spPr>
+                  <a:xfrm flipH="1" flipV="1">
+                    <a:off x="9496425" y="4241192"/>
+                    <a:ext cx="135255" cy="1"/>
+                  </a:xfrm>
+                  <a:prstGeom prst="straightConnector1">
+                    <a:avLst/>
+                  </a:prstGeom>
+                  <a:ln w="38100">
+                    <a:solidFill>
+                      <a:srgbClr val="FF0000"/>
+                    </a:solidFill>
+                    <a:tailEnd type="triangle"/>
+                  </a:ln>
+                </p:spPr>
+                <p:style>
+                  <a:lnRef idx="1">
+                    <a:schemeClr val="accent1"/>
+                  </a:lnRef>
+                  <a:fillRef idx="0">
+                    <a:schemeClr val="accent1"/>
+                  </a:fillRef>
+                  <a:effectRef idx="0">
+                    <a:schemeClr val="accent1"/>
+                  </a:effectRef>
+                  <a:fontRef idx="minor">
+                    <a:schemeClr val="tx1"/>
+                  </a:fontRef>
+                </p:style>
+              </p:cxnSp>
+            </p:grpSp>
+          </p:grpSp>
+          <p:cxnSp>
+            <p:nvCxnSpPr>
+              <p:cNvPr id="61" name="Straight Arrow Connector 60"/>
+              <p:cNvCxnSpPr/>
+              <p:nvPr/>
+            </p:nvCxnSpPr>
+            <p:spPr>
+              <a:xfrm flipH="1" flipV="1">
+                <a:off x="5166183" y="4097704"/>
+                <a:ext cx="589177" cy="81272"/>
+              </a:xfrm>
+              <a:prstGeom prst="straightConnector1">
+                <a:avLst/>
+              </a:prstGeom>
+              <a:ln w="38100">
+                <a:solidFill>
+                  <a:srgbClr val="FF0000"/>
+                </a:solidFill>
+                <a:tailEnd type="triangle"/>
+              </a:ln>
+            </p:spPr>
+            <p:style>
+              <a:lnRef idx="1">
+                <a:schemeClr val="accent1"/>
+              </a:lnRef>
+              <a:fillRef idx="0">
+                <a:schemeClr val="accent1"/>
+              </a:fillRef>
+              <a:effectRef idx="0">
+                <a:schemeClr val="accent1"/>
+              </a:effectRef>
+              <a:fontRef idx="minor">
+                <a:schemeClr val="tx1"/>
+              </a:fontRef>
+            </p:style>
+          </p:cxnSp>
+          <p:sp>
+            <p:nvSpPr>
+              <p:cNvPr id="64" name="Freeform 63"/>
+              <p:cNvSpPr/>
+              <p:nvPr/>
+            </p:nvSpPr>
+            <p:spPr>
+              <a:xfrm rot="10800000">
+                <a:off x="4812684" y="4333247"/>
+                <a:ext cx="4206240" cy="736147"/>
+              </a:xfrm>
+              <a:custGeom>
+                <a:avLst/>
+                <a:gdLst>
+                  <a:gd name="connsiteX0" fmla="*/ 0 w 4206240"/>
+                  <a:gd name="connsiteY0" fmla="*/ 0 h 736147"/>
+                  <a:gd name="connsiteX1" fmla="*/ 801188 w 4206240"/>
+                  <a:gd name="connsiteY1" fmla="*/ 435428 h 736147"/>
+                  <a:gd name="connsiteX2" fmla="*/ 3169920 w 4206240"/>
+                  <a:gd name="connsiteY2" fmla="*/ 722811 h 736147"/>
+                  <a:gd name="connsiteX3" fmla="*/ 4206240 w 4206240"/>
+                  <a:gd name="connsiteY3" fmla="*/ 661851 h 736147"/>
+                </a:gdLst>
+                <a:ahLst/>
+                <a:cxnLst>
+                  <a:cxn ang="0">
+                    <a:pos x="connsiteX0" y="connsiteY0"/>
+                  </a:cxn>
+                  <a:cxn ang="0">
+                    <a:pos x="connsiteX1" y="connsiteY1"/>
+                  </a:cxn>
+                  <a:cxn ang="0">
+                    <a:pos x="connsiteX2" y="connsiteY2"/>
+                  </a:cxn>
+                  <a:cxn ang="0">
+                    <a:pos x="connsiteX3" y="connsiteY3"/>
+                  </a:cxn>
+                </a:cxnLst>
+                <a:rect l="l" t="t" r="r" b="b"/>
+                <a:pathLst>
+                  <a:path w="4206240" h="736147">
+                    <a:moveTo>
+                      <a:pt x="0" y="0"/>
+                    </a:moveTo>
+                    <a:cubicBezTo>
+                      <a:pt x="136434" y="157480"/>
+                      <a:pt x="272868" y="314960"/>
+                      <a:pt x="801188" y="435428"/>
+                    </a:cubicBezTo>
+                    <a:cubicBezTo>
+                      <a:pt x="1329508" y="555897"/>
+                      <a:pt x="2602411" y="685074"/>
+                      <a:pt x="3169920" y="722811"/>
+                    </a:cubicBezTo>
+                    <a:cubicBezTo>
+                      <a:pt x="3737429" y="760548"/>
+                      <a:pt x="3971834" y="711199"/>
+                      <a:pt x="4206240" y="661851"/>
+                    </a:cubicBezTo>
+                  </a:path>
+                </a:pathLst>
+              </a:custGeom>
+              <a:noFill/>
+              <a:ln w="38100">
+                <a:solidFill>
+                  <a:srgbClr val="FF0000"/>
+                </a:solidFill>
+              </a:ln>
+            </p:spPr>
+            <p:style>
+              <a:lnRef idx="2">
+                <a:schemeClr val="accent1">
+                  <a:shade val="50000"/>
+                </a:schemeClr>
+              </a:lnRef>
+              <a:fillRef idx="1">
+                <a:schemeClr val="accent1"/>
+              </a:fillRef>
+              <a:effectRef idx="0">
+                <a:schemeClr val="accent1"/>
+              </a:effectRef>
+              <a:fontRef idx="minor">
+                <a:schemeClr val="lt1"/>
+              </a:fontRef>
+            </p:style>
+            <p:txBody>
+              <a:bodyPr rtlCol="0" anchor="ctr"/>
+              <a:lstStyle/>
+              <a:p>
+                <a:pPr algn="ctr"/>
+                <a:endParaRPr lang="en-US"/>
+              </a:p>
+            </p:txBody>
+          </p:sp>
+          <p:cxnSp>
+            <p:nvCxnSpPr>
+              <p:cNvPr id="66" name="Straight Arrow Connector 65"/>
+              <p:cNvCxnSpPr/>
+              <p:nvPr/>
+            </p:nvCxnSpPr>
+            <p:spPr>
+              <a:xfrm flipH="1">
+                <a:off x="5130837" y="4333400"/>
+                <a:ext cx="303312" cy="17924"/>
+              </a:xfrm>
+              <a:prstGeom prst="straightConnector1">
+                <a:avLst/>
+              </a:prstGeom>
+              <a:ln w="38100">
+                <a:solidFill>
+                  <a:srgbClr val="FF0000"/>
+                </a:solidFill>
+                <a:tailEnd type="triangle"/>
+              </a:ln>
+            </p:spPr>
+            <p:style>
+              <a:lnRef idx="1">
+                <a:schemeClr val="accent1"/>
+              </a:lnRef>
+              <a:fillRef idx="0">
+                <a:schemeClr val="accent1"/>
+              </a:fillRef>
+              <a:effectRef idx="0">
+                <a:schemeClr val="accent1"/>
+              </a:effectRef>
+              <a:fontRef idx="minor">
+                <a:schemeClr val="tx1"/>
+              </a:fontRef>
+            </p:style>
+          </p:cxnSp>
+          <p:cxnSp>
+            <p:nvCxnSpPr>
+              <p:cNvPr id="69" name="Straight Arrow Connector 68"/>
+              <p:cNvCxnSpPr/>
+              <p:nvPr/>
+            </p:nvCxnSpPr>
+            <p:spPr>
+              <a:xfrm flipH="1" flipV="1">
+                <a:off x="5522969" y="3794716"/>
+                <a:ext cx="151656" cy="109845"/>
+              </a:xfrm>
+              <a:prstGeom prst="straightConnector1">
+                <a:avLst/>
+              </a:prstGeom>
+              <a:ln w="38100">
+                <a:solidFill>
+                  <a:srgbClr val="FF0000"/>
+                </a:solidFill>
+                <a:tailEnd type="triangle"/>
+              </a:ln>
+            </p:spPr>
+            <p:style>
+              <a:lnRef idx="1">
+                <a:schemeClr val="accent1"/>
+              </a:lnRef>
+              <a:fillRef idx="0">
+                <a:schemeClr val="accent1"/>
+              </a:fillRef>
+              <a:effectRef idx="0">
+                <a:schemeClr val="accent1"/>
+              </a:effectRef>
+              <a:fontRef idx="minor">
+                <a:schemeClr val="tx1"/>
+              </a:fontRef>
+            </p:style>
+          </p:cxnSp>
+        </p:grpSp>
+        <mc:AlternateContent xmlns:mc="http://schemas.openxmlformats.org/markup-compatibility/2006">
+          <mc:Choice xmlns:a14="http://schemas.microsoft.com/office/drawing/2010/main" Requires="a14">
             <p:sp>
               <p:nvSpPr>
-                <p:cNvPr id="250" name="Arc 249"/>
+                <p:cNvPr id="74" name="TextBox 73"/>
+                <p:cNvSpPr txBox="1"/>
+                <p:nvPr/>
+              </p:nvSpPr>
+              <p:spPr>
+                <a:xfrm>
+                  <a:off x="1740242" y="2200562"/>
+                  <a:ext cx="176459" cy="307777"/>
+                </a:xfrm>
+                <a:prstGeom prst="rect">
+                  <a:avLst/>
+                </a:prstGeom>
+                <a:noFill/>
+              </p:spPr>
+              <p:txBody>
+                <a:bodyPr wrap="none" lIns="0" tIns="0" rIns="0" bIns="0" rtlCol="0">
+                  <a:spAutoFit/>
+                </a:bodyPr>
+                <a:lstStyle/>
+                <a:p>
+                  <a14:m>
+                    <m:oMathPara xmlns:m="http://schemas.openxmlformats.org/officeDocument/2006/math">
+                      <m:oMathParaPr>
+                        <m:jc m:val="centerGroup"/>
+                      </m:oMathParaPr>
+                      <m:oMath xmlns:m="http://schemas.openxmlformats.org/officeDocument/2006/math">
+                        <m:r>
+                          <a:rPr lang="en-US" sz="2000" b="0" i="1" smtClean="0">
+                            <a:latin typeface="Cambria Math" panose="02040503050406030204" pitchFamily="18" charset="0"/>
+                            <a:cs typeface="Arial" panose="020B0604020202020204" pitchFamily="34" charset="0"/>
+                          </a:rPr>
+                          <m:t>𝐼</m:t>
+                        </m:r>
+                      </m:oMath>
+                    </m:oMathPara>
+                  </a14:m>
+                  <a:endParaRPr lang="en-US" sz="2000" dirty="0" smtClean="0">
+                    <a:latin typeface="Arial" panose="020B0604020202020204" pitchFamily="34" charset="0"/>
+                    <a:cs typeface="Arial" panose="020B0604020202020204" pitchFamily="34" charset="0"/>
+                  </a:endParaRPr>
+                </a:p>
+              </p:txBody>
+            </p:sp>
+          </mc:Choice>
+          <mc:Fallback>
+            <p:sp>
+              <p:nvSpPr>
+                <p:cNvPr id="74" name="TextBox 73"/>
+                <p:cNvSpPr txBox="1">
+                  <a:spLocks noRot="1" noChangeAspect="1" noMove="1" noResize="1" noEditPoints="1" noAdjustHandles="1" noChangeArrowheads="1" noChangeShapeType="1" noTextEdit="1"/>
+                </p:cNvSpPr>
+                <p:nvPr/>
+              </p:nvSpPr>
+              <p:spPr>
+                <a:xfrm>
+                  <a:off x="1740242" y="2200562"/>
+                  <a:ext cx="176459" cy="307777"/>
+                </a:xfrm>
+                <a:prstGeom prst="rect">
+                  <a:avLst/>
+                </a:prstGeom>
+                <a:blipFill>
+                  <a:blip r:embed="rId2"/>
+                  <a:stretch>
+                    <a:fillRect l="-31034" r="-24138" b="-10000"/>
+                  </a:stretch>
+                </a:blipFill>
+              </p:spPr>
+              <p:txBody>
+                <a:bodyPr/>
+                <a:lstStyle/>
+                <a:p>
+                  <a:r>
+                    <a:rPr lang="en-US">
+                      <a:noFill/>
+                    </a:rPr>
+                    <a:t> </a:t>
+                  </a:r>
+                </a:p>
+              </p:txBody>
+            </p:sp>
+          </mc:Fallback>
+        </mc:AlternateContent>
+        <mc:AlternateContent xmlns:mc="http://schemas.openxmlformats.org/markup-compatibility/2006">
+          <mc:Choice xmlns:a14="http://schemas.microsoft.com/office/drawing/2010/main" Requires="a14">
+            <p:sp>
+              <p:nvSpPr>
+                <p:cNvPr id="75" name="TextBox 74"/>
+                <p:cNvSpPr txBox="1"/>
+                <p:nvPr/>
+              </p:nvSpPr>
+              <p:spPr>
+                <a:xfrm>
+                  <a:off x="4297619" y="2573945"/>
+                  <a:ext cx="245708" cy="345159"/>
+                </a:xfrm>
+                <a:prstGeom prst="rect">
+                  <a:avLst/>
+                </a:prstGeom>
+                <a:noFill/>
+              </p:spPr>
+              <p:txBody>
+                <a:bodyPr wrap="none" lIns="0" tIns="0" rIns="0" bIns="0" rtlCol="0">
+                  <a:spAutoFit/>
+                </a:bodyPr>
+                <a:lstStyle/>
+                <a:p>
+                  <a14:m>
+                    <m:oMathPara xmlns:m="http://schemas.openxmlformats.org/officeDocument/2006/math">
+                      <m:oMathParaPr>
+                        <m:jc m:val="centerGroup"/>
+                      </m:oMathParaPr>
+                      <m:oMath xmlns:m="http://schemas.openxmlformats.org/officeDocument/2006/math">
+                        <m:acc>
+                          <m:accPr>
+                            <m:chr m:val="⃗"/>
+                            <m:ctrlPr>
+                              <a:rPr lang="en-US" sz="2000" b="0" i="1" smtClean="0">
+                                <a:solidFill>
+                                  <a:srgbClr val="FF0000"/>
+                                </a:solidFill>
+                                <a:latin typeface="Cambria Math" panose="02040503050406030204" pitchFamily="18" charset="0"/>
+                                <a:cs typeface="Arial" panose="020B0604020202020204" pitchFamily="34" charset="0"/>
+                              </a:rPr>
+                            </m:ctrlPr>
+                          </m:accPr>
+                          <m:e>
+                            <m:r>
+                              <a:rPr lang="en-US" sz="2000" b="0" i="1" smtClean="0">
+                                <a:solidFill>
+                                  <a:srgbClr val="FF0000"/>
+                                </a:solidFill>
+                                <a:latin typeface="Cambria Math" panose="02040503050406030204" pitchFamily="18" charset="0"/>
+                                <a:cs typeface="Arial" panose="020B0604020202020204" pitchFamily="34" charset="0"/>
+                              </a:rPr>
+                              <m:t>𝐵</m:t>
+                            </m:r>
+                          </m:e>
+                        </m:acc>
+                      </m:oMath>
+                    </m:oMathPara>
+                  </a14:m>
+                  <a:endParaRPr lang="en-US" sz="2000" dirty="0" smtClean="0">
+                    <a:solidFill>
+                      <a:srgbClr val="FF0000"/>
+                    </a:solidFill>
+                    <a:latin typeface="Arial" panose="020B0604020202020204" pitchFamily="34" charset="0"/>
+                    <a:cs typeface="Arial" panose="020B0604020202020204" pitchFamily="34" charset="0"/>
+                  </a:endParaRPr>
+                </a:p>
+              </p:txBody>
+            </p:sp>
+          </mc:Choice>
+          <mc:Fallback>
+            <p:sp>
+              <p:nvSpPr>
+                <p:cNvPr id="75" name="TextBox 74"/>
+                <p:cNvSpPr txBox="1">
+                  <a:spLocks noRot="1" noChangeAspect="1" noMove="1" noResize="1" noEditPoints="1" noAdjustHandles="1" noChangeArrowheads="1" noChangeShapeType="1" noTextEdit="1"/>
+                </p:cNvSpPr>
+                <p:nvPr/>
+              </p:nvSpPr>
+              <p:spPr>
+                <a:xfrm>
+                  <a:off x="4297619" y="2573945"/>
+                  <a:ext cx="245708" cy="345159"/>
+                </a:xfrm>
+                <a:prstGeom prst="rect">
+                  <a:avLst/>
+                </a:prstGeom>
+                <a:blipFill>
+                  <a:blip r:embed="rId3"/>
+                  <a:stretch>
+                    <a:fillRect l="-19512" r="-19512" b="-7018"/>
+                  </a:stretch>
+                </a:blipFill>
+              </p:spPr>
+              <p:txBody>
+                <a:bodyPr/>
+                <a:lstStyle/>
+                <a:p>
+                  <a:r>
+                    <a:rPr lang="en-US">
+                      <a:noFill/>
+                    </a:rPr>
+                    <a:t> </a:t>
+                  </a:r>
+                </a:p>
+              </p:txBody>
+            </p:sp>
+          </mc:Fallback>
+        </mc:AlternateContent>
+      </p:grpSp>
+      <p:grpSp>
+        <p:nvGrpSpPr>
+          <p:cNvPr id="149" name="Group 148"/>
+          <p:cNvGrpSpPr/>
+          <p:nvPr/>
+        </p:nvGrpSpPr>
+        <p:grpSpPr>
+          <a:xfrm>
+            <a:off x="6995793" y="683046"/>
+            <a:ext cx="4280214" cy="5001059"/>
+            <a:chOff x="6995793" y="683046"/>
+            <a:chExt cx="4280214" cy="5001059"/>
+          </a:xfrm>
+        </p:grpSpPr>
+        <p:grpSp>
+          <p:nvGrpSpPr>
+            <p:cNvPr id="110" name="Group 109"/>
+            <p:cNvGrpSpPr/>
+            <p:nvPr/>
+          </p:nvGrpSpPr>
+          <p:grpSpPr>
+            <a:xfrm>
+              <a:off x="7250520" y="1572159"/>
+              <a:ext cx="1240943" cy="4111946"/>
+              <a:chOff x="7250520" y="1572159"/>
+              <a:chExt cx="1240943" cy="4111946"/>
+            </a:xfrm>
+          </p:grpSpPr>
+          <p:grpSp>
+            <p:nvGrpSpPr>
+              <p:cNvPr id="83" name="Group 82"/>
+              <p:cNvGrpSpPr/>
+              <p:nvPr/>
+            </p:nvGrpSpPr>
+            <p:grpSpPr>
+              <a:xfrm>
+                <a:off x="7362910" y="1572159"/>
+                <a:ext cx="1027180" cy="4111946"/>
+                <a:chOff x="9831571" y="1558741"/>
+                <a:chExt cx="504586" cy="3062177"/>
+              </a:xfrm>
+            </p:grpSpPr>
+            <p:sp>
+              <p:nvSpPr>
+                <p:cNvPr id="108" name="Arc 107"/>
                 <p:cNvSpPr/>
                 <p:nvPr/>
               </p:nvSpPr>
               <p:spPr>
                 <a:xfrm>
-                  <a:off x="8683200" y="2422572"/>
-                  <a:ext cx="308278" cy="561338"/>
+                  <a:off x="9831571" y="1569374"/>
+                  <a:ext cx="481549" cy="3051544"/>
                 </a:xfrm>
                 <a:prstGeom prst="arc">
                   <a:avLst>
-                    <a:gd name="adj1" fmla="val 6989760"/>
-                    <a:gd name="adj2" fmla="val 13520348"/>
+                    <a:gd name="adj1" fmla="val 5305153"/>
+                    <a:gd name="adj2" fmla="val 16224316"/>
                   </a:avLst>
                 </a:prstGeom>
-                <a:ln w="38100">
+                <a:ln w="50800">
                   <a:solidFill>
                     <a:schemeClr val="tx1"/>
                   </a:solidFill>
@@ -13594,521 +16726,403 @@
                 </a:p>
               </p:txBody>
             </p:sp>
-            <mc:AlternateContent xmlns:mc="http://schemas.openxmlformats.org/markup-compatibility/2006">
-              <mc:Choice xmlns:a14="http://schemas.microsoft.com/office/drawing/2010/main" Requires="a14">
-                <p:sp>
-                  <p:nvSpPr>
-                    <p:cNvPr id="251" name="TextBox 250"/>
-                    <p:cNvSpPr txBox="1"/>
-                    <p:nvPr/>
-                  </p:nvSpPr>
-                  <p:spPr>
-                    <a:xfrm>
-                      <a:off x="8262246" y="2695762"/>
-                      <a:ext cx="340063" cy="307777"/>
-                    </a:xfrm>
-                    <a:prstGeom prst="rect">
-                      <a:avLst/>
-                    </a:prstGeom>
-                    <a:noFill/>
-                  </p:spPr>
-                  <p:txBody>
-                    <a:bodyPr wrap="square" lIns="0" tIns="0" rIns="0" bIns="0" rtlCol="0">
-                      <a:spAutoFit/>
-                    </a:bodyPr>
-                    <a:lstStyle/>
-                    <a:p>
-                      <a14:m>
-                        <m:oMathPara xmlns:m="http://schemas.openxmlformats.org/officeDocument/2006/math">
-                          <m:oMathParaPr>
-                            <m:jc m:val="centerGroup"/>
-                          </m:oMathParaPr>
-                          <m:oMath xmlns:m="http://schemas.openxmlformats.org/officeDocument/2006/math">
-                            <m:r>
-                              <a:rPr lang="en-US" sz="2000" b="0" i="1" smtClean="0">
-                                <a:latin typeface="Cambria Math" panose="02040503050406030204" pitchFamily="18" charset="0"/>
-                                <a:cs typeface="Arial" panose="020B0604020202020204" pitchFamily="34" charset="0"/>
-                              </a:rPr>
-                              <m:t>−</m:t>
-                            </m:r>
-                            <m:sSub>
-                              <m:sSubPr>
-                                <m:ctrlPr>
-                                  <a:rPr lang="en-US" sz="2000" b="0" i="1" smtClean="0">
-                                    <a:latin typeface="Cambria Math" panose="02040503050406030204" pitchFamily="18" charset="0"/>
-                                    <a:cs typeface="Arial" panose="020B0604020202020204" pitchFamily="34" charset="0"/>
-                                  </a:rPr>
-                                </m:ctrlPr>
-                              </m:sSubPr>
-                              <m:e>
-                                <m:r>
-                                  <a:rPr lang="en-US" sz="2000" b="0" i="1" smtClean="0">
-                                    <a:latin typeface="Cambria Math" panose="02040503050406030204" pitchFamily="18" charset="0"/>
-                                    <a:cs typeface="Arial" panose="020B0604020202020204" pitchFamily="34" charset="0"/>
-                                  </a:rPr>
-                                  <m:t>𝜃</m:t>
-                                </m:r>
-                              </m:e>
-                              <m:sub>
-                                <m:r>
-                                  <a:rPr lang="en-US" sz="2000" b="0" i="1" smtClean="0">
-                                    <a:latin typeface="Cambria Math" panose="02040503050406030204" pitchFamily="18" charset="0"/>
-                                    <a:cs typeface="Arial" panose="020B0604020202020204" pitchFamily="34" charset="0"/>
-                                  </a:rPr>
-                                  <m:t>0</m:t>
-                                </m:r>
-                              </m:sub>
-                            </m:sSub>
-                          </m:oMath>
-                        </m:oMathPara>
-                      </a14:m>
-                      <a:endParaRPr lang="en-US" sz="2000" dirty="0" smtClean="0">
-                        <a:latin typeface="Arial" panose="020B0604020202020204" pitchFamily="34" charset="0"/>
-                        <a:cs typeface="Arial" panose="020B0604020202020204" pitchFamily="34" charset="0"/>
-                      </a:endParaRPr>
-                    </a:p>
-                  </p:txBody>
-                </p:sp>
-              </mc:Choice>
-              <mc:Fallback>
-                <p:sp>
-                  <p:nvSpPr>
-                    <p:cNvPr id="251" name="TextBox 250"/>
-                    <p:cNvSpPr txBox="1">
-                      <a:spLocks noRot="1" noChangeAspect="1" noMove="1" noResize="1" noEditPoints="1" noAdjustHandles="1" noChangeArrowheads="1" noChangeShapeType="1" noTextEdit="1"/>
-                    </p:cNvSpPr>
-                    <p:nvPr/>
-                  </p:nvSpPr>
-                  <p:spPr>
-                    <a:xfrm>
-                      <a:off x="8262246" y="2695762"/>
-                      <a:ext cx="340063" cy="307777"/>
-                    </a:xfrm>
-                    <a:prstGeom prst="rect">
-                      <a:avLst/>
-                    </a:prstGeom>
-                    <a:blipFill>
-                      <a:blip r:embed="rId13"/>
-                      <a:stretch>
-                        <a:fillRect l="-12500" r="-48214" b="-19608"/>
-                      </a:stretch>
-                    </a:blipFill>
-                  </p:spPr>
-                  <p:txBody>
-                    <a:bodyPr/>
-                    <a:lstStyle/>
-                    <a:p>
-                      <a:r>
-                        <a:rPr lang="en-US">
-                          <a:noFill/>
-                        </a:rPr>
-                        <a:t> </a:t>
-                      </a:r>
-                    </a:p>
-                  </p:txBody>
-                </p:sp>
-              </mc:Fallback>
-            </mc:AlternateContent>
+            <p:sp>
+              <p:nvSpPr>
+                <p:cNvPr id="109" name="Arc 108"/>
+                <p:cNvSpPr/>
+                <p:nvPr/>
+              </p:nvSpPr>
+              <p:spPr>
+                <a:xfrm>
+                  <a:off x="9854608" y="1558741"/>
+                  <a:ext cx="481549" cy="3051544"/>
+                </a:xfrm>
+                <a:prstGeom prst="arc">
+                  <a:avLst>
+                    <a:gd name="adj1" fmla="val 16200000"/>
+                    <a:gd name="adj2" fmla="val 5342088"/>
+                  </a:avLst>
+                </a:prstGeom>
+                <a:ln w="50800">
+                  <a:solidFill>
+                    <a:schemeClr val="tx1"/>
+                  </a:solidFill>
+                  <a:prstDash val="dash"/>
+                </a:ln>
+              </p:spPr>
+              <p:style>
+                <a:lnRef idx="1">
+                  <a:schemeClr val="accent1"/>
+                </a:lnRef>
+                <a:fillRef idx="0">
+                  <a:schemeClr val="accent1"/>
+                </a:fillRef>
+                <a:effectRef idx="0">
+                  <a:schemeClr val="accent1"/>
+                </a:effectRef>
+                <a:fontRef idx="minor">
+                  <a:schemeClr val="tx1"/>
+                </a:fontRef>
+              </p:style>
+              <p:txBody>
+                <a:bodyPr rtlCol="0" anchor="ctr"/>
+                <a:lstStyle/>
+                <a:p>
+                  <a:pPr algn="ctr"/>
+                  <a:endParaRPr lang="en-US"/>
+                </a:p>
+              </p:txBody>
+            </p:sp>
           </p:grpSp>
           <p:grpSp>
             <p:nvGrpSpPr>
-              <p:cNvPr id="252" name="Group 251"/>
+              <p:cNvPr id="84" name="Group 83"/>
               <p:cNvGrpSpPr/>
               <p:nvPr/>
             </p:nvGrpSpPr>
             <p:grpSpPr>
               <a:xfrm>
-                <a:off x="5978120" y="4062430"/>
-                <a:ext cx="877523" cy="709995"/>
-                <a:chOff x="758520" y="708040"/>
-                <a:chExt cx="2534677" cy="2135605"/>
+                <a:off x="7250520" y="3545993"/>
+                <a:ext cx="225387" cy="176270"/>
+                <a:chOff x="9105900" y="2412694"/>
+                <a:chExt cx="225387" cy="176270"/>
               </a:xfrm>
             </p:grpSpPr>
-            <p:grpSp>
-              <p:nvGrpSpPr>
-                <p:cNvPr id="253" name="Group 252"/>
-                <p:cNvGrpSpPr/>
+            <p:cxnSp>
+              <p:nvCxnSpPr>
+                <p:cNvPr id="106" name="Straight Connector 105"/>
+                <p:cNvCxnSpPr/>
                 <p:nvPr/>
-              </p:nvGrpSpPr>
-              <p:grpSpPr>
+              </p:nvCxnSpPr>
+              <p:spPr>
                 <a:xfrm>
-                  <a:off x="758520" y="708040"/>
-                  <a:ext cx="2534677" cy="2135605"/>
-                  <a:chOff x="785815" y="680744"/>
-                  <a:chExt cx="2534677" cy="2135605"/>
+                  <a:off x="9199084" y="2412694"/>
+                  <a:ext cx="132203" cy="176270"/>
                 </a:xfrm>
-              </p:grpSpPr>
-              <p:cxnSp>
-                <p:nvCxnSpPr>
-                  <p:cNvPr id="255" name="Straight Arrow Connector 254"/>
-                  <p:cNvCxnSpPr/>
-                  <p:nvPr/>
-                </p:nvCxnSpPr>
-                <p:spPr>
-                  <a:xfrm flipV="1">
-                    <a:off x="1452939" y="680744"/>
-                    <a:ext cx="7683" cy="1859536"/>
-                  </a:xfrm>
-                  <a:prstGeom prst="straightConnector1">
-                    <a:avLst/>
-                  </a:prstGeom>
-                  <a:ln w="38100">
-                    <a:solidFill>
-                      <a:schemeClr val="tx1"/>
-                    </a:solidFill>
-                    <a:tailEnd type="triangle"/>
-                  </a:ln>
-                </p:spPr>
-                <p:style>
-                  <a:lnRef idx="1">
-                    <a:schemeClr val="accent1"/>
-                  </a:lnRef>
-                  <a:fillRef idx="0">
-                    <a:schemeClr val="accent1"/>
-                  </a:fillRef>
-                  <a:effectRef idx="0">
-                    <a:schemeClr val="accent1"/>
-                  </a:effectRef>
-                  <a:fontRef idx="minor">
+                <a:prstGeom prst="line">
+                  <a:avLst/>
+                </a:prstGeom>
+                <a:ln w="38100">
+                  <a:solidFill>
                     <a:schemeClr val="tx1"/>
-                  </a:fontRef>
-                </p:style>
-              </p:cxnSp>
-              <p:cxnSp>
-                <p:nvCxnSpPr>
-                  <p:cNvPr id="256" name="Straight Arrow Connector 255"/>
-                  <p:cNvCxnSpPr/>
-                  <p:nvPr/>
-                </p:nvCxnSpPr>
-                <p:spPr>
-                  <a:xfrm flipV="1">
-                    <a:off x="1445588" y="2503276"/>
-                    <a:ext cx="1874904" cy="0"/>
-                  </a:xfrm>
-                  <a:prstGeom prst="straightConnector1">
-                    <a:avLst/>
-                  </a:prstGeom>
-                  <a:ln w="38100">
-                    <a:solidFill>
-                      <a:schemeClr val="tx1"/>
-                    </a:solidFill>
-                    <a:tailEnd type="triangle"/>
-                  </a:ln>
-                </p:spPr>
-                <p:style>
-                  <a:lnRef idx="1">
-                    <a:schemeClr val="accent1"/>
-                  </a:lnRef>
-                  <a:fillRef idx="0">
-                    <a:schemeClr val="accent1"/>
-                  </a:fillRef>
-                  <a:effectRef idx="0">
-                    <a:schemeClr val="accent1"/>
-                  </a:effectRef>
-                  <a:fontRef idx="minor">
+                  </a:solidFill>
+                </a:ln>
+              </p:spPr>
+              <p:style>
+                <a:lnRef idx="1">
+                  <a:schemeClr val="accent1"/>
+                </a:lnRef>
+                <a:fillRef idx="0">
+                  <a:schemeClr val="accent1"/>
+                </a:fillRef>
+                <a:effectRef idx="0">
+                  <a:schemeClr val="accent1"/>
+                </a:effectRef>
+                <a:fontRef idx="minor">
+                  <a:schemeClr val="tx1"/>
+                </a:fontRef>
+              </p:style>
+            </p:cxnSp>
+            <p:cxnSp>
+              <p:nvCxnSpPr>
+                <p:cNvPr id="107" name="Straight Connector 106"/>
+                <p:cNvCxnSpPr/>
+                <p:nvPr/>
+              </p:nvCxnSpPr>
+              <p:spPr>
+                <a:xfrm flipH="1">
+                  <a:off x="9105900" y="2412694"/>
+                  <a:ext cx="112390" cy="176270"/>
+                </a:xfrm>
+                <a:prstGeom prst="line">
+                  <a:avLst/>
+                </a:prstGeom>
+                <a:ln w="38100">
+                  <a:solidFill>
                     <a:schemeClr val="tx1"/>
-                  </a:fontRef>
-                </p:style>
-              </p:cxnSp>
-              <mc:AlternateContent xmlns:mc="http://schemas.openxmlformats.org/markup-compatibility/2006" xmlns:a14="http://schemas.microsoft.com/office/drawing/2010/main">
-                <mc:Choice Requires="a14">
-                  <p:sp>
-                    <p:nvSpPr>
-                      <p:cNvPr id="257" name="Rectangle 256"/>
-                      <p:cNvSpPr/>
-                      <p:nvPr/>
-                    </p:nvSpPr>
-                    <p:spPr>
-                      <a:xfrm>
-                        <a:off x="2697555" y="2447016"/>
-                        <a:ext cx="367985" cy="369333"/>
-                      </a:xfrm>
-                      <a:prstGeom prst="rect">
-                        <a:avLst/>
-                      </a:prstGeom>
-                    </p:spPr>
-                    <p:txBody>
-                      <a:bodyPr wrap="none">
-                        <a:spAutoFit/>
-                      </a:bodyPr>
-                      <a:lstStyle/>
-                      <a:p>
-                        <a:pPr/>
-                        <a14:m>
-                          <m:oMathPara xmlns:m="http://schemas.openxmlformats.org/officeDocument/2006/math">
-                            <m:oMathParaPr>
-                              <m:jc m:val="centerGroup"/>
-                            </m:oMathParaPr>
-                            <m:oMath xmlns:m="http://schemas.openxmlformats.org/officeDocument/2006/math">
-                              <m:r>
-                                <a:rPr lang="en-US" i="1">
-                                  <a:latin typeface="Cambria Math" panose="02040503050406030204" pitchFamily="18" charset="0"/>
-                                  <a:cs typeface="Arial" panose="020B0604020202020204" pitchFamily="34" charset="0"/>
-                                </a:rPr>
-                                <m:t>𝑥</m:t>
-                              </m:r>
-                            </m:oMath>
-                          </m:oMathPara>
-                        </a14:m>
-                        <a:endParaRPr lang="en-CA" dirty="0"/>
-                      </a:p>
-                    </p:txBody>
-                  </p:sp>
-                </mc:Choice>
-                <mc:Fallback xmlns="">
-                  <p:sp>
-                    <p:nvSpPr>
-                      <p:cNvPr id="107" name="Rectangle 106"/>
-                      <p:cNvSpPr>
-                        <a:spLocks noRot="1" noChangeAspect="1" noMove="1" noResize="1" noEditPoints="1" noAdjustHandles="1" noChangeArrowheads="1" noChangeShapeType="1" noTextEdit="1"/>
-                      </p:cNvSpPr>
-                      <p:nvPr/>
-                    </p:nvSpPr>
-                    <p:spPr>
-                      <a:xfrm>
-                        <a:off x="2697555" y="2447016"/>
-                        <a:ext cx="367985" cy="369333"/>
-                      </a:xfrm>
-                      <a:prstGeom prst="rect">
-                        <a:avLst/>
-                      </a:prstGeom>
-                      <a:blipFill>
-                        <a:blip r:embed="rId27"/>
-                        <a:stretch>
-                          <a:fillRect r="-95238" b="-160000"/>
-                        </a:stretch>
-                      </a:blipFill>
-                    </p:spPr>
-                    <p:txBody>
-                      <a:bodyPr/>
-                      <a:lstStyle/>
-                      <a:p>
-                        <a:r>
-                          <a:rPr lang="en-US">
-                            <a:noFill/>
-                          </a:rPr>
-                          <a:t> </a:t>
-                        </a:r>
-                      </a:p>
-                    </p:txBody>
-                  </p:sp>
-                </mc:Fallback>
-              </mc:AlternateContent>
-              <mc:AlternateContent xmlns:mc="http://schemas.openxmlformats.org/markup-compatibility/2006" xmlns:a14="http://schemas.microsoft.com/office/drawing/2010/main">
-                <mc:Choice Requires="a14">
-                  <p:sp>
-                    <p:nvSpPr>
-                      <p:cNvPr id="258" name="Rectangle 257"/>
-                      <p:cNvSpPr/>
-                      <p:nvPr/>
-                    </p:nvSpPr>
-                    <p:spPr>
-                      <a:xfrm>
-                        <a:off x="785815" y="912420"/>
-                        <a:ext cx="371385" cy="369333"/>
-                      </a:xfrm>
-                      <a:prstGeom prst="rect">
-                        <a:avLst/>
-                      </a:prstGeom>
-                    </p:spPr>
-                    <p:txBody>
-                      <a:bodyPr wrap="none">
-                        <a:spAutoFit/>
-                      </a:bodyPr>
-                      <a:lstStyle/>
-                      <a:p>
-                        <a:pPr/>
-                        <a14:m>
-                          <m:oMathPara xmlns:m="http://schemas.openxmlformats.org/officeDocument/2006/math">
-                            <m:oMathParaPr>
-                              <m:jc m:val="centerGroup"/>
-                            </m:oMathParaPr>
-                            <m:oMath xmlns:m="http://schemas.openxmlformats.org/officeDocument/2006/math">
-                              <m:r>
-                                <a:rPr lang="en-US" b="0" i="1" smtClean="0">
-                                  <a:latin typeface="Cambria Math" panose="02040503050406030204" pitchFamily="18" charset="0"/>
-                                </a:rPr>
-                                <m:t>𝑦</m:t>
-                              </m:r>
-                            </m:oMath>
-                          </m:oMathPara>
-                        </a14:m>
-                        <a:endParaRPr lang="en-CA" dirty="0"/>
-                      </a:p>
-                    </p:txBody>
-                  </p:sp>
-                </mc:Choice>
-                <mc:Fallback xmlns="">
-                  <p:sp>
-                    <p:nvSpPr>
-                      <p:cNvPr id="108" name="Rectangle 107"/>
-                      <p:cNvSpPr>
-                        <a:spLocks noRot="1" noChangeAspect="1" noMove="1" noResize="1" noEditPoints="1" noAdjustHandles="1" noChangeArrowheads="1" noChangeShapeType="1" noTextEdit="1"/>
-                      </p:cNvSpPr>
-                      <p:nvPr/>
-                    </p:nvSpPr>
-                    <p:spPr>
-                      <a:xfrm>
-                        <a:off x="785815" y="912420"/>
-                        <a:ext cx="371385" cy="369333"/>
-                      </a:xfrm>
-                      <a:prstGeom prst="rect">
-                        <a:avLst/>
-                      </a:prstGeom>
-                      <a:blipFill>
-                        <a:blip r:embed="rId28"/>
-                        <a:stretch>
-                          <a:fillRect l="-19048" r="-114286" b="-220000"/>
-                        </a:stretch>
-                      </a:blipFill>
-                    </p:spPr>
-                    <p:txBody>
-                      <a:bodyPr/>
-                      <a:lstStyle/>
-                      <a:p>
-                        <a:r>
-                          <a:rPr lang="en-US">
-                            <a:noFill/>
-                          </a:rPr>
-                          <a:t> </a:t>
-                        </a:r>
-                      </a:p>
-                    </p:txBody>
-                  </p:sp>
-                </mc:Fallback>
-              </mc:AlternateContent>
-              <mc:AlternateContent xmlns:mc="http://schemas.openxmlformats.org/markup-compatibility/2006" xmlns:a14="http://schemas.microsoft.com/office/drawing/2010/main">
-                <mc:Choice Requires="a14">
-                  <p:sp>
-                    <p:nvSpPr>
-                      <p:cNvPr id="259" name="Rectangle 258"/>
-                      <p:cNvSpPr/>
-                      <p:nvPr/>
-                    </p:nvSpPr>
-                    <p:spPr>
-                      <a:xfrm>
-                        <a:off x="1006642" y="2350591"/>
-                        <a:ext cx="367985" cy="369333"/>
-                      </a:xfrm>
-                      <a:prstGeom prst="rect">
-                        <a:avLst/>
-                      </a:prstGeom>
-                    </p:spPr>
-                    <p:txBody>
-                      <a:bodyPr wrap="none">
-                        <a:spAutoFit/>
-                      </a:bodyPr>
-                      <a:lstStyle/>
-                      <a:p>
-                        <a:pPr/>
-                        <a14:m>
-                          <m:oMathPara xmlns:m="http://schemas.openxmlformats.org/officeDocument/2006/math">
-                            <m:oMathParaPr>
-                              <m:jc m:val="centerGroup"/>
-                            </m:oMathParaPr>
-                            <m:oMath xmlns:m="http://schemas.openxmlformats.org/officeDocument/2006/math">
-                              <m:r>
-                                <a:rPr lang="en-US" b="0" i="1" smtClean="0">
-                                  <a:latin typeface="Cambria Math" panose="02040503050406030204" pitchFamily="18" charset="0"/>
-                                  <a:cs typeface="Arial" panose="020B0604020202020204" pitchFamily="34" charset="0"/>
-                                </a:rPr>
-                                <m:t>0</m:t>
-                              </m:r>
-                            </m:oMath>
-                          </m:oMathPara>
-                        </a14:m>
-                        <a:endParaRPr lang="en-CA" dirty="0"/>
-                      </a:p>
-                    </p:txBody>
-                  </p:sp>
-                </mc:Choice>
-                <mc:Fallback xmlns="">
-                  <p:sp>
-                    <p:nvSpPr>
-                      <p:cNvPr id="109" name="Rectangle 108"/>
-                      <p:cNvSpPr>
-                        <a:spLocks noRot="1" noChangeAspect="1" noMove="1" noResize="1" noEditPoints="1" noAdjustHandles="1" noChangeArrowheads="1" noChangeShapeType="1" noTextEdit="1"/>
-                      </p:cNvSpPr>
-                      <p:nvPr/>
-                    </p:nvSpPr>
-                    <p:spPr>
-                      <a:xfrm>
-                        <a:off x="1006642" y="2350591"/>
-                        <a:ext cx="367985" cy="369333"/>
-                      </a:xfrm>
-                      <a:prstGeom prst="rect">
-                        <a:avLst/>
-                      </a:prstGeom>
-                      <a:blipFill>
-                        <a:blip r:embed="rId29"/>
-                        <a:stretch>
-                          <a:fillRect l="-14286" r="-114286" b="-180000"/>
-                        </a:stretch>
-                      </a:blipFill>
-                    </p:spPr>
-                    <p:txBody>
-                      <a:bodyPr/>
-                      <a:lstStyle/>
-                      <a:p>
-                        <a:r>
-                          <a:rPr lang="en-US">
-                            <a:noFill/>
-                          </a:rPr>
-                          <a:t> </a:t>
-                        </a:r>
-                      </a:p>
-                    </p:txBody>
-                  </p:sp>
-                </mc:Fallback>
-              </mc:AlternateContent>
-            </p:grpSp>
+                  </a:solidFill>
+                </a:ln>
+              </p:spPr>
+              <p:style>
+                <a:lnRef idx="1">
+                  <a:schemeClr val="accent1"/>
+                </a:lnRef>
+                <a:fillRef idx="0">
+                  <a:schemeClr val="accent1"/>
+                </a:fillRef>
+                <a:effectRef idx="0">
+                  <a:schemeClr val="accent1"/>
+                </a:effectRef>
+                <a:fontRef idx="minor">
+                  <a:schemeClr val="tx1"/>
+                </a:fontRef>
+              </p:style>
+            </p:cxnSp>
+          </p:grpSp>
+          <p:grpSp>
+            <p:nvGrpSpPr>
+              <p:cNvPr id="85" name="Group 84"/>
+              <p:cNvGrpSpPr/>
+              <p:nvPr/>
+            </p:nvGrpSpPr>
+            <p:grpSpPr>
+              <a:xfrm rot="10800000">
+                <a:off x="8266076" y="3798342"/>
+                <a:ext cx="225387" cy="176270"/>
+                <a:chOff x="9117220" y="2059075"/>
+                <a:chExt cx="225387" cy="176270"/>
+              </a:xfrm>
+            </p:grpSpPr>
+            <p:cxnSp>
+              <p:nvCxnSpPr>
+                <p:cNvPr id="104" name="Straight Connector 103"/>
+                <p:cNvCxnSpPr/>
+                <p:nvPr/>
+              </p:nvCxnSpPr>
+              <p:spPr>
+                <a:xfrm>
+                  <a:off x="9210404" y="2059075"/>
+                  <a:ext cx="132203" cy="176270"/>
+                </a:xfrm>
+                <a:prstGeom prst="line">
+                  <a:avLst/>
+                </a:prstGeom>
+                <a:ln w="38100">
+                  <a:solidFill>
+                    <a:schemeClr val="tx1"/>
+                  </a:solidFill>
+                </a:ln>
+              </p:spPr>
+              <p:style>
+                <a:lnRef idx="1">
+                  <a:schemeClr val="accent1"/>
+                </a:lnRef>
+                <a:fillRef idx="0">
+                  <a:schemeClr val="accent1"/>
+                </a:fillRef>
+                <a:effectRef idx="0">
+                  <a:schemeClr val="accent1"/>
+                </a:effectRef>
+                <a:fontRef idx="minor">
+                  <a:schemeClr val="tx1"/>
+                </a:fontRef>
+              </p:style>
+            </p:cxnSp>
+            <p:cxnSp>
+              <p:nvCxnSpPr>
+                <p:cNvPr id="105" name="Straight Connector 104"/>
+                <p:cNvCxnSpPr/>
+                <p:nvPr/>
+              </p:nvCxnSpPr>
+              <p:spPr>
+                <a:xfrm flipH="1">
+                  <a:off x="9117220" y="2059075"/>
+                  <a:ext cx="112390" cy="176270"/>
+                </a:xfrm>
+                <a:prstGeom prst="line">
+                  <a:avLst/>
+                </a:prstGeom>
+                <a:ln w="38100">
+                  <a:solidFill>
+                    <a:schemeClr val="tx1"/>
+                  </a:solidFill>
+                </a:ln>
+              </p:spPr>
+              <p:style>
+                <a:lnRef idx="1">
+                  <a:schemeClr val="accent1"/>
+                </a:lnRef>
+                <a:fillRef idx="0">
+                  <a:schemeClr val="accent1"/>
+                </a:fillRef>
+                <a:effectRef idx="0">
+                  <a:schemeClr val="accent1"/>
+                </a:effectRef>
+                <a:fontRef idx="minor">
+                  <a:schemeClr val="tx1"/>
+                </a:fontRef>
+              </p:style>
+            </p:cxnSp>
+          </p:grpSp>
+        </p:grpSp>
+        <mc:AlternateContent xmlns:mc="http://schemas.openxmlformats.org/markup-compatibility/2006">
+          <mc:Choice xmlns:a14="http://schemas.microsoft.com/office/drawing/2010/main" Requires="a14">
             <p:sp>
               <p:nvSpPr>
-                <p:cNvPr id="254" name="Rectangle 253"/>
-                <p:cNvSpPr/>
+                <p:cNvPr id="79" name="TextBox 78"/>
+                <p:cNvSpPr txBox="1"/>
                 <p:nvPr/>
               </p:nvSpPr>
               <p:spPr>
                 <a:xfrm>
-                  <a:off x="1129904" y="1614682"/>
-                  <a:ext cx="184731" cy="369332"/>
+                  <a:off x="6995793" y="3655818"/>
+                  <a:ext cx="211725" cy="369332"/>
                 </a:xfrm>
                 <a:prstGeom prst="rect">
                   <a:avLst/>
                 </a:prstGeom>
+                <a:noFill/>
               </p:spPr>
               <p:txBody>
-                <a:bodyPr wrap="none">
+                <a:bodyPr wrap="none" lIns="0" tIns="0" rIns="0" bIns="0" rtlCol="0">
                   <a:spAutoFit/>
                 </a:bodyPr>
                 <a:lstStyle/>
                 <a:p>
-                  <a:endParaRPr lang="en-CA" dirty="0"/>
+                  <a14:m>
+                    <m:oMathPara xmlns:m="http://schemas.openxmlformats.org/officeDocument/2006/math">
+                      <m:oMathParaPr>
+                        <m:jc m:val="centerGroup"/>
+                      </m:oMathParaPr>
+                      <m:oMath xmlns:m="http://schemas.openxmlformats.org/officeDocument/2006/math">
+                        <m:r>
+                          <a:rPr lang="en-US" sz="2400" b="0" i="1" smtClean="0">
+                            <a:latin typeface="Cambria Math" panose="02040503050406030204" pitchFamily="18" charset="0"/>
+                            <a:cs typeface="Arial" panose="020B0604020202020204" pitchFamily="34" charset="0"/>
+                          </a:rPr>
+                          <m:t>𝐼</m:t>
+                        </m:r>
+                      </m:oMath>
+                    </m:oMathPara>
+                  </a14:m>
+                  <a:endParaRPr lang="en-US" sz="2400" dirty="0" smtClean="0">
+                    <a:latin typeface="Arial" panose="020B0604020202020204" pitchFamily="34" charset="0"/>
+                    <a:cs typeface="Arial" panose="020B0604020202020204" pitchFamily="34" charset="0"/>
+                  </a:endParaRPr>
                 </a:p>
               </p:txBody>
             </p:sp>
-          </p:grpSp>
-        </p:grpSp>
+          </mc:Choice>
+          <mc:Fallback>
+            <p:sp>
+              <p:nvSpPr>
+                <p:cNvPr id="79" name="TextBox 78"/>
+                <p:cNvSpPr txBox="1">
+                  <a:spLocks noRot="1" noChangeAspect="1" noMove="1" noResize="1" noEditPoints="1" noAdjustHandles="1" noChangeArrowheads="1" noChangeShapeType="1" noTextEdit="1"/>
+                </p:cNvSpPr>
+                <p:nvPr/>
+              </p:nvSpPr>
+              <p:spPr>
+                <a:xfrm>
+                  <a:off x="6995793" y="3655818"/>
+                  <a:ext cx="211725" cy="369332"/>
+                </a:xfrm>
+                <a:prstGeom prst="rect">
+                  <a:avLst/>
+                </a:prstGeom>
+                <a:blipFill>
+                  <a:blip r:embed="rId4"/>
+                  <a:stretch>
+                    <a:fillRect l="-32353" r="-26471" b="-10000"/>
+                  </a:stretch>
+                </a:blipFill>
+              </p:spPr>
+              <p:txBody>
+                <a:bodyPr/>
+                <a:lstStyle/>
+                <a:p>
+                  <a:r>
+                    <a:rPr lang="en-US">
+                      <a:noFill/>
+                    </a:rPr>
+                    <a:t> </a:t>
+                  </a:r>
+                </a:p>
+              </p:txBody>
+            </p:sp>
+          </mc:Fallback>
+        </mc:AlternateContent>
         <p:cxnSp>
           <p:nvCxnSpPr>
-            <p:cNvPr id="260" name="Straight Arrow Connector 259"/>
+            <p:cNvPr id="112" name="Straight Arrow Connector 111"/>
             <p:cNvCxnSpPr/>
             <p:nvPr/>
           </p:nvCxnSpPr>
           <p:spPr>
-            <a:xfrm flipH="1">
-              <a:off x="6911072" y="1777234"/>
-              <a:ext cx="7424" cy="719860"/>
+            <a:xfrm flipV="1">
+              <a:off x="7899094" y="3613533"/>
+              <a:ext cx="3316077" cy="11016"/>
             </a:xfrm>
             <a:prstGeom prst="straightConnector1">
               <a:avLst/>
             </a:prstGeom>
-            <a:ln w="28575">
+            <a:ln w="38100">
               <a:solidFill>
                 <a:schemeClr val="tx1"/>
               </a:solidFill>
-              <a:prstDash val="sysDot"/>
-              <a:headEnd type="triangle"/>
+              <a:tailEnd type="triangle"/>
+            </a:ln>
+          </p:spPr>
+          <p:style>
+            <a:lnRef idx="1">
+              <a:schemeClr val="accent1"/>
+            </a:lnRef>
+            <a:fillRef idx="0">
+              <a:schemeClr val="accent1"/>
+            </a:fillRef>
+            <a:effectRef idx="0">
+              <a:schemeClr val="accent1"/>
+            </a:effectRef>
+            <a:fontRef idx="minor">
+              <a:schemeClr val="tx1"/>
+            </a:fontRef>
+          </p:style>
+        </p:cxnSp>
+        <p:cxnSp>
+          <p:nvCxnSpPr>
+            <p:cNvPr id="113" name="Straight Arrow Connector 112"/>
+            <p:cNvCxnSpPr/>
+            <p:nvPr/>
+          </p:nvCxnSpPr>
+          <p:spPr>
+            <a:xfrm flipV="1">
+              <a:off x="7929799" y="683046"/>
+              <a:ext cx="0" cy="2937948"/>
+            </a:xfrm>
+            <a:prstGeom prst="straightConnector1">
+              <a:avLst/>
+            </a:prstGeom>
+            <a:ln w="38100">
+              <a:solidFill>
+                <a:schemeClr val="tx1"/>
+              </a:solidFill>
+              <a:tailEnd type="triangle"/>
+            </a:ln>
+          </p:spPr>
+          <p:style>
+            <a:lnRef idx="1">
+              <a:schemeClr val="accent1"/>
+            </a:lnRef>
+            <a:fillRef idx="0">
+              <a:schemeClr val="accent1"/>
+            </a:fillRef>
+            <a:effectRef idx="0">
+              <a:schemeClr val="accent1"/>
+            </a:effectRef>
+            <a:fontRef idx="minor">
+              <a:schemeClr val="tx1"/>
+            </a:fontRef>
+          </p:style>
+        </p:cxnSp>
+        <p:cxnSp>
+          <p:nvCxnSpPr>
+            <p:cNvPr id="116" name="Straight Arrow Connector 115"/>
+            <p:cNvCxnSpPr/>
+            <p:nvPr/>
+          </p:nvCxnSpPr>
+          <p:spPr>
+            <a:xfrm flipV="1">
+              <a:off x="7937277" y="2593938"/>
+              <a:ext cx="1327721" cy="1012456"/>
+            </a:xfrm>
+            <a:prstGeom prst="straightConnector1">
+              <a:avLst/>
+            </a:prstGeom>
+            <a:ln w="38100">
+              <a:solidFill>
+                <a:schemeClr val="tx1"/>
+              </a:solidFill>
+              <a:prstDash val="dash"/>
               <a:tailEnd type="triangle"/>
             </a:ln>
           </p:spPr>
@@ -14131,13 +17145,223 @@
           <mc:Choice xmlns:a14="http://schemas.microsoft.com/office/drawing/2010/main" Requires="a14">
             <p:sp>
               <p:nvSpPr>
-                <p:cNvPr id="138" name="TextBox 137"/>
+                <p:cNvPr id="121" name="TextBox 120"/>
                 <p:cNvSpPr txBox="1"/>
                 <p:nvPr/>
               </p:nvSpPr>
               <p:spPr>
                 <a:xfrm>
-                  <a:off x="6653754" y="1943463"/>
+                  <a:off x="8993405" y="2317973"/>
+                  <a:ext cx="214546" cy="307777"/>
+                </a:xfrm>
+                <a:prstGeom prst="rect">
+                  <a:avLst/>
+                </a:prstGeom>
+                <a:noFill/>
+              </p:spPr>
+              <p:txBody>
+                <a:bodyPr wrap="none" lIns="0" tIns="0" rIns="0" bIns="0" rtlCol="0">
+                  <a:spAutoFit/>
+                </a:bodyPr>
+                <a:lstStyle/>
+                <a:p>
+                  <a14:m>
+                    <m:oMathPara xmlns:m="http://schemas.openxmlformats.org/officeDocument/2006/math">
+                      <m:oMathParaPr>
+                        <m:jc m:val="centerGroup"/>
+                      </m:oMathParaPr>
+                      <m:oMath xmlns:m="http://schemas.openxmlformats.org/officeDocument/2006/math">
+                        <m:r>
+                          <a:rPr lang="en-US" sz="2000" b="0" i="1" smtClean="0">
+                            <a:latin typeface="Cambria Math" panose="02040503050406030204" pitchFamily="18" charset="0"/>
+                            <a:cs typeface="Arial" panose="020B0604020202020204" pitchFamily="34" charset="0"/>
+                          </a:rPr>
+                          <m:t>𝑥</m:t>
+                        </m:r>
+                      </m:oMath>
+                    </m:oMathPara>
+                  </a14:m>
+                  <a:endParaRPr lang="en-US" sz="2000" dirty="0" smtClean="0">
+                    <a:latin typeface="Arial" panose="020B0604020202020204" pitchFamily="34" charset="0"/>
+                    <a:cs typeface="Arial" panose="020B0604020202020204" pitchFamily="34" charset="0"/>
+                  </a:endParaRPr>
+                </a:p>
+              </p:txBody>
+            </p:sp>
+          </mc:Choice>
+          <mc:Fallback>
+            <p:sp>
+              <p:nvSpPr>
+                <p:cNvPr id="121" name="TextBox 120"/>
+                <p:cNvSpPr txBox="1">
+                  <a:spLocks noRot="1" noChangeAspect="1" noMove="1" noResize="1" noEditPoints="1" noAdjustHandles="1" noChangeArrowheads="1" noChangeShapeType="1" noTextEdit="1"/>
+                </p:cNvSpPr>
+                <p:nvPr/>
+              </p:nvSpPr>
+              <p:spPr>
+                <a:xfrm>
+                  <a:off x="8993405" y="2317973"/>
+                  <a:ext cx="214546" cy="307777"/>
+                </a:xfrm>
+                <a:prstGeom prst="rect">
+                  <a:avLst/>
+                </a:prstGeom>
+                <a:blipFill>
+                  <a:blip r:embed="rId5"/>
+                  <a:stretch>
+                    <a:fillRect l="-11429" r="-11429" b="-1961"/>
+                  </a:stretch>
+                </a:blipFill>
+              </p:spPr>
+              <p:txBody>
+                <a:bodyPr/>
+                <a:lstStyle/>
+                <a:p>
+                  <a:r>
+                    <a:rPr lang="en-US">
+                      <a:noFill/>
+                    </a:rPr>
+                    <a:t> </a:t>
+                  </a:r>
+                </a:p>
+              </p:txBody>
+            </p:sp>
+          </mc:Fallback>
+        </mc:AlternateContent>
+        <p:cxnSp>
+          <p:nvCxnSpPr>
+            <p:cNvPr id="122" name="Straight Arrow Connector 121"/>
+            <p:cNvCxnSpPr/>
+            <p:nvPr/>
+          </p:nvCxnSpPr>
+          <p:spPr>
+            <a:xfrm flipV="1">
+              <a:off x="7907765" y="683046"/>
+              <a:ext cx="0" cy="2937948"/>
+            </a:xfrm>
+            <a:prstGeom prst="straightConnector1">
+              <a:avLst/>
+            </a:prstGeom>
+            <a:ln w="38100">
+              <a:solidFill>
+                <a:schemeClr val="tx1"/>
+              </a:solidFill>
+              <a:tailEnd type="triangle"/>
+            </a:ln>
+          </p:spPr>
+          <p:style>
+            <a:lnRef idx="1">
+              <a:schemeClr val="accent1"/>
+            </a:lnRef>
+            <a:fillRef idx="0">
+              <a:schemeClr val="accent1"/>
+            </a:fillRef>
+            <a:effectRef idx="0">
+              <a:schemeClr val="accent1"/>
+            </a:effectRef>
+            <a:fontRef idx="minor">
+              <a:schemeClr val="tx1"/>
+            </a:fontRef>
+          </p:style>
+        </p:cxnSp>
+        <mc:AlternateContent xmlns:mc="http://schemas.openxmlformats.org/markup-compatibility/2006">
+          <mc:Choice xmlns:a14="http://schemas.microsoft.com/office/drawing/2010/main" Requires="a14">
+            <p:sp>
+              <p:nvSpPr>
+                <p:cNvPr id="123" name="TextBox 122"/>
+                <p:cNvSpPr txBox="1"/>
+                <p:nvPr/>
+              </p:nvSpPr>
+              <p:spPr>
+                <a:xfrm>
+                  <a:off x="11077684" y="3655818"/>
+                  <a:ext cx="198323" cy="307777"/>
+                </a:xfrm>
+                <a:prstGeom prst="rect">
+                  <a:avLst/>
+                </a:prstGeom>
+                <a:noFill/>
+              </p:spPr>
+              <p:txBody>
+                <a:bodyPr wrap="none" lIns="0" tIns="0" rIns="0" bIns="0" rtlCol="0">
+                  <a:spAutoFit/>
+                </a:bodyPr>
+                <a:lstStyle/>
+                <a:p>
+                  <a14:m>
+                    <m:oMathPara xmlns:m="http://schemas.openxmlformats.org/officeDocument/2006/math">
+                      <m:oMathParaPr>
+                        <m:jc m:val="centerGroup"/>
+                      </m:oMathParaPr>
+                      <m:oMath xmlns:m="http://schemas.openxmlformats.org/officeDocument/2006/math">
+                        <m:r>
+                          <a:rPr lang="en-US" sz="2000" b="0" i="1" smtClean="0">
+                            <a:latin typeface="Cambria Math" panose="02040503050406030204" pitchFamily="18" charset="0"/>
+                            <a:cs typeface="Arial" panose="020B0604020202020204" pitchFamily="34" charset="0"/>
+                          </a:rPr>
+                          <m:t>𝑧</m:t>
+                        </m:r>
+                      </m:oMath>
+                    </m:oMathPara>
+                  </a14:m>
+                  <a:endParaRPr lang="en-US" sz="2000" dirty="0" smtClean="0">
+                    <a:latin typeface="Arial" panose="020B0604020202020204" pitchFamily="34" charset="0"/>
+                    <a:cs typeface="Arial" panose="020B0604020202020204" pitchFamily="34" charset="0"/>
+                  </a:endParaRPr>
+                </a:p>
+              </p:txBody>
+            </p:sp>
+          </mc:Choice>
+          <mc:Fallback>
+            <p:sp>
+              <p:nvSpPr>
+                <p:cNvPr id="123" name="TextBox 122"/>
+                <p:cNvSpPr txBox="1">
+                  <a:spLocks noRot="1" noChangeAspect="1" noMove="1" noResize="1" noEditPoints="1" noAdjustHandles="1" noChangeArrowheads="1" noChangeShapeType="1" noTextEdit="1"/>
+                </p:cNvSpPr>
+                <p:nvPr/>
+              </p:nvSpPr>
+              <p:spPr>
+                <a:xfrm>
+                  <a:off x="11077684" y="3655818"/>
+                  <a:ext cx="198323" cy="307777"/>
+                </a:xfrm>
+                <a:prstGeom prst="rect">
+                  <a:avLst/>
+                </a:prstGeom>
+                <a:blipFill>
+                  <a:blip r:embed="rId6"/>
+                  <a:stretch>
+                    <a:fillRect l="-12121" r="-12121" b="-2000"/>
+                  </a:stretch>
+                </a:blipFill>
+              </p:spPr>
+              <p:txBody>
+                <a:bodyPr/>
+                <a:lstStyle/>
+                <a:p>
+                  <a:r>
+                    <a:rPr lang="en-US">
+                      <a:noFill/>
+                    </a:rPr>
+                    <a:t> </a:t>
+                  </a:r>
+                </a:p>
+              </p:txBody>
+            </p:sp>
+          </mc:Fallback>
+        </mc:AlternateContent>
+        <mc:AlternateContent xmlns:mc="http://schemas.openxmlformats.org/markup-compatibility/2006">
+          <mc:Choice xmlns:a14="http://schemas.microsoft.com/office/drawing/2010/main" Requires="a14">
+            <p:sp>
+              <p:nvSpPr>
+                <p:cNvPr id="124" name="TextBox 123"/>
+                <p:cNvSpPr txBox="1"/>
+                <p:nvPr/>
+              </p:nvSpPr>
+              <p:spPr>
+                <a:xfrm>
+                  <a:off x="7718114" y="713955"/>
                   <a:ext cx="219163" cy="307777"/>
                 </a:xfrm>
                 <a:prstGeom prst="rect">
@@ -14178,7 +17402,7 @@
           <mc:Fallback>
             <p:sp>
               <p:nvSpPr>
-                <p:cNvPr id="138" name="TextBox 137"/>
+                <p:cNvPr id="124" name="TextBox 123"/>
                 <p:cNvSpPr txBox="1">
                   <a:spLocks noRot="1" noChangeAspect="1" noMove="1" noResize="1" noEditPoints="1" noAdjustHandles="1" noChangeArrowheads="1" noChangeShapeType="1" noTextEdit="1"/>
                 </p:cNvSpPr>
@@ -14186,16 +17410,845 @@
               </p:nvSpPr>
               <p:spPr>
                 <a:xfrm>
-                  <a:off x="6653754" y="1943463"/>
+                  <a:off x="7718114" y="713955"/>
                   <a:ext cx="219163" cy="307777"/>
                 </a:xfrm>
                 <a:prstGeom prst="rect">
                   <a:avLst/>
                 </a:prstGeom>
                 <a:blipFill>
-                  <a:blip r:embed="rId30"/>
+                  <a:blip r:embed="rId7"/>
                   <a:stretch>
-                    <a:fillRect l="-25000" r="-25000" b="-30000"/>
+                    <a:fillRect l="-25000" r="-25000" b="-27451"/>
+                  </a:stretch>
+                </a:blipFill>
+              </p:spPr>
+              <p:txBody>
+                <a:bodyPr/>
+                <a:lstStyle/>
+                <a:p>
+                  <a:r>
+                    <a:rPr lang="en-US">
+                      <a:noFill/>
+                    </a:rPr>
+                    <a:t> </a:t>
+                  </a:r>
+                </a:p>
+              </p:txBody>
+            </p:sp>
+          </mc:Fallback>
+        </mc:AlternateContent>
+        <p:cxnSp>
+          <p:nvCxnSpPr>
+            <p:cNvPr id="126" name="Straight Arrow Connector 125"/>
+            <p:cNvCxnSpPr/>
+            <p:nvPr/>
+          </p:nvCxnSpPr>
+          <p:spPr>
+            <a:xfrm flipV="1">
+              <a:off x="7943047" y="1359951"/>
+              <a:ext cx="304532" cy="233735"/>
+            </a:xfrm>
+            <a:prstGeom prst="straightConnector1">
+              <a:avLst/>
+            </a:prstGeom>
+            <a:ln w="50800">
+              <a:solidFill>
+                <a:srgbClr val="FF0000"/>
+              </a:solidFill>
+              <a:tailEnd type="triangle"/>
+            </a:ln>
+          </p:spPr>
+          <p:style>
+            <a:lnRef idx="1">
+              <a:schemeClr val="accent1"/>
+            </a:lnRef>
+            <a:fillRef idx="0">
+              <a:schemeClr val="accent1"/>
+            </a:fillRef>
+            <a:effectRef idx="0">
+              <a:schemeClr val="accent1"/>
+            </a:effectRef>
+            <a:fontRef idx="minor">
+              <a:schemeClr val="tx1"/>
+            </a:fontRef>
+          </p:style>
+        </p:cxnSp>
+        <mc:AlternateContent xmlns:mc="http://schemas.openxmlformats.org/markup-compatibility/2006">
+          <mc:Choice xmlns:a14="http://schemas.microsoft.com/office/drawing/2010/main" Requires="a14">
+            <p:sp>
+              <p:nvSpPr>
+                <p:cNvPr id="133" name="TextBox 132"/>
+                <p:cNvSpPr txBox="1"/>
+                <p:nvPr/>
+              </p:nvSpPr>
+              <p:spPr>
+                <a:xfrm>
+                  <a:off x="8207817" y="1381230"/>
+                  <a:ext cx="317651" cy="353302"/>
+                </a:xfrm>
+                <a:prstGeom prst="rect">
+                  <a:avLst/>
+                </a:prstGeom>
+                <a:noFill/>
+              </p:spPr>
+              <p:txBody>
+                <a:bodyPr wrap="none" lIns="0" tIns="0" rIns="0" bIns="0" rtlCol="0">
+                  <a:spAutoFit/>
+                </a:bodyPr>
+                <a:lstStyle/>
+                <a:p>
+                  <a14:m>
+                    <m:oMathPara xmlns:m="http://schemas.openxmlformats.org/officeDocument/2006/math">
+                      <m:oMathParaPr>
+                        <m:jc m:val="centerGroup"/>
+                      </m:oMathParaPr>
+                      <m:oMath xmlns:m="http://schemas.openxmlformats.org/officeDocument/2006/math">
+                        <m:r>
+                          <a:rPr lang="en-US" sz="2000" b="0" i="1" smtClean="0">
+                            <a:solidFill>
+                              <a:srgbClr val="FF0000"/>
+                            </a:solidFill>
+                            <a:latin typeface="Cambria Math" panose="02040503050406030204" pitchFamily="18" charset="0"/>
+                            <a:cs typeface="Arial" panose="020B0604020202020204" pitchFamily="34" charset="0"/>
+                          </a:rPr>
+                          <m:t>𝑑</m:t>
+                        </m:r>
+                        <m:acc>
+                          <m:accPr>
+                            <m:chr m:val="⃗"/>
+                            <m:ctrlPr>
+                              <a:rPr lang="en-US" sz="2000" b="0" i="1" smtClean="0">
+                                <a:solidFill>
+                                  <a:srgbClr val="FF0000"/>
+                                </a:solidFill>
+                                <a:latin typeface="Cambria Math" panose="02040503050406030204" pitchFamily="18" charset="0"/>
+                                <a:cs typeface="Arial" panose="020B0604020202020204" pitchFamily="34" charset="0"/>
+                              </a:rPr>
+                            </m:ctrlPr>
+                          </m:accPr>
+                          <m:e>
+                            <m:r>
+                              <a:rPr lang="en-US" sz="2000" b="0" i="1" smtClean="0">
+                                <a:solidFill>
+                                  <a:srgbClr val="FF0000"/>
+                                </a:solidFill>
+                                <a:latin typeface="Cambria Math" panose="02040503050406030204" pitchFamily="18" charset="0"/>
+                                <a:cs typeface="Arial" panose="020B0604020202020204" pitchFamily="34" charset="0"/>
+                              </a:rPr>
+                              <m:t>𝑙</m:t>
+                            </m:r>
+                          </m:e>
+                        </m:acc>
+                      </m:oMath>
+                    </m:oMathPara>
+                  </a14:m>
+                  <a:endParaRPr lang="en-US" sz="2000" dirty="0" smtClean="0">
+                    <a:solidFill>
+                      <a:srgbClr val="FF0000"/>
+                    </a:solidFill>
+                    <a:latin typeface="Arial" panose="020B0604020202020204" pitchFamily="34" charset="0"/>
+                    <a:cs typeface="Arial" panose="020B0604020202020204" pitchFamily="34" charset="0"/>
+                  </a:endParaRPr>
+                </a:p>
+              </p:txBody>
+            </p:sp>
+          </mc:Choice>
+          <mc:Fallback>
+            <p:sp>
+              <p:nvSpPr>
+                <p:cNvPr id="133" name="TextBox 132"/>
+                <p:cNvSpPr txBox="1">
+                  <a:spLocks noRot="1" noChangeAspect="1" noMove="1" noResize="1" noEditPoints="1" noAdjustHandles="1" noChangeArrowheads="1" noChangeShapeType="1" noTextEdit="1"/>
+                </p:cNvSpPr>
+                <p:nvPr/>
+              </p:nvSpPr>
+              <p:spPr>
+                <a:xfrm>
+                  <a:off x="8207817" y="1381230"/>
+                  <a:ext cx="317651" cy="353302"/>
+                </a:xfrm>
+                <a:prstGeom prst="rect">
+                  <a:avLst/>
+                </a:prstGeom>
+                <a:blipFill>
+                  <a:blip r:embed="rId8"/>
+                  <a:stretch>
+                    <a:fillRect l="-16981" t="-34483" r="-101887" b="-8621"/>
+                  </a:stretch>
+                </a:blipFill>
+              </p:spPr>
+              <p:txBody>
+                <a:bodyPr/>
+                <a:lstStyle/>
+                <a:p>
+                  <a:r>
+                    <a:rPr lang="en-US">
+                      <a:noFill/>
+                    </a:rPr>
+                    <a:t> </a:t>
+                  </a:r>
+                </a:p>
+              </p:txBody>
+            </p:sp>
+          </mc:Fallback>
+        </mc:AlternateContent>
+        <p:cxnSp>
+          <p:nvCxnSpPr>
+            <p:cNvPr id="135" name="Straight Arrow Connector 134"/>
+            <p:cNvCxnSpPr>
+              <a:stCxn id="109" idx="0"/>
+            </p:cNvCxnSpPr>
+            <p:nvPr/>
+          </p:nvCxnSpPr>
+          <p:spPr>
+            <a:xfrm>
+              <a:off x="7899948" y="1572159"/>
+              <a:ext cx="1894047" cy="2048835"/>
+            </a:xfrm>
+            <a:prstGeom prst="straightConnector1">
+              <a:avLst/>
+            </a:prstGeom>
+            <a:ln w="38100">
+              <a:solidFill>
+                <a:schemeClr val="tx1"/>
+              </a:solidFill>
+              <a:tailEnd type="triangle" w="lg" len="med"/>
+            </a:ln>
+          </p:spPr>
+          <p:style>
+            <a:lnRef idx="1">
+              <a:schemeClr val="accent1"/>
+            </a:lnRef>
+            <a:fillRef idx="0">
+              <a:schemeClr val="accent1"/>
+            </a:fillRef>
+            <a:effectRef idx="0">
+              <a:schemeClr val="accent1"/>
+            </a:effectRef>
+            <a:fontRef idx="minor">
+              <a:schemeClr val="tx1"/>
+            </a:fontRef>
+          </p:style>
+        </p:cxnSp>
+        <mc:AlternateContent xmlns:mc="http://schemas.openxmlformats.org/markup-compatibility/2006">
+          <mc:Choice xmlns:a14="http://schemas.microsoft.com/office/drawing/2010/main" Requires="a14">
+            <p:sp>
+              <p:nvSpPr>
+                <p:cNvPr id="136" name="TextBox 135"/>
+                <p:cNvSpPr txBox="1"/>
+                <p:nvPr/>
+              </p:nvSpPr>
+              <p:spPr>
+                <a:xfrm>
+                  <a:off x="9272475" y="2775482"/>
+                  <a:ext cx="198003" cy="307777"/>
+                </a:xfrm>
+                <a:prstGeom prst="rect">
+                  <a:avLst/>
+                </a:prstGeom>
+                <a:noFill/>
+              </p:spPr>
+              <p:txBody>
+                <a:bodyPr wrap="none" lIns="0" tIns="0" rIns="0" bIns="0" rtlCol="0">
+                  <a:spAutoFit/>
+                </a:bodyPr>
+                <a:lstStyle/>
+                <a:p>
+                  <a14:m>
+                    <m:oMathPara xmlns:m="http://schemas.openxmlformats.org/officeDocument/2006/math">
+                      <m:oMathParaPr>
+                        <m:jc m:val="centerGroup"/>
+                      </m:oMathParaPr>
+                      <m:oMath xmlns:m="http://schemas.openxmlformats.org/officeDocument/2006/math">
+                        <m:acc>
+                          <m:accPr>
+                            <m:chr m:val="⃗"/>
+                            <m:ctrlPr>
+                              <a:rPr lang="en-US" sz="2000" b="0" i="1" smtClean="0">
+                                <a:latin typeface="Cambria Math" panose="02040503050406030204" pitchFamily="18" charset="0"/>
+                                <a:cs typeface="Arial" panose="020B0604020202020204" pitchFamily="34" charset="0"/>
+                              </a:rPr>
+                            </m:ctrlPr>
+                          </m:accPr>
+                          <m:e>
+                            <m:r>
+                              <a:rPr lang="en-US" sz="2000" b="0" i="1" smtClean="0">
+                                <a:latin typeface="Cambria Math" panose="02040503050406030204" pitchFamily="18" charset="0"/>
+                                <a:cs typeface="Arial" panose="020B0604020202020204" pitchFamily="34" charset="0"/>
+                              </a:rPr>
+                              <m:t>𝑟</m:t>
+                            </m:r>
+                          </m:e>
+                        </m:acc>
+                      </m:oMath>
+                    </m:oMathPara>
+                  </a14:m>
+                  <a:endParaRPr lang="en-US" sz="2000" dirty="0" smtClean="0">
+                    <a:latin typeface="Arial" panose="020B0604020202020204" pitchFamily="34" charset="0"/>
+                    <a:cs typeface="Arial" panose="020B0604020202020204" pitchFamily="34" charset="0"/>
+                  </a:endParaRPr>
+                </a:p>
+              </p:txBody>
+            </p:sp>
+          </mc:Choice>
+          <mc:Fallback>
+            <p:sp>
+              <p:nvSpPr>
+                <p:cNvPr id="136" name="TextBox 135"/>
+                <p:cNvSpPr txBox="1">
+                  <a:spLocks noRot="1" noChangeAspect="1" noMove="1" noResize="1" noEditPoints="1" noAdjustHandles="1" noChangeArrowheads="1" noChangeShapeType="1" noTextEdit="1"/>
+                </p:cNvSpPr>
+                <p:nvPr/>
+              </p:nvSpPr>
+              <p:spPr>
+                <a:xfrm>
+                  <a:off x="9272475" y="2775482"/>
+                  <a:ext cx="198003" cy="307777"/>
+                </a:xfrm>
+                <a:prstGeom prst="rect">
+                  <a:avLst/>
+                </a:prstGeom>
+                <a:blipFill>
+                  <a:blip r:embed="rId9"/>
+                  <a:stretch>
+                    <a:fillRect l="-27273" t="-33333" r="-93939" b="-5882"/>
+                  </a:stretch>
+                </a:blipFill>
+              </p:spPr>
+              <p:txBody>
+                <a:bodyPr/>
+                <a:lstStyle/>
+                <a:p>
+                  <a:r>
+                    <a:rPr lang="en-US">
+                      <a:noFill/>
+                    </a:rPr>
+                    <a:t> </a:t>
+                  </a:r>
+                </a:p>
+              </p:txBody>
+            </p:sp>
+          </mc:Fallback>
+        </mc:AlternateContent>
+        <p:cxnSp>
+          <p:nvCxnSpPr>
+            <p:cNvPr id="138" name="Straight Arrow Connector 137"/>
+            <p:cNvCxnSpPr/>
+            <p:nvPr/>
+          </p:nvCxnSpPr>
+          <p:spPr>
+            <a:xfrm>
+              <a:off x="7880785" y="3691463"/>
+              <a:ext cx="1746550" cy="0"/>
+            </a:xfrm>
+            <a:prstGeom prst="straightConnector1">
+              <a:avLst/>
+            </a:prstGeom>
+            <a:ln w="38100">
+              <a:solidFill>
+                <a:schemeClr val="tx1"/>
+              </a:solidFill>
+              <a:prstDash val="sysDot"/>
+              <a:headEnd type="triangle"/>
+              <a:tailEnd type="triangle"/>
+            </a:ln>
+          </p:spPr>
+          <p:style>
+            <a:lnRef idx="1">
+              <a:schemeClr val="accent1"/>
+            </a:lnRef>
+            <a:fillRef idx="0">
+              <a:schemeClr val="accent1"/>
+            </a:fillRef>
+            <a:effectRef idx="0">
+              <a:schemeClr val="accent1"/>
+            </a:effectRef>
+            <a:fontRef idx="minor">
+              <a:schemeClr val="tx1"/>
+            </a:fontRef>
+          </p:style>
+        </p:cxnSp>
+        <mc:AlternateContent xmlns:mc="http://schemas.openxmlformats.org/markup-compatibility/2006">
+          <mc:Choice xmlns:a14="http://schemas.microsoft.com/office/drawing/2010/main" Requires="a14">
+            <p:sp>
+              <p:nvSpPr>
+                <p:cNvPr id="139" name="TextBox 138"/>
+                <p:cNvSpPr txBox="1"/>
+                <p:nvPr/>
+              </p:nvSpPr>
+              <p:spPr>
+                <a:xfrm>
+                  <a:off x="8709341" y="3679143"/>
+                  <a:ext cx="217559" cy="307777"/>
+                </a:xfrm>
+                <a:prstGeom prst="rect">
+                  <a:avLst/>
+                </a:prstGeom>
+                <a:noFill/>
+              </p:spPr>
+              <p:txBody>
+                <a:bodyPr wrap="none" lIns="0" tIns="0" rIns="0" bIns="0" rtlCol="0">
+                  <a:spAutoFit/>
+                </a:bodyPr>
+                <a:lstStyle/>
+                <a:p>
+                  <a14:m>
+                    <m:oMathPara xmlns:m="http://schemas.openxmlformats.org/officeDocument/2006/math">
+                      <m:oMathParaPr>
+                        <m:jc m:val="centerGroup"/>
+                      </m:oMathParaPr>
+                      <m:oMath xmlns:m="http://schemas.openxmlformats.org/officeDocument/2006/math">
+                        <m:r>
+                          <a:rPr lang="en-US" sz="2000" b="0" i="1" smtClean="0">
+                            <a:latin typeface="Cambria Math" panose="02040503050406030204" pitchFamily="18" charset="0"/>
+                            <a:cs typeface="Arial" panose="020B0604020202020204" pitchFamily="34" charset="0"/>
+                          </a:rPr>
+                          <m:t>h</m:t>
+                        </m:r>
+                      </m:oMath>
+                    </m:oMathPara>
+                  </a14:m>
+                  <a:endParaRPr lang="en-US" sz="2000" dirty="0" smtClean="0">
+                    <a:latin typeface="Arial" panose="020B0604020202020204" pitchFamily="34" charset="0"/>
+                    <a:cs typeface="Arial" panose="020B0604020202020204" pitchFamily="34" charset="0"/>
+                  </a:endParaRPr>
+                </a:p>
+              </p:txBody>
+            </p:sp>
+          </mc:Choice>
+          <mc:Fallback>
+            <p:sp>
+              <p:nvSpPr>
+                <p:cNvPr id="139" name="TextBox 138"/>
+                <p:cNvSpPr txBox="1">
+                  <a:spLocks noRot="1" noChangeAspect="1" noMove="1" noResize="1" noEditPoints="1" noAdjustHandles="1" noChangeArrowheads="1" noChangeShapeType="1" noTextEdit="1"/>
+                </p:cNvSpPr>
+                <p:nvPr/>
+              </p:nvSpPr>
+              <p:spPr>
+                <a:xfrm>
+                  <a:off x="8709341" y="3679143"/>
+                  <a:ext cx="217559" cy="307777"/>
+                </a:xfrm>
+                <a:prstGeom prst="rect">
+                  <a:avLst/>
+                </a:prstGeom>
+                <a:blipFill>
+                  <a:blip r:embed="rId10"/>
+                  <a:stretch>
+                    <a:fillRect l="-25714" r="-25714" b="-12000"/>
+                  </a:stretch>
+                </a:blipFill>
+              </p:spPr>
+              <p:txBody>
+                <a:bodyPr/>
+                <a:lstStyle/>
+                <a:p>
+                  <a:r>
+                    <a:rPr lang="en-US">
+                      <a:noFill/>
+                    </a:rPr>
+                    <a:t> </a:t>
+                  </a:r>
+                </a:p>
+              </p:txBody>
+            </p:sp>
+          </mc:Fallback>
+        </mc:AlternateContent>
+        <p:cxnSp>
+          <p:nvCxnSpPr>
+            <p:cNvPr id="141" name="Straight Arrow Connector 140"/>
+            <p:cNvCxnSpPr/>
+            <p:nvPr/>
+          </p:nvCxnSpPr>
+          <p:spPr>
+            <a:xfrm flipH="1">
+              <a:off x="9342303" y="3643215"/>
+              <a:ext cx="429658" cy="464490"/>
+            </a:xfrm>
+            <a:prstGeom prst="straightConnector1">
+              <a:avLst/>
+            </a:prstGeom>
+            <a:ln w="60325">
+              <a:solidFill>
+                <a:schemeClr val="accent1"/>
+              </a:solidFill>
+              <a:tailEnd type="triangle"/>
+            </a:ln>
+          </p:spPr>
+          <p:style>
+            <a:lnRef idx="1">
+              <a:schemeClr val="accent1"/>
+            </a:lnRef>
+            <a:fillRef idx="0">
+              <a:schemeClr val="accent1"/>
+            </a:fillRef>
+            <a:effectRef idx="0">
+              <a:schemeClr val="accent1"/>
+            </a:effectRef>
+            <a:fontRef idx="minor">
+              <a:schemeClr val="tx1"/>
+            </a:fontRef>
+          </p:style>
+        </p:cxnSp>
+        <mc:AlternateContent xmlns:mc="http://schemas.openxmlformats.org/markup-compatibility/2006">
+          <mc:Choice xmlns:a14="http://schemas.microsoft.com/office/drawing/2010/main" Requires="a14">
+            <p:sp>
+              <p:nvSpPr>
+                <p:cNvPr id="142" name="TextBox 141"/>
+                <p:cNvSpPr txBox="1"/>
+                <p:nvPr/>
+              </p:nvSpPr>
+              <p:spPr>
+                <a:xfrm>
+                  <a:off x="9553149" y="3875460"/>
+                  <a:ext cx="402931" cy="345159"/>
+                </a:xfrm>
+                <a:prstGeom prst="rect">
+                  <a:avLst/>
+                </a:prstGeom>
+                <a:noFill/>
+              </p:spPr>
+              <p:txBody>
+                <a:bodyPr wrap="none" lIns="0" tIns="0" rIns="0" bIns="0" rtlCol="0">
+                  <a:spAutoFit/>
+                </a:bodyPr>
+                <a:lstStyle/>
+                <a:p>
+                  <a14:m>
+                    <m:oMathPara xmlns:m="http://schemas.openxmlformats.org/officeDocument/2006/math">
+                      <m:oMathParaPr>
+                        <m:jc m:val="centerGroup"/>
+                      </m:oMathParaPr>
+                      <m:oMath xmlns:m="http://schemas.openxmlformats.org/officeDocument/2006/math">
+                        <m:r>
+                          <a:rPr lang="en-US" sz="2000" b="0" i="1" smtClean="0">
+                            <a:solidFill>
+                              <a:schemeClr val="accent1"/>
+                            </a:solidFill>
+                            <a:latin typeface="Cambria Math" panose="02040503050406030204" pitchFamily="18" charset="0"/>
+                            <a:cs typeface="Arial" panose="020B0604020202020204" pitchFamily="34" charset="0"/>
+                          </a:rPr>
+                          <m:t>𝑑</m:t>
+                        </m:r>
+                        <m:acc>
+                          <m:accPr>
+                            <m:chr m:val="⃗"/>
+                            <m:ctrlPr>
+                              <a:rPr lang="en-US" sz="2000" b="0" i="1" smtClean="0">
+                                <a:solidFill>
+                                  <a:schemeClr val="accent1"/>
+                                </a:solidFill>
+                                <a:latin typeface="Cambria Math" panose="02040503050406030204" pitchFamily="18" charset="0"/>
+                                <a:cs typeface="Arial" panose="020B0604020202020204" pitchFamily="34" charset="0"/>
+                              </a:rPr>
+                            </m:ctrlPr>
+                          </m:accPr>
+                          <m:e>
+                            <m:r>
+                              <a:rPr lang="en-US" sz="2000" b="0" i="1" smtClean="0">
+                                <a:solidFill>
+                                  <a:schemeClr val="accent1"/>
+                                </a:solidFill>
+                                <a:latin typeface="Cambria Math" panose="02040503050406030204" pitchFamily="18" charset="0"/>
+                                <a:cs typeface="Arial" panose="020B0604020202020204" pitchFamily="34" charset="0"/>
+                              </a:rPr>
+                              <m:t>𝐵</m:t>
+                            </m:r>
+                          </m:e>
+                        </m:acc>
+                      </m:oMath>
+                    </m:oMathPara>
+                  </a14:m>
+                  <a:endParaRPr lang="en-US" sz="2000" dirty="0" smtClean="0">
+                    <a:solidFill>
+                      <a:schemeClr val="accent1"/>
+                    </a:solidFill>
+                    <a:latin typeface="Arial" panose="020B0604020202020204" pitchFamily="34" charset="0"/>
+                    <a:cs typeface="Arial" panose="020B0604020202020204" pitchFamily="34" charset="0"/>
+                  </a:endParaRPr>
+                </a:p>
+              </p:txBody>
+            </p:sp>
+          </mc:Choice>
+          <mc:Fallback>
+            <p:sp>
+              <p:nvSpPr>
+                <p:cNvPr id="142" name="TextBox 141"/>
+                <p:cNvSpPr txBox="1">
+                  <a:spLocks noRot="1" noChangeAspect="1" noMove="1" noResize="1" noEditPoints="1" noAdjustHandles="1" noChangeArrowheads="1" noChangeShapeType="1" noTextEdit="1"/>
+                </p:cNvSpPr>
+                <p:nvPr/>
+              </p:nvSpPr>
+              <p:spPr>
+                <a:xfrm>
+                  <a:off x="9553149" y="3875460"/>
+                  <a:ext cx="402931" cy="345159"/>
+                </a:xfrm>
+                <a:prstGeom prst="rect">
+                  <a:avLst/>
+                </a:prstGeom>
+                <a:blipFill>
+                  <a:blip r:embed="rId11"/>
+                  <a:stretch>
+                    <a:fillRect l="-13636" r="-12121" b="-10714"/>
+                  </a:stretch>
+                </a:blipFill>
+              </p:spPr>
+              <p:txBody>
+                <a:bodyPr/>
+                <a:lstStyle/>
+                <a:p>
+                  <a:r>
+                    <a:rPr lang="en-US">
+                      <a:noFill/>
+                    </a:rPr>
+                    <a:t> </a:t>
+                  </a:r>
+                </a:p>
+              </p:txBody>
+            </p:sp>
+          </mc:Fallback>
+        </mc:AlternateContent>
+        <p:cxnSp>
+          <p:nvCxnSpPr>
+            <p:cNvPr id="144" name="Straight Connector 143"/>
+            <p:cNvCxnSpPr/>
+            <p:nvPr/>
+          </p:nvCxnSpPr>
+          <p:spPr>
+            <a:xfrm flipH="1" flipV="1">
+              <a:off x="7475907" y="2396399"/>
+              <a:ext cx="423187" cy="1231734"/>
+            </a:xfrm>
+            <a:prstGeom prst="line">
+              <a:avLst/>
+            </a:prstGeom>
+            <a:ln w="12700">
+              <a:solidFill>
+                <a:schemeClr val="tx1"/>
+              </a:solidFill>
+              <a:prstDash val="sysDot"/>
+            </a:ln>
+          </p:spPr>
+          <p:style>
+            <a:lnRef idx="1">
+              <a:schemeClr val="accent1"/>
+            </a:lnRef>
+            <a:fillRef idx="0">
+              <a:schemeClr val="accent1"/>
+            </a:fillRef>
+            <a:effectRef idx="0">
+              <a:schemeClr val="accent1"/>
+            </a:effectRef>
+            <a:fontRef idx="minor">
+              <a:schemeClr val="tx1"/>
+            </a:fontRef>
+          </p:style>
+        </p:cxnSp>
+        <mc:AlternateContent xmlns:mc="http://schemas.openxmlformats.org/markup-compatibility/2006">
+          <mc:Choice xmlns:a14="http://schemas.microsoft.com/office/drawing/2010/main" Requires="a14">
+            <p:sp>
+              <p:nvSpPr>
+                <p:cNvPr id="146" name="TextBox 145"/>
+                <p:cNvSpPr txBox="1"/>
+                <p:nvPr/>
+              </p:nvSpPr>
+              <p:spPr>
+                <a:xfrm>
+                  <a:off x="7502762" y="2973250"/>
+                  <a:ext cx="241540" cy="307777"/>
+                </a:xfrm>
+                <a:prstGeom prst="rect">
+                  <a:avLst/>
+                </a:prstGeom>
+                <a:noFill/>
+              </p:spPr>
+              <p:txBody>
+                <a:bodyPr wrap="none" lIns="0" tIns="0" rIns="0" bIns="0" rtlCol="0">
+                  <a:spAutoFit/>
+                </a:bodyPr>
+                <a:lstStyle/>
+                <a:p>
+                  <a14:m>
+                    <m:oMathPara xmlns:m="http://schemas.openxmlformats.org/officeDocument/2006/math">
+                      <m:oMathParaPr>
+                        <m:jc m:val="centerGroup"/>
+                      </m:oMathParaPr>
+                      <m:oMath xmlns:m="http://schemas.openxmlformats.org/officeDocument/2006/math">
+                        <m:r>
+                          <a:rPr lang="en-US" sz="2000" b="0" i="1" smtClean="0">
+                            <a:latin typeface="Cambria Math" panose="02040503050406030204" pitchFamily="18" charset="0"/>
+                            <a:cs typeface="Arial" panose="020B0604020202020204" pitchFamily="34" charset="0"/>
+                          </a:rPr>
+                          <m:t>𝑅</m:t>
+                        </m:r>
+                      </m:oMath>
+                    </m:oMathPara>
+                  </a14:m>
+                  <a:endParaRPr lang="en-US" sz="2000" dirty="0" smtClean="0">
+                    <a:latin typeface="Arial" panose="020B0604020202020204" pitchFamily="34" charset="0"/>
+                    <a:cs typeface="Arial" panose="020B0604020202020204" pitchFamily="34" charset="0"/>
+                  </a:endParaRPr>
+                </a:p>
+              </p:txBody>
+            </p:sp>
+          </mc:Choice>
+          <mc:Fallback>
+            <p:sp>
+              <p:nvSpPr>
+                <p:cNvPr id="146" name="TextBox 145"/>
+                <p:cNvSpPr txBox="1">
+                  <a:spLocks noRot="1" noChangeAspect="1" noMove="1" noResize="1" noEditPoints="1" noAdjustHandles="1" noChangeArrowheads="1" noChangeShapeType="1" noTextEdit="1"/>
+                </p:cNvSpPr>
+                <p:nvPr/>
+              </p:nvSpPr>
+              <p:spPr>
+                <a:xfrm>
+                  <a:off x="7502762" y="2973250"/>
+                  <a:ext cx="241540" cy="307777"/>
+                </a:xfrm>
+                <a:prstGeom prst="rect">
+                  <a:avLst/>
+                </a:prstGeom>
+                <a:blipFill>
+                  <a:blip r:embed="rId12"/>
+                  <a:stretch>
+                    <a:fillRect l="-23077" r="-20513" b="-10000"/>
+                  </a:stretch>
+                </a:blipFill>
+              </p:spPr>
+              <p:txBody>
+                <a:bodyPr/>
+                <a:lstStyle/>
+                <a:p>
+                  <a:r>
+                    <a:rPr lang="en-US">
+                      <a:noFill/>
+                    </a:rPr>
+                    <a:t> </a:t>
+                  </a:r>
+                </a:p>
+              </p:txBody>
+            </p:sp>
+          </mc:Fallback>
+        </mc:AlternateContent>
+        <p:sp>
+          <p:nvSpPr>
+            <p:cNvPr id="147" name="Arc 146"/>
+            <p:cNvSpPr/>
+            <p:nvPr/>
+          </p:nvSpPr>
+          <p:spPr>
+            <a:xfrm>
+              <a:off x="9451523" y="3267255"/>
+              <a:ext cx="606181" cy="662972"/>
+            </a:xfrm>
+            <a:prstGeom prst="arc">
+              <a:avLst>
+                <a:gd name="adj1" fmla="val 10780567"/>
+                <a:gd name="adj2" fmla="val 13878791"/>
+              </a:avLst>
+            </a:prstGeom>
+            <a:ln w="38100">
+              <a:solidFill>
+                <a:schemeClr val="tx1"/>
+              </a:solidFill>
+            </a:ln>
+          </p:spPr>
+          <p:style>
+            <a:lnRef idx="1">
+              <a:schemeClr val="accent1"/>
+            </a:lnRef>
+            <a:fillRef idx="0">
+              <a:schemeClr val="accent1"/>
+            </a:fillRef>
+            <a:effectRef idx="0">
+              <a:schemeClr val="accent1"/>
+            </a:effectRef>
+            <a:fontRef idx="minor">
+              <a:schemeClr val="tx1"/>
+            </a:fontRef>
+          </p:style>
+          <p:txBody>
+            <a:bodyPr rtlCol="0" anchor="ctr"/>
+            <a:lstStyle/>
+            <a:p>
+              <a:pPr algn="ctr"/>
+              <a:endParaRPr lang="en-US"/>
+            </a:p>
+          </p:txBody>
+        </p:sp>
+        <mc:AlternateContent xmlns:mc="http://schemas.openxmlformats.org/markup-compatibility/2006">
+          <mc:Choice xmlns:a14="http://schemas.microsoft.com/office/drawing/2010/main" Requires="a14">
+            <p:sp>
+              <p:nvSpPr>
+                <p:cNvPr id="148" name="TextBox 147"/>
+                <p:cNvSpPr txBox="1"/>
+                <p:nvPr/>
+              </p:nvSpPr>
+              <p:spPr>
+                <a:xfrm>
+                  <a:off x="9228792" y="3250563"/>
+                  <a:ext cx="222304" cy="307777"/>
+                </a:xfrm>
+                <a:prstGeom prst="rect">
+                  <a:avLst/>
+                </a:prstGeom>
+                <a:noFill/>
+              </p:spPr>
+              <p:txBody>
+                <a:bodyPr wrap="none" lIns="0" tIns="0" rIns="0" bIns="0" rtlCol="0">
+                  <a:spAutoFit/>
+                </a:bodyPr>
+                <a:lstStyle/>
+                <a:p>
+                  <a14:m>
+                    <m:oMathPara xmlns:m="http://schemas.openxmlformats.org/officeDocument/2006/math">
+                      <m:oMathParaPr>
+                        <m:jc m:val="centerGroup"/>
+                      </m:oMathParaPr>
+                      <m:oMath xmlns:m="http://schemas.openxmlformats.org/officeDocument/2006/math">
+                        <m:r>
+                          <a:rPr lang="en-US" sz="2000" b="0" i="1" smtClean="0">
+                            <a:latin typeface="Cambria Math" panose="02040503050406030204" pitchFamily="18" charset="0"/>
+                            <a:cs typeface="Arial" panose="020B0604020202020204" pitchFamily="34" charset="0"/>
+                          </a:rPr>
+                          <m:t>𝜃</m:t>
+                        </m:r>
+                      </m:oMath>
+                    </m:oMathPara>
+                  </a14:m>
+                  <a:endParaRPr lang="en-US" sz="2000" dirty="0" smtClean="0">
+                    <a:latin typeface="Arial" panose="020B0604020202020204" pitchFamily="34" charset="0"/>
+                    <a:cs typeface="Arial" panose="020B0604020202020204" pitchFamily="34" charset="0"/>
+                  </a:endParaRPr>
+                </a:p>
+              </p:txBody>
+            </p:sp>
+          </mc:Choice>
+          <mc:Fallback>
+            <p:sp>
+              <p:nvSpPr>
+                <p:cNvPr id="148" name="TextBox 147"/>
+                <p:cNvSpPr txBox="1">
+                  <a:spLocks noRot="1" noChangeAspect="1" noMove="1" noResize="1" noEditPoints="1" noAdjustHandles="1" noChangeArrowheads="1" noChangeShapeType="1" noTextEdit="1"/>
+                </p:cNvSpPr>
+                <p:nvPr/>
+              </p:nvSpPr>
+              <p:spPr>
+                <a:xfrm>
+                  <a:off x="9228792" y="3250563"/>
+                  <a:ext cx="222304" cy="307777"/>
+                </a:xfrm>
+                <a:prstGeom prst="rect">
+                  <a:avLst/>
+                </a:prstGeom>
+                <a:blipFill>
+                  <a:blip r:embed="rId13"/>
+                  <a:stretch>
+                    <a:fillRect l="-25000" r="-25000" b="-9804"/>
                   </a:stretch>
                 </a:blipFill>
               </p:spPr>
@@ -14218,36 +18271,6 @@
     </p:spTree>
     <p:extLst>
       <p:ext uri="{BB962C8B-B14F-4D97-AF65-F5344CB8AC3E}">
-        <p14:creationId xmlns:p14="http://schemas.microsoft.com/office/powerpoint/2010/main" val="4078106684"/>
-      </p:ext>
-    </p:extLst>
-  </p:cSld>
-  <p:clrMapOvr>
-    <a:masterClrMapping/>
-  </p:clrMapOvr>
-</p:sld>
-</file>
-
-<file path=ppt/slides/slide3.xml><?xml version="1.0" encoding="utf-8"?>
-<p:sld xmlns:a="http://schemas.openxmlformats.org/drawingml/2006/main" xmlns:r="http://schemas.openxmlformats.org/officeDocument/2006/relationships" xmlns:p="http://schemas.openxmlformats.org/presentationml/2006/main">
-  <p:cSld>
-    <p:spTree>
-      <p:nvGrpSpPr>
-        <p:cNvPr id="1" name=""/>
-        <p:cNvGrpSpPr/>
-        <p:nvPr/>
-      </p:nvGrpSpPr>
-      <p:grpSpPr>
-        <a:xfrm>
-          <a:off x="0" y="0"/>
-          <a:ext cx="0" cy="0"/>
-          <a:chOff x="0" y="0"/>
-          <a:chExt cx="0" cy="0"/>
-        </a:xfrm>
-      </p:grpSpPr>
-    </p:spTree>
-    <p:extLst>
-      <p:ext uri="{BB962C8B-B14F-4D97-AF65-F5344CB8AC3E}">
         <p14:creationId xmlns:p14="http://schemas.microsoft.com/office/powerpoint/2010/main" val="3917227233"/>
       </p:ext>
     </p:extLst>
@@ -14255,6 +18278,13 @@
   <p:clrMapOvr>
     <a:masterClrMapping/>
   </p:clrMapOvr>
+  <p:timing>
+    <p:tnLst>
+      <p:par>
+        <p:cTn id="1" dur="indefinite" restart="never" nodeType="tmRoot"/>
+      </p:par>
+    </p:tnLst>
+  </p:timing>
 </p:sld>
 </file>
 

--- a/tex/figures/MagneticSource/Figures.pptx
+++ b/tex/figures/MagneticSource/Figures.pptx
@@ -5,7 +5,7 @@
     <p:sldMasterId id="2147483648" r:id="rId1"/>
   </p:sldMasterIdLst>
   <p:notesMasterIdLst>
-    <p:notesMasterId r:id="rId7"/>
+    <p:notesMasterId r:id="rId11"/>
   </p:notesMasterIdLst>
   <p:sldIdLst>
     <p:sldId id="271" r:id="rId2"/>
@@ -13,6 +13,10 @@
     <p:sldId id="291" r:id="rId4"/>
     <p:sldId id="292" r:id="rId5"/>
     <p:sldId id="294" r:id="rId6"/>
+    <p:sldId id="295" r:id="rId7"/>
+    <p:sldId id="296" r:id="rId8"/>
+    <p:sldId id="297" r:id="rId9"/>
+    <p:sldId id="298" r:id="rId10"/>
   </p:sldIdLst>
   <p:sldSz cx="12192000" cy="6858000"/>
   <p:notesSz cx="6858000" cy="9144000"/>
@@ -201,7 +205,7 @@
           <a:p>
             <a:fld id="{FA15A6B2-55AC-CD4B-A1E6-BB01091FE9DC}" type="datetimeFigureOut">
               <a:rPr lang="en-US" smtClean="0"/>
-              <a:t>7/25/2019</a:t>
+              <a:t>7/26/2019</a:t>
             </a:fld>
             <a:endParaRPr lang="en-US"/>
           </a:p>
@@ -600,7 +604,7 @@
           <a:p>
             <a:fld id="{F7249F8D-641B-4CAF-BAE5-10524742F6F1}" type="datetimeFigureOut">
               <a:rPr lang="en-CA" smtClean="0"/>
-              <a:t>2019-07-25</a:t>
+              <a:t>2019-07-26</a:t>
             </a:fld>
             <a:endParaRPr lang="en-CA"/>
           </a:p>
@@ -770,7 +774,7 @@
           <a:p>
             <a:fld id="{F7249F8D-641B-4CAF-BAE5-10524742F6F1}" type="datetimeFigureOut">
               <a:rPr lang="en-CA" smtClean="0"/>
-              <a:t>2019-07-25</a:t>
+              <a:t>2019-07-26</a:t>
             </a:fld>
             <a:endParaRPr lang="en-CA"/>
           </a:p>
@@ -950,7 +954,7 @@
           <a:p>
             <a:fld id="{F7249F8D-641B-4CAF-BAE5-10524742F6F1}" type="datetimeFigureOut">
               <a:rPr lang="en-CA" smtClean="0"/>
-              <a:t>2019-07-25</a:t>
+              <a:t>2019-07-26</a:t>
             </a:fld>
             <a:endParaRPr lang="en-CA"/>
           </a:p>
@@ -1120,7 +1124,7 @@
           <a:p>
             <a:fld id="{F7249F8D-641B-4CAF-BAE5-10524742F6F1}" type="datetimeFigureOut">
               <a:rPr lang="en-CA" smtClean="0"/>
-              <a:t>2019-07-25</a:t>
+              <a:t>2019-07-26</a:t>
             </a:fld>
             <a:endParaRPr lang="en-CA"/>
           </a:p>
@@ -1366,7 +1370,7 @@
           <a:p>
             <a:fld id="{F7249F8D-641B-4CAF-BAE5-10524742F6F1}" type="datetimeFigureOut">
               <a:rPr lang="en-CA" smtClean="0"/>
-              <a:t>2019-07-25</a:t>
+              <a:t>2019-07-26</a:t>
             </a:fld>
             <a:endParaRPr lang="en-CA"/>
           </a:p>
@@ -1598,7 +1602,7 @@
           <a:p>
             <a:fld id="{F7249F8D-641B-4CAF-BAE5-10524742F6F1}" type="datetimeFigureOut">
               <a:rPr lang="en-CA" smtClean="0"/>
-              <a:t>2019-07-25</a:t>
+              <a:t>2019-07-26</a:t>
             </a:fld>
             <a:endParaRPr lang="en-CA"/>
           </a:p>
@@ -1965,7 +1969,7 @@
           <a:p>
             <a:fld id="{F7249F8D-641B-4CAF-BAE5-10524742F6F1}" type="datetimeFigureOut">
               <a:rPr lang="en-CA" smtClean="0"/>
-              <a:t>2019-07-25</a:t>
+              <a:t>2019-07-26</a:t>
             </a:fld>
             <a:endParaRPr lang="en-CA"/>
           </a:p>
@@ -2083,7 +2087,7 @@
           <a:p>
             <a:fld id="{F7249F8D-641B-4CAF-BAE5-10524742F6F1}" type="datetimeFigureOut">
               <a:rPr lang="en-CA" smtClean="0"/>
-              <a:t>2019-07-25</a:t>
+              <a:t>2019-07-26</a:t>
             </a:fld>
             <a:endParaRPr lang="en-CA"/>
           </a:p>
@@ -2178,7 +2182,7 @@
           <a:p>
             <a:fld id="{F7249F8D-641B-4CAF-BAE5-10524742F6F1}" type="datetimeFigureOut">
               <a:rPr lang="en-CA" smtClean="0"/>
-              <a:t>2019-07-25</a:t>
+              <a:t>2019-07-26</a:t>
             </a:fld>
             <a:endParaRPr lang="en-CA"/>
           </a:p>
@@ -2455,7 +2459,7 @@
           <a:p>
             <a:fld id="{F7249F8D-641B-4CAF-BAE5-10524742F6F1}" type="datetimeFigureOut">
               <a:rPr lang="en-CA" smtClean="0"/>
-              <a:t>2019-07-25</a:t>
+              <a:t>2019-07-26</a:t>
             </a:fld>
             <a:endParaRPr lang="en-CA"/>
           </a:p>
@@ -2708,7 +2712,7 @@
           <a:p>
             <a:fld id="{F7249F8D-641B-4CAF-BAE5-10524742F6F1}" type="datetimeFigureOut">
               <a:rPr lang="en-CA" smtClean="0"/>
-              <a:t>2019-07-25</a:t>
+              <a:t>2019-07-26</a:t>
             </a:fld>
             <a:endParaRPr lang="en-CA"/>
           </a:p>
@@ -2921,7 +2925,7 @@
           <a:p>
             <a:fld id="{F7249F8D-641B-4CAF-BAE5-10524742F6F1}" type="datetimeFigureOut">
               <a:rPr lang="en-CA" smtClean="0"/>
-              <a:t>2019-07-25</a:t>
+              <a:t>2019-07-26</a:t>
             </a:fld>
             <a:endParaRPr lang="en-CA"/>
           </a:p>
@@ -14470,8 +14474,8 @@
             </a:p>
           </p:txBody>
         </p:sp>
-        <mc:AlternateContent xmlns:mc="http://schemas.openxmlformats.org/markup-compatibility/2006">
-          <mc:Choice xmlns:a14="http://schemas.microsoft.com/office/drawing/2010/main" Requires="a14">
+        <mc:AlternateContent xmlns:mc="http://schemas.openxmlformats.org/markup-compatibility/2006" xmlns:a14="http://schemas.microsoft.com/office/drawing/2010/main">
+          <mc:Choice Requires="a14">
             <p:sp>
               <p:nvSpPr>
                 <p:cNvPr id="44" name="TextBox 43"/>
@@ -14519,7 +14523,7 @@
               </p:txBody>
             </p:sp>
           </mc:Choice>
-          <mc:Fallback>
+          <mc:Fallback xmlns="">
             <p:sp>
               <p:nvSpPr>
                 <p:cNvPr id="44" name="TextBox 43"/>
@@ -14644,8 +14648,8 @@
             </a:fontRef>
           </p:style>
         </p:cxnSp>
-        <mc:AlternateContent xmlns:mc="http://schemas.openxmlformats.org/markup-compatibility/2006">
-          <mc:Choice xmlns:a14="http://schemas.microsoft.com/office/drawing/2010/main" Requires="a14">
+        <mc:AlternateContent xmlns:mc="http://schemas.openxmlformats.org/markup-compatibility/2006" xmlns:a14="http://schemas.microsoft.com/office/drawing/2010/main">
+          <mc:Choice Requires="a14">
             <p:sp>
               <p:nvSpPr>
                 <p:cNvPr id="51" name="TextBox 50"/>
@@ -14693,7 +14697,7 @@
               </p:txBody>
             </p:sp>
           </mc:Choice>
-          <mc:Fallback>
+          <mc:Fallback xmlns="">
             <p:sp>
               <p:nvSpPr>
                 <p:cNvPr id="51" name="TextBox 50"/>
@@ -14818,8 +14822,8 @@
             </a:fontRef>
           </p:style>
         </p:cxnSp>
-        <mc:AlternateContent xmlns:mc="http://schemas.openxmlformats.org/markup-compatibility/2006">
-          <mc:Choice xmlns:a14="http://schemas.microsoft.com/office/drawing/2010/main" Requires="a14">
+        <mc:AlternateContent xmlns:mc="http://schemas.openxmlformats.org/markup-compatibility/2006" xmlns:a14="http://schemas.microsoft.com/office/drawing/2010/main">
+          <mc:Choice Requires="a14">
             <p:sp>
               <p:nvSpPr>
                 <p:cNvPr id="32" name="TextBox 31"/>
@@ -14842,6 +14846,7 @@
                 </a:bodyPr>
                 <a:lstStyle/>
                 <a:p>
+                  <a:pPr/>
                   <a14:m>
                     <m:oMathPara xmlns:m="http://schemas.openxmlformats.org/officeDocument/2006/math">
                       <m:oMathParaPr>
@@ -14888,7 +14893,7 @@
               </p:txBody>
             </p:sp>
           </mc:Choice>
-          <mc:Fallback>
+          <mc:Fallback xmlns="">
             <p:sp>
               <p:nvSpPr>
                 <p:cNvPr id="32" name="TextBox 31"/>
@@ -16441,8 +16446,8 @@
             </p:style>
           </p:cxnSp>
         </p:grpSp>
-        <mc:AlternateContent xmlns:mc="http://schemas.openxmlformats.org/markup-compatibility/2006">
-          <mc:Choice xmlns:a14="http://schemas.microsoft.com/office/drawing/2010/main" Requires="a14">
+        <mc:AlternateContent xmlns:mc="http://schemas.openxmlformats.org/markup-compatibility/2006" xmlns:a14="http://schemas.microsoft.com/office/drawing/2010/main">
+          <mc:Choice Requires="a14">
             <p:sp>
               <p:nvSpPr>
                 <p:cNvPr id="74" name="TextBox 73"/>
@@ -16465,6 +16470,7 @@
                 </a:bodyPr>
                 <a:lstStyle/>
                 <a:p>
+                  <a:pPr/>
                   <a14:m>
                     <m:oMathPara xmlns:m="http://schemas.openxmlformats.org/officeDocument/2006/math">
                       <m:oMathParaPr>
@@ -16489,7 +16495,7 @@
               </p:txBody>
             </p:sp>
           </mc:Choice>
-          <mc:Fallback>
+          <mc:Fallback xmlns="">
             <p:sp>
               <p:nvSpPr>
                 <p:cNvPr id="74" name="TextBox 73"/>
@@ -16528,8 +16534,8 @@
             </p:sp>
           </mc:Fallback>
         </mc:AlternateContent>
-        <mc:AlternateContent xmlns:mc="http://schemas.openxmlformats.org/markup-compatibility/2006">
-          <mc:Choice xmlns:a14="http://schemas.microsoft.com/office/drawing/2010/main" Requires="a14">
+        <mc:AlternateContent xmlns:mc="http://schemas.openxmlformats.org/markup-compatibility/2006" xmlns:a14="http://schemas.microsoft.com/office/drawing/2010/main">
+          <mc:Choice Requires="a14">
             <p:sp>
               <p:nvSpPr>
                 <p:cNvPr id="75" name="TextBox 74"/>
@@ -16552,6 +16558,7 @@
                 </a:bodyPr>
                 <a:lstStyle/>
                 <a:p>
+                  <a:pPr/>
                   <a14:m>
                     <m:oMathPara xmlns:m="http://schemas.openxmlformats.org/officeDocument/2006/math">
                       <m:oMathParaPr>
@@ -16598,7 +16605,7 @@
               </p:txBody>
             </p:sp>
           </mc:Choice>
-          <mc:Fallback>
+          <mc:Fallback xmlns="">
             <p:sp>
               <p:nvSpPr>
                 <p:cNvPr id="75" name="TextBox 74"/>
@@ -16640,7 +16647,7 @@
       </p:grpSp>
       <p:grpSp>
         <p:nvGrpSpPr>
-          <p:cNvPr id="149" name="Group 148"/>
+          <p:cNvPr id="17" name="Group 16"/>
           <p:cNvGrpSpPr/>
           <p:nvPr/>
         </p:nvGrpSpPr>
@@ -16654,393 +16661,1884 @@
         </p:grpSpPr>
         <p:grpSp>
           <p:nvGrpSpPr>
-            <p:cNvPr id="110" name="Group 109"/>
+            <p:cNvPr id="149" name="Group 148"/>
             <p:cNvGrpSpPr/>
             <p:nvPr/>
           </p:nvGrpSpPr>
           <p:grpSpPr>
             <a:xfrm>
-              <a:off x="7250520" y="1572159"/>
-              <a:ext cx="1240943" cy="4111946"/>
-              <a:chOff x="7250520" y="1572159"/>
-              <a:chExt cx="1240943" cy="4111946"/>
+              <a:off x="6995793" y="683046"/>
+              <a:ext cx="4280214" cy="5001059"/>
+              <a:chOff x="6995793" y="683046"/>
+              <a:chExt cx="4280214" cy="5001059"/>
             </a:xfrm>
           </p:grpSpPr>
           <p:grpSp>
             <p:nvGrpSpPr>
-              <p:cNvPr id="83" name="Group 82"/>
+              <p:cNvPr id="110" name="Group 109"/>
               <p:cNvGrpSpPr/>
               <p:nvPr/>
             </p:nvGrpSpPr>
             <p:grpSpPr>
               <a:xfrm>
-                <a:off x="7362910" y="1572159"/>
-                <a:ext cx="1027180" cy="4111946"/>
-                <a:chOff x="9831571" y="1558741"/>
-                <a:chExt cx="504586" cy="3062177"/>
+                <a:off x="7250520" y="1572159"/>
+                <a:ext cx="1240943" cy="4111946"/>
+                <a:chOff x="7250520" y="1572159"/>
+                <a:chExt cx="1240943" cy="4111946"/>
               </a:xfrm>
             </p:grpSpPr>
-            <p:sp>
-              <p:nvSpPr>
-                <p:cNvPr id="108" name="Arc 107"/>
-                <p:cNvSpPr/>
+            <p:grpSp>
+              <p:nvGrpSpPr>
+                <p:cNvPr id="83" name="Group 82"/>
+                <p:cNvGrpSpPr/>
                 <p:nvPr/>
-              </p:nvSpPr>
-              <p:spPr>
+              </p:nvGrpSpPr>
+              <p:grpSpPr>
                 <a:xfrm>
-                  <a:off x="9831571" y="1569374"/>
-                  <a:ext cx="481549" cy="3051544"/>
+                  <a:off x="7362910" y="1572159"/>
+                  <a:ext cx="1027180" cy="4111946"/>
+                  <a:chOff x="9831571" y="1558741"/>
+                  <a:chExt cx="504586" cy="3062177"/>
                 </a:xfrm>
-                <a:prstGeom prst="arc">
-                  <a:avLst>
-                    <a:gd name="adj1" fmla="val 5305153"/>
-                    <a:gd name="adj2" fmla="val 16224316"/>
-                  </a:avLst>
-                </a:prstGeom>
-                <a:ln w="50800">
-                  <a:solidFill>
+              </p:grpSpPr>
+              <p:sp>
+                <p:nvSpPr>
+                  <p:cNvPr id="108" name="Arc 107"/>
+                  <p:cNvSpPr/>
+                  <p:nvPr/>
+                </p:nvSpPr>
+                <p:spPr>
+                  <a:xfrm>
+                    <a:off x="9831571" y="1569374"/>
+                    <a:ext cx="481549" cy="3051544"/>
+                  </a:xfrm>
+                  <a:prstGeom prst="arc">
+                    <a:avLst>
+                      <a:gd name="adj1" fmla="val 5305153"/>
+                      <a:gd name="adj2" fmla="val 16224316"/>
+                    </a:avLst>
+                  </a:prstGeom>
+                  <a:ln w="50800">
+                    <a:solidFill>
+                      <a:schemeClr val="tx1"/>
+                    </a:solidFill>
+                  </a:ln>
+                </p:spPr>
+                <p:style>
+                  <a:lnRef idx="1">
+                    <a:schemeClr val="accent1"/>
+                  </a:lnRef>
+                  <a:fillRef idx="0">
+                    <a:schemeClr val="accent1"/>
+                  </a:fillRef>
+                  <a:effectRef idx="0">
+                    <a:schemeClr val="accent1"/>
+                  </a:effectRef>
+                  <a:fontRef idx="minor">
                     <a:schemeClr val="tx1"/>
-                  </a:solidFill>
-                </a:ln>
-              </p:spPr>
-              <p:style>
-                <a:lnRef idx="1">
+                  </a:fontRef>
+                </p:style>
+                <p:txBody>
+                  <a:bodyPr rtlCol="0" anchor="ctr"/>
+                  <a:lstStyle/>
+                  <a:p>
+                    <a:pPr algn="ctr"/>
+                    <a:endParaRPr lang="en-US"/>
+                  </a:p>
+                </p:txBody>
+              </p:sp>
+              <p:sp>
+                <p:nvSpPr>
+                  <p:cNvPr id="109" name="Arc 108"/>
+                  <p:cNvSpPr/>
+                  <p:nvPr/>
+                </p:nvSpPr>
+                <p:spPr>
+                  <a:xfrm>
+                    <a:off x="9854608" y="1558741"/>
+                    <a:ext cx="481549" cy="3051544"/>
+                  </a:xfrm>
+                  <a:prstGeom prst="arc">
+                    <a:avLst>
+                      <a:gd name="adj1" fmla="val 16200000"/>
+                      <a:gd name="adj2" fmla="val 5342088"/>
+                    </a:avLst>
+                  </a:prstGeom>
+                  <a:ln w="50800">
+                    <a:solidFill>
+                      <a:schemeClr val="tx1"/>
+                    </a:solidFill>
+                    <a:prstDash val="dash"/>
+                  </a:ln>
+                </p:spPr>
+                <p:style>
+                  <a:lnRef idx="1">
+                    <a:schemeClr val="accent1"/>
+                  </a:lnRef>
+                  <a:fillRef idx="0">
+                    <a:schemeClr val="accent1"/>
+                  </a:fillRef>
+                  <a:effectRef idx="0">
+                    <a:schemeClr val="accent1"/>
+                  </a:effectRef>
+                  <a:fontRef idx="minor">
+                    <a:schemeClr val="tx1"/>
+                  </a:fontRef>
+                </p:style>
+                <p:txBody>
+                  <a:bodyPr rtlCol="0" anchor="ctr"/>
+                  <a:lstStyle/>
+                  <a:p>
+                    <a:pPr algn="ctr"/>
+                    <a:endParaRPr lang="en-US"/>
+                  </a:p>
+                </p:txBody>
+              </p:sp>
+            </p:grpSp>
+            <p:grpSp>
+              <p:nvGrpSpPr>
+                <p:cNvPr id="84" name="Group 83"/>
+                <p:cNvGrpSpPr/>
+                <p:nvPr/>
+              </p:nvGrpSpPr>
+              <p:grpSpPr>
+                <a:xfrm>
+                  <a:off x="7250520" y="3545993"/>
+                  <a:ext cx="225387" cy="176270"/>
+                  <a:chOff x="9105900" y="2412694"/>
+                  <a:chExt cx="225387" cy="176270"/>
+                </a:xfrm>
+              </p:grpSpPr>
+              <p:cxnSp>
+                <p:nvCxnSpPr>
+                  <p:cNvPr id="106" name="Straight Connector 105"/>
+                  <p:cNvCxnSpPr/>
+                  <p:nvPr/>
+                </p:nvCxnSpPr>
+                <p:spPr>
+                  <a:xfrm>
+                    <a:off x="9199084" y="2412694"/>
+                    <a:ext cx="132203" cy="176270"/>
+                  </a:xfrm>
+                  <a:prstGeom prst="line">
+                    <a:avLst/>
+                  </a:prstGeom>
+                  <a:ln w="38100">
+                    <a:solidFill>
+                      <a:schemeClr val="tx1"/>
+                    </a:solidFill>
+                  </a:ln>
+                </p:spPr>
+                <p:style>
+                  <a:lnRef idx="1">
+                    <a:schemeClr val="accent1"/>
+                  </a:lnRef>
+                  <a:fillRef idx="0">
+                    <a:schemeClr val="accent1"/>
+                  </a:fillRef>
+                  <a:effectRef idx="0">
+                    <a:schemeClr val="accent1"/>
+                  </a:effectRef>
+                  <a:fontRef idx="minor">
+                    <a:schemeClr val="tx1"/>
+                  </a:fontRef>
+                </p:style>
+              </p:cxnSp>
+              <p:cxnSp>
+                <p:nvCxnSpPr>
+                  <p:cNvPr id="107" name="Straight Connector 106"/>
+                  <p:cNvCxnSpPr/>
+                  <p:nvPr/>
+                </p:nvCxnSpPr>
+                <p:spPr>
+                  <a:xfrm flipH="1">
+                    <a:off x="9105900" y="2412694"/>
+                    <a:ext cx="112390" cy="176270"/>
+                  </a:xfrm>
+                  <a:prstGeom prst="line">
+                    <a:avLst/>
+                  </a:prstGeom>
+                  <a:ln w="38100">
+                    <a:solidFill>
+                      <a:schemeClr val="tx1"/>
+                    </a:solidFill>
+                  </a:ln>
+                </p:spPr>
+                <p:style>
+                  <a:lnRef idx="1">
+                    <a:schemeClr val="accent1"/>
+                  </a:lnRef>
+                  <a:fillRef idx="0">
+                    <a:schemeClr val="accent1"/>
+                  </a:fillRef>
+                  <a:effectRef idx="0">
+                    <a:schemeClr val="accent1"/>
+                  </a:effectRef>
+                  <a:fontRef idx="minor">
+                    <a:schemeClr val="tx1"/>
+                  </a:fontRef>
+                </p:style>
+              </p:cxnSp>
+            </p:grpSp>
+            <p:grpSp>
+              <p:nvGrpSpPr>
+                <p:cNvPr id="85" name="Group 84"/>
+                <p:cNvGrpSpPr/>
+                <p:nvPr/>
+              </p:nvGrpSpPr>
+              <p:grpSpPr>
+                <a:xfrm rot="10800000">
+                  <a:off x="8266076" y="3798342"/>
+                  <a:ext cx="225387" cy="176270"/>
+                  <a:chOff x="9117220" y="2059075"/>
+                  <a:chExt cx="225387" cy="176270"/>
+                </a:xfrm>
+              </p:grpSpPr>
+              <p:cxnSp>
+                <p:nvCxnSpPr>
+                  <p:cNvPr id="104" name="Straight Connector 103"/>
+                  <p:cNvCxnSpPr/>
+                  <p:nvPr/>
+                </p:nvCxnSpPr>
+                <p:spPr>
+                  <a:xfrm>
+                    <a:off x="9210404" y="2059075"/>
+                    <a:ext cx="132203" cy="176270"/>
+                  </a:xfrm>
+                  <a:prstGeom prst="line">
+                    <a:avLst/>
+                  </a:prstGeom>
+                  <a:ln w="38100">
+                    <a:solidFill>
+                      <a:schemeClr val="tx1"/>
+                    </a:solidFill>
+                  </a:ln>
+                </p:spPr>
+                <p:style>
+                  <a:lnRef idx="1">
+                    <a:schemeClr val="accent1"/>
+                  </a:lnRef>
+                  <a:fillRef idx="0">
+                    <a:schemeClr val="accent1"/>
+                  </a:fillRef>
+                  <a:effectRef idx="0">
+                    <a:schemeClr val="accent1"/>
+                  </a:effectRef>
+                  <a:fontRef idx="minor">
+                    <a:schemeClr val="tx1"/>
+                  </a:fontRef>
+                </p:style>
+              </p:cxnSp>
+              <p:cxnSp>
+                <p:nvCxnSpPr>
+                  <p:cNvPr id="105" name="Straight Connector 104"/>
+                  <p:cNvCxnSpPr/>
+                  <p:nvPr/>
+                </p:nvCxnSpPr>
+                <p:spPr>
+                  <a:xfrm flipH="1">
+                    <a:off x="9117220" y="2059075"/>
+                    <a:ext cx="112390" cy="176270"/>
+                  </a:xfrm>
+                  <a:prstGeom prst="line">
+                    <a:avLst/>
+                  </a:prstGeom>
+                  <a:ln w="38100">
+                    <a:solidFill>
+                      <a:schemeClr val="tx1"/>
+                    </a:solidFill>
+                  </a:ln>
+                </p:spPr>
+                <p:style>
+                  <a:lnRef idx="1">
+                    <a:schemeClr val="accent1"/>
+                  </a:lnRef>
+                  <a:fillRef idx="0">
+                    <a:schemeClr val="accent1"/>
+                  </a:fillRef>
+                  <a:effectRef idx="0">
+                    <a:schemeClr val="accent1"/>
+                  </a:effectRef>
+                  <a:fontRef idx="minor">
+                    <a:schemeClr val="tx1"/>
+                  </a:fontRef>
+                </p:style>
+              </p:cxnSp>
+            </p:grpSp>
+          </p:grpSp>
+          <mc:AlternateContent xmlns:mc="http://schemas.openxmlformats.org/markup-compatibility/2006" xmlns:a14="http://schemas.microsoft.com/office/drawing/2010/main">
+            <mc:Choice Requires="a14">
+              <p:sp>
+                <p:nvSpPr>
+                  <p:cNvPr id="79" name="TextBox 78"/>
+                  <p:cNvSpPr txBox="1"/>
+                  <p:nvPr/>
+                </p:nvSpPr>
+                <p:spPr>
+                  <a:xfrm>
+                    <a:off x="6995793" y="3655818"/>
+                    <a:ext cx="211725" cy="369332"/>
+                  </a:xfrm>
+                  <a:prstGeom prst="rect">
+                    <a:avLst/>
+                  </a:prstGeom>
+                  <a:noFill/>
+                </p:spPr>
+                <p:txBody>
+                  <a:bodyPr wrap="none" lIns="0" tIns="0" rIns="0" bIns="0" rtlCol="0">
+                    <a:spAutoFit/>
+                  </a:bodyPr>
+                  <a:lstStyle/>
+                  <a:p>
+                    <a:pPr/>
+                    <a14:m>
+                      <m:oMathPara xmlns:m="http://schemas.openxmlformats.org/officeDocument/2006/math">
+                        <m:oMathParaPr>
+                          <m:jc m:val="centerGroup"/>
+                        </m:oMathParaPr>
+                        <m:oMath xmlns:m="http://schemas.openxmlformats.org/officeDocument/2006/math">
+                          <m:r>
+                            <a:rPr lang="en-US" sz="2400" b="0" i="1" smtClean="0">
+                              <a:latin typeface="Cambria Math" panose="02040503050406030204" pitchFamily="18" charset="0"/>
+                              <a:cs typeface="Arial" panose="020B0604020202020204" pitchFamily="34" charset="0"/>
+                            </a:rPr>
+                            <m:t>𝐼</m:t>
+                          </m:r>
+                        </m:oMath>
+                      </m:oMathPara>
+                    </a14:m>
+                    <a:endParaRPr lang="en-US" sz="2400" dirty="0" smtClean="0">
+                      <a:latin typeface="Arial" panose="020B0604020202020204" pitchFamily="34" charset="0"/>
+                      <a:cs typeface="Arial" panose="020B0604020202020204" pitchFamily="34" charset="0"/>
+                    </a:endParaRPr>
+                  </a:p>
+                </p:txBody>
+              </p:sp>
+            </mc:Choice>
+            <mc:Fallback xmlns="">
+              <p:sp>
+                <p:nvSpPr>
+                  <p:cNvPr id="79" name="TextBox 78"/>
+                  <p:cNvSpPr txBox="1">
+                    <a:spLocks noRot="1" noChangeAspect="1" noMove="1" noResize="1" noEditPoints="1" noAdjustHandles="1" noChangeArrowheads="1" noChangeShapeType="1" noTextEdit="1"/>
+                  </p:cNvSpPr>
+                  <p:nvPr/>
+                </p:nvSpPr>
+                <p:spPr>
+                  <a:xfrm>
+                    <a:off x="6995793" y="3655818"/>
+                    <a:ext cx="211725" cy="369332"/>
+                  </a:xfrm>
+                  <a:prstGeom prst="rect">
+                    <a:avLst/>
+                  </a:prstGeom>
+                  <a:blipFill>
+                    <a:blip r:embed="rId4"/>
+                    <a:stretch>
+                      <a:fillRect l="-32353" r="-26471" b="-10000"/>
+                    </a:stretch>
+                  </a:blipFill>
+                </p:spPr>
+                <p:txBody>
+                  <a:bodyPr/>
+                  <a:lstStyle/>
+                  <a:p>
+                    <a:r>
+                      <a:rPr lang="en-US">
+                        <a:noFill/>
+                      </a:rPr>
+                      <a:t> </a:t>
+                    </a:r>
+                  </a:p>
+                </p:txBody>
+              </p:sp>
+            </mc:Fallback>
+          </mc:AlternateContent>
+          <p:cxnSp>
+            <p:nvCxnSpPr>
+              <p:cNvPr id="112" name="Straight Arrow Connector 111"/>
+              <p:cNvCxnSpPr/>
+              <p:nvPr/>
+            </p:nvCxnSpPr>
+            <p:spPr>
+              <a:xfrm flipV="1">
+                <a:off x="7899094" y="3613533"/>
+                <a:ext cx="3316077" cy="11016"/>
+              </a:xfrm>
+              <a:prstGeom prst="straightConnector1">
+                <a:avLst/>
+              </a:prstGeom>
+              <a:ln w="38100">
+                <a:solidFill>
+                  <a:schemeClr val="tx1"/>
+                </a:solidFill>
+                <a:tailEnd type="triangle"/>
+              </a:ln>
+            </p:spPr>
+            <p:style>
+              <a:lnRef idx="1">
+                <a:schemeClr val="accent1"/>
+              </a:lnRef>
+              <a:fillRef idx="0">
+                <a:schemeClr val="accent1"/>
+              </a:fillRef>
+              <a:effectRef idx="0">
+                <a:schemeClr val="accent1"/>
+              </a:effectRef>
+              <a:fontRef idx="minor">
+                <a:schemeClr val="tx1"/>
+              </a:fontRef>
+            </p:style>
+          </p:cxnSp>
+          <p:cxnSp>
+            <p:nvCxnSpPr>
+              <p:cNvPr id="113" name="Straight Arrow Connector 112"/>
+              <p:cNvCxnSpPr/>
+              <p:nvPr/>
+            </p:nvCxnSpPr>
+            <p:spPr>
+              <a:xfrm flipV="1">
+                <a:off x="7929799" y="683046"/>
+                <a:ext cx="0" cy="2937948"/>
+              </a:xfrm>
+              <a:prstGeom prst="straightConnector1">
+                <a:avLst/>
+              </a:prstGeom>
+              <a:ln w="38100">
+                <a:solidFill>
+                  <a:schemeClr val="tx1"/>
+                </a:solidFill>
+                <a:tailEnd type="triangle"/>
+              </a:ln>
+            </p:spPr>
+            <p:style>
+              <a:lnRef idx="1">
+                <a:schemeClr val="accent1"/>
+              </a:lnRef>
+              <a:fillRef idx="0">
+                <a:schemeClr val="accent1"/>
+              </a:fillRef>
+              <a:effectRef idx="0">
+                <a:schemeClr val="accent1"/>
+              </a:effectRef>
+              <a:fontRef idx="minor">
+                <a:schemeClr val="tx1"/>
+              </a:fontRef>
+            </p:style>
+          </p:cxnSp>
+          <p:cxnSp>
+            <p:nvCxnSpPr>
+              <p:cNvPr id="116" name="Straight Arrow Connector 115"/>
+              <p:cNvCxnSpPr/>
+              <p:nvPr/>
+            </p:nvCxnSpPr>
+            <p:spPr>
+              <a:xfrm flipV="1">
+                <a:off x="7937277" y="2593938"/>
+                <a:ext cx="1327721" cy="1012456"/>
+              </a:xfrm>
+              <a:prstGeom prst="straightConnector1">
+                <a:avLst/>
+              </a:prstGeom>
+              <a:ln w="38100">
+                <a:solidFill>
+                  <a:schemeClr val="tx1"/>
+                </a:solidFill>
+                <a:prstDash val="dash"/>
+                <a:tailEnd type="triangle"/>
+              </a:ln>
+            </p:spPr>
+            <p:style>
+              <a:lnRef idx="1">
+                <a:schemeClr val="accent1"/>
+              </a:lnRef>
+              <a:fillRef idx="0">
+                <a:schemeClr val="accent1"/>
+              </a:fillRef>
+              <a:effectRef idx="0">
+                <a:schemeClr val="accent1"/>
+              </a:effectRef>
+              <a:fontRef idx="minor">
+                <a:schemeClr val="tx1"/>
+              </a:fontRef>
+            </p:style>
+          </p:cxnSp>
+          <mc:AlternateContent xmlns:mc="http://schemas.openxmlformats.org/markup-compatibility/2006" xmlns:a14="http://schemas.microsoft.com/office/drawing/2010/main">
+            <mc:Choice Requires="a14">
+              <p:sp>
+                <p:nvSpPr>
+                  <p:cNvPr id="121" name="TextBox 120"/>
+                  <p:cNvSpPr txBox="1"/>
+                  <p:nvPr/>
+                </p:nvSpPr>
+                <p:spPr>
+                  <a:xfrm>
+                    <a:off x="8993405" y="2317973"/>
+                    <a:ext cx="214546" cy="307777"/>
+                  </a:xfrm>
+                  <a:prstGeom prst="rect">
+                    <a:avLst/>
+                  </a:prstGeom>
+                  <a:noFill/>
+                </p:spPr>
+                <p:txBody>
+                  <a:bodyPr wrap="none" lIns="0" tIns="0" rIns="0" bIns="0" rtlCol="0">
+                    <a:spAutoFit/>
+                  </a:bodyPr>
+                  <a:lstStyle/>
+                  <a:p>
+                    <a:pPr/>
+                    <a14:m>
+                      <m:oMathPara xmlns:m="http://schemas.openxmlformats.org/officeDocument/2006/math">
+                        <m:oMathParaPr>
+                          <m:jc m:val="centerGroup"/>
+                        </m:oMathParaPr>
+                        <m:oMath xmlns:m="http://schemas.openxmlformats.org/officeDocument/2006/math">
+                          <m:r>
+                            <a:rPr lang="en-US" sz="2000" b="0" i="1" smtClean="0">
+                              <a:latin typeface="Cambria Math" panose="02040503050406030204" pitchFamily="18" charset="0"/>
+                              <a:cs typeface="Arial" panose="020B0604020202020204" pitchFamily="34" charset="0"/>
+                            </a:rPr>
+                            <m:t>𝑥</m:t>
+                          </m:r>
+                        </m:oMath>
+                      </m:oMathPara>
+                    </a14:m>
+                    <a:endParaRPr lang="en-US" sz="2000" dirty="0" smtClean="0">
+                      <a:latin typeface="Arial" panose="020B0604020202020204" pitchFamily="34" charset="0"/>
+                      <a:cs typeface="Arial" panose="020B0604020202020204" pitchFamily="34" charset="0"/>
+                    </a:endParaRPr>
+                  </a:p>
+                </p:txBody>
+              </p:sp>
+            </mc:Choice>
+            <mc:Fallback xmlns="">
+              <p:sp>
+                <p:nvSpPr>
+                  <p:cNvPr id="121" name="TextBox 120"/>
+                  <p:cNvSpPr txBox="1">
+                    <a:spLocks noRot="1" noChangeAspect="1" noMove="1" noResize="1" noEditPoints="1" noAdjustHandles="1" noChangeArrowheads="1" noChangeShapeType="1" noTextEdit="1"/>
+                  </p:cNvSpPr>
+                  <p:nvPr/>
+                </p:nvSpPr>
+                <p:spPr>
+                  <a:xfrm>
+                    <a:off x="8993405" y="2317973"/>
+                    <a:ext cx="214546" cy="307777"/>
+                  </a:xfrm>
+                  <a:prstGeom prst="rect">
+                    <a:avLst/>
+                  </a:prstGeom>
+                  <a:blipFill>
+                    <a:blip r:embed="rId5"/>
+                    <a:stretch>
+                      <a:fillRect l="-11429" r="-11429" b="-1961"/>
+                    </a:stretch>
+                  </a:blipFill>
+                </p:spPr>
+                <p:txBody>
+                  <a:bodyPr/>
+                  <a:lstStyle/>
+                  <a:p>
+                    <a:r>
+                      <a:rPr lang="en-US">
+                        <a:noFill/>
+                      </a:rPr>
+                      <a:t> </a:t>
+                    </a:r>
+                  </a:p>
+                </p:txBody>
+              </p:sp>
+            </mc:Fallback>
+          </mc:AlternateContent>
+          <p:cxnSp>
+            <p:nvCxnSpPr>
+              <p:cNvPr id="122" name="Straight Arrow Connector 121"/>
+              <p:cNvCxnSpPr/>
+              <p:nvPr/>
+            </p:nvCxnSpPr>
+            <p:spPr>
+              <a:xfrm flipV="1">
+                <a:off x="7907765" y="683046"/>
+                <a:ext cx="0" cy="2937948"/>
+              </a:xfrm>
+              <a:prstGeom prst="straightConnector1">
+                <a:avLst/>
+              </a:prstGeom>
+              <a:ln w="38100">
+                <a:solidFill>
+                  <a:schemeClr val="tx1"/>
+                </a:solidFill>
+                <a:tailEnd type="triangle"/>
+              </a:ln>
+            </p:spPr>
+            <p:style>
+              <a:lnRef idx="1">
+                <a:schemeClr val="accent1"/>
+              </a:lnRef>
+              <a:fillRef idx="0">
+                <a:schemeClr val="accent1"/>
+              </a:fillRef>
+              <a:effectRef idx="0">
+                <a:schemeClr val="accent1"/>
+              </a:effectRef>
+              <a:fontRef idx="minor">
+                <a:schemeClr val="tx1"/>
+              </a:fontRef>
+            </p:style>
+          </p:cxnSp>
+          <mc:AlternateContent xmlns:mc="http://schemas.openxmlformats.org/markup-compatibility/2006" xmlns:a14="http://schemas.microsoft.com/office/drawing/2010/main">
+            <mc:Choice Requires="a14">
+              <p:sp>
+                <p:nvSpPr>
+                  <p:cNvPr id="123" name="TextBox 122"/>
+                  <p:cNvSpPr txBox="1"/>
+                  <p:nvPr/>
+                </p:nvSpPr>
+                <p:spPr>
+                  <a:xfrm>
+                    <a:off x="11077684" y="3655818"/>
+                    <a:ext cx="198323" cy="307777"/>
+                  </a:xfrm>
+                  <a:prstGeom prst="rect">
+                    <a:avLst/>
+                  </a:prstGeom>
+                  <a:noFill/>
+                </p:spPr>
+                <p:txBody>
+                  <a:bodyPr wrap="none" lIns="0" tIns="0" rIns="0" bIns="0" rtlCol="0">
+                    <a:spAutoFit/>
+                  </a:bodyPr>
+                  <a:lstStyle/>
+                  <a:p>
+                    <a:pPr/>
+                    <a14:m>
+                      <m:oMathPara xmlns:m="http://schemas.openxmlformats.org/officeDocument/2006/math">
+                        <m:oMathParaPr>
+                          <m:jc m:val="centerGroup"/>
+                        </m:oMathParaPr>
+                        <m:oMath xmlns:m="http://schemas.openxmlformats.org/officeDocument/2006/math">
+                          <m:r>
+                            <a:rPr lang="en-US" sz="2000" b="0" i="1" smtClean="0">
+                              <a:latin typeface="Cambria Math" panose="02040503050406030204" pitchFamily="18" charset="0"/>
+                              <a:cs typeface="Arial" panose="020B0604020202020204" pitchFamily="34" charset="0"/>
+                            </a:rPr>
+                            <m:t>𝑧</m:t>
+                          </m:r>
+                        </m:oMath>
+                      </m:oMathPara>
+                    </a14:m>
+                    <a:endParaRPr lang="en-US" sz="2000" dirty="0" smtClean="0">
+                      <a:latin typeface="Arial" panose="020B0604020202020204" pitchFamily="34" charset="0"/>
+                      <a:cs typeface="Arial" panose="020B0604020202020204" pitchFamily="34" charset="0"/>
+                    </a:endParaRPr>
+                  </a:p>
+                </p:txBody>
+              </p:sp>
+            </mc:Choice>
+            <mc:Fallback xmlns="">
+              <p:sp>
+                <p:nvSpPr>
+                  <p:cNvPr id="123" name="TextBox 122"/>
+                  <p:cNvSpPr txBox="1">
+                    <a:spLocks noRot="1" noChangeAspect="1" noMove="1" noResize="1" noEditPoints="1" noAdjustHandles="1" noChangeArrowheads="1" noChangeShapeType="1" noTextEdit="1"/>
+                  </p:cNvSpPr>
+                  <p:nvPr/>
+                </p:nvSpPr>
+                <p:spPr>
+                  <a:xfrm>
+                    <a:off x="11077684" y="3655818"/>
+                    <a:ext cx="198323" cy="307777"/>
+                  </a:xfrm>
+                  <a:prstGeom prst="rect">
+                    <a:avLst/>
+                  </a:prstGeom>
+                  <a:blipFill>
+                    <a:blip r:embed="rId6"/>
+                    <a:stretch>
+                      <a:fillRect l="-12121" r="-12121" b="-2000"/>
+                    </a:stretch>
+                  </a:blipFill>
+                </p:spPr>
+                <p:txBody>
+                  <a:bodyPr/>
+                  <a:lstStyle/>
+                  <a:p>
+                    <a:r>
+                      <a:rPr lang="en-US">
+                        <a:noFill/>
+                      </a:rPr>
+                      <a:t> </a:t>
+                    </a:r>
+                  </a:p>
+                </p:txBody>
+              </p:sp>
+            </mc:Fallback>
+          </mc:AlternateContent>
+          <mc:AlternateContent xmlns:mc="http://schemas.openxmlformats.org/markup-compatibility/2006" xmlns:a14="http://schemas.microsoft.com/office/drawing/2010/main">
+            <mc:Choice Requires="a14">
+              <p:sp>
+                <p:nvSpPr>
+                  <p:cNvPr id="124" name="TextBox 123"/>
+                  <p:cNvSpPr txBox="1"/>
+                  <p:nvPr/>
+                </p:nvSpPr>
+                <p:spPr>
+                  <a:xfrm>
+                    <a:off x="7718114" y="713955"/>
+                    <a:ext cx="219163" cy="307777"/>
+                  </a:xfrm>
+                  <a:prstGeom prst="rect">
+                    <a:avLst/>
+                  </a:prstGeom>
+                  <a:noFill/>
+                </p:spPr>
+                <p:txBody>
+                  <a:bodyPr wrap="none" lIns="0" tIns="0" rIns="0" bIns="0" rtlCol="0">
+                    <a:spAutoFit/>
+                  </a:bodyPr>
+                  <a:lstStyle/>
+                  <a:p>
+                    <a:pPr/>
+                    <a14:m>
+                      <m:oMathPara xmlns:m="http://schemas.openxmlformats.org/officeDocument/2006/math">
+                        <m:oMathParaPr>
+                          <m:jc m:val="centerGroup"/>
+                        </m:oMathParaPr>
+                        <m:oMath xmlns:m="http://schemas.openxmlformats.org/officeDocument/2006/math">
+                          <m:r>
+                            <a:rPr lang="en-US" sz="2000" b="0" i="1" smtClean="0">
+                              <a:latin typeface="Cambria Math" panose="02040503050406030204" pitchFamily="18" charset="0"/>
+                              <a:cs typeface="Arial" panose="020B0604020202020204" pitchFamily="34" charset="0"/>
+                            </a:rPr>
+                            <m:t>𝑦</m:t>
+                          </m:r>
+                        </m:oMath>
+                      </m:oMathPara>
+                    </a14:m>
+                    <a:endParaRPr lang="en-US" sz="2000" dirty="0" smtClean="0">
+                      <a:latin typeface="Arial" panose="020B0604020202020204" pitchFamily="34" charset="0"/>
+                      <a:cs typeface="Arial" panose="020B0604020202020204" pitchFamily="34" charset="0"/>
+                    </a:endParaRPr>
+                  </a:p>
+                </p:txBody>
+              </p:sp>
+            </mc:Choice>
+            <mc:Fallback xmlns="">
+              <p:sp>
+                <p:nvSpPr>
+                  <p:cNvPr id="124" name="TextBox 123"/>
+                  <p:cNvSpPr txBox="1">
+                    <a:spLocks noRot="1" noChangeAspect="1" noMove="1" noResize="1" noEditPoints="1" noAdjustHandles="1" noChangeArrowheads="1" noChangeShapeType="1" noTextEdit="1"/>
+                  </p:cNvSpPr>
+                  <p:nvPr/>
+                </p:nvSpPr>
+                <p:spPr>
+                  <a:xfrm>
+                    <a:off x="7718114" y="713955"/>
+                    <a:ext cx="219163" cy="307777"/>
+                  </a:xfrm>
+                  <a:prstGeom prst="rect">
+                    <a:avLst/>
+                  </a:prstGeom>
+                  <a:blipFill>
+                    <a:blip r:embed="rId7"/>
+                    <a:stretch>
+                      <a:fillRect l="-25000" r="-25000" b="-27451"/>
+                    </a:stretch>
+                  </a:blipFill>
+                </p:spPr>
+                <p:txBody>
+                  <a:bodyPr/>
+                  <a:lstStyle/>
+                  <a:p>
+                    <a:r>
+                      <a:rPr lang="en-US">
+                        <a:noFill/>
+                      </a:rPr>
+                      <a:t> </a:t>
+                    </a:r>
+                  </a:p>
+                </p:txBody>
+              </p:sp>
+            </mc:Fallback>
+          </mc:AlternateContent>
+          <p:cxnSp>
+            <p:nvCxnSpPr>
+              <p:cNvPr id="126" name="Straight Arrow Connector 125"/>
+              <p:cNvCxnSpPr/>
+              <p:nvPr/>
+            </p:nvCxnSpPr>
+            <p:spPr>
+              <a:xfrm flipV="1">
+                <a:off x="7943047" y="1359951"/>
+                <a:ext cx="304532" cy="233735"/>
+              </a:xfrm>
+              <a:prstGeom prst="straightConnector1">
+                <a:avLst/>
+              </a:prstGeom>
+              <a:ln w="50800">
+                <a:solidFill>
+                  <a:srgbClr val="FF0000"/>
+                </a:solidFill>
+                <a:tailEnd type="triangle"/>
+              </a:ln>
+            </p:spPr>
+            <p:style>
+              <a:lnRef idx="1">
+                <a:schemeClr val="accent1"/>
+              </a:lnRef>
+              <a:fillRef idx="0">
+                <a:schemeClr val="accent1"/>
+              </a:fillRef>
+              <a:effectRef idx="0">
+                <a:schemeClr val="accent1"/>
+              </a:effectRef>
+              <a:fontRef idx="minor">
+                <a:schemeClr val="tx1"/>
+              </a:fontRef>
+            </p:style>
+          </p:cxnSp>
+          <mc:AlternateContent xmlns:mc="http://schemas.openxmlformats.org/markup-compatibility/2006" xmlns:a14="http://schemas.microsoft.com/office/drawing/2010/main">
+            <mc:Choice Requires="a14">
+              <p:sp>
+                <p:nvSpPr>
+                  <p:cNvPr id="133" name="TextBox 132"/>
+                  <p:cNvSpPr txBox="1"/>
+                  <p:nvPr/>
+                </p:nvSpPr>
+                <p:spPr>
+                  <a:xfrm>
+                    <a:off x="8207817" y="1381230"/>
+                    <a:ext cx="317651" cy="353302"/>
+                  </a:xfrm>
+                  <a:prstGeom prst="rect">
+                    <a:avLst/>
+                  </a:prstGeom>
+                  <a:noFill/>
+                </p:spPr>
+                <p:txBody>
+                  <a:bodyPr wrap="none" lIns="0" tIns="0" rIns="0" bIns="0" rtlCol="0">
+                    <a:spAutoFit/>
+                  </a:bodyPr>
+                  <a:lstStyle/>
+                  <a:p>
+                    <a:pPr/>
+                    <a14:m>
+                      <m:oMathPara xmlns:m="http://schemas.openxmlformats.org/officeDocument/2006/math">
+                        <m:oMathParaPr>
+                          <m:jc m:val="centerGroup"/>
+                        </m:oMathParaPr>
+                        <m:oMath xmlns:m="http://schemas.openxmlformats.org/officeDocument/2006/math">
+                          <m:r>
+                            <a:rPr lang="en-US" sz="2000" b="0" i="1" smtClean="0">
+                              <a:solidFill>
+                                <a:srgbClr val="FF0000"/>
+                              </a:solidFill>
+                              <a:latin typeface="Cambria Math" panose="02040503050406030204" pitchFamily="18" charset="0"/>
+                              <a:cs typeface="Arial" panose="020B0604020202020204" pitchFamily="34" charset="0"/>
+                            </a:rPr>
+                            <m:t>𝑑</m:t>
+                          </m:r>
+                          <m:acc>
+                            <m:accPr>
+                              <m:chr m:val="⃗"/>
+                              <m:ctrlPr>
+                                <a:rPr lang="en-US" sz="2000" b="0" i="1" smtClean="0">
+                                  <a:solidFill>
+                                    <a:srgbClr val="FF0000"/>
+                                  </a:solidFill>
+                                  <a:latin typeface="Cambria Math" panose="02040503050406030204" pitchFamily="18" charset="0"/>
+                                  <a:cs typeface="Arial" panose="020B0604020202020204" pitchFamily="34" charset="0"/>
+                                </a:rPr>
+                              </m:ctrlPr>
+                            </m:accPr>
+                            <m:e>
+                              <m:r>
+                                <a:rPr lang="en-US" sz="2000" b="0" i="1" smtClean="0">
+                                  <a:solidFill>
+                                    <a:srgbClr val="FF0000"/>
+                                  </a:solidFill>
+                                  <a:latin typeface="Cambria Math" panose="02040503050406030204" pitchFamily="18" charset="0"/>
+                                  <a:cs typeface="Arial" panose="020B0604020202020204" pitchFamily="34" charset="0"/>
+                                </a:rPr>
+                                <m:t>𝑙</m:t>
+                              </m:r>
+                            </m:e>
+                          </m:acc>
+                        </m:oMath>
+                      </m:oMathPara>
+                    </a14:m>
+                    <a:endParaRPr lang="en-US" sz="2000" dirty="0" smtClean="0">
+                      <a:solidFill>
+                        <a:srgbClr val="FF0000"/>
+                      </a:solidFill>
+                      <a:latin typeface="Arial" panose="020B0604020202020204" pitchFamily="34" charset="0"/>
+                      <a:cs typeface="Arial" panose="020B0604020202020204" pitchFamily="34" charset="0"/>
+                    </a:endParaRPr>
+                  </a:p>
+                </p:txBody>
+              </p:sp>
+            </mc:Choice>
+            <mc:Fallback xmlns="">
+              <p:sp>
+                <p:nvSpPr>
+                  <p:cNvPr id="133" name="TextBox 132"/>
+                  <p:cNvSpPr txBox="1">
+                    <a:spLocks noRot="1" noChangeAspect="1" noMove="1" noResize="1" noEditPoints="1" noAdjustHandles="1" noChangeArrowheads="1" noChangeShapeType="1" noTextEdit="1"/>
+                  </p:cNvSpPr>
+                  <p:nvPr/>
+                </p:nvSpPr>
+                <p:spPr>
+                  <a:xfrm>
+                    <a:off x="8207817" y="1381230"/>
+                    <a:ext cx="317651" cy="353302"/>
+                  </a:xfrm>
+                  <a:prstGeom prst="rect">
+                    <a:avLst/>
+                  </a:prstGeom>
+                  <a:blipFill>
+                    <a:blip r:embed="rId8"/>
+                    <a:stretch>
+                      <a:fillRect l="-16981" t="-34483" r="-101887" b="-8621"/>
+                    </a:stretch>
+                  </a:blipFill>
+                </p:spPr>
+                <p:txBody>
+                  <a:bodyPr/>
+                  <a:lstStyle/>
+                  <a:p>
+                    <a:r>
+                      <a:rPr lang="en-US">
+                        <a:noFill/>
+                      </a:rPr>
+                      <a:t> </a:t>
+                    </a:r>
+                  </a:p>
+                </p:txBody>
+              </p:sp>
+            </mc:Fallback>
+          </mc:AlternateContent>
+          <p:cxnSp>
+            <p:nvCxnSpPr>
+              <p:cNvPr id="135" name="Straight Arrow Connector 134"/>
+              <p:cNvCxnSpPr>
+                <a:stCxn id="109" idx="0"/>
+              </p:cNvCxnSpPr>
+              <p:nvPr/>
+            </p:nvCxnSpPr>
+            <p:spPr>
+              <a:xfrm>
+                <a:off x="7899948" y="1572159"/>
+                <a:ext cx="1894047" cy="2048835"/>
+              </a:xfrm>
+              <a:prstGeom prst="straightConnector1">
+                <a:avLst/>
+              </a:prstGeom>
+              <a:ln w="38100">
+                <a:solidFill>
+                  <a:schemeClr val="tx1"/>
+                </a:solidFill>
+                <a:tailEnd type="triangle" w="lg" len="med"/>
+              </a:ln>
+            </p:spPr>
+            <p:style>
+              <a:lnRef idx="1">
+                <a:schemeClr val="accent1"/>
+              </a:lnRef>
+              <a:fillRef idx="0">
+                <a:schemeClr val="accent1"/>
+              </a:fillRef>
+              <a:effectRef idx="0">
+                <a:schemeClr val="accent1"/>
+              </a:effectRef>
+              <a:fontRef idx="minor">
+                <a:schemeClr val="tx1"/>
+              </a:fontRef>
+            </p:style>
+          </p:cxnSp>
+          <mc:AlternateContent xmlns:mc="http://schemas.openxmlformats.org/markup-compatibility/2006" xmlns:a14="http://schemas.microsoft.com/office/drawing/2010/main">
+            <mc:Choice Requires="a14">
+              <p:sp>
+                <p:nvSpPr>
+                  <p:cNvPr id="136" name="TextBox 135"/>
+                  <p:cNvSpPr txBox="1"/>
+                  <p:nvPr/>
+                </p:nvSpPr>
+                <p:spPr>
+                  <a:xfrm>
+                    <a:off x="9272475" y="2775482"/>
+                    <a:ext cx="198003" cy="307777"/>
+                  </a:xfrm>
+                  <a:prstGeom prst="rect">
+                    <a:avLst/>
+                  </a:prstGeom>
+                  <a:noFill/>
+                </p:spPr>
+                <p:txBody>
+                  <a:bodyPr wrap="none" lIns="0" tIns="0" rIns="0" bIns="0" rtlCol="0">
+                    <a:spAutoFit/>
+                  </a:bodyPr>
+                  <a:lstStyle/>
+                  <a:p>
+                    <a:pPr/>
+                    <a14:m>
+                      <m:oMathPara xmlns:m="http://schemas.openxmlformats.org/officeDocument/2006/math">
+                        <m:oMathParaPr>
+                          <m:jc m:val="centerGroup"/>
+                        </m:oMathParaPr>
+                        <m:oMath xmlns:m="http://schemas.openxmlformats.org/officeDocument/2006/math">
+                          <m:acc>
+                            <m:accPr>
+                              <m:chr m:val="⃗"/>
+                              <m:ctrlPr>
+                                <a:rPr lang="en-US" sz="2000" b="0" i="1" smtClean="0">
+                                  <a:latin typeface="Cambria Math" panose="02040503050406030204" pitchFamily="18" charset="0"/>
+                                  <a:cs typeface="Arial" panose="020B0604020202020204" pitchFamily="34" charset="0"/>
+                                </a:rPr>
+                              </m:ctrlPr>
+                            </m:accPr>
+                            <m:e>
+                              <m:r>
+                                <a:rPr lang="en-US" sz="2000" b="0" i="1" smtClean="0">
+                                  <a:latin typeface="Cambria Math" panose="02040503050406030204" pitchFamily="18" charset="0"/>
+                                  <a:cs typeface="Arial" panose="020B0604020202020204" pitchFamily="34" charset="0"/>
+                                </a:rPr>
+                                <m:t>𝑟</m:t>
+                              </m:r>
+                            </m:e>
+                          </m:acc>
+                        </m:oMath>
+                      </m:oMathPara>
+                    </a14:m>
+                    <a:endParaRPr lang="en-US" sz="2000" dirty="0" smtClean="0">
+                      <a:latin typeface="Arial" panose="020B0604020202020204" pitchFamily="34" charset="0"/>
+                      <a:cs typeface="Arial" panose="020B0604020202020204" pitchFamily="34" charset="0"/>
+                    </a:endParaRPr>
+                  </a:p>
+                </p:txBody>
+              </p:sp>
+            </mc:Choice>
+            <mc:Fallback xmlns="">
+              <p:sp>
+                <p:nvSpPr>
+                  <p:cNvPr id="136" name="TextBox 135"/>
+                  <p:cNvSpPr txBox="1">
+                    <a:spLocks noRot="1" noChangeAspect="1" noMove="1" noResize="1" noEditPoints="1" noAdjustHandles="1" noChangeArrowheads="1" noChangeShapeType="1" noTextEdit="1"/>
+                  </p:cNvSpPr>
+                  <p:nvPr/>
+                </p:nvSpPr>
+                <p:spPr>
+                  <a:xfrm>
+                    <a:off x="9272475" y="2775482"/>
+                    <a:ext cx="198003" cy="307777"/>
+                  </a:xfrm>
+                  <a:prstGeom prst="rect">
+                    <a:avLst/>
+                  </a:prstGeom>
+                  <a:blipFill>
+                    <a:blip r:embed="rId9"/>
+                    <a:stretch>
+                      <a:fillRect l="-27273" t="-33333" r="-93939" b="-5882"/>
+                    </a:stretch>
+                  </a:blipFill>
+                </p:spPr>
+                <p:txBody>
+                  <a:bodyPr/>
+                  <a:lstStyle/>
+                  <a:p>
+                    <a:r>
+                      <a:rPr lang="en-US">
+                        <a:noFill/>
+                      </a:rPr>
+                      <a:t> </a:t>
+                    </a:r>
+                  </a:p>
+                </p:txBody>
+              </p:sp>
+            </mc:Fallback>
+          </mc:AlternateContent>
+          <p:cxnSp>
+            <p:nvCxnSpPr>
+              <p:cNvPr id="138" name="Straight Arrow Connector 137"/>
+              <p:cNvCxnSpPr/>
+              <p:nvPr/>
+            </p:nvCxnSpPr>
+            <p:spPr>
+              <a:xfrm>
+                <a:off x="7880785" y="3691463"/>
+                <a:ext cx="1746550" cy="0"/>
+              </a:xfrm>
+              <a:prstGeom prst="straightConnector1">
+                <a:avLst/>
+              </a:prstGeom>
+              <a:ln w="38100">
+                <a:solidFill>
+                  <a:schemeClr val="tx1"/>
+                </a:solidFill>
+                <a:prstDash val="sysDot"/>
+                <a:headEnd type="triangle"/>
+                <a:tailEnd type="triangle"/>
+              </a:ln>
+            </p:spPr>
+            <p:style>
+              <a:lnRef idx="1">
+                <a:schemeClr val="accent1"/>
+              </a:lnRef>
+              <a:fillRef idx="0">
+                <a:schemeClr val="accent1"/>
+              </a:fillRef>
+              <a:effectRef idx="0">
+                <a:schemeClr val="accent1"/>
+              </a:effectRef>
+              <a:fontRef idx="minor">
+                <a:schemeClr val="tx1"/>
+              </a:fontRef>
+            </p:style>
+          </p:cxnSp>
+          <mc:AlternateContent xmlns:mc="http://schemas.openxmlformats.org/markup-compatibility/2006" xmlns:a14="http://schemas.microsoft.com/office/drawing/2010/main">
+            <mc:Choice Requires="a14">
+              <p:sp>
+                <p:nvSpPr>
+                  <p:cNvPr id="139" name="TextBox 138"/>
+                  <p:cNvSpPr txBox="1"/>
+                  <p:nvPr/>
+                </p:nvSpPr>
+                <p:spPr>
+                  <a:xfrm>
+                    <a:off x="8709341" y="3679143"/>
+                    <a:ext cx="217559" cy="307777"/>
+                  </a:xfrm>
+                  <a:prstGeom prst="rect">
+                    <a:avLst/>
+                  </a:prstGeom>
+                  <a:noFill/>
+                </p:spPr>
+                <p:txBody>
+                  <a:bodyPr wrap="none" lIns="0" tIns="0" rIns="0" bIns="0" rtlCol="0">
+                    <a:spAutoFit/>
+                  </a:bodyPr>
+                  <a:lstStyle/>
+                  <a:p>
+                    <a:pPr/>
+                    <a14:m>
+                      <m:oMathPara xmlns:m="http://schemas.openxmlformats.org/officeDocument/2006/math">
+                        <m:oMathParaPr>
+                          <m:jc m:val="centerGroup"/>
+                        </m:oMathParaPr>
+                        <m:oMath xmlns:m="http://schemas.openxmlformats.org/officeDocument/2006/math">
+                          <m:r>
+                            <a:rPr lang="en-US" sz="2000" b="0" i="1" smtClean="0">
+                              <a:latin typeface="Cambria Math" panose="02040503050406030204" pitchFamily="18" charset="0"/>
+                              <a:cs typeface="Arial" panose="020B0604020202020204" pitchFamily="34" charset="0"/>
+                            </a:rPr>
+                            <m:t>h</m:t>
+                          </m:r>
+                        </m:oMath>
+                      </m:oMathPara>
+                    </a14:m>
+                    <a:endParaRPr lang="en-US" sz="2000" dirty="0" smtClean="0">
+                      <a:latin typeface="Arial" panose="020B0604020202020204" pitchFamily="34" charset="0"/>
+                      <a:cs typeface="Arial" panose="020B0604020202020204" pitchFamily="34" charset="0"/>
+                    </a:endParaRPr>
+                  </a:p>
+                </p:txBody>
+              </p:sp>
+            </mc:Choice>
+            <mc:Fallback xmlns="">
+              <p:sp>
+                <p:nvSpPr>
+                  <p:cNvPr id="139" name="TextBox 138"/>
+                  <p:cNvSpPr txBox="1">
+                    <a:spLocks noRot="1" noChangeAspect="1" noMove="1" noResize="1" noEditPoints="1" noAdjustHandles="1" noChangeArrowheads="1" noChangeShapeType="1" noTextEdit="1"/>
+                  </p:cNvSpPr>
+                  <p:nvPr/>
+                </p:nvSpPr>
+                <p:spPr>
+                  <a:xfrm>
+                    <a:off x="8709341" y="3679143"/>
+                    <a:ext cx="217559" cy="307777"/>
+                  </a:xfrm>
+                  <a:prstGeom prst="rect">
+                    <a:avLst/>
+                  </a:prstGeom>
+                  <a:blipFill>
+                    <a:blip r:embed="rId10"/>
+                    <a:stretch>
+                      <a:fillRect l="-25714" r="-25714" b="-12000"/>
+                    </a:stretch>
+                  </a:blipFill>
+                </p:spPr>
+                <p:txBody>
+                  <a:bodyPr/>
+                  <a:lstStyle/>
+                  <a:p>
+                    <a:r>
+                      <a:rPr lang="en-US">
+                        <a:noFill/>
+                      </a:rPr>
+                      <a:t> </a:t>
+                    </a:r>
+                  </a:p>
+                </p:txBody>
+              </p:sp>
+            </mc:Fallback>
+          </mc:AlternateContent>
+          <p:cxnSp>
+            <p:nvCxnSpPr>
+              <p:cNvPr id="141" name="Straight Arrow Connector 140"/>
+              <p:cNvCxnSpPr/>
+              <p:nvPr/>
+            </p:nvCxnSpPr>
+            <p:spPr>
+              <a:xfrm flipH="1">
+                <a:off x="9350087" y="3620993"/>
+                <a:ext cx="429658" cy="464490"/>
+              </a:xfrm>
+              <a:prstGeom prst="straightConnector1">
+                <a:avLst/>
+              </a:prstGeom>
+              <a:ln w="60325">
+                <a:solidFill>
                   <a:schemeClr val="accent1"/>
-                </a:lnRef>
-                <a:fillRef idx="0">
-                  <a:schemeClr val="accent1"/>
-                </a:fillRef>
-                <a:effectRef idx="0">
-                  <a:schemeClr val="accent1"/>
-                </a:effectRef>
-                <a:fontRef idx="minor">
+                </a:solidFill>
+                <a:tailEnd type="triangle"/>
+              </a:ln>
+            </p:spPr>
+            <p:style>
+              <a:lnRef idx="1">
+                <a:schemeClr val="accent1"/>
+              </a:lnRef>
+              <a:fillRef idx="0">
+                <a:schemeClr val="accent1"/>
+              </a:fillRef>
+              <a:effectRef idx="0">
+                <a:schemeClr val="accent1"/>
+              </a:effectRef>
+              <a:fontRef idx="minor">
+                <a:schemeClr val="tx1"/>
+              </a:fontRef>
+            </p:style>
+          </p:cxnSp>
+          <mc:AlternateContent xmlns:mc="http://schemas.openxmlformats.org/markup-compatibility/2006" xmlns:a14="http://schemas.microsoft.com/office/drawing/2010/main">
+            <mc:Choice Requires="a14">
+              <p:sp>
+                <p:nvSpPr>
+                  <p:cNvPr id="142" name="TextBox 141"/>
+                  <p:cNvSpPr txBox="1"/>
+                  <p:nvPr/>
+                </p:nvSpPr>
+                <p:spPr>
+                  <a:xfrm>
+                    <a:off x="9553149" y="3875460"/>
+                    <a:ext cx="402931" cy="345159"/>
+                  </a:xfrm>
+                  <a:prstGeom prst="rect">
+                    <a:avLst/>
+                  </a:prstGeom>
+                  <a:noFill/>
+                </p:spPr>
+                <p:txBody>
+                  <a:bodyPr wrap="none" lIns="0" tIns="0" rIns="0" bIns="0" rtlCol="0">
+                    <a:spAutoFit/>
+                  </a:bodyPr>
+                  <a:lstStyle/>
+                  <a:p>
+                    <a:pPr/>
+                    <a14:m>
+                      <m:oMathPara xmlns:m="http://schemas.openxmlformats.org/officeDocument/2006/math">
+                        <m:oMathParaPr>
+                          <m:jc m:val="centerGroup"/>
+                        </m:oMathParaPr>
+                        <m:oMath xmlns:m="http://schemas.openxmlformats.org/officeDocument/2006/math">
+                          <m:r>
+                            <a:rPr lang="en-US" sz="2000" b="0" i="1" smtClean="0">
+                              <a:solidFill>
+                                <a:schemeClr val="accent1"/>
+                              </a:solidFill>
+                              <a:latin typeface="Cambria Math" panose="02040503050406030204" pitchFamily="18" charset="0"/>
+                              <a:cs typeface="Arial" panose="020B0604020202020204" pitchFamily="34" charset="0"/>
+                            </a:rPr>
+                            <m:t>𝑑</m:t>
+                          </m:r>
+                          <m:acc>
+                            <m:accPr>
+                              <m:chr m:val="⃗"/>
+                              <m:ctrlPr>
+                                <a:rPr lang="en-US" sz="2000" b="0" i="1" smtClean="0">
+                                  <a:solidFill>
+                                    <a:schemeClr val="accent1"/>
+                                  </a:solidFill>
+                                  <a:latin typeface="Cambria Math" panose="02040503050406030204" pitchFamily="18" charset="0"/>
+                                  <a:cs typeface="Arial" panose="020B0604020202020204" pitchFamily="34" charset="0"/>
+                                </a:rPr>
+                              </m:ctrlPr>
+                            </m:accPr>
+                            <m:e>
+                              <m:r>
+                                <a:rPr lang="en-US" sz="2000" b="0" i="1" smtClean="0">
+                                  <a:solidFill>
+                                    <a:schemeClr val="accent1"/>
+                                  </a:solidFill>
+                                  <a:latin typeface="Cambria Math" panose="02040503050406030204" pitchFamily="18" charset="0"/>
+                                  <a:cs typeface="Arial" panose="020B0604020202020204" pitchFamily="34" charset="0"/>
+                                </a:rPr>
+                                <m:t>𝐵</m:t>
+                              </m:r>
+                            </m:e>
+                          </m:acc>
+                        </m:oMath>
+                      </m:oMathPara>
+                    </a14:m>
+                    <a:endParaRPr lang="en-US" sz="2000" dirty="0" smtClean="0">
+                      <a:solidFill>
+                        <a:schemeClr val="accent1"/>
+                      </a:solidFill>
+                      <a:latin typeface="Arial" panose="020B0604020202020204" pitchFamily="34" charset="0"/>
+                      <a:cs typeface="Arial" panose="020B0604020202020204" pitchFamily="34" charset="0"/>
+                    </a:endParaRPr>
+                  </a:p>
+                </p:txBody>
+              </p:sp>
+            </mc:Choice>
+            <mc:Fallback xmlns="">
+              <p:sp>
+                <p:nvSpPr>
+                  <p:cNvPr id="142" name="TextBox 141"/>
+                  <p:cNvSpPr txBox="1">
+                    <a:spLocks noRot="1" noChangeAspect="1" noMove="1" noResize="1" noEditPoints="1" noAdjustHandles="1" noChangeArrowheads="1" noChangeShapeType="1" noTextEdit="1"/>
+                  </p:cNvSpPr>
+                  <p:nvPr/>
+                </p:nvSpPr>
+                <p:spPr>
+                  <a:xfrm>
+                    <a:off x="9553149" y="3875460"/>
+                    <a:ext cx="402931" cy="345159"/>
+                  </a:xfrm>
+                  <a:prstGeom prst="rect">
+                    <a:avLst/>
+                  </a:prstGeom>
+                  <a:blipFill>
+                    <a:blip r:embed="rId11"/>
+                    <a:stretch>
+                      <a:fillRect l="-13636" r="-12121" b="-10714"/>
+                    </a:stretch>
+                  </a:blipFill>
+                </p:spPr>
+                <p:txBody>
+                  <a:bodyPr/>
+                  <a:lstStyle/>
+                  <a:p>
+                    <a:r>
+                      <a:rPr lang="en-US">
+                        <a:noFill/>
+                      </a:rPr>
+                      <a:t> </a:t>
+                    </a:r>
+                  </a:p>
+                </p:txBody>
+              </p:sp>
+            </mc:Fallback>
+          </mc:AlternateContent>
+          <p:cxnSp>
+            <p:nvCxnSpPr>
+              <p:cNvPr id="144" name="Straight Connector 143"/>
+              <p:cNvCxnSpPr/>
+              <p:nvPr/>
+            </p:nvCxnSpPr>
+            <p:spPr>
+              <a:xfrm flipH="1" flipV="1">
+                <a:off x="7475907" y="2396399"/>
+                <a:ext cx="423187" cy="1231734"/>
+              </a:xfrm>
+              <a:prstGeom prst="line">
+                <a:avLst/>
+              </a:prstGeom>
+              <a:ln w="12700">
+                <a:solidFill>
                   <a:schemeClr val="tx1"/>
-                </a:fontRef>
-              </p:style>
-              <p:txBody>
-                <a:bodyPr rtlCol="0" anchor="ctr"/>
-                <a:lstStyle/>
-                <a:p>
-                  <a:pPr algn="ctr"/>
-                  <a:endParaRPr lang="en-US"/>
-                </a:p>
-              </p:txBody>
-            </p:sp>
-            <p:sp>
-              <p:nvSpPr>
-                <p:cNvPr id="109" name="Arc 108"/>
-                <p:cNvSpPr/>
-                <p:nvPr/>
-              </p:nvSpPr>
-              <p:spPr>
-                <a:xfrm>
-                  <a:off x="9854608" y="1558741"/>
-                  <a:ext cx="481549" cy="3051544"/>
-                </a:xfrm>
-                <a:prstGeom prst="arc">
-                  <a:avLst>
-                    <a:gd name="adj1" fmla="val 16200000"/>
-                    <a:gd name="adj2" fmla="val 5342088"/>
-                  </a:avLst>
-                </a:prstGeom>
-                <a:ln w="50800">
-                  <a:solidFill>
-                    <a:schemeClr val="tx1"/>
-                  </a:solidFill>
-                  <a:prstDash val="dash"/>
-                </a:ln>
-              </p:spPr>
-              <p:style>
-                <a:lnRef idx="1">
-                  <a:schemeClr val="accent1"/>
-                </a:lnRef>
-                <a:fillRef idx="0">
-                  <a:schemeClr val="accent1"/>
-                </a:fillRef>
-                <a:effectRef idx="0">
-                  <a:schemeClr val="accent1"/>
-                </a:effectRef>
-                <a:fontRef idx="minor">
+                </a:solidFill>
+                <a:prstDash val="sysDot"/>
+              </a:ln>
+            </p:spPr>
+            <p:style>
+              <a:lnRef idx="1">
+                <a:schemeClr val="accent1"/>
+              </a:lnRef>
+              <a:fillRef idx="0">
+                <a:schemeClr val="accent1"/>
+              </a:fillRef>
+              <a:effectRef idx="0">
+                <a:schemeClr val="accent1"/>
+              </a:effectRef>
+              <a:fontRef idx="minor">
+                <a:schemeClr val="tx1"/>
+              </a:fontRef>
+            </p:style>
+          </p:cxnSp>
+          <mc:AlternateContent xmlns:mc="http://schemas.openxmlformats.org/markup-compatibility/2006" xmlns:a14="http://schemas.microsoft.com/office/drawing/2010/main">
+            <mc:Choice Requires="a14">
+              <p:sp>
+                <p:nvSpPr>
+                  <p:cNvPr id="146" name="TextBox 145"/>
+                  <p:cNvSpPr txBox="1"/>
+                  <p:nvPr/>
+                </p:nvSpPr>
+                <p:spPr>
+                  <a:xfrm>
+                    <a:off x="7502762" y="2973250"/>
+                    <a:ext cx="241540" cy="307777"/>
+                  </a:xfrm>
+                  <a:prstGeom prst="rect">
+                    <a:avLst/>
+                  </a:prstGeom>
+                  <a:noFill/>
+                </p:spPr>
+                <p:txBody>
+                  <a:bodyPr wrap="none" lIns="0" tIns="0" rIns="0" bIns="0" rtlCol="0">
+                    <a:spAutoFit/>
+                  </a:bodyPr>
+                  <a:lstStyle/>
+                  <a:p>
+                    <a:pPr/>
+                    <a14:m>
+                      <m:oMathPara xmlns:m="http://schemas.openxmlformats.org/officeDocument/2006/math">
+                        <m:oMathParaPr>
+                          <m:jc m:val="centerGroup"/>
+                        </m:oMathParaPr>
+                        <m:oMath xmlns:m="http://schemas.openxmlformats.org/officeDocument/2006/math">
+                          <m:r>
+                            <a:rPr lang="en-US" sz="2000" b="0" i="1" smtClean="0">
+                              <a:latin typeface="Cambria Math" panose="02040503050406030204" pitchFamily="18" charset="0"/>
+                              <a:cs typeface="Arial" panose="020B0604020202020204" pitchFamily="34" charset="0"/>
+                            </a:rPr>
+                            <m:t>𝑅</m:t>
+                          </m:r>
+                        </m:oMath>
+                      </m:oMathPara>
+                    </a14:m>
+                    <a:endParaRPr lang="en-US" sz="2000" dirty="0" smtClean="0">
+                      <a:latin typeface="Arial" panose="020B0604020202020204" pitchFamily="34" charset="0"/>
+                      <a:cs typeface="Arial" panose="020B0604020202020204" pitchFamily="34" charset="0"/>
+                    </a:endParaRPr>
+                  </a:p>
+                </p:txBody>
+              </p:sp>
+            </mc:Choice>
+            <mc:Fallback xmlns="">
+              <p:sp>
+                <p:nvSpPr>
+                  <p:cNvPr id="146" name="TextBox 145"/>
+                  <p:cNvSpPr txBox="1">
+                    <a:spLocks noRot="1" noChangeAspect="1" noMove="1" noResize="1" noEditPoints="1" noAdjustHandles="1" noChangeArrowheads="1" noChangeShapeType="1" noTextEdit="1"/>
+                  </p:cNvSpPr>
+                  <p:nvPr/>
+                </p:nvSpPr>
+                <p:spPr>
+                  <a:xfrm>
+                    <a:off x="7502762" y="2973250"/>
+                    <a:ext cx="241540" cy="307777"/>
+                  </a:xfrm>
+                  <a:prstGeom prst="rect">
+                    <a:avLst/>
+                  </a:prstGeom>
+                  <a:blipFill>
+                    <a:blip r:embed="rId12"/>
+                    <a:stretch>
+                      <a:fillRect l="-23077" r="-20513" b="-10000"/>
+                    </a:stretch>
+                  </a:blipFill>
+                </p:spPr>
+                <p:txBody>
+                  <a:bodyPr/>
+                  <a:lstStyle/>
+                  <a:p>
+                    <a:r>
+                      <a:rPr lang="en-US">
+                        <a:noFill/>
+                      </a:rPr>
+                      <a:t> </a:t>
+                    </a:r>
+                  </a:p>
+                </p:txBody>
+              </p:sp>
+            </mc:Fallback>
+          </mc:AlternateContent>
+          <p:sp>
+            <p:nvSpPr>
+              <p:cNvPr id="147" name="Arc 146"/>
+              <p:cNvSpPr/>
+              <p:nvPr/>
+            </p:nvSpPr>
+            <p:spPr>
+              <a:xfrm>
+                <a:off x="9451523" y="3267255"/>
+                <a:ext cx="606181" cy="662972"/>
+              </a:xfrm>
+              <a:prstGeom prst="arc">
+                <a:avLst>
+                  <a:gd name="adj1" fmla="val 10780567"/>
+                  <a:gd name="adj2" fmla="val 13878791"/>
+                </a:avLst>
+              </a:prstGeom>
+              <a:ln w="38100">
+                <a:solidFill>
                   <a:schemeClr val="tx1"/>
-                </a:fontRef>
-              </p:style>
-              <p:txBody>
-                <a:bodyPr rtlCol="0" anchor="ctr"/>
-                <a:lstStyle/>
-                <a:p>
-                  <a:pPr algn="ctr"/>
-                  <a:endParaRPr lang="en-US"/>
-                </a:p>
-              </p:txBody>
-            </p:sp>
-          </p:grpSp>
-          <p:grpSp>
-            <p:nvGrpSpPr>
-              <p:cNvPr id="84" name="Group 83"/>
-              <p:cNvGrpSpPr/>
-              <p:nvPr/>
-            </p:nvGrpSpPr>
-            <p:grpSpPr>
-              <a:xfrm>
-                <a:off x="7250520" y="3545993"/>
-                <a:ext cx="225387" cy="176270"/>
-                <a:chOff x="9105900" y="2412694"/>
-                <a:chExt cx="225387" cy="176270"/>
-              </a:xfrm>
-            </p:grpSpPr>
-            <p:cxnSp>
-              <p:nvCxnSpPr>
-                <p:cNvPr id="106" name="Straight Connector 105"/>
-                <p:cNvCxnSpPr/>
-                <p:nvPr/>
-              </p:nvCxnSpPr>
-              <p:spPr>
-                <a:xfrm>
-                  <a:off x="9199084" y="2412694"/>
-                  <a:ext cx="132203" cy="176270"/>
-                </a:xfrm>
-                <a:prstGeom prst="line">
-                  <a:avLst/>
-                </a:prstGeom>
-                <a:ln w="38100">
-                  <a:solidFill>
-                    <a:schemeClr val="tx1"/>
-                  </a:solidFill>
-                </a:ln>
-              </p:spPr>
-              <p:style>
-                <a:lnRef idx="1">
-                  <a:schemeClr val="accent1"/>
-                </a:lnRef>
-                <a:fillRef idx="0">
-                  <a:schemeClr val="accent1"/>
-                </a:fillRef>
-                <a:effectRef idx="0">
-                  <a:schemeClr val="accent1"/>
-                </a:effectRef>
-                <a:fontRef idx="minor">
-                  <a:schemeClr val="tx1"/>
-                </a:fontRef>
-              </p:style>
-            </p:cxnSp>
-            <p:cxnSp>
-              <p:nvCxnSpPr>
-                <p:cNvPr id="107" name="Straight Connector 106"/>
-                <p:cNvCxnSpPr/>
-                <p:nvPr/>
-              </p:nvCxnSpPr>
-              <p:spPr>
-                <a:xfrm flipH="1">
-                  <a:off x="9105900" y="2412694"/>
-                  <a:ext cx="112390" cy="176270"/>
-                </a:xfrm>
-                <a:prstGeom prst="line">
-                  <a:avLst/>
-                </a:prstGeom>
-                <a:ln w="38100">
-                  <a:solidFill>
-                    <a:schemeClr val="tx1"/>
-                  </a:solidFill>
-                </a:ln>
-              </p:spPr>
-              <p:style>
-                <a:lnRef idx="1">
-                  <a:schemeClr val="accent1"/>
-                </a:lnRef>
-                <a:fillRef idx="0">
-                  <a:schemeClr val="accent1"/>
-                </a:fillRef>
-                <a:effectRef idx="0">
-                  <a:schemeClr val="accent1"/>
-                </a:effectRef>
-                <a:fontRef idx="minor">
-                  <a:schemeClr val="tx1"/>
-                </a:fontRef>
-              </p:style>
-            </p:cxnSp>
-          </p:grpSp>
-          <p:grpSp>
-            <p:nvGrpSpPr>
-              <p:cNvPr id="85" name="Group 84"/>
-              <p:cNvGrpSpPr/>
-              <p:nvPr/>
-            </p:nvGrpSpPr>
-            <p:grpSpPr>
-              <a:xfrm rot="10800000">
-                <a:off x="8266076" y="3798342"/>
-                <a:ext cx="225387" cy="176270"/>
-                <a:chOff x="9117220" y="2059075"/>
-                <a:chExt cx="225387" cy="176270"/>
-              </a:xfrm>
-            </p:grpSpPr>
-            <p:cxnSp>
-              <p:nvCxnSpPr>
-                <p:cNvPr id="104" name="Straight Connector 103"/>
-                <p:cNvCxnSpPr/>
-                <p:nvPr/>
-              </p:nvCxnSpPr>
-              <p:spPr>
-                <a:xfrm>
-                  <a:off x="9210404" y="2059075"/>
-                  <a:ext cx="132203" cy="176270"/>
-                </a:xfrm>
-                <a:prstGeom prst="line">
-                  <a:avLst/>
-                </a:prstGeom>
-                <a:ln w="38100">
-                  <a:solidFill>
-                    <a:schemeClr val="tx1"/>
-                  </a:solidFill>
-                </a:ln>
-              </p:spPr>
-              <p:style>
-                <a:lnRef idx="1">
-                  <a:schemeClr val="accent1"/>
-                </a:lnRef>
-                <a:fillRef idx="0">
-                  <a:schemeClr val="accent1"/>
-                </a:fillRef>
-                <a:effectRef idx="0">
-                  <a:schemeClr val="accent1"/>
-                </a:effectRef>
-                <a:fontRef idx="minor">
-                  <a:schemeClr val="tx1"/>
-                </a:fontRef>
-              </p:style>
-            </p:cxnSp>
-            <p:cxnSp>
-              <p:nvCxnSpPr>
-                <p:cNvPr id="105" name="Straight Connector 104"/>
-                <p:cNvCxnSpPr/>
-                <p:nvPr/>
-              </p:nvCxnSpPr>
-              <p:spPr>
-                <a:xfrm flipH="1">
-                  <a:off x="9117220" y="2059075"/>
-                  <a:ext cx="112390" cy="176270"/>
-                </a:xfrm>
-                <a:prstGeom prst="line">
-                  <a:avLst/>
-                </a:prstGeom>
-                <a:ln w="38100">
-                  <a:solidFill>
-                    <a:schemeClr val="tx1"/>
-                  </a:solidFill>
-                </a:ln>
-              </p:spPr>
-              <p:style>
-                <a:lnRef idx="1">
-                  <a:schemeClr val="accent1"/>
-                </a:lnRef>
-                <a:fillRef idx="0">
-                  <a:schemeClr val="accent1"/>
-                </a:fillRef>
-                <a:effectRef idx="0">
-                  <a:schemeClr val="accent1"/>
-                </a:effectRef>
-                <a:fontRef idx="minor">
-                  <a:schemeClr val="tx1"/>
-                </a:fontRef>
-              </p:style>
-            </p:cxnSp>
-          </p:grpSp>
+                </a:solidFill>
+              </a:ln>
+            </p:spPr>
+            <p:style>
+              <a:lnRef idx="1">
+                <a:schemeClr val="accent1"/>
+              </a:lnRef>
+              <a:fillRef idx="0">
+                <a:schemeClr val="accent1"/>
+              </a:fillRef>
+              <a:effectRef idx="0">
+                <a:schemeClr val="accent1"/>
+              </a:effectRef>
+              <a:fontRef idx="minor">
+                <a:schemeClr val="tx1"/>
+              </a:fontRef>
+            </p:style>
+            <p:txBody>
+              <a:bodyPr rtlCol="0" anchor="ctr"/>
+              <a:lstStyle/>
+              <a:p>
+                <a:pPr algn="ctr"/>
+                <a:endParaRPr lang="en-US"/>
+              </a:p>
+            </p:txBody>
+          </p:sp>
+          <mc:AlternateContent xmlns:mc="http://schemas.openxmlformats.org/markup-compatibility/2006" xmlns:a14="http://schemas.microsoft.com/office/drawing/2010/main">
+            <mc:Choice Requires="a14">
+              <p:sp>
+                <p:nvSpPr>
+                  <p:cNvPr id="148" name="TextBox 147"/>
+                  <p:cNvSpPr txBox="1"/>
+                  <p:nvPr/>
+                </p:nvSpPr>
+                <p:spPr>
+                  <a:xfrm>
+                    <a:off x="9228792" y="3250563"/>
+                    <a:ext cx="222304" cy="307777"/>
+                  </a:xfrm>
+                  <a:prstGeom prst="rect">
+                    <a:avLst/>
+                  </a:prstGeom>
+                  <a:noFill/>
+                </p:spPr>
+                <p:txBody>
+                  <a:bodyPr wrap="none" lIns="0" tIns="0" rIns="0" bIns="0" rtlCol="0">
+                    <a:spAutoFit/>
+                  </a:bodyPr>
+                  <a:lstStyle/>
+                  <a:p>
+                    <a:pPr/>
+                    <a14:m>
+                      <m:oMathPara xmlns:m="http://schemas.openxmlformats.org/officeDocument/2006/math">
+                        <m:oMathParaPr>
+                          <m:jc m:val="centerGroup"/>
+                        </m:oMathParaPr>
+                        <m:oMath xmlns:m="http://schemas.openxmlformats.org/officeDocument/2006/math">
+                          <m:r>
+                            <a:rPr lang="en-US" sz="2000" b="0" i="1" smtClean="0">
+                              <a:latin typeface="Cambria Math" panose="02040503050406030204" pitchFamily="18" charset="0"/>
+                              <a:cs typeface="Arial" panose="020B0604020202020204" pitchFamily="34" charset="0"/>
+                            </a:rPr>
+                            <m:t>𝜃</m:t>
+                          </m:r>
+                        </m:oMath>
+                      </m:oMathPara>
+                    </a14:m>
+                    <a:endParaRPr lang="en-US" sz="2000" dirty="0" smtClean="0">
+                      <a:latin typeface="Arial" panose="020B0604020202020204" pitchFamily="34" charset="0"/>
+                      <a:cs typeface="Arial" panose="020B0604020202020204" pitchFamily="34" charset="0"/>
+                    </a:endParaRPr>
+                  </a:p>
+                </p:txBody>
+              </p:sp>
+            </mc:Choice>
+            <mc:Fallback xmlns="">
+              <p:sp>
+                <p:nvSpPr>
+                  <p:cNvPr id="148" name="TextBox 147"/>
+                  <p:cNvSpPr txBox="1">
+                    <a:spLocks noRot="1" noChangeAspect="1" noMove="1" noResize="1" noEditPoints="1" noAdjustHandles="1" noChangeArrowheads="1" noChangeShapeType="1" noTextEdit="1"/>
+                  </p:cNvSpPr>
+                  <p:nvPr/>
+                </p:nvSpPr>
+                <p:spPr>
+                  <a:xfrm>
+                    <a:off x="9228792" y="3250563"/>
+                    <a:ext cx="222304" cy="307777"/>
+                  </a:xfrm>
+                  <a:prstGeom prst="rect">
+                    <a:avLst/>
+                  </a:prstGeom>
+                  <a:blipFill>
+                    <a:blip r:embed="rId13"/>
+                    <a:stretch>
+                      <a:fillRect l="-25000" r="-25000" b="-9804"/>
+                    </a:stretch>
+                  </a:blipFill>
+                </p:spPr>
+                <p:txBody>
+                  <a:bodyPr/>
+                  <a:lstStyle/>
+                  <a:p>
+                    <a:r>
+                      <a:rPr lang="en-US">
+                        <a:noFill/>
+                      </a:rPr>
+                      <a:t> </a:t>
+                    </a:r>
+                  </a:p>
+                </p:txBody>
+              </p:sp>
+            </mc:Fallback>
+          </mc:AlternateContent>
         </p:grpSp>
-        <mc:AlternateContent xmlns:mc="http://schemas.openxmlformats.org/markup-compatibility/2006">
-          <mc:Choice xmlns:a14="http://schemas.microsoft.com/office/drawing/2010/main" Requires="a14">
-            <p:sp>
-              <p:nvSpPr>
-                <p:cNvPr id="79" name="TextBox 78"/>
-                <p:cNvSpPr txBox="1"/>
-                <p:nvPr/>
-              </p:nvSpPr>
-              <p:spPr>
-                <a:xfrm>
-                  <a:off x="6995793" y="3655818"/>
-                  <a:ext cx="211725" cy="369332"/>
-                </a:xfrm>
-                <a:prstGeom prst="rect">
-                  <a:avLst/>
-                </a:prstGeom>
-                <a:noFill/>
-              </p:spPr>
-              <p:txBody>
-                <a:bodyPr wrap="none" lIns="0" tIns="0" rIns="0" bIns="0" rtlCol="0">
-                  <a:spAutoFit/>
-                </a:bodyPr>
-                <a:lstStyle/>
-                <a:p>
-                  <a14:m>
-                    <m:oMathPara xmlns:m="http://schemas.openxmlformats.org/officeDocument/2006/math">
-                      <m:oMathParaPr>
-                        <m:jc m:val="centerGroup"/>
-                      </m:oMathParaPr>
-                      <m:oMath xmlns:m="http://schemas.openxmlformats.org/officeDocument/2006/math">
-                        <m:r>
-                          <a:rPr lang="en-US" sz="2400" b="0" i="1" smtClean="0">
-                            <a:latin typeface="Cambria Math" panose="02040503050406030204" pitchFamily="18" charset="0"/>
-                            <a:cs typeface="Arial" panose="020B0604020202020204" pitchFamily="34" charset="0"/>
-                          </a:rPr>
-                          <m:t>𝐼</m:t>
-                        </m:r>
-                      </m:oMath>
-                    </m:oMathPara>
-                  </a14:m>
-                  <a:endParaRPr lang="en-US" sz="2400" dirty="0" smtClean="0">
-                    <a:latin typeface="Arial" panose="020B0604020202020204" pitchFamily="34" charset="0"/>
-                    <a:cs typeface="Arial" panose="020B0604020202020204" pitchFamily="34" charset="0"/>
-                  </a:endParaRPr>
-                </a:p>
-              </p:txBody>
-            </p:sp>
-          </mc:Choice>
-          <mc:Fallback>
-            <p:sp>
-              <p:nvSpPr>
-                <p:cNvPr id="79" name="TextBox 78"/>
-                <p:cNvSpPr txBox="1">
-                  <a:spLocks noRot="1" noChangeAspect="1" noMove="1" noResize="1" noEditPoints="1" noAdjustHandles="1" noChangeArrowheads="1" noChangeShapeType="1" noTextEdit="1"/>
-                </p:cNvSpPr>
-                <p:nvPr/>
-              </p:nvSpPr>
-              <p:spPr>
-                <a:xfrm>
-                  <a:off x="6995793" y="3655818"/>
-                  <a:ext cx="211725" cy="369332"/>
-                </a:xfrm>
-                <a:prstGeom prst="rect">
-                  <a:avLst/>
-                </a:prstGeom>
-                <a:blipFill>
-                  <a:blip r:embed="rId4"/>
-                  <a:stretch>
-                    <a:fillRect l="-32353" r="-26471" b="-10000"/>
-                  </a:stretch>
-                </a:blipFill>
-              </p:spPr>
-              <p:txBody>
-                <a:bodyPr/>
-                <a:lstStyle/>
-                <a:p>
-                  <a:r>
-                    <a:rPr lang="en-US">
-                      <a:noFill/>
-                    </a:rPr>
-                    <a:t> </a:t>
-                  </a:r>
-                </a:p>
-              </p:txBody>
-            </p:sp>
-          </mc:Fallback>
-        </mc:AlternateContent>
         <p:cxnSp>
           <p:nvCxnSpPr>
-            <p:cNvPr id="112" name="Straight Arrow Connector 111"/>
+            <p:cNvPr id="6" name="Straight Connector 5"/>
+            <p:cNvCxnSpPr/>
+            <p:nvPr/>
+          </p:nvCxnSpPr>
+          <p:spPr>
+            <a:xfrm flipH="1">
+              <a:off x="7115466" y="3620993"/>
+              <a:ext cx="801878" cy="608406"/>
+            </a:xfrm>
+            <a:prstGeom prst="line">
+              <a:avLst/>
+            </a:prstGeom>
+            <a:ln w="38100">
+              <a:solidFill>
+                <a:schemeClr val="tx1"/>
+              </a:solidFill>
+            </a:ln>
+          </p:spPr>
+          <p:style>
+            <a:lnRef idx="1">
+              <a:schemeClr val="accent1"/>
+            </a:lnRef>
+            <a:fillRef idx="0">
+              <a:schemeClr val="accent1"/>
+            </a:fillRef>
+            <a:effectRef idx="0">
+              <a:schemeClr val="accent1"/>
+            </a:effectRef>
+            <a:fontRef idx="minor">
+              <a:schemeClr val="tx1"/>
+            </a:fontRef>
+          </p:style>
+        </p:cxnSp>
+      </p:grpSp>
+    </p:spTree>
+    <p:extLst>
+      <p:ext uri="{BB962C8B-B14F-4D97-AF65-F5344CB8AC3E}">
+        <p14:creationId xmlns:p14="http://schemas.microsoft.com/office/powerpoint/2010/main" val="3917227233"/>
+      </p:ext>
+    </p:extLst>
+  </p:cSld>
+  <p:clrMapOvr>
+    <a:masterClrMapping/>
+  </p:clrMapOvr>
+  <p:timing>
+    <p:tnLst>
+      <p:par>
+        <p:cTn id="1" dur="indefinite" restart="never" nodeType="tmRoot"/>
+      </p:par>
+    </p:tnLst>
+  </p:timing>
+</p:sld>
+</file>
+
+<file path=ppt/slides/slide4.xml><?xml version="1.0" encoding="utf-8"?>
+<p:sld xmlns:a="http://schemas.openxmlformats.org/drawingml/2006/main" xmlns:r="http://schemas.openxmlformats.org/officeDocument/2006/relationships" xmlns:p="http://schemas.openxmlformats.org/presentationml/2006/main">
+  <p:cSld>
+    <p:spTree>
+      <p:nvGrpSpPr>
+        <p:cNvPr id="1" name=""/>
+        <p:cNvGrpSpPr/>
+        <p:nvPr/>
+      </p:nvGrpSpPr>
+      <p:grpSpPr>
+        <a:xfrm>
+          <a:off x="0" y="0"/>
+          <a:ext cx="0" cy="0"/>
+          <a:chOff x="0" y="0"/>
+          <a:chExt cx="0" cy="0"/>
+        </a:xfrm>
+      </p:grpSpPr>
+      <p:grpSp>
+        <p:nvGrpSpPr>
+          <p:cNvPr id="158" name="Group 157"/>
+          <p:cNvGrpSpPr/>
+          <p:nvPr/>
+        </p:nvGrpSpPr>
+        <p:grpSpPr>
+          <a:xfrm>
+            <a:off x="62283" y="430434"/>
+            <a:ext cx="4135352" cy="5001059"/>
+            <a:chOff x="62283" y="430434"/>
+            <a:chExt cx="4135352" cy="5001059"/>
+          </a:xfrm>
+        </p:grpSpPr>
+        <p:cxnSp>
+          <p:nvCxnSpPr>
+            <p:cNvPr id="115" name="Straight Arrow Connector 114"/>
+            <p:cNvCxnSpPr/>
+            <p:nvPr/>
+          </p:nvCxnSpPr>
+          <p:spPr>
+            <a:xfrm flipH="1">
+              <a:off x="2310104" y="3359750"/>
+              <a:ext cx="342961" cy="445425"/>
+            </a:xfrm>
+            <a:prstGeom prst="straightConnector1">
+              <a:avLst/>
+            </a:prstGeom>
+            <a:ln w="60325">
+              <a:solidFill>
+                <a:schemeClr val="accent1"/>
+              </a:solidFill>
+              <a:tailEnd type="triangle"/>
+            </a:ln>
+          </p:spPr>
+          <p:style>
+            <a:lnRef idx="1">
+              <a:schemeClr val="accent1"/>
+            </a:lnRef>
+            <a:fillRef idx="0">
+              <a:schemeClr val="accent1"/>
+            </a:fillRef>
+            <a:effectRef idx="0">
+              <a:schemeClr val="accent1"/>
+            </a:effectRef>
+            <a:fontRef idx="minor">
+              <a:schemeClr val="tx1"/>
+            </a:fontRef>
+          </p:style>
+        </p:cxnSp>
+        <p:grpSp>
+          <p:nvGrpSpPr>
+            <p:cNvPr id="116" name="Group 115"/>
+            <p:cNvGrpSpPr/>
+            <p:nvPr/>
+          </p:nvGrpSpPr>
+          <p:grpSpPr>
+            <a:xfrm>
+              <a:off x="284538" y="1319547"/>
+              <a:ext cx="1027180" cy="4111946"/>
+              <a:chOff x="9831571" y="1558741"/>
+              <a:chExt cx="504586" cy="3062177"/>
+            </a:xfrm>
+          </p:grpSpPr>
+          <p:sp>
+            <p:nvSpPr>
+              <p:cNvPr id="117" name="Arc 116"/>
+              <p:cNvSpPr/>
+              <p:nvPr/>
+            </p:nvSpPr>
+            <p:spPr>
+              <a:xfrm>
+                <a:off x="9831571" y="1569374"/>
+                <a:ext cx="481549" cy="3051544"/>
+              </a:xfrm>
+              <a:prstGeom prst="arc">
+                <a:avLst>
+                  <a:gd name="adj1" fmla="val 5305153"/>
+                  <a:gd name="adj2" fmla="val 16224316"/>
+                </a:avLst>
+              </a:prstGeom>
+              <a:ln w="50800">
+                <a:solidFill>
+                  <a:schemeClr val="tx1"/>
+                </a:solidFill>
+              </a:ln>
+            </p:spPr>
+            <p:style>
+              <a:lnRef idx="1">
+                <a:schemeClr val="accent1"/>
+              </a:lnRef>
+              <a:fillRef idx="0">
+                <a:schemeClr val="accent1"/>
+              </a:fillRef>
+              <a:effectRef idx="0">
+                <a:schemeClr val="accent1"/>
+              </a:effectRef>
+              <a:fontRef idx="minor">
+                <a:schemeClr val="tx1"/>
+              </a:fontRef>
+            </p:style>
+            <p:txBody>
+              <a:bodyPr rtlCol="0" anchor="ctr"/>
+              <a:lstStyle/>
+              <a:p>
+                <a:pPr algn="ctr"/>
+                <a:endParaRPr lang="en-US"/>
+              </a:p>
+            </p:txBody>
+          </p:sp>
+          <p:sp>
+            <p:nvSpPr>
+              <p:cNvPr id="118" name="Arc 117"/>
+              <p:cNvSpPr/>
+              <p:nvPr/>
+            </p:nvSpPr>
+            <p:spPr>
+              <a:xfrm>
+                <a:off x="9854608" y="1558741"/>
+                <a:ext cx="481549" cy="3051544"/>
+              </a:xfrm>
+              <a:prstGeom prst="arc">
+                <a:avLst>
+                  <a:gd name="adj1" fmla="val 16200000"/>
+                  <a:gd name="adj2" fmla="val 5342088"/>
+                </a:avLst>
+              </a:prstGeom>
+              <a:ln w="50800">
+                <a:solidFill>
+                  <a:schemeClr val="tx1"/>
+                </a:solidFill>
+                <a:prstDash val="dash"/>
+              </a:ln>
+            </p:spPr>
+            <p:style>
+              <a:lnRef idx="1">
+                <a:schemeClr val="accent1"/>
+              </a:lnRef>
+              <a:fillRef idx="0">
+                <a:schemeClr val="accent1"/>
+              </a:fillRef>
+              <a:effectRef idx="0">
+                <a:schemeClr val="accent1"/>
+              </a:effectRef>
+              <a:fontRef idx="minor">
+                <a:schemeClr val="tx1"/>
+              </a:fontRef>
+            </p:style>
+            <p:txBody>
+              <a:bodyPr rtlCol="0" anchor="ctr"/>
+              <a:lstStyle/>
+              <a:p>
+                <a:pPr algn="ctr"/>
+                <a:endParaRPr lang="en-US"/>
+              </a:p>
+            </p:txBody>
+          </p:sp>
+        </p:grpSp>
+        <p:cxnSp>
+          <p:nvCxnSpPr>
+            <p:cNvPr id="119" name="Straight Arrow Connector 118"/>
             <p:cNvCxnSpPr/>
             <p:nvPr/>
           </p:nvCxnSpPr>
           <p:spPr>
             <a:xfrm flipV="1">
-              <a:off x="7899094" y="3613533"/>
+              <a:off x="820722" y="3360921"/>
               <a:ext cx="3316077" cy="11016"/>
             </a:xfrm>
             <a:prstGeom prst="straightConnector1">
@@ -17070,13 +18568,13 @@
         </p:cxnSp>
         <p:cxnSp>
           <p:nvCxnSpPr>
-            <p:cNvPr id="113" name="Straight Arrow Connector 112"/>
+            <p:cNvPr id="120" name="Straight Arrow Connector 119"/>
             <p:cNvCxnSpPr/>
             <p:nvPr/>
           </p:nvCxnSpPr>
           <p:spPr>
             <a:xfrm flipV="1">
-              <a:off x="7929799" y="683046"/>
+              <a:off x="851427" y="430434"/>
               <a:ext cx="0" cy="2937948"/>
             </a:xfrm>
             <a:prstGeom prst="straightConnector1">
@@ -17106,14 +18604,14 @@
         </p:cxnSp>
         <p:cxnSp>
           <p:nvCxnSpPr>
-            <p:cNvPr id="116" name="Straight Arrow Connector 115"/>
+            <p:cNvPr id="121" name="Straight Arrow Connector 120"/>
             <p:cNvCxnSpPr/>
             <p:nvPr/>
           </p:nvCxnSpPr>
           <p:spPr>
             <a:xfrm flipV="1">
-              <a:off x="7937277" y="2593938"/>
-              <a:ext cx="1327721" cy="1012456"/>
+              <a:off x="858905" y="2341326"/>
+              <a:ext cx="1327721" cy="1027056"/>
             </a:xfrm>
             <a:prstGeom prst="straightConnector1">
               <a:avLst/>
@@ -17145,13 +18643,13 @@
           <mc:Choice xmlns:a14="http://schemas.microsoft.com/office/drawing/2010/main" Requires="a14">
             <p:sp>
               <p:nvSpPr>
-                <p:cNvPr id="121" name="TextBox 120"/>
+                <p:cNvPr id="122" name="TextBox 121"/>
                 <p:cNvSpPr txBox="1"/>
                 <p:nvPr/>
               </p:nvSpPr>
               <p:spPr>
                 <a:xfrm>
-                  <a:off x="8993405" y="2317973"/>
+                  <a:off x="1915033" y="2065361"/>
                   <a:ext cx="214546" cy="307777"/>
                 </a:xfrm>
                 <a:prstGeom prst="rect">
@@ -17165,6 +18663,7 @@
                 </a:bodyPr>
                 <a:lstStyle/>
                 <a:p>
+                  <a:pPr/>
                   <a14:m>
                     <m:oMathPara xmlns:m="http://schemas.openxmlformats.org/officeDocument/2006/math">
                       <m:oMathParaPr>
@@ -17192,7 +18691,7 @@
           <mc:Fallback>
             <p:sp>
               <p:nvSpPr>
-                <p:cNvPr id="121" name="TextBox 120"/>
+                <p:cNvPr id="122" name="TextBox 121"/>
                 <p:cNvSpPr txBox="1">
                   <a:spLocks noRot="1" noChangeAspect="1" noMove="1" noResize="1" noEditPoints="1" noAdjustHandles="1" noChangeArrowheads="1" noChangeShapeType="1" noTextEdit="1"/>
                 </p:cNvSpPr>
@@ -17200,16 +18699,16 @@
               </p:nvSpPr>
               <p:spPr>
                 <a:xfrm>
-                  <a:off x="8993405" y="2317973"/>
+                  <a:off x="1915033" y="2065361"/>
                   <a:ext cx="214546" cy="307777"/>
                 </a:xfrm>
                 <a:prstGeom prst="rect">
                   <a:avLst/>
                 </a:prstGeom>
                 <a:blipFill>
-                  <a:blip r:embed="rId5"/>
+                  <a:blip r:embed="rId2"/>
                   <a:stretch>
-                    <a:fillRect l="-11429" r="-11429" b="-1961"/>
+                    <a:fillRect l="-11429" r="-11429" b="-2000"/>
                   </a:stretch>
                 </a:blipFill>
               </p:spPr>
@@ -17230,13 +18729,13 @@
         </mc:AlternateContent>
         <p:cxnSp>
           <p:nvCxnSpPr>
-            <p:cNvPr id="122" name="Straight Arrow Connector 121"/>
+            <p:cNvPr id="123" name="Straight Arrow Connector 122"/>
             <p:cNvCxnSpPr/>
             <p:nvPr/>
           </p:nvCxnSpPr>
           <p:spPr>
             <a:xfrm flipV="1">
-              <a:off x="7907765" y="683046"/>
+              <a:off x="829393" y="430434"/>
               <a:ext cx="0" cy="2937948"/>
             </a:xfrm>
             <a:prstGeom prst="straightConnector1">
@@ -17268,13 +18767,13 @@
           <mc:Choice xmlns:a14="http://schemas.microsoft.com/office/drawing/2010/main" Requires="a14">
             <p:sp>
               <p:nvSpPr>
-                <p:cNvPr id="123" name="TextBox 122"/>
+                <p:cNvPr id="124" name="TextBox 123"/>
                 <p:cNvSpPr txBox="1"/>
                 <p:nvPr/>
               </p:nvSpPr>
               <p:spPr>
                 <a:xfrm>
-                  <a:off x="11077684" y="3655818"/>
+                  <a:off x="3999312" y="3403206"/>
                   <a:ext cx="198323" cy="307777"/>
                 </a:xfrm>
                 <a:prstGeom prst="rect">
@@ -17288,6 +18787,7 @@
                 </a:bodyPr>
                 <a:lstStyle/>
                 <a:p>
+                  <a:pPr/>
                   <a14:m>
                     <m:oMathPara xmlns:m="http://schemas.openxmlformats.org/officeDocument/2006/math">
                       <m:oMathParaPr>
@@ -17315,7 +18815,7 @@
           <mc:Fallback>
             <p:sp>
               <p:nvSpPr>
-                <p:cNvPr id="123" name="TextBox 122"/>
+                <p:cNvPr id="124" name="TextBox 123"/>
                 <p:cNvSpPr txBox="1">
                   <a:spLocks noRot="1" noChangeAspect="1" noMove="1" noResize="1" noEditPoints="1" noAdjustHandles="1" noChangeArrowheads="1" noChangeShapeType="1" noTextEdit="1"/>
                 </p:cNvSpPr>
@@ -17323,16 +18823,16 @@
               </p:nvSpPr>
               <p:spPr>
                 <a:xfrm>
-                  <a:off x="11077684" y="3655818"/>
+                  <a:off x="3999312" y="3403206"/>
                   <a:ext cx="198323" cy="307777"/>
                 </a:xfrm>
                 <a:prstGeom prst="rect">
                   <a:avLst/>
                 </a:prstGeom>
                 <a:blipFill>
-                  <a:blip r:embed="rId6"/>
+                  <a:blip r:embed="rId3"/>
                   <a:stretch>
-                    <a:fillRect l="-12121" r="-12121" b="-2000"/>
+                    <a:fillRect l="-12121" r="-12121" b="-1961"/>
                   </a:stretch>
                 </a:blipFill>
               </p:spPr>
@@ -17355,13 +18855,13 @@
           <mc:Choice xmlns:a14="http://schemas.microsoft.com/office/drawing/2010/main" Requires="a14">
             <p:sp>
               <p:nvSpPr>
-                <p:cNvPr id="124" name="TextBox 123"/>
+                <p:cNvPr id="125" name="TextBox 124"/>
                 <p:cNvSpPr txBox="1"/>
                 <p:nvPr/>
               </p:nvSpPr>
               <p:spPr>
                 <a:xfrm>
-                  <a:off x="7718114" y="713955"/>
+                  <a:off x="639742" y="461343"/>
                   <a:ext cx="219163" cy="307777"/>
                 </a:xfrm>
                 <a:prstGeom prst="rect">
@@ -17375,6 +18875,7 @@
                 </a:bodyPr>
                 <a:lstStyle/>
                 <a:p>
+                  <a:pPr/>
                   <a14:m>
                     <m:oMathPara xmlns:m="http://schemas.openxmlformats.org/officeDocument/2006/math">
                       <m:oMathParaPr>
@@ -17402,7 +18903,7 @@
           <mc:Fallback>
             <p:sp>
               <p:nvSpPr>
-                <p:cNvPr id="124" name="TextBox 123"/>
+                <p:cNvPr id="125" name="TextBox 124"/>
                 <p:cNvSpPr txBox="1">
                   <a:spLocks noRot="1" noChangeAspect="1" noMove="1" noResize="1" noEditPoints="1" noAdjustHandles="1" noChangeArrowheads="1" noChangeShapeType="1" noTextEdit="1"/>
                 </p:cNvSpPr>
@@ -17410,16 +18911,16 @@
               </p:nvSpPr>
               <p:spPr>
                 <a:xfrm>
-                  <a:off x="7718114" y="713955"/>
+                  <a:off x="639742" y="461343"/>
                   <a:ext cx="219163" cy="307777"/>
                 </a:xfrm>
                 <a:prstGeom prst="rect">
                   <a:avLst/>
                 </a:prstGeom>
                 <a:blipFill>
-                  <a:blip r:embed="rId7"/>
+                  <a:blip r:embed="rId4"/>
                   <a:stretch>
-                    <a:fillRect l="-25000" r="-25000" b="-27451"/>
+                    <a:fillRect l="-25000" r="-25000" b="-30000"/>
                   </a:stretch>
                 </a:blipFill>
               </p:spPr>
@@ -17446,8 +18947,8 @@
           </p:nvCxnSpPr>
           <p:spPr>
             <a:xfrm flipV="1">
-              <a:off x="7943047" y="1359951"/>
-              <a:ext cx="304532" cy="233735"/>
+              <a:off x="837645" y="1102208"/>
+              <a:ext cx="333388" cy="245007"/>
             </a:xfrm>
             <a:prstGeom prst="straightConnector1">
               <a:avLst/>
@@ -17474,137 +18975,16 @@
             </a:fontRef>
           </p:style>
         </p:cxnSp>
-        <mc:AlternateContent xmlns:mc="http://schemas.openxmlformats.org/markup-compatibility/2006">
-          <mc:Choice xmlns:a14="http://schemas.microsoft.com/office/drawing/2010/main" Requires="a14">
-            <p:sp>
-              <p:nvSpPr>
-                <p:cNvPr id="133" name="TextBox 132"/>
-                <p:cNvSpPr txBox="1"/>
-                <p:nvPr/>
-              </p:nvSpPr>
-              <p:spPr>
-                <a:xfrm>
-                  <a:off x="8207817" y="1381230"/>
-                  <a:ext cx="317651" cy="353302"/>
-                </a:xfrm>
-                <a:prstGeom prst="rect">
-                  <a:avLst/>
-                </a:prstGeom>
-                <a:noFill/>
-              </p:spPr>
-              <p:txBody>
-                <a:bodyPr wrap="none" lIns="0" tIns="0" rIns="0" bIns="0" rtlCol="0">
-                  <a:spAutoFit/>
-                </a:bodyPr>
-                <a:lstStyle/>
-                <a:p>
-                  <a14:m>
-                    <m:oMathPara xmlns:m="http://schemas.openxmlformats.org/officeDocument/2006/math">
-                      <m:oMathParaPr>
-                        <m:jc m:val="centerGroup"/>
-                      </m:oMathParaPr>
-                      <m:oMath xmlns:m="http://schemas.openxmlformats.org/officeDocument/2006/math">
-                        <m:r>
-                          <a:rPr lang="en-US" sz="2000" b="0" i="1" smtClean="0">
-                            <a:solidFill>
-                              <a:srgbClr val="FF0000"/>
-                            </a:solidFill>
-                            <a:latin typeface="Cambria Math" panose="02040503050406030204" pitchFamily="18" charset="0"/>
-                            <a:cs typeface="Arial" panose="020B0604020202020204" pitchFamily="34" charset="0"/>
-                          </a:rPr>
-                          <m:t>𝑑</m:t>
-                        </m:r>
-                        <m:acc>
-                          <m:accPr>
-                            <m:chr m:val="⃗"/>
-                            <m:ctrlPr>
-                              <a:rPr lang="en-US" sz="2000" b="0" i="1" smtClean="0">
-                                <a:solidFill>
-                                  <a:srgbClr val="FF0000"/>
-                                </a:solidFill>
-                                <a:latin typeface="Cambria Math" panose="02040503050406030204" pitchFamily="18" charset="0"/>
-                                <a:cs typeface="Arial" panose="020B0604020202020204" pitchFamily="34" charset="0"/>
-                              </a:rPr>
-                            </m:ctrlPr>
-                          </m:accPr>
-                          <m:e>
-                            <m:r>
-                              <a:rPr lang="en-US" sz="2000" b="0" i="1" smtClean="0">
-                                <a:solidFill>
-                                  <a:srgbClr val="FF0000"/>
-                                </a:solidFill>
-                                <a:latin typeface="Cambria Math" panose="02040503050406030204" pitchFamily="18" charset="0"/>
-                                <a:cs typeface="Arial" panose="020B0604020202020204" pitchFamily="34" charset="0"/>
-                              </a:rPr>
-                              <m:t>𝑙</m:t>
-                            </m:r>
-                          </m:e>
-                        </m:acc>
-                      </m:oMath>
-                    </m:oMathPara>
-                  </a14:m>
-                  <a:endParaRPr lang="en-US" sz="2000" dirty="0" smtClean="0">
-                    <a:solidFill>
-                      <a:srgbClr val="FF0000"/>
-                    </a:solidFill>
-                    <a:latin typeface="Arial" panose="020B0604020202020204" pitchFamily="34" charset="0"/>
-                    <a:cs typeface="Arial" panose="020B0604020202020204" pitchFamily="34" charset="0"/>
-                  </a:endParaRPr>
-                </a:p>
-              </p:txBody>
-            </p:sp>
-          </mc:Choice>
-          <mc:Fallback>
-            <p:sp>
-              <p:nvSpPr>
-                <p:cNvPr id="133" name="TextBox 132"/>
-                <p:cNvSpPr txBox="1">
-                  <a:spLocks noRot="1" noChangeAspect="1" noMove="1" noResize="1" noEditPoints="1" noAdjustHandles="1" noChangeArrowheads="1" noChangeShapeType="1" noTextEdit="1"/>
-                </p:cNvSpPr>
-                <p:nvPr/>
-              </p:nvSpPr>
-              <p:spPr>
-                <a:xfrm>
-                  <a:off x="8207817" y="1381230"/>
-                  <a:ext cx="317651" cy="353302"/>
-                </a:xfrm>
-                <a:prstGeom prst="rect">
-                  <a:avLst/>
-                </a:prstGeom>
-                <a:blipFill>
-                  <a:blip r:embed="rId8"/>
-                  <a:stretch>
-                    <a:fillRect l="-16981" t="-34483" r="-101887" b="-8621"/>
-                  </a:stretch>
-                </a:blipFill>
-              </p:spPr>
-              <p:txBody>
-                <a:bodyPr/>
-                <a:lstStyle/>
-                <a:p>
-                  <a:r>
-                    <a:rPr lang="en-US">
-                      <a:noFill/>
-                    </a:rPr>
-                    <a:t> </a:t>
-                  </a:r>
-                </a:p>
-              </p:txBody>
-            </p:sp>
-          </mc:Fallback>
-        </mc:AlternateContent>
         <p:cxnSp>
           <p:nvCxnSpPr>
-            <p:cNvPr id="135" name="Straight Arrow Connector 134"/>
-            <p:cNvCxnSpPr>
-              <a:stCxn id="109" idx="0"/>
-            </p:cNvCxnSpPr>
+            <p:cNvPr id="127" name="Straight Arrow Connector 126"/>
+            <p:cNvCxnSpPr/>
             <p:nvPr/>
           </p:nvCxnSpPr>
           <p:spPr>
             <a:xfrm>
-              <a:off x="7899948" y="1572159"/>
-              <a:ext cx="1894047" cy="2048835"/>
+              <a:off x="858905" y="1349795"/>
+              <a:ext cx="1794160" cy="2053411"/>
             </a:xfrm>
             <a:prstGeom prst="straightConnector1">
               <a:avLst/>
@@ -17631,121 +19011,4676 @@
             </a:fontRef>
           </p:style>
         </p:cxnSp>
-        <mc:AlternateContent xmlns:mc="http://schemas.openxmlformats.org/markup-compatibility/2006">
-          <mc:Choice xmlns:a14="http://schemas.microsoft.com/office/drawing/2010/main" Requires="a14">
+        <p:cxnSp>
+          <p:nvCxnSpPr>
+            <p:cNvPr id="128" name="Straight Connector 127"/>
+            <p:cNvCxnSpPr/>
+            <p:nvPr/>
+          </p:nvCxnSpPr>
+          <p:spPr>
+            <a:xfrm flipH="1">
+              <a:off x="62283" y="3372524"/>
+              <a:ext cx="801878" cy="608406"/>
+            </a:xfrm>
+            <a:prstGeom prst="line">
+              <a:avLst/>
+            </a:prstGeom>
+            <a:ln w="38100">
+              <a:solidFill>
+                <a:schemeClr val="tx1"/>
+              </a:solidFill>
+            </a:ln>
+          </p:spPr>
+          <p:style>
+            <a:lnRef idx="1">
+              <a:schemeClr val="accent1"/>
+            </a:lnRef>
+            <a:fillRef idx="0">
+              <a:schemeClr val="accent1"/>
+            </a:fillRef>
+            <a:effectRef idx="0">
+              <a:schemeClr val="accent1"/>
+            </a:effectRef>
+            <a:fontRef idx="minor">
+              <a:schemeClr val="tx1"/>
+            </a:fontRef>
+          </p:style>
+        </p:cxnSp>
+        <p:grpSp>
+          <p:nvGrpSpPr>
+            <p:cNvPr id="130" name="Group 129"/>
+            <p:cNvGrpSpPr/>
+            <p:nvPr/>
+          </p:nvGrpSpPr>
+          <p:grpSpPr>
+            <a:xfrm>
+              <a:off x="2136509" y="2854854"/>
+              <a:ext cx="347189" cy="926053"/>
+              <a:chOff x="9831571" y="1558741"/>
+              <a:chExt cx="504586" cy="3062177"/>
+            </a:xfrm>
+          </p:grpSpPr>
+          <p:sp>
+            <p:nvSpPr>
+              <p:cNvPr id="131" name="Arc 130"/>
+              <p:cNvSpPr/>
+              <p:nvPr/>
+            </p:nvSpPr>
+            <p:spPr>
+              <a:xfrm>
+                <a:off x="9854608" y="1558741"/>
+                <a:ext cx="481549" cy="3051544"/>
+              </a:xfrm>
+              <a:prstGeom prst="arc">
+                <a:avLst>
+                  <a:gd name="adj1" fmla="val 16200000"/>
+                  <a:gd name="adj2" fmla="val 5342088"/>
+                </a:avLst>
+              </a:prstGeom>
+              <a:ln w="38100">
+                <a:solidFill>
+                  <a:schemeClr val="accent1"/>
+                </a:solidFill>
+                <a:prstDash val="dash"/>
+              </a:ln>
+            </p:spPr>
+            <p:style>
+              <a:lnRef idx="1">
+                <a:schemeClr val="accent1"/>
+              </a:lnRef>
+              <a:fillRef idx="0">
+                <a:schemeClr val="accent1"/>
+              </a:fillRef>
+              <a:effectRef idx="0">
+                <a:schemeClr val="accent1"/>
+              </a:effectRef>
+              <a:fontRef idx="minor">
+                <a:schemeClr val="tx1"/>
+              </a:fontRef>
+            </p:style>
+            <p:txBody>
+              <a:bodyPr rtlCol="0" anchor="ctr"/>
+              <a:lstStyle/>
+              <a:p>
+                <a:pPr algn="ctr"/>
+                <a:endParaRPr lang="en-US"/>
+              </a:p>
+            </p:txBody>
+          </p:sp>
+          <p:sp>
+            <p:nvSpPr>
+              <p:cNvPr id="132" name="Arc 131"/>
+              <p:cNvSpPr/>
+              <p:nvPr/>
+            </p:nvSpPr>
+            <p:spPr>
+              <a:xfrm>
+                <a:off x="9831571" y="1569374"/>
+                <a:ext cx="481549" cy="3051544"/>
+              </a:xfrm>
+              <a:prstGeom prst="arc">
+                <a:avLst>
+                  <a:gd name="adj1" fmla="val 5305153"/>
+                  <a:gd name="adj2" fmla="val 16224316"/>
+                </a:avLst>
+              </a:prstGeom>
+              <a:ln w="38100">
+                <a:solidFill>
+                  <a:schemeClr val="accent1"/>
+                </a:solidFill>
+              </a:ln>
+            </p:spPr>
+            <p:style>
+              <a:lnRef idx="1">
+                <a:schemeClr val="accent1"/>
+              </a:lnRef>
+              <a:fillRef idx="0">
+                <a:schemeClr val="accent1"/>
+              </a:fillRef>
+              <a:effectRef idx="0">
+                <a:schemeClr val="accent1"/>
+              </a:effectRef>
+              <a:fontRef idx="minor">
+                <a:schemeClr val="tx1"/>
+              </a:fontRef>
+            </p:style>
+            <p:txBody>
+              <a:bodyPr rtlCol="0" anchor="ctr"/>
+              <a:lstStyle/>
+              <a:p>
+                <a:pPr algn="ctr"/>
+                <a:endParaRPr lang="en-US"/>
+              </a:p>
+            </p:txBody>
+          </p:sp>
+        </p:grpSp>
+      </p:grpSp>
+      <p:cxnSp>
+        <p:nvCxnSpPr>
+          <p:cNvPr id="133" name="Straight Arrow Connector 132"/>
+          <p:cNvCxnSpPr/>
+          <p:nvPr/>
+        </p:nvCxnSpPr>
+        <p:spPr>
+          <a:xfrm flipH="1">
+            <a:off x="6661283" y="3579907"/>
+            <a:ext cx="475284" cy="162043"/>
+          </a:xfrm>
+          <a:prstGeom prst="straightConnector1">
+            <a:avLst/>
+          </a:prstGeom>
+          <a:ln w="60325">
+            <a:solidFill>
+              <a:schemeClr val="accent1"/>
+            </a:solidFill>
+            <a:tailEnd type="triangle"/>
+          </a:ln>
+        </p:spPr>
+        <p:style>
+          <a:lnRef idx="1">
+            <a:schemeClr val="accent1"/>
+          </a:lnRef>
+          <a:fillRef idx="0">
+            <a:schemeClr val="accent1"/>
+          </a:fillRef>
+          <a:effectRef idx="0">
+            <a:schemeClr val="accent1"/>
+          </a:effectRef>
+          <a:fontRef idx="minor">
+            <a:schemeClr val="tx1"/>
+          </a:fontRef>
+        </p:style>
+      </p:cxnSp>
+      <p:grpSp>
+        <p:nvGrpSpPr>
+          <p:cNvPr id="134" name="Group 133"/>
+          <p:cNvGrpSpPr/>
+          <p:nvPr/>
+        </p:nvGrpSpPr>
+        <p:grpSpPr>
+          <a:xfrm>
+            <a:off x="4792140" y="1506721"/>
+            <a:ext cx="1027180" cy="4111946"/>
+            <a:chOff x="9831571" y="1558741"/>
+            <a:chExt cx="504586" cy="3062177"/>
+          </a:xfrm>
+        </p:grpSpPr>
+        <p:sp>
+          <p:nvSpPr>
+            <p:cNvPr id="135" name="Arc 134"/>
+            <p:cNvSpPr/>
+            <p:nvPr/>
+          </p:nvSpPr>
+          <p:spPr>
+            <a:xfrm>
+              <a:off x="9831571" y="1569374"/>
+              <a:ext cx="481549" cy="3051544"/>
+            </a:xfrm>
+            <a:prstGeom prst="arc">
+              <a:avLst>
+                <a:gd name="adj1" fmla="val 5305153"/>
+                <a:gd name="adj2" fmla="val 16224316"/>
+              </a:avLst>
+            </a:prstGeom>
+            <a:ln w="50800">
+              <a:solidFill>
+                <a:schemeClr val="tx1"/>
+              </a:solidFill>
+            </a:ln>
+          </p:spPr>
+          <p:style>
+            <a:lnRef idx="1">
+              <a:schemeClr val="accent1"/>
+            </a:lnRef>
+            <a:fillRef idx="0">
+              <a:schemeClr val="accent1"/>
+            </a:fillRef>
+            <a:effectRef idx="0">
+              <a:schemeClr val="accent1"/>
+            </a:effectRef>
+            <a:fontRef idx="minor">
+              <a:schemeClr val="tx1"/>
+            </a:fontRef>
+          </p:style>
+          <p:txBody>
+            <a:bodyPr rtlCol="0" anchor="ctr"/>
+            <a:lstStyle/>
+            <a:p>
+              <a:pPr algn="ctr"/>
+              <a:endParaRPr lang="en-US"/>
+            </a:p>
+          </p:txBody>
+        </p:sp>
+        <p:sp>
+          <p:nvSpPr>
+            <p:cNvPr id="136" name="Arc 135"/>
+            <p:cNvSpPr/>
+            <p:nvPr/>
+          </p:nvSpPr>
+          <p:spPr>
+            <a:xfrm>
+              <a:off x="9854608" y="1558741"/>
+              <a:ext cx="481549" cy="3051544"/>
+            </a:xfrm>
+            <a:prstGeom prst="arc">
+              <a:avLst>
+                <a:gd name="adj1" fmla="val 16200000"/>
+                <a:gd name="adj2" fmla="val 5342088"/>
+              </a:avLst>
+            </a:prstGeom>
+            <a:ln w="50800">
+              <a:solidFill>
+                <a:schemeClr val="tx1"/>
+              </a:solidFill>
+              <a:prstDash val="dash"/>
+            </a:ln>
+          </p:spPr>
+          <p:style>
+            <a:lnRef idx="1">
+              <a:schemeClr val="accent1"/>
+            </a:lnRef>
+            <a:fillRef idx="0">
+              <a:schemeClr val="accent1"/>
+            </a:fillRef>
+            <a:effectRef idx="0">
+              <a:schemeClr val="accent1"/>
+            </a:effectRef>
+            <a:fontRef idx="minor">
+              <a:schemeClr val="tx1"/>
+            </a:fontRef>
+          </p:style>
+          <p:txBody>
+            <a:bodyPr rtlCol="0" anchor="ctr"/>
+            <a:lstStyle/>
+            <a:p>
+              <a:pPr algn="ctr"/>
+              <a:endParaRPr lang="en-US"/>
+            </a:p>
+          </p:txBody>
+        </p:sp>
+      </p:grpSp>
+      <p:cxnSp>
+        <p:nvCxnSpPr>
+          <p:cNvPr id="137" name="Straight Arrow Connector 136"/>
+          <p:cNvCxnSpPr/>
+          <p:nvPr/>
+        </p:nvCxnSpPr>
+        <p:spPr>
+          <a:xfrm flipV="1">
+            <a:off x="5328324" y="3548095"/>
+            <a:ext cx="3316077" cy="11016"/>
+          </a:xfrm>
+          <a:prstGeom prst="straightConnector1">
+            <a:avLst/>
+          </a:prstGeom>
+          <a:ln w="38100">
+            <a:solidFill>
+              <a:schemeClr val="tx1"/>
+            </a:solidFill>
+            <a:tailEnd type="triangle"/>
+          </a:ln>
+        </p:spPr>
+        <p:style>
+          <a:lnRef idx="1">
+            <a:schemeClr val="accent1"/>
+          </a:lnRef>
+          <a:fillRef idx="0">
+            <a:schemeClr val="accent1"/>
+          </a:fillRef>
+          <a:effectRef idx="0">
+            <a:schemeClr val="accent1"/>
+          </a:effectRef>
+          <a:fontRef idx="minor">
+            <a:schemeClr val="tx1"/>
+          </a:fontRef>
+        </p:style>
+      </p:cxnSp>
+      <p:cxnSp>
+        <p:nvCxnSpPr>
+          <p:cNvPr id="138" name="Straight Arrow Connector 137"/>
+          <p:cNvCxnSpPr/>
+          <p:nvPr/>
+        </p:nvCxnSpPr>
+        <p:spPr>
+          <a:xfrm flipV="1">
+            <a:off x="5359029" y="617608"/>
+            <a:ext cx="0" cy="2937948"/>
+          </a:xfrm>
+          <a:prstGeom prst="straightConnector1">
+            <a:avLst/>
+          </a:prstGeom>
+          <a:ln w="38100">
+            <a:solidFill>
+              <a:schemeClr val="tx1"/>
+            </a:solidFill>
+            <a:tailEnd type="triangle"/>
+          </a:ln>
+        </p:spPr>
+        <p:style>
+          <a:lnRef idx="1">
+            <a:schemeClr val="accent1"/>
+          </a:lnRef>
+          <a:fillRef idx="0">
+            <a:schemeClr val="accent1"/>
+          </a:fillRef>
+          <a:effectRef idx="0">
+            <a:schemeClr val="accent1"/>
+          </a:effectRef>
+          <a:fontRef idx="minor">
+            <a:schemeClr val="tx1"/>
+          </a:fontRef>
+        </p:style>
+      </p:cxnSp>
+      <p:cxnSp>
+        <p:nvCxnSpPr>
+          <p:cNvPr id="139" name="Straight Arrow Connector 138"/>
+          <p:cNvCxnSpPr/>
+          <p:nvPr/>
+        </p:nvCxnSpPr>
+        <p:spPr>
+          <a:xfrm flipV="1">
+            <a:off x="5366507" y="2528500"/>
+            <a:ext cx="1327721" cy="1027056"/>
+          </a:xfrm>
+          <a:prstGeom prst="straightConnector1">
+            <a:avLst/>
+          </a:prstGeom>
+          <a:ln w="38100">
+            <a:solidFill>
+              <a:schemeClr val="tx1"/>
+            </a:solidFill>
+            <a:prstDash val="dash"/>
+            <a:tailEnd type="triangle"/>
+          </a:ln>
+        </p:spPr>
+        <p:style>
+          <a:lnRef idx="1">
+            <a:schemeClr val="accent1"/>
+          </a:lnRef>
+          <a:fillRef idx="0">
+            <a:schemeClr val="accent1"/>
+          </a:fillRef>
+          <a:effectRef idx="0">
+            <a:schemeClr val="accent1"/>
+          </a:effectRef>
+          <a:fontRef idx="minor">
+            <a:schemeClr val="tx1"/>
+          </a:fontRef>
+        </p:style>
+      </p:cxnSp>
+      <mc:AlternateContent xmlns:mc="http://schemas.openxmlformats.org/markup-compatibility/2006">
+        <mc:Choice xmlns:a14="http://schemas.microsoft.com/office/drawing/2010/main" Requires="a14">
+          <p:sp>
+            <p:nvSpPr>
+              <p:cNvPr id="140" name="TextBox 139"/>
+              <p:cNvSpPr txBox="1"/>
+              <p:nvPr/>
+            </p:nvSpPr>
+            <p:spPr>
+              <a:xfrm>
+                <a:off x="6422635" y="2252535"/>
+                <a:ext cx="214546" cy="307777"/>
+              </a:xfrm>
+              <a:prstGeom prst="rect">
+                <a:avLst/>
+              </a:prstGeom>
+              <a:noFill/>
+            </p:spPr>
+            <p:txBody>
+              <a:bodyPr wrap="none" lIns="0" tIns="0" rIns="0" bIns="0" rtlCol="0">
+                <a:spAutoFit/>
+              </a:bodyPr>
+              <a:lstStyle/>
+              <a:p>
+                <a:pPr/>
+                <a14:m>
+                  <m:oMathPara xmlns:m="http://schemas.openxmlformats.org/officeDocument/2006/math">
+                    <m:oMathParaPr>
+                      <m:jc m:val="centerGroup"/>
+                    </m:oMathParaPr>
+                    <m:oMath xmlns:m="http://schemas.openxmlformats.org/officeDocument/2006/math">
+                      <m:r>
+                        <a:rPr lang="en-US" sz="2000" b="0" i="1" smtClean="0">
+                          <a:latin typeface="Cambria Math" panose="02040503050406030204" pitchFamily="18" charset="0"/>
+                          <a:cs typeface="Arial" panose="020B0604020202020204" pitchFamily="34" charset="0"/>
+                        </a:rPr>
+                        <m:t>𝑥</m:t>
+                      </m:r>
+                    </m:oMath>
+                  </m:oMathPara>
+                </a14:m>
+                <a:endParaRPr lang="en-US" sz="2000" dirty="0" smtClean="0">
+                  <a:latin typeface="Arial" panose="020B0604020202020204" pitchFamily="34" charset="0"/>
+                  <a:cs typeface="Arial" panose="020B0604020202020204" pitchFamily="34" charset="0"/>
+                </a:endParaRPr>
+              </a:p>
+            </p:txBody>
+          </p:sp>
+        </mc:Choice>
+        <mc:Fallback>
+          <p:sp>
+            <p:nvSpPr>
+              <p:cNvPr id="140" name="TextBox 139"/>
+              <p:cNvSpPr txBox="1">
+                <a:spLocks noRot="1" noChangeAspect="1" noMove="1" noResize="1" noEditPoints="1" noAdjustHandles="1" noChangeArrowheads="1" noChangeShapeType="1" noTextEdit="1"/>
+              </p:cNvSpPr>
+              <p:nvPr/>
+            </p:nvSpPr>
+            <p:spPr>
+              <a:xfrm>
+                <a:off x="6422635" y="2252535"/>
+                <a:ext cx="214546" cy="307777"/>
+              </a:xfrm>
+              <a:prstGeom prst="rect">
+                <a:avLst/>
+              </a:prstGeom>
+              <a:blipFill>
+                <a:blip r:embed="rId5"/>
+                <a:stretch>
+                  <a:fillRect l="-14286" r="-8571" b="-2000"/>
+                </a:stretch>
+              </a:blipFill>
+            </p:spPr>
+            <p:txBody>
+              <a:bodyPr/>
+              <a:lstStyle/>
+              <a:p>
+                <a:r>
+                  <a:rPr lang="en-US">
+                    <a:noFill/>
+                  </a:rPr>
+                  <a:t> </a:t>
+                </a:r>
+              </a:p>
+            </p:txBody>
+          </p:sp>
+        </mc:Fallback>
+      </mc:AlternateContent>
+      <p:cxnSp>
+        <p:nvCxnSpPr>
+          <p:cNvPr id="141" name="Straight Arrow Connector 140"/>
+          <p:cNvCxnSpPr/>
+          <p:nvPr/>
+        </p:nvCxnSpPr>
+        <p:spPr>
+          <a:xfrm flipV="1">
+            <a:off x="5336995" y="617608"/>
+            <a:ext cx="0" cy="2937948"/>
+          </a:xfrm>
+          <a:prstGeom prst="straightConnector1">
+            <a:avLst/>
+          </a:prstGeom>
+          <a:ln w="38100">
+            <a:solidFill>
+              <a:schemeClr val="tx1"/>
+            </a:solidFill>
+            <a:tailEnd type="triangle"/>
+          </a:ln>
+        </p:spPr>
+        <p:style>
+          <a:lnRef idx="1">
+            <a:schemeClr val="accent1"/>
+          </a:lnRef>
+          <a:fillRef idx="0">
+            <a:schemeClr val="accent1"/>
+          </a:fillRef>
+          <a:effectRef idx="0">
+            <a:schemeClr val="accent1"/>
+          </a:effectRef>
+          <a:fontRef idx="minor">
+            <a:schemeClr val="tx1"/>
+          </a:fontRef>
+        </p:style>
+      </p:cxnSp>
+      <mc:AlternateContent xmlns:mc="http://schemas.openxmlformats.org/markup-compatibility/2006">
+        <mc:Choice xmlns:a14="http://schemas.microsoft.com/office/drawing/2010/main" Requires="a14">
+          <p:sp>
+            <p:nvSpPr>
+              <p:cNvPr id="142" name="TextBox 141"/>
+              <p:cNvSpPr txBox="1"/>
+              <p:nvPr/>
+            </p:nvSpPr>
+            <p:spPr>
+              <a:xfrm>
+                <a:off x="8506914" y="3590380"/>
+                <a:ext cx="198323" cy="307777"/>
+              </a:xfrm>
+              <a:prstGeom prst="rect">
+                <a:avLst/>
+              </a:prstGeom>
+              <a:noFill/>
+            </p:spPr>
+            <p:txBody>
+              <a:bodyPr wrap="none" lIns="0" tIns="0" rIns="0" bIns="0" rtlCol="0">
+                <a:spAutoFit/>
+              </a:bodyPr>
+              <a:lstStyle/>
+              <a:p>
+                <a:pPr/>
+                <a14:m>
+                  <m:oMathPara xmlns:m="http://schemas.openxmlformats.org/officeDocument/2006/math">
+                    <m:oMathParaPr>
+                      <m:jc m:val="centerGroup"/>
+                    </m:oMathParaPr>
+                    <m:oMath xmlns:m="http://schemas.openxmlformats.org/officeDocument/2006/math">
+                      <m:r>
+                        <a:rPr lang="en-US" sz="2000" b="0" i="1" smtClean="0">
+                          <a:latin typeface="Cambria Math" panose="02040503050406030204" pitchFamily="18" charset="0"/>
+                          <a:cs typeface="Arial" panose="020B0604020202020204" pitchFamily="34" charset="0"/>
+                        </a:rPr>
+                        <m:t>𝑧</m:t>
+                      </m:r>
+                    </m:oMath>
+                  </m:oMathPara>
+                </a14:m>
+                <a:endParaRPr lang="en-US" sz="2000" dirty="0" smtClean="0">
+                  <a:latin typeface="Arial" panose="020B0604020202020204" pitchFamily="34" charset="0"/>
+                  <a:cs typeface="Arial" panose="020B0604020202020204" pitchFamily="34" charset="0"/>
+                </a:endParaRPr>
+              </a:p>
+            </p:txBody>
+          </p:sp>
+        </mc:Choice>
+        <mc:Fallback>
+          <p:sp>
+            <p:nvSpPr>
+              <p:cNvPr id="142" name="TextBox 141"/>
+              <p:cNvSpPr txBox="1">
+                <a:spLocks noRot="1" noChangeAspect="1" noMove="1" noResize="1" noEditPoints="1" noAdjustHandles="1" noChangeArrowheads="1" noChangeShapeType="1" noTextEdit="1"/>
+              </p:cNvSpPr>
+              <p:nvPr/>
+            </p:nvSpPr>
+            <p:spPr>
+              <a:xfrm>
+                <a:off x="8506914" y="3590380"/>
+                <a:ext cx="198323" cy="307777"/>
+              </a:xfrm>
+              <a:prstGeom prst="rect">
+                <a:avLst/>
+              </a:prstGeom>
+              <a:blipFill>
+                <a:blip r:embed="rId6"/>
+                <a:stretch>
+                  <a:fillRect l="-12121" r="-12121" b="-2000"/>
+                </a:stretch>
+              </a:blipFill>
+            </p:spPr>
+            <p:txBody>
+              <a:bodyPr/>
+              <a:lstStyle/>
+              <a:p>
+                <a:r>
+                  <a:rPr lang="en-US">
+                    <a:noFill/>
+                  </a:rPr>
+                  <a:t> </a:t>
+                </a:r>
+              </a:p>
+            </p:txBody>
+          </p:sp>
+        </mc:Fallback>
+      </mc:AlternateContent>
+      <mc:AlternateContent xmlns:mc="http://schemas.openxmlformats.org/markup-compatibility/2006">
+        <mc:Choice xmlns:a14="http://schemas.microsoft.com/office/drawing/2010/main" Requires="a14">
+          <p:sp>
+            <p:nvSpPr>
+              <p:cNvPr id="143" name="TextBox 142"/>
+              <p:cNvSpPr txBox="1"/>
+              <p:nvPr/>
+            </p:nvSpPr>
+            <p:spPr>
+              <a:xfrm>
+                <a:off x="5147344" y="648517"/>
+                <a:ext cx="219163" cy="307777"/>
+              </a:xfrm>
+              <a:prstGeom prst="rect">
+                <a:avLst/>
+              </a:prstGeom>
+              <a:noFill/>
+            </p:spPr>
+            <p:txBody>
+              <a:bodyPr wrap="none" lIns="0" tIns="0" rIns="0" bIns="0" rtlCol="0">
+                <a:spAutoFit/>
+              </a:bodyPr>
+              <a:lstStyle/>
+              <a:p>
+                <a:pPr/>
+                <a14:m>
+                  <m:oMathPara xmlns:m="http://schemas.openxmlformats.org/officeDocument/2006/math">
+                    <m:oMathParaPr>
+                      <m:jc m:val="centerGroup"/>
+                    </m:oMathParaPr>
+                    <m:oMath xmlns:m="http://schemas.openxmlformats.org/officeDocument/2006/math">
+                      <m:r>
+                        <a:rPr lang="en-US" sz="2000" b="0" i="1" smtClean="0">
+                          <a:latin typeface="Cambria Math" panose="02040503050406030204" pitchFamily="18" charset="0"/>
+                          <a:cs typeface="Arial" panose="020B0604020202020204" pitchFamily="34" charset="0"/>
+                        </a:rPr>
+                        <m:t>𝑦</m:t>
+                      </m:r>
+                    </m:oMath>
+                  </m:oMathPara>
+                </a14:m>
+                <a:endParaRPr lang="en-US" sz="2000" dirty="0" smtClean="0">
+                  <a:latin typeface="Arial" panose="020B0604020202020204" pitchFamily="34" charset="0"/>
+                  <a:cs typeface="Arial" panose="020B0604020202020204" pitchFamily="34" charset="0"/>
+                </a:endParaRPr>
+              </a:p>
+            </p:txBody>
+          </p:sp>
+        </mc:Choice>
+        <mc:Fallback>
+          <p:sp>
+            <p:nvSpPr>
+              <p:cNvPr id="143" name="TextBox 142"/>
+              <p:cNvSpPr txBox="1">
+                <a:spLocks noRot="1" noChangeAspect="1" noMove="1" noResize="1" noEditPoints="1" noAdjustHandles="1" noChangeArrowheads="1" noChangeShapeType="1" noTextEdit="1"/>
+              </p:cNvSpPr>
+              <p:nvPr/>
+            </p:nvSpPr>
+            <p:spPr>
+              <a:xfrm>
+                <a:off x="5147344" y="648517"/>
+                <a:ext cx="219163" cy="307777"/>
+              </a:xfrm>
+              <a:prstGeom prst="rect">
+                <a:avLst/>
+              </a:prstGeom>
+              <a:blipFill>
+                <a:blip r:embed="rId7"/>
+                <a:stretch>
+                  <a:fillRect l="-25000" r="-25000" b="-27451"/>
+                </a:stretch>
+              </a:blipFill>
+            </p:spPr>
+            <p:txBody>
+              <a:bodyPr/>
+              <a:lstStyle/>
+              <a:p>
+                <a:r>
+                  <a:rPr lang="en-US">
+                    <a:noFill/>
+                  </a:rPr>
+                  <a:t> </a:t>
+                </a:r>
+              </a:p>
+            </p:txBody>
+          </p:sp>
+        </mc:Fallback>
+      </mc:AlternateContent>
+      <p:cxnSp>
+        <p:nvCxnSpPr>
+          <p:cNvPr id="144" name="Straight Arrow Connector 143"/>
+          <p:cNvCxnSpPr/>
+          <p:nvPr/>
+        </p:nvCxnSpPr>
+        <p:spPr>
+          <a:xfrm>
+            <a:off x="5819320" y="3229342"/>
+            <a:ext cx="6964" cy="487240"/>
+          </a:xfrm>
+          <a:prstGeom prst="straightConnector1">
+            <a:avLst/>
+          </a:prstGeom>
+          <a:ln w="50800">
+            <a:solidFill>
+              <a:srgbClr val="FF0000"/>
+            </a:solidFill>
+            <a:tailEnd type="triangle"/>
+          </a:ln>
+        </p:spPr>
+        <p:style>
+          <a:lnRef idx="1">
+            <a:schemeClr val="accent1"/>
+          </a:lnRef>
+          <a:fillRef idx="0">
+            <a:schemeClr val="accent1"/>
+          </a:fillRef>
+          <a:effectRef idx="0">
+            <a:schemeClr val="accent1"/>
+          </a:effectRef>
+          <a:fontRef idx="minor">
+            <a:schemeClr val="tx1"/>
+          </a:fontRef>
+        </p:style>
+      </p:cxnSp>
+      <p:cxnSp>
+        <p:nvCxnSpPr>
+          <p:cNvPr id="145" name="Straight Arrow Connector 144"/>
+          <p:cNvCxnSpPr/>
+          <p:nvPr/>
+        </p:nvCxnSpPr>
+        <p:spPr>
+          <a:xfrm>
+            <a:off x="5848318" y="3226126"/>
+            <a:ext cx="1312349" cy="364254"/>
+          </a:xfrm>
+          <a:prstGeom prst="straightConnector1">
+            <a:avLst/>
+          </a:prstGeom>
+          <a:ln w="38100">
+            <a:solidFill>
+              <a:schemeClr val="tx1"/>
+            </a:solidFill>
+            <a:tailEnd type="triangle" w="lg" len="med"/>
+          </a:ln>
+        </p:spPr>
+        <p:style>
+          <a:lnRef idx="1">
+            <a:schemeClr val="accent1"/>
+          </a:lnRef>
+          <a:fillRef idx="0">
+            <a:schemeClr val="accent1"/>
+          </a:fillRef>
+          <a:effectRef idx="0">
+            <a:schemeClr val="accent1"/>
+          </a:effectRef>
+          <a:fontRef idx="minor">
+            <a:schemeClr val="tx1"/>
+          </a:fontRef>
+        </p:style>
+      </p:cxnSp>
+      <p:cxnSp>
+        <p:nvCxnSpPr>
+          <p:cNvPr id="146" name="Straight Connector 145"/>
+          <p:cNvCxnSpPr/>
+          <p:nvPr/>
+        </p:nvCxnSpPr>
+        <p:spPr>
+          <a:xfrm flipH="1">
+            <a:off x="4569885" y="3559698"/>
+            <a:ext cx="801878" cy="608406"/>
+          </a:xfrm>
+          <a:prstGeom prst="line">
+            <a:avLst/>
+          </a:prstGeom>
+          <a:ln w="38100">
+            <a:solidFill>
+              <a:schemeClr val="tx1"/>
+            </a:solidFill>
+          </a:ln>
+        </p:spPr>
+        <p:style>
+          <a:lnRef idx="1">
+            <a:schemeClr val="accent1"/>
+          </a:lnRef>
+          <a:fillRef idx="0">
+            <a:schemeClr val="accent1"/>
+          </a:fillRef>
+          <a:effectRef idx="0">
+            <a:schemeClr val="accent1"/>
+          </a:effectRef>
+          <a:fontRef idx="minor">
+            <a:schemeClr val="tx1"/>
+          </a:fontRef>
+        </p:style>
+      </p:cxnSp>
+      <p:grpSp>
+        <p:nvGrpSpPr>
+          <p:cNvPr id="147" name="Group 146"/>
+          <p:cNvGrpSpPr/>
+          <p:nvPr/>
+        </p:nvGrpSpPr>
+        <p:grpSpPr>
+          <a:xfrm>
+            <a:off x="6645432" y="3096550"/>
+            <a:ext cx="347189" cy="926053"/>
+            <a:chOff x="9831571" y="1558741"/>
+            <a:chExt cx="504586" cy="3062177"/>
+          </a:xfrm>
+        </p:grpSpPr>
+        <p:sp>
+          <p:nvSpPr>
+            <p:cNvPr id="148" name="Arc 147"/>
+            <p:cNvSpPr/>
+            <p:nvPr/>
+          </p:nvSpPr>
+          <p:spPr>
+            <a:xfrm>
+              <a:off x="9854608" y="1558741"/>
+              <a:ext cx="481549" cy="3051544"/>
+            </a:xfrm>
+            <a:prstGeom prst="arc">
+              <a:avLst>
+                <a:gd name="adj1" fmla="val 16200000"/>
+                <a:gd name="adj2" fmla="val 5342088"/>
+              </a:avLst>
+            </a:prstGeom>
+            <a:ln w="38100">
+              <a:solidFill>
+                <a:schemeClr val="accent1"/>
+              </a:solidFill>
+              <a:prstDash val="dash"/>
+            </a:ln>
+          </p:spPr>
+          <p:style>
+            <a:lnRef idx="1">
+              <a:schemeClr val="accent1"/>
+            </a:lnRef>
+            <a:fillRef idx="0">
+              <a:schemeClr val="accent1"/>
+            </a:fillRef>
+            <a:effectRef idx="0">
+              <a:schemeClr val="accent1"/>
+            </a:effectRef>
+            <a:fontRef idx="minor">
+              <a:schemeClr val="tx1"/>
+            </a:fontRef>
+          </p:style>
+          <p:txBody>
+            <a:bodyPr rtlCol="0" anchor="ctr"/>
+            <a:lstStyle/>
+            <a:p>
+              <a:pPr algn="ctr"/>
+              <a:endParaRPr lang="en-US"/>
+            </a:p>
+          </p:txBody>
+        </p:sp>
+        <p:sp>
+          <p:nvSpPr>
+            <p:cNvPr id="149" name="Arc 148"/>
+            <p:cNvSpPr/>
+            <p:nvPr/>
+          </p:nvSpPr>
+          <p:spPr>
+            <a:xfrm>
+              <a:off x="9831571" y="1569374"/>
+              <a:ext cx="481549" cy="3051544"/>
+            </a:xfrm>
+            <a:prstGeom prst="arc">
+              <a:avLst>
+                <a:gd name="adj1" fmla="val 5305153"/>
+                <a:gd name="adj2" fmla="val 16224316"/>
+              </a:avLst>
+            </a:prstGeom>
+            <a:ln w="38100">
+              <a:solidFill>
+                <a:schemeClr val="accent1"/>
+              </a:solidFill>
+            </a:ln>
+          </p:spPr>
+          <p:style>
+            <a:lnRef idx="1">
+              <a:schemeClr val="accent1"/>
+            </a:lnRef>
+            <a:fillRef idx="0">
+              <a:schemeClr val="accent1"/>
+            </a:fillRef>
+            <a:effectRef idx="0">
+              <a:schemeClr val="accent1"/>
+            </a:effectRef>
+            <a:fontRef idx="minor">
+              <a:schemeClr val="tx1"/>
+            </a:fontRef>
+          </p:style>
+          <p:txBody>
+            <a:bodyPr rtlCol="0" anchor="ctr"/>
+            <a:lstStyle/>
+            <a:p>
+              <a:pPr algn="ctr"/>
+              <a:endParaRPr lang="en-US"/>
+            </a:p>
+          </p:txBody>
+        </p:sp>
+      </p:grpSp>
+    </p:spTree>
+    <p:extLst>
+      <p:ext uri="{BB962C8B-B14F-4D97-AF65-F5344CB8AC3E}">
+        <p14:creationId xmlns:p14="http://schemas.microsoft.com/office/powerpoint/2010/main" val="2138635859"/>
+      </p:ext>
+    </p:extLst>
+  </p:cSld>
+  <p:clrMapOvr>
+    <a:masterClrMapping/>
+  </p:clrMapOvr>
+  <p:timing>
+    <p:tnLst>
+      <p:par>
+        <p:cTn id="1" dur="indefinite" restart="never" nodeType="tmRoot"/>
+      </p:par>
+    </p:tnLst>
+  </p:timing>
+</p:sld>
+</file>
+
+<file path=ppt/slides/slide5.xml><?xml version="1.0" encoding="utf-8"?>
+<p:sld xmlns:a="http://schemas.openxmlformats.org/drawingml/2006/main" xmlns:r="http://schemas.openxmlformats.org/officeDocument/2006/relationships" xmlns:p="http://schemas.openxmlformats.org/presentationml/2006/main">
+  <p:cSld>
+    <p:spTree>
+      <p:nvGrpSpPr>
+        <p:cNvPr id="1" name=""/>
+        <p:cNvGrpSpPr/>
+        <p:nvPr/>
+      </p:nvGrpSpPr>
+      <p:grpSpPr>
+        <a:xfrm>
+          <a:off x="0" y="0"/>
+          <a:ext cx="0" cy="0"/>
+          <a:chOff x="0" y="0"/>
+          <a:chExt cx="0" cy="0"/>
+        </a:xfrm>
+      </p:grpSpPr>
+      <p:cxnSp>
+        <p:nvCxnSpPr>
+          <p:cNvPr id="76" name="Straight Arrow Connector 75"/>
+          <p:cNvCxnSpPr>
+            <a:endCxn id="92" idx="2"/>
+          </p:cNvCxnSpPr>
+          <p:nvPr/>
+        </p:nvCxnSpPr>
+        <p:spPr>
+          <a:xfrm flipH="1" flipV="1">
+            <a:off x="3146132" y="3025429"/>
+            <a:ext cx="322204" cy="480051"/>
+          </a:xfrm>
+          <a:prstGeom prst="straightConnector1">
+            <a:avLst/>
+          </a:prstGeom>
+          <a:ln w="60325">
+            <a:solidFill>
+              <a:schemeClr val="accent1"/>
+            </a:solidFill>
+            <a:tailEnd type="triangle"/>
+          </a:ln>
+        </p:spPr>
+        <p:style>
+          <a:lnRef idx="1">
+            <a:schemeClr val="accent1"/>
+          </a:lnRef>
+          <a:fillRef idx="0">
+            <a:schemeClr val="accent1"/>
+          </a:fillRef>
+          <a:effectRef idx="0">
+            <a:schemeClr val="accent1"/>
+          </a:effectRef>
+          <a:fontRef idx="minor">
+            <a:schemeClr val="tx1"/>
+          </a:fontRef>
+        </p:style>
+      </p:cxnSp>
+      <p:grpSp>
+        <p:nvGrpSpPr>
+          <p:cNvPr id="77" name="Group 76"/>
+          <p:cNvGrpSpPr/>
+          <p:nvPr/>
+        </p:nvGrpSpPr>
+        <p:grpSpPr>
+          <a:xfrm>
+            <a:off x="1123908" y="1432294"/>
+            <a:ext cx="1027180" cy="4111946"/>
+            <a:chOff x="9831571" y="1558741"/>
+            <a:chExt cx="504586" cy="3062177"/>
+          </a:xfrm>
+        </p:grpSpPr>
+        <p:sp>
+          <p:nvSpPr>
+            <p:cNvPr id="78" name="Arc 77"/>
+            <p:cNvSpPr/>
+            <p:nvPr/>
+          </p:nvSpPr>
+          <p:spPr>
+            <a:xfrm>
+              <a:off x="9831571" y="1569374"/>
+              <a:ext cx="481549" cy="3051544"/>
+            </a:xfrm>
+            <a:prstGeom prst="arc">
+              <a:avLst>
+                <a:gd name="adj1" fmla="val 5305153"/>
+                <a:gd name="adj2" fmla="val 16224316"/>
+              </a:avLst>
+            </a:prstGeom>
+            <a:ln w="50800">
+              <a:solidFill>
+                <a:schemeClr val="tx1"/>
+              </a:solidFill>
+            </a:ln>
+          </p:spPr>
+          <p:style>
+            <a:lnRef idx="1">
+              <a:schemeClr val="accent1"/>
+            </a:lnRef>
+            <a:fillRef idx="0">
+              <a:schemeClr val="accent1"/>
+            </a:fillRef>
+            <a:effectRef idx="0">
+              <a:schemeClr val="accent1"/>
+            </a:effectRef>
+            <a:fontRef idx="minor">
+              <a:schemeClr val="tx1"/>
+            </a:fontRef>
+          </p:style>
+          <p:txBody>
+            <a:bodyPr rtlCol="0" anchor="ctr"/>
+            <a:lstStyle/>
+            <a:p>
+              <a:pPr algn="ctr"/>
+              <a:endParaRPr lang="en-US"/>
+            </a:p>
+          </p:txBody>
+        </p:sp>
+        <p:sp>
+          <p:nvSpPr>
+            <p:cNvPr id="79" name="Arc 78"/>
+            <p:cNvSpPr/>
+            <p:nvPr/>
+          </p:nvSpPr>
+          <p:spPr>
+            <a:xfrm>
+              <a:off x="9854608" y="1558741"/>
+              <a:ext cx="481549" cy="3051544"/>
+            </a:xfrm>
+            <a:prstGeom prst="arc">
+              <a:avLst>
+                <a:gd name="adj1" fmla="val 16200000"/>
+                <a:gd name="adj2" fmla="val 5342088"/>
+              </a:avLst>
+            </a:prstGeom>
+            <a:ln w="50800">
+              <a:solidFill>
+                <a:schemeClr val="tx1"/>
+              </a:solidFill>
+              <a:prstDash val="dash"/>
+            </a:ln>
+          </p:spPr>
+          <p:style>
+            <a:lnRef idx="1">
+              <a:schemeClr val="accent1"/>
+            </a:lnRef>
+            <a:fillRef idx="0">
+              <a:schemeClr val="accent1"/>
+            </a:fillRef>
+            <a:effectRef idx="0">
+              <a:schemeClr val="accent1"/>
+            </a:effectRef>
+            <a:fontRef idx="minor">
+              <a:schemeClr val="tx1"/>
+            </a:fontRef>
+          </p:style>
+          <p:txBody>
+            <a:bodyPr rtlCol="0" anchor="ctr"/>
+            <a:lstStyle/>
+            <a:p>
+              <a:pPr algn="ctr"/>
+              <a:endParaRPr lang="en-US"/>
+            </a:p>
+          </p:txBody>
+        </p:sp>
+      </p:grpSp>
+      <p:cxnSp>
+        <p:nvCxnSpPr>
+          <p:cNvPr id="80" name="Straight Arrow Connector 79"/>
+          <p:cNvCxnSpPr/>
+          <p:nvPr/>
+        </p:nvCxnSpPr>
+        <p:spPr>
+          <a:xfrm flipV="1">
+            <a:off x="1660092" y="3473668"/>
+            <a:ext cx="3316077" cy="11016"/>
+          </a:xfrm>
+          <a:prstGeom prst="straightConnector1">
+            <a:avLst/>
+          </a:prstGeom>
+          <a:ln w="38100">
+            <a:solidFill>
+              <a:schemeClr val="tx1"/>
+            </a:solidFill>
+            <a:tailEnd type="triangle"/>
+          </a:ln>
+        </p:spPr>
+        <p:style>
+          <a:lnRef idx="1">
+            <a:schemeClr val="accent1"/>
+          </a:lnRef>
+          <a:fillRef idx="0">
+            <a:schemeClr val="accent1"/>
+          </a:fillRef>
+          <a:effectRef idx="0">
+            <a:schemeClr val="accent1"/>
+          </a:effectRef>
+          <a:fontRef idx="minor">
+            <a:schemeClr val="tx1"/>
+          </a:fontRef>
+        </p:style>
+      </p:cxnSp>
+      <p:cxnSp>
+        <p:nvCxnSpPr>
+          <p:cNvPr id="81" name="Straight Arrow Connector 80"/>
+          <p:cNvCxnSpPr/>
+          <p:nvPr/>
+        </p:nvCxnSpPr>
+        <p:spPr>
+          <a:xfrm flipV="1">
+            <a:off x="1690797" y="543181"/>
+            <a:ext cx="0" cy="2937948"/>
+          </a:xfrm>
+          <a:prstGeom prst="straightConnector1">
+            <a:avLst/>
+          </a:prstGeom>
+          <a:ln w="38100">
+            <a:solidFill>
+              <a:schemeClr val="tx1"/>
+            </a:solidFill>
+            <a:tailEnd type="triangle"/>
+          </a:ln>
+        </p:spPr>
+        <p:style>
+          <a:lnRef idx="1">
+            <a:schemeClr val="accent1"/>
+          </a:lnRef>
+          <a:fillRef idx="0">
+            <a:schemeClr val="accent1"/>
+          </a:fillRef>
+          <a:effectRef idx="0">
+            <a:schemeClr val="accent1"/>
+          </a:effectRef>
+          <a:fontRef idx="minor">
+            <a:schemeClr val="tx1"/>
+          </a:fontRef>
+        </p:style>
+      </p:cxnSp>
+      <p:cxnSp>
+        <p:nvCxnSpPr>
+          <p:cNvPr id="82" name="Straight Arrow Connector 81"/>
+          <p:cNvCxnSpPr/>
+          <p:nvPr/>
+        </p:nvCxnSpPr>
+        <p:spPr>
+          <a:xfrm flipV="1">
+            <a:off x="1698275" y="2454073"/>
+            <a:ext cx="1327721" cy="1027056"/>
+          </a:xfrm>
+          <a:prstGeom prst="straightConnector1">
+            <a:avLst/>
+          </a:prstGeom>
+          <a:ln w="38100">
+            <a:solidFill>
+              <a:schemeClr val="tx1"/>
+            </a:solidFill>
+            <a:prstDash val="dash"/>
+            <a:tailEnd type="triangle"/>
+          </a:ln>
+        </p:spPr>
+        <p:style>
+          <a:lnRef idx="1">
+            <a:schemeClr val="accent1"/>
+          </a:lnRef>
+          <a:fillRef idx="0">
+            <a:schemeClr val="accent1"/>
+          </a:fillRef>
+          <a:effectRef idx="0">
+            <a:schemeClr val="accent1"/>
+          </a:effectRef>
+          <a:fontRef idx="minor">
+            <a:schemeClr val="tx1"/>
+          </a:fontRef>
+        </p:style>
+      </p:cxnSp>
+      <mc:AlternateContent xmlns:mc="http://schemas.openxmlformats.org/markup-compatibility/2006">
+        <mc:Choice xmlns:a14="http://schemas.microsoft.com/office/drawing/2010/main" Requires="a14">
+          <p:sp>
+            <p:nvSpPr>
+              <p:cNvPr id="83" name="TextBox 82"/>
+              <p:cNvSpPr txBox="1"/>
+              <p:nvPr/>
+            </p:nvSpPr>
+            <p:spPr>
+              <a:xfrm>
+                <a:off x="2754403" y="2178108"/>
+                <a:ext cx="214546" cy="307777"/>
+              </a:xfrm>
+              <a:prstGeom prst="rect">
+                <a:avLst/>
+              </a:prstGeom>
+              <a:noFill/>
+            </p:spPr>
+            <p:txBody>
+              <a:bodyPr wrap="none" lIns="0" tIns="0" rIns="0" bIns="0" rtlCol="0">
+                <a:spAutoFit/>
+              </a:bodyPr>
+              <a:lstStyle/>
+              <a:p>
+                <a:pPr/>
+                <a14:m>
+                  <m:oMathPara xmlns:m="http://schemas.openxmlformats.org/officeDocument/2006/math">
+                    <m:oMathParaPr>
+                      <m:jc m:val="centerGroup"/>
+                    </m:oMathParaPr>
+                    <m:oMath xmlns:m="http://schemas.openxmlformats.org/officeDocument/2006/math">
+                      <m:r>
+                        <a:rPr lang="en-US" sz="2000" b="0" i="1" smtClean="0">
+                          <a:latin typeface="Cambria Math" panose="02040503050406030204" pitchFamily="18" charset="0"/>
+                          <a:cs typeface="Arial" panose="020B0604020202020204" pitchFamily="34" charset="0"/>
+                        </a:rPr>
+                        <m:t>𝑥</m:t>
+                      </m:r>
+                    </m:oMath>
+                  </m:oMathPara>
+                </a14:m>
+                <a:endParaRPr lang="en-US" sz="2000" dirty="0" smtClean="0">
+                  <a:latin typeface="Arial" panose="020B0604020202020204" pitchFamily="34" charset="0"/>
+                  <a:cs typeface="Arial" panose="020B0604020202020204" pitchFamily="34" charset="0"/>
+                </a:endParaRPr>
+              </a:p>
+            </p:txBody>
+          </p:sp>
+        </mc:Choice>
+        <mc:Fallback>
+          <p:sp>
+            <p:nvSpPr>
+              <p:cNvPr id="83" name="TextBox 82"/>
+              <p:cNvSpPr txBox="1">
+                <a:spLocks noRot="1" noChangeAspect="1" noMove="1" noResize="1" noEditPoints="1" noAdjustHandles="1" noChangeArrowheads="1" noChangeShapeType="1" noTextEdit="1"/>
+              </p:cNvSpPr>
+              <p:nvPr/>
+            </p:nvSpPr>
+            <p:spPr>
+              <a:xfrm>
+                <a:off x="2754403" y="2178108"/>
+                <a:ext cx="214546" cy="307777"/>
+              </a:xfrm>
+              <a:prstGeom prst="rect">
+                <a:avLst/>
+              </a:prstGeom>
+              <a:blipFill>
+                <a:blip r:embed="rId2"/>
+                <a:stretch>
+                  <a:fillRect l="-14286" r="-8571" b="-1961"/>
+                </a:stretch>
+              </a:blipFill>
+            </p:spPr>
+            <p:txBody>
+              <a:bodyPr/>
+              <a:lstStyle/>
+              <a:p>
+                <a:r>
+                  <a:rPr lang="en-US">
+                    <a:noFill/>
+                  </a:rPr>
+                  <a:t> </a:t>
+                </a:r>
+              </a:p>
+            </p:txBody>
+          </p:sp>
+        </mc:Fallback>
+      </mc:AlternateContent>
+      <p:cxnSp>
+        <p:nvCxnSpPr>
+          <p:cNvPr id="84" name="Straight Arrow Connector 83"/>
+          <p:cNvCxnSpPr/>
+          <p:nvPr/>
+        </p:nvCxnSpPr>
+        <p:spPr>
+          <a:xfrm flipV="1">
+            <a:off x="1668763" y="543181"/>
+            <a:ext cx="0" cy="2937948"/>
+          </a:xfrm>
+          <a:prstGeom prst="straightConnector1">
+            <a:avLst/>
+          </a:prstGeom>
+          <a:ln w="38100">
+            <a:solidFill>
+              <a:schemeClr val="tx1"/>
+            </a:solidFill>
+            <a:tailEnd type="triangle"/>
+          </a:ln>
+        </p:spPr>
+        <p:style>
+          <a:lnRef idx="1">
+            <a:schemeClr val="accent1"/>
+          </a:lnRef>
+          <a:fillRef idx="0">
+            <a:schemeClr val="accent1"/>
+          </a:fillRef>
+          <a:effectRef idx="0">
+            <a:schemeClr val="accent1"/>
+          </a:effectRef>
+          <a:fontRef idx="minor">
+            <a:schemeClr val="tx1"/>
+          </a:fontRef>
+        </p:style>
+      </p:cxnSp>
+      <mc:AlternateContent xmlns:mc="http://schemas.openxmlformats.org/markup-compatibility/2006">
+        <mc:Choice xmlns:a14="http://schemas.microsoft.com/office/drawing/2010/main" Requires="a14">
+          <p:sp>
+            <p:nvSpPr>
+              <p:cNvPr id="85" name="TextBox 84"/>
+              <p:cNvSpPr txBox="1"/>
+              <p:nvPr/>
+            </p:nvSpPr>
+            <p:spPr>
+              <a:xfrm>
+                <a:off x="4838682" y="3515953"/>
+                <a:ext cx="198323" cy="307777"/>
+              </a:xfrm>
+              <a:prstGeom prst="rect">
+                <a:avLst/>
+              </a:prstGeom>
+              <a:noFill/>
+            </p:spPr>
+            <p:txBody>
+              <a:bodyPr wrap="none" lIns="0" tIns="0" rIns="0" bIns="0" rtlCol="0">
+                <a:spAutoFit/>
+              </a:bodyPr>
+              <a:lstStyle/>
+              <a:p>
+                <a:pPr/>
+                <a14:m>
+                  <m:oMathPara xmlns:m="http://schemas.openxmlformats.org/officeDocument/2006/math">
+                    <m:oMathParaPr>
+                      <m:jc m:val="centerGroup"/>
+                    </m:oMathParaPr>
+                    <m:oMath xmlns:m="http://schemas.openxmlformats.org/officeDocument/2006/math">
+                      <m:r>
+                        <a:rPr lang="en-US" sz="2000" b="0" i="1" smtClean="0">
+                          <a:latin typeface="Cambria Math" panose="02040503050406030204" pitchFamily="18" charset="0"/>
+                          <a:cs typeface="Arial" panose="020B0604020202020204" pitchFamily="34" charset="0"/>
+                        </a:rPr>
+                        <m:t>𝑧</m:t>
+                      </m:r>
+                    </m:oMath>
+                  </m:oMathPara>
+                </a14:m>
+                <a:endParaRPr lang="en-US" sz="2000" dirty="0" smtClean="0">
+                  <a:latin typeface="Arial" panose="020B0604020202020204" pitchFamily="34" charset="0"/>
+                  <a:cs typeface="Arial" panose="020B0604020202020204" pitchFamily="34" charset="0"/>
+                </a:endParaRPr>
+              </a:p>
+            </p:txBody>
+          </p:sp>
+        </mc:Choice>
+        <mc:Fallback>
+          <p:sp>
+            <p:nvSpPr>
+              <p:cNvPr id="85" name="TextBox 84"/>
+              <p:cNvSpPr txBox="1">
+                <a:spLocks noRot="1" noChangeAspect="1" noMove="1" noResize="1" noEditPoints="1" noAdjustHandles="1" noChangeArrowheads="1" noChangeShapeType="1" noTextEdit="1"/>
+              </p:cNvSpPr>
+              <p:nvPr/>
+            </p:nvSpPr>
+            <p:spPr>
+              <a:xfrm>
+                <a:off x="4838682" y="3515953"/>
+                <a:ext cx="198323" cy="307777"/>
+              </a:xfrm>
+              <a:prstGeom prst="rect">
+                <a:avLst/>
+              </a:prstGeom>
+              <a:blipFill>
+                <a:blip r:embed="rId3"/>
+                <a:stretch>
+                  <a:fillRect l="-15625" r="-12500" b="-2000"/>
+                </a:stretch>
+              </a:blipFill>
+            </p:spPr>
+            <p:txBody>
+              <a:bodyPr/>
+              <a:lstStyle/>
+              <a:p>
+                <a:r>
+                  <a:rPr lang="en-US">
+                    <a:noFill/>
+                  </a:rPr>
+                  <a:t> </a:t>
+                </a:r>
+              </a:p>
+            </p:txBody>
+          </p:sp>
+        </mc:Fallback>
+      </mc:AlternateContent>
+      <mc:AlternateContent xmlns:mc="http://schemas.openxmlformats.org/markup-compatibility/2006">
+        <mc:Choice xmlns:a14="http://schemas.microsoft.com/office/drawing/2010/main" Requires="a14">
+          <p:sp>
+            <p:nvSpPr>
+              <p:cNvPr id="86" name="TextBox 85"/>
+              <p:cNvSpPr txBox="1"/>
+              <p:nvPr/>
+            </p:nvSpPr>
+            <p:spPr>
+              <a:xfrm>
+                <a:off x="1479112" y="574090"/>
+                <a:ext cx="219163" cy="307777"/>
+              </a:xfrm>
+              <a:prstGeom prst="rect">
+                <a:avLst/>
+              </a:prstGeom>
+              <a:noFill/>
+            </p:spPr>
+            <p:txBody>
+              <a:bodyPr wrap="none" lIns="0" tIns="0" rIns="0" bIns="0" rtlCol="0">
+                <a:spAutoFit/>
+              </a:bodyPr>
+              <a:lstStyle/>
+              <a:p>
+                <a:pPr/>
+                <a14:m>
+                  <m:oMathPara xmlns:m="http://schemas.openxmlformats.org/officeDocument/2006/math">
+                    <m:oMathParaPr>
+                      <m:jc m:val="centerGroup"/>
+                    </m:oMathParaPr>
+                    <m:oMath xmlns:m="http://schemas.openxmlformats.org/officeDocument/2006/math">
+                      <m:r>
+                        <a:rPr lang="en-US" sz="2000" b="0" i="1" smtClean="0">
+                          <a:latin typeface="Cambria Math" panose="02040503050406030204" pitchFamily="18" charset="0"/>
+                          <a:cs typeface="Arial" panose="020B0604020202020204" pitchFamily="34" charset="0"/>
+                        </a:rPr>
+                        <m:t>𝑦</m:t>
+                      </m:r>
+                    </m:oMath>
+                  </m:oMathPara>
+                </a14:m>
+                <a:endParaRPr lang="en-US" sz="2000" dirty="0" smtClean="0">
+                  <a:latin typeface="Arial" panose="020B0604020202020204" pitchFamily="34" charset="0"/>
+                  <a:cs typeface="Arial" panose="020B0604020202020204" pitchFamily="34" charset="0"/>
+                </a:endParaRPr>
+              </a:p>
+            </p:txBody>
+          </p:sp>
+        </mc:Choice>
+        <mc:Fallback>
+          <p:sp>
+            <p:nvSpPr>
+              <p:cNvPr id="86" name="TextBox 85"/>
+              <p:cNvSpPr txBox="1">
+                <a:spLocks noRot="1" noChangeAspect="1" noMove="1" noResize="1" noEditPoints="1" noAdjustHandles="1" noChangeArrowheads="1" noChangeShapeType="1" noTextEdit="1"/>
+              </p:cNvSpPr>
+              <p:nvPr/>
+            </p:nvSpPr>
+            <p:spPr>
+              <a:xfrm>
+                <a:off x="1479112" y="574090"/>
+                <a:ext cx="219163" cy="307777"/>
+              </a:xfrm>
+              <a:prstGeom prst="rect">
+                <a:avLst/>
+              </a:prstGeom>
+              <a:blipFill>
+                <a:blip r:embed="rId4"/>
+                <a:stretch>
+                  <a:fillRect l="-25000" r="-25000" b="-27451"/>
+                </a:stretch>
+              </a:blipFill>
+            </p:spPr>
+            <p:txBody>
+              <a:bodyPr/>
+              <a:lstStyle/>
+              <a:p>
+                <a:r>
+                  <a:rPr lang="en-US">
+                    <a:noFill/>
+                  </a:rPr>
+                  <a:t> </a:t>
+                </a:r>
+              </a:p>
+            </p:txBody>
+          </p:sp>
+        </mc:Fallback>
+      </mc:AlternateContent>
+      <p:cxnSp>
+        <p:nvCxnSpPr>
+          <p:cNvPr id="87" name="Straight Arrow Connector 86"/>
+          <p:cNvCxnSpPr/>
+          <p:nvPr/>
+        </p:nvCxnSpPr>
+        <p:spPr>
+          <a:xfrm flipH="1">
+            <a:off x="1448415" y="5544240"/>
+            <a:ext cx="280556" cy="215683"/>
+          </a:xfrm>
+          <a:prstGeom prst="straightConnector1">
+            <a:avLst/>
+          </a:prstGeom>
+          <a:ln w="50800">
+            <a:solidFill>
+              <a:srgbClr val="FF0000"/>
+            </a:solidFill>
+            <a:tailEnd type="triangle"/>
+          </a:ln>
+        </p:spPr>
+        <p:style>
+          <a:lnRef idx="1">
+            <a:schemeClr val="accent1"/>
+          </a:lnRef>
+          <a:fillRef idx="0">
+            <a:schemeClr val="accent1"/>
+          </a:fillRef>
+          <a:effectRef idx="0">
+            <a:schemeClr val="accent1"/>
+          </a:effectRef>
+          <a:fontRef idx="minor">
+            <a:schemeClr val="tx1"/>
+          </a:fontRef>
+        </p:style>
+      </p:cxnSp>
+      <p:cxnSp>
+        <p:nvCxnSpPr>
+          <p:cNvPr id="88" name="Straight Arrow Connector 87"/>
+          <p:cNvCxnSpPr>
+            <a:stCxn id="79" idx="2"/>
+          </p:cNvCxnSpPr>
+          <p:nvPr/>
+        </p:nvCxnSpPr>
+        <p:spPr>
+          <a:xfrm flipV="1">
+            <a:off x="1695378" y="3515953"/>
+            <a:ext cx="1797057" cy="2008947"/>
+          </a:xfrm>
+          <a:prstGeom prst="straightConnector1">
+            <a:avLst/>
+          </a:prstGeom>
+          <a:ln w="38100">
+            <a:solidFill>
+              <a:schemeClr val="tx1"/>
+            </a:solidFill>
+            <a:tailEnd type="triangle" w="lg" len="med"/>
+          </a:ln>
+        </p:spPr>
+        <p:style>
+          <a:lnRef idx="1">
+            <a:schemeClr val="accent1"/>
+          </a:lnRef>
+          <a:fillRef idx="0">
+            <a:schemeClr val="accent1"/>
+          </a:fillRef>
+          <a:effectRef idx="0">
+            <a:schemeClr val="accent1"/>
+          </a:effectRef>
+          <a:fontRef idx="minor">
+            <a:schemeClr val="tx1"/>
+          </a:fontRef>
+        </p:style>
+      </p:cxnSp>
+      <p:cxnSp>
+        <p:nvCxnSpPr>
+          <p:cNvPr id="89" name="Straight Connector 88"/>
+          <p:cNvCxnSpPr/>
+          <p:nvPr/>
+        </p:nvCxnSpPr>
+        <p:spPr>
+          <a:xfrm flipH="1">
+            <a:off x="901653" y="3485271"/>
+            <a:ext cx="801878" cy="608406"/>
+          </a:xfrm>
+          <a:prstGeom prst="line">
+            <a:avLst/>
+          </a:prstGeom>
+          <a:ln w="38100">
+            <a:solidFill>
+              <a:schemeClr val="tx1"/>
+            </a:solidFill>
+          </a:ln>
+        </p:spPr>
+        <p:style>
+          <a:lnRef idx="1">
+            <a:schemeClr val="accent1"/>
+          </a:lnRef>
+          <a:fillRef idx="0">
+            <a:schemeClr val="accent1"/>
+          </a:fillRef>
+          <a:effectRef idx="0">
+            <a:schemeClr val="accent1"/>
+          </a:effectRef>
+          <a:fontRef idx="minor">
+            <a:schemeClr val="tx1"/>
+          </a:fontRef>
+        </p:style>
+      </p:cxnSp>
+      <p:grpSp>
+        <p:nvGrpSpPr>
+          <p:cNvPr id="90" name="Group 89"/>
+          <p:cNvGrpSpPr/>
+          <p:nvPr/>
+        </p:nvGrpSpPr>
+        <p:grpSpPr>
+          <a:xfrm>
+            <a:off x="2977200" y="3022123"/>
+            <a:ext cx="347189" cy="926053"/>
+            <a:chOff x="9831571" y="1558741"/>
+            <a:chExt cx="504586" cy="3062177"/>
+          </a:xfrm>
+        </p:grpSpPr>
+        <p:sp>
+          <p:nvSpPr>
+            <p:cNvPr id="91" name="Arc 90"/>
+            <p:cNvSpPr/>
+            <p:nvPr/>
+          </p:nvSpPr>
+          <p:spPr>
+            <a:xfrm>
+              <a:off x="9854608" y="1558741"/>
+              <a:ext cx="481549" cy="3051544"/>
+            </a:xfrm>
+            <a:prstGeom prst="arc">
+              <a:avLst>
+                <a:gd name="adj1" fmla="val 16200000"/>
+                <a:gd name="adj2" fmla="val 5342088"/>
+              </a:avLst>
+            </a:prstGeom>
+            <a:ln w="38100">
+              <a:solidFill>
+                <a:schemeClr val="accent1"/>
+              </a:solidFill>
+              <a:prstDash val="dash"/>
+            </a:ln>
+          </p:spPr>
+          <p:style>
+            <a:lnRef idx="1">
+              <a:schemeClr val="accent1"/>
+            </a:lnRef>
+            <a:fillRef idx="0">
+              <a:schemeClr val="accent1"/>
+            </a:fillRef>
+            <a:effectRef idx="0">
+              <a:schemeClr val="accent1"/>
+            </a:effectRef>
+            <a:fontRef idx="minor">
+              <a:schemeClr val="tx1"/>
+            </a:fontRef>
+          </p:style>
+          <p:txBody>
+            <a:bodyPr rtlCol="0" anchor="ctr"/>
+            <a:lstStyle/>
+            <a:p>
+              <a:pPr algn="ctr"/>
+              <a:endParaRPr lang="en-US"/>
+            </a:p>
+          </p:txBody>
+        </p:sp>
+        <p:sp>
+          <p:nvSpPr>
+            <p:cNvPr id="92" name="Arc 91"/>
+            <p:cNvSpPr/>
+            <p:nvPr/>
+          </p:nvSpPr>
+          <p:spPr>
+            <a:xfrm>
+              <a:off x="9831571" y="1569374"/>
+              <a:ext cx="481549" cy="3051544"/>
+            </a:xfrm>
+            <a:prstGeom prst="arc">
+              <a:avLst>
+                <a:gd name="adj1" fmla="val 5305153"/>
+                <a:gd name="adj2" fmla="val 16224316"/>
+              </a:avLst>
+            </a:prstGeom>
+            <a:ln w="38100">
+              <a:solidFill>
+                <a:schemeClr val="accent1"/>
+              </a:solidFill>
+            </a:ln>
+          </p:spPr>
+          <p:style>
+            <a:lnRef idx="1">
+              <a:schemeClr val="accent1"/>
+            </a:lnRef>
+            <a:fillRef idx="0">
+              <a:schemeClr val="accent1"/>
+            </a:fillRef>
+            <a:effectRef idx="0">
+              <a:schemeClr val="accent1"/>
+            </a:effectRef>
+            <a:fontRef idx="minor">
+              <a:schemeClr val="tx1"/>
+            </a:fontRef>
+          </p:style>
+          <p:txBody>
+            <a:bodyPr rtlCol="0" anchor="ctr"/>
+            <a:lstStyle/>
+            <a:p>
+              <a:pPr algn="ctr"/>
+              <a:endParaRPr lang="en-US"/>
+            </a:p>
+          </p:txBody>
+        </p:sp>
+      </p:grpSp>
+      <p:cxnSp>
+        <p:nvCxnSpPr>
+          <p:cNvPr id="98" name="Straight Arrow Connector 97"/>
+          <p:cNvCxnSpPr/>
+          <p:nvPr/>
+        </p:nvCxnSpPr>
+        <p:spPr>
+          <a:xfrm flipH="1" flipV="1">
+            <a:off x="7996578" y="3157512"/>
+            <a:ext cx="165982" cy="245187"/>
+          </a:xfrm>
+          <a:prstGeom prst="straightConnector1">
+            <a:avLst/>
+          </a:prstGeom>
+          <a:ln w="60325">
+            <a:solidFill>
+              <a:schemeClr val="accent1"/>
+            </a:solidFill>
+            <a:tailEnd type="triangle"/>
+          </a:ln>
+        </p:spPr>
+        <p:style>
+          <a:lnRef idx="1">
+            <a:schemeClr val="accent1"/>
+          </a:lnRef>
+          <a:fillRef idx="0">
+            <a:schemeClr val="accent1"/>
+          </a:fillRef>
+          <a:effectRef idx="0">
+            <a:schemeClr val="accent1"/>
+          </a:effectRef>
+          <a:fontRef idx="minor">
+            <a:schemeClr val="tx1"/>
+          </a:fontRef>
+        </p:style>
+      </p:cxnSp>
+      <p:grpSp>
+        <p:nvGrpSpPr>
+          <p:cNvPr id="99" name="Group 98"/>
+          <p:cNvGrpSpPr/>
+          <p:nvPr/>
+        </p:nvGrpSpPr>
+        <p:grpSpPr>
+          <a:xfrm>
+            <a:off x="5818132" y="1329512"/>
+            <a:ext cx="1027180" cy="4111946"/>
+            <a:chOff x="9831571" y="1558741"/>
+            <a:chExt cx="504586" cy="3062177"/>
+          </a:xfrm>
+        </p:grpSpPr>
+        <p:sp>
+          <p:nvSpPr>
+            <p:cNvPr id="100" name="Arc 99"/>
+            <p:cNvSpPr/>
+            <p:nvPr/>
+          </p:nvSpPr>
+          <p:spPr>
+            <a:xfrm>
+              <a:off x="9831571" y="1569374"/>
+              <a:ext cx="481549" cy="3051544"/>
+            </a:xfrm>
+            <a:prstGeom prst="arc">
+              <a:avLst>
+                <a:gd name="adj1" fmla="val 5305153"/>
+                <a:gd name="adj2" fmla="val 16224316"/>
+              </a:avLst>
+            </a:prstGeom>
+            <a:ln w="50800">
+              <a:solidFill>
+                <a:schemeClr val="tx1"/>
+              </a:solidFill>
+            </a:ln>
+          </p:spPr>
+          <p:style>
+            <a:lnRef idx="1">
+              <a:schemeClr val="accent1"/>
+            </a:lnRef>
+            <a:fillRef idx="0">
+              <a:schemeClr val="accent1"/>
+            </a:fillRef>
+            <a:effectRef idx="0">
+              <a:schemeClr val="accent1"/>
+            </a:effectRef>
+            <a:fontRef idx="minor">
+              <a:schemeClr val="tx1"/>
+            </a:fontRef>
+          </p:style>
+          <p:txBody>
+            <a:bodyPr rtlCol="0" anchor="ctr"/>
+            <a:lstStyle/>
+            <a:p>
+              <a:pPr algn="ctr"/>
+              <a:endParaRPr lang="en-US"/>
+            </a:p>
+          </p:txBody>
+        </p:sp>
+        <p:sp>
+          <p:nvSpPr>
+            <p:cNvPr id="101" name="Arc 100"/>
+            <p:cNvSpPr/>
+            <p:nvPr/>
+          </p:nvSpPr>
+          <p:spPr>
+            <a:xfrm>
+              <a:off x="9854608" y="1558741"/>
+              <a:ext cx="481549" cy="3051544"/>
+            </a:xfrm>
+            <a:prstGeom prst="arc">
+              <a:avLst>
+                <a:gd name="adj1" fmla="val 16200000"/>
+                <a:gd name="adj2" fmla="val 5342088"/>
+              </a:avLst>
+            </a:prstGeom>
+            <a:ln w="50800">
+              <a:solidFill>
+                <a:schemeClr val="tx1"/>
+              </a:solidFill>
+              <a:prstDash val="dash"/>
+            </a:ln>
+          </p:spPr>
+          <p:style>
+            <a:lnRef idx="1">
+              <a:schemeClr val="accent1"/>
+            </a:lnRef>
+            <a:fillRef idx="0">
+              <a:schemeClr val="accent1"/>
+            </a:fillRef>
+            <a:effectRef idx="0">
+              <a:schemeClr val="accent1"/>
+            </a:effectRef>
+            <a:fontRef idx="minor">
+              <a:schemeClr val="tx1"/>
+            </a:fontRef>
+          </p:style>
+          <p:txBody>
+            <a:bodyPr rtlCol="0" anchor="ctr"/>
+            <a:lstStyle/>
+            <a:p>
+              <a:pPr algn="ctr"/>
+              <a:endParaRPr lang="en-US"/>
+            </a:p>
+          </p:txBody>
+        </p:sp>
+      </p:grpSp>
+      <p:cxnSp>
+        <p:nvCxnSpPr>
+          <p:cNvPr id="102" name="Straight Arrow Connector 101"/>
+          <p:cNvCxnSpPr/>
+          <p:nvPr/>
+        </p:nvCxnSpPr>
+        <p:spPr>
+          <a:xfrm flipV="1">
+            <a:off x="6354316" y="3370886"/>
+            <a:ext cx="3316077" cy="11016"/>
+          </a:xfrm>
+          <a:prstGeom prst="straightConnector1">
+            <a:avLst/>
+          </a:prstGeom>
+          <a:ln w="38100">
+            <a:solidFill>
+              <a:schemeClr val="tx1"/>
+            </a:solidFill>
+            <a:tailEnd type="triangle"/>
+          </a:ln>
+        </p:spPr>
+        <p:style>
+          <a:lnRef idx="1">
+            <a:schemeClr val="accent1"/>
+          </a:lnRef>
+          <a:fillRef idx="0">
+            <a:schemeClr val="accent1"/>
+          </a:fillRef>
+          <a:effectRef idx="0">
+            <a:schemeClr val="accent1"/>
+          </a:effectRef>
+          <a:fontRef idx="minor">
+            <a:schemeClr val="tx1"/>
+          </a:fontRef>
+        </p:style>
+      </p:cxnSp>
+      <p:cxnSp>
+        <p:nvCxnSpPr>
+          <p:cNvPr id="103" name="Straight Arrow Connector 102"/>
+          <p:cNvCxnSpPr/>
+          <p:nvPr/>
+        </p:nvCxnSpPr>
+        <p:spPr>
+          <a:xfrm flipV="1">
+            <a:off x="6385021" y="440399"/>
+            <a:ext cx="0" cy="2937948"/>
+          </a:xfrm>
+          <a:prstGeom prst="straightConnector1">
+            <a:avLst/>
+          </a:prstGeom>
+          <a:ln w="38100">
+            <a:solidFill>
+              <a:schemeClr val="tx1"/>
+            </a:solidFill>
+            <a:tailEnd type="triangle"/>
+          </a:ln>
+        </p:spPr>
+        <p:style>
+          <a:lnRef idx="1">
+            <a:schemeClr val="accent1"/>
+          </a:lnRef>
+          <a:fillRef idx="0">
+            <a:schemeClr val="accent1"/>
+          </a:fillRef>
+          <a:effectRef idx="0">
+            <a:schemeClr val="accent1"/>
+          </a:effectRef>
+          <a:fontRef idx="minor">
+            <a:schemeClr val="tx1"/>
+          </a:fontRef>
+        </p:style>
+      </p:cxnSp>
+      <p:cxnSp>
+        <p:nvCxnSpPr>
+          <p:cNvPr id="104" name="Straight Arrow Connector 103"/>
+          <p:cNvCxnSpPr/>
+          <p:nvPr/>
+        </p:nvCxnSpPr>
+        <p:spPr>
+          <a:xfrm flipV="1">
+            <a:off x="6392499" y="2351291"/>
+            <a:ext cx="1327721" cy="1027056"/>
+          </a:xfrm>
+          <a:prstGeom prst="straightConnector1">
+            <a:avLst/>
+          </a:prstGeom>
+          <a:ln w="38100">
+            <a:solidFill>
+              <a:schemeClr val="tx1"/>
+            </a:solidFill>
+            <a:prstDash val="dash"/>
+            <a:tailEnd type="triangle"/>
+          </a:ln>
+        </p:spPr>
+        <p:style>
+          <a:lnRef idx="1">
+            <a:schemeClr val="accent1"/>
+          </a:lnRef>
+          <a:fillRef idx="0">
+            <a:schemeClr val="accent1"/>
+          </a:fillRef>
+          <a:effectRef idx="0">
+            <a:schemeClr val="accent1"/>
+          </a:effectRef>
+          <a:fontRef idx="minor">
+            <a:schemeClr val="tx1"/>
+          </a:fontRef>
+        </p:style>
+      </p:cxnSp>
+      <mc:AlternateContent xmlns:mc="http://schemas.openxmlformats.org/markup-compatibility/2006">
+        <mc:Choice xmlns:a14="http://schemas.microsoft.com/office/drawing/2010/main" Requires="a14">
+          <p:sp>
+            <p:nvSpPr>
+              <p:cNvPr id="105" name="TextBox 104"/>
+              <p:cNvSpPr txBox="1"/>
+              <p:nvPr/>
+            </p:nvSpPr>
+            <p:spPr>
+              <a:xfrm>
+                <a:off x="7448627" y="2075326"/>
+                <a:ext cx="214546" cy="307777"/>
+              </a:xfrm>
+              <a:prstGeom prst="rect">
+                <a:avLst/>
+              </a:prstGeom>
+              <a:noFill/>
+            </p:spPr>
+            <p:txBody>
+              <a:bodyPr wrap="none" lIns="0" tIns="0" rIns="0" bIns="0" rtlCol="0">
+                <a:spAutoFit/>
+              </a:bodyPr>
+              <a:lstStyle/>
+              <a:p>
+                <a:pPr/>
+                <a14:m>
+                  <m:oMathPara xmlns:m="http://schemas.openxmlformats.org/officeDocument/2006/math">
+                    <m:oMathParaPr>
+                      <m:jc m:val="centerGroup"/>
+                    </m:oMathParaPr>
+                    <m:oMath xmlns:m="http://schemas.openxmlformats.org/officeDocument/2006/math">
+                      <m:r>
+                        <a:rPr lang="en-US" sz="2000" b="0" i="1" smtClean="0">
+                          <a:latin typeface="Cambria Math" panose="02040503050406030204" pitchFamily="18" charset="0"/>
+                          <a:cs typeface="Arial" panose="020B0604020202020204" pitchFamily="34" charset="0"/>
+                        </a:rPr>
+                        <m:t>𝑥</m:t>
+                      </m:r>
+                    </m:oMath>
+                  </m:oMathPara>
+                </a14:m>
+                <a:endParaRPr lang="en-US" sz="2000" dirty="0" smtClean="0">
+                  <a:latin typeface="Arial" panose="020B0604020202020204" pitchFamily="34" charset="0"/>
+                  <a:cs typeface="Arial" panose="020B0604020202020204" pitchFamily="34" charset="0"/>
+                </a:endParaRPr>
+              </a:p>
+            </p:txBody>
+          </p:sp>
+        </mc:Choice>
+        <mc:Fallback>
+          <p:sp>
+            <p:nvSpPr>
+              <p:cNvPr id="105" name="TextBox 104"/>
+              <p:cNvSpPr txBox="1">
+                <a:spLocks noRot="1" noChangeAspect="1" noMove="1" noResize="1" noEditPoints="1" noAdjustHandles="1" noChangeArrowheads="1" noChangeShapeType="1" noTextEdit="1"/>
+              </p:cNvSpPr>
+              <p:nvPr/>
+            </p:nvSpPr>
+            <p:spPr>
+              <a:xfrm>
+                <a:off x="7448627" y="2075326"/>
+                <a:ext cx="214546" cy="307777"/>
+              </a:xfrm>
+              <a:prstGeom prst="rect">
+                <a:avLst/>
+              </a:prstGeom>
+              <a:blipFill>
+                <a:blip r:embed="rId5"/>
+                <a:stretch>
+                  <a:fillRect l="-14286" r="-8571" b="-1961"/>
+                </a:stretch>
+              </a:blipFill>
+            </p:spPr>
+            <p:txBody>
+              <a:bodyPr/>
+              <a:lstStyle/>
+              <a:p>
+                <a:r>
+                  <a:rPr lang="en-US">
+                    <a:noFill/>
+                  </a:rPr>
+                  <a:t> </a:t>
+                </a:r>
+              </a:p>
+            </p:txBody>
+          </p:sp>
+        </mc:Fallback>
+      </mc:AlternateContent>
+      <p:cxnSp>
+        <p:nvCxnSpPr>
+          <p:cNvPr id="106" name="Straight Arrow Connector 105"/>
+          <p:cNvCxnSpPr/>
+          <p:nvPr/>
+        </p:nvCxnSpPr>
+        <p:spPr>
+          <a:xfrm flipV="1">
+            <a:off x="6362987" y="440399"/>
+            <a:ext cx="0" cy="2937948"/>
+          </a:xfrm>
+          <a:prstGeom prst="straightConnector1">
+            <a:avLst/>
+          </a:prstGeom>
+          <a:ln w="38100">
+            <a:solidFill>
+              <a:schemeClr val="tx1"/>
+            </a:solidFill>
+            <a:tailEnd type="triangle"/>
+          </a:ln>
+        </p:spPr>
+        <p:style>
+          <a:lnRef idx="1">
+            <a:schemeClr val="accent1"/>
+          </a:lnRef>
+          <a:fillRef idx="0">
+            <a:schemeClr val="accent1"/>
+          </a:fillRef>
+          <a:effectRef idx="0">
+            <a:schemeClr val="accent1"/>
+          </a:effectRef>
+          <a:fontRef idx="minor">
+            <a:schemeClr val="tx1"/>
+          </a:fontRef>
+        </p:style>
+      </p:cxnSp>
+      <mc:AlternateContent xmlns:mc="http://schemas.openxmlformats.org/markup-compatibility/2006">
+        <mc:Choice xmlns:a14="http://schemas.microsoft.com/office/drawing/2010/main" Requires="a14">
+          <p:sp>
+            <p:nvSpPr>
+              <p:cNvPr id="107" name="TextBox 106"/>
+              <p:cNvSpPr txBox="1"/>
+              <p:nvPr/>
+            </p:nvSpPr>
+            <p:spPr>
+              <a:xfrm>
+                <a:off x="9532906" y="3413171"/>
+                <a:ext cx="198323" cy="307777"/>
+              </a:xfrm>
+              <a:prstGeom prst="rect">
+                <a:avLst/>
+              </a:prstGeom>
+              <a:noFill/>
+            </p:spPr>
+            <p:txBody>
+              <a:bodyPr wrap="none" lIns="0" tIns="0" rIns="0" bIns="0" rtlCol="0">
+                <a:spAutoFit/>
+              </a:bodyPr>
+              <a:lstStyle/>
+              <a:p>
+                <a:pPr/>
+                <a14:m>
+                  <m:oMathPara xmlns:m="http://schemas.openxmlformats.org/officeDocument/2006/math">
+                    <m:oMathParaPr>
+                      <m:jc m:val="centerGroup"/>
+                    </m:oMathParaPr>
+                    <m:oMath xmlns:m="http://schemas.openxmlformats.org/officeDocument/2006/math">
+                      <m:r>
+                        <a:rPr lang="en-US" sz="2000" b="0" i="1" smtClean="0">
+                          <a:latin typeface="Cambria Math" panose="02040503050406030204" pitchFamily="18" charset="0"/>
+                          <a:cs typeface="Arial" panose="020B0604020202020204" pitchFamily="34" charset="0"/>
+                        </a:rPr>
+                        <m:t>𝑧</m:t>
+                      </m:r>
+                    </m:oMath>
+                  </m:oMathPara>
+                </a14:m>
+                <a:endParaRPr lang="en-US" sz="2000" dirty="0" smtClean="0">
+                  <a:latin typeface="Arial" panose="020B0604020202020204" pitchFamily="34" charset="0"/>
+                  <a:cs typeface="Arial" panose="020B0604020202020204" pitchFamily="34" charset="0"/>
+                </a:endParaRPr>
+              </a:p>
+            </p:txBody>
+          </p:sp>
+        </mc:Choice>
+        <mc:Fallback>
+          <p:sp>
+            <p:nvSpPr>
+              <p:cNvPr id="107" name="TextBox 106"/>
+              <p:cNvSpPr txBox="1">
+                <a:spLocks noRot="1" noChangeAspect="1" noMove="1" noResize="1" noEditPoints="1" noAdjustHandles="1" noChangeArrowheads="1" noChangeShapeType="1" noTextEdit="1"/>
+              </p:cNvSpPr>
+              <p:nvPr/>
+            </p:nvSpPr>
+            <p:spPr>
+              <a:xfrm>
+                <a:off x="9532906" y="3413171"/>
+                <a:ext cx="198323" cy="307777"/>
+              </a:xfrm>
+              <a:prstGeom prst="rect">
+                <a:avLst/>
+              </a:prstGeom>
+              <a:blipFill>
+                <a:blip r:embed="rId6"/>
+                <a:stretch>
+                  <a:fillRect l="-15625" r="-12500" b="-2000"/>
+                </a:stretch>
+              </a:blipFill>
+            </p:spPr>
+            <p:txBody>
+              <a:bodyPr/>
+              <a:lstStyle/>
+              <a:p>
+                <a:r>
+                  <a:rPr lang="en-US">
+                    <a:noFill/>
+                  </a:rPr>
+                  <a:t> </a:t>
+                </a:r>
+              </a:p>
+            </p:txBody>
+          </p:sp>
+        </mc:Fallback>
+      </mc:AlternateContent>
+      <mc:AlternateContent xmlns:mc="http://schemas.openxmlformats.org/markup-compatibility/2006">
+        <mc:Choice xmlns:a14="http://schemas.microsoft.com/office/drawing/2010/main" Requires="a14">
+          <p:sp>
+            <p:nvSpPr>
+              <p:cNvPr id="108" name="TextBox 107"/>
+              <p:cNvSpPr txBox="1"/>
+              <p:nvPr/>
+            </p:nvSpPr>
+            <p:spPr>
+              <a:xfrm>
+                <a:off x="6173336" y="471308"/>
+                <a:ext cx="219163" cy="307777"/>
+              </a:xfrm>
+              <a:prstGeom prst="rect">
+                <a:avLst/>
+              </a:prstGeom>
+              <a:noFill/>
+            </p:spPr>
+            <p:txBody>
+              <a:bodyPr wrap="none" lIns="0" tIns="0" rIns="0" bIns="0" rtlCol="0">
+                <a:spAutoFit/>
+              </a:bodyPr>
+              <a:lstStyle/>
+              <a:p>
+                <a:pPr/>
+                <a14:m>
+                  <m:oMathPara xmlns:m="http://schemas.openxmlformats.org/officeDocument/2006/math">
+                    <m:oMathParaPr>
+                      <m:jc m:val="centerGroup"/>
+                    </m:oMathParaPr>
+                    <m:oMath xmlns:m="http://schemas.openxmlformats.org/officeDocument/2006/math">
+                      <m:r>
+                        <a:rPr lang="en-US" sz="2000" b="0" i="1" smtClean="0">
+                          <a:latin typeface="Cambria Math" panose="02040503050406030204" pitchFamily="18" charset="0"/>
+                          <a:cs typeface="Arial" panose="020B0604020202020204" pitchFamily="34" charset="0"/>
+                        </a:rPr>
+                        <m:t>𝑦</m:t>
+                      </m:r>
+                    </m:oMath>
+                  </m:oMathPara>
+                </a14:m>
+                <a:endParaRPr lang="en-US" sz="2000" dirty="0" smtClean="0">
+                  <a:latin typeface="Arial" panose="020B0604020202020204" pitchFamily="34" charset="0"/>
+                  <a:cs typeface="Arial" panose="020B0604020202020204" pitchFamily="34" charset="0"/>
+                </a:endParaRPr>
+              </a:p>
+            </p:txBody>
+          </p:sp>
+        </mc:Choice>
+        <mc:Fallback>
+          <p:sp>
+            <p:nvSpPr>
+              <p:cNvPr id="108" name="TextBox 107"/>
+              <p:cNvSpPr txBox="1">
+                <a:spLocks noRot="1" noChangeAspect="1" noMove="1" noResize="1" noEditPoints="1" noAdjustHandles="1" noChangeArrowheads="1" noChangeShapeType="1" noTextEdit="1"/>
+              </p:cNvSpPr>
+              <p:nvPr/>
+            </p:nvSpPr>
+            <p:spPr>
+              <a:xfrm>
+                <a:off x="6173336" y="471308"/>
+                <a:ext cx="219163" cy="307777"/>
+              </a:xfrm>
+              <a:prstGeom prst="rect">
+                <a:avLst/>
+              </a:prstGeom>
+              <a:blipFill>
+                <a:blip r:embed="rId7"/>
+                <a:stretch>
+                  <a:fillRect l="-25000" r="-25000" b="-27451"/>
+                </a:stretch>
+              </a:blipFill>
+            </p:spPr>
+            <p:txBody>
+              <a:bodyPr/>
+              <a:lstStyle/>
+              <a:p>
+                <a:r>
+                  <a:rPr lang="en-US">
+                    <a:noFill/>
+                  </a:rPr>
+                  <a:t> </a:t>
+                </a:r>
+              </a:p>
+            </p:txBody>
+          </p:sp>
+        </mc:Fallback>
+      </mc:AlternateContent>
+      <p:cxnSp>
+        <p:nvCxnSpPr>
+          <p:cNvPr id="110" name="Straight Arrow Connector 109"/>
+          <p:cNvCxnSpPr/>
+          <p:nvPr/>
+        </p:nvCxnSpPr>
+        <p:spPr>
+          <a:xfrm flipV="1">
+            <a:off x="5800884" y="3413172"/>
+            <a:ext cx="2385775" cy="429006"/>
+          </a:xfrm>
+          <a:prstGeom prst="straightConnector1">
+            <a:avLst/>
+          </a:prstGeom>
+          <a:ln w="38100">
+            <a:solidFill>
+              <a:schemeClr val="tx1"/>
+            </a:solidFill>
+            <a:tailEnd type="triangle" w="lg" len="med"/>
+          </a:ln>
+        </p:spPr>
+        <p:style>
+          <a:lnRef idx="1">
+            <a:schemeClr val="accent1"/>
+          </a:lnRef>
+          <a:fillRef idx="0">
+            <a:schemeClr val="accent1"/>
+          </a:fillRef>
+          <a:effectRef idx="0">
+            <a:schemeClr val="accent1"/>
+          </a:effectRef>
+          <a:fontRef idx="minor">
+            <a:schemeClr val="tx1"/>
+          </a:fontRef>
+        </p:style>
+      </p:cxnSp>
+      <p:cxnSp>
+        <p:nvCxnSpPr>
+          <p:cNvPr id="111" name="Straight Connector 110"/>
+          <p:cNvCxnSpPr/>
+          <p:nvPr/>
+        </p:nvCxnSpPr>
+        <p:spPr>
+          <a:xfrm flipH="1">
+            <a:off x="5595877" y="3382489"/>
+            <a:ext cx="801878" cy="608406"/>
+          </a:xfrm>
+          <a:prstGeom prst="line">
+            <a:avLst/>
+          </a:prstGeom>
+          <a:ln w="38100">
+            <a:solidFill>
+              <a:schemeClr val="tx1"/>
+            </a:solidFill>
+          </a:ln>
+        </p:spPr>
+        <p:style>
+          <a:lnRef idx="1">
+            <a:schemeClr val="accent1"/>
+          </a:lnRef>
+          <a:fillRef idx="0">
+            <a:schemeClr val="accent1"/>
+          </a:fillRef>
+          <a:effectRef idx="0">
+            <a:schemeClr val="accent1"/>
+          </a:effectRef>
+          <a:fontRef idx="minor">
+            <a:schemeClr val="tx1"/>
+          </a:fontRef>
+        </p:style>
+      </p:cxnSp>
+      <p:grpSp>
+        <p:nvGrpSpPr>
+          <p:cNvPr id="112" name="Group 111"/>
+          <p:cNvGrpSpPr/>
+          <p:nvPr/>
+        </p:nvGrpSpPr>
+        <p:grpSpPr>
+          <a:xfrm>
+            <a:off x="7671424" y="2919341"/>
+            <a:ext cx="347189" cy="926053"/>
+            <a:chOff x="9831571" y="1558741"/>
+            <a:chExt cx="504586" cy="3062177"/>
+          </a:xfrm>
+        </p:grpSpPr>
+        <p:sp>
+          <p:nvSpPr>
+            <p:cNvPr id="113" name="Arc 112"/>
+            <p:cNvSpPr/>
+            <p:nvPr/>
+          </p:nvSpPr>
+          <p:spPr>
+            <a:xfrm>
+              <a:off x="9854608" y="1558741"/>
+              <a:ext cx="481549" cy="3051544"/>
+            </a:xfrm>
+            <a:prstGeom prst="arc">
+              <a:avLst>
+                <a:gd name="adj1" fmla="val 16200000"/>
+                <a:gd name="adj2" fmla="val 5342088"/>
+              </a:avLst>
+            </a:prstGeom>
+            <a:ln w="38100">
+              <a:solidFill>
+                <a:schemeClr val="accent1"/>
+              </a:solidFill>
+              <a:prstDash val="dash"/>
+            </a:ln>
+          </p:spPr>
+          <p:style>
+            <a:lnRef idx="1">
+              <a:schemeClr val="accent1"/>
+            </a:lnRef>
+            <a:fillRef idx="0">
+              <a:schemeClr val="accent1"/>
+            </a:fillRef>
+            <a:effectRef idx="0">
+              <a:schemeClr val="accent1"/>
+            </a:effectRef>
+            <a:fontRef idx="minor">
+              <a:schemeClr val="tx1"/>
+            </a:fontRef>
+          </p:style>
+          <p:txBody>
+            <a:bodyPr rtlCol="0" anchor="ctr"/>
+            <a:lstStyle/>
+            <a:p>
+              <a:pPr algn="ctr"/>
+              <a:endParaRPr lang="en-US"/>
+            </a:p>
+          </p:txBody>
+        </p:sp>
+        <p:sp>
+          <p:nvSpPr>
+            <p:cNvPr id="114" name="Arc 113"/>
+            <p:cNvSpPr/>
+            <p:nvPr/>
+          </p:nvSpPr>
+          <p:spPr>
+            <a:xfrm>
+              <a:off x="9831571" y="1569374"/>
+              <a:ext cx="481549" cy="3051544"/>
+            </a:xfrm>
+            <a:prstGeom prst="arc">
+              <a:avLst>
+                <a:gd name="adj1" fmla="val 5305153"/>
+                <a:gd name="adj2" fmla="val 16224316"/>
+              </a:avLst>
+            </a:prstGeom>
+            <a:ln w="38100">
+              <a:solidFill>
+                <a:schemeClr val="accent1"/>
+              </a:solidFill>
+            </a:ln>
+          </p:spPr>
+          <p:style>
+            <a:lnRef idx="1">
+              <a:schemeClr val="accent1"/>
+            </a:lnRef>
+            <a:fillRef idx="0">
+              <a:schemeClr val="accent1"/>
+            </a:fillRef>
+            <a:effectRef idx="0">
+              <a:schemeClr val="accent1"/>
+            </a:effectRef>
+            <a:fontRef idx="minor">
+              <a:schemeClr val="tx1"/>
+            </a:fontRef>
+          </p:style>
+          <p:txBody>
+            <a:bodyPr rtlCol="0" anchor="ctr"/>
+            <a:lstStyle/>
+            <a:p>
+              <a:pPr algn="ctr"/>
+              <a:endParaRPr lang="en-US"/>
+            </a:p>
+          </p:txBody>
+        </p:sp>
+      </p:grpSp>
+      <p:cxnSp>
+        <p:nvCxnSpPr>
+          <p:cNvPr id="116" name="Straight Arrow Connector 115"/>
+          <p:cNvCxnSpPr/>
+          <p:nvPr/>
+        </p:nvCxnSpPr>
+        <p:spPr>
+          <a:xfrm flipV="1">
+            <a:off x="5828782" y="3310292"/>
+            <a:ext cx="2083" cy="513534"/>
+          </a:xfrm>
+          <a:prstGeom prst="straightConnector1">
+            <a:avLst/>
+          </a:prstGeom>
+          <a:ln w="50800">
+            <a:solidFill>
+              <a:srgbClr val="FF0000"/>
+            </a:solidFill>
+            <a:tailEnd type="triangle"/>
+          </a:ln>
+        </p:spPr>
+        <p:style>
+          <a:lnRef idx="1">
+            <a:schemeClr val="accent1"/>
+          </a:lnRef>
+          <a:fillRef idx="0">
+            <a:schemeClr val="accent1"/>
+          </a:fillRef>
+          <a:effectRef idx="0">
+            <a:schemeClr val="accent1"/>
+          </a:effectRef>
+          <a:fontRef idx="minor">
+            <a:schemeClr val="tx1"/>
+          </a:fontRef>
+        </p:style>
+      </p:cxnSp>
+    </p:spTree>
+    <p:extLst>
+      <p:ext uri="{BB962C8B-B14F-4D97-AF65-F5344CB8AC3E}">
+        <p14:creationId xmlns:p14="http://schemas.microsoft.com/office/powerpoint/2010/main" val="565637457"/>
+      </p:ext>
+    </p:extLst>
+  </p:cSld>
+  <p:clrMapOvr>
+    <a:masterClrMapping/>
+  </p:clrMapOvr>
+</p:sld>
+</file>
+
+<file path=ppt/slides/slide6.xml><?xml version="1.0" encoding="utf-8"?>
+<p:sld xmlns:a="http://schemas.openxmlformats.org/drawingml/2006/main" xmlns:r="http://schemas.openxmlformats.org/officeDocument/2006/relationships" xmlns:p="http://schemas.openxmlformats.org/presentationml/2006/main">
+  <p:cSld>
+    <p:spTree>
+      <p:nvGrpSpPr>
+        <p:cNvPr id="1" name=""/>
+        <p:cNvGrpSpPr/>
+        <p:nvPr/>
+      </p:nvGrpSpPr>
+      <p:grpSpPr>
+        <a:xfrm>
+          <a:off x="0" y="0"/>
+          <a:ext cx="0" cy="0"/>
+          <a:chOff x="0" y="0"/>
+          <a:chExt cx="0" cy="0"/>
+        </a:xfrm>
+      </p:grpSpPr>
+      <p:grpSp>
+        <p:nvGrpSpPr>
+          <p:cNvPr id="192" name="Group 191"/>
+          <p:cNvGrpSpPr/>
+          <p:nvPr/>
+        </p:nvGrpSpPr>
+        <p:grpSpPr>
+          <a:xfrm>
+            <a:off x="318395" y="778632"/>
+            <a:ext cx="3563412" cy="3341913"/>
+            <a:chOff x="318395" y="778632"/>
+            <a:chExt cx="3563412" cy="3341913"/>
+          </a:xfrm>
+        </p:grpSpPr>
+        <p:grpSp>
+          <p:nvGrpSpPr>
+            <p:cNvPr id="188" name="Group 187"/>
+            <p:cNvGrpSpPr/>
+            <p:nvPr/>
+          </p:nvGrpSpPr>
+          <p:grpSpPr>
+            <a:xfrm>
+              <a:off x="318395" y="778632"/>
+              <a:ext cx="3563412" cy="3341913"/>
+              <a:chOff x="2400583" y="1836252"/>
+              <a:chExt cx="3563412" cy="3341913"/>
+            </a:xfrm>
+          </p:grpSpPr>
+          <p:cxnSp>
+            <p:nvCxnSpPr>
+              <p:cNvPr id="5" name="Straight Connector 4"/>
+              <p:cNvCxnSpPr>
+                <a:stCxn id="20" idx="4"/>
+              </p:cNvCxnSpPr>
+              <p:nvPr/>
+            </p:nvCxnSpPr>
+            <p:spPr>
+              <a:xfrm>
+                <a:off x="3366963" y="3981429"/>
+                <a:ext cx="3129" cy="1196736"/>
+              </a:xfrm>
+              <a:prstGeom prst="line">
+                <a:avLst/>
+              </a:prstGeom>
+              <a:ln w="47625">
+                <a:solidFill>
+                  <a:schemeClr val="tx1"/>
+                </a:solidFill>
+              </a:ln>
+            </p:spPr>
+            <p:style>
+              <a:lnRef idx="1">
+                <a:schemeClr val="accent1"/>
+              </a:lnRef>
+              <a:fillRef idx="0">
+                <a:schemeClr val="accent1"/>
+              </a:fillRef>
+              <a:effectRef idx="0">
+                <a:schemeClr val="accent1"/>
+              </a:effectRef>
+              <a:fontRef idx="minor">
+                <a:schemeClr val="tx1"/>
+              </a:fontRef>
+            </p:style>
+          </p:cxnSp>
+          <p:cxnSp>
+            <p:nvCxnSpPr>
+              <p:cNvPr id="6" name="Straight Arrow Connector 5"/>
+              <p:cNvCxnSpPr/>
+              <p:nvPr/>
+            </p:nvCxnSpPr>
+            <p:spPr>
+              <a:xfrm flipH="1" flipV="1">
+                <a:off x="3362770" y="4619795"/>
+                <a:ext cx="1" cy="390431"/>
+              </a:xfrm>
+              <a:prstGeom prst="straightConnector1">
+                <a:avLst/>
+              </a:prstGeom>
+              <a:ln w="38100">
+                <a:solidFill>
+                  <a:schemeClr val="tx1"/>
+                </a:solidFill>
+                <a:tailEnd type="triangle" w="lg" len="lg"/>
+              </a:ln>
+            </p:spPr>
+            <p:style>
+              <a:lnRef idx="1">
+                <a:schemeClr val="accent1"/>
+              </a:lnRef>
+              <a:fillRef idx="0">
+                <a:schemeClr val="accent1"/>
+              </a:fillRef>
+              <a:effectRef idx="0">
+                <a:schemeClr val="accent1"/>
+              </a:effectRef>
+              <a:fontRef idx="minor">
+                <a:schemeClr val="tx1"/>
+              </a:fontRef>
+            </p:style>
+          </p:cxnSp>
+          <mc:AlternateContent xmlns:mc="http://schemas.openxmlformats.org/markup-compatibility/2006">
+            <mc:Choice xmlns:a14="http://schemas.microsoft.com/office/drawing/2010/main" Requires="a14">
+              <p:sp>
+                <p:nvSpPr>
+                  <p:cNvPr id="7" name="TextBox 6"/>
+                  <p:cNvSpPr txBox="1"/>
+                  <p:nvPr/>
+                </p:nvSpPr>
+                <p:spPr>
+                  <a:xfrm>
+                    <a:off x="2928767" y="4781322"/>
+                    <a:ext cx="357547" cy="307777"/>
+                  </a:xfrm>
+                  <a:prstGeom prst="rect">
+                    <a:avLst/>
+                  </a:prstGeom>
+                  <a:noFill/>
+                </p:spPr>
+                <p:txBody>
+                  <a:bodyPr wrap="square" lIns="0" tIns="0" rIns="0" bIns="0" rtlCol="0">
+                    <a:spAutoFit/>
+                  </a:bodyPr>
+                  <a:lstStyle/>
+                  <a:p>
+                    <a:pPr/>
+                    <a14:m>
+                      <m:oMathPara xmlns:m="http://schemas.openxmlformats.org/officeDocument/2006/math">
+                        <m:oMathParaPr>
+                          <m:jc m:val="centerGroup"/>
+                        </m:oMathParaPr>
+                        <m:oMath xmlns:m="http://schemas.openxmlformats.org/officeDocument/2006/math">
+                          <m:sSub>
+                            <m:sSubPr>
+                              <m:ctrlPr>
+                                <a:rPr lang="en-US" sz="2000" b="0" i="0" smtClean="0">
+                                  <a:latin typeface="Cambria Math" panose="02040503050406030204" pitchFamily="18" charset="0"/>
+                                  <a:cs typeface="Arial" panose="020B0604020202020204" pitchFamily="34" charset="0"/>
+                                </a:rPr>
+                              </m:ctrlPr>
+                            </m:sSubPr>
+                            <m:e>
+                              <m:r>
+                                <a:rPr lang="en-US" sz="2000" b="0" i="1" smtClean="0">
+                                  <a:latin typeface="Cambria Math" panose="02040503050406030204" pitchFamily="18" charset="0"/>
+                                  <a:cs typeface="Arial" panose="020B0604020202020204" pitchFamily="34" charset="0"/>
+                                </a:rPr>
+                                <m:t>𝐼</m:t>
+                              </m:r>
+                            </m:e>
+                            <m:sub>
+                              <m:r>
+                                <a:rPr lang="en-US" sz="2000" b="0" i="0" smtClean="0">
+                                  <a:latin typeface="Cambria Math" panose="02040503050406030204" pitchFamily="18" charset="0"/>
+                                  <a:cs typeface="Arial" panose="020B0604020202020204" pitchFamily="34" charset="0"/>
+                                </a:rPr>
+                                <m:t>1</m:t>
+                              </m:r>
+                            </m:sub>
+                          </m:sSub>
+                        </m:oMath>
+                      </m:oMathPara>
+                    </a14:m>
+                    <a:endParaRPr lang="en-US" sz="2000" dirty="0" smtClean="0">
+                      <a:latin typeface="Arial" panose="020B0604020202020204" pitchFamily="34" charset="0"/>
+                      <a:cs typeface="Arial" panose="020B0604020202020204" pitchFamily="34" charset="0"/>
+                    </a:endParaRPr>
+                  </a:p>
+                </p:txBody>
+              </p:sp>
+            </mc:Choice>
+            <mc:Fallback>
+              <p:sp>
+                <p:nvSpPr>
+                  <p:cNvPr id="7" name="TextBox 6"/>
+                  <p:cNvSpPr txBox="1">
+                    <a:spLocks noRot="1" noChangeAspect="1" noMove="1" noResize="1" noEditPoints="1" noAdjustHandles="1" noChangeArrowheads="1" noChangeShapeType="1" noTextEdit="1"/>
+                  </p:cNvSpPr>
+                  <p:nvPr/>
+                </p:nvSpPr>
+                <p:spPr>
+                  <a:xfrm>
+                    <a:off x="2928767" y="4781322"/>
+                    <a:ext cx="357547" cy="307777"/>
+                  </a:xfrm>
+                  <a:prstGeom prst="rect">
+                    <a:avLst/>
+                  </a:prstGeom>
+                  <a:blipFill>
+                    <a:blip r:embed="rId2"/>
+                    <a:stretch>
+                      <a:fillRect l="-3390" b="-20000"/>
+                    </a:stretch>
+                  </a:blipFill>
+                </p:spPr>
+                <p:txBody>
+                  <a:bodyPr/>
+                  <a:lstStyle/>
+                  <a:p>
+                    <a:r>
+                      <a:rPr lang="en-US">
+                        <a:noFill/>
+                      </a:rPr>
+                      <a:t> </a:t>
+                    </a:r>
+                  </a:p>
+                </p:txBody>
+              </p:sp>
+            </mc:Fallback>
+          </mc:AlternateContent>
+          <p:cxnSp>
+            <p:nvCxnSpPr>
+              <p:cNvPr id="9" name="Straight Connector 8"/>
+              <p:cNvCxnSpPr/>
+              <p:nvPr/>
+            </p:nvCxnSpPr>
+            <p:spPr>
+              <a:xfrm flipH="1">
+                <a:off x="3366961" y="3517237"/>
+                <a:ext cx="5516" cy="525566"/>
+              </a:xfrm>
+              <a:prstGeom prst="line">
+                <a:avLst/>
+              </a:prstGeom>
+              <a:ln w="47625">
+                <a:solidFill>
+                  <a:schemeClr val="tx1"/>
+                </a:solidFill>
+                <a:prstDash val="sysDash"/>
+              </a:ln>
+            </p:spPr>
+            <p:style>
+              <a:lnRef idx="1">
+                <a:schemeClr val="accent1"/>
+              </a:lnRef>
+              <a:fillRef idx="0">
+                <a:schemeClr val="accent1"/>
+              </a:fillRef>
+              <a:effectRef idx="0">
+                <a:schemeClr val="accent1"/>
+              </a:effectRef>
+              <a:fontRef idx="minor">
+                <a:schemeClr val="tx1"/>
+              </a:fontRef>
+            </p:style>
+          </p:cxnSp>
+          <mc:AlternateContent xmlns:mc="http://schemas.openxmlformats.org/markup-compatibility/2006">
+            <mc:Choice xmlns:a14="http://schemas.microsoft.com/office/drawing/2010/main" Requires="a14">
+              <p:sp>
+                <p:nvSpPr>
+                  <p:cNvPr id="10" name="TextBox 9"/>
+                  <p:cNvSpPr txBox="1"/>
+                  <p:nvPr/>
+                </p:nvSpPr>
+                <p:spPr>
+                  <a:xfrm>
+                    <a:off x="2400583" y="3236522"/>
+                    <a:ext cx="341247" cy="345159"/>
+                  </a:xfrm>
+                  <a:prstGeom prst="rect">
+                    <a:avLst/>
+                  </a:prstGeom>
+                  <a:noFill/>
+                </p:spPr>
+                <p:txBody>
+                  <a:bodyPr wrap="none" lIns="0" tIns="0" rIns="0" bIns="0" rtlCol="0">
+                    <a:spAutoFit/>
+                  </a:bodyPr>
+                  <a:lstStyle/>
+                  <a:p>
+                    <a:pPr/>
+                    <a14:m>
+                      <m:oMathPara xmlns:m="http://schemas.openxmlformats.org/officeDocument/2006/math">
+                        <m:oMathParaPr>
+                          <m:jc m:val="centerGroup"/>
+                        </m:oMathParaPr>
+                        <m:oMath xmlns:m="http://schemas.openxmlformats.org/officeDocument/2006/math">
+                          <m:sSub>
+                            <m:sSubPr>
+                              <m:ctrlPr>
+                                <a:rPr lang="en-US" sz="2000" b="0" i="1" smtClean="0">
+                                  <a:solidFill>
+                                    <a:srgbClr val="FF0000"/>
+                                  </a:solidFill>
+                                  <a:latin typeface="Cambria Math" panose="02040503050406030204" pitchFamily="18" charset="0"/>
+                                  <a:cs typeface="Arial" panose="020B0604020202020204" pitchFamily="34" charset="0"/>
+                                </a:rPr>
+                              </m:ctrlPr>
+                            </m:sSubPr>
+                            <m:e>
+                              <m:acc>
+                                <m:accPr>
+                                  <m:chr m:val="⃗"/>
+                                  <m:ctrlPr>
+                                    <a:rPr lang="en-US" sz="2000" b="0" i="1" smtClean="0">
+                                      <a:solidFill>
+                                        <a:srgbClr val="FF0000"/>
+                                      </a:solidFill>
+                                      <a:latin typeface="Cambria Math" panose="02040503050406030204" pitchFamily="18" charset="0"/>
+                                      <a:cs typeface="Arial" panose="020B0604020202020204" pitchFamily="34" charset="0"/>
+                                    </a:rPr>
+                                  </m:ctrlPr>
+                                </m:accPr>
+                                <m:e>
+                                  <m:r>
+                                    <a:rPr lang="en-US" sz="2000" b="0" i="1" smtClean="0">
+                                      <a:solidFill>
+                                        <a:srgbClr val="FF0000"/>
+                                      </a:solidFill>
+                                      <a:latin typeface="Cambria Math" panose="02040503050406030204" pitchFamily="18" charset="0"/>
+                                      <a:cs typeface="Arial" panose="020B0604020202020204" pitchFamily="34" charset="0"/>
+                                    </a:rPr>
+                                    <m:t>𝐵</m:t>
+                                  </m:r>
+                                </m:e>
+                              </m:acc>
+                            </m:e>
+                            <m:sub>
+                              <m:r>
+                                <a:rPr lang="en-US" sz="2000" b="0" i="1" smtClean="0">
+                                  <a:solidFill>
+                                    <a:srgbClr val="FF0000"/>
+                                  </a:solidFill>
+                                  <a:latin typeface="Cambria Math" panose="02040503050406030204" pitchFamily="18" charset="0"/>
+                                  <a:cs typeface="Arial" panose="020B0604020202020204" pitchFamily="34" charset="0"/>
+                                </a:rPr>
+                                <m:t>1</m:t>
+                              </m:r>
+                            </m:sub>
+                          </m:sSub>
+                        </m:oMath>
+                      </m:oMathPara>
+                    </a14:m>
+                    <a:endParaRPr lang="en-US" sz="2000" dirty="0" smtClean="0">
+                      <a:solidFill>
+                        <a:srgbClr val="FF0000"/>
+                      </a:solidFill>
+                      <a:latin typeface="Arial" panose="020B0604020202020204" pitchFamily="34" charset="0"/>
+                      <a:cs typeface="Arial" panose="020B0604020202020204" pitchFamily="34" charset="0"/>
+                    </a:endParaRPr>
+                  </a:p>
+                </p:txBody>
+              </p:sp>
+            </mc:Choice>
+            <mc:Fallback>
+              <p:sp>
+                <p:nvSpPr>
+                  <p:cNvPr id="10" name="TextBox 9"/>
+                  <p:cNvSpPr txBox="1">
+                    <a:spLocks noRot="1" noChangeAspect="1" noMove="1" noResize="1" noEditPoints="1" noAdjustHandles="1" noChangeArrowheads="1" noChangeShapeType="1" noTextEdit="1"/>
+                  </p:cNvSpPr>
+                  <p:nvPr/>
+                </p:nvSpPr>
+                <p:spPr>
+                  <a:xfrm>
+                    <a:off x="2400583" y="3236522"/>
+                    <a:ext cx="341247" cy="345159"/>
+                  </a:xfrm>
+                  <a:prstGeom prst="rect">
+                    <a:avLst/>
+                  </a:prstGeom>
+                  <a:blipFill>
+                    <a:blip r:embed="rId3"/>
+                    <a:stretch>
+                      <a:fillRect l="-14286" r="-5357" b="-15789"/>
+                    </a:stretch>
+                  </a:blipFill>
+                </p:spPr>
+                <p:txBody>
+                  <a:bodyPr/>
+                  <a:lstStyle/>
+                  <a:p>
+                    <a:r>
+                      <a:rPr lang="en-US">
+                        <a:noFill/>
+                      </a:rPr>
+                      <a:t> </a:t>
+                    </a:r>
+                  </a:p>
+                </p:txBody>
+              </p:sp>
+            </mc:Fallback>
+          </mc:AlternateContent>
+          <p:grpSp>
+            <p:nvGrpSpPr>
+              <p:cNvPr id="11" name="Group 10"/>
+              <p:cNvGrpSpPr/>
+              <p:nvPr/>
+            </p:nvGrpSpPr>
+            <p:grpSpPr>
+              <a:xfrm>
+                <a:off x="2928767" y="3651263"/>
+                <a:ext cx="882650" cy="247348"/>
+                <a:chOff x="9055100" y="3993844"/>
+                <a:chExt cx="882650" cy="247348"/>
+              </a:xfrm>
+            </p:grpSpPr>
             <p:sp>
               <p:nvSpPr>
-                <p:cNvPr id="136" name="TextBox 135"/>
-                <p:cNvSpPr txBox="1"/>
+                <p:cNvPr id="22" name="Oval 21"/>
+                <p:cNvSpPr/>
                 <p:nvPr/>
               </p:nvSpPr>
               <p:spPr>
                 <a:xfrm>
-                  <a:off x="9272475" y="2775482"/>
-                  <a:ext cx="198003" cy="307777"/>
+                  <a:off x="9055100" y="3993844"/>
+                  <a:ext cx="882650" cy="247348"/>
                 </a:xfrm>
-                <a:prstGeom prst="rect">
+                <a:prstGeom prst="ellipse">
                   <a:avLst/>
                 </a:prstGeom>
                 <a:noFill/>
+                <a:ln w="38100">
+                  <a:solidFill>
+                    <a:srgbClr val="FF0000"/>
+                  </a:solidFill>
+                </a:ln>
               </p:spPr>
+              <p:style>
+                <a:lnRef idx="2">
+                  <a:schemeClr val="accent1">
+                    <a:shade val="50000"/>
+                  </a:schemeClr>
+                </a:lnRef>
+                <a:fillRef idx="1">
+                  <a:schemeClr val="accent1"/>
+                </a:fillRef>
+                <a:effectRef idx="0">
+                  <a:schemeClr val="accent1"/>
+                </a:effectRef>
+                <a:fontRef idx="minor">
+                  <a:schemeClr val="lt1"/>
+                </a:fontRef>
+              </p:style>
               <p:txBody>
-                <a:bodyPr wrap="none" lIns="0" tIns="0" rIns="0" bIns="0" rtlCol="0">
-                  <a:spAutoFit/>
-                </a:bodyPr>
+                <a:bodyPr rtlCol="0" anchor="ctr"/>
                 <a:lstStyle/>
                 <a:p>
-                  <a14:m>
-                    <m:oMathPara xmlns:m="http://schemas.openxmlformats.org/officeDocument/2006/math">
-                      <m:oMathParaPr>
-                        <m:jc m:val="centerGroup"/>
-                      </m:oMathParaPr>
-                      <m:oMath xmlns:m="http://schemas.openxmlformats.org/officeDocument/2006/math">
-                        <m:acc>
-                          <m:accPr>
-                            <m:chr m:val="⃗"/>
-                            <m:ctrlPr>
-                              <a:rPr lang="en-US" sz="2000" b="0" i="1" smtClean="0">
-                                <a:latin typeface="Cambria Math" panose="02040503050406030204" pitchFamily="18" charset="0"/>
-                                <a:cs typeface="Arial" panose="020B0604020202020204" pitchFamily="34" charset="0"/>
-                              </a:rPr>
-                            </m:ctrlPr>
-                          </m:accPr>
-                          <m:e>
-                            <m:r>
-                              <a:rPr lang="en-US" sz="2000" b="0" i="1" smtClean="0">
-                                <a:latin typeface="Cambria Math" panose="02040503050406030204" pitchFamily="18" charset="0"/>
-                                <a:cs typeface="Arial" panose="020B0604020202020204" pitchFamily="34" charset="0"/>
-                              </a:rPr>
-                              <m:t>𝑟</m:t>
-                            </m:r>
-                          </m:e>
-                        </m:acc>
-                      </m:oMath>
-                    </m:oMathPara>
-                  </a14:m>
-                  <a:endParaRPr lang="en-US" sz="2000" dirty="0" smtClean="0">
-                    <a:latin typeface="Arial" panose="020B0604020202020204" pitchFamily="34" charset="0"/>
-                    <a:cs typeface="Arial" panose="020B0604020202020204" pitchFamily="34" charset="0"/>
-                  </a:endParaRPr>
+                  <a:pPr algn="ctr"/>
+                  <a:endParaRPr lang="en-US"/>
                 </a:p>
               </p:txBody>
             </p:sp>
-          </mc:Choice>
-          <mc:Fallback>
+            <p:cxnSp>
+              <p:nvCxnSpPr>
+                <p:cNvPr id="23" name="Straight Arrow Connector 22"/>
+                <p:cNvCxnSpPr/>
+                <p:nvPr/>
+              </p:nvCxnSpPr>
+              <p:spPr>
+                <a:xfrm flipV="1">
+                  <a:off x="9703011" y="4205424"/>
+                  <a:ext cx="116205" cy="30118"/>
+                </a:xfrm>
+                <a:prstGeom prst="straightConnector1">
+                  <a:avLst/>
+                </a:prstGeom>
+                <a:ln w="38100">
+                  <a:solidFill>
+                    <a:srgbClr val="FF0000"/>
+                  </a:solidFill>
+                  <a:tailEnd type="triangle"/>
+                </a:ln>
+              </p:spPr>
+              <p:style>
+                <a:lnRef idx="1">
+                  <a:schemeClr val="accent1"/>
+                </a:lnRef>
+                <a:fillRef idx="0">
+                  <a:schemeClr val="accent1"/>
+                </a:fillRef>
+                <a:effectRef idx="0">
+                  <a:schemeClr val="accent1"/>
+                </a:effectRef>
+                <a:fontRef idx="minor">
+                  <a:schemeClr val="tx1"/>
+                </a:fontRef>
+              </p:style>
+            </p:cxnSp>
+          </p:grpSp>
+          <p:grpSp>
+            <p:nvGrpSpPr>
+              <p:cNvPr id="12" name="Group 11"/>
+              <p:cNvGrpSpPr/>
+              <p:nvPr/>
+            </p:nvGrpSpPr>
+            <p:grpSpPr>
+              <a:xfrm>
+                <a:off x="2653722" y="3581681"/>
+                <a:ext cx="1426482" cy="399748"/>
+                <a:chOff x="9055100" y="3993844"/>
+                <a:chExt cx="882650" cy="247348"/>
+              </a:xfrm>
+            </p:grpSpPr>
             <p:sp>
               <p:nvSpPr>
-                <p:cNvPr id="136" name="TextBox 135"/>
-                <p:cNvSpPr txBox="1">
-                  <a:spLocks noRot="1" noChangeAspect="1" noMove="1" noResize="1" noEditPoints="1" noAdjustHandles="1" noChangeArrowheads="1" noChangeShapeType="1" noTextEdit="1"/>
-                </p:cNvSpPr>
+                <p:cNvPr id="20" name="Oval 19"/>
+                <p:cNvSpPr/>
                 <p:nvPr/>
               </p:nvSpPr>
               <p:spPr>
                 <a:xfrm>
-                  <a:off x="9272475" y="2775482"/>
-                  <a:ext cx="198003" cy="307777"/>
+                  <a:off x="9055100" y="3993844"/>
+                  <a:ext cx="882650" cy="247348"/>
                 </a:xfrm>
-                <a:prstGeom prst="rect">
+                <a:prstGeom prst="ellipse">
                   <a:avLst/>
                 </a:prstGeom>
-                <a:blipFill>
-                  <a:blip r:embed="rId9"/>
-                  <a:stretch>
-                    <a:fillRect l="-27273" t="-33333" r="-93939" b="-5882"/>
-                  </a:stretch>
-                </a:blipFill>
+                <a:noFill/>
+                <a:ln w="38100">
+                  <a:solidFill>
+                    <a:srgbClr val="FF0000"/>
+                  </a:solidFill>
+                </a:ln>
               </p:spPr>
+              <p:style>
+                <a:lnRef idx="2">
+                  <a:schemeClr val="accent1">
+                    <a:shade val="50000"/>
+                  </a:schemeClr>
+                </a:lnRef>
+                <a:fillRef idx="1">
+                  <a:schemeClr val="accent1"/>
+                </a:fillRef>
+                <a:effectRef idx="0">
+                  <a:schemeClr val="accent1"/>
+                </a:effectRef>
+                <a:fontRef idx="minor">
+                  <a:schemeClr val="lt1"/>
+                </a:fontRef>
+              </p:style>
               <p:txBody>
-                <a:bodyPr/>
+                <a:bodyPr rtlCol="0" anchor="ctr"/>
                 <a:lstStyle/>
                 <a:p>
-                  <a:r>
-                    <a:rPr lang="en-US">
-                      <a:noFill/>
-                    </a:rPr>
-                    <a:t> </a:t>
-                  </a:r>
+                  <a:pPr algn="ctr"/>
+                  <a:endParaRPr lang="en-US"/>
                 </a:p>
               </p:txBody>
             </p:sp>
-          </mc:Fallback>
-        </mc:AlternateContent>
+            <p:cxnSp>
+              <p:nvCxnSpPr>
+                <p:cNvPr id="21" name="Straight Arrow Connector 20"/>
+                <p:cNvCxnSpPr/>
+                <p:nvPr/>
+              </p:nvCxnSpPr>
+              <p:spPr>
+                <a:xfrm flipV="1">
+                  <a:off x="9713401" y="4207939"/>
+                  <a:ext cx="58035" cy="19164"/>
+                </a:xfrm>
+                <a:prstGeom prst="straightConnector1">
+                  <a:avLst/>
+                </a:prstGeom>
+                <a:ln w="38100">
+                  <a:solidFill>
+                    <a:srgbClr val="FF0000"/>
+                  </a:solidFill>
+                  <a:tailEnd type="triangle"/>
+                </a:ln>
+              </p:spPr>
+              <p:style>
+                <a:lnRef idx="1">
+                  <a:schemeClr val="accent1"/>
+                </a:lnRef>
+                <a:fillRef idx="0">
+                  <a:schemeClr val="accent1"/>
+                </a:fillRef>
+                <a:effectRef idx="0">
+                  <a:schemeClr val="accent1"/>
+                </a:effectRef>
+                <a:fontRef idx="minor">
+                  <a:schemeClr val="tx1"/>
+                </a:fontRef>
+              </p:style>
+            </p:cxnSp>
+          </p:grpSp>
+          <p:grpSp>
+            <p:nvGrpSpPr>
+              <p:cNvPr id="14" name="Group 13"/>
+              <p:cNvGrpSpPr/>
+              <p:nvPr/>
+            </p:nvGrpSpPr>
+            <p:grpSpPr>
+              <a:xfrm>
+                <a:off x="3145571" y="3716376"/>
+                <a:ext cx="442783" cy="124086"/>
+                <a:chOff x="9055100" y="3993838"/>
+                <a:chExt cx="882650" cy="247354"/>
+              </a:xfrm>
+            </p:grpSpPr>
+            <p:sp>
+              <p:nvSpPr>
+                <p:cNvPr id="16" name="Oval 15"/>
+                <p:cNvSpPr/>
+                <p:nvPr/>
+              </p:nvSpPr>
+              <p:spPr>
+                <a:xfrm>
+                  <a:off x="9055100" y="3993838"/>
+                  <a:ext cx="882650" cy="247348"/>
+                </a:xfrm>
+                <a:prstGeom prst="ellipse">
+                  <a:avLst/>
+                </a:prstGeom>
+                <a:noFill/>
+                <a:ln w="38100">
+                  <a:solidFill>
+                    <a:srgbClr val="FF0000"/>
+                  </a:solidFill>
+                </a:ln>
+              </p:spPr>
+              <p:style>
+                <a:lnRef idx="2">
+                  <a:schemeClr val="accent1">
+                    <a:shade val="50000"/>
+                  </a:schemeClr>
+                </a:lnRef>
+                <a:fillRef idx="1">
+                  <a:schemeClr val="accent1"/>
+                </a:fillRef>
+                <a:effectRef idx="0">
+                  <a:schemeClr val="accent1"/>
+                </a:effectRef>
+                <a:fontRef idx="minor">
+                  <a:schemeClr val="lt1"/>
+                </a:fontRef>
+              </p:style>
+              <p:txBody>
+                <a:bodyPr rtlCol="0" anchor="ctr"/>
+                <a:lstStyle/>
+                <a:p>
+                  <a:pPr algn="ctr"/>
+                  <a:endParaRPr lang="en-US"/>
+                </a:p>
+              </p:txBody>
+            </p:sp>
+            <p:cxnSp>
+              <p:nvCxnSpPr>
+                <p:cNvPr id="17" name="Straight Arrow Connector 16"/>
+                <p:cNvCxnSpPr/>
+                <p:nvPr/>
+              </p:nvCxnSpPr>
+              <p:spPr>
+                <a:xfrm flipV="1">
+                  <a:off x="9631680" y="4211074"/>
+                  <a:ext cx="116205" cy="30118"/>
+                </a:xfrm>
+                <a:prstGeom prst="straightConnector1">
+                  <a:avLst/>
+                </a:prstGeom>
+                <a:ln w="38100">
+                  <a:solidFill>
+                    <a:srgbClr val="FF0000"/>
+                  </a:solidFill>
+                  <a:tailEnd type="triangle"/>
+                </a:ln>
+              </p:spPr>
+              <p:style>
+                <a:lnRef idx="1">
+                  <a:schemeClr val="accent1"/>
+                </a:lnRef>
+                <a:fillRef idx="0">
+                  <a:schemeClr val="accent1"/>
+                </a:fillRef>
+                <a:effectRef idx="0">
+                  <a:schemeClr val="accent1"/>
+                </a:effectRef>
+                <a:fontRef idx="minor">
+                  <a:schemeClr val="tx1"/>
+                </a:fontRef>
+              </p:style>
+            </p:cxnSp>
+          </p:grpSp>
+          <p:cxnSp>
+            <p:nvCxnSpPr>
+              <p:cNvPr id="15" name="Straight Connector 14"/>
+              <p:cNvCxnSpPr/>
+              <p:nvPr/>
+            </p:nvCxnSpPr>
+            <p:spPr>
+              <a:xfrm>
+                <a:off x="3372477" y="1860040"/>
+                <a:ext cx="291" cy="1888464"/>
+              </a:xfrm>
+              <a:prstGeom prst="line">
+                <a:avLst/>
+              </a:prstGeom>
+              <a:ln w="47625">
+                <a:solidFill>
+                  <a:schemeClr val="tx1"/>
+                </a:solidFill>
+              </a:ln>
+            </p:spPr>
+            <p:style>
+              <a:lnRef idx="1">
+                <a:schemeClr val="accent1"/>
+              </a:lnRef>
+              <a:fillRef idx="0">
+                <a:schemeClr val="accent1"/>
+              </a:fillRef>
+              <a:effectRef idx="0">
+                <a:schemeClr val="accent1"/>
+              </a:effectRef>
+              <a:fontRef idx="minor">
+                <a:schemeClr val="tx1"/>
+              </a:fontRef>
+            </p:style>
+          </p:cxnSp>
+          <p:cxnSp>
+            <p:nvCxnSpPr>
+              <p:cNvPr id="24" name="Straight Connector 23"/>
+              <p:cNvCxnSpPr/>
+              <p:nvPr/>
+            </p:nvCxnSpPr>
+            <p:spPr>
+              <a:xfrm>
+                <a:off x="5250753" y="4021939"/>
+                <a:ext cx="0" cy="1156226"/>
+              </a:xfrm>
+              <a:prstGeom prst="line">
+                <a:avLst/>
+              </a:prstGeom>
+              <a:ln w="47625">
+                <a:solidFill>
+                  <a:schemeClr val="tx1"/>
+                </a:solidFill>
+              </a:ln>
+            </p:spPr>
+            <p:style>
+              <a:lnRef idx="1">
+                <a:schemeClr val="accent1"/>
+              </a:lnRef>
+              <a:fillRef idx="0">
+                <a:schemeClr val="accent1"/>
+              </a:fillRef>
+              <a:effectRef idx="0">
+                <a:schemeClr val="accent1"/>
+              </a:effectRef>
+              <a:fontRef idx="minor">
+                <a:schemeClr val="tx1"/>
+              </a:fontRef>
+            </p:style>
+          </p:cxnSp>
+          <p:cxnSp>
+            <p:nvCxnSpPr>
+              <p:cNvPr id="25" name="Straight Arrow Connector 24"/>
+              <p:cNvCxnSpPr/>
+              <p:nvPr/>
+            </p:nvCxnSpPr>
+            <p:spPr>
+              <a:xfrm flipV="1">
+                <a:off x="5250753" y="4637912"/>
+                <a:ext cx="349" cy="451187"/>
+              </a:xfrm>
+              <a:prstGeom prst="straightConnector1">
+                <a:avLst/>
+              </a:prstGeom>
+              <a:ln w="38100">
+                <a:solidFill>
+                  <a:schemeClr val="tx1"/>
+                </a:solidFill>
+                <a:tailEnd type="triangle" w="lg" len="lg"/>
+              </a:ln>
+            </p:spPr>
+            <p:style>
+              <a:lnRef idx="1">
+                <a:schemeClr val="accent1"/>
+              </a:lnRef>
+              <a:fillRef idx="0">
+                <a:schemeClr val="accent1"/>
+              </a:fillRef>
+              <a:effectRef idx="0">
+                <a:schemeClr val="accent1"/>
+              </a:effectRef>
+              <a:fontRef idx="minor">
+                <a:schemeClr val="tx1"/>
+              </a:fontRef>
+            </p:style>
+          </p:cxnSp>
+          <mc:AlternateContent xmlns:mc="http://schemas.openxmlformats.org/markup-compatibility/2006">
+            <mc:Choice xmlns:a14="http://schemas.microsoft.com/office/drawing/2010/main" Requires="a14">
+              <p:sp>
+                <p:nvSpPr>
+                  <p:cNvPr id="26" name="TextBox 25"/>
+                  <p:cNvSpPr txBox="1"/>
+                  <p:nvPr/>
+                </p:nvSpPr>
+                <p:spPr>
+                  <a:xfrm>
+                    <a:off x="4715081" y="4781321"/>
+                    <a:ext cx="357547" cy="307777"/>
+                  </a:xfrm>
+                  <a:prstGeom prst="rect">
+                    <a:avLst/>
+                  </a:prstGeom>
+                  <a:noFill/>
+                </p:spPr>
+                <p:txBody>
+                  <a:bodyPr wrap="square" lIns="0" tIns="0" rIns="0" bIns="0" rtlCol="0">
+                    <a:spAutoFit/>
+                  </a:bodyPr>
+                  <a:lstStyle/>
+                  <a:p>
+                    <a:pPr/>
+                    <a14:m>
+                      <m:oMathPara xmlns:m="http://schemas.openxmlformats.org/officeDocument/2006/math">
+                        <m:oMathParaPr>
+                          <m:jc m:val="centerGroup"/>
+                        </m:oMathParaPr>
+                        <m:oMath xmlns:m="http://schemas.openxmlformats.org/officeDocument/2006/math">
+                          <m:sSub>
+                            <m:sSubPr>
+                              <m:ctrlPr>
+                                <a:rPr lang="en-US" sz="2000" b="0" i="0" smtClean="0">
+                                  <a:latin typeface="Cambria Math" panose="02040503050406030204" pitchFamily="18" charset="0"/>
+                                  <a:cs typeface="Arial" panose="020B0604020202020204" pitchFamily="34" charset="0"/>
+                                </a:rPr>
+                              </m:ctrlPr>
+                            </m:sSubPr>
+                            <m:e>
+                              <m:r>
+                                <a:rPr lang="en-US" sz="2000" b="0" i="1" smtClean="0">
+                                  <a:latin typeface="Cambria Math" panose="02040503050406030204" pitchFamily="18" charset="0"/>
+                                  <a:cs typeface="Arial" panose="020B0604020202020204" pitchFamily="34" charset="0"/>
+                                </a:rPr>
+                                <m:t>𝐼</m:t>
+                              </m:r>
+                            </m:e>
+                            <m:sub>
+                              <m:r>
+                                <a:rPr lang="en-US" sz="2000" b="0" i="0" smtClean="0">
+                                  <a:latin typeface="Cambria Math" panose="02040503050406030204" pitchFamily="18" charset="0"/>
+                                  <a:cs typeface="Arial" panose="020B0604020202020204" pitchFamily="34" charset="0"/>
+                                </a:rPr>
+                                <m:t>2</m:t>
+                              </m:r>
+                            </m:sub>
+                          </m:sSub>
+                        </m:oMath>
+                      </m:oMathPara>
+                    </a14:m>
+                    <a:endParaRPr lang="en-US" sz="2000" dirty="0" smtClean="0">
+                      <a:latin typeface="Arial" panose="020B0604020202020204" pitchFamily="34" charset="0"/>
+                      <a:cs typeface="Arial" panose="020B0604020202020204" pitchFamily="34" charset="0"/>
+                    </a:endParaRPr>
+                  </a:p>
+                </p:txBody>
+              </p:sp>
+            </mc:Choice>
+            <mc:Fallback>
+              <p:sp>
+                <p:nvSpPr>
+                  <p:cNvPr id="26" name="TextBox 25"/>
+                  <p:cNvSpPr txBox="1">
+                    <a:spLocks noRot="1" noChangeAspect="1" noMove="1" noResize="1" noEditPoints="1" noAdjustHandles="1" noChangeArrowheads="1" noChangeShapeType="1" noTextEdit="1"/>
+                  </p:cNvSpPr>
+                  <p:nvPr/>
+                </p:nvSpPr>
+                <p:spPr>
+                  <a:xfrm>
+                    <a:off x="4715081" y="4781321"/>
+                    <a:ext cx="357547" cy="307777"/>
+                  </a:xfrm>
+                  <a:prstGeom prst="rect">
+                    <a:avLst/>
+                  </a:prstGeom>
+                  <a:blipFill>
+                    <a:blip r:embed="rId4"/>
+                    <a:stretch>
+                      <a:fillRect l="-3390" b="-20000"/>
+                    </a:stretch>
+                  </a:blipFill>
+                </p:spPr>
+                <p:txBody>
+                  <a:bodyPr/>
+                  <a:lstStyle/>
+                  <a:p>
+                    <a:r>
+                      <a:rPr lang="en-US">
+                        <a:noFill/>
+                      </a:rPr>
+                      <a:t> </a:t>
+                    </a:r>
+                  </a:p>
+                </p:txBody>
+              </p:sp>
+            </mc:Fallback>
+          </mc:AlternateContent>
+          <p:cxnSp>
+            <p:nvCxnSpPr>
+              <p:cNvPr id="27" name="Straight Connector 26"/>
+              <p:cNvCxnSpPr/>
+              <p:nvPr/>
+            </p:nvCxnSpPr>
+            <p:spPr>
+              <a:xfrm flipH="1">
+                <a:off x="5250753" y="3493449"/>
+                <a:ext cx="5515" cy="549354"/>
+              </a:xfrm>
+              <a:prstGeom prst="line">
+                <a:avLst/>
+              </a:prstGeom>
+              <a:ln w="47625">
+                <a:solidFill>
+                  <a:schemeClr val="tx1"/>
+                </a:solidFill>
+                <a:prstDash val="sysDash"/>
+              </a:ln>
+            </p:spPr>
+            <p:style>
+              <a:lnRef idx="1">
+                <a:schemeClr val="accent1"/>
+              </a:lnRef>
+              <a:fillRef idx="0">
+                <a:schemeClr val="accent1"/>
+              </a:fillRef>
+              <a:effectRef idx="0">
+                <a:schemeClr val="accent1"/>
+              </a:effectRef>
+              <a:fontRef idx="minor">
+                <a:schemeClr val="tx1"/>
+              </a:fontRef>
+            </p:style>
+          </p:cxnSp>
+          <mc:AlternateContent xmlns:mc="http://schemas.openxmlformats.org/markup-compatibility/2006">
+            <mc:Choice xmlns:a14="http://schemas.microsoft.com/office/drawing/2010/main" Requires="a14">
+              <p:sp>
+                <p:nvSpPr>
+                  <p:cNvPr id="28" name="TextBox 27"/>
+                  <p:cNvSpPr txBox="1"/>
+                  <p:nvPr/>
+                </p:nvSpPr>
+                <p:spPr>
+                  <a:xfrm>
+                    <a:off x="4326684" y="3212734"/>
+                    <a:ext cx="347211" cy="345159"/>
+                  </a:xfrm>
+                  <a:prstGeom prst="rect">
+                    <a:avLst/>
+                  </a:prstGeom>
+                  <a:noFill/>
+                </p:spPr>
+                <p:txBody>
+                  <a:bodyPr wrap="none" lIns="0" tIns="0" rIns="0" bIns="0" rtlCol="0">
+                    <a:spAutoFit/>
+                  </a:bodyPr>
+                  <a:lstStyle/>
+                  <a:p>
+                    <a:pPr/>
+                    <a14:m>
+                      <m:oMathPara xmlns:m="http://schemas.openxmlformats.org/officeDocument/2006/math">
+                        <m:oMathParaPr>
+                          <m:jc m:val="centerGroup"/>
+                        </m:oMathParaPr>
+                        <m:oMath xmlns:m="http://schemas.openxmlformats.org/officeDocument/2006/math">
+                          <m:sSub>
+                            <m:sSubPr>
+                              <m:ctrlPr>
+                                <a:rPr lang="en-US" sz="2000" b="0" i="0" smtClean="0">
+                                  <a:solidFill>
+                                    <a:srgbClr val="FF0000"/>
+                                  </a:solidFill>
+                                  <a:latin typeface="Cambria Math" panose="02040503050406030204" pitchFamily="18" charset="0"/>
+                                  <a:cs typeface="Arial" panose="020B0604020202020204" pitchFamily="34" charset="0"/>
+                                </a:rPr>
+                              </m:ctrlPr>
+                            </m:sSubPr>
+                            <m:e>
+                              <m:acc>
+                                <m:accPr>
+                                  <m:chr m:val="⃗"/>
+                                  <m:ctrlPr>
+                                    <a:rPr lang="en-US" sz="2000" b="0" i="1" smtClean="0">
+                                      <a:solidFill>
+                                        <a:srgbClr val="FF0000"/>
+                                      </a:solidFill>
+                                      <a:latin typeface="Cambria Math" panose="02040503050406030204" pitchFamily="18" charset="0"/>
+                                      <a:cs typeface="Arial" panose="020B0604020202020204" pitchFamily="34" charset="0"/>
+                                    </a:rPr>
+                                  </m:ctrlPr>
+                                </m:accPr>
+                                <m:e>
+                                  <m:r>
+                                    <a:rPr lang="en-US" sz="2000" b="0" i="1" smtClean="0">
+                                      <a:solidFill>
+                                        <a:srgbClr val="FF0000"/>
+                                      </a:solidFill>
+                                      <a:latin typeface="Cambria Math" panose="02040503050406030204" pitchFamily="18" charset="0"/>
+                                      <a:cs typeface="Arial" panose="020B0604020202020204" pitchFamily="34" charset="0"/>
+                                    </a:rPr>
+                                    <m:t>𝐵</m:t>
+                                  </m:r>
+                                </m:e>
+                              </m:acc>
+                            </m:e>
+                            <m:sub>
+                              <m:r>
+                                <a:rPr lang="en-US" sz="2000" b="0" i="0" smtClean="0">
+                                  <a:solidFill>
+                                    <a:srgbClr val="FF0000"/>
+                                  </a:solidFill>
+                                  <a:latin typeface="Cambria Math" panose="02040503050406030204" pitchFamily="18" charset="0"/>
+                                  <a:cs typeface="Arial" panose="020B0604020202020204" pitchFamily="34" charset="0"/>
+                                </a:rPr>
+                                <m:t>2</m:t>
+                              </m:r>
+                            </m:sub>
+                          </m:sSub>
+                        </m:oMath>
+                      </m:oMathPara>
+                    </a14:m>
+                    <a:endParaRPr lang="en-US" sz="2000" dirty="0" smtClean="0">
+                      <a:solidFill>
+                        <a:srgbClr val="FF0000"/>
+                      </a:solidFill>
+                      <a:latin typeface="Arial" panose="020B0604020202020204" pitchFamily="34" charset="0"/>
+                      <a:cs typeface="Arial" panose="020B0604020202020204" pitchFamily="34" charset="0"/>
+                    </a:endParaRPr>
+                  </a:p>
+                </p:txBody>
+              </p:sp>
+            </mc:Choice>
+            <mc:Fallback>
+              <p:sp>
+                <p:nvSpPr>
+                  <p:cNvPr id="28" name="TextBox 27"/>
+                  <p:cNvSpPr txBox="1">
+                    <a:spLocks noRot="1" noChangeAspect="1" noMove="1" noResize="1" noEditPoints="1" noAdjustHandles="1" noChangeArrowheads="1" noChangeShapeType="1" noTextEdit="1"/>
+                  </p:cNvSpPr>
+                  <p:nvPr/>
+                </p:nvSpPr>
+                <p:spPr>
+                  <a:xfrm>
+                    <a:off x="4326684" y="3212734"/>
+                    <a:ext cx="347211" cy="345159"/>
+                  </a:xfrm>
+                  <a:prstGeom prst="rect">
+                    <a:avLst/>
+                  </a:prstGeom>
+                  <a:blipFill>
+                    <a:blip r:embed="rId5"/>
+                    <a:stretch>
+                      <a:fillRect l="-14035" r="-7018" b="-17857"/>
+                    </a:stretch>
+                  </a:blipFill>
+                </p:spPr>
+                <p:txBody>
+                  <a:bodyPr/>
+                  <a:lstStyle/>
+                  <a:p>
+                    <a:r>
+                      <a:rPr lang="en-US">
+                        <a:noFill/>
+                      </a:rPr>
+                      <a:t> </a:t>
+                    </a:r>
+                  </a:p>
+                </p:txBody>
+              </p:sp>
+            </mc:Fallback>
+          </mc:AlternateContent>
+          <p:grpSp>
+            <p:nvGrpSpPr>
+              <p:cNvPr id="29" name="Group 28"/>
+              <p:cNvGrpSpPr/>
+              <p:nvPr/>
+            </p:nvGrpSpPr>
+            <p:grpSpPr>
+              <a:xfrm>
+                <a:off x="4812558" y="3627475"/>
+                <a:ext cx="882650" cy="222754"/>
+                <a:chOff x="9055100" y="3993844"/>
+                <a:chExt cx="882650" cy="247348"/>
+              </a:xfrm>
+            </p:grpSpPr>
+            <p:sp>
+              <p:nvSpPr>
+                <p:cNvPr id="30" name="Oval 29"/>
+                <p:cNvSpPr/>
+                <p:nvPr/>
+              </p:nvSpPr>
+              <p:spPr>
+                <a:xfrm>
+                  <a:off x="9055100" y="3993844"/>
+                  <a:ext cx="882650" cy="247348"/>
+                </a:xfrm>
+                <a:prstGeom prst="ellipse">
+                  <a:avLst/>
+                </a:prstGeom>
+                <a:noFill/>
+                <a:ln w="38100">
+                  <a:solidFill>
+                    <a:srgbClr val="FF0000"/>
+                  </a:solidFill>
+                </a:ln>
+              </p:spPr>
+              <p:style>
+                <a:lnRef idx="2">
+                  <a:schemeClr val="accent1">
+                    <a:shade val="50000"/>
+                  </a:schemeClr>
+                </a:lnRef>
+                <a:fillRef idx="1">
+                  <a:schemeClr val="accent1"/>
+                </a:fillRef>
+                <a:effectRef idx="0">
+                  <a:schemeClr val="accent1"/>
+                </a:effectRef>
+                <a:fontRef idx="minor">
+                  <a:schemeClr val="lt1"/>
+                </a:fontRef>
+              </p:style>
+              <p:txBody>
+                <a:bodyPr rtlCol="0" anchor="ctr"/>
+                <a:lstStyle/>
+                <a:p>
+                  <a:pPr algn="ctr"/>
+                  <a:endParaRPr lang="en-US"/>
+                </a:p>
+              </p:txBody>
+            </p:sp>
+            <p:cxnSp>
+              <p:nvCxnSpPr>
+                <p:cNvPr id="31" name="Straight Arrow Connector 30"/>
+                <p:cNvCxnSpPr/>
+                <p:nvPr/>
+              </p:nvCxnSpPr>
+              <p:spPr>
+                <a:xfrm flipV="1">
+                  <a:off x="9703011" y="4205424"/>
+                  <a:ext cx="116205" cy="30118"/>
+                </a:xfrm>
+                <a:prstGeom prst="straightConnector1">
+                  <a:avLst/>
+                </a:prstGeom>
+                <a:ln w="38100">
+                  <a:solidFill>
+                    <a:srgbClr val="FF0000"/>
+                  </a:solidFill>
+                  <a:tailEnd type="triangle"/>
+                </a:ln>
+              </p:spPr>
+              <p:style>
+                <a:lnRef idx="1">
+                  <a:schemeClr val="accent1"/>
+                </a:lnRef>
+                <a:fillRef idx="0">
+                  <a:schemeClr val="accent1"/>
+                </a:fillRef>
+                <a:effectRef idx="0">
+                  <a:schemeClr val="accent1"/>
+                </a:effectRef>
+                <a:fontRef idx="minor">
+                  <a:schemeClr val="tx1"/>
+                </a:fontRef>
+              </p:style>
+            </p:cxnSp>
+          </p:grpSp>
+          <p:grpSp>
+            <p:nvGrpSpPr>
+              <p:cNvPr id="32" name="Group 31"/>
+              <p:cNvGrpSpPr/>
+              <p:nvPr/>
+            </p:nvGrpSpPr>
+            <p:grpSpPr>
+              <a:xfrm>
+                <a:off x="4537513" y="3557893"/>
+                <a:ext cx="1426482" cy="360000"/>
+                <a:chOff x="9055100" y="3993844"/>
+                <a:chExt cx="882650" cy="247348"/>
+              </a:xfrm>
+            </p:grpSpPr>
+            <p:sp>
+              <p:nvSpPr>
+                <p:cNvPr id="33" name="Oval 32"/>
+                <p:cNvSpPr/>
+                <p:nvPr/>
+              </p:nvSpPr>
+              <p:spPr>
+                <a:xfrm>
+                  <a:off x="9055100" y="3993844"/>
+                  <a:ext cx="882650" cy="247348"/>
+                </a:xfrm>
+                <a:prstGeom prst="ellipse">
+                  <a:avLst/>
+                </a:prstGeom>
+                <a:noFill/>
+                <a:ln w="38100">
+                  <a:solidFill>
+                    <a:srgbClr val="FF0000"/>
+                  </a:solidFill>
+                </a:ln>
+              </p:spPr>
+              <p:style>
+                <a:lnRef idx="2">
+                  <a:schemeClr val="accent1">
+                    <a:shade val="50000"/>
+                  </a:schemeClr>
+                </a:lnRef>
+                <a:fillRef idx="1">
+                  <a:schemeClr val="accent1"/>
+                </a:fillRef>
+                <a:effectRef idx="0">
+                  <a:schemeClr val="accent1"/>
+                </a:effectRef>
+                <a:fontRef idx="minor">
+                  <a:schemeClr val="lt1"/>
+                </a:fontRef>
+              </p:style>
+              <p:txBody>
+                <a:bodyPr rtlCol="0" anchor="ctr"/>
+                <a:lstStyle/>
+                <a:p>
+                  <a:pPr algn="ctr"/>
+                  <a:endParaRPr lang="en-US"/>
+                </a:p>
+              </p:txBody>
+            </p:sp>
+            <p:cxnSp>
+              <p:nvCxnSpPr>
+                <p:cNvPr id="34" name="Straight Arrow Connector 33"/>
+                <p:cNvCxnSpPr/>
+                <p:nvPr/>
+              </p:nvCxnSpPr>
+              <p:spPr>
+                <a:xfrm flipV="1">
+                  <a:off x="9713401" y="4207939"/>
+                  <a:ext cx="58035" cy="19164"/>
+                </a:xfrm>
+                <a:prstGeom prst="straightConnector1">
+                  <a:avLst/>
+                </a:prstGeom>
+                <a:ln w="38100">
+                  <a:solidFill>
+                    <a:srgbClr val="FF0000"/>
+                  </a:solidFill>
+                  <a:tailEnd type="triangle"/>
+                </a:ln>
+              </p:spPr>
+              <p:style>
+                <a:lnRef idx="1">
+                  <a:schemeClr val="accent1"/>
+                </a:lnRef>
+                <a:fillRef idx="0">
+                  <a:schemeClr val="accent1"/>
+                </a:fillRef>
+                <a:effectRef idx="0">
+                  <a:schemeClr val="accent1"/>
+                </a:effectRef>
+                <a:fontRef idx="minor">
+                  <a:schemeClr val="tx1"/>
+                </a:fontRef>
+              </p:style>
+            </p:cxnSp>
+          </p:grpSp>
+          <p:grpSp>
+            <p:nvGrpSpPr>
+              <p:cNvPr id="35" name="Group 34"/>
+              <p:cNvGrpSpPr/>
+              <p:nvPr/>
+            </p:nvGrpSpPr>
+            <p:grpSpPr>
+              <a:xfrm>
+                <a:off x="5029362" y="3692588"/>
+                <a:ext cx="442783" cy="111748"/>
+                <a:chOff x="9055100" y="3993838"/>
+                <a:chExt cx="882650" cy="247354"/>
+              </a:xfrm>
+            </p:grpSpPr>
+            <p:sp>
+              <p:nvSpPr>
+                <p:cNvPr id="36" name="Oval 35"/>
+                <p:cNvSpPr/>
+                <p:nvPr/>
+              </p:nvSpPr>
+              <p:spPr>
+                <a:xfrm>
+                  <a:off x="9055100" y="3993838"/>
+                  <a:ext cx="882650" cy="247348"/>
+                </a:xfrm>
+                <a:prstGeom prst="ellipse">
+                  <a:avLst/>
+                </a:prstGeom>
+                <a:noFill/>
+                <a:ln w="38100">
+                  <a:solidFill>
+                    <a:srgbClr val="FF0000"/>
+                  </a:solidFill>
+                </a:ln>
+              </p:spPr>
+              <p:style>
+                <a:lnRef idx="2">
+                  <a:schemeClr val="accent1">
+                    <a:shade val="50000"/>
+                  </a:schemeClr>
+                </a:lnRef>
+                <a:fillRef idx="1">
+                  <a:schemeClr val="accent1"/>
+                </a:fillRef>
+                <a:effectRef idx="0">
+                  <a:schemeClr val="accent1"/>
+                </a:effectRef>
+                <a:fontRef idx="minor">
+                  <a:schemeClr val="lt1"/>
+                </a:fontRef>
+              </p:style>
+              <p:txBody>
+                <a:bodyPr rtlCol="0" anchor="ctr"/>
+                <a:lstStyle/>
+                <a:p>
+                  <a:pPr algn="ctr"/>
+                  <a:endParaRPr lang="en-US"/>
+                </a:p>
+              </p:txBody>
+            </p:sp>
+            <p:cxnSp>
+              <p:nvCxnSpPr>
+                <p:cNvPr id="37" name="Straight Arrow Connector 36"/>
+                <p:cNvCxnSpPr/>
+                <p:nvPr/>
+              </p:nvCxnSpPr>
+              <p:spPr>
+                <a:xfrm flipV="1">
+                  <a:off x="9631680" y="4211074"/>
+                  <a:ext cx="116205" cy="30118"/>
+                </a:xfrm>
+                <a:prstGeom prst="straightConnector1">
+                  <a:avLst/>
+                </a:prstGeom>
+                <a:ln w="38100">
+                  <a:solidFill>
+                    <a:srgbClr val="FF0000"/>
+                  </a:solidFill>
+                  <a:tailEnd type="triangle"/>
+                </a:ln>
+              </p:spPr>
+              <p:style>
+                <a:lnRef idx="1">
+                  <a:schemeClr val="accent1"/>
+                </a:lnRef>
+                <a:fillRef idx="0">
+                  <a:schemeClr val="accent1"/>
+                </a:fillRef>
+                <a:effectRef idx="0">
+                  <a:schemeClr val="accent1"/>
+                </a:effectRef>
+                <a:fontRef idx="minor">
+                  <a:schemeClr val="tx1"/>
+                </a:fontRef>
+              </p:style>
+            </p:cxnSp>
+          </p:grpSp>
+          <p:cxnSp>
+            <p:nvCxnSpPr>
+              <p:cNvPr id="38" name="Straight Connector 37"/>
+              <p:cNvCxnSpPr>
+                <a:endCxn id="36" idx="0"/>
+              </p:cNvCxnSpPr>
+              <p:nvPr/>
+            </p:nvCxnSpPr>
+            <p:spPr>
+              <a:xfrm flipH="1">
+                <a:off x="5250754" y="1836252"/>
+                <a:ext cx="5514" cy="1856336"/>
+              </a:xfrm>
+              <a:prstGeom prst="line">
+                <a:avLst/>
+              </a:prstGeom>
+              <a:ln w="47625">
+                <a:solidFill>
+                  <a:schemeClr val="tx1"/>
+                </a:solidFill>
+              </a:ln>
+            </p:spPr>
+            <p:style>
+              <a:lnRef idx="1">
+                <a:schemeClr val="accent1"/>
+              </a:lnRef>
+              <a:fillRef idx="0">
+                <a:schemeClr val="accent1"/>
+              </a:fillRef>
+              <a:effectRef idx="0">
+                <a:schemeClr val="accent1"/>
+              </a:effectRef>
+              <a:fontRef idx="minor">
+                <a:schemeClr val="tx1"/>
+              </a:fontRef>
+            </p:style>
+          </p:cxnSp>
+          <p:cxnSp>
+            <p:nvCxnSpPr>
+              <p:cNvPr id="45" name="Straight Arrow Connector 44"/>
+              <p:cNvCxnSpPr/>
+              <p:nvPr/>
+            </p:nvCxnSpPr>
+            <p:spPr>
+              <a:xfrm flipH="1">
+                <a:off x="4661357" y="2528169"/>
+                <a:ext cx="594911" cy="11016"/>
+              </a:xfrm>
+              <a:prstGeom prst="straightConnector1">
+                <a:avLst/>
+              </a:prstGeom>
+              <a:ln w="38100">
+                <a:solidFill>
+                  <a:schemeClr val="tx1"/>
+                </a:solidFill>
+                <a:tailEnd type="triangle"/>
+              </a:ln>
+            </p:spPr>
+            <p:style>
+              <a:lnRef idx="1">
+                <a:schemeClr val="accent1"/>
+              </a:lnRef>
+              <a:fillRef idx="0">
+                <a:schemeClr val="accent1"/>
+              </a:fillRef>
+              <a:effectRef idx="0">
+                <a:schemeClr val="accent1"/>
+              </a:effectRef>
+              <a:fontRef idx="minor">
+                <a:schemeClr val="tx1"/>
+              </a:fontRef>
+            </p:style>
+          </p:cxnSp>
+          <mc:AlternateContent xmlns:mc="http://schemas.openxmlformats.org/markup-compatibility/2006">
+            <mc:Choice xmlns:a14="http://schemas.microsoft.com/office/drawing/2010/main" Requires="a14">
+              <p:sp>
+                <p:nvSpPr>
+                  <p:cNvPr id="46" name="TextBox 45"/>
+                  <p:cNvSpPr txBox="1"/>
+                  <p:nvPr/>
+                </p:nvSpPr>
+                <p:spPr>
+                  <a:xfrm>
+                    <a:off x="4710107" y="2012472"/>
+                    <a:ext cx="319255" cy="345159"/>
+                  </a:xfrm>
+                  <a:prstGeom prst="rect">
+                    <a:avLst/>
+                  </a:prstGeom>
+                  <a:noFill/>
+                </p:spPr>
+                <p:txBody>
+                  <a:bodyPr wrap="none" lIns="0" tIns="0" rIns="0" bIns="0" rtlCol="0">
+                    <a:spAutoFit/>
+                  </a:bodyPr>
+                  <a:lstStyle/>
+                  <a:p>
+                    <a14:m>
+                      <m:oMathPara xmlns:m="http://schemas.openxmlformats.org/officeDocument/2006/math">
+                        <m:oMathParaPr>
+                          <m:jc m:val="centerGroup"/>
+                        </m:oMathParaPr>
+                        <m:oMath xmlns:m="http://schemas.openxmlformats.org/officeDocument/2006/math">
+                          <m:sSub>
+                            <m:sSubPr>
+                              <m:ctrlPr>
+                                <a:rPr lang="en-US" sz="2000" b="0" i="1" smtClean="0">
+                                  <a:latin typeface="Cambria Math" panose="02040503050406030204" pitchFamily="18" charset="0"/>
+                                  <a:cs typeface="Arial" panose="020B0604020202020204" pitchFamily="34" charset="0"/>
+                                </a:rPr>
+                              </m:ctrlPr>
+                            </m:sSubPr>
+                            <m:e>
+                              <m:acc>
+                                <m:accPr>
+                                  <m:chr m:val="⃗"/>
+                                  <m:ctrlPr>
+                                    <a:rPr lang="en-US" sz="2000" b="0" i="1" smtClean="0">
+                                      <a:latin typeface="Cambria Math" panose="02040503050406030204" pitchFamily="18" charset="0"/>
+                                      <a:cs typeface="Arial" panose="020B0604020202020204" pitchFamily="34" charset="0"/>
+                                    </a:rPr>
+                                  </m:ctrlPr>
+                                </m:accPr>
+                                <m:e>
+                                  <m:r>
+                                    <a:rPr lang="en-US" sz="2000" b="0" i="1" smtClean="0">
+                                      <a:latin typeface="Cambria Math" panose="02040503050406030204" pitchFamily="18" charset="0"/>
+                                      <a:cs typeface="Arial" panose="020B0604020202020204" pitchFamily="34" charset="0"/>
+                                    </a:rPr>
+                                    <m:t>𝐹</m:t>
+                                  </m:r>
+                                </m:e>
+                              </m:acc>
+                            </m:e>
+                            <m:sub>
+                              <m:r>
+                                <a:rPr lang="en-US" sz="2000" b="0" i="1" smtClean="0">
+                                  <a:latin typeface="Cambria Math" panose="02040503050406030204" pitchFamily="18" charset="0"/>
+                                  <a:cs typeface="Arial" panose="020B0604020202020204" pitchFamily="34" charset="0"/>
+                                </a:rPr>
+                                <m:t>2</m:t>
+                              </m:r>
+                            </m:sub>
+                          </m:sSub>
+                        </m:oMath>
+                      </m:oMathPara>
+                    </a14:m>
+                    <a:endParaRPr lang="en-US" sz="2000" dirty="0" smtClean="0">
+                      <a:latin typeface="Arial" panose="020B0604020202020204" pitchFamily="34" charset="0"/>
+                      <a:cs typeface="Arial" panose="020B0604020202020204" pitchFamily="34" charset="0"/>
+                    </a:endParaRPr>
+                  </a:p>
+                </p:txBody>
+              </p:sp>
+            </mc:Choice>
+            <mc:Fallback>
+              <p:sp>
+                <p:nvSpPr>
+                  <p:cNvPr id="46" name="TextBox 45"/>
+                  <p:cNvSpPr txBox="1">
+                    <a:spLocks noRot="1" noChangeAspect="1" noMove="1" noResize="1" noEditPoints="1" noAdjustHandles="1" noChangeArrowheads="1" noChangeShapeType="1" noTextEdit="1"/>
+                  </p:cNvSpPr>
+                  <p:nvPr/>
+                </p:nvSpPr>
+                <p:spPr>
+                  <a:xfrm>
+                    <a:off x="4710107" y="2012472"/>
+                    <a:ext cx="319255" cy="345159"/>
+                  </a:xfrm>
+                  <a:prstGeom prst="rect">
+                    <a:avLst/>
+                  </a:prstGeom>
+                  <a:blipFill>
+                    <a:blip r:embed="rId6"/>
+                    <a:stretch>
+                      <a:fillRect l="-15385" t="-35714" r="-69231" b="-17857"/>
+                    </a:stretch>
+                  </a:blipFill>
+                </p:spPr>
+                <p:txBody>
+                  <a:bodyPr/>
+                  <a:lstStyle/>
+                  <a:p>
+                    <a:r>
+                      <a:rPr lang="en-US">
+                        <a:noFill/>
+                      </a:rPr>
+                      <a:t> </a:t>
+                    </a:r>
+                  </a:p>
+                </p:txBody>
+              </p:sp>
+            </mc:Fallback>
+          </mc:AlternateContent>
+          <p:cxnSp>
+            <p:nvCxnSpPr>
+              <p:cNvPr id="47" name="Straight Arrow Connector 46"/>
+              <p:cNvCxnSpPr/>
+              <p:nvPr/>
+            </p:nvCxnSpPr>
+            <p:spPr>
+              <a:xfrm flipV="1">
+                <a:off x="3395337" y="2528169"/>
+                <a:ext cx="595092" cy="9183"/>
+              </a:xfrm>
+              <a:prstGeom prst="straightConnector1">
+                <a:avLst/>
+              </a:prstGeom>
+              <a:ln w="38100">
+                <a:solidFill>
+                  <a:schemeClr val="tx1"/>
+                </a:solidFill>
+                <a:tailEnd type="triangle"/>
+              </a:ln>
+            </p:spPr>
+            <p:style>
+              <a:lnRef idx="1">
+                <a:schemeClr val="accent1"/>
+              </a:lnRef>
+              <a:fillRef idx="0">
+                <a:schemeClr val="accent1"/>
+              </a:fillRef>
+              <a:effectRef idx="0">
+                <a:schemeClr val="accent1"/>
+              </a:effectRef>
+              <a:fontRef idx="minor">
+                <a:schemeClr val="tx1"/>
+              </a:fontRef>
+            </p:style>
+          </p:cxnSp>
+          <mc:AlternateContent xmlns:mc="http://schemas.openxmlformats.org/markup-compatibility/2006">
+            <mc:Choice xmlns:a14="http://schemas.microsoft.com/office/drawing/2010/main" Requires="a14">
+              <p:sp>
+                <p:nvSpPr>
+                  <p:cNvPr id="50" name="TextBox 49"/>
+                  <p:cNvSpPr txBox="1"/>
+                  <p:nvPr/>
+                </p:nvSpPr>
+                <p:spPr>
+                  <a:xfrm>
+                    <a:off x="3538180" y="2010006"/>
+                    <a:ext cx="319255" cy="345159"/>
+                  </a:xfrm>
+                  <a:prstGeom prst="rect">
+                    <a:avLst/>
+                  </a:prstGeom>
+                  <a:noFill/>
+                </p:spPr>
+                <p:txBody>
+                  <a:bodyPr wrap="none" lIns="0" tIns="0" rIns="0" bIns="0" rtlCol="0">
+                    <a:spAutoFit/>
+                  </a:bodyPr>
+                  <a:lstStyle/>
+                  <a:p>
+                    <a14:m>
+                      <m:oMathPara xmlns:m="http://schemas.openxmlformats.org/officeDocument/2006/math">
+                        <m:oMathParaPr>
+                          <m:jc m:val="centerGroup"/>
+                        </m:oMathParaPr>
+                        <m:oMath xmlns:m="http://schemas.openxmlformats.org/officeDocument/2006/math">
+                          <m:sSub>
+                            <m:sSubPr>
+                              <m:ctrlPr>
+                                <a:rPr lang="en-US" sz="2000" b="0" i="1" smtClean="0">
+                                  <a:latin typeface="Cambria Math" panose="02040503050406030204" pitchFamily="18" charset="0"/>
+                                  <a:cs typeface="Arial" panose="020B0604020202020204" pitchFamily="34" charset="0"/>
+                                </a:rPr>
+                              </m:ctrlPr>
+                            </m:sSubPr>
+                            <m:e>
+                              <m:acc>
+                                <m:accPr>
+                                  <m:chr m:val="⃗"/>
+                                  <m:ctrlPr>
+                                    <a:rPr lang="en-US" sz="2000" b="0" i="1" smtClean="0">
+                                      <a:latin typeface="Cambria Math" panose="02040503050406030204" pitchFamily="18" charset="0"/>
+                                      <a:cs typeface="Arial" panose="020B0604020202020204" pitchFamily="34" charset="0"/>
+                                    </a:rPr>
+                                  </m:ctrlPr>
+                                </m:accPr>
+                                <m:e>
+                                  <m:r>
+                                    <a:rPr lang="en-US" sz="2000" b="0" i="1" smtClean="0">
+                                      <a:latin typeface="Cambria Math" panose="02040503050406030204" pitchFamily="18" charset="0"/>
+                                      <a:cs typeface="Arial" panose="020B0604020202020204" pitchFamily="34" charset="0"/>
+                                    </a:rPr>
+                                    <m:t>𝐹</m:t>
+                                  </m:r>
+                                </m:e>
+                              </m:acc>
+                            </m:e>
+                            <m:sub>
+                              <m:r>
+                                <a:rPr lang="en-US" sz="2000" b="0" i="1" smtClean="0">
+                                  <a:latin typeface="Cambria Math" panose="02040503050406030204" pitchFamily="18" charset="0"/>
+                                  <a:cs typeface="Arial" panose="020B0604020202020204" pitchFamily="34" charset="0"/>
+                                </a:rPr>
+                                <m:t>1</m:t>
+                              </m:r>
+                            </m:sub>
+                          </m:sSub>
+                        </m:oMath>
+                      </m:oMathPara>
+                    </a14:m>
+                    <a:endParaRPr lang="en-US" sz="2000" dirty="0" smtClean="0">
+                      <a:latin typeface="Arial" panose="020B0604020202020204" pitchFamily="34" charset="0"/>
+                      <a:cs typeface="Arial" panose="020B0604020202020204" pitchFamily="34" charset="0"/>
+                    </a:endParaRPr>
+                  </a:p>
+                </p:txBody>
+              </p:sp>
+            </mc:Choice>
+            <mc:Fallback>
+              <p:sp>
+                <p:nvSpPr>
+                  <p:cNvPr id="50" name="TextBox 49"/>
+                  <p:cNvSpPr txBox="1">
+                    <a:spLocks noRot="1" noChangeAspect="1" noMove="1" noResize="1" noEditPoints="1" noAdjustHandles="1" noChangeArrowheads="1" noChangeShapeType="1" noTextEdit="1"/>
+                  </p:cNvSpPr>
+                  <p:nvPr/>
+                </p:nvSpPr>
+                <p:spPr>
+                  <a:xfrm>
+                    <a:off x="3538180" y="2010006"/>
+                    <a:ext cx="319255" cy="345159"/>
+                  </a:xfrm>
+                  <a:prstGeom prst="rect">
+                    <a:avLst/>
+                  </a:prstGeom>
+                  <a:blipFill>
+                    <a:blip r:embed="rId7"/>
+                    <a:stretch>
+                      <a:fillRect l="-17308" t="-33333" r="-67308" b="-15789"/>
+                    </a:stretch>
+                  </a:blipFill>
+                </p:spPr>
+                <p:txBody>
+                  <a:bodyPr/>
+                  <a:lstStyle/>
+                  <a:p>
+                    <a:r>
+                      <a:rPr lang="en-US">
+                        <a:noFill/>
+                      </a:rPr>
+                      <a:t> </a:t>
+                    </a:r>
+                  </a:p>
+                </p:txBody>
+              </p:sp>
+            </mc:Fallback>
+          </mc:AlternateContent>
+          <p:grpSp>
+            <p:nvGrpSpPr>
+              <p:cNvPr id="87" name="Group 86"/>
+              <p:cNvGrpSpPr/>
+              <p:nvPr/>
+            </p:nvGrpSpPr>
+            <p:grpSpPr>
+              <a:xfrm>
+                <a:off x="3207446" y="2379367"/>
+                <a:ext cx="319032" cy="315970"/>
+                <a:chOff x="6855696" y="5102145"/>
+                <a:chExt cx="319032" cy="315970"/>
+              </a:xfrm>
+            </p:grpSpPr>
+            <p:sp>
+              <p:nvSpPr>
+                <p:cNvPr id="106" name="Oval 105"/>
+                <p:cNvSpPr/>
+                <p:nvPr/>
+              </p:nvSpPr>
+              <p:spPr>
+                <a:xfrm>
+                  <a:off x="6855696" y="5102145"/>
+                  <a:ext cx="319032" cy="315970"/>
+                </a:xfrm>
+                <a:prstGeom prst="ellipse">
+                  <a:avLst/>
+                </a:prstGeom>
+                <a:noFill/>
+                <a:ln w="38100">
+                  <a:solidFill>
+                    <a:srgbClr val="FF0000"/>
+                  </a:solidFill>
+                </a:ln>
+              </p:spPr>
+              <p:style>
+                <a:lnRef idx="2">
+                  <a:schemeClr val="accent1">
+                    <a:shade val="50000"/>
+                  </a:schemeClr>
+                </a:lnRef>
+                <a:fillRef idx="1">
+                  <a:schemeClr val="accent1"/>
+                </a:fillRef>
+                <a:effectRef idx="0">
+                  <a:schemeClr val="accent1"/>
+                </a:effectRef>
+                <a:fontRef idx="minor">
+                  <a:schemeClr val="lt1"/>
+                </a:fontRef>
+              </p:style>
+              <p:txBody>
+                <a:bodyPr rtlCol="0" anchor="ctr"/>
+                <a:lstStyle/>
+                <a:p>
+                  <a:pPr algn="ctr"/>
+                  <a:endParaRPr lang="en-US"/>
+                </a:p>
+              </p:txBody>
+            </p:sp>
+            <p:sp>
+              <p:nvSpPr>
+                <p:cNvPr id="107" name="Oval 106"/>
+                <p:cNvSpPr/>
+                <p:nvPr/>
+              </p:nvSpPr>
+              <p:spPr>
+                <a:xfrm>
+                  <a:off x="6992352" y="5237270"/>
+                  <a:ext cx="45719" cy="45719"/>
+                </a:xfrm>
+                <a:prstGeom prst="ellipse">
+                  <a:avLst/>
+                </a:prstGeom>
+                <a:solidFill>
+                  <a:schemeClr val="tx1"/>
+                </a:solidFill>
+                <a:ln w="38100">
+                  <a:solidFill>
+                    <a:srgbClr val="FF0000"/>
+                  </a:solidFill>
+                </a:ln>
+              </p:spPr>
+              <p:style>
+                <a:lnRef idx="2">
+                  <a:schemeClr val="accent1">
+                    <a:shade val="50000"/>
+                  </a:schemeClr>
+                </a:lnRef>
+                <a:fillRef idx="1">
+                  <a:schemeClr val="accent1"/>
+                </a:fillRef>
+                <a:effectRef idx="0">
+                  <a:schemeClr val="accent1"/>
+                </a:effectRef>
+                <a:fontRef idx="minor">
+                  <a:schemeClr val="lt1"/>
+                </a:fontRef>
+              </p:style>
+              <p:txBody>
+                <a:bodyPr rtlCol="0" anchor="ctr"/>
+                <a:lstStyle/>
+                <a:p>
+                  <a:pPr algn="ctr"/>
+                  <a:endParaRPr lang="en-US"/>
+                </a:p>
+              </p:txBody>
+            </p:sp>
+          </p:grpSp>
+          <mc:AlternateContent xmlns:mc="http://schemas.openxmlformats.org/markup-compatibility/2006">
+            <mc:Choice xmlns:a14="http://schemas.microsoft.com/office/drawing/2010/main" Requires="a14">
+              <p:sp>
+                <p:nvSpPr>
+                  <p:cNvPr id="178" name="TextBox 177"/>
+                  <p:cNvSpPr txBox="1"/>
+                  <p:nvPr/>
+                </p:nvSpPr>
+                <p:spPr>
+                  <a:xfrm>
+                    <a:off x="5467558" y="2276215"/>
+                    <a:ext cx="341247" cy="345159"/>
+                  </a:xfrm>
+                  <a:prstGeom prst="rect">
+                    <a:avLst/>
+                  </a:prstGeom>
+                  <a:noFill/>
+                </p:spPr>
+                <p:txBody>
+                  <a:bodyPr wrap="none" lIns="0" tIns="0" rIns="0" bIns="0" rtlCol="0">
+                    <a:spAutoFit/>
+                  </a:bodyPr>
+                  <a:lstStyle/>
+                  <a:p>
+                    <a:pPr/>
+                    <a14:m>
+                      <m:oMathPara xmlns:m="http://schemas.openxmlformats.org/officeDocument/2006/math">
+                        <m:oMathParaPr>
+                          <m:jc m:val="centerGroup"/>
+                        </m:oMathParaPr>
+                        <m:oMath xmlns:m="http://schemas.openxmlformats.org/officeDocument/2006/math">
+                          <m:sSub>
+                            <m:sSubPr>
+                              <m:ctrlPr>
+                                <a:rPr lang="en-US" sz="2000" b="0" i="1" smtClean="0">
+                                  <a:solidFill>
+                                    <a:srgbClr val="FF0000"/>
+                                  </a:solidFill>
+                                  <a:latin typeface="Cambria Math" panose="02040503050406030204" pitchFamily="18" charset="0"/>
+                                  <a:cs typeface="Arial" panose="020B0604020202020204" pitchFamily="34" charset="0"/>
+                                </a:rPr>
+                              </m:ctrlPr>
+                            </m:sSubPr>
+                            <m:e>
+                              <m:acc>
+                                <m:accPr>
+                                  <m:chr m:val="⃗"/>
+                                  <m:ctrlPr>
+                                    <a:rPr lang="en-US" sz="2000" b="0" i="1" smtClean="0">
+                                      <a:solidFill>
+                                        <a:srgbClr val="FF0000"/>
+                                      </a:solidFill>
+                                      <a:latin typeface="Cambria Math" panose="02040503050406030204" pitchFamily="18" charset="0"/>
+                                      <a:cs typeface="Arial" panose="020B0604020202020204" pitchFamily="34" charset="0"/>
+                                    </a:rPr>
+                                  </m:ctrlPr>
+                                </m:accPr>
+                                <m:e>
+                                  <m:r>
+                                    <a:rPr lang="en-US" sz="2000" b="0" i="1" smtClean="0">
+                                      <a:solidFill>
+                                        <a:srgbClr val="FF0000"/>
+                                      </a:solidFill>
+                                      <a:latin typeface="Cambria Math" panose="02040503050406030204" pitchFamily="18" charset="0"/>
+                                      <a:cs typeface="Arial" panose="020B0604020202020204" pitchFamily="34" charset="0"/>
+                                    </a:rPr>
+                                    <m:t>𝐵</m:t>
+                                  </m:r>
+                                </m:e>
+                              </m:acc>
+                            </m:e>
+                            <m:sub>
+                              <m:r>
+                                <a:rPr lang="en-US" sz="2000" b="0" i="1" smtClean="0">
+                                  <a:solidFill>
+                                    <a:srgbClr val="FF0000"/>
+                                  </a:solidFill>
+                                  <a:latin typeface="Cambria Math" panose="02040503050406030204" pitchFamily="18" charset="0"/>
+                                  <a:cs typeface="Arial" panose="020B0604020202020204" pitchFamily="34" charset="0"/>
+                                </a:rPr>
+                                <m:t>1</m:t>
+                              </m:r>
+                            </m:sub>
+                          </m:sSub>
+                        </m:oMath>
+                      </m:oMathPara>
+                    </a14:m>
+                    <a:endParaRPr lang="en-US" sz="2000" dirty="0" smtClean="0">
+                      <a:solidFill>
+                        <a:srgbClr val="FF0000"/>
+                      </a:solidFill>
+                      <a:latin typeface="Arial" panose="020B0604020202020204" pitchFamily="34" charset="0"/>
+                      <a:cs typeface="Arial" panose="020B0604020202020204" pitchFamily="34" charset="0"/>
+                    </a:endParaRPr>
+                  </a:p>
+                </p:txBody>
+              </p:sp>
+            </mc:Choice>
+            <mc:Fallback>
+              <p:sp>
+                <p:nvSpPr>
+                  <p:cNvPr id="178" name="TextBox 177"/>
+                  <p:cNvSpPr txBox="1">
+                    <a:spLocks noRot="1" noChangeAspect="1" noMove="1" noResize="1" noEditPoints="1" noAdjustHandles="1" noChangeArrowheads="1" noChangeShapeType="1" noTextEdit="1"/>
+                  </p:cNvSpPr>
+                  <p:nvPr/>
+                </p:nvSpPr>
+                <p:spPr>
+                  <a:xfrm>
+                    <a:off x="5467558" y="2276215"/>
+                    <a:ext cx="341247" cy="345159"/>
+                  </a:xfrm>
+                  <a:prstGeom prst="rect">
+                    <a:avLst/>
+                  </a:prstGeom>
+                  <a:blipFill>
+                    <a:blip r:embed="rId8"/>
+                    <a:stretch>
+                      <a:fillRect l="-14286" r="-5357" b="-15789"/>
+                    </a:stretch>
+                  </a:blipFill>
+                </p:spPr>
+                <p:txBody>
+                  <a:bodyPr/>
+                  <a:lstStyle/>
+                  <a:p>
+                    <a:r>
+                      <a:rPr lang="en-US">
+                        <a:noFill/>
+                      </a:rPr>
+                      <a:t> </a:t>
+                    </a:r>
+                  </a:p>
+                </p:txBody>
+              </p:sp>
+            </mc:Fallback>
+          </mc:AlternateContent>
+          <mc:AlternateContent xmlns:mc="http://schemas.openxmlformats.org/markup-compatibility/2006">
+            <mc:Choice xmlns:a14="http://schemas.microsoft.com/office/drawing/2010/main" Requires="a14">
+              <p:sp>
+                <p:nvSpPr>
+                  <p:cNvPr id="179" name="TextBox 178"/>
+                  <p:cNvSpPr txBox="1"/>
+                  <p:nvPr/>
+                </p:nvSpPr>
+                <p:spPr>
+                  <a:xfrm>
+                    <a:off x="2837520" y="2192192"/>
+                    <a:ext cx="280203" cy="345159"/>
+                  </a:xfrm>
+                  <a:prstGeom prst="rect">
+                    <a:avLst/>
+                  </a:prstGeom>
+                  <a:noFill/>
+                </p:spPr>
+                <p:txBody>
+                  <a:bodyPr wrap="square" lIns="0" tIns="0" rIns="0" bIns="0" rtlCol="0">
+                    <a:spAutoFit/>
+                  </a:bodyPr>
+                  <a:lstStyle/>
+                  <a:p>
+                    <a:pPr/>
+                    <a14:m>
+                      <m:oMathPara xmlns:m="http://schemas.openxmlformats.org/officeDocument/2006/math">
+                        <m:oMathParaPr>
+                          <m:jc m:val="centerGroup"/>
+                        </m:oMathParaPr>
+                        <m:oMath xmlns:m="http://schemas.openxmlformats.org/officeDocument/2006/math">
+                          <m:sSub>
+                            <m:sSubPr>
+                              <m:ctrlPr>
+                                <a:rPr lang="en-US" sz="2000" b="0" i="0" smtClean="0">
+                                  <a:solidFill>
+                                    <a:srgbClr val="FF0000"/>
+                                  </a:solidFill>
+                                  <a:latin typeface="Cambria Math" panose="02040503050406030204" pitchFamily="18" charset="0"/>
+                                  <a:cs typeface="Arial" panose="020B0604020202020204" pitchFamily="34" charset="0"/>
+                                </a:rPr>
+                              </m:ctrlPr>
+                            </m:sSubPr>
+                            <m:e>
+                              <m:acc>
+                                <m:accPr>
+                                  <m:chr m:val="⃗"/>
+                                  <m:ctrlPr>
+                                    <a:rPr lang="en-US" sz="2000" b="0" i="1" smtClean="0">
+                                      <a:solidFill>
+                                        <a:srgbClr val="FF0000"/>
+                                      </a:solidFill>
+                                      <a:latin typeface="Cambria Math" panose="02040503050406030204" pitchFamily="18" charset="0"/>
+                                      <a:cs typeface="Arial" panose="020B0604020202020204" pitchFamily="34" charset="0"/>
+                                    </a:rPr>
+                                  </m:ctrlPr>
+                                </m:accPr>
+                                <m:e>
+                                  <m:r>
+                                    <a:rPr lang="en-US" sz="2000" b="0" i="1" smtClean="0">
+                                      <a:solidFill>
+                                        <a:srgbClr val="FF0000"/>
+                                      </a:solidFill>
+                                      <a:latin typeface="Cambria Math" panose="02040503050406030204" pitchFamily="18" charset="0"/>
+                                      <a:cs typeface="Arial" panose="020B0604020202020204" pitchFamily="34" charset="0"/>
+                                    </a:rPr>
+                                    <m:t>𝐵</m:t>
+                                  </m:r>
+                                </m:e>
+                              </m:acc>
+                            </m:e>
+                            <m:sub>
+                              <m:r>
+                                <a:rPr lang="en-US" sz="2000" b="0" i="0" smtClean="0">
+                                  <a:solidFill>
+                                    <a:srgbClr val="FF0000"/>
+                                  </a:solidFill>
+                                  <a:latin typeface="Cambria Math" panose="02040503050406030204" pitchFamily="18" charset="0"/>
+                                  <a:cs typeface="Arial" panose="020B0604020202020204" pitchFamily="34" charset="0"/>
+                                </a:rPr>
+                                <m:t>2</m:t>
+                              </m:r>
+                            </m:sub>
+                          </m:sSub>
+                        </m:oMath>
+                      </m:oMathPara>
+                    </a14:m>
+                    <a:endParaRPr lang="en-US" sz="2000" dirty="0" smtClean="0">
+                      <a:solidFill>
+                        <a:srgbClr val="FF0000"/>
+                      </a:solidFill>
+                      <a:latin typeface="Arial" panose="020B0604020202020204" pitchFamily="34" charset="0"/>
+                      <a:cs typeface="Arial" panose="020B0604020202020204" pitchFamily="34" charset="0"/>
+                    </a:endParaRPr>
+                  </a:p>
+                </p:txBody>
+              </p:sp>
+            </mc:Choice>
+            <mc:Fallback>
+              <p:sp>
+                <p:nvSpPr>
+                  <p:cNvPr id="179" name="TextBox 178"/>
+                  <p:cNvSpPr txBox="1">
+                    <a:spLocks noRot="1" noChangeAspect="1" noMove="1" noResize="1" noEditPoints="1" noAdjustHandles="1" noChangeArrowheads="1" noChangeShapeType="1" noTextEdit="1"/>
+                  </p:cNvSpPr>
+                  <p:nvPr/>
+                </p:nvSpPr>
+                <p:spPr>
+                  <a:xfrm>
+                    <a:off x="2837520" y="2192192"/>
+                    <a:ext cx="280203" cy="345159"/>
+                  </a:xfrm>
+                  <a:prstGeom prst="rect">
+                    <a:avLst/>
+                  </a:prstGeom>
+                  <a:blipFill>
+                    <a:blip r:embed="rId9"/>
+                    <a:stretch>
+                      <a:fillRect l="-32609" r="-17391" b="-17544"/>
+                    </a:stretch>
+                  </a:blipFill>
+                </p:spPr>
+                <p:txBody>
+                  <a:bodyPr/>
+                  <a:lstStyle/>
+                  <a:p>
+                    <a:r>
+                      <a:rPr lang="en-US">
+                        <a:noFill/>
+                      </a:rPr>
+                      <a:t> </a:t>
+                    </a:r>
+                  </a:p>
+                </p:txBody>
+              </p:sp>
+            </mc:Fallback>
+          </mc:AlternateContent>
+          <p:sp>
+            <p:nvSpPr>
+              <p:cNvPr id="180" name="Multiply 179"/>
+              <p:cNvSpPr/>
+              <p:nvPr/>
+            </p:nvSpPr>
+            <p:spPr>
+              <a:xfrm>
+                <a:off x="5053879" y="2320447"/>
+                <a:ext cx="393748" cy="433807"/>
+              </a:xfrm>
+              <a:prstGeom prst="mathMultiply">
+                <a:avLst>
+                  <a:gd name="adj1" fmla="val 2689"/>
+                </a:avLst>
+              </a:prstGeom>
+              <a:noFill/>
+              <a:ln w="38100">
+                <a:solidFill>
+                  <a:srgbClr val="FF0000"/>
+                </a:solidFill>
+              </a:ln>
+            </p:spPr>
+            <p:style>
+              <a:lnRef idx="2">
+                <a:schemeClr val="accent1">
+                  <a:shade val="50000"/>
+                </a:schemeClr>
+              </a:lnRef>
+              <a:fillRef idx="1">
+                <a:schemeClr val="accent1"/>
+              </a:fillRef>
+              <a:effectRef idx="0">
+                <a:schemeClr val="accent1"/>
+              </a:effectRef>
+              <a:fontRef idx="minor">
+                <a:schemeClr val="lt1"/>
+              </a:fontRef>
+            </p:style>
+            <p:txBody>
+              <a:bodyPr rtlCol="0" anchor="ctr"/>
+              <a:lstStyle/>
+              <a:p>
+                <a:pPr algn="ctr"/>
+                <a:endParaRPr lang="en-US"/>
+              </a:p>
+            </p:txBody>
+          </p:sp>
+        </p:grpSp>
         <p:cxnSp>
           <p:nvCxnSpPr>
-            <p:cNvPr id="138" name="Straight Arrow Connector 137"/>
+            <p:cNvPr id="190" name="Straight Arrow Connector 189"/>
             <p:cNvCxnSpPr/>
             <p:nvPr/>
           </p:nvCxnSpPr>
           <p:spPr>
-            <a:xfrm>
-              <a:off x="7880785" y="3691463"/>
-              <a:ext cx="1746550" cy="0"/>
+            <a:xfrm flipV="1">
+              <a:off x="1266940" y="3327094"/>
+              <a:ext cx="1916935" cy="11017"/>
             </a:xfrm>
             <a:prstGeom prst="straightConnector1">
               <a:avLst/>
             </a:prstGeom>
-            <a:ln w="38100">
+            <a:ln w="25400">
               <a:solidFill>
                 <a:schemeClr val="tx1"/>
               </a:solidFill>
@@ -17773,14 +23708,14 @@
           <mc:Choice xmlns:a14="http://schemas.microsoft.com/office/drawing/2010/main" Requires="a14">
             <p:sp>
               <p:nvSpPr>
-                <p:cNvPr id="139" name="TextBox 138"/>
+                <p:cNvPr id="191" name="TextBox 190"/>
                 <p:cNvSpPr txBox="1"/>
                 <p:nvPr/>
               </p:nvSpPr>
               <p:spPr>
                 <a:xfrm>
-                  <a:off x="8709341" y="3679143"/>
-                  <a:ext cx="217559" cy="307777"/>
+                  <a:off x="2119454" y="2997536"/>
+                  <a:ext cx="217560" cy="307777"/>
                 </a:xfrm>
                 <a:prstGeom prst="rect">
                   <a:avLst/>
@@ -17820,7 +23755,7 @@
           <mc:Fallback>
             <p:sp>
               <p:nvSpPr>
-                <p:cNvPr id="139" name="TextBox 138"/>
+                <p:cNvPr id="191" name="TextBox 190"/>
                 <p:cNvSpPr txBox="1">
                   <a:spLocks noRot="1" noChangeAspect="1" noMove="1" noResize="1" noEditPoints="1" noAdjustHandles="1" noChangeArrowheads="1" noChangeShapeType="1" noTextEdit="1"/>
                 </p:cNvSpPr>
@@ -17828,8 +23763,8 @@
               </p:nvSpPr>
               <p:spPr>
                 <a:xfrm>
-                  <a:off x="8709341" y="3679143"/>
-                  <a:ext cx="217559" cy="307777"/>
+                  <a:off x="2119454" y="2997536"/>
+                  <a:ext cx="217560" cy="307777"/>
                 </a:xfrm>
                 <a:prstGeom prst="rect">
                   <a:avLst/>
@@ -17856,439 +23791,21 @@
             </p:sp>
           </mc:Fallback>
         </mc:AlternateContent>
-        <p:cxnSp>
-          <p:nvCxnSpPr>
-            <p:cNvPr id="141" name="Straight Arrow Connector 140"/>
-            <p:cNvCxnSpPr/>
-            <p:nvPr/>
-          </p:nvCxnSpPr>
-          <p:spPr>
-            <a:xfrm flipH="1">
-              <a:off x="9342303" y="3643215"/>
-              <a:ext cx="429658" cy="464490"/>
-            </a:xfrm>
-            <a:prstGeom prst="straightConnector1">
-              <a:avLst/>
-            </a:prstGeom>
-            <a:ln w="60325">
-              <a:solidFill>
-                <a:schemeClr val="accent1"/>
-              </a:solidFill>
-              <a:tailEnd type="triangle"/>
-            </a:ln>
-          </p:spPr>
-          <p:style>
-            <a:lnRef idx="1">
-              <a:schemeClr val="accent1"/>
-            </a:lnRef>
-            <a:fillRef idx="0">
-              <a:schemeClr val="accent1"/>
-            </a:fillRef>
-            <a:effectRef idx="0">
-              <a:schemeClr val="accent1"/>
-            </a:effectRef>
-            <a:fontRef idx="minor">
-              <a:schemeClr val="tx1"/>
-            </a:fontRef>
-          </p:style>
-        </p:cxnSp>
-        <mc:AlternateContent xmlns:mc="http://schemas.openxmlformats.org/markup-compatibility/2006">
-          <mc:Choice xmlns:a14="http://schemas.microsoft.com/office/drawing/2010/main" Requires="a14">
-            <p:sp>
-              <p:nvSpPr>
-                <p:cNvPr id="142" name="TextBox 141"/>
-                <p:cNvSpPr txBox="1"/>
-                <p:nvPr/>
-              </p:nvSpPr>
-              <p:spPr>
-                <a:xfrm>
-                  <a:off x="9553149" y="3875460"/>
-                  <a:ext cx="402931" cy="345159"/>
-                </a:xfrm>
-                <a:prstGeom prst="rect">
-                  <a:avLst/>
-                </a:prstGeom>
-                <a:noFill/>
-              </p:spPr>
-              <p:txBody>
-                <a:bodyPr wrap="none" lIns="0" tIns="0" rIns="0" bIns="0" rtlCol="0">
-                  <a:spAutoFit/>
-                </a:bodyPr>
-                <a:lstStyle/>
-                <a:p>
-                  <a14:m>
-                    <m:oMathPara xmlns:m="http://schemas.openxmlformats.org/officeDocument/2006/math">
-                      <m:oMathParaPr>
-                        <m:jc m:val="centerGroup"/>
-                      </m:oMathParaPr>
-                      <m:oMath xmlns:m="http://schemas.openxmlformats.org/officeDocument/2006/math">
-                        <m:r>
-                          <a:rPr lang="en-US" sz="2000" b="0" i="1" smtClean="0">
-                            <a:solidFill>
-                              <a:schemeClr val="accent1"/>
-                            </a:solidFill>
-                            <a:latin typeface="Cambria Math" panose="02040503050406030204" pitchFamily="18" charset="0"/>
-                            <a:cs typeface="Arial" panose="020B0604020202020204" pitchFamily="34" charset="0"/>
-                          </a:rPr>
-                          <m:t>𝑑</m:t>
-                        </m:r>
-                        <m:acc>
-                          <m:accPr>
-                            <m:chr m:val="⃗"/>
-                            <m:ctrlPr>
-                              <a:rPr lang="en-US" sz="2000" b="0" i="1" smtClean="0">
-                                <a:solidFill>
-                                  <a:schemeClr val="accent1"/>
-                                </a:solidFill>
-                                <a:latin typeface="Cambria Math" panose="02040503050406030204" pitchFamily="18" charset="0"/>
-                                <a:cs typeface="Arial" panose="020B0604020202020204" pitchFamily="34" charset="0"/>
-                              </a:rPr>
-                            </m:ctrlPr>
-                          </m:accPr>
-                          <m:e>
-                            <m:r>
-                              <a:rPr lang="en-US" sz="2000" b="0" i="1" smtClean="0">
-                                <a:solidFill>
-                                  <a:schemeClr val="accent1"/>
-                                </a:solidFill>
-                                <a:latin typeface="Cambria Math" panose="02040503050406030204" pitchFamily="18" charset="0"/>
-                                <a:cs typeface="Arial" panose="020B0604020202020204" pitchFamily="34" charset="0"/>
-                              </a:rPr>
-                              <m:t>𝐵</m:t>
-                            </m:r>
-                          </m:e>
-                        </m:acc>
-                      </m:oMath>
-                    </m:oMathPara>
-                  </a14:m>
-                  <a:endParaRPr lang="en-US" sz="2000" dirty="0" smtClean="0">
-                    <a:solidFill>
-                      <a:schemeClr val="accent1"/>
-                    </a:solidFill>
-                    <a:latin typeface="Arial" panose="020B0604020202020204" pitchFamily="34" charset="0"/>
-                    <a:cs typeface="Arial" panose="020B0604020202020204" pitchFamily="34" charset="0"/>
-                  </a:endParaRPr>
-                </a:p>
-              </p:txBody>
-            </p:sp>
-          </mc:Choice>
-          <mc:Fallback>
-            <p:sp>
-              <p:nvSpPr>
-                <p:cNvPr id="142" name="TextBox 141"/>
-                <p:cNvSpPr txBox="1">
-                  <a:spLocks noRot="1" noChangeAspect="1" noMove="1" noResize="1" noEditPoints="1" noAdjustHandles="1" noChangeArrowheads="1" noChangeShapeType="1" noTextEdit="1"/>
-                </p:cNvSpPr>
-                <p:nvPr/>
-              </p:nvSpPr>
-              <p:spPr>
-                <a:xfrm>
-                  <a:off x="9553149" y="3875460"/>
-                  <a:ext cx="402931" cy="345159"/>
-                </a:xfrm>
-                <a:prstGeom prst="rect">
-                  <a:avLst/>
-                </a:prstGeom>
-                <a:blipFill>
-                  <a:blip r:embed="rId11"/>
-                  <a:stretch>
-                    <a:fillRect l="-13636" r="-12121" b="-10714"/>
-                  </a:stretch>
-                </a:blipFill>
-              </p:spPr>
-              <p:txBody>
-                <a:bodyPr/>
-                <a:lstStyle/>
-                <a:p>
-                  <a:r>
-                    <a:rPr lang="en-US">
-                      <a:noFill/>
-                    </a:rPr>
-                    <a:t> </a:t>
-                  </a:r>
-                </a:p>
-              </p:txBody>
-            </p:sp>
-          </mc:Fallback>
-        </mc:AlternateContent>
-        <p:cxnSp>
-          <p:nvCxnSpPr>
-            <p:cNvPr id="144" name="Straight Connector 143"/>
-            <p:cNvCxnSpPr/>
-            <p:nvPr/>
-          </p:nvCxnSpPr>
-          <p:spPr>
-            <a:xfrm flipH="1" flipV="1">
-              <a:off x="7475907" y="2396399"/>
-              <a:ext cx="423187" cy="1231734"/>
-            </a:xfrm>
-            <a:prstGeom prst="line">
-              <a:avLst/>
-            </a:prstGeom>
-            <a:ln w="12700">
-              <a:solidFill>
-                <a:schemeClr val="tx1"/>
-              </a:solidFill>
-              <a:prstDash val="sysDot"/>
-            </a:ln>
-          </p:spPr>
-          <p:style>
-            <a:lnRef idx="1">
-              <a:schemeClr val="accent1"/>
-            </a:lnRef>
-            <a:fillRef idx="0">
-              <a:schemeClr val="accent1"/>
-            </a:fillRef>
-            <a:effectRef idx="0">
-              <a:schemeClr val="accent1"/>
-            </a:effectRef>
-            <a:fontRef idx="minor">
-              <a:schemeClr val="tx1"/>
-            </a:fontRef>
-          </p:style>
-        </p:cxnSp>
-        <mc:AlternateContent xmlns:mc="http://schemas.openxmlformats.org/markup-compatibility/2006">
-          <mc:Choice xmlns:a14="http://schemas.microsoft.com/office/drawing/2010/main" Requires="a14">
-            <p:sp>
-              <p:nvSpPr>
-                <p:cNvPr id="146" name="TextBox 145"/>
-                <p:cNvSpPr txBox="1"/>
-                <p:nvPr/>
-              </p:nvSpPr>
-              <p:spPr>
-                <a:xfrm>
-                  <a:off x="7502762" y="2973250"/>
-                  <a:ext cx="241540" cy="307777"/>
-                </a:xfrm>
-                <a:prstGeom prst="rect">
-                  <a:avLst/>
-                </a:prstGeom>
-                <a:noFill/>
-              </p:spPr>
-              <p:txBody>
-                <a:bodyPr wrap="none" lIns="0" tIns="0" rIns="0" bIns="0" rtlCol="0">
-                  <a:spAutoFit/>
-                </a:bodyPr>
-                <a:lstStyle/>
-                <a:p>
-                  <a14:m>
-                    <m:oMathPara xmlns:m="http://schemas.openxmlformats.org/officeDocument/2006/math">
-                      <m:oMathParaPr>
-                        <m:jc m:val="centerGroup"/>
-                      </m:oMathParaPr>
-                      <m:oMath xmlns:m="http://schemas.openxmlformats.org/officeDocument/2006/math">
-                        <m:r>
-                          <a:rPr lang="en-US" sz="2000" b="0" i="1" smtClean="0">
-                            <a:latin typeface="Cambria Math" panose="02040503050406030204" pitchFamily="18" charset="0"/>
-                            <a:cs typeface="Arial" panose="020B0604020202020204" pitchFamily="34" charset="0"/>
-                          </a:rPr>
-                          <m:t>𝑅</m:t>
-                        </m:r>
-                      </m:oMath>
-                    </m:oMathPara>
-                  </a14:m>
-                  <a:endParaRPr lang="en-US" sz="2000" dirty="0" smtClean="0">
-                    <a:latin typeface="Arial" panose="020B0604020202020204" pitchFamily="34" charset="0"/>
-                    <a:cs typeface="Arial" panose="020B0604020202020204" pitchFamily="34" charset="0"/>
-                  </a:endParaRPr>
-                </a:p>
-              </p:txBody>
-            </p:sp>
-          </mc:Choice>
-          <mc:Fallback>
-            <p:sp>
-              <p:nvSpPr>
-                <p:cNvPr id="146" name="TextBox 145"/>
-                <p:cNvSpPr txBox="1">
-                  <a:spLocks noRot="1" noChangeAspect="1" noMove="1" noResize="1" noEditPoints="1" noAdjustHandles="1" noChangeArrowheads="1" noChangeShapeType="1" noTextEdit="1"/>
-                </p:cNvSpPr>
-                <p:nvPr/>
-              </p:nvSpPr>
-              <p:spPr>
-                <a:xfrm>
-                  <a:off x="7502762" y="2973250"/>
-                  <a:ext cx="241540" cy="307777"/>
-                </a:xfrm>
-                <a:prstGeom prst="rect">
-                  <a:avLst/>
-                </a:prstGeom>
-                <a:blipFill>
-                  <a:blip r:embed="rId12"/>
-                  <a:stretch>
-                    <a:fillRect l="-23077" r="-20513" b="-10000"/>
-                  </a:stretch>
-                </a:blipFill>
-              </p:spPr>
-              <p:txBody>
-                <a:bodyPr/>
-                <a:lstStyle/>
-                <a:p>
-                  <a:r>
-                    <a:rPr lang="en-US">
-                      <a:noFill/>
-                    </a:rPr>
-                    <a:t> </a:t>
-                  </a:r>
-                </a:p>
-              </p:txBody>
-            </p:sp>
-          </mc:Fallback>
-        </mc:AlternateContent>
-        <p:sp>
-          <p:nvSpPr>
-            <p:cNvPr id="147" name="Arc 146"/>
-            <p:cNvSpPr/>
-            <p:nvPr/>
-          </p:nvSpPr>
-          <p:spPr>
-            <a:xfrm>
-              <a:off x="9451523" y="3267255"/>
-              <a:ext cx="606181" cy="662972"/>
-            </a:xfrm>
-            <a:prstGeom prst="arc">
-              <a:avLst>
-                <a:gd name="adj1" fmla="val 10780567"/>
-                <a:gd name="adj2" fmla="val 13878791"/>
-              </a:avLst>
-            </a:prstGeom>
-            <a:ln w="38100">
-              <a:solidFill>
-                <a:schemeClr val="tx1"/>
-              </a:solidFill>
-            </a:ln>
-          </p:spPr>
-          <p:style>
-            <a:lnRef idx="1">
-              <a:schemeClr val="accent1"/>
-            </a:lnRef>
-            <a:fillRef idx="0">
-              <a:schemeClr val="accent1"/>
-            </a:fillRef>
-            <a:effectRef idx="0">
-              <a:schemeClr val="accent1"/>
-            </a:effectRef>
-            <a:fontRef idx="minor">
-              <a:schemeClr val="tx1"/>
-            </a:fontRef>
-          </p:style>
-          <p:txBody>
-            <a:bodyPr rtlCol="0" anchor="ctr"/>
-            <a:lstStyle/>
-            <a:p>
-              <a:pPr algn="ctr"/>
-              <a:endParaRPr lang="en-US"/>
-            </a:p>
-          </p:txBody>
-        </p:sp>
-        <mc:AlternateContent xmlns:mc="http://schemas.openxmlformats.org/markup-compatibility/2006">
-          <mc:Choice xmlns:a14="http://schemas.microsoft.com/office/drawing/2010/main" Requires="a14">
-            <p:sp>
-              <p:nvSpPr>
-                <p:cNvPr id="148" name="TextBox 147"/>
-                <p:cNvSpPr txBox="1"/>
-                <p:nvPr/>
-              </p:nvSpPr>
-              <p:spPr>
-                <a:xfrm>
-                  <a:off x="9228792" y="3250563"/>
-                  <a:ext cx="222304" cy="307777"/>
-                </a:xfrm>
-                <a:prstGeom prst="rect">
-                  <a:avLst/>
-                </a:prstGeom>
-                <a:noFill/>
-              </p:spPr>
-              <p:txBody>
-                <a:bodyPr wrap="none" lIns="0" tIns="0" rIns="0" bIns="0" rtlCol="0">
-                  <a:spAutoFit/>
-                </a:bodyPr>
-                <a:lstStyle/>
-                <a:p>
-                  <a14:m>
-                    <m:oMathPara xmlns:m="http://schemas.openxmlformats.org/officeDocument/2006/math">
-                      <m:oMathParaPr>
-                        <m:jc m:val="centerGroup"/>
-                      </m:oMathParaPr>
-                      <m:oMath xmlns:m="http://schemas.openxmlformats.org/officeDocument/2006/math">
-                        <m:r>
-                          <a:rPr lang="en-US" sz="2000" b="0" i="1" smtClean="0">
-                            <a:latin typeface="Cambria Math" panose="02040503050406030204" pitchFamily="18" charset="0"/>
-                            <a:cs typeface="Arial" panose="020B0604020202020204" pitchFamily="34" charset="0"/>
-                          </a:rPr>
-                          <m:t>𝜃</m:t>
-                        </m:r>
-                      </m:oMath>
-                    </m:oMathPara>
-                  </a14:m>
-                  <a:endParaRPr lang="en-US" sz="2000" dirty="0" smtClean="0">
-                    <a:latin typeface="Arial" panose="020B0604020202020204" pitchFamily="34" charset="0"/>
-                    <a:cs typeface="Arial" panose="020B0604020202020204" pitchFamily="34" charset="0"/>
-                  </a:endParaRPr>
-                </a:p>
-              </p:txBody>
-            </p:sp>
-          </mc:Choice>
-          <mc:Fallback>
-            <p:sp>
-              <p:nvSpPr>
-                <p:cNvPr id="148" name="TextBox 147"/>
-                <p:cNvSpPr txBox="1">
-                  <a:spLocks noRot="1" noChangeAspect="1" noMove="1" noResize="1" noEditPoints="1" noAdjustHandles="1" noChangeArrowheads="1" noChangeShapeType="1" noTextEdit="1"/>
-                </p:cNvSpPr>
-                <p:nvPr/>
-              </p:nvSpPr>
-              <p:spPr>
-                <a:xfrm>
-                  <a:off x="9228792" y="3250563"/>
-                  <a:ext cx="222304" cy="307777"/>
-                </a:xfrm>
-                <a:prstGeom prst="rect">
-                  <a:avLst/>
-                </a:prstGeom>
-                <a:blipFill>
-                  <a:blip r:embed="rId13"/>
-                  <a:stretch>
-                    <a:fillRect l="-25000" r="-25000" b="-9804"/>
-                  </a:stretch>
-                </a:blipFill>
-              </p:spPr>
-              <p:txBody>
-                <a:bodyPr/>
-                <a:lstStyle/>
-                <a:p>
-                  <a:r>
-                    <a:rPr lang="en-US">
-                      <a:noFill/>
-                    </a:rPr>
-                    <a:t> </a:t>
-                  </a:r>
-                </a:p>
-              </p:txBody>
-            </p:sp>
-          </mc:Fallback>
-        </mc:AlternateContent>
       </p:grpSp>
     </p:spTree>
     <p:extLst>
       <p:ext uri="{BB962C8B-B14F-4D97-AF65-F5344CB8AC3E}">
-        <p14:creationId xmlns:p14="http://schemas.microsoft.com/office/powerpoint/2010/main" val="3917227233"/>
+        <p14:creationId xmlns:p14="http://schemas.microsoft.com/office/powerpoint/2010/main" val="4187259932"/>
       </p:ext>
     </p:extLst>
   </p:cSld>
   <p:clrMapOvr>
     <a:masterClrMapping/>
   </p:clrMapOvr>
-  <p:timing>
-    <p:tnLst>
-      <p:par>
-        <p:cTn id="1" dur="indefinite" restart="never" nodeType="tmRoot"/>
-      </p:par>
-    </p:tnLst>
-  </p:timing>
 </p:sld>
 </file>
 
-<file path=ppt/slides/slide4.xml><?xml version="1.0" encoding="utf-8"?>
+<file path=ppt/slides/slide7.xml><?xml version="1.0" encoding="utf-8"?>
 <p:sld xmlns:a="http://schemas.openxmlformats.org/drawingml/2006/main" xmlns:r="http://schemas.openxmlformats.org/officeDocument/2006/relationships" xmlns:p="http://schemas.openxmlformats.org/presentationml/2006/main">
   <p:cSld>
     <p:spTree>
@@ -18308,24 +23825,17 @@
     </p:spTree>
     <p:extLst>
       <p:ext uri="{BB962C8B-B14F-4D97-AF65-F5344CB8AC3E}">
-        <p14:creationId xmlns:p14="http://schemas.microsoft.com/office/powerpoint/2010/main" val="2138635859"/>
+        <p14:creationId xmlns:p14="http://schemas.microsoft.com/office/powerpoint/2010/main" val="1209100569"/>
       </p:ext>
     </p:extLst>
   </p:cSld>
   <p:clrMapOvr>
     <a:masterClrMapping/>
   </p:clrMapOvr>
-  <p:timing>
-    <p:tnLst>
-      <p:par>
-        <p:cTn id="1" dur="indefinite" restart="never" nodeType="tmRoot"/>
-      </p:par>
-    </p:tnLst>
-  </p:timing>
 </p:sld>
 </file>
 
-<file path=ppt/slides/slide5.xml><?xml version="1.0" encoding="utf-8"?>
+<file path=ppt/slides/slide8.xml><?xml version="1.0" encoding="utf-8"?>
 <p:sld xmlns:a="http://schemas.openxmlformats.org/drawingml/2006/main" xmlns:r="http://schemas.openxmlformats.org/officeDocument/2006/relationships" xmlns:p="http://schemas.openxmlformats.org/presentationml/2006/main">
   <p:cSld>
     <p:spTree>
@@ -18345,7 +23855,37 @@
     </p:spTree>
     <p:extLst>
       <p:ext uri="{BB962C8B-B14F-4D97-AF65-F5344CB8AC3E}">
-        <p14:creationId xmlns:p14="http://schemas.microsoft.com/office/powerpoint/2010/main" val="565637457"/>
+        <p14:creationId xmlns:p14="http://schemas.microsoft.com/office/powerpoint/2010/main" val="3040338658"/>
+      </p:ext>
+    </p:extLst>
+  </p:cSld>
+  <p:clrMapOvr>
+    <a:masterClrMapping/>
+  </p:clrMapOvr>
+</p:sld>
+</file>
+
+<file path=ppt/slides/slide9.xml><?xml version="1.0" encoding="utf-8"?>
+<p:sld xmlns:a="http://schemas.openxmlformats.org/drawingml/2006/main" xmlns:r="http://schemas.openxmlformats.org/officeDocument/2006/relationships" xmlns:p="http://schemas.openxmlformats.org/presentationml/2006/main">
+  <p:cSld>
+    <p:spTree>
+      <p:nvGrpSpPr>
+        <p:cNvPr id="1" name=""/>
+        <p:cNvGrpSpPr/>
+        <p:nvPr/>
+      </p:nvGrpSpPr>
+      <p:grpSpPr>
+        <a:xfrm>
+          <a:off x="0" y="0"/>
+          <a:ext cx="0" cy="0"/>
+          <a:chOff x="0" y="0"/>
+          <a:chExt cx="0" cy="0"/>
+        </a:xfrm>
+      </p:grpSpPr>
+    </p:spTree>
+    <p:extLst>
+      <p:ext uri="{BB962C8B-B14F-4D97-AF65-F5344CB8AC3E}">
+        <p14:creationId xmlns:p14="http://schemas.microsoft.com/office/powerpoint/2010/main" val="2224182741"/>
       </p:ext>
     </p:extLst>
   </p:cSld>

--- a/tex/figures/MagneticSource/Figures.pptx
+++ b/tex/figures/MagneticSource/Figures.pptx
@@ -269,38 +269,37 @@
           <a:p>
             <a:pPr lvl="0"/>
             <a:r>
-              <a:rPr lang="en-US" smtClean="0"/>
+              <a:rPr lang="en-US"/>
               <a:t>Click to edit Master text styles</a:t>
             </a:r>
           </a:p>
           <a:p>
             <a:pPr lvl="1"/>
             <a:r>
-              <a:rPr lang="en-US" smtClean="0"/>
+              <a:rPr lang="en-US"/>
               <a:t>Second level</a:t>
             </a:r>
           </a:p>
           <a:p>
             <a:pPr lvl="2"/>
             <a:r>
-              <a:rPr lang="en-US" smtClean="0"/>
+              <a:rPr lang="en-US"/>
               <a:t>Third level</a:t>
             </a:r>
           </a:p>
           <a:p>
             <a:pPr lvl="3"/>
             <a:r>
-              <a:rPr lang="en-US" smtClean="0"/>
+              <a:rPr lang="en-US"/>
               <a:t>Fourth level</a:t>
             </a:r>
           </a:p>
           <a:p>
             <a:pPr lvl="4"/>
             <a:r>
-              <a:rPr lang="en-US" smtClean="0"/>
+              <a:rPr lang="en-US"/>
               <a:t>Fifth level</a:t>
             </a:r>
-            <a:endParaRPr lang="en-US"/>
           </a:p>
         </p:txBody>
       </p:sp>
@@ -3346,10 +3345,9 @@
           <a:lstStyle/>
           <a:p>
             <a:r>
-              <a:rPr lang="en-US" dirty="0" smtClean="0"/>
+              <a:rPr lang="en-US" dirty="0"/>
               <a:t>Useful components</a:t>
             </a:r>
-            <a:endParaRPr lang="en-US" dirty="0"/>
           </a:p>
         </p:txBody>
       </p:sp>
@@ -4285,7 +4283,7 @@
                       </m:oMath>
                     </m:oMathPara>
                   </a14:m>
-                  <a:endParaRPr lang="en-US" sz="2000" dirty="0" smtClean="0">
+                  <a:endParaRPr lang="en-US" sz="2000" dirty="0">
                     <a:latin typeface="Arial" panose="020B0604020202020204" pitchFamily="34" charset="0"/>
                     <a:cs typeface="Arial" panose="020B0604020202020204" pitchFamily="34" charset="0"/>
                   </a:endParaRPr>
@@ -11846,13 +11844,6 @@
   <p:clrMapOvr>
     <a:masterClrMapping/>
   </p:clrMapOvr>
-  <p:timing>
-    <p:tnLst>
-      <p:par>
-        <p:cTn id="1" dur="indefinite" restart="never" nodeType="tmRoot"/>
-      </p:par>
-    </p:tnLst>
-  </p:timing>
 </p:sld>
 </file>
 
@@ -12074,7 +12065,7 @@
                       </m:oMath>
                     </m:oMathPara>
                   </a14:m>
-                  <a:endParaRPr lang="en-US" sz="2000" dirty="0" smtClean="0">
+                  <a:endParaRPr lang="en-US" sz="2000" dirty="0">
                     <a:latin typeface="Arial" panose="020B0604020202020204" pitchFamily="34" charset="0"/>
                     <a:cs typeface="Arial" panose="020B0604020202020204" pitchFamily="34" charset="0"/>
                   </a:endParaRPr>
@@ -12227,7 +12218,7 @@
                       </m:oMath>
                     </m:oMathPara>
                   </a14:m>
-                  <a:endParaRPr lang="en-US" sz="2000" dirty="0" smtClean="0">
+                  <a:endParaRPr lang="en-US" sz="2000" dirty="0">
                     <a:solidFill>
                       <a:srgbClr val="FF0000"/>
                     </a:solidFill>
@@ -12369,7 +12360,7 @@
                       </m:oMath>
                     </m:oMathPara>
                   </a14:m>
-                  <a:endParaRPr lang="en-US" sz="2000" dirty="0" smtClean="0">
+                  <a:endParaRPr lang="en-US" sz="2000" dirty="0">
                     <a:latin typeface="Arial" panose="020B0604020202020204" pitchFamily="34" charset="0"/>
                     <a:cs typeface="Arial" panose="020B0604020202020204" pitchFamily="34" charset="0"/>
                   </a:endParaRPr>
@@ -12576,7 +12567,7 @@
                       </m:oMath>
                     </m:oMathPara>
                   </a14:m>
-                  <a:endParaRPr lang="en-US" sz="2000" dirty="0" smtClean="0">
+                  <a:endParaRPr lang="en-US" sz="2000" dirty="0">
                     <a:latin typeface="Arial" panose="020B0604020202020204" pitchFamily="34" charset="0"/>
                     <a:cs typeface="Arial" panose="020B0604020202020204" pitchFamily="34" charset="0"/>
                   </a:endParaRPr>
@@ -12792,7 +12783,7 @@
                             </m:oMath>
                           </m:oMathPara>
                         </a14:m>
-                        <a:endParaRPr lang="en-US" sz="2000" dirty="0" smtClean="0">
+                        <a:endParaRPr lang="en-US" sz="2000" dirty="0">
                           <a:latin typeface="Arial" panose="020B0604020202020204" pitchFamily="34" charset="0"/>
                           <a:cs typeface="Arial" panose="020B0604020202020204" pitchFamily="34" charset="0"/>
                         </a:endParaRPr>
@@ -12981,7 +12972,7 @@
                             </m:oMath>
                           </m:oMathPara>
                         </a14:m>
-                        <a:endParaRPr lang="en-US" sz="2000" dirty="0" smtClean="0">
+                        <a:endParaRPr lang="en-US" sz="2000" dirty="0">
                           <a:solidFill>
                             <a:srgbClr val="FF0000"/>
                           </a:solidFill>
@@ -13121,7 +13112,7 @@
                             </m:oMath>
                           </m:oMathPara>
                         </a14:m>
-                        <a:endParaRPr lang="en-US" sz="2000" dirty="0" smtClean="0">
+                        <a:endParaRPr lang="en-US" sz="2000" dirty="0">
                           <a:latin typeface="Arial" panose="020B0604020202020204" pitchFamily="34" charset="0"/>
                           <a:cs typeface="Arial" panose="020B0604020202020204" pitchFamily="34" charset="0"/>
                         </a:endParaRPr>
@@ -13328,7 +13319,7 @@
                             </m:oMath>
                           </m:oMathPara>
                         </a14:m>
-                        <a:endParaRPr lang="en-US" sz="2000" dirty="0" smtClean="0">
+                        <a:endParaRPr lang="en-US" sz="2000" dirty="0">
                           <a:latin typeface="Arial" panose="020B0604020202020204" pitchFamily="34" charset="0"/>
                           <a:cs typeface="Arial" panose="020B0604020202020204" pitchFamily="34" charset="0"/>
                         </a:endParaRPr>
@@ -13416,7 +13407,7 @@
                             </m:oMath>
                           </m:oMathPara>
                         </a14:m>
-                        <a:endParaRPr lang="en-US" sz="2000" dirty="0" smtClean="0">
+                        <a:endParaRPr lang="en-US" sz="2000" dirty="0">
                           <a:latin typeface="Arial" panose="020B0604020202020204" pitchFamily="34" charset="0"/>
                           <a:cs typeface="Arial" panose="020B0604020202020204" pitchFamily="34" charset="0"/>
                         </a:endParaRPr>
@@ -13550,7 +13541,7 @@
                             </m:oMath>
                           </m:oMathPara>
                         </a14:m>
-                        <a:endParaRPr lang="en-US" sz="2000" dirty="0" smtClean="0">
+                        <a:endParaRPr lang="en-US" sz="2000" dirty="0">
                           <a:latin typeface="Arial" panose="020B0604020202020204" pitchFamily="34" charset="0"/>
                           <a:cs typeface="Arial" panose="020B0604020202020204" pitchFamily="34" charset="0"/>
                         </a:endParaRPr>
@@ -13676,7 +13667,7 @@
                             </m:oMath>
                           </m:oMathPara>
                         </a14:m>
-                        <a:endParaRPr lang="en-US" sz="2000" dirty="0" smtClean="0">
+                        <a:endParaRPr lang="en-US" sz="2000" dirty="0">
                           <a:latin typeface="Arial" panose="020B0604020202020204" pitchFamily="34" charset="0"/>
                           <a:cs typeface="Arial" panose="020B0604020202020204" pitchFamily="34" charset="0"/>
                         </a:endParaRPr>
@@ -13874,7 +13865,7 @@
                             </m:oMath>
                           </m:oMathPara>
                         </a14:m>
-                        <a:endParaRPr lang="en-US" sz="2000" dirty="0" smtClean="0">
+                        <a:endParaRPr lang="en-US" sz="2000" dirty="0">
                           <a:latin typeface="Arial" panose="020B0604020202020204" pitchFamily="34" charset="0"/>
                           <a:cs typeface="Arial" panose="020B0604020202020204" pitchFamily="34" charset="0"/>
                         </a:endParaRPr>
@@ -14380,7 +14371,7 @@
                         </m:oMath>
                       </m:oMathPara>
                     </a14:m>
-                    <a:endParaRPr lang="en-US" sz="2000" dirty="0" smtClean="0">
+                    <a:endParaRPr lang="en-US" sz="2000" dirty="0">
                       <a:latin typeface="Arial" panose="020B0604020202020204" pitchFamily="34" charset="0"/>
                       <a:cs typeface="Arial" panose="020B0604020202020204" pitchFamily="34" charset="0"/>
                     </a:endParaRPr>
@@ -14515,7 +14506,7 @@
                       </m:oMath>
                     </m:oMathPara>
                   </a14:m>
-                  <a:endParaRPr lang="en-US" sz="2000" dirty="0" smtClean="0">
+                  <a:endParaRPr lang="en-US" sz="2000" dirty="0">
                     <a:latin typeface="Arial" panose="020B0604020202020204" pitchFamily="34" charset="0"/>
                     <a:cs typeface="Arial" panose="020B0604020202020204" pitchFamily="34" charset="0"/>
                   </a:endParaRPr>
@@ -14689,7 +14680,7 @@
                       </m:oMath>
                     </m:oMathPara>
                   </a14:m>
-                  <a:endParaRPr lang="en-US" sz="2000" dirty="0" smtClean="0">
+                  <a:endParaRPr lang="en-US" sz="2000" dirty="0">
                     <a:latin typeface="Arial" panose="020B0604020202020204" pitchFamily="34" charset="0"/>
                     <a:cs typeface="Arial" panose="020B0604020202020204" pitchFamily="34" charset="0"/>
                   </a:endParaRPr>
@@ -14882,7 +14873,7 @@
                       </m:oMath>
                     </m:oMathPara>
                   </a14:m>
-                  <a:endParaRPr lang="en-US" sz="2000" dirty="0" smtClean="0">
+                  <a:endParaRPr lang="en-US" sz="2000" dirty="0">
                     <a:solidFill>
                       <a:srgbClr val="FF0000"/>
                     </a:solidFill>
@@ -16487,7 +16478,7 @@
                       </m:oMath>
                     </m:oMathPara>
                   </a14:m>
-                  <a:endParaRPr lang="en-US" sz="2000" dirty="0" smtClean="0">
+                  <a:endParaRPr lang="en-US" sz="2000" dirty="0">
                     <a:latin typeface="Arial" panose="020B0604020202020204" pitchFamily="34" charset="0"/>
                     <a:cs typeface="Arial" panose="020B0604020202020204" pitchFamily="34" charset="0"/>
                   </a:endParaRPr>
@@ -16594,7 +16585,7 @@
                       </m:oMath>
                     </m:oMathPara>
                   </a14:m>
-                  <a:endParaRPr lang="en-US" sz="2000" dirty="0" smtClean="0">
+                  <a:endParaRPr lang="en-US" sz="2000" dirty="0">
                     <a:solidFill>
                       <a:srgbClr val="FF0000"/>
                     </a:solidFill>
@@ -17007,7 +16998,7 @@
                         </m:oMath>
                       </m:oMathPara>
                     </a14:m>
-                    <a:endParaRPr lang="en-US" sz="2400" dirty="0" smtClean="0">
+                    <a:endParaRPr lang="en-US" sz="2400" dirty="0">
                       <a:latin typeface="Arial" panose="020B0604020202020204" pitchFamily="34" charset="0"/>
                       <a:cs typeface="Arial" panose="020B0604020202020204" pitchFamily="34" charset="0"/>
                     </a:endParaRPr>
@@ -17204,7 +17195,7 @@
                         </m:oMath>
                       </m:oMathPara>
                     </a14:m>
-                    <a:endParaRPr lang="en-US" sz="2000" dirty="0" smtClean="0">
+                    <a:endParaRPr lang="en-US" sz="2000" dirty="0">
                       <a:latin typeface="Arial" panose="020B0604020202020204" pitchFamily="34" charset="0"/>
                       <a:cs typeface="Arial" panose="020B0604020202020204" pitchFamily="34" charset="0"/>
                     </a:endParaRPr>
@@ -17328,7 +17319,7 @@
                         </m:oMath>
                       </m:oMathPara>
                     </a14:m>
-                    <a:endParaRPr lang="en-US" sz="2000" dirty="0" smtClean="0">
+                    <a:endParaRPr lang="en-US" sz="2000" dirty="0">
                       <a:latin typeface="Arial" panose="020B0604020202020204" pitchFamily="34" charset="0"/>
                       <a:cs typeface="Arial" panose="020B0604020202020204" pitchFamily="34" charset="0"/>
                     </a:endParaRPr>
@@ -17416,7 +17407,7 @@
                         </m:oMath>
                       </m:oMathPara>
                     </a14:m>
-                    <a:endParaRPr lang="en-US" sz="2000" dirty="0" smtClean="0">
+                    <a:endParaRPr lang="en-US" sz="2000" dirty="0">
                       <a:latin typeface="Arial" panose="020B0604020202020204" pitchFamily="34" charset="0"/>
                       <a:cs typeface="Arial" panose="020B0604020202020204" pitchFamily="34" charset="0"/>
                     </a:endParaRPr>
@@ -17569,7 +17560,7 @@
                         </m:oMath>
                       </m:oMathPara>
                     </a14:m>
-                    <a:endParaRPr lang="en-US" sz="2000" dirty="0" smtClean="0">
+                    <a:endParaRPr lang="en-US" sz="2000" dirty="0">
                       <a:solidFill>
                         <a:srgbClr val="FF0000"/>
                       </a:solidFill>
@@ -17711,7 +17702,7 @@
                         </m:oMath>
                       </m:oMathPara>
                     </a14:m>
-                    <a:endParaRPr lang="en-US" sz="2000" dirty="0" smtClean="0">
+                    <a:endParaRPr lang="en-US" sz="2000" dirty="0">
                       <a:latin typeface="Arial" panose="020B0604020202020204" pitchFamily="34" charset="0"/>
                       <a:cs typeface="Arial" panose="020B0604020202020204" pitchFamily="34" charset="0"/>
                     </a:endParaRPr>
@@ -17837,7 +17828,7 @@
                         </m:oMath>
                       </m:oMathPara>
                     </a14:m>
-                    <a:endParaRPr lang="en-US" sz="2000" dirty="0" smtClean="0">
+                    <a:endParaRPr lang="en-US" sz="2000" dirty="0">
                       <a:latin typeface="Arial" panose="020B0604020202020204" pitchFamily="34" charset="0"/>
                       <a:cs typeface="Arial" panose="020B0604020202020204" pitchFamily="34" charset="0"/>
                     </a:endParaRPr>
@@ -17990,7 +17981,7 @@
                         </m:oMath>
                       </m:oMathPara>
                     </a14:m>
-                    <a:endParaRPr lang="en-US" sz="2000" dirty="0" smtClean="0">
+                    <a:endParaRPr lang="en-US" sz="2000" dirty="0">
                       <a:solidFill>
                         <a:schemeClr val="accent1"/>
                       </a:solidFill>
@@ -18117,7 +18108,7 @@
                         </m:oMath>
                       </m:oMathPara>
                     </a14:m>
-                    <a:endParaRPr lang="en-US" sz="2000" dirty="0" smtClean="0">
+                    <a:endParaRPr lang="en-US" sz="2000" dirty="0">
                       <a:latin typeface="Arial" panose="020B0604020202020204" pitchFamily="34" charset="0"/>
                       <a:cs typeface="Arial" panose="020B0604020202020204" pitchFamily="34" charset="0"/>
                     </a:endParaRPr>
@@ -18251,7 +18242,7 @@
                         </m:oMath>
                       </m:oMathPara>
                     </a14:m>
-                    <a:endParaRPr lang="en-US" sz="2000" dirty="0" smtClean="0">
+                    <a:endParaRPr lang="en-US" sz="2000" dirty="0">
                       <a:latin typeface="Arial" panose="020B0604020202020204" pitchFamily="34" charset="0"/>
                       <a:cs typeface="Arial" panose="020B0604020202020204" pitchFamily="34" charset="0"/>
                     </a:endParaRPr>
@@ -18345,13 +18336,6 @@
   <p:clrMapOvr>
     <a:masterClrMapping/>
   </p:clrMapOvr>
-  <p:timing>
-    <p:tnLst>
-      <p:par>
-        <p:cTn id="1" dur="indefinite" restart="never" nodeType="tmRoot"/>
-      </p:par>
-    </p:tnLst>
-  </p:timing>
 </p:sld>
 </file>
 
@@ -18639,8 +18623,8 @@
             </a:fontRef>
           </p:style>
         </p:cxnSp>
-        <mc:AlternateContent xmlns:mc="http://schemas.openxmlformats.org/markup-compatibility/2006">
-          <mc:Choice xmlns:a14="http://schemas.microsoft.com/office/drawing/2010/main" Requires="a14">
+        <mc:AlternateContent xmlns:mc="http://schemas.openxmlformats.org/markup-compatibility/2006" xmlns:a14="http://schemas.microsoft.com/office/drawing/2010/main">
+          <mc:Choice Requires="a14">
             <p:sp>
               <p:nvSpPr>
                 <p:cNvPr id="122" name="TextBox 121"/>
@@ -18680,7 +18664,7 @@
                       </m:oMath>
                     </m:oMathPara>
                   </a14:m>
-                  <a:endParaRPr lang="en-US" sz="2000" dirty="0" smtClean="0">
+                  <a:endParaRPr lang="en-US" sz="2000" dirty="0">
                     <a:latin typeface="Arial" panose="020B0604020202020204" pitchFamily="34" charset="0"/>
                     <a:cs typeface="Arial" panose="020B0604020202020204" pitchFamily="34" charset="0"/>
                   </a:endParaRPr>
@@ -18688,7 +18672,7 @@
               </p:txBody>
             </p:sp>
           </mc:Choice>
-          <mc:Fallback>
+          <mc:Fallback xmlns="">
             <p:sp>
               <p:nvSpPr>
                 <p:cNvPr id="122" name="TextBox 121"/>
@@ -18763,8 +18747,8 @@
             </a:fontRef>
           </p:style>
         </p:cxnSp>
-        <mc:AlternateContent xmlns:mc="http://schemas.openxmlformats.org/markup-compatibility/2006">
-          <mc:Choice xmlns:a14="http://schemas.microsoft.com/office/drawing/2010/main" Requires="a14">
+        <mc:AlternateContent xmlns:mc="http://schemas.openxmlformats.org/markup-compatibility/2006" xmlns:a14="http://schemas.microsoft.com/office/drawing/2010/main">
+          <mc:Choice Requires="a14">
             <p:sp>
               <p:nvSpPr>
                 <p:cNvPr id="124" name="TextBox 123"/>
@@ -18804,7 +18788,7 @@
                       </m:oMath>
                     </m:oMathPara>
                   </a14:m>
-                  <a:endParaRPr lang="en-US" sz="2000" dirty="0" smtClean="0">
+                  <a:endParaRPr lang="en-US" sz="2000" dirty="0">
                     <a:latin typeface="Arial" panose="020B0604020202020204" pitchFamily="34" charset="0"/>
                     <a:cs typeface="Arial" panose="020B0604020202020204" pitchFamily="34" charset="0"/>
                   </a:endParaRPr>
@@ -18812,7 +18796,7 @@
               </p:txBody>
             </p:sp>
           </mc:Choice>
-          <mc:Fallback>
+          <mc:Fallback xmlns="">
             <p:sp>
               <p:nvSpPr>
                 <p:cNvPr id="124" name="TextBox 123"/>
@@ -18851,8 +18835,8 @@
             </p:sp>
           </mc:Fallback>
         </mc:AlternateContent>
-        <mc:AlternateContent xmlns:mc="http://schemas.openxmlformats.org/markup-compatibility/2006">
-          <mc:Choice xmlns:a14="http://schemas.microsoft.com/office/drawing/2010/main" Requires="a14">
+        <mc:AlternateContent xmlns:mc="http://schemas.openxmlformats.org/markup-compatibility/2006" xmlns:a14="http://schemas.microsoft.com/office/drawing/2010/main">
+          <mc:Choice Requires="a14">
             <p:sp>
               <p:nvSpPr>
                 <p:cNvPr id="125" name="TextBox 124"/>
@@ -18892,7 +18876,7 @@
                       </m:oMath>
                     </m:oMathPara>
                   </a14:m>
-                  <a:endParaRPr lang="en-US" sz="2000" dirty="0" smtClean="0">
+                  <a:endParaRPr lang="en-US" sz="2000" dirty="0">
                     <a:latin typeface="Arial" panose="020B0604020202020204" pitchFamily="34" charset="0"/>
                     <a:cs typeface="Arial" panose="020B0604020202020204" pitchFamily="34" charset="0"/>
                   </a:endParaRPr>
@@ -18900,7 +18884,7 @@
               </p:txBody>
             </p:sp>
           </mc:Choice>
-          <mc:Fallback>
+          <mc:Fallback xmlns="">
             <p:sp>
               <p:nvSpPr>
                 <p:cNvPr id="125" name="TextBox 124"/>
@@ -19408,8 +19392,8 @@
           </a:fontRef>
         </p:style>
       </p:cxnSp>
-      <mc:AlternateContent xmlns:mc="http://schemas.openxmlformats.org/markup-compatibility/2006">
-        <mc:Choice xmlns:a14="http://schemas.microsoft.com/office/drawing/2010/main" Requires="a14">
+      <mc:AlternateContent xmlns:mc="http://schemas.openxmlformats.org/markup-compatibility/2006" xmlns:a14="http://schemas.microsoft.com/office/drawing/2010/main">
+        <mc:Choice Requires="a14">
           <p:sp>
             <p:nvSpPr>
               <p:cNvPr id="140" name="TextBox 139"/>
@@ -19449,7 +19433,7 @@
                     </m:oMath>
                   </m:oMathPara>
                 </a14:m>
-                <a:endParaRPr lang="en-US" sz="2000" dirty="0" smtClean="0">
+                <a:endParaRPr lang="en-US" sz="2000" dirty="0">
                   <a:latin typeface="Arial" panose="020B0604020202020204" pitchFamily="34" charset="0"/>
                   <a:cs typeface="Arial" panose="020B0604020202020204" pitchFamily="34" charset="0"/>
                 </a:endParaRPr>
@@ -19457,7 +19441,7 @@
             </p:txBody>
           </p:sp>
         </mc:Choice>
-        <mc:Fallback>
+        <mc:Fallback xmlns="">
           <p:sp>
             <p:nvSpPr>
               <p:cNvPr id="140" name="TextBox 139"/>
@@ -19532,8 +19516,8 @@
           </a:fontRef>
         </p:style>
       </p:cxnSp>
-      <mc:AlternateContent xmlns:mc="http://schemas.openxmlformats.org/markup-compatibility/2006">
-        <mc:Choice xmlns:a14="http://schemas.microsoft.com/office/drawing/2010/main" Requires="a14">
+      <mc:AlternateContent xmlns:mc="http://schemas.openxmlformats.org/markup-compatibility/2006" xmlns:a14="http://schemas.microsoft.com/office/drawing/2010/main">
+        <mc:Choice Requires="a14">
           <p:sp>
             <p:nvSpPr>
               <p:cNvPr id="142" name="TextBox 141"/>
@@ -19573,7 +19557,7 @@
                     </m:oMath>
                   </m:oMathPara>
                 </a14:m>
-                <a:endParaRPr lang="en-US" sz="2000" dirty="0" smtClean="0">
+                <a:endParaRPr lang="en-US" sz="2000" dirty="0">
                   <a:latin typeface="Arial" panose="020B0604020202020204" pitchFamily="34" charset="0"/>
                   <a:cs typeface="Arial" panose="020B0604020202020204" pitchFamily="34" charset="0"/>
                 </a:endParaRPr>
@@ -19581,7 +19565,7 @@
             </p:txBody>
           </p:sp>
         </mc:Choice>
-        <mc:Fallback>
+        <mc:Fallback xmlns="">
           <p:sp>
             <p:nvSpPr>
               <p:cNvPr id="142" name="TextBox 141"/>
@@ -19620,8 +19604,8 @@
           </p:sp>
         </mc:Fallback>
       </mc:AlternateContent>
-      <mc:AlternateContent xmlns:mc="http://schemas.openxmlformats.org/markup-compatibility/2006">
-        <mc:Choice xmlns:a14="http://schemas.microsoft.com/office/drawing/2010/main" Requires="a14">
+      <mc:AlternateContent xmlns:mc="http://schemas.openxmlformats.org/markup-compatibility/2006" xmlns:a14="http://schemas.microsoft.com/office/drawing/2010/main">
+        <mc:Choice Requires="a14">
           <p:sp>
             <p:nvSpPr>
               <p:cNvPr id="143" name="TextBox 142"/>
@@ -19661,7 +19645,7 @@
                     </m:oMath>
                   </m:oMathPara>
                 </a14:m>
-                <a:endParaRPr lang="en-US" sz="2000" dirty="0" smtClean="0">
+                <a:endParaRPr lang="en-US" sz="2000" dirty="0">
                   <a:latin typeface="Arial" panose="020B0604020202020204" pitchFamily="34" charset="0"/>
                   <a:cs typeface="Arial" panose="020B0604020202020204" pitchFamily="34" charset="0"/>
                 </a:endParaRPr>
@@ -19669,7 +19653,7 @@
             </p:txBody>
           </p:sp>
         </mc:Choice>
-        <mc:Fallback>
+        <mc:Fallback xmlns="">
           <p:sp>
             <p:nvSpPr>
               <p:cNvPr id="143" name="TextBox 142"/>
@@ -19933,13 +19917,6 @@
   <p:clrMapOvr>
     <a:masterClrMapping/>
   </p:clrMapOvr>
-  <p:timing>
-    <p:tnLst>
-      <p:par>
-        <p:cTn id="1" dur="indefinite" restart="never" nodeType="tmRoot"/>
-      </p:par>
-    </p:tnLst>
-  </p:timing>
 </p:sld>
 </file>
 
@@ -20215,8 +20192,8 @@
           </a:fontRef>
         </p:style>
       </p:cxnSp>
-      <mc:AlternateContent xmlns:mc="http://schemas.openxmlformats.org/markup-compatibility/2006">
-        <mc:Choice xmlns:a14="http://schemas.microsoft.com/office/drawing/2010/main" Requires="a14">
+      <mc:AlternateContent xmlns:mc="http://schemas.openxmlformats.org/markup-compatibility/2006" xmlns:a14="http://schemas.microsoft.com/office/drawing/2010/main">
+        <mc:Choice Requires="a14">
           <p:sp>
             <p:nvSpPr>
               <p:cNvPr id="83" name="TextBox 82"/>
@@ -20256,7 +20233,7 @@
                     </m:oMath>
                   </m:oMathPara>
                 </a14:m>
-                <a:endParaRPr lang="en-US" sz="2000" dirty="0" smtClean="0">
+                <a:endParaRPr lang="en-US" sz="2000" dirty="0">
                   <a:latin typeface="Arial" panose="020B0604020202020204" pitchFamily="34" charset="0"/>
                   <a:cs typeface="Arial" panose="020B0604020202020204" pitchFamily="34" charset="0"/>
                 </a:endParaRPr>
@@ -20264,7 +20241,7 @@
             </p:txBody>
           </p:sp>
         </mc:Choice>
-        <mc:Fallback>
+        <mc:Fallback xmlns="">
           <p:sp>
             <p:nvSpPr>
               <p:cNvPr id="83" name="TextBox 82"/>
@@ -20339,8 +20316,8 @@
           </a:fontRef>
         </p:style>
       </p:cxnSp>
-      <mc:AlternateContent xmlns:mc="http://schemas.openxmlformats.org/markup-compatibility/2006">
-        <mc:Choice xmlns:a14="http://schemas.microsoft.com/office/drawing/2010/main" Requires="a14">
+      <mc:AlternateContent xmlns:mc="http://schemas.openxmlformats.org/markup-compatibility/2006" xmlns:a14="http://schemas.microsoft.com/office/drawing/2010/main">
+        <mc:Choice Requires="a14">
           <p:sp>
             <p:nvSpPr>
               <p:cNvPr id="85" name="TextBox 84"/>
@@ -20380,7 +20357,7 @@
                     </m:oMath>
                   </m:oMathPara>
                 </a14:m>
-                <a:endParaRPr lang="en-US" sz="2000" dirty="0" smtClean="0">
+                <a:endParaRPr lang="en-US" sz="2000" dirty="0">
                   <a:latin typeface="Arial" panose="020B0604020202020204" pitchFamily="34" charset="0"/>
                   <a:cs typeface="Arial" panose="020B0604020202020204" pitchFamily="34" charset="0"/>
                 </a:endParaRPr>
@@ -20388,7 +20365,7 @@
             </p:txBody>
           </p:sp>
         </mc:Choice>
-        <mc:Fallback>
+        <mc:Fallback xmlns="">
           <p:sp>
             <p:nvSpPr>
               <p:cNvPr id="85" name="TextBox 84"/>
@@ -20427,8 +20404,8 @@
           </p:sp>
         </mc:Fallback>
       </mc:AlternateContent>
-      <mc:AlternateContent xmlns:mc="http://schemas.openxmlformats.org/markup-compatibility/2006">
-        <mc:Choice xmlns:a14="http://schemas.microsoft.com/office/drawing/2010/main" Requires="a14">
+      <mc:AlternateContent xmlns:mc="http://schemas.openxmlformats.org/markup-compatibility/2006" xmlns:a14="http://schemas.microsoft.com/office/drawing/2010/main">
+        <mc:Choice Requires="a14">
           <p:sp>
             <p:nvSpPr>
               <p:cNvPr id="86" name="TextBox 85"/>
@@ -20468,7 +20445,7 @@
                     </m:oMath>
                   </m:oMathPara>
                 </a14:m>
-                <a:endParaRPr lang="en-US" sz="2000" dirty="0" smtClean="0">
+                <a:endParaRPr lang="en-US" sz="2000" dirty="0">
                   <a:latin typeface="Arial" panose="020B0604020202020204" pitchFamily="34" charset="0"/>
                   <a:cs typeface="Arial" panose="020B0604020202020204" pitchFamily="34" charset="0"/>
                 </a:endParaRPr>
@@ -20476,7 +20453,7 @@
             </p:txBody>
           </p:sp>
         </mc:Choice>
-        <mc:Fallback>
+        <mc:Fallback xmlns="">
           <p:sp>
             <p:nvSpPr>
               <p:cNvPr id="86" name="TextBox 85"/>
@@ -20985,8 +20962,8 @@
           </a:fontRef>
         </p:style>
       </p:cxnSp>
-      <mc:AlternateContent xmlns:mc="http://schemas.openxmlformats.org/markup-compatibility/2006">
-        <mc:Choice xmlns:a14="http://schemas.microsoft.com/office/drawing/2010/main" Requires="a14">
+      <mc:AlternateContent xmlns:mc="http://schemas.openxmlformats.org/markup-compatibility/2006" xmlns:a14="http://schemas.microsoft.com/office/drawing/2010/main">
+        <mc:Choice Requires="a14">
           <p:sp>
             <p:nvSpPr>
               <p:cNvPr id="105" name="TextBox 104"/>
@@ -21026,7 +21003,7 @@
                     </m:oMath>
                   </m:oMathPara>
                 </a14:m>
-                <a:endParaRPr lang="en-US" sz="2000" dirty="0" smtClean="0">
+                <a:endParaRPr lang="en-US" sz="2000" dirty="0">
                   <a:latin typeface="Arial" panose="020B0604020202020204" pitchFamily="34" charset="0"/>
                   <a:cs typeface="Arial" panose="020B0604020202020204" pitchFamily="34" charset="0"/>
                 </a:endParaRPr>
@@ -21034,7 +21011,7 @@
             </p:txBody>
           </p:sp>
         </mc:Choice>
-        <mc:Fallback>
+        <mc:Fallback xmlns="">
           <p:sp>
             <p:nvSpPr>
               <p:cNvPr id="105" name="TextBox 104"/>
@@ -21109,8 +21086,8 @@
           </a:fontRef>
         </p:style>
       </p:cxnSp>
-      <mc:AlternateContent xmlns:mc="http://schemas.openxmlformats.org/markup-compatibility/2006">
-        <mc:Choice xmlns:a14="http://schemas.microsoft.com/office/drawing/2010/main" Requires="a14">
+      <mc:AlternateContent xmlns:mc="http://schemas.openxmlformats.org/markup-compatibility/2006" xmlns:a14="http://schemas.microsoft.com/office/drawing/2010/main">
+        <mc:Choice Requires="a14">
           <p:sp>
             <p:nvSpPr>
               <p:cNvPr id="107" name="TextBox 106"/>
@@ -21150,7 +21127,7 @@
                     </m:oMath>
                   </m:oMathPara>
                 </a14:m>
-                <a:endParaRPr lang="en-US" sz="2000" dirty="0" smtClean="0">
+                <a:endParaRPr lang="en-US" sz="2000" dirty="0">
                   <a:latin typeface="Arial" panose="020B0604020202020204" pitchFamily="34" charset="0"/>
                   <a:cs typeface="Arial" panose="020B0604020202020204" pitchFamily="34" charset="0"/>
                 </a:endParaRPr>
@@ -21158,7 +21135,7 @@
             </p:txBody>
           </p:sp>
         </mc:Choice>
-        <mc:Fallback>
+        <mc:Fallback xmlns="">
           <p:sp>
             <p:nvSpPr>
               <p:cNvPr id="107" name="TextBox 106"/>
@@ -21197,8 +21174,8 @@
           </p:sp>
         </mc:Fallback>
       </mc:AlternateContent>
-      <mc:AlternateContent xmlns:mc="http://schemas.openxmlformats.org/markup-compatibility/2006">
-        <mc:Choice xmlns:a14="http://schemas.microsoft.com/office/drawing/2010/main" Requires="a14">
+      <mc:AlternateContent xmlns:mc="http://schemas.openxmlformats.org/markup-compatibility/2006" xmlns:a14="http://schemas.microsoft.com/office/drawing/2010/main">
+        <mc:Choice Requires="a14">
           <p:sp>
             <p:nvSpPr>
               <p:cNvPr id="108" name="TextBox 107"/>
@@ -21238,7 +21215,7 @@
                     </m:oMath>
                   </m:oMathPara>
                 </a14:m>
-                <a:endParaRPr lang="en-US" sz="2000" dirty="0" smtClean="0">
+                <a:endParaRPr lang="en-US" sz="2000" dirty="0">
                   <a:latin typeface="Arial" panose="020B0604020202020204" pitchFamily="34" charset="0"/>
                   <a:cs typeface="Arial" panose="020B0604020202020204" pitchFamily="34" charset="0"/>
                 </a:endParaRPr>
@@ -21246,7 +21223,7 @@
             </p:txBody>
           </p:sp>
         </mc:Choice>
-        <mc:Fallback>
+        <mc:Fallback xmlns="">
           <p:sp>
             <p:nvSpPr>
               <p:cNvPr id="108" name="TextBox 107"/>
@@ -21539,9 +21516,9 @@
         <p:grpSpPr>
           <a:xfrm>
             <a:off x="318395" y="778632"/>
-            <a:ext cx="3563412" cy="3341913"/>
+            <a:ext cx="3832697" cy="3341913"/>
             <a:chOff x="318395" y="778632"/>
-            <a:chExt cx="3563412" cy="3341913"/>
+            <a:chExt cx="3832697" cy="3341913"/>
           </a:xfrm>
         </p:grpSpPr>
         <p:grpSp>
@@ -21553,9 +21530,9 @@
           <p:grpSpPr>
             <a:xfrm>
               <a:off x="318395" y="778632"/>
-              <a:ext cx="3563412" cy="3341913"/>
+              <a:ext cx="3832697" cy="3341913"/>
               <a:chOff x="2400583" y="1836252"/>
-              <a:chExt cx="3563412" cy="3341913"/>
+              <a:chExt cx="3832697" cy="3341913"/>
             </a:xfrm>
           </p:grpSpPr>
           <p:cxnSp>
@@ -21631,8 +21608,8 @@
               </a:fontRef>
             </p:style>
           </p:cxnSp>
-          <mc:AlternateContent xmlns:mc="http://schemas.openxmlformats.org/markup-compatibility/2006">
-            <mc:Choice xmlns:a14="http://schemas.microsoft.com/office/drawing/2010/main" Requires="a14">
+          <mc:AlternateContent xmlns:mc="http://schemas.openxmlformats.org/markup-compatibility/2006" xmlns:a14="http://schemas.microsoft.com/office/drawing/2010/main">
+            <mc:Choice Requires="a14">
               <p:sp>
                 <p:nvSpPr>
                   <p:cNvPr id="7" name="TextBox 6"/>
@@ -21665,7 +21642,7 @@
                           <m:sSub>
                             <m:sSubPr>
                               <m:ctrlPr>
-                                <a:rPr lang="en-US" sz="2000" b="0" i="0" smtClean="0">
+                                <a:rPr lang="en-US" sz="2000" b="0" i="1" smtClean="0">
                                   <a:latin typeface="Cambria Math" panose="02040503050406030204" pitchFamily="18" charset="0"/>
                                   <a:cs typeface="Arial" panose="020B0604020202020204" pitchFamily="34" charset="0"/>
                                 </a:rPr>
@@ -21693,7 +21670,7 @@
                         </m:oMath>
                       </m:oMathPara>
                     </a14:m>
-                    <a:endParaRPr lang="en-US" sz="2000" dirty="0" smtClean="0">
+                    <a:endParaRPr lang="en-US" sz="2000" dirty="0">
                       <a:latin typeface="Arial" panose="020B0604020202020204" pitchFamily="34" charset="0"/>
                       <a:cs typeface="Arial" panose="020B0604020202020204" pitchFamily="34" charset="0"/>
                     </a:endParaRPr>
@@ -21701,7 +21678,7 @@
                 </p:txBody>
               </p:sp>
             </mc:Choice>
-            <mc:Fallback>
+            <mc:Fallback xmlns="">
               <p:sp>
                 <p:nvSpPr>
                   <p:cNvPr id="7" name="TextBox 6"/>
@@ -21776,8 +21753,8 @@
               </a:fontRef>
             </p:style>
           </p:cxnSp>
-          <mc:AlternateContent xmlns:mc="http://schemas.openxmlformats.org/markup-compatibility/2006">
-            <mc:Choice xmlns:a14="http://schemas.microsoft.com/office/drawing/2010/main" Requires="a14">
+          <mc:AlternateContent xmlns:mc="http://schemas.openxmlformats.org/markup-compatibility/2006" xmlns:a14="http://schemas.microsoft.com/office/drawing/2010/main">
+            <mc:Choice Requires="a14">
               <p:sp>
                 <p:nvSpPr>
                   <p:cNvPr id="10" name="TextBox 9"/>
@@ -21863,7 +21840,7 @@
                         </m:oMath>
                       </m:oMathPara>
                     </a14:m>
-                    <a:endParaRPr lang="en-US" sz="2000" dirty="0" smtClean="0">
+                    <a:endParaRPr lang="en-US" sz="2000" dirty="0">
                       <a:solidFill>
                         <a:srgbClr val="FF0000"/>
                       </a:solidFill>
@@ -21874,7 +21851,7 @@
                 </p:txBody>
               </p:sp>
             </mc:Choice>
-            <mc:Fallback>
+            <mc:Fallback xmlns="">
               <p:sp>
                 <p:nvSpPr>
                   <p:cNvPr id="10" name="TextBox 9"/>
@@ -22310,8 +22287,8 @@
               </a:fontRef>
             </p:style>
           </p:cxnSp>
-          <mc:AlternateContent xmlns:mc="http://schemas.openxmlformats.org/markup-compatibility/2006">
-            <mc:Choice xmlns:a14="http://schemas.microsoft.com/office/drawing/2010/main" Requires="a14">
+          <mc:AlternateContent xmlns:mc="http://schemas.openxmlformats.org/markup-compatibility/2006" xmlns:a14="http://schemas.microsoft.com/office/drawing/2010/main">
+            <mc:Choice Requires="a14">
               <p:sp>
                 <p:nvSpPr>
                   <p:cNvPr id="26" name="TextBox 25"/>
@@ -22344,7 +22321,7 @@
                           <m:sSub>
                             <m:sSubPr>
                               <m:ctrlPr>
-                                <a:rPr lang="en-US" sz="2000" b="0" i="0" smtClean="0">
+                                <a:rPr lang="en-US" sz="2000" b="0" i="1" smtClean="0">
                                   <a:latin typeface="Cambria Math" panose="02040503050406030204" pitchFamily="18" charset="0"/>
                                   <a:cs typeface="Arial" panose="020B0604020202020204" pitchFamily="34" charset="0"/>
                                 </a:rPr>
@@ -22372,7 +22349,7 @@
                         </m:oMath>
                       </m:oMathPara>
                     </a14:m>
-                    <a:endParaRPr lang="en-US" sz="2000" dirty="0" smtClean="0">
+                    <a:endParaRPr lang="en-US" sz="2000" dirty="0">
                       <a:latin typeface="Arial" panose="020B0604020202020204" pitchFamily="34" charset="0"/>
                       <a:cs typeface="Arial" panose="020B0604020202020204" pitchFamily="34" charset="0"/>
                     </a:endParaRPr>
@@ -22380,7 +22357,7 @@
                 </p:txBody>
               </p:sp>
             </mc:Choice>
-            <mc:Fallback>
+            <mc:Fallback xmlns="">
               <p:sp>
                 <p:nvSpPr>
                   <p:cNvPr id="26" name="TextBox 25"/>
@@ -22465,7 +22442,7 @@
                 </p:nvSpPr>
                 <p:spPr>
                   <a:xfrm>
-                    <a:off x="4326684" y="3212734"/>
+                    <a:off x="5886069" y="3236521"/>
                     <a:ext cx="347211" cy="345159"/>
                   </a:xfrm>
                   <a:prstGeom prst="rect">
@@ -22489,7 +22466,7 @@
                           <m:sSub>
                             <m:sSubPr>
                               <m:ctrlPr>
-                                <a:rPr lang="en-US" sz="2000" b="0" i="0" smtClean="0">
+                                <a:rPr lang="en-US" sz="2000" b="0" i="1" smtClean="0">
                                   <a:solidFill>
                                     <a:srgbClr val="FF0000"/>
                                   </a:solidFill>
@@ -22542,7 +22519,7 @@
                         </m:oMath>
                       </m:oMathPara>
                     </a14:m>
-                    <a:endParaRPr lang="en-US" sz="2000" dirty="0" smtClean="0">
+                    <a:endParaRPr lang="en-US" sz="2000" dirty="0">
                       <a:solidFill>
                         <a:srgbClr val="FF0000"/>
                       </a:solidFill>
@@ -22564,7 +22541,7 @@
                 </p:nvSpPr>
                 <p:spPr>
                   <a:xfrm>
-                    <a:off x="4326684" y="3212734"/>
+                    <a:off x="5886069" y="3236521"/>
                     <a:ext cx="347211" cy="345159"/>
                   </a:xfrm>
                   <a:prstGeom prst="rect">
@@ -22573,7 +22550,7 @@
                   <a:blipFill>
                     <a:blip r:embed="rId5"/>
                     <a:stretch>
-                      <a:fillRect l="-14035" r="-7018" b="-17857"/>
+                      <a:fillRect l="-15789" r="-5263" b="-17544"/>
                     </a:stretch>
                   </a:blipFill>
                 </p:spPr>
@@ -22956,8 +22933,8 @@
               </a:fontRef>
             </p:style>
           </p:cxnSp>
-          <mc:AlternateContent xmlns:mc="http://schemas.openxmlformats.org/markup-compatibility/2006">
-            <mc:Choice xmlns:a14="http://schemas.microsoft.com/office/drawing/2010/main" Requires="a14">
+          <mc:AlternateContent xmlns:mc="http://schemas.openxmlformats.org/markup-compatibility/2006" xmlns:a14="http://schemas.microsoft.com/office/drawing/2010/main">
+            <mc:Choice Requires="a14">
               <p:sp>
                 <p:nvSpPr>
                   <p:cNvPr id="46" name="TextBox 45"/>
@@ -22980,6 +22957,7 @@
                   </a:bodyPr>
                   <a:lstStyle/>
                   <a:p>
+                    <a:pPr/>
                     <a14:m>
                       <m:oMathPara xmlns:m="http://schemas.openxmlformats.org/officeDocument/2006/math">
                         <m:oMathParaPr>
@@ -23030,7 +23008,7 @@
                         </m:oMath>
                       </m:oMathPara>
                     </a14:m>
-                    <a:endParaRPr lang="en-US" sz="2000" dirty="0" smtClean="0">
+                    <a:endParaRPr lang="en-US" sz="2000" dirty="0">
                       <a:latin typeface="Arial" panose="020B0604020202020204" pitchFamily="34" charset="0"/>
                       <a:cs typeface="Arial" panose="020B0604020202020204" pitchFamily="34" charset="0"/>
                     </a:endParaRPr>
@@ -23038,7 +23016,7 @@
                 </p:txBody>
               </p:sp>
             </mc:Choice>
-            <mc:Fallback>
+            <mc:Fallback xmlns="">
               <p:sp>
                 <p:nvSpPr>
                   <p:cNvPr id="46" name="TextBox 45"/>
@@ -23113,8 +23091,8 @@
               </a:fontRef>
             </p:style>
           </p:cxnSp>
-          <mc:AlternateContent xmlns:mc="http://schemas.openxmlformats.org/markup-compatibility/2006">
-            <mc:Choice xmlns:a14="http://schemas.microsoft.com/office/drawing/2010/main" Requires="a14">
+          <mc:AlternateContent xmlns:mc="http://schemas.openxmlformats.org/markup-compatibility/2006" xmlns:a14="http://schemas.microsoft.com/office/drawing/2010/main">
+            <mc:Choice Requires="a14">
               <p:sp>
                 <p:nvSpPr>
                   <p:cNvPr id="50" name="TextBox 49"/>
@@ -23137,6 +23115,7 @@
                   </a:bodyPr>
                   <a:lstStyle/>
                   <a:p>
+                    <a:pPr/>
                     <a14:m>
                       <m:oMathPara xmlns:m="http://schemas.openxmlformats.org/officeDocument/2006/math">
                         <m:oMathParaPr>
@@ -23187,7 +23166,7 @@
                         </m:oMath>
                       </m:oMathPara>
                     </a14:m>
-                    <a:endParaRPr lang="en-US" sz="2000" dirty="0" smtClean="0">
+                    <a:endParaRPr lang="en-US" sz="2000" dirty="0">
                       <a:latin typeface="Arial" panose="020B0604020202020204" pitchFamily="34" charset="0"/>
                       <a:cs typeface="Arial" panose="020B0604020202020204" pitchFamily="34" charset="0"/>
                     </a:endParaRPr>
@@ -23195,7 +23174,7 @@
                 </p:txBody>
               </p:sp>
             </mc:Choice>
-            <mc:Fallback>
+            <mc:Fallback xmlns="">
               <p:sp>
                 <p:nvSpPr>
                   <p:cNvPr id="50" name="TextBox 49"/>
@@ -23343,8 +23322,8 @@
               </p:txBody>
             </p:sp>
           </p:grpSp>
-          <mc:AlternateContent xmlns:mc="http://schemas.openxmlformats.org/markup-compatibility/2006">
-            <mc:Choice xmlns:a14="http://schemas.microsoft.com/office/drawing/2010/main" Requires="a14">
+          <mc:AlternateContent xmlns:mc="http://schemas.openxmlformats.org/markup-compatibility/2006" xmlns:a14="http://schemas.microsoft.com/office/drawing/2010/main">
+            <mc:Choice Requires="a14">
               <p:sp>
                 <p:nvSpPr>
                   <p:cNvPr id="178" name="TextBox 177"/>
@@ -23430,7 +23409,7 @@
                         </m:oMath>
                       </m:oMathPara>
                     </a14:m>
-                    <a:endParaRPr lang="en-US" sz="2000" dirty="0" smtClean="0">
+                    <a:endParaRPr lang="en-US" sz="2000" dirty="0">
                       <a:solidFill>
                         <a:srgbClr val="FF0000"/>
                       </a:solidFill>
@@ -23441,7 +23420,7 @@
                 </p:txBody>
               </p:sp>
             </mc:Choice>
-            <mc:Fallback>
+            <mc:Fallback xmlns="">
               <p:sp>
                 <p:nvSpPr>
                   <p:cNvPr id="178" name="TextBox 177"/>
@@ -23480,8 +23459,8 @@
               </p:sp>
             </mc:Fallback>
           </mc:AlternateContent>
-          <mc:AlternateContent xmlns:mc="http://schemas.openxmlformats.org/markup-compatibility/2006">
-            <mc:Choice xmlns:a14="http://schemas.microsoft.com/office/drawing/2010/main" Requires="a14">
+          <mc:AlternateContent xmlns:mc="http://schemas.openxmlformats.org/markup-compatibility/2006" xmlns:a14="http://schemas.microsoft.com/office/drawing/2010/main">
+            <mc:Choice Requires="a14">
               <p:sp>
                 <p:nvSpPr>
                   <p:cNvPr id="179" name="TextBox 178"/>
@@ -23514,7 +23493,7 @@
                           <m:sSub>
                             <m:sSubPr>
                               <m:ctrlPr>
-                                <a:rPr lang="en-US" sz="2000" b="0" i="0" smtClean="0">
+                                <a:rPr lang="en-US" sz="2000" b="0" i="1" smtClean="0">
                                   <a:solidFill>
                                     <a:srgbClr val="FF0000"/>
                                   </a:solidFill>
@@ -23567,7 +23546,7 @@
                         </m:oMath>
                       </m:oMathPara>
                     </a14:m>
-                    <a:endParaRPr lang="en-US" sz="2000" dirty="0" smtClean="0">
+                    <a:endParaRPr lang="en-US" sz="2000" dirty="0">
                       <a:solidFill>
                         <a:srgbClr val="FF0000"/>
                       </a:solidFill>
@@ -23578,7 +23557,7 @@
                 </p:txBody>
               </p:sp>
             </mc:Choice>
-            <mc:Fallback>
+            <mc:Fallback xmlns="">
               <p:sp>
                 <p:nvSpPr>
                   <p:cNvPr id="179" name="TextBox 178"/>
@@ -23704,8 +23683,8 @@
             </a:fontRef>
           </p:style>
         </p:cxnSp>
-        <mc:AlternateContent xmlns:mc="http://schemas.openxmlformats.org/markup-compatibility/2006">
-          <mc:Choice xmlns:a14="http://schemas.microsoft.com/office/drawing/2010/main" Requires="a14">
+        <mc:AlternateContent xmlns:mc="http://schemas.openxmlformats.org/markup-compatibility/2006" xmlns:a14="http://schemas.microsoft.com/office/drawing/2010/main">
+          <mc:Choice Requires="a14">
             <p:sp>
               <p:nvSpPr>
                 <p:cNvPr id="191" name="TextBox 190"/>
@@ -23728,6 +23707,7 @@
                 </a:bodyPr>
                 <a:lstStyle/>
                 <a:p>
+                  <a:pPr/>
                   <a14:m>
                     <m:oMathPara xmlns:m="http://schemas.openxmlformats.org/officeDocument/2006/math">
                       <m:oMathParaPr>
@@ -23744,7 +23724,7 @@
                       </m:oMath>
                     </m:oMathPara>
                   </a14:m>
-                  <a:endParaRPr lang="en-US" sz="2000" dirty="0" smtClean="0">
+                  <a:endParaRPr lang="en-US" sz="2000" dirty="0">
                     <a:latin typeface="Arial" panose="020B0604020202020204" pitchFamily="34" charset="0"/>
                     <a:cs typeface="Arial" panose="020B0604020202020204" pitchFamily="34" charset="0"/>
                   </a:endParaRPr>
@@ -23752,7 +23732,7 @@
               </p:txBody>
             </p:sp>
           </mc:Choice>
-          <mc:Fallback>
+          <mc:Fallback xmlns="">
             <p:sp>
               <p:nvSpPr>
                 <p:cNvPr id="191" name="TextBox 190"/>

--- a/tex/figures/MagneticSource/Figures.pptx
+++ b/tex/figures/MagneticSource/Figures.pptx
@@ -206,7 +206,7 @@
           <a:p>
             <a:fld id="{FA15A6B2-55AC-CD4B-A1E6-BB01091FE9DC}" type="datetimeFigureOut">
               <a:rPr lang="en-US" smtClean="0"/>
-              <a:t>7/29/2019</a:t>
+              <a:t>7/30/2019</a:t>
             </a:fld>
             <a:endParaRPr lang="en-US"/>
           </a:p>
@@ -604,7 +604,7 @@
           <a:p>
             <a:fld id="{F7249F8D-641B-4CAF-BAE5-10524742F6F1}" type="datetimeFigureOut">
               <a:rPr lang="en-CA" smtClean="0"/>
-              <a:t>2019-07-29</a:t>
+              <a:t>2019-07-30</a:t>
             </a:fld>
             <a:endParaRPr lang="en-CA"/>
           </a:p>
@@ -774,7 +774,7 @@
           <a:p>
             <a:fld id="{F7249F8D-641B-4CAF-BAE5-10524742F6F1}" type="datetimeFigureOut">
               <a:rPr lang="en-CA" smtClean="0"/>
-              <a:t>2019-07-29</a:t>
+              <a:t>2019-07-30</a:t>
             </a:fld>
             <a:endParaRPr lang="en-CA"/>
           </a:p>
@@ -954,7 +954,7 @@
           <a:p>
             <a:fld id="{F7249F8D-641B-4CAF-BAE5-10524742F6F1}" type="datetimeFigureOut">
               <a:rPr lang="en-CA" smtClean="0"/>
-              <a:t>2019-07-29</a:t>
+              <a:t>2019-07-30</a:t>
             </a:fld>
             <a:endParaRPr lang="en-CA"/>
           </a:p>
@@ -1124,7 +1124,7 @@
           <a:p>
             <a:fld id="{F7249F8D-641B-4CAF-BAE5-10524742F6F1}" type="datetimeFigureOut">
               <a:rPr lang="en-CA" smtClean="0"/>
-              <a:t>2019-07-29</a:t>
+              <a:t>2019-07-30</a:t>
             </a:fld>
             <a:endParaRPr lang="en-CA"/>
           </a:p>
@@ -1370,7 +1370,7 @@
           <a:p>
             <a:fld id="{F7249F8D-641B-4CAF-BAE5-10524742F6F1}" type="datetimeFigureOut">
               <a:rPr lang="en-CA" smtClean="0"/>
-              <a:t>2019-07-29</a:t>
+              <a:t>2019-07-30</a:t>
             </a:fld>
             <a:endParaRPr lang="en-CA"/>
           </a:p>
@@ -1602,7 +1602,7 @@
           <a:p>
             <a:fld id="{F7249F8D-641B-4CAF-BAE5-10524742F6F1}" type="datetimeFigureOut">
               <a:rPr lang="en-CA" smtClean="0"/>
-              <a:t>2019-07-29</a:t>
+              <a:t>2019-07-30</a:t>
             </a:fld>
             <a:endParaRPr lang="en-CA"/>
           </a:p>
@@ -1969,7 +1969,7 @@
           <a:p>
             <a:fld id="{F7249F8D-641B-4CAF-BAE5-10524742F6F1}" type="datetimeFigureOut">
               <a:rPr lang="en-CA" smtClean="0"/>
-              <a:t>2019-07-29</a:t>
+              <a:t>2019-07-30</a:t>
             </a:fld>
             <a:endParaRPr lang="en-CA"/>
           </a:p>
@@ -2087,7 +2087,7 @@
           <a:p>
             <a:fld id="{F7249F8D-641B-4CAF-BAE5-10524742F6F1}" type="datetimeFigureOut">
               <a:rPr lang="en-CA" smtClean="0"/>
-              <a:t>2019-07-29</a:t>
+              <a:t>2019-07-30</a:t>
             </a:fld>
             <a:endParaRPr lang="en-CA"/>
           </a:p>
@@ -2182,7 +2182,7 @@
           <a:p>
             <a:fld id="{F7249F8D-641B-4CAF-BAE5-10524742F6F1}" type="datetimeFigureOut">
               <a:rPr lang="en-CA" smtClean="0"/>
-              <a:t>2019-07-29</a:t>
+              <a:t>2019-07-30</a:t>
             </a:fld>
             <a:endParaRPr lang="en-CA"/>
           </a:p>
@@ -2459,7 +2459,7 @@
           <a:p>
             <a:fld id="{F7249F8D-641B-4CAF-BAE5-10524742F6F1}" type="datetimeFigureOut">
               <a:rPr lang="en-CA" smtClean="0"/>
-              <a:t>2019-07-29</a:t>
+              <a:t>2019-07-30</a:t>
             </a:fld>
             <a:endParaRPr lang="en-CA"/>
           </a:p>
@@ -2712,7 +2712,7 @@
           <a:p>
             <a:fld id="{F7249F8D-641B-4CAF-BAE5-10524742F6F1}" type="datetimeFigureOut">
               <a:rPr lang="en-CA" smtClean="0"/>
-              <a:t>2019-07-29</a:t>
+              <a:t>2019-07-30</a:t>
             </a:fld>
             <a:endParaRPr lang="en-CA"/>
           </a:p>
@@ -2925,7 +2925,7 @@
           <a:p>
             <a:fld id="{F7249F8D-641B-4CAF-BAE5-10524742F6F1}" type="datetimeFigureOut">
               <a:rPr lang="en-CA" smtClean="0"/>
-              <a:t>2019-07-29</a:t>
+              <a:t>2019-07-30</a:t>
             </a:fld>
             <a:endParaRPr lang="en-CA"/>
           </a:p>
@@ -13593,8 +13593,8 @@
           </a:fontRef>
         </p:style>
       </p:cxnSp>
-      <mc:AlternateContent xmlns:mc="http://schemas.openxmlformats.org/markup-compatibility/2006">
-        <mc:Choice xmlns:a14="http://schemas.microsoft.com/office/drawing/2010/main" Requires="a14">
+      <mc:AlternateContent xmlns:mc="http://schemas.openxmlformats.org/markup-compatibility/2006" xmlns:a14="http://schemas.microsoft.com/office/drawing/2010/main">
+        <mc:Choice Requires="a14">
           <p:sp>
             <p:nvSpPr>
               <p:cNvPr id="17" name="TextBox 16"/>
@@ -13617,6 +13617,7 @@
               </a:bodyPr>
               <a:lstStyle/>
               <a:p>
+                <a:pPr/>
                 <a14:m>
                   <m:oMathPara xmlns:m="http://schemas.openxmlformats.org/officeDocument/2006/math">
                     <m:oMathParaPr>
@@ -13672,7 +13673,7 @@
             </p:txBody>
           </p:sp>
         </mc:Choice>
-        <mc:Fallback>
+        <mc:Fallback xmlns="">
           <p:sp>
             <p:nvSpPr>
               <p:cNvPr id="17" name="TextBox 16"/>
@@ -13796,8 +13797,8 @@
           </a:fontRef>
         </p:style>
       </p:cxnSp>
-      <mc:AlternateContent xmlns:mc="http://schemas.openxmlformats.org/markup-compatibility/2006">
-        <mc:Choice xmlns:a14="http://schemas.microsoft.com/office/drawing/2010/main" Requires="a14">
+      <mc:AlternateContent xmlns:mc="http://schemas.openxmlformats.org/markup-compatibility/2006" xmlns:a14="http://schemas.microsoft.com/office/drawing/2010/main">
+        <mc:Choice Requires="a14">
           <p:sp>
             <p:nvSpPr>
               <p:cNvPr id="20" name="TextBox 19"/>
@@ -13820,6 +13821,7 @@
               </a:bodyPr>
               <a:lstStyle/>
               <a:p>
+                <a:pPr/>
                 <a14:m>
                   <m:oMathPara xmlns:m="http://schemas.openxmlformats.org/officeDocument/2006/math">
                     <m:oMathParaPr>
@@ -13844,7 +13846,7 @@
             </p:txBody>
           </p:sp>
         </mc:Choice>
-        <mc:Fallback>
+        <mc:Fallback xmlns="">
           <p:sp>
             <p:nvSpPr>
               <p:cNvPr id="20" name="TextBox 19"/>
@@ -13883,8 +13885,8 @@
           </p:sp>
         </mc:Fallback>
       </mc:AlternateContent>
-      <mc:AlternateContent xmlns:mc="http://schemas.openxmlformats.org/markup-compatibility/2006">
-        <mc:Choice xmlns:a14="http://schemas.microsoft.com/office/drawing/2010/main" Requires="a14">
+      <mc:AlternateContent xmlns:mc="http://schemas.openxmlformats.org/markup-compatibility/2006" xmlns:a14="http://schemas.microsoft.com/office/drawing/2010/main">
+        <mc:Choice Requires="a14">
           <p:sp>
             <p:nvSpPr>
               <p:cNvPr id="21" name="TextBox 20"/>
@@ -13907,6 +13909,7 @@
               </a:bodyPr>
               <a:lstStyle/>
               <a:p>
+                <a:pPr/>
                 <a14:m>
                   <m:oMathPara xmlns:m="http://schemas.openxmlformats.org/officeDocument/2006/math">
                     <m:oMathParaPr>
@@ -13937,7 +13940,7 @@
             </p:txBody>
           </p:sp>
         </mc:Choice>
-        <mc:Fallback>
+        <mc:Fallback xmlns="">
           <p:sp>
             <p:nvSpPr>
               <p:cNvPr id="21" name="TextBox 20"/>
@@ -13976,8 +13979,8 @@
           </p:sp>
         </mc:Fallback>
       </mc:AlternateContent>
-      <mc:AlternateContent xmlns:mc="http://schemas.openxmlformats.org/markup-compatibility/2006">
-        <mc:Choice xmlns:a14="http://schemas.microsoft.com/office/drawing/2010/main" Requires="a14">
+      <mc:AlternateContent xmlns:mc="http://schemas.openxmlformats.org/markup-compatibility/2006" xmlns:a14="http://schemas.microsoft.com/office/drawing/2010/main">
+        <mc:Choice Requires="a14">
           <p:sp>
             <p:nvSpPr>
               <p:cNvPr id="22" name="TextBox 21"/>
@@ -14000,6 +14003,7 @@
               </a:bodyPr>
               <a:lstStyle/>
               <a:p>
+                <a:pPr/>
                 <a14:m>
                   <m:oMathPara xmlns:m="http://schemas.openxmlformats.org/officeDocument/2006/math">
                     <m:oMathParaPr>
@@ -14030,7 +14034,7 @@
             </p:txBody>
           </p:sp>
         </mc:Choice>
-        <mc:Fallback>
+        <mc:Fallback xmlns="">
           <p:sp>
             <p:nvSpPr>
               <p:cNvPr id="22" name="TextBox 21"/>
@@ -14069,8 +14073,8 @@
           </p:sp>
         </mc:Fallback>
       </mc:AlternateContent>
-      <mc:AlternateContent xmlns:mc="http://schemas.openxmlformats.org/markup-compatibility/2006">
-        <mc:Choice xmlns:a14="http://schemas.microsoft.com/office/drawing/2010/main" Requires="a14">
+      <mc:AlternateContent xmlns:mc="http://schemas.openxmlformats.org/markup-compatibility/2006" xmlns:a14="http://schemas.microsoft.com/office/drawing/2010/main">
+        <mc:Choice Requires="a14">
           <p:sp>
             <p:nvSpPr>
               <p:cNvPr id="23" name="TextBox 22"/>
@@ -14093,6 +14097,7 @@
               </a:bodyPr>
               <a:lstStyle/>
               <a:p>
+                <a:pPr/>
                 <a14:m>
                   <m:oMathPara xmlns:m="http://schemas.openxmlformats.org/officeDocument/2006/math">
                     <m:oMathParaPr>
@@ -14123,7 +14128,7 @@
             </p:txBody>
           </p:sp>
         </mc:Choice>
-        <mc:Fallback>
+        <mc:Fallback xmlns="">
           <p:sp>
             <p:nvSpPr>
               <p:cNvPr id="23" name="TextBox 22"/>
@@ -14162,8 +14167,8 @@
           </p:sp>
         </mc:Fallback>
       </mc:AlternateContent>
-      <mc:AlternateContent xmlns:mc="http://schemas.openxmlformats.org/markup-compatibility/2006">
-        <mc:Choice xmlns:a14="http://schemas.microsoft.com/office/drawing/2010/main" Requires="a14">
+      <mc:AlternateContent xmlns:mc="http://schemas.openxmlformats.org/markup-compatibility/2006" xmlns:a14="http://schemas.microsoft.com/office/drawing/2010/main">
+        <mc:Choice Requires="a14">
           <p:sp>
             <p:nvSpPr>
               <p:cNvPr id="24" name="TextBox 23"/>
@@ -14186,6 +14191,7 @@
               </a:bodyPr>
               <a:lstStyle/>
               <a:p>
+                <a:pPr/>
                 <a14:m>
                   <m:oMathPara xmlns:m="http://schemas.openxmlformats.org/officeDocument/2006/math">
                     <m:oMathParaPr>
@@ -14216,7 +14222,7 @@
             </p:txBody>
           </p:sp>
         </mc:Choice>
-        <mc:Fallback>
+        <mc:Fallback xmlns="">
           <p:sp>
             <p:nvSpPr>
               <p:cNvPr id="24" name="TextBox 23"/>
@@ -21258,8 +21264,8 @@
                 </a:fontRef>
               </p:style>
             </p:cxnSp>
-            <mc:AlternateContent xmlns:mc="http://schemas.openxmlformats.org/markup-compatibility/2006">
-              <mc:Choice xmlns:a14="http://schemas.microsoft.com/office/drawing/2010/main" Requires="a14">
+            <mc:AlternateContent xmlns:mc="http://schemas.openxmlformats.org/markup-compatibility/2006" xmlns:a14="http://schemas.microsoft.com/office/drawing/2010/main">
+              <mc:Choice Requires="a14">
                 <p:sp>
                   <p:nvSpPr>
                     <p:cNvPr id="325" name="TextBox 324"/>
@@ -21282,6 +21288,7 @@
                     </a:bodyPr>
                     <a:lstStyle/>
                     <a:p>
+                      <a:pPr/>
                       <a14:m>
                         <m:oMathPara xmlns:m="http://schemas.openxmlformats.org/officeDocument/2006/math">
                           <m:oMathParaPr>
@@ -21306,7 +21313,7 @@
                   </p:txBody>
                 </p:sp>
               </mc:Choice>
-              <mc:Fallback>
+              <mc:Fallback xmlns="">
                 <p:sp>
                   <p:nvSpPr>
                     <p:cNvPr id="325" name="TextBox 324"/>
@@ -21345,8 +21352,8 @@
                 </p:sp>
               </mc:Fallback>
             </mc:AlternateContent>
-            <mc:AlternateContent xmlns:mc="http://schemas.openxmlformats.org/markup-compatibility/2006">
-              <mc:Choice xmlns:a14="http://schemas.microsoft.com/office/drawing/2010/main" Requires="a14">
+            <mc:AlternateContent xmlns:mc="http://schemas.openxmlformats.org/markup-compatibility/2006" xmlns:a14="http://schemas.microsoft.com/office/drawing/2010/main">
+              <mc:Choice Requires="a14">
                 <p:sp>
                   <p:nvSpPr>
                     <p:cNvPr id="326" name="TextBox 325"/>
@@ -21369,6 +21376,7 @@
                     </a:bodyPr>
                     <a:lstStyle/>
                     <a:p>
+                      <a:pPr/>
                       <a14:m>
                         <m:oMathPara xmlns:m="http://schemas.openxmlformats.org/officeDocument/2006/math">
                           <m:oMathParaPr>
@@ -21393,7 +21401,7 @@
                   </p:txBody>
                 </p:sp>
               </mc:Choice>
-              <mc:Fallback>
+              <mc:Fallback xmlns="">
                 <p:sp>
                   <p:nvSpPr>
                     <p:cNvPr id="326" name="TextBox 325"/>
@@ -21473,8 +21481,8 @@
               </a:fontRef>
             </p:style>
           </p:cxnSp>
-          <mc:AlternateContent xmlns:mc="http://schemas.openxmlformats.org/markup-compatibility/2006">
-            <mc:Choice xmlns:a14="http://schemas.microsoft.com/office/drawing/2010/main" Requires="a14">
+          <mc:AlternateContent xmlns:mc="http://schemas.openxmlformats.org/markup-compatibility/2006" xmlns:a14="http://schemas.microsoft.com/office/drawing/2010/main">
+            <mc:Choice Requires="a14">
               <p:sp>
                 <p:nvSpPr>
                   <p:cNvPr id="330" name="TextBox 329"/>
@@ -21497,6 +21505,7 @@
                   </a:bodyPr>
                   <a:lstStyle/>
                   <a:p>
+                    <a:pPr/>
                     <a14:m>
                       <m:oMathPara xmlns:m="http://schemas.openxmlformats.org/officeDocument/2006/math">
                         <m:oMathParaPr>
@@ -21527,7 +21536,7 @@
                 </p:txBody>
               </p:sp>
             </mc:Choice>
-            <mc:Fallback>
+            <mc:Fallback xmlns="">
               <p:sp>
                 <p:nvSpPr>
                   <p:cNvPr id="330" name="TextBox 329"/>
@@ -33912,8 +33921,8 @@
               </p:txBody>
             </p:sp>
           </p:grpSp>
-          <mc:AlternateContent xmlns:mc="http://schemas.openxmlformats.org/markup-compatibility/2006">
-            <mc:Choice xmlns:a14="http://schemas.microsoft.com/office/drawing/2010/main" Requires="a14">
+          <mc:AlternateContent xmlns:mc="http://schemas.openxmlformats.org/markup-compatibility/2006" xmlns:a14="http://schemas.microsoft.com/office/drawing/2010/main">
+            <mc:Choice Requires="a14">
               <p:sp>
                 <p:nvSpPr>
                   <p:cNvPr id="5" name="TextBox 4"/>
@@ -33936,6 +33945,7 @@
                   </a:bodyPr>
                   <a:lstStyle/>
                   <a:p>
+                    <a:pPr/>
                     <a14:m>
                       <m:oMathPara xmlns:m="http://schemas.openxmlformats.org/officeDocument/2006/math">
                         <m:oMathParaPr>
@@ -33960,7 +33970,7 @@
                 </p:txBody>
               </p:sp>
             </mc:Choice>
-            <mc:Fallback>
+            <mc:Fallback xmlns="">
               <p:sp>
                 <p:nvSpPr>
                   <p:cNvPr id="5" name="TextBox 4"/>
@@ -34163,8 +34173,8 @@
               </a:fontRef>
             </p:style>
           </p:cxnSp>
-          <mc:AlternateContent xmlns:mc="http://schemas.openxmlformats.org/markup-compatibility/2006">
-            <mc:Choice xmlns:a14="http://schemas.microsoft.com/office/drawing/2010/main" Requires="a14">
+          <mc:AlternateContent xmlns:mc="http://schemas.openxmlformats.org/markup-compatibility/2006" xmlns:a14="http://schemas.microsoft.com/office/drawing/2010/main">
+            <mc:Choice Requires="a14">
               <p:sp>
                 <p:nvSpPr>
                   <p:cNvPr id="13" name="TextBox 12"/>
@@ -34187,6 +34197,7 @@
                   </a:bodyPr>
                   <a:lstStyle/>
                   <a:p>
+                    <a:pPr/>
                     <a14:m>
                       <m:oMathPara xmlns:m="http://schemas.openxmlformats.org/officeDocument/2006/math">
                         <m:oMathParaPr>
@@ -34233,7 +34244,7 @@
                 </p:txBody>
               </p:sp>
             </mc:Choice>
-            <mc:Fallback>
+            <mc:Fallback xmlns="">
               <p:sp>
                 <p:nvSpPr>
                   <p:cNvPr id="13" name="TextBox 12"/>
@@ -34669,8 +34680,8 @@
               </a:fontRef>
             </p:style>
           </p:cxnSp>
-          <mc:AlternateContent xmlns:mc="http://schemas.openxmlformats.org/markup-compatibility/2006">
-            <mc:Choice xmlns:a14="http://schemas.microsoft.com/office/drawing/2010/main" Requires="a14">
+          <mc:AlternateContent xmlns:mc="http://schemas.openxmlformats.org/markup-compatibility/2006" xmlns:a14="http://schemas.microsoft.com/office/drawing/2010/main">
+            <mc:Choice Requires="a14">
               <p:sp>
                 <p:nvSpPr>
                   <p:cNvPr id="53" name="TextBox 52"/>
@@ -34693,6 +34704,7 @@
                   </a:bodyPr>
                   <a:lstStyle/>
                   <a:p>
+                    <a:pPr/>
                     <a14:m>
                       <m:oMathPara xmlns:m="http://schemas.openxmlformats.org/officeDocument/2006/math">
                         <m:oMathParaPr>
@@ -34739,7 +34751,7 @@
                 </p:txBody>
               </p:sp>
             </mc:Choice>
-            <mc:Fallback>
+            <mc:Fallback xmlns="">
               <p:sp>
                 <p:nvSpPr>
                   <p:cNvPr id="53" name="TextBox 52"/>
@@ -34908,8 +34920,8 @@
               </a:fontRef>
             </p:style>
           </p:cxnSp>
-          <mc:AlternateContent xmlns:mc="http://schemas.openxmlformats.org/markup-compatibility/2006">
-            <mc:Choice xmlns:a14="http://schemas.microsoft.com/office/drawing/2010/main" Requires="a14">
+          <mc:AlternateContent xmlns:mc="http://schemas.openxmlformats.org/markup-compatibility/2006" xmlns:a14="http://schemas.microsoft.com/office/drawing/2010/main">
+            <mc:Choice Requires="a14">
               <p:sp>
                 <p:nvSpPr>
                   <p:cNvPr id="61" name="TextBox 60"/>
@@ -34932,6 +34944,7 @@
                   </a:bodyPr>
                   <a:lstStyle/>
                   <a:p>
+                    <a:pPr/>
                     <a14:m>
                       <m:oMathPara xmlns:m="http://schemas.openxmlformats.org/officeDocument/2006/math">
                         <m:oMathParaPr>
@@ -34976,7 +34989,7 @@
                 </p:txBody>
               </p:sp>
             </mc:Choice>
-            <mc:Fallback>
+            <mc:Fallback xmlns="">
               <p:sp>
                 <p:nvSpPr>
                   <p:cNvPr id="61" name="TextBox 60"/>
@@ -35051,8 +35064,8 @@
               </a:fontRef>
             </p:style>
           </p:cxnSp>
-          <mc:AlternateContent xmlns:mc="http://schemas.openxmlformats.org/markup-compatibility/2006">
-            <mc:Choice xmlns:a14="http://schemas.microsoft.com/office/drawing/2010/main" Requires="a14">
+          <mc:AlternateContent xmlns:mc="http://schemas.openxmlformats.org/markup-compatibility/2006" xmlns:a14="http://schemas.microsoft.com/office/drawing/2010/main">
+            <mc:Choice Requires="a14">
               <p:sp>
                 <p:nvSpPr>
                   <p:cNvPr id="63" name="TextBox 62"/>
@@ -35075,6 +35088,7 @@
                   </a:bodyPr>
                   <a:lstStyle/>
                   <a:p>
+                    <a:pPr/>
                     <a14:m>
                       <m:oMathPara xmlns:m="http://schemas.openxmlformats.org/officeDocument/2006/math">
                         <m:oMathParaPr>
@@ -35119,7 +35133,7 @@
                 </p:txBody>
               </p:sp>
             </mc:Choice>
-            <mc:Fallback>
+            <mc:Fallback xmlns="">
               <p:sp>
                 <p:nvSpPr>
                   <p:cNvPr id="63" name="TextBox 62"/>
@@ -35159,8 +35173,8 @@
             </mc:Fallback>
           </mc:AlternateContent>
         </p:grpSp>
-        <mc:AlternateContent xmlns:mc="http://schemas.openxmlformats.org/markup-compatibility/2006">
-          <mc:Choice xmlns:a14="http://schemas.microsoft.com/office/drawing/2010/main" Requires="a14">
+        <mc:AlternateContent xmlns:mc="http://schemas.openxmlformats.org/markup-compatibility/2006" xmlns:a14="http://schemas.microsoft.com/office/drawing/2010/main">
+          <mc:Choice Requires="a14">
             <p:sp>
               <p:nvSpPr>
                 <p:cNvPr id="65" name="TextBox 64"/>
@@ -35183,6 +35197,7 @@
                 </a:bodyPr>
                 <a:lstStyle/>
                 <a:p>
+                  <a:pPr/>
                   <a14:m>
                     <m:oMathPara xmlns:m="http://schemas.openxmlformats.org/officeDocument/2006/math">
                       <m:oMathParaPr>
@@ -35207,7 +35222,7 @@
               </p:txBody>
             </p:sp>
           </mc:Choice>
-          <mc:Fallback>
+          <mc:Fallback xmlns="">
             <p:sp>
               <p:nvSpPr>
                 <p:cNvPr id="65" name="TextBox 64"/>
@@ -35520,8 +35535,8 @@
               </a:fontRef>
             </p:style>
           </p:cxnSp>
-          <mc:AlternateContent xmlns:mc="http://schemas.openxmlformats.org/markup-compatibility/2006">
-            <mc:Choice xmlns:a14="http://schemas.microsoft.com/office/drawing/2010/main" Requires="a14">
+          <mc:AlternateContent xmlns:mc="http://schemas.openxmlformats.org/markup-compatibility/2006" xmlns:a14="http://schemas.microsoft.com/office/drawing/2010/main">
+            <mc:Choice Requires="a14">
               <p:sp>
                 <p:nvSpPr>
                   <p:cNvPr id="73" name="TextBox 72"/>
@@ -35591,7 +35606,7 @@
                 </p:txBody>
               </p:sp>
             </mc:Choice>
-            <mc:Fallback>
+            <mc:Fallback xmlns="">
               <p:sp>
                 <p:nvSpPr>
                   <p:cNvPr id="73" name="TextBox 72"/>
@@ -35753,8 +35768,8 @@
             </a:fontRef>
           </p:style>
         </p:cxnSp>
-        <mc:AlternateContent xmlns:mc="http://schemas.openxmlformats.org/markup-compatibility/2006">
-          <mc:Choice xmlns:a14="http://schemas.microsoft.com/office/drawing/2010/main" Requires="a14">
+        <mc:AlternateContent xmlns:mc="http://schemas.openxmlformats.org/markup-compatibility/2006" xmlns:a14="http://schemas.microsoft.com/office/drawing/2010/main">
+          <mc:Choice Requires="a14">
             <p:sp>
               <p:nvSpPr>
                 <p:cNvPr id="90" name="TextBox 89"/>
@@ -35777,6 +35792,7 @@
                 </a:bodyPr>
                 <a:lstStyle/>
                 <a:p>
+                  <a:pPr/>
                   <a14:m>
                     <m:oMathPara xmlns:m="http://schemas.openxmlformats.org/officeDocument/2006/math">
                       <m:oMathParaPr>
@@ -35801,7 +35817,7 @@
               </p:txBody>
             </p:sp>
           </mc:Choice>
-          <mc:Fallback>
+          <mc:Fallback xmlns="">
             <p:sp>
               <p:nvSpPr>
                 <p:cNvPr id="90" name="TextBox 89"/>
@@ -35950,8 +35966,8 @@
             </a:fontRef>
           </p:style>
         </p:cxnSp>
-        <mc:AlternateContent xmlns:mc="http://schemas.openxmlformats.org/markup-compatibility/2006">
-          <mc:Choice xmlns:a14="http://schemas.microsoft.com/office/drawing/2010/main" Requires="a14">
+        <mc:AlternateContent xmlns:mc="http://schemas.openxmlformats.org/markup-compatibility/2006" xmlns:a14="http://schemas.microsoft.com/office/drawing/2010/main">
+          <mc:Choice Requires="a14">
             <p:sp>
               <p:nvSpPr>
                 <p:cNvPr id="104" name="TextBox 103"/>
@@ -35974,6 +35990,7 @@
                 </a:bodyPr>
                 <a:lstStyle/>
                 <a:p>
+                  <a:pPr/>
                   <a14:m>
                     <m:oMathPara xmlns:m="http://schemas.openxmlformats.org/officeDocument/2006/math">
                       <m:oMathParaPr>
@@ -36018,7 +36035,7 @@
               </p:txBody>
             </p:sp>
           </mc:Choice>
-          <mc:Fallback>
+          <mc:Fallback xmlns="">
             <p:sp>
               <p:nvSpPr>
                 <p:cNvPr id="104" name="TextBox 103"/>
@@ -36072,8 +36089,8 @@
             <a:chExt cx="2216786" cy="1927926"/>
           </a:xfrm>
         </p:grpSpPr>
-        <mc:AlternateContent xmlns:mc="http://schemas.openxmlformats.org/markup-compatibility/2006">
-          <mc:Choice xmlns:a14="http://schemas.microsoft.com/office/drawing/2010/main" Requires="a14">
+        <mc:AlternateContent xmlns:mc="http://schemas.openxmlformats.org/markup-compatibility/2006" xmlns:a14="http://schemas.microsoft.com/office/drawing/2010/main">
+          <mc:Choice Requires="a14">
             <p:sp>
               <p:nvSpPr>
                 <p:cNvPr id="114" name="TextBox 113"/>
@@ -36099,6 +36116,7 @@
                 </a:bodyPr>
                 <a:lstStyle/>
                 <a:p>
+                  <a:pPr/>
                   <a14:m>
                     <m:oMathPara xmlns:m="http://schemas.openxmlformats.org/officeDocument/2006/math">
                       <m:oMathParaPr>
@@ -36123,7 +36141,7 @@
               </p:txBody>
             </p:sp>
           </mc:Choice>
-          <mc:Fallback>
+          <mc:Fallback xmlns="">
             <p:sp>
               <p:nvSpPr>
                 <p:cNvPr id="114" name="TextBox 113"/>
@@ -38199,8 +38217,8 @@
             </a:fontRef>
           </p:style>
         </p:cxnSp>
-        <mc:AlternateContent xmlns:mc="http://schemas.openxmlformats.org/markup-compatibility/2006">
-          <mc:Choice xmlns:a14="http://schemas.microsoft.com/office/drawing/2010/main" Requires="a14">
+        <mc:AlternateContent xmlns:mc="http://schemas.openxmlformats.org/markup-compatibility/2006" xmlns:a14="http://schemas.microsoft.com/office/drawing/2010/main">
+          <mc:Choice Requires="a14">
             <p:sp>
               <p:nvSpPr>
                 <p:cNvPr id="193" name="TextBox 192"/>
@@ -38223,6 +38241,7 @@
                 </a:bodyPr>
                 <a:lstStyle/>
                 <a:p>
+                  <a:pPr/>
                   <a14:m>
                     <m:oMathPara xmlns:m="http://schemas.openxmlformats.org/officeDocument/2006/math">
                       <m:oMathParaPr>
@@ -38253,7 +38272,7 @@
               </p:txBody>
             </p:sp>
           </mc:Choice>
-          <mc:Fallback>
+          <mc:Fallback xmlns="">
             <p:sp>
               <p:nvSpPr>
                 <p:cNvPr id="193" name="TextBox 192"/>
@@ -39613,8 +39632,8 @@
             </p:style>
           </p:cxnSp>
         </p:grpSp>
-        <mc:AlternateContent xmlns:mc="http://schemas.openxmlformats.org/markup-compatibility/2006">
-          <mc:Choice xmlns:a14="http://schemas.microsoft.com/office/drawing/2010/main" Requires="a14">
+        <mc:AlternateContent xmlns:mc="http://schemas.openxmlformats.org/markup-compatibility/2006" xmlns:a14="http://schemas.microsoft.com/office/drawing/2010/main">
+          <mc:Choice Requires="a14">
             <p:sp>
               <p:nvSpPr>
                 <p:cNvPr id="138" name="TextBox 137"/>
@@ -39637,6 +39656,7 @@
                 </a:bodyPr>
                 <a:lstStyle/>
                 <a:p>
+                  <a:pPr/>
                   <a14:m>
                     <m:oMathPara xmlns:m="http://schemas.openxmlformats.org/officeDocument/2006/math">
                       <m:oMathParaPr>
@@ -39661,7 +39681,7 @@
               </p:txBody>
             </p:sp>
           </mc:Choice>
-          <mc:Fallback>
+          <mc:Fallback xmlns="">
             <p:sp>
               <p:nvSpPr>
                 <p:cNvPr id="138" name="TextBox 137"/>
@@ -39700,8 +39720,8 @@
             </p:sp>
           </mc:Fallback>
         </mc:AlternateContent>
-        <mc:AlternateContent xmlns:mc="http://schemas.openxmlformats.org/markup-compatibility/2006">
-          <mc:Choice xmlns:a14="http://schemas.microsoft.com/office/drawing/2010/main" Requires="a14">
+        <mc:AlternateContent xmlns:mc="http://schemas.openxmlformats.org/markup-compatibility/2006" xmlns:a14="http://schemas.microsoft.com/office/drawing/2010/main">
+          <mc:Choice Requires="a14">
             <p:sp>
               <p:nvSpPr>
                 <p:cNvPr id="139" name="TextBox 138"/>
@@ -39724,6 +39744,7 @@
                 </a:bodyPr>
                 <a:lstStyle/>
                 <a:p>
+                  <a:pPr/>
                   <a14:m>
                     <m:oMathPara xmlns:m="http://schemas.openxmlformats.org/officeDocument/2006/math">
                       <m:oMathParaPr>
@@ -39762,7 +39783,7 @@
               </p:txBody>
             </p:sp>
           </mc:Choice>
-          <mc:Fallback>
+          <mc:Fallback xmlns="">
             <p:sp>
               <p:nvSpPr>
                 <p:cNvPr id="139" name="TextBox 138"/>
@@ -40755,8 +40776,8 @@
             </p:style>
           </p:cxnSp>
         </p:grpSp>
-        <mc:AlternateContent xmlns:mc="http://schemas.openxmlformats.org/markup-compatibility/2006">
-          <mc:Choice xmlns:a14="http://schemas.microsoft.com/office/drawing/2010/main" Requires="a14">
+        <mc:AlternateContent xmlns:mc="http://schemas.openxmlformats.org/markup-compatibility/2006" xmlns:a14="http://schemas.microsoft.com/office/drawing/2010/main">
+          <mc:Choice Requires="a14">
             <p:sp>
               <p:nvSpPr>
                 <p:cNvPr id="223" name="TextBox 222"/>
@@ -40779,6 +40800,7 @@
                 </a:bodyPr>
                 <a:lstStyle/>
                 <a:p>
+                  <a:pPr/>
                   <a14:m>
                     <m:oMathPara xmlns:m="http://schemas.openxmlformats.org/officeDocument/2006/math">
                       <m:oMathParaPr>
@@ -40803,7 +40825,7 @@
               </p:txBody>
             </p:sp>
           </mc:Choice>
-          <mc:Fallback>
+          <mc:Fallback xmlns="">
             <p:sp>
               <p:nvSpPr>
                 <p:cNvPr id="223" name="TextBox 222"/>
@@ -40842,8 +40864,8 @@
             </p:sp>
           </mc:Fallback>
         </mc:AlternateContent>
-        <mc:AlternateContent xmlns:mc="http://schemas.openxmlformats.org/markup-compatibility/2006">
-          <mc:Choice xmlns:a14="http://schemas.microsoft.com/office/drawing/2010/main" Requires="a14">
+        <mc:AlternateContent xmlns:mc="http://schemas.openxmlformats.org/markup-compatibility/2006" xmlns:a14="http://schemas.microsoft.com/office/drawing/2010/main">
+          <mc:Choice Requires="a14">
             <p:sp>
               <p:nvSpPr>
                 <p:cNvPr id="224" name="TextBox 223"/>
@@ -40866,6 +40888,7 @@
                 </a:bodyPr>
                 <a:lstStyle/>
                 <a:p>
+                  <a:pPr/>
                   <a14:m>
                     <m:oMathPara xmlns:m="http://schemas.openxmlformats.org/officeDocument/2006/math">
                       <m:oMathParaPr>
@@ -40890,7 +40913,7 @@
               </p:txBody>
             </p:sp>
           </mc:Choice>
-          <mc:Fallback>
+          <mc:Fallback xmlns="">
             <p:sp>
               <p:nvSpPr>
                 <p:cNvPr id="224" name="TextBox 223"/>
@@ -42076,8 +42099,8 @@
             </a:fontRef>
           </p:style>
         </p:cxnSp>
-        <mc:AlternateContent xmlns:mc="http://schemas.openxmlformats.org/markup-compatibility/2006">
-          <mc:Choice xmlns:a14="http://schemas.microsoft.com/office/drawing/2010/main" Requires="a14">
+        <mc:AlternateContent xmlns:mc="http://schemas.openxmlformats.org/markup-compatibility/2006" xmlns:a14="http://schemas.microsoft.com/office/drawing/2010/main">
+          <mc:Choice Requires="a14">
             <p:sp>
               <p:nvSpPr>
                 <p:cNvPr id="94" name="TextBox 93"/>
@@ -42100,6 +42123,7 @@
                 </a:bodyPr>
                 <a:lstStyle/>
                 <a:p>
+                  <a:pPr/>
                   <a14:m>
                     <m:oMathPara xmlns:m="http://schemas.openxmlformats.org/officeDocument/2006/math">
                       <m:oMathParaPr>
@@ -42124,7 +42148,7 @@
               </p:txBody>
             </p:sp>
           </mc:Choice>
-          <mc:Fallback>
+          <mc:Fallback xmlns="">
             <p:sp>
               <p:nvSpPr>
                 <p:cNvPr id="94" name="TextBox 93"/>
@@ -42163,8 +42187,8 @@
             </p:sp>
           </mc:Fallback>
         </mc:AlternateContent>
-        <mc:AlternateContent xmlns:mc="http://schemas.openxmlformats.org/markup-compatibility/2006">
-          <mc:Choice xmlns:a14="http://schemas.microsoft.com/office/drawing/2010/main" Requires="a14">
+        <mc:AlternateContent xmlns:mc="http://schemas.openxmlformats.org/markup-compatibility/2006" xmlns:a14="http://schemas.microsoft.com/office/drawing/2010/main">
+          <mc:Choice Requires="a14">
             <p:sp>
               <p:nvSpPr>
                 <p:cNvPr id="95" name="TextBox 94"/>
@@ -42187,6 +42211,7 @@
                 </a:bodyPr>
                 <a:lstStyle/>
                 <a:p>
+                  <a:pPr/>
                   <a14:m>
                     <m:oMathPara xmlns:m="http://schemas.openxmlformats.org/officeDocument/2006/math">
                       <m:oMathParaPr>
@@ -42211,7 +42236,7 @@
               </p:txBody>
             </p:sp>
           </mc:Choice>
-          <mc:Fallback>
+          <mc:Fallback xmlns="">
             <p:sp>
               <p:nvSpPr>
                 <p:cNvPr id="95" name="TextBox 94"/>
@@ -42587,8 +42612,8 @@
             </a:fontRef>
           </p:style>
         </p:cxnSp>
-        <mc:AlternateContent xmlns:mc="http://schemas.openxmlformats.org/markup-compatibility/2006">
-          <mc:Choice xmlns:a14="http://schemas.microsoft.com/office/drawing/2010/main" Requires="a14">
+        <mc:AlternateContent xmlns:mc="http://schemas.openxmlformats.org/markup-compatibility/2006" xmlns:a14="http://schemas.microsoft.com/office/drawing/2010/main">
+          <mc:Choice Requires="a14">
             <p:sp>
               <p:nvSpPr>
                 <p:cNvPr id="100" name="TextBox 99"/>
@@ -42611,6 +42636,7 @@
                 </a:bodyPr>
                 <a:lstStyle/>
                 <a:p>
+                  <a:pPr/>
                   <a14:m>
                     <m:oMathPara xmlns:m="http://schemas.openxmlformats.org/officeDocument/2006/math">
                       <m:oMathParaPr>
@@ -42635,7 +42661,7 @@
               </p:txBody>
             </p:sp>
           </mc:Choice>
-          <mc:Fallback>
+          <mc:Fallback xmlns="">
             <p:sp>
               <p:nvSpPr>
                 <p:cNvPr id="100" name="TextBox 99"/>
@@ -42674,8 +42700,8 @@
             </p:sp>
           </mc:Fallback>
         </mc:AlternateContent>
-        <mc:AlternateContent xmlns:mc="http://schemas.openxmlformats.org/markup-compatibility/2006">
-          <mc:Choice xmlns:a14="http://schemas.microsoft.com/office/drawing/2010/main" Requires="a14">
+        <mc:AlternateContent xmlns:mc="http://schemas.openxmlformats.org/markup-compatibility/2006" xmlns:a14="http://schemas.microsoft.com/office/drawing/2010/main">
+          <mc:Choice Requires="a14">
             <p:sp>
               <p:nvSpPr>
                 <p:cNvPr id="101" name="TextBox 100"/>
@@ -42698,6 +42724,7 @@
                 </a:bodyPr>
                 <a:lstStyle/>
                 <a:p>
+                  <a:pPr/>
                   <a14:m>
                     <m:oMathPara xmlns:m="http://schemas.openxmlformats.org/officeDocument/2006/math">
                       <m:oMathParaPr>
@@ -42722,7 +42749,7 @@
               </p:txBody>
             </p:sp>
           </mc:Choice>
-          <mc:Fallback>
+          <mc:Fallback xmlns="">
             <p:sp>
               <p:nvSpPr>
                 <p:cNvPr id="101" name="TextBox 100"/>
@@ -43062,8 +43089,8 @@
             </a:p>
           </p:txBody>
         </p:sp>
-        <mc:AlternateContent xmlns:mc="http://schemas.openxmlformats.org/markup-compatibility/2006">
-          <mc:Choice xmlns:a14="http://schemas.microsoft.com/office/drawing/2010/main" Requires="a14">
+        <mc:AlternateContent xmlns:mc="http://schemas.openxmlformats.org/markup-compatibility/2006" xmlns:a14="http://schemas.microsoft.com/office/drawing/2010/main">
+          <mc:Choice Requires="a14">
             <p:sp>
               <p:nvSpPr>
                 <p:cNvPr id="105" name="TextBox 104"/>
@@ -43086,6 +43113,7 @@
                 </a:bodyPr>
                 <a:lstStyle/>
                 <a:p>
+                  <a:pPr/>
                   <a14:m>
                     <m:oMathPara xmlns:m="http://schemas.openxmlformats.org/officeDocument/2006/math">
                       <m:oMathParaPr>
@@ -43110,7 +43138,7 @@
               </p:txBody>
             </p:sp>
           </mc:Choice>
-          <mc:Fallback>
+          <mc:Fallback xmlns="">
             <p:sp>
               <p:nvSpPr>
                 <p:cNvPr id="105" name="TextBox 104"/>
@@ -43149,8 +43177,8 @@
             </p:sp>
           </mc:Fallback>
         </mc:AlternateContent>
-        <mc:AlternateContent xmlns:mc="http://schemas.openxmlformats.org/markup-compatibility/2006">
-          <mc:Choice xmlns:a14="http://schemas.microsoft.com/office/drawing/2010/main" Requires="a14">
+        <mc:AlternateContent xmlns:mc="http://schemas.openxmlformats.org/markup-compatibility/2006" xmlns:a14="http://schemas.microsoft.com/office/drawing/2010/main">
+          <mc:Choice Requires="a14">
             <p:sp>
               <p:nvSpPr>
                 <p:cNvPr id="106" name="TextBox 105"/>
@@ -43173,6 +43201,7 @@
                 </a:bodyPr>
                 <a:lstStyle/>
                 <a:p>
+                  <a:pPr/>
                   <a14:m>
                     <m:oMathPara xmlns:m="http://schemas.openxmlformats.org/officeDocument/2006/math">
                       <m:oMathParaPr>
@@ -43197,7 +43226,7 @@
               </p:txBody>
             </p:sp>
           </mc:Choice>
-          <mc:Fallback>
+          <mc:Fallback xmlns="">
             <p:sp>
               <p:nvSpPr>
                 <p:cNvPr id="106" name="TextBox 105"/>
@@ -47328,2507 +47357,6 @@
       </p:sp>
       <p:grpSp>
         <p:nvGrpSpPr>
-          <p:cNvPr id="250" name="Group 249"/>
-          <p:cNvGrpSpPr/>
-          <p:nvPr/>
-        </p:nvGrpSpPr>
-        <p:grpSpPr>
-          <a:xfrm>
-            <a:off x="6348392" y="3148683"/>
-            <a:ext cx="2075069" cy="1525805"/>
-            <a:chOff x="7722730" y="3189698"/>
-            <a:chExt cx="2075069" cy="1525805"/>
-          </a:xfrm>
-        </p:grpSpPr>
-        <p:grpSp>
-          <p:nvGrpSpPr>
-            <p:cNvPr id="155" name="Group 154"/>
-            <p:cNvGrpSpPr/>
-            <p:nvPr/>
-          </p:nvGrpSpPr>
-          <p:grpSpPr>
-            <a:xfrm rot="10800000">
-              <a:off x="7898773" y="3638527"/>
-              <a:ext cx="213919" cy="1070458"/>
-              <a:chOff x="8058637" y="981301"/>
-              <a:chExt cx="213919" cy="1070458"/>
-            </a:xfrm>
-          </p:grpSpPr>
-          <p:cxnSp>
-            <p:nvCxnSpPr>
-              <p:cNvPr id="219" name="Straight Connector 218"/>
-              <p:cNvCxnSpPr/>
-              <p:nvPr/>
-            </p:nvCxnSpPr>
-            <p:spPr>
-              <a:xfrm flipH="1">
-                <a:off x="8163500" y="1056991"/>
-                <a:ext cx="11016" cy="890916"/>
-              </a:xfrm>
-              <a:prstGeom prst="line">
-                <a:avLst/>
-              </a:prstGeom>
-              <a:ln w="38100">
-                <a:solidFill>
-                  <a:schemeClr val="tx1"/>
-                </a:solidFill>
-              </a:ln>
-            </p:spPr>
-            <p:style>
-              <a:lnRef idx="1">
-                <a:schemeClr val="accent1"/>
-              </a:lnRef>
-              <a:fillRef idx="0">
-                <a:schemeClr val="accent1"/>
-              </a:fillRef>
-              <a:effectRef idx="0">
-                <a:schemeClr val="accent1"/>
-              </a:effectRef>
-              <a:fontRef idx="minor">
-                <a:schemeClr val="tx1"/>
-              </a:fontRef>
-            </p:style>
-          </p:cxnSp>
-          <p:grpSp>
-            <p:nvGrpSpPr>
-              <p:cNvPr id="220" name="Group 219"/>
-              <p:cNvGrpSpPr/>
-              <p:nvPr/>
-            </p:nvGrpSpPr>
-            <p:grpSpPr>
-              <a:xfrm>
-                <a:off x="8088763" y="981301"/>
-                <a:ext cx="171506" cy="169860"/>
-                <a:chOff x="4484550" y="3215437"/>
-                <a:chExt cx="319032" cy="315970"/>
-              </a:xfrm>
-            </p:grpSpPr>
-            <p:sp>
-              <p:nvSpPr>
-                <p:cNvPr id="222" name="Oval 221"/>
-                <p:cNvSpPr/>
-                <p:nvPr/>
-              </p:nvSpPr>
-              <p:spPr>
-                <a:xfrm>
-                  <a:off x="4484550" y="3215437"/>
-                  <a:ext cx="319032" cy="315970"/>
-                </a:xfrm>
-                <a:prstGeom prst="ellipse">
-                  <a:avLst/>
-                </a:prstGeom>
-                <a:noFill/>
-                <a:ln w="38100">
-                  <a:solidFill>
-                    <a:schemeClr val="tx1"/>
-                  </a:solidFill>
-                </a:ln>
-              </p:spPr>
-              <p:style>
-                <a:lnRef idx="2">
-                  <a:schemeClr val="accent1">
-                    <a:shade val="50000"/>
-                  </a:schemeClr>
-                </a:lnRef>
-                <a:fillRef idx="1">
-                  <a:schemeClr val="accent1"/>
-                </a:fillRef>
-                <a:effectRef idx="0">
-                  <a:schemeClr val="accent1"/>
-                </a:effectRef>
-                <a:fontRef idx="minor">
-                  <a:schemeClr val="lt1"/>
-                </a:fontRef>
-              </p:style>
-              <p:txBody>
-                <a:bodyPr rtlCol="0" anchor="ctr"/>
-                <a:lstStyle/>
-                <a:p>
-                  <a:pPr algn="ctr"/>
-                  <a:endParaRPr lang="en-US"/>
-                </a:p>
-              </p:txBody>
-            </p:sp>
-            <p:sp>
-              <p:nvSpPr>
-                <p:cNvPr id="223" name="Oval 222"/>
-                <p:cNvSpPr/>
-                <p:nvPr/>
-              </p:nvSpPr>
-              <p:spPr>
-                <a:xfrm>
-                  <a:off x="4621206" y="3350562"/>
-                  <a:ext cx="45719" cy="45719"/>
-                </a:xfrm>
-                <a:prstGeom prst="ellipse">
-                  <a:avLst/>
-                </a:prstGeom>
-                <a:solidFill>
-                  <a:schemeClr val="tx1"/>
-                </a:solidFill>
-                <a:ln w="38100">
-                  <a:solidFill>
-                    <a:schemeClr val="tx1"/>
-                  </a:solidFill>
-                </a:ln>
-              </p:spPr>
-              <p:style>
-                <a:lnRef idx="2">
-                  <a:schemeClr val="accent1">
-                    <a:shade val="50000"/>
-                  </a:schemeClr>
-                </a:lnRef>
-                <a:fillRef idx="1">
-                  <a:schemeClr val="accent1"/>
-                </a:fillRef>
-                <a:effectRef idx="0">
-                  <a:schemeClr val="accent1"/>
-                </a:effectRef>
-                <a:fontRef idx="minor">
-                  <a:schemeClr val="lt1"/>
-                </a:fontRef>
-              </p:style>
-              <p:txBody>
-                <a:bodyPr rtlCol="0" anchor="ctr"/>
-                <a:lstStyle/>
-                <a:p>
-                  <a:pPr algn="ctr"/>
-                  <a:endParaRPr lang="en-US"/>
-                </a:p>
-              </p:txBody>
-            </p:sp>
-          </p:grpSp>
-          <p:sp>
-            <p:nvSpPr>
-              <p:cNvPr id="221" name="Multiply 220"/>
-              <p:cNvSpPr/>
-              <p:nvPr/>
-            </p:nvSpPr>
-            <p:spPr>
-              <a:xfrm>
-                <a:off x="8058637" y="1855071"/>
-                <a:ext cx="213919" cy="196688"/>
-              </a:xfrm>
-              <a:prstGeom prst="mathMultiply">
-                <a:avLst>
-                  <a:gd name="adj1" fmla="val 3701"/>
-                </a:avLst>
-              </a:prstGeom>
-              <a:solidFill>
-                <a:schemeClr val="tx1"/>
-              </a:solidFill>
-              <a:ln w="38100">
-                <a:solidFill>
-                  <a:schemeClr val="tx1"/>
-                </a:solidFill>
-              </a:ln>
-            </p:spPr>
-            <p:style>
-              <a:lnRef idx="2">
-                <a:schemeClr val="accent1">
-                  <a:shade val="50000"/>
-                </a:schemeClr>
-              </a:lnRef>
-              <a:fillRef idx="1">
-                <a:schemeClr val="accent1"/>
-              </a:fillRef>
-              <a:effectRef idx="0">
-                <a:schemeClr val="accent1"/>
-              </a:effectRef>
-              <a:fontRef idx="minor">
-                <a:schemeClr val="lt1"/>
-              </a:fontRef>
-            </p:style>
-            <p:txBody>
-              <a:bodyPr rtlCol="0" anchor="ctr"/>
-              <a:lstStyle/>
-              <a:p>
-                <a:pPr algn="ctr"/>
-                <a:endParaRPr lang="en-US"/>
-              </a:p>
-            </p:txBody>
-          </p:sp>
-        </p:grpSp>
-        <p:grpSp>
-          <p:nvGrpSpPr>
-            <p:cNvPr id="156" name="Group 155"/>
-            <p:cNvGrpSpPr/>
-            <p:nvPr/>
-          </p:nvGrpSpPr>
-          <p:grpSpPr>
-            <a:xfrm rot="10800000">
-              <a:off x="8075962" y="3641480"/>
-              <a:ext cx="213919" cy="1070458"/>
-              <a:chOff x="8058637" y="981301"/>
-              <a:chExt cx="213919" cy="1070458"/>
-            </a:xfrm>
-          </p:grpSpPr>
-          <p:cxnSp>
-            <p:nvCxnSpPr>
-              <p:cNvPr id="214" name="Straight Connector 213"/>
-              <p:cNvCxnSpPr/>
-              <p:nvPr/>
-            </p:nvCxnSpPr>
-            <p:spPr>
-              <a:xfrm flipH="1">
-                <a:off x="8163500" y="1056991"/>
-                <a:ext cx="11016" cy="890916"/>
-              </a:xfrm>
-              <a:prstGeom prst="line">
-                <a:avLst/>
-              </a:prstGeom>
-              <a:ln w="38100">
-                <a:solidFill>
-                  <a:schemeClr val="tx1"/>
-                </a:solidFill>
-              </a:ln>
-            </p:spPr>
-            <p:style>
-              <a:lnRef idx="1">
-                <a:schemeClr val="accent1"/>
-              </a:lnRef>
-              <a:fillRef idx="0">
-                <a:schemeClr val="accent1"/>
-              </a:fillRef>
-              <a:effectRef idx="0">
-                <a:schemeClr val="accent1"/>
-              </a:effectRef>
-              <a:fontRef idx="minor">
-                <a:schemeClr val="tx1"/>
-              </a:fontRef>
-            </p:style>
-          </p:cxnSp>
-          <p:grpSp>
-            <p:nvGrpSpPr>
-              <p:cNvPr id="215" name="Group 214"/>
-              <p:cNvGrpSpPr/>
-              <p:nvPr/>
-            </p:nvGrpSpPr>
-            <p:grpSpPr>
-              <a:xfrm>
-                <a:off x="8088763" y="981301"/>
-                <a:ext cx="171506" cy="169860"/>
-                <a:chOff x="4484550" y="3215437"/>
-                <a:chExt cx="319032" cy="315970"/>
-              </a:xfrm>
-            </p:grpSpPr>
-            <p:sp>
-              <p:nvSpPr>
-                <p:cNvPr id="217" name="Oval 216"/>
-                <p:cNvSpPr/>
-                <p:nvPr/>
-              </p:nvSpPr>
-              <p:spPr>
-                <a:xfrm>
-                  <a:off x="4484550" y="3215437"/>
-                  <a:ext cx="319032" cy="315970"/>
-                </a:xfrm>
-                <a:prstGeom prst="ellipse">
-                  <a:avLst/>
-                </a:prstGeom>
-                <a:noFill/>
-                <a:ln w="38100">
-                  <a:solidFill>
-                    <a:schemeClr val="tx1"/>
-                  </a:solidFill>
-                </a:ln>
-              </p:spPr>
-              <p:style>
-                <a:lnRef idx="2">
-                  <a:schemeClr val="accent1">
-                    <a:shade val="50000"/>
-                  </a:schemeClr>
-                </a:lnRef>
-                <a:fillRef idx="1">
-                  <a:schemeClr val="accent1"/>
-                </a:fillRef>
-                <a:effectRef idx="0">
-                  <a:schemeClr val="accent1"/>
-                </a:effectRef>
-                <a:fontRef idx="minor">
-                  <a:schemeClr val="lt1"/>
-                </a:fontRef>
-              </p:style>
-              <p:txBody>
-                <a:bodyPr rtlCol="0" anchor="ctr"/>
-                <a:lstStyle/>
-                <a:p>
-                  <a:pPr algn="ctr"/>
-                  <a:endParaRPr lang="en-US"/>
-                </a:p>
-              </p:txBody>
-            </p:sp>
-            <p:sp>
-              <p:nvSpPr>
-                <p:cNvPr id="218" name="Oval 217"/>
-                <p:cNvSpPr/>
-                <p:nvPr/>
-              </p:nvSpPr>
-              <p:spPr>
-                <a:xfrm>
-                  <a:off x="4621206" y="3350562"/>
-                  <a:ext cx="45719" cy="45719"/>
-                </a:xfrm>
-                <a:prstGeom prst="ellipse">
-                  <a:avLst/>
-                </a:prstGeom>
-                <a:solidFill>
-                  <a:schemeClr val="tx1"/>
-                </a:solidFill>
-                <a:ln w="38100">
-                  <a:solidFill>
-                    <a:schemeClr val="tx1"/>
-                  </a:solidFill>
-                </a:ln>
-              </p:spPr>
-              <p:style>
-                <a:lnRef idx="2">
-                  <a:schemeClr val="accent1">
-                    <a:shade val="50000"/>
-                  </a:schemeClr>
-                </a:lnRef>
-                <a:fillRef idx="1">
-                  <a:schemeClr val="accent1"/>
-                </a:fillRef>
-                <a:effectRef idx="0">
-                  <a:schemeClr val="accent1"/>
-                </a:effectRef>
-                <a:fontRef idx="minor">
-                  <a:schemeClr val="lt1"/>
-                </a:fontRef>
-              </p:style>
-              <p:txBody>
-                <a:bodyPr rtlCol="0" anchor="ctr"/>
-                <a:lstStyle/>
-                <a:p>
-                  <a:pPr algn="ctr"/>
-                  <a:endParaRPr lang="en-US"/>
-                </a:p>
-              </p:txBody>
-            </p:sp>
-          </p:grpSp>
-          <p:sp>
-            <p:nvSpPr>
-              <p:cNvPr id="216" name="Multiply 215"/>
-              <p:cNvSpPr/>
-              <p:nvPr/>
-            </p:nvSpPr>
-            <p:spPr>
-              <a:xfrm>
-                <a:off x="8058637" y="1855071"/>
-                <a:ext cx="213919" cy="196688"/>
-              </a:xfrm>
-              <a:prstGeom prst="mathMultiply">
-                <a:avLst>
-                  <a:gd name="adj1" fmla="val 3701"/>
-                </a:avLst>
-              </a:prstGeom>
-              <a:solidFill>
-                <a:schemeClr val="tx1"/>
-              </a:solidFill>
-              <a:ln w="38100">
-                <a:solidFill>
-                  <a:schemeClr val="tx1"/>
-                </a:solidFill>
-              </a:ln>
-            </p:spPr>
-            <p:style>
-              <a:lnRef idx="2">
-                <a:schemeClr val="accent1">
-                  <a:shade val="50000"/>
-                </a:schemeClr>
-              </a:lnRef>
-              <a:fillRef idx="1">
-                <a:schemeClr val="accent1"/>
-              </a:fillRef>
-              <a:effectRef idx="0">
-                <a:schemeClr val="accent1"/>
-              </a:effectRef>
-              <a:fontRef idx="minor">
-                <a:schemeClr val="lt1"/>
-              </a:fontRef>
-            </p:style>
-            <p:txBody>
-              <a:bodyPr rtlCol="0" anchor="ctr"/>
-              <a:lstStyle/>
-              <a:p>
-                <a:pPr algn="ctr"/>
-                <a:endParaRPr lang="en-US"/>
-              </a:p>
-            </p:txBody>
-          </p:sp>
-        </p:grpSp>
-        <p:grpSp>
-          <p:nvGrpSpPr>
-            <p:cNvPr id="157" name="Group 156"/>
-            <p:cNvGrpSpPr/>
-            <p:nvPr/>
-          </p:nvGrpSpPr>
-          <p:grpSpPr>
-            <a:xfrm rot="10800000">
-              <a:off x="8260270" y="3640310"/>
-              <a:ext cx="213919" cy="1070458"/>
-              <a:chOff x="8058637" y="981301"/>
-              <a:chExt cx="213919" cy="1070458"/>
-            </a:xfrm>
-          </p:grpSpPr>
-          <p:cxnSp>
-            <p:nvCxnSpPr>
-              <p:cNvPr id="209" name="Straight Connector 208"/>
-              <p:cNvCxnSpPr/>
-              <p:nvPr/>
-            </p:nvCxnSpPr>
-            <p:spPr>
-              <a:xfrm flipH="1">
-                <a:off x="8163500" y="1056991"/>
-                <a:ext cx="11016" cy="890916"/>
-              </a:xfrm>
-              <a:prstGeom prst="line">
-                <a:avLst/>
-              </a:prstGeom>
-              <a:ln w="38100">
-                <a:solidFill>
-                  <a:schemeClr val="tx1"/>
-                </a:solidFill>
-              </a:ln>
-            </p:spPr>
-            <p:style>
-              <a:lnRef idx="1">
-                <a:schemeClr val="accent1"/>
-              </a:lnRef>
-              <a:fillRef idx="0">
-                <a:schemeClr val="accent1"/>
-              </a:fillRef>
-              <a:effectRef idx="0">
-                <a:schemeClr val="accent1"/>
-              </a:effectRef>
-              <a:fontRef idx="minor">
-                <a:schemeClr val="tx1"/>
-              </a:fontRef>
-            </p:style>
-          </p:cxnSp>
-          <p:grpSp>
-            <p:nvGrpSpPr>
-              <p:cNvPr id="210" name="Group 209"/>
-              <p:cNvGrpSpPr/>
-              <p:nvPr/>
-            </p:nvGrpSpPr>
-            <p:grpSpPr>
-              <a:xfrm>
-                <a:off x="8088763" y="981301"/>
-                <a:ext cx="171506" cy="169860"/>
-                <a:chOff x="4484550" y="3215437"/>
-                <a:chExt cx="319032" cy="315970"/>
-              </a:xfrm>
-            </p:grpSpPr>
-            <p:sp>
-              <p:nvSpPr>
-                <p:cNvPr id="212" name="Oval 211"/>
-                <p:cNvSpPr/>
-                <p:nvPr/>
-              </p:nvSpPr>
-              <p:spPr>
-                <a:xfrm>
-                  <a:off x="4484550" y="3215437"/>
-                  <a:ext cx="319032" cy="315970"/>
-                </a:xfrm>
-                <a:prstGeom prst="ellipse">
-                  <a:avLst/>
-                </a:prstGeom>
-                <a:noFill/>
-                <a:ln w="38100">
-                  <a:solidFill>
-                    <a:schemeClr val="tx1"/>
-                  </a:solidFill>
-                </a:ln>
-              </p:spPr>
-              <p:style>
-                <a:lnRef idx="2">
-                  <a:schemeClr val="accent1">
-                    <a:shade val="50000"/>
-                  </a:schemeClr>
-                </a:lnRef>
-                <a:fillRef idx="1">
-                  <a:schemeClr val="accent1"/>
-                </a:fillRef>
-                <a:effectRef idx="0">
-                  <a:schemeClr val="accent1"/>
-                </a:effectRef>
-                <a:fontRef idx="minor">
-                  <a:schemeClr val="lt1"/>
-                </a:fontRef>
-              </p:style>
-              <p:txBody>
-                <a:bodyPr rtlCol="0" anchor="ctr"/>
-                <a:lstStyle/>
-                <a:p>
-                  <a:pPr algn="ctr"/>
-                  <a:endParaRPr lang="en-US"/>
-                </a:p>
-              </p:txBody>
-            </p:sp>
-            <p:sp>
-              <p:nvSpPr>
-                <p:cNvPr id="213" name="Oval 212"/>
-                <p:cNvSpPr/>
-                <p:nvPr/>
-              </p:nvSpPr>
-              <p:spPr>
-                <a:xfrm>
-                  <a:off x="4621206" y="3350562"/>
-                  <a:ext cx="45719" cy="45719"/>
-                </a:xfrm>
-                <a:prstGeom prst="ellipse">
-                  <a:avLst/>
-                </a:prstGeom>
-                <a:solidFill>
-                  <a:schemeClr val="tx1"/>
-                </a:solidFill>
-                <a:ln w="38100">
-                  <a:solidFill>
-                    <a:schemeClr val="tx1"/>
-                  </a:solidFill>
-                </a:ln>
-              </p:spPr>
-              <p:style>
-                <a:lnRef idx="2">
-                  <a:schemeClr val="accent1">
-                    <a:shade val="50000"/>
-                  </a:schemeClr>
-                </a:lnRef>
-                <a:fillRef idx="1">
-                  <a:schemeClr val="accent1"/>
-                </a:fillRef>
-                <a:effectRef idx="0">
-                  <a:schemeClr val="accent1"/>
-                </a:effectRef>
-                <a:fontRef idx="minor">
-                  <a:schemeClr val="lt1"/>
-                </a:fontRef>
-              </p:style>
-              <p:txBody>
-                <a:bodyPr rtlCol="0" anchor="ctr"/>
-                <a:lstStyle/>
-                <a:p>
-                  <a:pPr algn="ctr"/>
-                  <a:endParaRPr lang="en-US"/>
-                </a:p>
-              </p:txBody>
-            </p:sp>
-          </p:grpSp>
-          <p:sp>
-            <p:nvSpPr>
-              <p:cNvPr id="211" name="Multiply 210"/>
-              <p:cNvSpPr/>
-              <p:nvPr/>
-            </p:nvSpPr>
-            <p:spPr>
-              <a:xfrm>
-                <a:off x="8058637" y="1855071"/>
-                <a:ext cx="213919" cy="196688"/>
-              </a:xfrm>
-              <a:prstGeom prst="mathMultiply">
-                <a:avLst>
-                  <a:gd name="adj1" fmla="val 3701"/>
-                </a:avLst>
-              </a:prstGeom>
-              <a:solidFill>
-                <a:schemeClr val="tx1"/>
-              </a:solidFill>
-              <a:ln w="38100">
-                <a:solidFill>
-                  <a:schemeClr val="tx1"/>
-                </a:solidFill>
-              </a:ln>
-            </p:spPr>
-            <p:style>
-              <a:lnRef idx="2">
-                <a:schemeClr val="accent1">
-                  <a:shade val="50000"/>
-                </a:schemeClr>
-              </a:lnRef>
-              <a:fillRef idx="1">
-                <a:schemeClr val="accent1"/>
-              </a:fillRef>
-              <a:effectRef idx="0">
-                <a:schemeClr val="accent1"/>
-              </a:effectRef>
-              <a:fontRef idx="minor">
-                <a:schemeClr val="lt1"/>
-              </a:fontRef>
-            </p:style>
-            <p:txBody>
-              <a:bodyPr rtlCol="0" anchor="ctr"/>
-              <a:lstStyle/>
-              <a:p>
-                <a:pPr algn="ctr"/>
-                <a:endParaRPr lang="en-US"/>
-              </a:p>
-            </p:txBody>
-          </p:sp>
-        </p:grpSp>
-        <p:grpSp>
-          <p:nvGrpSpPr>
-            <p:cNvPr id="158" name="Group 157"/>
-            <p:cNvGrpSpPr/>
-            <p:nvPr/>
-          </p:nvGrpSpPr>
-          <p:grpSpPr>
-            <a:xfrm rot="10800000">
-              <a:off x="8437459" y="3643263"/>
-              <a:ext cx="213919" cy="1070458"/>
-              <a:chOff x="8058637" y="981301"/>
-              <a:chExt cx="213919" cy="1070458"/>
-            </a:xfrm>
-          </p:grpSpPr>
-          <p:cxnSp>
-            <p:nvCxnSpPr>
-              <p:cNvPr id="204" name="Straight Connector 203"/>
-              <p:cNvCxnSpPr/>
-              <p:nvPr/>
-            </p:nvCxnSpPr>
-            <p:spPr>
-              <a:xfrm flipH="1">
-                <a:off x="8163500" y="1056991"/>
-                <a:ext cx="11016" cy="890916"/>
-              </a:xfrm>
-              <a:prstGeom prst="line">
-                <a:avLst/>
-              </a:prstGeom>
-              <a:ln w="38100">
-                <a:solidFill>
-                  <a:schemeClr val="tx1"/>
-                </a:solidFill>
-              </a:ln>
-            </p:spPr>
-            <p:style>
-              <a:lnRef idx="1">
-                <a:schemeClr val="accent1"/>
-              </a:lnRef>
-              <a:fillRef idx="0">
-                <a:schemeClr val="accent1"/>
-              </a:fillRef>
-              <a:effectRef idx="0">
-                <a:schemeClr val="accent1"/>
-              </a:effectRef>
-              <a:fontRef idx="minor">
-                <a:schemeClr val="tx1"/>
-              </a:fontRef>
-            </p:style>
-          </p:cxnSp>
-          <p:grpSp>
-            <p:nvGrpSpPr>
-              <p:cNvPr id="205" name="Group 204"/>
-              <p:cNvGrpSpPr/>
-              <p:nvPr/>
-            </p:nvGrpSpPr>
-            <p:grpSpPr>
-              <a:xfrm>
-                <a:off x="8088763" y="981301"/>
-                <a:ext cx="171506" cy="169860"/>
-                <a:chOff x="4484550" y="3215437"/>
-                <a:chExt cx="319032" cy="315970"/>
-              </a:xfrm>
-            </p:grpSpPr>
-            <p:sp>
-              <p:nvSpPr>
-                <p:cNvPr id="207" name="Oval 206"/>
-                <p:cNvSpPr/>
-                <p:nvPr/>
-              </p:nvSpPr>
-              <p:spPr>
-                <a:xfrm>
-                  <a:off x="4484550" y="3215437"/>
-                  <a:ext cx="319032" cy="315970"/>
-                </a:xfrm>
-                <a:prstGeom prst="ellipse">
-                  <a:avLst/>
-                </a:prstGeom>
-                <a:noFill/>
-                <a:ln w="38100">
-                  <a:solidFill>
-                    <a:schemeClr val="tx1"/>
-                  </a:solidFill>
-                </a:ln>
-              </p:spPr>
-              <p:style>
-                <a:lnRef idx="2">
-                  <a:schemeClr val="accent1">
-                    <a:shade val="50000"/>
-                  </a:schemeClr>
-                </a:lnRef>
-                <a:fillRef idx="1">
-                  <a:schemeClr val="accent1"/>
-                </a:fillRef>
-                <a:effectRef idx="0">
-                  <a:schemeClr val="accent1"/>
-                </a:effectRef>
-                <a:fontRef idx="minor">
-                  <a:schemeClr val="lt1"/>
-                </a:fontRef>
-              </p:style>
-              <p:txBody>
-                <a:bodyPr rtlCol="0" anchor="ctr"/>
-                <a:lstStyle/>
-                <a:p>
-                  <a:pPr algn="ctr"/>
-                  <a:endParaRPr lang="en-US"/>
-                </a:p>
-              </p:txBody>
-            </p:sp>
-            <p:sp>
-              <p:nvSpPr>
-                <p:cNvPr id="208" name="Oval 207"/>
-                <p:cNvSpPr/>
-                <p:nvPr/>
-              </p:nvSpPr>
-              <p:spPr>
-                <a:xfrm>
-                  <a:off x="4621206" y="3350562"/>
-                  <a:ext cx="45719" cy="45719"/>
-                </a:xfrm>
-                <a:prstGeom prst="ellipse">
-                  <a:avLst/>
-                </a:prstGeom>
-                <a:solidFill>
-                  <a:schemeClr val="tx1"/>
-                </a:solidFill>
-                <a:ln w="38100">
-                  <a:solidFill>
-                    <a:schemeClr val="tx1"/>
-                  </a:solidFill>
-                </a:ln>
-              </p:spPr>
-              <p:style>
-                <a:lnRef idx="2">
-                  <a:schemeClr val="accent1">
-                    <a:shade val="50000"/>
-                  </a:schemeClr>
-                </a:lnRef>
-                <a:fillRef idx="1">
-                  <a:schemeClr val="accent1"/>
-                </a:fillRef>
-                <a:effectRef idx="0">
-                  <a:schemeClr val="accent1"/>
-                </a:effectRef>
-                <a:fontRef idx="minor">
-                  <a:schemeClr val="lt1"/>
-                </a:fontRef>
-              </p:style>
-              <p:txBody>
-                <a:bodyPr rtlCol="0" anchor="ctr"/>
-                <a:lstStyle/>
-                <a:p>
-                  <a:pPr algn="ctr"/>
-                  <a:endParaRPr lang="en-US"/>
-                </a:p>
-              </p:txBody>
-            </p:sp>
-          </p:grpSp>
-          <p:sp>
-            <p:nvSpPr>
-              <p:cNvPr id="206" name="Multiply 205"/>
-              <p:cNvSpPr/>
-              <p:nvPr/>
-            </p:nvSpPr>
-            <p:spPr>
-              <a:xfrm>
-                <a:off x="8058637" y="1855071"/>
-                <a:ext cx="213919" cy="196688"/>
-              </a:xfrm>
-              <a:prstGeom prst="mathMultiply">
-                <a:avLst>
-                  <a:gd name="adj1" fmla="val 3701"/>
-                </a:avLst>
-              </a:prstGeom>
-              <a:solidFill>
-                <a:schemeClr val="tx1"/>
-              </a:solidFill>
-              <a:ln w="38100">
-                <a:solidFill>
-                  <a:schemeClr val="tx1"/>
-                </a:solidFill>
-              </a:ln>
-            </p:spPr>
-            <p:style>
-              <a:lnRef idx="2">
-                <a:schemeClr val="accent1">
-                  <a:shade val="50000"/>
-                </a:schemeClr>
-              </a:lnRef>
-              <a:fillRef idx="1">
-                <a:schemeClr val="accent1"/>
-              </a:fillRef>
-              <a:effectRef idx="0">
-                <a:schemeClr val="accent1"/>
-              </a:effectRef>
-              <a:fontRef idx="minor">
-                <a:schemeClr val="lt1"/>
-              </a:fontRef>
-            </p:style>
-            <p:txBody>
-              <a:bodyPr rtlCol="0" anchor="ctr"/>
-              <a:lstStyle/>
-              <a:p>
-                <a:pPr algn="ctr"/>
-                <a:endParaRPr lang="en-US"/>
-              </a:p>
-            </p:txBody>
-          </p:sp>
-        </p:grpSp>
-        <p:grpSp>
-          <p:nvGrpSpPr>
-            <p:cNvPr id="159" name="Group 158"/>
-            <p:cNvGrpSpPr/>
-            <p:nvPr/>
-          </p:nvGrpSpPr>
-          <p:grpSpPr>
-            <a:xfrm rot="10800000">
-              <a:off x="8610168" y="3640309"/>
-              <a:ext cx="213919" cy="1070458"/>
-              <a:chOff x="8058637" y="981301"/>
-              <a:chExt cx="213919" cy="1070458"/>
-            </a:xfrm>
-          </p:grpSpPr>
-          <p:cxnSp>
-            <p:nvCxnSpPr>
-              <p:cNvPr id="199" name="Straight Connector 198"/>
-              <p:cNvCxnSpPr/>
-              <p:nvPr/>
-            </p:nvCxnSpPr>
-            <p:spPr>
-              <a:xfrm flipH="1">
-                <a:off x="8163500" y="1056991"/>
-                <a:ext cx="11016" cy="890916"/>
-              </a:xfrm>
-              <a:prstGeom prst="line">
-                <a:avLst/>
-              </a:prstGeom>
-              <a:ln w="38100">
-                <a:solidFill>
-                  <a:schemeClr val="tx1"/>
-                </a:solidFill>
-              </a:ln>
-            </p:spPr>
-            <p:style>
-              <a:lnRef idx="1">
-                <a:schemeClr val="accent1"/>
-              </a:lnRef>
-              <a:fillRef idx="0">
-                <a:schemeClr val="accent1"/>
-              </a:fillRef>
-              <a:effectRef idx="0">
-                <a:schemeClr val="accent1"/>
-              </a:effectRef>
-              <a:fontRef idx="minor">
-                <a:schemeClr val="tx1"/>
-              </a:fontRef>
-            </p:style>
-          </p:cxnSp>
-          <p:grpSp>
-            <p:nvGrpSpPr>
-              <p:cNvPr id="200" name="Group 199"/>
-              <p:cNvGrpSpPr/>
-              <p:nvPr/>
-            </p:nvGrpSpPr>
-            <p:grpSpPr>
-              <a:xfrm>
-                <a:off x="8088763" y="981301"/>
-                <a:ext cx="171506" cy="169860"/>
-                <a:chOff x="4484550" y="3215437"/>
-                <a:chExt cx="319032" cy="315970"/>
-              </a:xfrm>
-            </p:grpSpPr>
-            <p:sp>
-              <p:nvSpPr>
-                <p:cNvPr id="202" name="Oval 201"/>
-                <p:cNvSpPr/>
-                <p:nvPr/>
-              </p:nvSpPr>
-              <p:spPr>
-                <a:xfrm>
-                  <a:off x="4484550" y="3215437"/>
-                  <a:ext cx="319032" cy="315970"/>
-                </a:xfrm>
-                <a:prstGeom prst="ellipse">
-                  <a:avLst/>
-                </a:prstGeom>
-                <a:noFill/>
-                <a:ln w="38100">
-                  <a:solidFill>
-                    <a:schemeClr val="tx1"/>
-                  </a:solidFill>
-                </a:ln>
-              </p:spPr>
-              <p:style>
-                <a:lnRef idx="2">
-                  <a:schemeClr val="accent1">
-                    <a:shade val="50000"/>
-                  </a:schemeClr>
-                </a:lnRef>
-                <a:fillRef idx="1">
-                  <a:schemeClr val="accent1"/>
-                </a:fillRef>
-                <a:effectRef idx="0">
-                  <a:schemeClr val="accent1"/>
-                </a:effectRef>
-                <a:fontRef idx="minor">
-                  <a:schemeClr val="lt1"/>
-                </a:fontRef>
-              </p:style>
-              <p:txBody>
-                <a:bodyPr rtlCol="0" anchor="ctr"/>
-                <a:lstStyle/>
-                <a:p>
-                  <a:pPr algn="ctr"/>
-                  <a:endParaRPr lang="en-US"/>
-                </a:p>
-              </p:txBody>
-            </p:sp>
-            <p:sp>
-              <p:nvSpPr>
-                <p:cNvPr id="203" name="Oval 202"/>
-                <p:cNvSpPr/>
-                <p:nvPr/>
-              </p:nvSpPr>
-              <p:spPr>
-                <a:xfrm>
-                  <a:off x="4621206" y="3350562"/>
-                  <a:ext cx="45719" cy="45719"/>
-                </a:xfrm>
-                <a:prstGeom prst="ellipse">
-                  <a:avLst/>
-                </a:prstGeom>
-                <a:solidFill>
-                  <a:schemeClr val="tx1"/>
-                </a:solidFill>
-                <a:ln w="38100">
-                  <a:solidFill>
-                    <a:schemeClr val="tx1"/>
-                  </a:solidFill>
-                </a:ln>
-              </p:spPr>
-              <p:style>
-                <a:lnRef idx="2">
-                  <a:schemeClr val="accent1">
-                    <a:shade val="50000"/>
-                  </a:schemeClr>
-                </a:lnRef>
-                <a:fillRef idx="1">
-                  <a:schemeClr val="accent1"/>
-                </a:fillRef>
-                <a:effectRef idx="0">
-                  <a:schemeClr val="accent1"/>
-                </a:effectRef>
-                <a:fontRef idx="minor">
-                  <a:schemeClr val="lt1"/>
-                </a:fontRef>
-              </p:style>
-              <p:txBody>
-                <a:bodyPr rtlCol="0" anchor="ctr"/>
-                <a:lstStyle/>
-                <a:p>
-                  <a:pPr algn="ctr"/>
-                  <a:endParaRPr lang="en-US"/>
-                </a:p>
-              </p:txBody>
-            </p:sp>
-          </p:grpSp>
-          <p:sp>
-            <p:nvSpPr>
-              <p:cNvPr id="201" name="Multiply 200"/>
-              <p:cNvSpPr/>
-              <p:nvPr/>
-            </p:nvSpPr>
-            <p:spPr>
-              <a:xfrm>
-                <a:off x="8058637" y="1855071"/>
-                <a:ext cx="213919" cy="196688"/>
-              </a:xfrm>
-              <a:prstGeom prst="mathMultiply">
-                <a:avLst>
-                  <a:gd name="adj1" fmla="val 3701"/>
-                </a:avLst>
-              </a:prstGeom>
-              <a:solidFill>
-                <a:schemeClr val="tx1"/>
-              </a:solidFill>
-              <a:ln w="38100">
-                <a:solidFill>
-                  <a:schemeClr val="tx1"/>
-                </a:solidFill>
-              </a:ln>
-            </p:spPr>
-            <p:style>
-              <a:lnRef idx="2">
-                <a:schemeClr val="accent1">
-                  <a:shade val="50000"/>
-                </a:schemeClr>
-              </a:lnRef>
-              <a:fillRef idx="1">
-                <a:schemeClr val="accent1"/>
-              </a:fillRef>
-              <a:effectRef idx="0">
-                <a:schemeClr val="accent1"/>
-              </a:effectRef>
-              <a:fontRef idx="minor">
-                <a:schemeClr val="lt1"/>
-              </a:fontRef>
-            </p:style>
-            <p:txBody>
-              <a:bodyPr rtlCol="0" anchor="ctr"/>
-              <a:lstStyle/>
-              <a:p>
-                <a:pPr algn="ctr"/>
-                <a:endParaRPr lang="en-US"/>
-              </a:p>
-            </p:txBody>
-          </p:sp>
-        </p:grpSp>
-        <p:grpSp>
-          <p:nvGrpSpPr>
-            <p:cNvPr id="160" name="Group 159"/>
-            <p:cNvGrpSpPr/>
-            <p:nvPr/>
-          </p:nvGrpSpPr>
-          <p:grpSpPr>
-            <a:xfrm rot="10800000">
-              <a:off x="8787357" y="3643262"/>
-              <a:ext cx="213919" cy="1070458"/>
-              <a:chOff x="8058637" y="981301"/>
-              <a:chExt cx="213919" cy="1070458"/>
-            </a:xfrm>
-          </p:grpSpPr>
-          <p:cxnSp>
-            <p:nvCxnSpPr>
-              <p:cNvPr id="194" name="Straight Connector 193"/>
-              <p:cNvCxnSpPr/>
-              <p:nvPr/>
-            </p:nvCxnSpPr>
-            <p:spPr>
-              <a:xfrm flipH="1">
-                <a:off x="8163500" y="1056991"/>
-                <a:ext cx="11016" cy="890916"/>
-              </a:xfrm>
-              <a:prstGeom prst="line">
-                <a:avLst/>
-              </a:prstGeom>
-              <a:ln w="38100">
-                <a:solidFill>
-                  <a:schemeClr val="tx1"/>
-                </a:solidFill>
-              </a:ln>
-            </p:spPr>
-            <p:style>
-              <a:lnRef idx="1">
-                <a:schemeClr val="accent1"/>
-              </a:lnRef>
-              <a:fillRef idx="0">
-                <a:schemeClr val="accent1"/>
-              </a:fillRef>
-              <a:effectRef idx="0">
-                <a:schemeClr val="accent1"/>
-              </a:effectRef>
-              <a:fontRef idx="minor">
-                <a:schemeClr val="tx1"/>
-              </a:fontRef>
-            </p:style>
-          </p:cxnSp>
-          <p:grpSp>
-            <p:nvGrpSpPr>
-              <p:cNvPr id="195" name="Group 194"/>
-              <p:cNvGrpSpPr/>
-              <p:nvPr/>
-            </p:nvGrpSpPr>
-            <p:grpSpPr>
-              <a:xfrm>
-                <a:off x="8088763" y="981301"/>
-                <a:ext cx="171506" cy="169860"/>
-                <a:chOff x="4484550" y="3215437"/>
-                <a:chExt cx="319032" cy="315970"/>
-              </a:xfrm>
-            </p:grpSpPr>
-            <p:sp>
-              <p:nvSpPr>
-                <p:cNvPr id="197" name="Oval 196"/>
-                <p:cNvSpPr/>
-                <p:nvPr/>
-              </p:nvSpPr>
-              <p:spPr>
-                <a:xfrm>
-                  <a:off x="4484550" y="3215437"/>
-                  <a:ext cx="319032" cy="315970"/>
-                </a:xfrm>
-                <a:prstGeom prst="ellipse">
-                  <a:avLst/>
-                </a:prstGeom>
-                <a:noFill/>
-                <a:ln w="38100">
-                  <a:solidFill>
-                    <a:schemeClr val="tx1"/>
-                  </a:solidFill>
-                </a:ln>
-              </p:spPr>
-              <p:style>
-                <a:lnRef idx="2">
-                  <a:schemeClr val="accent1">
-                    <a:shade val="50000"/>
-                  </a:schemeClr>
-                </a:lnRef>
-                <a:fillRef idx="1">
-                  <a:schemeClr val="accent1"/>
-                </a:fillRef>
-                <a:effectRef idx="0">
-                  <a:schemeClr val="accent1"/>
-                </a:effectRef>
-                <a:fontRef idx="minor">
-                  <a:schemeClr val="lt1"/>
-                </a:fontRef>
-              </p:style>
-              <p:txBody>
-                <a:bodyPr rtlCol="0" anchor="ctr"/>
-                <a:lstStyle/>
-                <a:p>
-                  <a:pPr algn="ctr"/>
-                  <a:endParaRPr lang="en-US"/>
-                </a:p>
-              </p:txBody>
-            </p:sp>
-            <p:sp>
-              <p:nvSpPr>
-                <p:cNvPr id="198" name="Oval 197"/>
-                <p:cNvSpPr/>
-                <p:nvPr/>
-              </p:nvSpPr>
-              <p:spPr>
-                <a:xfrm>
-                  <a:off x="4621206" y="3350562"/>
-                  <a:ext cx="45719" cy="45719"/>
-                </a:xfrm>
-                <a:prstGeom prst="ellipse">
-                  <a:avLst/>
-                </a:prstGeom>
-                <a:solidFill>
-                  <a:schemeClr val="tx1"/>
-                </a:solidFill>
-                <a:ln w="38100">
-                  <a:solidFill>
-                    <a:schemeClr val="tx1"/>
-                  </a:solidFill>
-                </a:ln>
-              </p:spPr>
-              <p:style>
-                <a:lnRef idx="2">
-                  <a:schemeClr val="accent1">
-                    <a:shade val="50000"/>
-                  </a:schemeClr>
-                </a:lnRef>
-                <a:fillRef idx="1">
-                  <a:schemeClr val="accent1"/>
-                </a:fillRef>
-                <a:effectRef idx="0">
-                  <a:schemeClr val="accent1"/>
-                </a:effectRef>
-                <a:fontRef idx="minor">
-                  <a:schemeClr val="lt1"/>
-                </a:fontRef>
-              </p:style>
-              <p:txBody>
-                <a:bodyPr rtlCol="0" anchor="ctr"/>
-                <a:lstStyle/>
-                <a:p>
-                  <a:pPr algn="ctr"/>
-                  <a:endParaRPr lang="en-US"/>
-                </a:p>
-              </p:txBody>
-            </p:sp>
-          </p:grpSp>
-          <p:sp>
-            <p:nvSpPr>
-              <p:cNvPr id="196" name="Multiply 195"/>
-              <p:cNvSpPr/>
-              <p:nvPr/>
-            </p:nvSpPr>
-            <p:spPr>
-              <a:xfrm>
-                <a:off x="8058637" y="1855071"/>
-                <a:ext cx="213919" cy="196688"/>
-              </a:xfrm>
-              <a:prstGeom prst="mathMultiply">
-                <a:avLst>
-                  <a:gd name="adj1" fmla="val 3701"/>
-                </a:avLst>
-              </a:prstGeom>
-              <a:solidFill>
-                <a:schemeClr val="tx1"/>
-              </a:solidFill>
-              <a:ln w="38100">
-                <a:solidFill>
-                  <a:schemeClr val="tx1"/>
-                </a:solidFill>
-              </a:ln>
-            </p:spPr>
-            <p:style>
-              <a:lnRef idx="2">
-                <a:schemeClr val="accent1">
-                  <a:shade val="50000"/>
-                </a:schemeClr>
-              </a:lnRef>
-              <a:fillRef idx="1">
-                <a:schemeClr val="accent1"/>
-              </a:fillRef>
-              <a:effectRef idx="0">
-                <a:schemeClr val="accent1"/>
-              </a:effectRef>
-              <a:fontRef idx="minor">
-                <a:schemeClr val="lt1"/>
-              </a:fontRef>
-            </p:style>
-            <p:txBody>
-              <a:bodyPr rtlCol="0" anchor="ctr"/>
-              <a:lstStyle/>
-              <a:p>
-                <a:pPr algn="ctr"/>
-                <a:endParaRPr lang="en-US"/>
-              </a:p>
-            </p:txBody>
-          </p:sp>
-        </p:grpSp>
-        <p:grpSp>
-          <p:nvGrpSpPr>
-            <p:cNvPr id="161" name="Group 160"/>
-            <p:cNvGrpSpPr/>
-            <p:nvPr/>
-          </p:nvGrpSpPr>
-          <p:grpSpPr>
-            <a:xfrm rot="10800000">
-              <a:off x="8971665" y="3642092"/>
-              <a:ext cx="213919" cy="1070458"/>
-              <a:chOff x="8058637" y="981301"/>
-              <a:chExt cx="213919" cy="1070458"/>
-            </a:xfrm>
-          </p:grpSpPr>
-          <p:cxnSp>
-            <p:nvCxnSpPr>
-              <p:cNvPr id="189" name="Straight Connector 188"/>
-              <p:cNvCxnSpPr/>
-              <p:nvPr/>
-            </p:nvCxnSpPr>
-            <p:spPr>
-              <a:xfrm flipH="1">
-                <a:off x="8163500" y="1056991"/>
-                <a:ext cx="11016" cy="890916"/>
-              </a:xfrm>
-              <a:prstGeom prst="line">
-                <a:avLst/>
-              </a:prstGeom>
-              <a:ln w="38100">
-                <a:solidFill>
-                  <a:schemeClr val="tx1"/>
-                </a:solidFill>
-              </a:ln>
-            </p:spPr>
-            <p:style>
-              <a:lnRef idx="1">
-                <a:schemeClr val="accent1"/>
-              </a:lnRef>
-              <a:fillRef idx="0">
-                <a:schemeClr val="accent1"/>
-              </a:fillRef>
-              <a:effectRef idx="0">
-                <a:schemeClr val="accent1"/>
-              </a:effectRef>
-              <a:fontRef idx="minor">
-                <a:schemeClr val="tx1"/>
-              </a:fontRef>
-            </p:style>
-          </p:cxnSp>
-          <p:grpSp>
-            <p:nvGrpSpPr>
-              <p:cNvPr id="190" name="Group 189"/>
-              <p:cNvGrpSpPr/>
-              <p:nvPr/>
-            </p:nvGrpSpPr>
-            <p:grpSpPr>
-              <a:xfrm>
-                <a:off x="8088763" y="981301"/>
-                <a:ext cx="171506" cy="169860"/>
-                <a:chOff x="4484550" y="3215437"/>
-                <a:chExt cx="319032" cy="315970"/>
-              </a:xfrm>
-            </p:grpSpPr>
-            <p:sp>
-              <p:nvSpPr>
-                <p:cNvPr id="192" name="Oval 191"/>
-                <p:cNvSpPr/>
-                <p:nvPr/>
-              </p:nvSpPr>
-              <p:spPr>
-                <a:xfrm>
-                  <a:off x="4484550" y="3215437"/>
-                  <a:ext cx="319032" cy="315970"/>
-                </a:xfrm>
-                <a:prstGeom prst="ellipse">
-                  <a:avLst/>
-                </a:prstGeom>
-                <a:noFill/>
-                <a:ln w="38100">
-                  <a:solidFill>
-                    <a:schemeClr val="tx1"/>
-                  </a:solidFill>
-                </a:ln>
-              </p:spPr>
-              <p:style>
-                <a:lnRef idx="2">
-                  <a:schemeClr val="accent1">
-                    <a:shade val="50000"/>
-                  </a:schemeClr>
-                </a:lnRef>
-                <a:fillRef idx="1">
-                  <a:schemeClr val="accent1"/>
-                </a:fillRef>
-                <a:effectRef idx="0">
-                  <a:schemeClr val="accent1"/>
-                </a:effectRef>
-                <a:fontRef idx="minor">
-                  <a:schemeClr val="lt1"/>
-                </a:fontRef>
-              </p:style>
-              <p:txBody>
-                <a:bodyPr rtlCol="0" anchor="ctr"/>
-                <a:lstStyle/>
-                <a:p>
-                  <a:pPr algn="ctr"/>
-                  <a:endParaRPr lang="en-US"/>
-                </a:p>
-              </p:txBody>
-            </p:sp>
-            <p:sp>
-              <p:nvSpPr>
-                <p:cNvPr id="193" name="Oval 192"/>
-                <p:cNvSpPr/>
-                <p:nvPr/>
-              </p:nvSpPr>
-              <p:spPr>
-                <a:xfrm>
-                  <a:off x="4621206" y="3350562"/>
-                  <a:ext cx="45719" cy="45719"/>
-                </a:xfrm>
-                <a:prstGeom prst="ellipse">
-                  <a:avLst/>
-                </a:prstGeom>
-                <a:solidFill>
-                  <a:schemeClr val="tx1"/>
-                </a:solidFill>
-                <a:ln w="38100">
-                  <a:solidFill>
-                    <a:schemeClr val="tx1"/>
-                  </a:solidFill>
-                </a:ln>
-              </p:spPr>
-              <p:style>
-                <a:lnRef idx="2">
-                  <a:schemeClr val="accent1">
-                    <a:shade val="50000"/>
-                  </a:schemeClr>
-                </a:lnRef>
-                <a:fillRef idx="1">
-                  <a:schemeClr val="accent1"/>
-                </a:fillRef>
-                <a:effectRef idx="0">
-                  <a:schemeClr val="accent1"/>
-                </a:effectRef>
-                <a:fontRef idx="minor">
-                  <a:schemeClr val="lt1"/>
-                </a:fontRef>
-              </p:style>
-              <p:txBody>
-                <a:bodyPr rtlCol="0" anchor="ctr"/>
-                <a:lstStyle/>
-                <a:p>
-                  <a:pPr algn="ctr"/>
-                  <a:endParaRPr lang="en-US"/>
-                </a:p>
-              </p:txBody>
-            </p:sp>
-          </p:grpSp>
-          <p:sp>
-            <p:nvSpPr>
-              <p:cNvPr id="191" name="Multiply 190"/>
-              <p:cNvSpPr/>
-              <p:nvPr/>
-            </p:nvSpPr>
-            <p:spPr>
-              <a:xfrm>
-                <a:off x="8058637" y="1855071"/>
-                <a:ext cx="213919" cy="196688"/>
-              </a:xfrm>
-              <a:prstGeom prst="mathMultiply">
-                <a:avLst>
-                  <a:gd name="adj1" fmla="val 3701"/>
-                </a:avLst>
-              </a:prstGeom>
-              <a:solidFill>
-                <a:schemeClr val="tx1"/>
-              </a:solidFill>
-              <a:ln w="38100">
-                <a:solidFill>
-                  <a:schemeClr val="tx1"/>
-                </a:solidFill>
-              </a:ln>
-            </p:spPr>
-            <p:style>
-              <a:lnRef idx="2">
-                <a:schemeClr val="accent1">
-                  <a:shade val="50000"/>
-                </a:schemeClr>
-              </a:lnRef>
-              <a:fillRef idx="1">
-                <a:schemeClr val="accent1"/>
-              </a:fillRef>
-              <a:effectRef idx="0">
-                <a:schemeClr val="accent1"/>
-              </a:effectRef>
-              <a:fontRef idx="minor">
-                <a:schemeClr val="lt1"/>
-              </a:fontRef>
-            </p:style>
-            <p:txBody>
-              <a:bodyPr rtlCol="0" anchor="ctr"/>
-              <a:lstStyle/>
-              <a:p>
-                <a:pPr algn="ctr"/>
-                <a:endParaRPr lang="en-US"/>
-              </a:p>
-            </p:txBody>
-          </p:sp>
-        </p:grpSp>
-        <p:grpSp>
-          <p:nvGrpSpPr>
-            <p:cNvPr id="162" name="Group 161"/>
-            <p:cNvGrpSpPr/>
-            <p:nvPr/>
-          </p:nvGrpSpPr>
-          <p:grpSpPr>
-            <a:xfrm rot="10800000">
-              <a:off x="9148854" y="3645045"/>
-              <a:ext cx="213919" cy="1070458"/>
-              <a:chOff x="8058637" y="981301"/>
-              <a:chExt cx="213919" cy="1070458"/>
-            </a:xfrm>
-          </p:grpSpPr>
-          <p:cxnSp>
-            <p:nvCxnSpPr>
-              <p:cNvPr id="184" name="Straight Connector 183"/>
-              <p:cNvCxnSpPr/>
-              <p:nvPr/>
-            </p:nvCxnSpPr>
-            <p:spPr>
-              <a:xfrm flipH="1">
-                <a:off x="8163500" y="1056991"/>
-                <a:ext cx="11016" cy="890916"/>
-              </a:xfrm>
-              <a:prstGeom prst="line">
-                <a:avLst/>
-              </a:prstGeom>
-              <a:ln w="38100">
-                <a:solidFill>
-                  <a:schemeClr val="tx1"/>
-                </a:solidFill>
-              </a:ln>
-            </p:spPr>
-            <p:style>
-              <a:lnRef idx="1">
-                <a:schemeClr val="accent1"/>
-              </a:lnRef>
-              <a:fillRef idx="0">
-                <a:schemeClr val="accent1"/>
-              </a:fillRef>
-              <a:effectRef idx="0">
-                <a:schemeClr val="accent1"/>
-              </a:effectRef>
-              <a:fontRef idx="minor">
-                <a:schemeClr val="tx1"/>
-              </a:fontRef>
-            </p:style>
-          </p:cxnSp>
-          <p:grpSp>
-            <p:nvGrpSpPr>
-              <p:cNvPr id="185" name="Group 184"/>
-              <p:cNvGrpSpPr/>
-              <p:nvPr/>
-            </p:nvGrpSpPr>
-            <p:grpSpPr>
-              <a:xfrm>
-                <a:off x="8088763" y="981301"/>
-                <a:ext cx="171506" cy="169860"/>
-                <a:chOff x="4484550" y="3215437"/>
-                <a:chExt cx="319032" cy="315970"/>
-              </a:xfrm>
-            </p:grpSpPr>
-            <p:sp>
-              <p:nvSpPr>
-                <p:cNvPr id="187" name="Oval 186"/>
-                <p:cNvSpPr/>
-                <p:nvPr/>
-              </p:nvSpPr>
-              <p:spPr>
-                <a:xfrm>
-                  <a:off x="4484550" y="3215437"/>
-                  <a:ext cx="319032" cy="315970"/>
-                </a:xfrm>
-                <a:prstGeom prst="ellipse">
-                  <a:avLst/>
-                </a:prstGeom>
-                <a:noFill/>
-                <a:ln w="38100">
-                  <a:solidFill>
-                    <a:schemeClr val="tx1"/>
-                  </a:solidFill>
-                </a:ln>
-              </p:spPr>
-              <p:style>
-                <a:lnRef idx="2">
-                  <a:schemeClr val="accent1">
-                    <a:shade val="50000"/>
-                  </a:schemeClr>
-                </a:lnRef>
-                <a:fillRef idx="1">
-                  <a:schemeClr val="accent1"/>
-                </a:fillRef>
-                <a:effectRef idx="0">
-                  <a:schemeClr val="accent1"/>
-                </a:effectRef>
-                <a:fontRef idx="minor">
-                  <a:schemeClr val="lt1"/>
-                </a:fontRef>
-              </p:style>
-              <p:txBody>
-                <a:bodyPr rtlCol="0" anchor="ctr"/>
-                <a:lstStyle/>
-                <a:p>
-                  <a:pPr algn="ctr"/>
-                  <a:endParaRPr lang="en-US"/>
-                </a:p>
-              </p:txBody>
-            </p:sp>
-            <p:sp>
-              <p:nvSpPr>
-                <p:cNvPr id="188" name="Oval 187"/>
-                <p:cNvSpPr/>
-                <p:nvPr/>
-              </p:nvSpPr>
-              <p:spPr>
-                <a:xfrm>
-                  <a:off x="4621206" y="3350562"/>
-                  <a:ext cx="45719" cy="45719"/>
-                </a:xfrm>
-                <a:prstGeom prst="ellipse">
-                  <a:avLst/>
-                </a:prstGeom>
-                <a:solidFill>
-                  <a:schemeClr val="tx1"/>
-                </a:solidFill>
-                <a:ln w="38100">
-                  <a:solidFill>
-                    <a:schemeClr val="tx1"/>
-                  </a:solidFill>
-                </a:ln>
-              </p:spPr>
-              <p:style>
-                <a:lnRef idx="2">
-                  <a:schemeClr val="accent1">
-                    <a:shade val="50000"/>
-                  </a:schemeClr>
-                </a:lnRef>
-                <a:fillRef idx="1">
-                  <a:schemeClr val="accent1"/>
-                </a:fillRef>
-                <a:effectRef idx="0">
-                  <a:schemeClr val="accent1"/>
-                </a:effectRef>
-                <a:fontRef idx="minor">
-                  <a:schemeClr val="lt1"/>
-                </a:fontRef>
-              </p:style>
-              <p:txBody>
-                <a:bodyPr rtlCol="0" anchor="ctr"/>
-                <a:lstStyle/>
-                <a:p>
-                  <a:pPr algn="ctr"/>
-                  <a:endParaRPr lang="en-US"/>
-                </a:p>
-              </p:txBody>
-            </p:sp>
-          </p:grpSp>
-          <p:sp>
-            <p:nvSpPr>
-              <p:cNvPr id="186" name="Multiply 185"/>
-              <p:cNvSpPr/>
-              <p:nvPr/>
-            </p:nvSpPr>
-            <p:spPr>
-              <a:xfrm>
-                <a:off x="8058637" y="1855071"/>
-                <a:ext cx="213919" cy="196688"/>
-              </a:xfrm>
-              <a:prstGeom prst="mathMultiply">
-                <a:avLst>
-                  <a:gd name="adj1" fmla="val 3701"/>
-                </a:avLst>
-              </a:prstGeom>
-              <a:solidFill>
-                <a:schemeClr val="tx1"/>
-              </a:solidFill>
-              <a:ln w="38100">
-                <a:solidFill>
-                  <a:schemeClr val="tx1"/>
-                </a:solidFill>
-              </a:ln>
-            </p:spPr>
-            <p:style>
-              <a:lnRef idx="2">
-                <a:schemeClr val="accent1">
-                  <a:shade val="50000"/>
-                </a:schemeClr>
-              </a:lnRef>
-              <a:fillRef idx="1">
-                <a:schemeClr val="accent1"/>
-              </a:fillRef>
-              <a:effectRef idx="0">
-                <a:schemeClr val="accent1"/>
-              </a:effectRef>
-              <a:fontRef idx="minor">
-                <a:schemeClr val="lt1"/>
-              </a:fontRef>
-            </p:style>
-            <p:txBody>
-              <a:bodyPr rtlCol="0" anchor="ctr"/>
-              <a:lstStyle/>
-              <a:p>
-                <a:pPr algn="ctr"/>
-                <a:endParaRPr lang="en-US"/>
-              </a:p>
-            </p:txBody>
-          </p:sp>
-        </p:grpSp>
-        <p:cxnSp>
-          <p:nvCxnSpPr>
-            <p:cNvPr id="170" name="Straight Arrow Connector 169"/>
-            <p:cNvCxnSpPr/>
-            <p:nvPr/>
-          </p:nvCxnSpPr>
-          <p:spPr>
-            <a:xfrm flipH="1" flipV="1">
-              <a:off x="7722731" y="4477545"/>
-              <a:ext cx="1851577" cy="20725"/>
-            </a:xfrm>
-            <a:prstGeom prst="straightConnector1">
-              <a:avLst/>
-            </a:prstGeom>
-            <a:ln w="25400">
-              <a:solidFill>
-                <a:schemeClr val="bg2">
-                  <a:lumMod val="75000"/>
-                </a:schemeClr>
-              </a:solidFill>
-              <a:tailEnd type="triangle"/>
-            </a:ln>
-          </p:spPr>
-          <p:style>
-            <a:lnRef idx="1">
-              <a:schemeClr val="accent1"/>
-            </a:lnRef>
-            <a:fillRef idx="0">
-              <a:schemeClr val="accent1"/>
-            </a:fillRef>
-            <a:effectRef idx="0">
-              <a:schemeClr val="accent1"/>
-            </a:effectRef>
-            <a:fontRef idx="minor">
-              <a:schemeClr val="tx1"/>
-            </a:fontRef>
-          </p:style>
-        </p:cxnSp>
-        <p:cxnSp>
-          <p:nvCxnSpPr>
-            <p:cNvPr id="234" name="Straight Arrow Connector 233"/>
-            <p:cNvCxnSpPr/>
-            <p:nvPr/>
-          </p:nvCxnSpPr>
-          <p:spPr>
-            <a:xfrm flipH="1" flipV="1">
-              <a:off x="7722731" y="4267259"/>
-              <a:ext cx="1851577" cy="20725"/>
-            </a:xfrm>
-            <a:prstGeom prst="straightConnector1">
-              <a:avLst/>
-            </a:prstGeom>
-            <a:ln w="25400">
-              <a:solidFill>
-                <a:schemeClr val="bg2">
-                  <a:lumMod val="75000"/>
-                </a:schemeClr>
-              </a:solidFill>
-              <a:tailEnd type="triangle"/>
-            </a:ln>
-          </p:spPr>
-          <p:style>
-            <a:lnRef idx="1">
-              <a:schemeClr val="accent1"/>
-            </a:lnRef>
-            <a:fillRef idx="0">
-              <a:schemeClr val="accent1"/>
-            </a:fillRef>
-            <a:effectRef idx="0">
-              <a:schemeClr val="accent1"/>
-            </a:effectRef>
-            <a:fontRef idx="minor">
-              <a:schemeClr val="tx1"/>
-            </a:fontRef>
-          </p:style>
-        </p:cxnSp>
-        <p:cxnSp>
-          <p:nvCxnSpPr>
-            <p:cNvPr id="236" name="Straight Arrow Connector 235"/>
-            <p:cNvCxnSpPr/>
-            <p:nvPr/>
-          </p:nvCxnSpPr>
-          <p:spPr>
-            <a:xfrm flipH="1" flipV="1">
-              <a:off x="7722730" y="4065047"/>
-              <a:ext cx="1851577" cy="20725"/>
-            </a:xfrm>
-            <a:prstGeom prst="straightConnector1">
-              <a:avLst/>
-            </a:prstGeom>
-            <a:ln w="25400">
-              <a:solidFill>
-                <a:schemeClr val="bg2">
-                  <a:lumMod val="75000"/>
-                </a:schemeClr>
-              </a:solidFill>
-              <a:tailEnd type="triangle"/>
-            </a:ln>
-          </p:spPr>
-          <p:style>
-            <a:lnRef idx="1">
-              <a:schemeClr val="accent1"/>
-            </a:lnRef>
-            <a:fillRef idx="0">
-              <a:schemeClr val="accent1"/>
-            </a:fillRef>
-            <a:effectRef idx="0">
-              <a:schemeClr val="accent1"/>
-            </a:effectRef>
-            <a:fontRef idx="minor">
-              <a:schemeClr val="tx1"/>
-            </a:fontRef>
-          </p:style>
-        </p:cxnSp>
-        <p:cxnSp>
-          <p:nvCxnSpPr>
-            <p:cNvPr id="238" name="Straight Arrow Connector 237"/>
-            <p:cNvCxnSpPr/>
-            <p:nvPr/>
-          </p:nvCxnSpPr>
-          <p:spPr>
-            <a:xfrm flipH="1" flipV="1">
-              <a:off x="7722730" y="3842013"/>
-              <a:ext cx="1851577" cy="20725"/>
-            </a:xfrm>
-            <a:prstGeom prst="straightConnector1">
-              <a:avLst/>
-            </a:prstGeom>
-            <a:ln w="25400">
-              <a:solidFill>
-                <a:schemeClr val="bg2">
-                  <a:lumMod val="75000"/>
-                </a:schemeClr>
-              </a:solidFill>
-              <a:tailEnd type="triangle"/>
-            </a:ln>
-          </p:spPr>
-          <p:style>
-            <a:lnRef idx="1">
-              <a:schemeClr val="accent1"/>
-            </a:lnRef>
-            <a:fillRef idx="0">
-              <a:schemeClr val="accent1"/>
-            </a:fillRef>
-            <a:effectRef idx="0">
-              <a:schemeClr val="accent1"/>
-            </a:effectRef>
-            <a:fontRef idx="minor">
-              <a:schemeClr val="tx1"/>
-            </a:fontRef>
-          </p:style>
-        </p:cxnSp>
-        <mc:AlternateContent xmlns:mc="http://schemas.openxmlformats.org/markup-compatibility/2006">
-          <mc:Choice xmlns:a14="http://schemas.microsoft.com/office/drawing/2010/main" Requires="a14">
-            <p:sp>
-              <p:nvSpPr>
-                <p:cNvPr id="239" name="TextBox 238"/>
-                <p:cNvSpPr txBox="1"/>
-                <p:nvPr/>
-              </p:nvSpPr>
-              <p:spPr>
-                <a:xfrm>
-                  <a:off x="9552091" y="4348234"/>
-                  <a:ext cx="245708" cy="345159"/>
-                </a:xfrm>
-                <a:prstGeom prst="rect">
-                  <a:avLst/>
-                </a:prstGeom>
-                <a:noFill/>
-              </p:spPr>
-              <p:txBody>
-                <a:bodyPr wrap="none" lIns="0" tIns="0" rIns="0" bIns="0" rtlCol="0">
-                  <a:spAutoFit/>
-                </a:bodyPr>
-                <a:lstStyle/>
-                <a:p>
-                  <a14:m>
-                    <m:oMathPara xmlns:m="http://schemas.openxmlformats.org/officeDocument/2006/math">
-                      <m:oMathParaPr>
-                        <m:jc m:val="centerGroup"/>
-                      </m:oMathParaPr>
-                      <m:oMath xmlns:m="http://schemas.openxmlformats.org/officeDocument/2006/math">
-                        <m:acc>
-                          <m:accPr>
-                            <m:chr m:val="⃗"/>
-                            <m:ctrlPr>
-                              <a:rPr lang="en-US" sz="2000" b="0" i="1" smtClean="0">
-                                <a:solidFill>
-                                  <a:schemeClr val="tx1">
-                                    <a:lumMod val="50000"/>
-                                    <a:lumOff val="50000"/>
-                                  </a:schemeClr>
-                                </a:solidFill>
-                                <a:latin typeface="Cambria Math" panose="02040503050406030204" pitchFamily="18" charset="0"/>
-                                <a:cs typeface="Arial" panose="020B0604020202020204" pitchFamily="34" charset="0"/>
-                              </a:rPr>
-                            </m:ctrlPr>
-                          </m:accPr>
-                          <m:e>
-                            <m:r>
-                              <a:rPr lang="en-US" sz="2000" b="0" i="1" smtClean="0">
-                                <a:solidFill>
-                                  <a:schemeClr val="tx1">
-                                    <a:lumMod val="50000"/>
-                                    <a:lumOff val="50000"/>
-                                  </a:schemeClr>
-                                </a:solidFill>
-                                <a:latin typeface="Cambria Math" panose="02040503050406030204" pitchFamily="18" charset="0"/>
-                                <a:cs typeface="Arial" panose="020B0604020202020204" pitchFamily="34" charset="0"/>
-                              </a:rPr>
-                              <m:t>𝐵</m:t>
-                            </m:r>
-                          </m:e>
-                        </m:acc>
-                      </m:oMath>
-                    </m:oMathPara>
-                  </a14:m>
-                  <a:endParaRPr lang="en-US" sz="2000" dirty="0" smtClean="0">
-                    <a:solidFill>
-                      <a:schemeClr val="tx1">
-                        <a:lumMod val="50000"/>
-                        <a:lumOff val="50000"/>
-                      </a:schemeClr>
-                    </a:solidFill>
-                    <a:latin typeface="Arial" panose="020B0604020202020204" pitchFamily="34" charset="0"/>
-                    <a:cs typeface="Arial" panose="020B0604020202020204" pitchFamily="34" charset="0"/>
-                  </a:endParaRPr>
-                </a:p>
-              </p:txBody>
-            </p:sp>
-          </mc:Choice>
-          <mc:Fallback>
-            <p:sp>
-              <p:nvSpPr>
-                <p:cNvPr id="239" name="TextBox 238"/>
-                <p:cNvSpPr txBox="1">
-                  <a:spLocks noRot="1" noChangeAspect="1" noMove="1" noResize="1" noEditPoints="1" noAdjustHandles="1" noChangeArrowheads="1" noChangeShapeType="1" noTextEdit="1"/>
-                </p:cNvSpPr>
-                <p:nvPr/>
-              </p:nvSpPr>
-              <p:spPr>
-                <a:xfrm>
-                  <a:off x="9552091" y="4348234"/>
-                  <a:ext cx="245708" cy="345159"/>
-                </a:xfrm>
-                <a:prstGeom prst="rect">
-                  <a:avLst/>
-                </a:prstGeom>
-                <a:blipFill>
-                  <a:blip r:embed="rId8"/>
-                  <a:stretch>
-                    <a:fillRect l="-19512" r="-19512" b="-8929"/>
-                  </a:stretch>
-                </a:blipFill>
-              </p:spPr>
-              <p:txBody>
-                <a:bodyPr/>
-                <a:lstStyle/>
-                <a:p>
-                  <a:r>
-                    <a:rPr lang="en-US">
-                      <a:noFill/>
-                    </a:rPr>
-                    <a:t> </a:t>
-                  </a:r>
-                </a:p>
-              </p:txBody>
-            </p:sp>
-          </mc:Fallback>
-        </mc:AlternateContent>
-        <p:sp>
-          <p:nvSpPr>
-            <p:cNvPr id="240" name="Rectangle 239"/>
-            <p:cNvSpPr/>
-            <p:nvPr/>
-          </p:nvSpPr>
-          <p:spPr>
-            <a:xfrm>
-              <a:off x="8278155" y="3542769"/>
-              <a:ext cx="705797" cy="529367"/>
-            </a:xfrm>
-            <a:prstGeom prst="rect">
-              <a:avLst/>
-            </a:prstGeom>
-            <a:noFill/>
-            <a:ln w="31750">
-              <a:solidFill>
-                <a:srgbClr val="FF0000"/>
-              </a:solidFill>
-              <a:prstDash val="sysDot"/>
-            </a:ln>
-          </p:spPr>
-          <p:style>
-            <a:lnRef idx="2">
-              <a:schemeClr val="accent1">
-                <a:shade val="50000"/>
-              </a:schemeClr>
-            </a:lnRef>
-            <a:fillRef idx="1">
-              <a:schemeClr val="accent1"/>
-            </a:fillRef>
-            <a:effectRef idx="0">
-              <a:schemeClr val="accent1"/>
-            </a:effectRef>
-            <a:fontRef idx="minor">
-              <a:schemeClr val="lt1"/>
-            </a:fontRef>
-          </p:style>
-          <p:txBody>
-            <a:bodyPr rtlCol="0" anchor="ctr"/>
-            <a:lstStyle/>
-            <a:p>
-              <a:pPr algn="ctr"/>
-              <a:endParaRPr lang="en-US"/>
-            </a:p>
-          </p:txBody>
-        </p:sp>
-        <p:cxnSp>
-          <p:nvCxnSpPr>
-            <p:cNvPr id="242" name="Straight Arrow Connector 241"/>
-            <p:cNvCxnSpPr/>
-            <p:nvPr/>
-          </p:nvCxnSpPr>
-          <p:spPr>
-            <a:xfrm>
-              <a:off x="8259755" y="3483615"/>
-              <a:ext cx="726015" cy="0"/>
-            </a:xfrm>
-            <a:prstGeom prst="straightConnector1">
-              <a:avLst/>
-            </a:prstGeom>
-            <a:ln w="19050">
-              <a:solidFill>
-                <a:schemeClr val="tx1"/>
-              </a:solidFill>
-              <a:prstDash val="sysDot"/>
-              <a:headEnd type="triangle"/>
-              <a:tailEnd type="triangle"/>
-            </a:ln>
-          </p:spPr>
-          <p:style>
-            <a:lnRef idx="1">
-              <a:schemeClr val="accent1"/>
-            </a:lnRef>
-            <a:fillRef idx="0">
-              <a:schemeClr val="accent1"/>
-            </a:fillRef>
-            <a:effectRef idx="0">
-              <a:schemeClr val="accent1"/>
-            </a:effectRef>
-            <a:fontRef idx="minor">
-              <a:schemeClr val="tx1"/>
-            </a:fontRef>
-          </p:style>
-        </p:cxnSp>
-        <mc:AlternateContent xmlns:mc="http://schemas.openxmlformats.org/markup-compatibility/2006">
-          <mc:Choice xmlns:a14="http://schemas.microsoft.com/office/drawing/2010/main" Requires="a14">
-            <p:sp>
-              <p:nvSpPr>
-                <p:cNvPr id="243" name="TextBox 242"/>
-                <p:cNvSpPr txBox="1"/>
-                <p:nvPr/>
-              </p:nvSpPr>
-              <p:spPr>
-                <a:xfrm>
-                  <a:off x="8583719" y="3189698"/>
-                  <a:ext cx="160429" cy="307777"/>
-                </a:xfrm>
-                <a:prstGeom prst="rect">
-                  <a:avLst/>
-                </a:prstGeom>
-                <a:noFill/>
-              </p:spPr>
-              <p:txBody>
-                <a:bodyPr wrap="none" lIns="0" tIns="0" rIns="0" bIns="0" rtlCol="0">
-                  <a:spAutoFit/>
-                </a:bodyPr>
-                <a:lstStyle/>
-                <a:p>
-                  <a14:m>
-                    <m:oMathPara xmlns:m="http://schemas.openxmlformats.org/officeDocument/2006/math">
-                      <m:oMathParaPr>
-                        <m:jc m:val="centerGroup"/>
-                      </m:oMathParaPr>
-                      <m:oMath xmlns:m="http://schemas.openxmlformats.org/officeDocument/2006/math">
-                        <m:r>
-                          <a:rPr lang="en-US" sz="2000" b="0" i="1" smtClean="0">
-                            <a:latin typeface="Cambria Math" panose="02040503050406030204" pitchFamily="18" charset="0"/>
-                            <a:cs typeface="Arial" panose="020B0604020202020204" pitchFamily="34" charset="0"/>
-                          </a:rPr>
-                          <m:t>𝑙</m:t>
-                        </m:r>
-                      </m:oMath>
-                    </m:oMathPara>
-                  </a14:m>
-                  <a:endParaRPr lang="en-US" sz="2000" dirty="0" smtClean="0">
-                    <a:latin typeface="Arial" panose="020B0604020202020204" pitchFamily="34" charset="0"/>
-                    <a:cs typeface="Arial" panose="020B0604020202020204" pitchFamily="34" charset="0"/>
-                  </a:endParaRPr>
-                </a:p>
-              </p:txBody>
-            </p:sp>
-          </mc:Choice>
-          <mc:Fallback>
-            <p:sp>
-              <p:nvSpPr>
-                <p:cNvPr id="243" name="TextBox 242"/>
-                <p:cNvSpPr txBox="1">
-                  <a:spLocks noRot="1" noChangeAspect="1" noMove="1" noResize="1" noEditPoints="1" noAdjustHandles="1" noChangeArrowheads="1" noChangeShapeType="1" noTextEdit="1"/>
-                </p:cNvSpPr>
-                <p:nvPr/>
-              </p:nvSpPr>
-              <p:spPr>
-                <a:xfrm>
-                  <a:off x="8583719" y="3189698"/>
-                  <a:ext cx="160429" cy="307777"/>
-                </a:xfrm>
-                <a:prstGeom prst="rect">
-                  <a:avLst/>
-                </a:prstGeom>
-                <a:blipFill>
-                  <a:blip r:embed="rId9"/>
-                  <a:stretch>
-                    <a:fillRect l="-34615" r="-30769" b="-12000"/>
-                  </a:stretch>
-                </a:blipFill>
-              </p:spPr>
-              <p:txBody>
-                <a:bodyPr/>
-                <a:lstStyle/>
-                <a:p>
-                  <a:r>
-                    <a:rPr lang="en-US">
-                      <a:noFill/>
-                    </a:rPr>
-                    <a:t> </a:t>
-                  </a:r>
-                </a:p>
-              </p:txBody>
-            </p:sp>
-          </mc:Fallback>
-        </mc:AlternateContent>
-        <mc:AlternateContent xmlns:mc="http://schemas.openxmlformats.org/markup-compatibility/2006">
-          <mc:Choice xmlns:a14="http://schemas.microsoft.com/office/drawing/2010/main" Requires="a14">
-            <p:sp>
-              <p:nvSpPr>
-                <p:cNvPr id="244" name="TextBox 243"/>
-                <p:cNvSpPr txBox="1"/>
-                <p:nvPr/>
-              </p:nvSpPr>
-              <p:spPr>
-                <a:xfrm>
-                  <a:off x="8170993" y="4029911"/>
-                  <a:ext cx="153440" cy="215444"/>
-                </a:xfrm>
-                <a:prstGeom prst="rect">
-                  <a:avLst/>
-                </a:prstGeom>
-                <a:noFill/>
-              </p:spPr>
-              <p:txBody>
-                <a:bodyPr wrap="none" lIns="0" tIns="0" rIns="0" bIns="0" rtlCol="0">
-                  <a:spAutoFit/>
-                </a:bodyPr>
-                <a:lstStyle/>
-                <a:p>
-                  <a14:m>
-                    <m:oMathPara xmlns:m="http://schemas.openxmlformats.org/officeDocument/2006/math">
-                      <m:oMathParaPr>
-                        <m:jc m:val="centerGroup"/>
-                      </m:oMathParaPr>
-                      <m:oMath xmlns:m="http://schemas.openxmlformats.org/officeDocument/2006/math">
-                        <m:r>
-                          <a:rPr lang="en-US" sz="1400" b="0" i="1" smtClean="0">
-                            <a:solidFill>
-                              <a:srgbClr val="FF0000"/>
-                            </a:solidFill>
-                            <a:latin typeface="Cambria Math" panose="02040503050406030204" pitchFamily="18" charset="0"/>
-                            <a:cs typeface="Arial" panose="020B0604020202020204" pitchFamily="34" charset="0"/>
-                          </a:rPr>
-                          <m:t>𝑎</m:t>
-                        </m:r>
-                      </m:oMath>
-                    </m:oMathPara>
-                  </a14:m>
-                  <a:endParaRPr lang="en-US" sz="1400" dirty="0" smtClean="0">
-                    <a:solidFill>
-                      <a:srgbClr val="FF0000"/>
-                    </a:solidFill>
-                    <a:latin typeface="Arial" panose="020B0604020202020204" pitchFamily="34" charset="0"/>
-                    <a:cs typeface="Arial" panose="020B0604020202020204" pitchFamily="34" charset="0"/>
-                  </a:endParaRPr>
-                </a:p>
-              </p:txBody>
-            </p:sp>
-          </mc:Choice>
-          <mc:Fallback>
-            <p:sp>
-              <p:nvSpPr>
-                <p:cNvPr id="244" name="TextBox 243"/>
-                <p:cNvSpPr txBox="1">
-                  <a:spLocks noRot="1" noChangeAspect="1" noMove="1" noResize="1" noEditPoints="1" noAdjustHandles="1" noChangeArrowheads="1" noChangeShapeType="1" noTextEdit="1"/>
-                </p:cNvSpPr>
-                <p:nvPr/>
-              </p:nvSpPr>
-              <p:spPr>
-                <a:xfrm>
-                  <a:off x="8170993" y="4029911"/>
-                  <a:ext cx="153440" cy="215444"/>
-                </a:xfrm>
-                <a:prstGeom prst="rect">
-                  <a:avLst/>
-                </a:prstGeom>
-                <a:blipFill>
-                  <a:blip r:embed="rId10"/>
-                  <a:stretch>
-                    <a:fillRect l="-16000" r="-8000"/>
-                  </a:stretch>
-                </a:blipFill>
-              </p:spPr>
-              <p:txBody>
-                <a:bodyPr/>
-                <a:lstStyle/>
-                <a:p>
-                  <a:r>
-                    <a:rPr lang="en-US">
-                      <a:noFill/>
-                    </a:rPr>
-                    <a:t> </a:t>
-                  </a:r>
-                </a:p>
-              </p:txBody>
-            </p:sp>
-          </mc:Fallback>
-        </mc:AlternateContent>
-        <mc:AlternateContent xmlns:mc="http://schemas.openxmlformats.org/markup-compatibility/2006">
-          <mc:Choice xmlns:a14="http://schemas.microsoft.com/office/drawing/2010/main" Requires="a14">
-            <p:sp>
-              <p:nvSpPr>
-                <p:cNvPr id="245" name="TextBox 244"/>
-                <p:cNvSpPr txBox="1"/>
-                <p:nvPr/>
-              </p:nvSpPr>
-              <p:spPr>
-                <a:xfrm>
-                  <a:off x="8100338" y="3376646"/>
-                  <a:ext cx="153440" cy="215444"/>
-                </a:xfrm>
-                <a:prstGeom prst="rect">
-                  <a:avLst/>
-                </a:prstGeom>
-                <a:noFill/>
-              </p:spPr>
-              <p:txBody>
-                <a:bodyPr wrap="none" lIns="0" tIns="0" rIns="0" bIns="0" rtlCol="0">
-                  <a:spAutoFit/>
-                </a:bodyPr>
-                <a:lstStyle/>
-                <a:p>
-                  <a14:m>
-                    <m:oMathPara xmlns:m="http://schemas.openxmlformats.org/officeDocument/2006/math">
-                      <m:oMathParaPr>
-                        <m:jc m:val="centerGroup"/>
-                      </m:oMathParaPr>
-                      <m:oMath xmlns:m="http://schemas.openxmlformats.org/officeDocument/2006/math">
-                        <m:r>
-                          <a:rPr lang="en-US" sz="1400" b="0" i="1" smtClean="0">
-                            <a:solidFill>
-                              <a:srgbClr val="FF0000"/>
-                            </a:solidFill>
-                            <a:latin typeface="Cambria Math" panose="02040503050406030204" pitchFamily="18" charset="0"/>
-                            <a:cs typeface="Arial" panose="020B0604020202020204" pitchFamily="34" charset="0"/>
-                          </a:rPr>
-                          <m:t>𝑏</m:t>
-                        </m:r>
-                      </m:oMath>
-                    </m:oMathPara>
-                  </a14:m>
-                  <a:endParaRPr lang="en-US" sz="1400" dirty="0" smtClean="0">
-                    <a:solidFill>
-                      <a:srgbClr val="FF0000"/>
-                    </a:solidFill>
-                    <a:latin typeface="Arial" panose="020B0604020202020204" pitchFamily="34" charset="0"/>
-                    <a:cs typeface="Arial" panose="020B0604020202020204" pitchFamily="34" charset="0"/>
-                  </a:endParaRPr>
-                </a:p>
-              </p:txBody>
-            </p:sp>
-          </mc:Choice>
-          <mc:Fallback>
-            <p:sp>
-              <p:nvSpPr>
-                <p:cNvPr id="245" name="TextBox 244"/>
-                <p:cNvSpPr txBox="1">
-                  <a:spLocks noRot="1" noChangeAspect="1" noMove="1" noResize="1" noEditPoints="1" noAdjustHandles="1" noChangeArrowheads="1" noChangeShapeType="1" noTextEdit="1"/>
-                </p:cNvSpPr>
-                <p:nvPr/>
-              </p:nvSpPr>
-              <p:spPr>
-                <a:xfrm>
-                  <a:off x="8100338" y="3376646"/>
-                  <a:ext cx="153440" cy="215444"/>
-                </a:xfrm>
-                <a:prstGeom prst="rect">
-                  <a:avLst/>
-                </a:prstGeom>
-                <a:blipFill>
-                  <a:blip r:embed="rId11"/>
-                  <a:stretch>
-                    <a:fillRect l="-23077" r="-19231" b="-8333"/>
-                  </a:stretch>
-                </a:blipFill>
-              </p:spPr>
-              <p:txBody>
-                <a:bodyPr/>
-                <a:lstStyle/>
-                <a:p>
-                  <a:r>
-                    <a:rPr lang="en-US">
-                      <a:noFill/>
-                    </a:rPr>
-                    <a:t> </a:t>
-                  </a:r>
-                </a:p>
-              </p:txBody>
-            </p:sp>
-          </mc:Fallback>
-        </mc:AlternateContent>
-        <mc:AlternateContent xmlns:mc="http://schemas.openxmlformats.org/markup-compatibility/2006">
-          <mc:Choice xmlns:a14="http://schemas.microsoft.com/office/drawing/2010/main" Requires="a14">
-            <p:sp>
-              <p:nvSpPr>
-                <p:cNvPr id="246" name="TextBox 245"/>
-                <p:cNvSpPr txBox="1"/>
-                <p:nvPr/>
-              </p:nvSpPr>
-              <p:spPr>
-                <a:xfrm>
-                  <a:off x="9004005" y="3375309"/>
-                  <a:ext cx="129297" cy="215444"/>
-                </a:xfrm>
-                <a:prstGeom prst="rect">
-                  <a:avLst/>
-                </a:prstGeom>
-                <a:noFill/>
-              </p:spPr>
-              <p:txBody>
-                <a:bodyPr wrap="square" lIns="0" tIns="0" rIns="0" bIns="0" rtlCol="0">
-                  <a:spAutoFit/>
-                </a:bodyPr>
-                <a:lstStyle/>
-                <a:p>
-                  <a14:m>
-                    <m:oMathPara xmlns:m="http://schemas.openxmlformats.org/officeDocument/2006/math">
-                      <m:oMathParaPr>
-                        <m:jc m:val="centerGroup"/>
-                      </m:oMathParaPr>
-                      <m:oMath xmlns:m="http://schemas.openxmlformats.org/officeDocument/2006/math">
-                        <m:r>
-                          <a:rPr lang="en-US" sz="1400" b="0" i="1" smtClean="0">
-                            <a:solidFill>
-                              <a:srgbClr val="FF0000"/>
-                            </a:solidFill>
-                            <a:latin typeface="Cambria Math" panose="02040503050406030204" pitchFamily="18" charset="0"/>
-                            <a:cs typeface="Arial" panose="020B0604020202020204" pitchFamily="34" charset="0"/>
-                          </a:rPr>
-                          <m:t>𝑐</m:t>
-                        </m:r>
-                      </m:oMath>
-                    </m:oMathPara>
-                  </a14:m>
-                  <a:endParaRPr lang="en-US" sz="1400" dirty="0" smtClean="0">
-                    <a:solidFill>
-                      <a:srgbClr val="FF0000"/>
-                    </a:solidFill>
-                    <a:latin typeface="Arial" panose="020B0604020202020204" pitchFamily="34" charset="0"/>
-                    <a:cs typeface="Arial" panose="020B0604020202020204" pitchFamily="34" charset="0"/>
-                  </a:endParaRPr>
-                </a:p>
-              </p:txBody>
-            </p:sp>
-          </mc:Choice>
-          <mc:Fallback>
-            <p:sp>
-              <p:nvSpPr>
-                <p:cNvPr id="246" name="TextBox 245"/>
-                <p:cNvSpPr txBox="1">
-                  <a:spLocks noRot="1" noChangeAspect="1" noMove="1" noResize="1" noEditPoints="1" noAdjustHandles="1" noChangeArrowheads="1" noChangeShapeType="1" noTextEdit="1"/>
-                </p:cNvSpPr>
-                <p:nvPr/>
-              </p:nvSpPr>
-              <p:spPr>
-                <a:xfrm>
-                  <a:off x="9004005" y="3375309"/>
-                  <a:ext cx="129297" cy="215444"/>
-                </a:xfrm>
-                <a:prstGeom prst="rect">
-                  <a:avLst/>
-                </a:prstGeom>
-                <a:blipFill>
-                  <a:blip r:embed="rId12"/>
-                  <a:stretch>
-                    <a:fillRect l="-23810" r="-9524"/>
-                  </a:stretch>
-                </a:blipFill>
-              </p:spPr>
-              <p:txBody>
-                <a:bodyPr/>
-                <a:lstStyle/>
-                <a:p>
-                  <a:r>
-                    <a:rPr lang="en-US">
-                      <a:noFill/>
-                    </a:rPr>
-                    <a:t> </a:t>
-                  </a:r>
-                </a:p>
-              </p:txBody>
-            </p:sp>
-          </mc:Fallback>
-        </mc:AlternateContent>
-        <mc:AlternateContent xmlns:mc="http://schemas.openxmlformats.org/markup-compatibility/2006">
-          <mc:Choice xmlns:a14="http://schemas.microsoft.com/office/drawing/2010/main" Requires="a14">
-            <p:sp>
-              <p:nvSpPr>
-                <p:cNvPr id="247" name="TextBox 246"/>
-                <p:cNvSpPr txBox="1"/>
-                <p:nvPr/>
-              </p:nvSpPr>
-              <p:spPr>
-                <a:xfrm>
-                  <a:off x="8916443" y="4030517"/>
-                  <a:ext cx="159595" cy="215444"/>
-                </a:xfrm>
-                <a:prstGeom prst="rect">
-                  <a:avLst/>
-                </a:prstGeom>
-                <a:noFill/>
-              </p:spPr>
-              <p:txBody>
-                <a:bodyPr wrap="none" lIns="0" tIns="0" rIns="0" bIns="0" rtlCol="0">
-                  <a:spAutoFit/>
-                </a:bodyPr>
-                <a:lstStyle/>
-                <a:p>
-                  <a14:m>
-                    <m:oMathPara xmlns:m="http://schemas.openxmlformats.org/officeDocument/2006/math">
-                      <m:oMathParaPr>
-                        <m:jc m:val="centerGroup"/>
-                      </m:oMathParaPr>
-                      <m:oMath xmlns:m="http://schemas.openxmlformats.org/officeDocument/2006/math">
-                        <m:r>
-                          <a:rPr lang="en-US" sz="1400" b="0" i="1" smtClean="0">
-                            <a:solidFill>
-                              <a:srgbClr val="FF0000"/>
-                            </a:solidFill>
-                            <a:latin typeface="Cambria Math" panose="02040503050406030204" pitchFamily="18" charset="0"/>
-                            <a:cs typeface="Arial" panose="020B0604020202020204" pitchFamily="34" charset="0"/>
-                          </a:rPr>
-                          <m:t>𝑑</m:t>
-                        </m:r>
-                      </m:oMath>
-                    </m:oMathPara>
-                  </a14:m>
-                  <a:endParaRPr lang="en-US" sz="1400" dirty="0" smtClean="0">
-                    <a:solidFill>
-                      <a:srgbClr val="FF0000"/>
-                    </a:solidFill>
-                    <a:latin typeface="Arial" panose="020B0604020202020204" pitchFamily="34" charset="0"/>
-                    <a:cs typeface="Arial" panose="020B0604020202020204" pitchFamily="34" charset="0"/>
-                  </a:endParaRPr>
-                </a:p>
-              </p:txBody>
-            </p:sp>
-          </mc:Choice>
-          <mc:Fallback>
-            <p:sp>
-              <p:nvSpPr>
-                <p:cNvPr id="247" name="TextBox 246"/>
-                <p:cNvSpPr txBox="1">
-                  <a:spLocks noRot="1" noChangeAspect="1" noMove="1" noResize="1" noEditPoints="1" noAdjustHandles="1" noChangeArrowheads="1" noChangeShapeType="1" noTextEdit="1"/>
-                </p:cNvSpPr>
-                <p:nvPr/>
-              </p:nvSpPr>
-              <p:spPr>
-                <a:xfrm>
-                  <a:off x="8916443" y="4030517"/>
-                  <a:ext cx="159595" cy="215444"/>
-                </a:xfrm>
-                <a:prstGeom prst="rect">
-                  <a:avLst/>
-                </a:prstGeom>
-                <a:blipFill>
-                  <a:blip r:embed="rId13"/>
-                  <a:stretch>
-                    <a:fillRect l="-23077" r="-23077" b="-8333"/>
-                  </a:stretch>
-                </a:blipFill>
-              </p:spPr>
-              <p:txBody>
-                <a:bodyPr/>
-                <a:lstStyle/>
-                <a:p>
-                  <a:r>
-                    <a:rPr lang="en-US">
-                      <a:noFill/>
-                    </a:rPr>
-                    <a:t> </a:t>
-                  </a:r>
-                </a:p>
-              </p:txBody>
-            </p:sp>
-          </mc:Fallback>
-        </mc:AlternateContent>
-      </p:grpSp>
-      <p:grpSp>
-        <p:nvGrpSpPr>
           <p:cNvPr id="251" name="Group 250"/>
           <p:cNvGrpSpPr/>
           <p:nvPr/>
@@ -51665,8 +49193,8 @@
             </a:fontRef>
           </p:style>
         </p:cxnSp>
-        <mc:AlternateContent xmlns:mc="http://schemas.openxmlformats.org/markup-compatibility/2006">
-          <mc:Choice xmlns:a14="http://schemas.microsoft.com/office/drawing/2010/main" Requires="a14">
+        <mc:AlternateContent xmlns:mc="http://schemas.openxmlformats.org/markup-compatibility/2006" xmlns:a14="http://schemas.microsoft.com/office/drawing/2010/main">
+          <mc:Choice Requires="a14">
             <p:sp>
               <p:nvSpPr>
                 <p:cNvPr id="264" name="TextBox 263"/>
@@ -51689,6 +49217,7 @@
                 </a:bodyPr>
                 <a:lstStyle/>
                 <a:p>
+                  <a:pPr/>
                   <a14:m>
                     <m:oMathPara xmlns:m="http://schemas.openxmlformats.org/officeDocument/2006/math">
                       <m:oMathParaPr>
@@ -51744,7 +49273,7 @@
               </p:txBody>
             </p:sp>
           </mc:Choice>
-          <mc:Fallback>
+          <mc:Fallback xmlns="">
             <p:sp>
               <p:nvSpPr>
                 <p:cNvPr id="264" name="TextBox 263"/>
@@ -51868,8 +49397,8 @@
             </a:fontRef>
           </p:style>
         </p:cxnSp>
-        <mc:AlternateContent xmlns:mc="http://schemas.openxmlformats.org/markup-compatibility/2006">
-          <mc:Choice xmlns:a14="http://schemas.microsoft.com/office/drawing/2010/main" Requires="a14">
+        <mc:AlternateContent xmlns:mc="http://schemas.openxmlformats.org/markup-compatibility/2006" xmlns:a14="http://schemas.microsoft.com/office/drawing/2010/main">
+          <mc:Choice Requires="a14">
             <p:sp>
               <p:nvSpPr>
                 <p:cNvPr id="267" name="TextBox 266"/>
@@ -51892,6 +49421,7 @@
                 </a:bodyPr>
                 <a:lstStyle/>
                 <a:p>
+                  <a:pPr/>
                   <a14:m>
                     <m:oMathPara xmlns:m="http://schemas.openxmlformats.org/officeDocument/2006/math">
                       <m:oMathParaPr>
@@ -51916,7 +49446,7 @@
               </p:txBody>
             </p:sp>
           </mc:Choice>
-          <mc:Fallback>
+          <mc:Fallback xmlns="">
             <p:sp>
               <p:nvSpPr>
                 <p:cNvPr id="267" name="TextBox 266"/>
@@ -51955,8 +49485,8 @@
             </p:sp>
           </mc:Fallback>
         </mc:AlternateContent>
-        <mc:AlternateContent xmlns:mc="http://schemas.openxmlformats.org/markup-compatibility/2006">
-          <mc:Choice xmlns:a14="http://schemas.microsoft.com/office/drawing/2010/main" Requires="a14">
+        <mc:AlternateContent xmlns:mc="http://schemas.openxmlformats.org/markup-compatibility/2006" xmlns:a14="http://schemas.microsoft.com/office/drawing/2010/main">
+          <mc:Choice Requires="a14">
             <p:sp>
               <p:nvSpPr>
                 <p:cNvPr id="268" name="TextBox 267"/>
@@ -51979,6 +49509,7 @@
                 </a:bodyPr>
                 <a:lstStyle/>
                 <a:p>
+                  <a:pPr/>
                   <a14:m>
                     <m:oMathPara xmlns:m="http://schemas.openxmlformats.org/officeDocument/2006/math">
                       <m:oMathParaPr>
@@ -52009,7 +49540,7 @@
               </p:txBody>
             </p:sp>
           </mc:Choice>
-          <mc:Fallback>
+          <mc:Fallback xmlns="">
             <p:sp>
               <p:nvSpPr>
                 <p:cNvPr id="268" name="TextBox 267"/>
@@ -52048,8 +49579,8 @@
             </p:sp>
           </mc:Fallback>
         </mc:AlternateContent>
-        <mc:AlternateContent xmlns:mc="http://schemas.openxmlformats.org/markup-compatibility/2006">
-          <mc:Choice xmlns:a14="http://schemas.microsoft.com/office/drawing/2010/main" Requires="a14">
+        <mc:AlternateContent xmlns:mc="http://schemas.openxmlformats.org/markup-compatibility/2006" xmlns:a14="http://schemas.microsoft.com/office/drawing/2010/main">
+          <mc:Choice Requires="a14">
             <p:sp>
               <p:nvSpPr>
                 <p:cNvPr id="269" name="TextBox 268"/>
@@ -52072,6 +49603,7 @@
                 </a:bodyPr>
                 <a:lstStyle/>
                 <a:p>
+                  <a:pPr/>
                   <a14:m>
                     <m:oMathPara xmlns:m="http://schemas.openxmlformats.org/officeDocument/2006/math">
                       <m:oMathParaPr>
@@ -52102,7 +49634,7 @@
               </p:txBody>
             </p:sp>
           </mc:Choice>
-          <mc:Fallback>
+          <mc:Fallback xmlns="">
             <p:sp>
               <p:nvSpPr>
                 <p:cNvPr id="269" name="TextBox 268"/>
@@ -52141,8 +49673,8 @@
             </p:sp>
           </mc:Fallback>
         </mc:AlternateContent>
-        <mc:AlternateContent xmlns:mc="http://schemas.openxmlformats.org/markup-compatibility/2006">
-          <mc:Choice xmlns:a14="http://schemas.microsoft.com/office/drawing/2010/main" Requires="a14">
+        <mc:AlternateContent xmlns:mc="http://schemas.openxmlformats.org/markup-compatibility/2006" xmlns:a14="http://schemas.microsoft.com/office/drawing/2010/main">
+          <mc:Choice Requires="a14">
             <p:sp>
               <p:nvSpPr>
                 <p:cNvPr id="270" name="TextBox 269"/>
@@ -52165,6 +49697,7 @@
                 </a:bodyPr>
                 <a:lstStyle/>
                 <a:p>
+                  <a:pPr/>
                   <a14:m>
                     <m:oMathPara xmlns:m="http://schemas.openxmlformats.org/officeDocument/2006/math">
                       <m:oMathParaPr>
@@ -52195,7 +49728,7 @@
               </p:txBody>
             </p:sp>
           </mc:Choice>
-          <mc:Fallback>
+          <mc:Fallback xmlns="">
             <p:sp>
               <p:nvSpPr>
                 <p:cNvPr id="270" name="TextBox 269"/>
@@ -52234,8 +49767,8 @@
             </p:sp>
           </mc:Fallback>
         </mc:AlternateContent>
-        <mc:AlternateContent xmlns:mc="http://schemas.openxmlformats.org/markup-compatibility/2006">
-          <mc:Choice xmlns:a14="http://schemas.microsoft.com/office/drawing/2010/main" Requires="a14">
+        <mc:AlternateContent xmlns:mc="http://schemas.openxmlformats.org/markup-compatibility/2006" xmlns:a14="http://schemas.microsoft.com/office/drawing/2010/main">
+          <mc:Choice Requires="a14">
             <p:sp>
               <p:nvSpPr>
                 <p:cNvPr id="271" name="TextBox 270"/>
@@ -52258,6 +49791,7 @@
                 </a:bodyPr>
                 <a:lstStyle/>
                 <a:p>
+                  <a:pPr/>
                   <a14:m>
                     <m:oMathPara xmlns:m="http://schemas.openxmlformats.org/officeDocument/2006/math">
                       <m:oMathParaPr>
@@ -52288,7 +49822,7 @@
               </p:txBody>
             </p:sp>
           </mc:Choice>
-          <mc:Fallback>
+          <mc:Fallback xmlns="">
             <p:sp>
               <p:nvSpPr>
                 <p:cNvPr id="271" name="TextBox 270"/>
@@ -52309,6 +49843,2684 @@
                   <a:blip r:embed="rId18"/>
                   <a:stretch>
                     <a:fillRect l="-12500" r="-6250" b="-11429"/>
+                  </a:stretch>
+                </a:blipFill>
+              </p:spPr>
+              <p:txBody>
+                <a:bodyPr/>
+                <a:lstStyle/>
+                <a:p>
+                  <a:r>
+                    <a:rPr lang="en-US">
+                      <a:noFill/>
+                    </a:rPr>
+                    <a:t> </a:t>
+                  </a:r>
+                </a:p>
+              </p:txBody>
+            </p:sp>
+          </mc:Fallback>
+        </mc:AlternateContent>
+      </p:grpSp>
+      <p:grpSp>
+        <p:nvGrpSpPr>
+          <p:cNvPr id="66" name="Group 65"/>
+          <p:cNvGrpSpPr/>
+          <p:nvPr/>
+        </p:nvGrpSpPr>
+        <p:grpSpPr>
+          <a:xfrm>
+            <a:off x="6348392" y="3148683"/>
+            <a:ext cx="2075069" cy="1525805"/>
+            <a:chOff x="6348392" y="3148683"/>
+            <a:chExt cx="2075069" cy="1525805"/>
+          </a:xfrm>
+        </p:grpSpPr>
+        <p:grpSp>
+          <p:nvGrpSpPr>
+            <p:cNvPr id="250" name="Group 249"/>
+            <p:cNvGrpSpPr/>
+            <p:nvPr/>
+          </p:nvGrpSpPr>
+          <p:grpSpPr>
+            <a:xfrm>
+              <a:off x="6348392" y="3148683"/>
+              <a:ext cx="2075069" cy="1525805"/>
+              <a:chOff x="7722730" y="3189698"/>
+              <a:chExt cx="2075069" cy="1525805"/>
+            </a:xfrm>
+          </p:grpSpPr>
+          <p:grpSp>
+            <p:nvGrpSpPr>
+              <p:cNvPr id="155" name="Group 154"/>
+              <p:cNvGrpSpPr/>
+              <p:nvPr/>
+            </p:nvGrpSpPr>
+            <p:grpSpPr>
+              <a:xfrm rot="10800000">
+                <a:off x="7898773" y="3638527"/>
+                <a:ext cx="213919" cy="1070458"/>
+                <a:chOff x="8058637" y="981301"/>
+                <a:chExt cx="213919" cy="1070458"/>
+              </a:xfrm>
+            </p:grpSpPr>
+            <p:cxnSp>
+              <p:nvCxnSpPr>
+                <p:cNvPr id="219" name="Straight Connector 218"/>
+                <p:cNvCxnSpPr/>
+                <p:nvPr/>
+              </p:nvCxnSpPr>
+              <p:spPr>
+                <a:xfrm flipH="1">
+                  <a:off x="8163500" y="1056991"/>
+                  <a:ext cx="11016" cy="890916"/>
+                </a:xfrm>
+                <a:prstGeom prst="line">
+                  <a:avLst/>
+                </a:prstGeom>
+                <a:ln w="38100">
+                  <a:solidFill>
+                    <a:schemeClr val="tx1"/>
+                  </a:solidFill>
+                </a:ln>
+              </p:spPr>
+              <p:style>
+                <a:lnRef idx="1">
+                  <a:schemeClr val="accent1"/>
+                </a:lnRef>
+                <a:fillRef idx="0">
+                  <a:schemeClr val="accent1"/>
+                </a:fillRef>
+                <a:effectRef idx="0">
+                  <a:schemeClr val="accent1"/>
+                </a:effectRef>
+                <a:fontRef idx="minor">
+                  <a:schemeClr val="tx1"/>
+                </a:fontRef>
+              </p:style>
+            </p:cxnSp>
+            <p:grpSp>
+              <p:nvGrpSpPr>
+                <p:cNvPr id="220" name="Group 219"/>
+                <p:cNvGrpSpPr/>
+                <p:nvPr/>
+              </p:nvGrpSpPr>
+              <p:grpSpPr>
+                <a:xfrm>
+                  <a:off x="8088763" y="981301"/>
+                  <a:ext cx="171506" cy="169860"/>
+                  <a:chOff x="4484550" y="3215437"/>
+                  <a:chExt cx="319032" cy="315970"/>
+                </a:xfrm>
+              </p:grpSpPr>
+              <p:sp>
+                <p:nvSpPr>
+                  <p:cNvPr id="222" name="Oval 221"/>
+                  <p:cNvSpPr/>
+                  <p:nvPr/>
+                </p:nvSpPr>
+                <p:spPr>
+                  <a:xfrm>
+                    <a:off x="4484550" y="3215437"/>
+                    <a:ext cx="319032" cy="315970"/>
+                  </a:xfrm>
+                  <a:prstGeom prst="ellipse">
+                    <a:avLst/>
+                  </a:prstGeom>
+                  <a:noFill/>
+                  <a:ln w="38100">
+                    <a:solidFill>
+                      <a:schemeClr val="tx1"/>
+                    </a:solidFill>
+                  </a:ln>
+                </p:spPr>
+                <p:style>
+                  <a:lnRef idx="2">
+                    <a:schemeClr val="accent1">
+                      <a:shade val="50000"/>
+                    </a:schemeClr>
+                  </a:lnRef>
+                  <a:fillRef idx="1">
+                    <a:schemeClr val="accent1"/>
+                  </a:fillRef>
+                  <a:effectRef idx="0">
+                    <a:schemeClr val="accent1"/>
+                  </a:effectRef>
+                  <a:fontRef idx="minor">
+                    <a:schemeClr val="lt1"/>
+                  </a:fontRef>
+                </p:style>
+                <p:txBody>
+                  <a:bodyPr rtlCol="0" anchor="ctr"/>
+                  <a:lstStyle/>
+                  <a:p>
+                    <a:pPr algn="ctr"/>
+                    <a:endParaRPr lang="en-US"/>
+                  </a:p>
+                </p:txBody>
+              </p:sp>
+              <p:sp>
+                <p:nvSpPr>
+                  <p:cNvPr id="223" name="Oval 222"/>
+                  <p:cNvSpPr/>
+                  <p:nvPr/>
+                </p:nvSpPr>
+                <p:spPr>
+                  <a:xfrm>
+                    <a:off x="4621206" y="3350562"/>
+                    <a:ext cx="45719" cy="45719"/>
+                  </a:xfrm>
+                  <a:prstGeom prst="ellipse">
+                    <a:avLst/>
+                  </a:prstGeom>
+                  <a:solidFill>
+                    <a:schemeClr val="tx1"/>
+                  </a:solidFill>
+                  <a:ln w="38100">
+                    <a:solidFill>
+                      <a:schemeClr val="tx1"/>
+                    </a:solidFill>
+                  </a:ln>
+                </p:spPr>
+                <p:style>
+                  <a:lnRef idx="2">
+                    <a:schemeClr val="accent1">
+                      <a:shade val="50000"/>
+                    </a:schemeClr>
+                  </a:lnRef>
+                  <a:fillRef idx="1">
+                    <a:schemeClr val="accent1"/>
+                  </a:fillRef>
+                  <a:effectRef idx="0">
+                    <a:schemeClr val="accent1"/>
+                  </a:effectRef>
+                  <a:fontRef idx="minor">
+                    <a:schemeClr val="lt1"/>
+                  </a:fontRef>
+                </p:style>
+                <p:txBody>
+                  <a:bodyPr rtlCol="0" anchor="ctr"/>
+                  <a:lstStyle/>
+                  <a:p>
+                    <a:pPr algn="ctr"/>
+                    <a:endParaRPr lang="en-US"/>
+                  </a:p>
+                </p:txBody>
+              </p:sp>
+            </p:grpSp>
+            <p:sp>
+              <p:nvSpPr>
+                <p:cNvPr id="221" name="Multiply 220"/>
+                <p:cNvSpPr/>
+                <p:nvPr/>
+              </p:nvSpPr>
+              <p:spPr>
+                <a:xfrm>
+                  <a:off x="8058637" y="1855071"/>
+                  <a:ext cx="213919" cy="196688"/>
+                </a:xfrm>
+                <a:prstGeom prst="mathMultiply">
+                  <a:avLst>
+                    <a:gd name="adj1" fmla="val 3701"/>
+                  </a:avLst>
+                </a:prstGeom>
+                <a:solidFill>
+                  <a:schemeClr val="tx1"/>
+                </a:solidFill>
+                <a:ln w="38100">
+                  <a:solidFill>
+                    <a:schemeClr val="tx1"/>
+                  </a:solidFill>
+                </a:ln>
+              </p:spPr>
+              <p:style>
+                <a:lnRef idx="2">
+                  <a:schemeClr val="accent1">
+                    <a:shade val="50000"/>
+                  </a:schemeClr>
+                </a:lnRef>
+                <a:fillRef idx="1">
+                  <a:schemeClr val="accent1"/>
+                </a:fillRef>
+                <a:effectRef idx="0">
+                  <a:schemeClr val="accent1"/>
+                </a:effectRef>
+                <a:fontRef idx="minor">
+                  <a:schemeClr val="lt1"/>
+                </a:fontRef>
+              </p:style>
+              <p:txBody>
+                <a:bodyPr rtlCol="0" anchor="ctr"/>
+                <a:lstStyle/>
+                <a:p>
+                  <a:pPr algn="ctr"/>
+                  <a:endParaRPr lang="en-US"/>
+                </a:p>
+              </p:txBody>
+            </p:sp>
+          </p:grpSp>
+          <p:grpSp>
+            <p:nvGrpSpPr>
+              <p:cNvPr id="156" name="Group 155"/>
+              <p:cNvGrpSpPr/>
+              <p:nvPr/>
+            </p:nvGrpSpPr>
+            <p:grpSpPr>
+              <a:xfrm rot="10800000">
+                <a:off x="8075962" y="3641480"/>
+                <a:ext cx="213919" cy="1070458"/>
+                <a:chOff x="8058637" y="981301"/>
+                <a:chExt cx="213919" cy="1070458"/>
+              </a:xfrm>
+            </p:grpSpPr>
+            <p:cxnSp>
+              <p:nvCxnSpPr>
+                <p:cNvPr id="214" name="Straight Connector 213"/>
+                <p:cNvCxnSpPr/>
+                <p:nvPr/>
+              </p:nvCxnSpPr>
+              <p:spPr>
+                <a:xfrm flipH="1">
+                  <a:off x="8163500" y="1056991"/>
+                  <a:ext cx="11016" cy="890916"/>
+                </a:xfrm>
+                <a:prstGeom prst="line">
+                  <a:avLst/>
+                </a:prstGeom>
+                <a:ln w="38100">
+                  <a:solidFill>
+                    <a:schemeClr val="tx1"/>
+                  </a:solidFill>
+                </a:ln>
+              </p:spPr>
+              <p:style>
+                <a:lnRef idx="1">
+                  <a:schemeClr val="accent1"/>
+                </a:lnRef>
+                <a:fillRef idx="0">
+                  <a:schemeClr val="accent1"/>
+                </a:fillRef>
+                <a:effectRef idx="0">
+                  <a:schemeClr val="accent1"/>
+                </a:effectRef>
+                <a:fontRef idx="minor">
+                  <a:schemeClr val="tx1"/>
+                </a:fontRef>
+              </p:style>
+            </p:cxnSp>
+            <p:grpSp>
+              <p:nvGrpSpPr>
+                <p:cNvPr id="215" name="Group 214"/>
+                <p:cNvGrpSpPr/>
+                <p:nvPr/>
+              </p:nvGrpSpPr>
+              <p:grpSpPr>
+                <a:xfrm>
+                  <a:off x="8088763" y="981301"/>
+                  <a:ext cx="171506" cy="169860"/>
+                  <a:chOff x="4484550" y="3215437"/>
+                  <a:chExt cx="319032" cy="315970"/>
+                </a:xfrm>
+              </p:grpSpPr>
+              <p:sp>
+                <p:nvSpPr>
+                  <p:cNvPr id="217" name="Oval 216"/>
+                  <p:cNvSpPr/>
+                  <p:nvPr/>
+                </p:nvSpPr>
+                <p:spPr>
+                  <a:xfrm>
+                    <a:off x="4484550" y="3215437"/>
+                    <a:ext cx="319032" cy="315970"/>
+                  </a:xfrm>
+                  <a:prstGeom prst="ellipse">
+                    <a:avLst/>
+                  </a:prstGeom>
+                  <a:noFill/>
+                  <a:ln w="38100">
+                    <a:solidFill>
+                      <a:schemeClr val="tx1"/>
+                    </a:solidFill>
+                  </a:ln>
+                </p:spPr>
+                <p:style>
+                  <a:lnRef idx="2">
+                    <a:schemeClr val="accent1">
+                      <a:shade val="50000"/>
+                    </a:schemeClr>
+                  </a:lnRef>
+                  <a:fillRef idx="1">
+                    <a:schemeClr val="accent1"/>
+                  </a:fillRef>
+                  <a:effectRef idx="0">
+                    <a:schemeClr val="accent1"/>
+                  </a:effectRef>
+                  <a:fontRef idx="minor">
+                    <a:schemeClr val="lt1"/>
+                  </a:fontRef>
+                </p:style>
+                <p:txBody>
+                  <a:bodyPr rtlCol="0" anchor="ctr"/>
+                  <a:lstStyle/>
+                  <a:p>
+                    <a:pPr algn="ctr"/>
+                    <a:endParaRPr lang="en-US"/>
+                  </a:p>
+                </p:txBody>
+              </p:sp>
+              <p:sp>
+                <p:nvSpPr>
+                  <p:cNvPr id="218" name="Oval 217"/>
+                  <p:cNvSpPr/>
+                  <p:nvPr/>
+                </p:nvSpPr>
+                <p:spPr>
+                  <a:xfrm>
+                    <a:off x="4621206" y="3350562"/>
+                    <a:ext cx="45719" cy="45719"/>
+                  </a:xfrm>
+                  <a:prstGeom prst="ellipse">
+                    <a:avLst/>
+                  </a:prstGeom>
+                  <a:solidFill>
+                    <a:schemeClr val="tx1"/>
+                  </a:solidFill>
+                  <a:ln w="38100">
+                    <a:solidFill>
+                      <a:schemeClr val="tx1"/>
+                    </a:solidFill>
+                  </a:ln>
+                </p:spPr>
+                <p:style>
+                  <a:lnRef idx="2">
+                    <a:schemeClr val="accent1">
+                      <a:shade val="50000"/>
+                    </a:schemeClr>
+                  </a:lnRef>
+                  <a:fillRef idx="1">
+                    <a:schemeClr val="accent1"/>
+                  </a:fillRef>
+                  <a:effectRef idx="0">
+                    <a:schemeClr val="accent1"/>
+                  </a:effectRef>
+                  <a:fontRef idx="minor">
+                    <a:schemeClr val="lt1"/>
+                  </a:fontRef>
+                </p:style>
+                <p:txBody>
+                  <a:bodyPr rtlCol="0" anchor="ctr"/>
+                  <a:lstStyle/>
+                  <a:p>
+                    <a:pPr algn="ctr"/>
+                    <a:endParaRPr lang="en-US"/>
+                  </a:p>
+                </p:txBody>
+              </p:sp>
+            </p:grpSp>
+            <p:sp>
+              <p:nvSpPr>
+                <p:cNvPr id="216" name="Multiply 215"/>
+                <p:cNvSpPr/>
+                <p:nvPr/>
+              </p:nvSpPr>
+              <p:spPr>
+                <a:xfrm>
+                  <a:off x="8058637" y="1855071"/>
+                  <a:ext cx="213919" cy="196688"/>
+                </a:xfrm>
+                <a:prstGeom prst="mathMultiply">
+                  <a:avLst>
+                    <a:gd name="adj1" fmla="val 3701"/>
+                  </a:avLst>
+                </a:prstGeom>
+                <a:solidFill>
+                  <a:schemeClr val="tx1"/>
+                </a:solidFill>
+                <a:ln w="38100">
+                  <a:solidFill>
+                    <a:schemeClr val="tx1"/>
+                  </a:solidFill>
+                </a:ln>
+              </p:spPr>
+              <p:style>
+                <a:lnRef idx="2">
+                  <a:schemeClr val="accent1">
+                    <a:shade val="50000"/>
+                  </a:schemeClr>
+                </a:lnRef>
+                <a:fillRef idx="1">
+                  <a:schemeClr val="accent1"/>
+                </a:fillRef>
+                <a:effectRef idx="0">
+                  <a:schemeClr val="accent1"/>
+                </a:effectRef>
+                <a:fontRef idx="minor">
+                  <a:schemeClr val="lt1"/>
+                </a:fontRef>
+              </p:style>
+              <p:txBody>
+                <a:bodyPr rtlCol="0" anchor="ctr"/>
+                <a:lstStyle/>
+                <a:p>
+                  <a:pPr algn="ctr"/>
+                  <a:endParaRPr lang="en-US"/>
+                </a:p>
+              </p:txBody>
+            </p:sp>
+          </p:grpSp>
+          <p:grpSp>
+            <p:nvGrpSpPr>
+              <p:cNvPr id="157" name="Group 156"/>
+              <p:cNvGrpSpPr/>
+              <p:nvPr/>
+            </p:nvGrpSpPr>
+            <p:grpSpPr>
+              <a:xfrm rot="10800000">
+                <a:off x="8260270" y="3640310"/>
+                <a:ext cx="213919" cy="1070458"/>
+                <a:chOff x="8058637" y="981301"/>
+                <a:chExt cx="213919" cy="1070458"/>
+              </a:xfrm>
+            </p:grpSpPr>
+            <p:cxnSp>
+              <p:nvCxnSpPr>
+                <p:cNvPr id="209" name="Straight Connector 208"/>
+                <p:cNvCxnSpPr/>
+                <p:nvPr/>
+              </p:nvCxnSpPr>
+              <p:spPr>
+                <a:xfrm flipH="1">
+                  <a:off x="8163500" y="1056991"/>
+                  <a:ext cx="11016" cy="890916"/>
+                </a:xfrm>
+                <a:prstGeom prst="line">
+                  <a:avLst/>
+                </a:prstGeom>
+                <a:ln w="38100">
+                  <a:solidFill>
+                    <a:schemeClr val="tx1"/>
+                  </a:solidFill>
+                </a:ln>
+              </p:spPr>
+              <p:style>
+                <a:lnRef idx="1">
+                  <a:schemeClr val="accent1"/>
+                </a:lnRef>
+                <a:fillRef idx="0">
+                  <a:schemeClr val="accent1"/>
+                </a:fillRef>
+                <a:effectRef idx="0">
+                  <a:schemeClr val="accent1"/>
+                </a:effectRef>
+                <a:fontRef idx="minor">
+                  <a:schemeClr val="tx1"/>
+                </a:fontRef>
+              </p:style>
+            </p:cxnSp>
+            <p:grpSp>
+              <p:nvGrpSpPr>
+                <p:cNvPr id="210" name="Group 209"/>
+                <p:cNvGrpSpPr/>
+                <p:nvPr/>
+              </p:nvGrpSpPr>
+              <p:grpSpPr>
+                <a:xfrm>
+                  <a:off x="8088763" y="981301"/>
+                  <a:ext cx="171506" cy="169860"/>
+                  <a:chOff x="4484550" y="3215437"/>
+                  <a:chExt cx="319032" cy="315970"/>
+                </a:xfrm>
+              </p:grpSpPr>
+              <p:sp>
+                <p:nvSpPr>
+                  <p:cNvPr id="212" name="Oval 211"/>
+                  <p:cNvSpPr/>
+                  <p:nvPr/>
+                </p:nvSpPr>
+                <p:spPr>
+                  <a:xfrm>
+                    <a:off x="4484550" y="3215437"/>
+                    <a:ext cx="319032" cy="315970"/>
+                  </a:xfrm>
+                  <a:prstGeom prst="ellipse">
+                    <a:avLst/>
+                  </a:prstGeom>
+                  <a:noFill/>
+                  <a:ln w="38100">
+                    <a:solidFill>
+                      <a:schemeClr val="tx1"/>
+                    </a:solidFill>
+                  </a:ln>
+                </p:spPr>
+                <p:style>
+                  <a:lnRef idx="2">
+                    <a:schemeClr val="accent1">
+                      <a:shade val="50000"/>
+                    </a:schemeClr>
+                  </a:lnRef>
+                  <a:fillRef idx="1">
+                    <a:schemeClr val="accent1"/>
+                  </a:fillRef>
+                  <a:effectRef idx="0">
+                    <a:schemeClr val="accent1"/>
+                  </a:effectRef>
+                  <a:fontRef idx="minor">
+                    <a:schemeClr val="lt1"/>
+                  </a:fontRef>
+                </p:style>
+                <p:txBody>
+                  <a:bodyPr rtlCol="0" anchor="ctr"/>
+                  <a:lstStyle/>
+                  <a:p>
+                    <a:pPr algn="ctr"/>
+                    <a:endParaRPr lang="en-US"/>
+                  </a:p>
+                </p:txBody>
+              </p:sp>
+              <p:sp>
+                <p:nvSpPr>
+                  <p:cNvPr id="213" name="Oval 212"/>
+                  <p:cNvSpPr/>
+                  <p:nvPr/>
+                </p:nvSpPr>
+                <p:spPr>
+                  <a:xfrm>
+                    <a:off x="4621206" y="3350562"/>
+                    <a:ext cx="45719" cy="45719"/>
+                  </a:xfrm>
+                  <a:prstGeom prst="ellipse">
+                    <a:avLst/>
+                  </a:prstGeom>
+                  <a:solidFill>
+                    <a:schemeClr val="tx1"/>
+                  </a:solidFill>
+                  <a:ln w="38100">
+                    <a:solidFill>
+                      <a:schemeClr val="tx1"/>
+                    </a:solidFill>
+                  </a:ln>
+                </p:spPr>
+                <p:style>
+                  <a:lnRef idx="2">
+                    <a:schemeClr val="accent1">
+                      <a:shade val="50000"/>
+                    </a:schemeClr>
+                  </a:lnRef>
+                  <a:fillRef idx="1">
+                    <a:schemeClr val="accent1"/>
+                  </a:fillRef>
+                  <a:effectRef idx="0">
+                    <a:schemeClr val="accent1"/>
+                  </a:effectRef>
+                  <a:fontRef idx="minor">
+                    <a:schemeClr val="lt1"/>
+                  </a:fontRef>
+                </p:style>
+                <p:txBody>
+                  <a:bodyPr rtlCol="0" anchor="ctr"/>
+                  <a:lstStyle/>
+                  <a:p>
+                    <a:pPr algn="ctr"/>
+                    <a:endParaRPr lang="en-US"/>
+                  </a:p>
+                </p:txBody>
+              </p:sp>
+            </p:grpSp>
+            <p:sp>
+              <p:nvSpPr>
+                <p:cNvPr id="211" name="Multiply 210"/>
+                <p:cNvSpPr/>
+                <p:nvPr/>
+              </p:nvSpPr>
+              <p:spPr>
+                <a:xfrm>
+                  <a:off x="8058637" y="1855071"/>
+                  <a:ext cx="213919" cy="196688"/>
+                </a:xfrm>
+                <a:prstGeom prst="mathMultiply">
+                  <a:avLst>
+                    <a:gd name="adj1" fmla="val 3701"/>
+                  </a:avLst>
+                </a:prstGeom>
+                <a:solidFill>
+                  <a:schemeClr val="tx1"/>
+                </a:solidFill>
+                <a:ln w="38100">
+                  <a:solidFill>
+                    <a:schemeClr val="tx1"/>
+                  </a:solidFill>
+                </a:ln>
+              </p:spPr>
+              <p:style>
+                <a:lnRef idx="2">
+                  <a:schemeClr val="accent1">
+                    <a:shade val="50000"/>
+                  </a:schemeClr>
+                </a:lnRef>
+                <a:fillRef idx="1">
+                  <a:schemeClr val="accent1"/>
+                </a:fillRef>
+                <a:effectRef idx="0">
+                  <a:schemeClr val="accent1"/>
+                </a:effectRef>
+                <a:fontRef idx="minor">
+                  <a:schemeClr val="lt1"/>
+                </a:fontRef>
+              </p:style>
+              <p:txBody>
+                <a:bodyPr rtlCol="0" anchor="ctr"/>
+                <a:lstStyle/>
+                <a:p>
+                  <a:pPr algn="ctr"/>
+                  <a:endParaRPr lang="en-US"/>
+                </a:p>
+              </p:txBody>
+            </p:sp>
+          </p:grpSp>
+          <p:grpSp>
+            <p:nvGrpSpPr>
+              <p:cNvPr id="158" name="Group 157"/>
+              <p:cNvGrpSpPr/>
+              <p:nvPr/>
+            </p:nvGrpSpPr>
+            <p:grpSpPr>
+              <a:xfrm rot="10800000">
+                <a:off x="8437459" y="3643263"/>
+                <a:ext cx="213919" cy="1070458"/>
+                <a:chOff x="8058637" y="981301"/>
+                <a:chExt cx="213919" cy="1070458"/>
+              </a:xfrm>
+            </p:grpSpPr>
+            <p:cxnSp>
+              <p:nvCxnSpPr>
+                <p:cNvPr id="204" name="Straight Connector 203"/>
+                <p:cNvCxnSpPr/>
+                <p:nvPr/>
+              </p:nvCxnSpPr>
+              <p:spPr>
+                <a:xfrm flipH="1">
+                  <a:off x="8163500" y="1056991"/>
+                  <a:ext cx="11016" cy="890916"/>
+                </a:xfrm>
+                <a:prstGeom prst="line">
+                  <a:avLst/>
+                </a:prstGeom>
+                <a:ln w="38100">
+                  <a:solidFill>
+                    <a:schemeClr val="tx1"/>
+                  </a:solidFill>
+                </a:ln>
+              </p:spPr>
+              <p:style>
+                <a:lnRef idx="1">
+                  <a:schemeClr val="accent1"/>
+                </a:lnRef>
+                <a:fillRef idx="0">
+                  <a:schemeClr val="accent1"/>
+                </a:fillRef>
+                <a:effectRef idx="0">
+                  <a:schemeClr val="accent1"/>
+                </a:effectRef>
+                <a:fontRef idx="minor">
+                  <a:schemeClr val="tx1"/>
+                </a:fontRef>
+              </p:style>
+            </p:cxnSp>
+            <p:grpSp>
+              <p:nvGrpSpPr>
+                <p:cNvPr id="205" name="Group 204"/>
+                <p:cNvGrpSpPr/>
+                <p:nvPr/>
+              </p:nvGrpSpPr>
+              <p:grpSpPr>
+                <a:xfrm>
+                  <a:off x="8088763" y="981301"/>
+                  <a:ext cx="171506" cy="169860"/>
+                  <a:chOff x="4484550" y="3215437"/>
+                  <a:chExt cx="319032" cy="315970"/>
+                </a:xfrm>
+              </p:grpSpPr>
+              <p:sp>
+                <p:nvSpPr>
+                  <p:cNvPr id="207" name="Oval 206"/>
+                  <p:cNvSpPr/>
+                  <p:nvPr/>
+                </p:nvSpPr>
+                <p:spPr>
+                  <a:xfrm>
+                    <a:off x="4484550" y="3215437"/>
+                    <a:ext cx="319032" cy="315970"/>
+                  </a:xfrm>
+                  <a:prstGeom prst="ellipse">
+                    <a:avLst/>
+                  </a:prstGeom>
+                  <a:noFill/>
+                  <a:ln w="38100">
+                    <a:solidFill>
+                      <a:schemeClr val="tx1"/>
+                    </a:solidFill>
+                  </a:ln>
+                </p:spPr>
+                <p:style>
+                  <a:lnRef idx="2">
+                    <a:schemeClr val="accent1">
+                      <a:shade val="50000"/>
+                    </a:schemeClr>
+                  </a:lnRef>
+                  <a:fillRef idx="1">
+                    <a:schemeClr val="accent1"/>
+                  </a:fillRef>
+                  <a:effectRef idx="0">
+                    <a:schemeClr val="accent1"/>
+                  </a:effectRef>
+                  <a:fontRef idx="minor">
+                    <a:schemeClr val="lt1"/>
+                  </a:fontRef>
+                </p:style>
+                <p:txBody>
+                  <a:bodyPr rtlCol="0" anchor="ctr"/>
+                  <a:lstStyle/>
+                  <a:p>
+                    <a:pPr algn="ctr"/>
+                    <a:endParaRPr lang="en-US"/>
+                  </a:p>
+                </p:txBody>
+              </p:sp>
+              <p:sp>
+                <p:nvSpPr>
+                  <p:cNvPr id="208" name="Oval 207"/>
+                  <p:cNvSpPr/>
+                  <p:nvPr/>
+                </p:nvSpPr>
+                <p:spPr>
+                  <a:xfrm>
+                    <a:off x="4621206" y="3350562"/>
+                    <a:ext cx="45719" cy="45719"/>
+                  </a:xfrm>
+                  <a:prstGeom prst="ellipse">
+                    <a:avLst/>
+                  </a:prstGeom>
+                  <a:solidFill>
+                    <a:schemeClr val="tx1"/>
+                  </a:solidFill>
+                  <a:ln w="38100">
+                    <a:solidFill>
+                      <a:schemeClr val="tx1"/>
+                    </a:solidFill>
+                  </a:ln>
+                </p:spPr>
+                <p:style>
+                  <a:lnRef idx="2">
+                    <a:schemeClr val="accent1">
+                      <a:shade val="50000"/>
+                    </a:schemeClr>
+                  </a:lnRef>
+                  <a:fillRef idx="1">
+                    <a:schemeClr val="accent1"/>
+                  </a:fillRef>
+                  <a:effectRef idx="0">
+                    <a:schemeClr val="accent1"/>
+                  </a:effectRef>
+                  <a:fontRef idx="minor">
+                    <a:schemeClr val="lt1"/>
+                  </a:fontRef>
+                </p:style>
+                <p:txBody>
+                  <a:bodyPr rtlCol="0" anchor="ctr"/>
+                  <a:lstStyle/>
+                  <a:p>
+                    <a:pPr algn="ctr"/>
+                    <a:endParaRPr lang="en-US"/>
+                  </a:p>
+                </p:txBody>
+              </p:sp>
+            </p:grpSp>
+            <p:sp>
+              <p:nvSpPr>
+                <p:cNvPr id="206" name="Multiply 205"/>
+                <p:cNvSpPr/>
+                <p:nvPr/>
+              </p:nvSpPr>
+              <p:spPr>
+                <a:xfrm>
+                  <a:off x="8058637" y="1855071"/>
+                  <a:ext cx="213919" cy="196688"/>
+                </a:xfrm>
+                <a:prstGeom prst="mathMultiply">
+                  <a:avLst>
+                    <a:gd name="adj1" fmla="val 3701"/>
+                  </a:avLst>
+                </a:prstGeom>
+                <a:solidFill>
+                  <a:schemeClr val="tx1"/>
+                </a:solidFill>
+                <a:ln w="38100">
+                  <a:solidFill>
+                    <a:schemeClr val="tx1"/>
+                  </a:solidFill>
+                </a:ln>
+              </p:spPr>
+              <p:style>
+                <a:lnRef idx="2">
+                  <a:schemeClr val="accent1">
+                    <a:shade val="50000"/>
+                  </a:schemeClr>
+                </a:lnRef>
+                <a:fillRef idx="1">
+                  <a:schemeClr val="accent1"/>
+                </a:fillRef>
+                <a:effectRef idx="0">
+                  <a:schemeClr val="accent1"/>
+                </a:effectRef>
+                <a:fontRef idx="minor">
+                  <a:schemeClr val="lt1"/>
+                </a:fontRef>
+              </p:style>
+              <p:txBody>
+                <a:bodyPr rtlCol="0" anchor="ctr"/>
+                <a:lstStyle/>
+                <a:p>
+                  <a:pPr algn="ctr"/>
+                  <a:endParaRPr lang="en-US"/>
+                </a:p>
+              </p:txBody>
+            </p:sp>
+          </p:grpSp>
+          <p:grpSp>
+            <p:nvGrpSpPr>
+              <p:cNvPr id="159" name="Group 158"/>
+              <p:cNvGrpSpPr/>
+              <p:nvPr/>
+            </p:nvGrpSpPr>
+            <p:grpSpPr>
+              <a:xfrm rot="10800000">
+                <a:off x="8610168" y="3640309"/>
+                <a:ext cx="213919" cy="1070458"/>
+                <a:chOff x="8058637" y="981301"/>
+                <a:chExt cx="213919" cy="1070458"/>
+              </a:xfrm>
+            </p:grpSpPr>
+            <p:cxnSp>
+              <p:nvCxnSpPr>
+                <p:cNvPr id="199" name="Straight Connector 198"/>
+                <p:cNvCxnSpPr/>
+                <p:nvPr/>
+              </p:nvCxnSpPr>
+              <p:spPr>
+                <a:xfrm flipH="1">
+                  <a:off x="8163500" y="1056991"/>
+                  <a:ext cx="11016" cy="890916"/>
+                </a:xfrm>
+                <a:prstGeom prst="line">
+                  <a:avLst/>
+                </a:prstGeom>
+                <a:ln w="38100">
+                  <a:solidFill>
+                    <a:schemeClr val="tx1"/>
+                  </a:solidFill>
+                </a:ln>
+              </p:spPr>
+              <p:style>
+                <a:lnRef idx="1">
+                  <a:schemeClr val="accent1"/>
+                </a:lnRef>
+                <a:fillRef idx="0">
+                  <a:schemeClr val="accent1"/>
+                </a:fillRef>
+                <a:effectRef idx="0">
+                  <a:schemeClr val="accent1"/>
+                </a:effectRef>
+                <a:fontRef idx="minor">
+                  <a:schemeClr val="tx1"/>
+                </a:fontRef>
+              </p:style>
+            </p:cxnSp>
+            <p:grpSp>
+              <p:nvGrpSpPr>
+                <p:cNvPr id="200" name="Group 199"/>
+                <p:cNvGrpSpPr/>
+                <p:nvPr/>
+              </p:nvGrpSpPr>
+              <p:grpSpPr>
+                <a:xfrm>
+                  <a:off x="8088763" y="981301"/>
+                  <a:ext cx="171506" cy="169860"/>
+                  <a:chOff x="4484550" y="3215437"/>
+                  <a:chExt cx="319032" cy="315970"/>
+                </a:xfrm>
+              </p:grpSpPr>
+              <p:sp>
+                <p:nvSpPr>
+                  <p:cNvPr id="202" name="Oval 201"/>
+                  <p:cNvSpPr/>
+                  <p:nvPr/>
+                </p:nvSpPr>
+                <p:spPr>
+                  <a:xfrm>
+                    <a:off x="4484550" y="3215437"/>
+                    <a:ext cx="319032" cy="315970"/>
+                  </a:xfrm>
+                  <a:prstGeom prst="ellipse">
+                    <a:avLst/>
+                  </a:prstGeom>
+                  <a:noFill/>
+                  <a:ln w="38100">
+                    <a:solidFill>
+                      <a:schemeClr val="tx1"/>
+                    </a:solidFill>
+                  </a:ln>
+                </p:spPr>
+                <p:style>
+                  <a:lnRef idx="2">
+                    <a:schemeClr val="accent1">
+                      <a:shade val="50000"/>
+                    </a:schemeClr>
+                  </a:lnRef>
+                  <a:fillRef idx="1">
+                    <a:schemeClr val="accent1"/>
+                  </a:fillRef>
+                  <a:effectRef idx="0">
+                    <a:schemeClr val="accent1"/>
+                  </a:effectRef>
+                  <a:fontRef idx="minor">
+                    <a:schemeClr val="lt1"/>
+                  </a:fontRef>
+                </p:style>
+                <p:txBody>
+                  <a:bodyPr rtlCol="0" anchor="ctr"/>
+                  <a:lstStyle/>
+                  <a:p>
+                    <a:pPr algn="ctr"/>
+                    <a:endParaRPr lang="en-US"/>
+                  </a:p>
+                </p:txBody>
+              </p:sp>
+              <p:sp>
+                <p:nvSpPr>
+                  <p:cNvPr id="203" name="Oval 202"/>
+                  <p:cNvSpPr/>
+                  <p:nvPr/>
+                </p:nvSpPr>
+                <p:spPr>
+                  <a:xfrm>
+                    <a:off x="4621206" y="3350562"/>
+                    <a:ext cx="45719" cy="45719"/>
+                  </a:xfrm>
+                  <a:prstGeom prst="ellipse">
+                    <a:avLst/>
+                  </a:prstGeom>
+                  <a:solidFill>
+                    <a:schemeClr val="tx1"/>
+                  </a:solidFill>
+                  <a:ln w="38100">
+                    <a:solidFill>
+                      <a:schemeClr val="tx1"/>
+                    </a:solidFill>
+                  </a:ln>
+                </p:spPr>
+                <p:style>
+                  <a:lnRef idx="2">
+                    <a:schemeClr val="accent1">
+                      <a:shade val="50000"/>
+                    </a:schemeClr>
+                  </a:lnRef>
+                  <a:fillRef idx="1">
+                    <a:schemeClr val="accent1"/>
+                  </a:fillRef>
+                  <a:effectRef idx="0">
+                    <a:schemeClr val="accent1"/>
+                  </a:effectRef>
+                  <a:fontRef idx="minor">
+                    <a:schemeClr val="lt1"/>
+                  </a:fontRef>
+                </p:style>
+                <p:txBody>
+                  <a:bodyPr rtlCol="0" anchor="ctr"/>
+                  <a:lstStyle/>
+                  <a:p>
+                    <a:pPr algn="ctr"/>
+                    <a:endParaRPr lang="en-US"/>
+                  </a:p>
+                </p:txBody>
+              </p:sp>
+            </p:grpSp>
+            <p:sp>
+              <p:nvSpPr>
+                <p:cNvPr id="201" name="Multiply 200"/>
+                <p:cNvSpPr/>
+                <p:nvPr/>
+              </p:nvSpPr>
+              <p:spPr>
+                <a:xfrm>
+                  <a:off x="8058637" y="1855071"/>
+                  <a:ext cx="213919" cy="196688"/>
+                </a:xfrm>
+                <a:prstGeom prst="mathMultiply">
+                  <a:avLst>
+                    <a:gd name="adj1" fmla="val 3701"/>
+                  </a:avLst>
+                </a:prstGeom>
+                <a:solidFill>
+                  <a:schemeClr val="tx1"/>
+                </a:solidFill>
+                <a:ln w="38100">
+                  <a:solidFill>
+                    <a:schemeClr val="tx1"/>
+                  </a:solidFill>
+                </a:ln>
+              </p:spPr>
+              <p:style>
+                <a:lnRef idx="2">
+                  <a:schemeClr val="accent1">
+                    <a:shade val="50000"/>
+                  </a:schemeClr>
+                </a:lnRef>
+                <a:fillRef idx="1">
+                  <a:schemeClr val="accent1"/>
+                </a:fillRef>
+                <a:effectRef idx="0">
+                  <a:schemeClr val="accent1"/>
+                </a:effectRef>
+                <a:fontRef idx="minor">
+                  <a:schemeClr val="lt1"/>
+                </a:fontRef>
+              </p:style>
+              <p:txBody>
+                <a:bodyPr rtlCol="0" anchor="ctr"/>
+                <a:lstStyle/>
+                <a:p>
+                  <a:pPr algn="ctr"/>
+                  <a:endParaRPr lang="en-US"/>
+                </a:p>
+              </p:txBody>
+            </p:sp>
+          </p:grpSp>
+          <p:grpSp>
+            <p:nvGrpSpPr>
+              <p:cNvPr id="160" name="Group 159"/>
+              <p:cNvGrpSpPr/>
+              <p:nvPr/>
+            </p:nvGrpSpPr>
+            <p:grpSpPr>
+              <a:xfrm rot="10800000">
+                <a:off x="8787357" y="3643262"/>
+                <a:ext cx="213919" cy="1070458"/>
+                <a:chOff x="8058637" y="981301"/>
+                <a:chExt cx="213919" cy="1070458"/>
+              </a:xfrm>
+            </p:grpSpPr>
+            <p:cxnSp>
+              <p:nvCxnSpPr>
+                <p:cNvPr id="194" name="Straight Connector 193"/>
+                <p:cNvCxnSpPr/>
+                <p:nvPr/>
+              </p:nvCxnSpPr>
+              <p:spPr>
+                <a:xfrm flipH="1">
+                  <a:off x="8163500" y="1056991"/>
+                  <a:ext cx="11016" cy="890916"/>
+                </a:xfrm>
+                <a:prstGeom prst="line">
+                  <a:avLst/>
+                </a:prstGeom>
+                <a:ln w="38100">
+                  <a:solidFill>
+                    <a:schemeClr val="tx1"/>
+                  </a:solidFill>
+                </a:ln>
+              </p:spPr>
+              <p:style>
+                <a:lnRef idx="1">
+                  <a:schemeClr val="accent1"/>
+                </a:lnRef>
+                <a:fillRef idx="0">
+                  <a:schemeClr val="accent1"/>
+                </a:fillRef>
+                <a:effectRef idx="0">
+                  <a:schemeClr val="accent1"/>
+                </a:effectRef>
+                <a:fontRef idx="minor">
+                  <a:schemeClr val="tx1"/>
+                </a:fontRef>
+              </p:style>
+            </p:cxnSp>
+            <p:grpSp>
+              <p:nvGrpSpPr>
+                <p:cNvPr id="195" name="Group 194"/>
+                <p:cNvGrpSpPr/>
+                <p:nvPr/>
+              </p:nvGrpSpPr>
+              <p:grpSpPr>
+                <a:xfrm>
+                  <a:off x="8088763" y="981301"/>
+                  <a:ext cx="171506" cy="169860"/>
+                  <a:chOff x="4484550" y="3215437"/>
+                  <a:chExt cx="319032" cy="315970"/>
+                </a:xfrm>
+              </p:grpSpPr>
+              <p:sp>
+                <p:nvSpPr>
+                  <p:cNvPr id="197" name="Oval 196"/>
+                  <p:cNvSpPr/>
+                  <p:nvPr/>
+                </p:nvSpPr>
+                <p:spPr>
+                  <a:xfrm>
+                    <a:off x="4484550" y="3215437"/>
+                    <a:ext cx="319032" cy="315970"/>
+                  </a:xfrm>
+                  <a:prstGeom prst="ellipse">
+                    <a:avLst/>
+                  </a:prstGeom>
+                  <a:noFill/>
+                  <a:ln w="38100">
+                    <a:solidFill>
+                      <a:schemeClr val="tx1"/>
+                    </a:solidFill>
+                  </a:ln>
+                </p:spPr>
+                <p:style>
+                  <a:lnRef idx="2">
+                    <a:schemeClr val="accent1">
+                      <a:shade val="50000"/>
+                    </a:schemeClr>
+                  </a:lnRef>
+                  <a:fillRef idx="1">
+                    <a:schemeClr val="accent1"/>
+                  </a:fillRef>
+                  <a:effectRef idx="0">
+                    <a:schemeClr val="accent1"/>
+                  </a:effectRef>
+                  <a:fontRef idx="minor">
+                    <a:schemeClr val="lt1"/>
+                  </a:fontRef>
+                </p:style>
+                <p:txBody>
+                  <a:bodyPr rtlCol="0" anchor="ctr"/>
+                  <a:lstStyle/>
+                  <a:p>
+                    <a:pPr algn="ctr"/>
+                    <a:endParaRPr lang="en-US"/>
+                  </a:p>
+                </p:txBody>
+              </p:sp>
+              <p:sp>
+                <p:nvSpPr>
+                  <p:cNvPr id="198" name="Oval 197"/>
+                  <p:cNvSpPr/>
+                  <p:nvPr/>
+                </p:nvSpPr>
+                <p:spPr>
+                  <a:xfrm>
+                    <a:off x="4621206" y="3350562"/>
+                    <a:ext cx="45719" cy="45719"/>
+                  </a:xfrm>
+                  <a:prstGeom prst="ellipse">
+                    <a:avLst/>
+                  </a:prstGeom>
+                  <a:solidFill>
+                    <a:schemeClr val="tx1"/>
+                  </a:solidFill>
+                  <a:ln w="38100">
+                    <a:solidFill>
+                      <a:schemeClr val="tx1"/>
+                    </a:solidFill>
+                  </a:ln>
+                </p:spPr>
+                <p:style>
+                  <a:lnRef idx="2">
+                    <a:schemeClr val="accent1">
+                      <a:shade val="50000"/>
+                    </a:schemeClr>
+                  </a:lnRef>
+                  <a:fillRef idx="1">
+                    <a:schemeClr val="accent1"/>
+                  </a:fillRef>
+                  <a:effectRef idx="0">
+                    <a:schemeClr val="accent1"/>
+                  </a:effectRef>
+                  <a:fontRef idx="minor">
+                    <a:schemeClr val="lt1"/>
+                  </a:fontRef>
+                </p:style>
+                <p:txBody>
+                  <a:bodyPr rtlCol="0" anchor="ctr"/>
+                  <a:lstStyle/>
+                  <a:p>
+                    <a:pPr algn="ctr"/>
+                    <a:endParaRPr lang="en-US"/>
+                  </a:p>
+                </p:txBody>
+              </p:sp>
+            </p:grpSp>
+            <p:sp>
+              <p:nvSpPr>
+                <p:cNvPr id="196" name="Multiply 195"/>
+                <p:cNvSpPr/>
+                <p:nvPr/>
+              </p:nvSpPr>
+              <p:spPr>
+                <a:xfrm>
+                  <a:off x="8058637" y="1855071"/>
+                  <a:ext cx="213919" cy="196688"/>
+                </a:xfrm>
+                <a:prstGeom prst="mathMultiply">
+                  <a:avLst>
+                    <a:gd name="adj1" fmla="val 3701"/>
+                  </a:avLst>
+                </a:prstGeom>
+                <a:solidFill>
+                  <a:schemeClr val="tx1"/>
+                </a:solidFill>
+                <a:ln w="38100">
+                  <a:solidFill>
+                    <a:schemeClr val="tx1"/>
+                  </a:solidFill>
+                </a:ln>
+              </p:spPr>
+              <p:style>
+                <a:lnRef idx="2">
+                  <a:schemeClr val="accent1">
+                    <a:shade val="50000"/>
+                  </a:schemeClr>
+                </a:lnRef>
+                <a:fillRef idx="1">
+                  <a:schemeClr val="accent1"/>
+                </a:fillRef>
+                <a:effectRef idx="0">
+                  <a:schemeClr val="accent1"/>
+                </a:effectRef>
+                <a:fontRef idx="minor">
+                  <a:schemeClr val="lt1"/>
+                </a:fontRef>
+              </p:style>
+              <p:txBody>
+                <a:bodyPr rtlCol="0" anchor="ctr"/>
+                <a:lstStyle/>
+                <a:p>
+                  <a:pPr algn="ctr"/>
+                  <a:endParaRPr lang="en-US"/>
+                </a:p>
+              </p:txBody>
+            </p:sp>
+          </p:grpSp>
+          <p:grpSp>
+            <p:nvGrpSpPr>
+              <p:cNvPr id="161" name="Group 160"/>
+              <p:cNvGrpSpPr/>
+              <p:nvPr/>
+            </p:nvGrpSpPr>
+            <p:grpSpPr>
+              <a:xfrm rot="10800000">
+                <a:off x="8971665" y="3642092"/>
+                <a:ext cx="213919" cy="1070458"/>
+                <a:chOff x="8058637" y="981301"/>
+                <a:chExt cx="213919" cy="1070458"/>
+              </a:xfrm>
+            </p:grpSpPr>
+            <p:cxnSp>
+              <p:nvCxnSpPr>
+                <p:cNvPr id="189" name="Straight Connector 188"/>
+                <p:cNvCxnSpPr/>
+                <p:nvPr/>
+              </p:nvCxnSpPr>
+              <p:spPr>
+                <a:xfrm flipH="1">
+                  <a:off x="8163500" y="1056991"/>
+                  <a:ext cx="11016" cy="890916"/>
+                </a:xfrm>
+                <a:prstGeom prst="line">
+                  <a:avLst/>
+                </a:prstGeom>
+                <a:ln w="38100">
+                  <a:solidFill>
+                    <a:schemeClr val="tx1"/>
+                  </a:solidFill>
+                </a:ln>
+              </p:spPr>
+              <p:style>
+                <a:lnRef idx="1">
+                  <a:schemeClr val="accent1"/>
+                </a:lnRef>
+                <a:fillRef idx="0">
+                  <a:schemeClr val="accent1"/>
+                </a:fillRef>
+                <a:effectRef idx="0">
+                  <a:schemeClr val="accent1"/>
+                </a:effectRef>
+                <a:fontRef idx="minor">
+                  <a:schemeClr val="tx1"/>
+                </a:fontRef>
+              </p:style>
+            </p:cxnSp>
+            <p:grpSp>
+              <p:nvGrpSpPr>
+                <p:cNvPr id="190" name="Group 189"/>
+                <p:cNvGrpSpPr/>
+                <p:nvPr/>
+              </p:nvGrpSpPr>
+              <p:grpSpPr>
+                <a:xfrm>
+                  <a:off x="8088763" y="981301"/>
+                  <a:ext cx="171506" cy="169860"/>
+                  <a:chOff x="4484550" y="3215437"/>
+                  <a:chExt cx="319032" cy="315970"/>
+                </a:xfrm>
+              </p:grpSpPr>
+              <p:sp>
+                <p:nvSpPr>
+                  <p:cNvPr id="192" name="Oval 191"/>
+                  <p:cNvSpPr/>
+                  <p:nvPr/>
+                </p:nvSpPr>
+                <p:spPr>
+                  <a:xfrm>
+                    <a:off x="4484550" y="3215437"/>
+                    <a:ext cx="319032" cy="315970"/>
+                  </a:xfrm>
+                  <a:prstGeom prst="ellipse">
+                    <a:avLst/>
+                  </a:prstGeom>
+                  <a:noFill/>
+                  <a:ln w="38100">
+                    <a:solidFill>
+                      <a:schemeClr val="tx1"/>
+                    </a:solidFill>
+                  </a:ln>
+                </p:spPr>
+                <p:style>
+                  <a:lnRef idx="2">
+                    <a:schemeClr val="accent1">
+                      <a:shade val="50000"/>
+                    </a:schemeClr>
+                  </a:lnRef>
+                  <a:fillRef idx="1">
+                    <a:schemeClr val="accent1"/>
+                  </a:fillRef>
+                  <a:effectRef idx="0">
+                    <a:schemeClr val="accent1"/>
+                  </a:effectRef>
+                  <a:fontRef idx="minor">
+                    <a:schemeClr val="lt1"/>
+                  </a:fontRef>
+                </p:style>
+                <p:txBody>
+                  <a:bodyPr rtlCol="0" anchor="ctr"/>
+                  <a:lstStyle/>
+                  <a:p>
+                    <a:pPr algn="ctr"/>
+                    <a:endParaRPr lang="en-US"/>
+                  </a:p>
+                </p:txBody>
+              </p:sp>
+              <p:sp>
+                <p:nvSpPr>
+                  <p:cNvPr id="193" name="Oval 192"/>
+                  <p:cNvSpPr/>
+                  <p:nvPr/>
+                </p:nvSpPr>
+                <p:spPr>
+                  <a:xfrm>
+                    <a:off x="4621206" y="3350562"/>
+                    <a:ext cx="45719" cy="45719"/>
+                  </a:xfrm>
+                  <a:prstGeom prst="ellipse">
+                    <a:avLst/>
+                  </a:prstGeom>
+                  <a:solidFill>
+                    <a:schemeClr val="tx1"/>
+                  </a:solidFill>
+                  <a:ln w="38100">
+                    <a:solidFill>
+                      <a:schemeClr val="tx1"/>
+                    </a:solidFill>
+                  </a:ln>
+                </p:spPr>
+                <p:style>
+                  <a:lnRef idx="2">
+                    <a:schemeClr val="accent1">
+                      <a:shade val="50000"/>
+                    </a:schemeClr>
+                  </a:lnRef>
+                  <a:fillRef idx="1">
+                    <a:schemeClr val="accent1"/>
+                  </a:fillRef>
+                  <a:effectRef idx="0">
+                    <a:schemeClr val="accent1"/>
+                  </a:effectRef>
+                  <a:fontRef idx="minor">
+                    <a:schemeClr val="lt1"/>
+                  </a:fontRef>
+                </p:style>
+                <p:txBody>
+                  <a:bodyPr rtlCol="0" anchor="ctr"/>
+                  <a:lstStyle/>
+                  <a:p>
+                    <a:pPr algn="ctr"/>
+                    <a:endParaRPr lang="en-US"/>
+                  </a:p>
+                </p:txBody>
+              </p:sp>
+            </p:grpSp>
+            <p:sp>
+              <p:nvSpPr>
+                <p:cNvPr id="191" name="Multiply 190"/>
+                <p:cNvSpPr/>
+                <p:nvPr/>
+              </p:nvSpPr>
+              <p:spPr>
+                <a:xfrm>
+                  <a:off x="8058637" y="1855071"/>
+                  <a:ext cx="213919" cy="196688"/>
+                </a:xfrm>
+                <a:prstGeom prst="mathMultiply">
+                  <a:avLst>
+                    <a:gd name="adj1" fmla="val 3701"/>
+                  </a:avLst>
+                </a:prstGeom>
+                <a:solidFill>
+                  <a:schemeClr val="tx1"/>
+                </a:solidFill>
+                <a:ln w="38100">
+                  <a:solidFill>
+                    <a:schemeClr val="tx1"/>
+                  </a:solidFill>
+                </a:ln>
+              </p:spPr>
+              <p:style>
+                <a:lnRef idx="2">
+                  <a:schemeClr val="accent1">
+                    <a:shade val="50000"/>
+                  </a:schemeClr>
+                </a:lnRef>
+                <a:fillRef idx="1">
+                  <a:schemeClr val="accent1"/>
+                </a:fillRef>
+                <a:effectRef idx="0">
+                  <a:schemeClr val="accent1"/>
+                </a:effectRef>
+                <a:fontRef idx="minor">
+                  <a:schemeClr val="lt1"/>
+                </a:fontRef>
+              </p:style>
+              <p:txBody>
+                <a:bodyPr rtlCol="0" anchor="ctr"/>
+                <a:lstStyle/>
+                <a:p>
+                  <a:pPr algn="ctr"/>
+                  <a:endParaRPr lang="en-US"/>
+                </a:p>
+              </p:txBody>
+            </p:sp>
+          </p:grpSp>
+          <p:grpSp>
+            <p:nvGrpSpPr>
+              <p:cNvPr id="162" name="Group 161"/>
+              <p:cNvGrpSpPr/>
+              <p:nvPr/>
+            </p:nvGrpSpPr>
+            <p:grpSpPr>
+              <a:xfrm rot="10800000">
+                <a:off x="9148854" y="3645045"/>
+                <a:ext cx="213919" cy="1070458"/>
+                <a:chOff x="8058637" y="981301"/>
+                <a:chExt cx="213919" cy="1070458"/>
+              </a:xfrm>
+            </p:grpSpPr>
+            <p:cxnSp>
+              <p:nvCxnSpPr>
+                <p:cNvPr id="184" name="Straight Connector 183"/>
+                <p:cNvCxnSpPr/>
+                <p:nvPr/>
+              </p:nvCxnSpPr>
+              <p:spPr>
+                <a:xfrm flipH="1">
+                  <a:off x="8163500" y="1056991"/>
+                  <a:ext cx="11016" cy="890916"/>
+                </a:xfrm>
+                <a:prstGeom prst="line">
+                  <a:avLst/>
+                </a:prstGeom>
+                <a:ln w="38100">
+                  <a:solidFill>
+                    <a:schemeClr val="tx1"/>
+                  </a:solidFill>
+                </a:ln>
+              </p:spPr>
+              <p:style>
+                <a:lnRef idx="1">
+                  <a:schemeClr val="accent1"/>
+                </a:lnRef>
+                <a:fillRef idx="0">
+                  <a:schemeClr val="accent1"/>
+                </a:fillRef>
+                <a:effectRef idx="0">
+                  <a:schemeClr val="accent1"/>
+                </a:effectRef>
+                <a:fontRef idx="minor">
+                  <a:schemeClr val="tx1"/>
+                </a:fontRef>
+              </p:style>
+            </p:cxnSp>
+            <p:grpSp>
+              <p:nvGrpSpPr>
+                <p:cNvPr id="185" name="Group 184"/>
+                <p:cNvGrpSpPr/>
+                <p:nvPr/>
+              </p:nvGrpSpPr>
+              <p:grpSpPr>
+                <a:xfrm>
+                  <a:off x="8088763" y="981301"/>
+                  <a:ext cx="171506" cy="169860"/>
+                  <a:chOff x="4484550" y="3215437"/>
+                  <a:chExt cx="319032" cy="315970"/>
+                </a:xfrm>
+              </p:grpSpPr>
+              <p:sp>
+                <p:nvSpPr>
+                  <p:cNvPr id="187" name="Oval 186"/>
+                  <p:cNvSpPr/>
+                  <p:nvPr/>
+                </p:nvSpPr>
+                <p:spPr>
+                  <a:xfrm>
+                    <a:off x="4484550" y="3215437"/>
+                    <a:ext cx="319032" cy="315970"/>
+                  </a:xfrm>
+                  <a:prstGeom prst="ellipse">
+                    <a:avLst/>
+                  </a:prstGeom>
+                  <a:noFill/>
+                  <a:ln w="38100">
+                    <a:solidFill>
+                      <a:schemeClr val="tx1"/>
+                    </a:solidFill>
+                  </a:ln>
+                </p:spPr>
+                <p:style>
+                  <a:lnRef idx="2">
+                    <a:schemeClr val="accent1">
+                      <a:shade val="50000"/>
+                    </a:schemeClr>
+                  </a:lnRef>
+                  <a:fillRef idx="1">
+                    <a:schemeClr val="accent1"/>
+                  </a:fillRef>
+                  <a:effectRef idx="0">
+                    <a:schemeClr val="accent1"/>
+                  </a:effectRef>
+                  <a:fontRef idx="minor">
+                    <a:schemeClr val="lt1"/>
+                  </a:fontRef>
+                </p:style>
+                <p:txBody>
+                  <a:bodyPr rtlCol="0" anchor="ctr"/>
+                  <a:lstStyle/>
+                  <a:p>
+                    <a:pPr algn="ctr"/>
+                    <a:endParaRPr lang="en-US"/>
+                  </a:p>
+                </p:txBody>
+              </p:sp>
+              <p:sp>
+                <p:nvSpPr>
+                  <p:cNvPr id="188" name="Oval 187"/>
+                  <p:cNvSpPr/>
+                  <p:nvPr/>
+                </p:nvSpPr>
+                <p:spPr>
+                  <a:xfrm>
+                    <a:off x="4621206" y="3350562"/>
+                    <a:ext cx="45719" cy="45719"/>
+                  </a:xfrm>
+                  <a:prstGeom prst="ellipse">
+                    <a:avLst/>
+                  </a:prstGeom>
+                  <a:solidFill>
+                    <a:schemeClr val="tx1"/>
+                  </a:solidFill>
+                  <a:ln w="38100">
+                    <a:solidFill>
+                      <a:schemeClr val="tx1"/>
+                    </a:solidFill>
+                  </a:ln>
+                </p:spPr>
+                <p:style>
+                  <a:lnRef idx="2">
+                    <a:schemeClr val="accent1">
+                      <a:shade val="50000"/>
+                    </a:schemeClr>
+                  </a:lnRef>
+                  <a:fillRef idx="1">
+                    <a:schemeClr val="accent1"/>
+                  </a:fillRef>
+                  <a:effectRef idx="0">
+                    <a:schemeClr val="accent1"/>
+                  </a:effectRef>
+                  <a:fontRef idx="minor">
+                    <a:schemeClr val="lt1"/>
+                  </a:fontRef>
+                </p:style>
+                <p:txBody>
+                  <a:bodyPr rtlCol="0" anchor="ctr"/>
+                  <a:lstStyle/>
+                  <a:p>
+                    <a:pPr algn="ctr"/>
+                    <a:endParaRPr lang="en-US"/>
+                  </a:p>
+                </p:txBody>
+              </p:sp>
+            </p:grpSp>
+            <p:sp>
+              <p:nvSpPr>
+                <p:cNvPr id="186" name="Multiply 185"/>
+                <p:cNvSpPr/>
+                <p:nvPr/>
+              </p:nvSpPr>
+              <p:spPr>
+                <a:xfrm>
+                  <a:off x="8058637" y="1855071"/>
+                  <a:ext cx="213919" cy="196688"/>
+                </a:xfrm>
+                <a:prstGeom prst="mathMultiply">
+                  <a:avLst>
+                    <a:gd name="adj1" fmla="val 3701"/>
+                  </a:avLst>
+                </a:prstGeom>
+                <a:solidFill>
+                  <a:schemeClr val="tx1"/>
+                </a:solidFill>
+                <a:ln w="38100">
+                  <a:solidFill>
+                    <a:schemeClr val="tx1"/>
+                  </a:solidFill>
+                </a:ln>
+              </p:spPr>
+              <p:style>
+                <a:lnRef idx="2">
+                  <a:schemeClr val="accent1">
+                    <a:shade val="50000"/>
+                  </a:schemeClr>
+                </a:lnRef>
+                <a:fillRef idx="1">
+                  <a:schemeClr val="accent1"/>
+                </a:fillRef>
+                <a:effectRef idx="0">
+                  <a:schemeClr val="accent1"/>
+                </a:effectRef>
+                <a:fontRef idx="minor">
+                  <a:schemeClr val="lt1"/>
+                </a:fontRef>
+              </p:style>
+              <p:txBody>
+                <a:bodyPr rtlCol="0" anchor="ctr"/>
+                <a:lstStyle/>
+                <a:p>
+                  <a:pPr algn="ctr"/>
+                  <a:endParaRPr lang="en-US"/>
+                </a:p>
+              </p:txBody>
+            </p:sp>
+          </p:grpSp>
+          <p:cxnSp>
+            <p:nvCxnSpPr>
+              <p:cNvPr id="170" name="Straight Arrow Connector 169"/>
+              <p:cNvCxnSpPr/>
+              <p:nvPr/>
+            </p:nvCxnSpPr>
+            <p:spPr>
+              <a:xfrm flipH="1" flipV="1">
+                <a:off x="7722731" y="4477545"/>
+                <a:ext cx="1851577" cy="20725"/>
+              </a:xfrm>
+              <a:prstGeom prst="straightConnector1">
+                <a:avLst/>
+              </a:prstGeom>
+              <a:ln w="25400">
+                <a:solidFill>
+                  <a:schemeClr val="bg2">
+                    <a:lumMod val="75000"/>
+                  </a:schemeClr>
+                </a:solidFill>
+                <a:tailEnd type="triangle"/>
+              </a:ln>
+            </p:spPr>
+            <p:style>
+              <a:lnRef idx="1">
+                <a:schemeClr val="accent1"/>
+              </a:lnRef>
+              <a:fillRef idx="0">
+                <a:schemeClr val="accent1"/>
+              </a:fillRef>
+              <a:effectRef idx="0">
+                <a:schemeClr val="accent1"/>
+              </a:effectRef>
+              <a:fontRef idx="minor">
+                <a:schemeClr val="tx1"/>
+              </a:fontRef>
+            </p:style>
+          </p:cxnSp>
+          <p:cxnSp>
+            <p:nvCxnSpPr>
+              <p:cNvPr id="234" name="Straight Arrow Connector 233"/>
+              <p:cNvCxnSpPr/>
+              <p:nvPr/>
+            </p:nvCxnSpPr>
+            <p:spPr>
+              <a:xfrm flipH="1" flipV="1">
+                <a:off x="7722731" y="4267259"/>
+                <a:ext cx="1851577" cy="20725"/>
+              </a:xfrm>
+              <a:prstGeom prst="straightConnector1">
+                <a:avLst/>
+              </a:prstGeom>
+              <a:ln w="25400">
+                <a:solidFill>
+                  <a:schemeClr val="bg2">
+                    <a:lumMod val="75000"/>
+                  </a:schemeClr>
+                </a:solidFill>
+                <a:tailEnd type="triangle"/>
+              </a:ln>
+            </p:spPr>
+            <p:style>
+              <a:lnRef idx="1">
+                <a:schemeClr val="accent1"/>
+              </a:lnRef>
+              <a:fillRef idx="0">
+                <a:schemeClr val="accent1"/>
+              </a:fillRef>
+              <a:effectRef idx="0">
+                <a:schemeClr val="accent1"/>
+              </a:effectRef>
+              <a:fontRef idx="minor">
+                <a:schemeClr val="tx1"/>
+              </a:fontRef>
+            </p:style>
+          </p:cxnSp>
+          <p:cxnSp>
+            <p:nvCxnSpPr>
+              <p:cNvPr id="236" name="Straight Arrow Connector 235"/>
+              <p:cNvCxnSpPr/>
+              <p:nvPr/>
+            </p:nvCxnSpPr>
+            <p:spPr>
+              <a:xfrm flipH="1" flipV="1">
+                <a:off x="7722730" y="4065047"/>
+                <a:ext cx="1851577" cy="20725"/>
+              </a:xfrm>
+              <a:prstGeom prst="straightConnector1">
+                <a:avLst/>
+              </a:prstGeom>
+              <a:ln w="25400">
+                <a:solidFill>
+                  <a:schemeClr val="bg2">
+                    <a:lumMod val="75000"/>
+                  </a:schemeClr>
+                </a:solidFill>
+                <a:tailEnd type="triangle"/>
+              </a:ln>
+            </p:spPr>
+            <p:style>
+              <a:lnRef idx="1">
+                <a:schemeClr val="accent1"/>
+              </a:lnRef>
+              <a:fillRef idx="0">
+                <a:schemeClr val="accent1"/>
+              </a:fillRef>
+              <a:effectRef idx="0">
+                <a:schemeClr val="accent1"/>
+              </a:effectRef>
+              <a:fontRef idx="minor">
+                <a:schemeClr val="tx1"/>
+              </a:fontRef>
+            </p:style>
+          </p:cxnSp>
+          <p:cxnSp>
+            <p:nvCxnSpPr>
+              <p:cNvPr id="238" name="Straight Arrow Connector 237"/>
+              <p:cNvCxnSpPr/>
+              <p:nvPr/>
+            </p:nvCxnSpPr>
+            <p:spPr>
+              <a:xfrm flipH="1" flipV="1">
+                <a:off x="7722730" y="3842013"/>
+                <a:ext cx="1851577" cy="20725"/>
+              </a:xfrm>
+              <a:prstGeom prst="straightConnector1">
+                <a:avLst/>
+              </a:prstGeom>
+              <a:ln w="25400">
+                <a:solidFill>
+                  <a:schemeClr val="bg2">
+                    <a:lumMod val="75000"/>
+                  </a:schemeClr>
+                </a:solidFill>
+                <a:tailEnd type="triangle"/>
+              </a:ln>
+            </p:spPr>
+            <p:style>
+              <a:lnRef idx="1">
+                <a:schemeClr val="accent1"/>
+              </a:lnRef>
+              <a:fillRef idx="0">
+                <a:schemeClr val="accent1"/>
+              </a:fillRef>
+              <a:effectRef idx="0">
+                <a:schemeClr val="accent1"/>
+              </a:effectRef>
+              <a:fontRef idx="minor">
+                <a:schemeClr val="tx1"/>
+              </a:fontRef>
+            </p:style>
+          </p:cxnSp>
+          <mc:AlternateContent xmlns:mc="http://schemas.openxmlformats.org/markup-compatibility/2006" xmlns:a14="http://schemas.microsoft.com/office/drawing/2010/main">
+            <mc:Choice Requires="a14">
+              <p:sp>
+                <p:nvSpPr>
+                  <p:cNvPr id="239" name="TextBox 238"/>
+                  <p:cNvSpPr txBox="1"/>
+                  <p:nvPr/>
+                </p:nvSpPr>
+                <p:spPr>
+                  <a:xfrm>
+                    <a:off x="9552091" y="4348234"/>
+                    <a:ext cx="245708" cy="345159"/>
+                  </a:xfrm>
+                  <a:prstGeom prst="rect">
+                    <a:avLst/>
+                  </a:prstGeom>
+                  <a:noFill/>
+                </p:spPr>
+                <p:txBody>
+                  <a:bodyPr wrap="none" lIns="0" tIns="0" rIns="0" bIns="0" rtlCol="0">
+                    <a:spAutoFit/>
+                  </a:bodyPr>
+                  <a:lstStyle/>
+                  <a:p>
+                    <a:pPr/>
+                    <a14:m>
+                      <m:oMathPara xmlns:m="http://schemas.openxmlformats.org/officeDocument/2006/math">
+                        <m:oMathParaPr>
+                          <m:jc m:val="centerGroup"/>
+                        </m:oMathParaPr>
+                        <m:oMath xmlns:m="http://schemas.openxmlformats.org/officeDocument/2006/math">
+                          <m:acc>
+                            <m:accPr>
+                              <m:chr m:val="⃗"/>
+                              <m:ctrlPr>
+                                <a:rPr lang="en-US" sz="2000" b="0" i="1" smtClean="0">
+                                  <a:solidFill>
+                                    <a:schemeClr val="tx1">
+                                      <a:lumMod val="50000"/>
+                                      <a:lumOff val="50000"/>
+                                    </a:schemeClr>
+                                  </a:solidFill>
+                                  <a:latin typeface="Cambria Math" panose="02040503050406030204" pitchFamily="18" charset="0"/>
+                                  <a:cs typeface="Arial" panose="020B0604020202020204" pitchFamily="34" charset="0"/>
+                                </a:rPr>
+                              </m:ctrlPr>
+                            </m:accPr>
+                            <m:e>
+                              <m:r>
+                                <a:rPr lang="en-US" sz="2000" b="0" i="1" smtClean="0">
+                                  <a:solidFill>
+                                    <a:schemeClr val="tx1">
+                                      <a:lumMod val="50000"/>
+                                      <a:lumOff val="50000"/>
+                                    </a:schemeClr>
+                                  </a:solidFill>
+                                  <a:latin typeface="Cambria Math" panose="02040503050406030204" pitchFamily="18" charset="0"/>
+                                  <a:cs typeface="Arial" panose="020B0604020202020204" pitchFamily="34" charset="0"/>
+                                </a:rPr>
+                                <m:t>𝐵</m:t>
+                              </m:r>
+                            </m:e>
+                          </m:acc>
+                        </m:oMath>
+                      </m:oMathPara>
+                    </a14:m>
+                    <a:endParaRPr lang="en-US" sz="2000" dirty="0" smtClean="0">
+                      <a:solidFill>
+                        <a:schemeClr val="tx1">
+                          <a:lumMod val="50000"/>
+                          <a:lumOff val="50000"/>
+                        </a:schemeClr>
+                      </a:solidFill>
+                      <a:latin typeface="Arial" panose="020B0604020202020204" pitchFamily="34" charset="0"/>
+                      <a:cs typeface="Arial" panose="020B0604020202020204" pitchFamily="34" charset="0"/>
+                    </a:endParaRPr>
+                  </a:p>
+                </p:txBody>
+              </p:sp>
+            </mc:Choice>
+            <mc:Fallback xmlns="">
+              <p:sp>
+                <p:nvSpPr>
+                  <p:cNvPr id="239" name="TextBox 238"/>
+                  <p:cNvSpPr txBox="1">
+                    <a:spLocks noRot="1" noChangeAspect="1" noMove="1" noResize="1" noEditPoints="1" noAdjustHandles="1" noChangeArrowheads="1" noChangeShapeType="1" noTextEdit="1"/>
+                  </p:cNvSpPr>
+                  <p:nvPr/>
+                </p:nvSpPr>
+                <p:spPr>
+                  <a:xfrm>
+                    <a:off x="9552091" y="4348234"/>
+                    <a:ext cx="245708" cy="345159"/>
+                  </a:xfrm>
+                  <a:prstGeom prst="rect">
+                    <a:avLst/>
+                  </a:prstGeom>
+                  <a:blipFill>
+                    <a:blip r:embed="rId8"/>
+                    <a:stretch>
+                      <a:fillRect l="-19512" r="-19512" b="-8929"/>
+                    </a:stretch>
+                  </a:blipFill>
+                </p:spPr>
+                <p:txBody>
+                  <a:bodyPr/>
+                  <a:lstStyle/>
+                  <a:p>
+                    <a:r>
+                      <a:rPr lang="en-US">
+                        <a:noFill/>
+                      </a:rPr>
+                      <a:t> </a:t>
+                    </a:r>
+                  </a:p>
+                </p:txBody>
+              </p:sp>
+            </mc:Fallback>
+          </mc:AlternateContent>
+          <p:sp>
+            <p:nvSpPr>
+              <p:cNvPr id="240" name="Rectangle 239"/>
+              <p:cNvSpPr/>
+              <p:nvPr/>
+            </p:nvSpPr>
+            <p:spPr>
+              <a:xfrm>
+                <a:off x="8278155" y="3542769"/>
+                <a:ext cx="705797" cy="529367"/>
+              </a:xfrm>
+              <a:prstGeom prst="rect">
+                <a:avLst/>
+              </a:prstGeom>
+              <a:noFill/>
+              <a:ln w="31750">
+                <a:solidFill>
+                  <a:srgbClr val="FF0000"/>
+                </a:solidFill>
+                <a:prstDash val="sysDot"/>
+              </a:ln>
+            </p:spPr>
+            <p:style>
+              <a:lnRef idx="2">
+                <a:schemeClr val="accent1">
+                  <a:shade val="50000"/>
+                </a:schemeClr>
+              </a:lnRef>
+              <a:fillRef idx="1">
+                <a:schemeClr val="accent1"/>
+              </a:fillRef>
+              <a:effectRef idx="0">
+                <a:schemeClr val="accent1"/>
+              </a:effectRef>
+              <a:fontRef idx="minor">
+                <a:schemeClr val="lt1"/>
+              </a:fontRef>
+            </p:style>
+            <p:txBody>
+              <a:bodyPr rtlCol="0" anchor="ctr"/>
+              <a:lstStyle/>
+              <a:p>
+                <a:pPr algn="ctr"/>
+                <a:endParaRPr lang="en-US"/>
+              </a:p>
+            </p:txBody>
+          </p:sp>
+          <p:cxnSp>
+            <p:nvCxnSpPr>
+              <p:cNvPr id="242" name="Straight Arrow Connector 241"/>
+              <p:cNvCxnSpPr/>
+              <p:nvPr/>
+            </p:nvCxnSpPr>
+            <p:spPr>
+              <a:xfrm>
+                <a:off x="8259755" y="3483615"/>
+                <a:ext cx="726015" cy="0"/>
+              </a:xfrm>
+              <a:prstGeom prst="straightConnector1">
+                <a:avLst/>
+              </a:prstGeom>
+              <a:ln w="19050">
+                <a:solidFill>
+                  <a:schemeClr val="tx1"/>
+                </a:solidFill>
+                <a:prstDash val="sysDot"/>
+                <a:headEnd type="triangle"/>
+                <a:tailEnd type="triangle"/>
+              </a:ln>
+            </p:spPr>
+            <p:style>
+              <a:lnRef idx="1">
+                <a:schemeClr val="accent1"/>
+              </a:lnRef>
+              <a:fillRef idx="0">
+                <a:schemeClr val="accent1"/>
+              </a:fillRef>
+              <a:effectRef idx="0">
+                <a:schemeClr val="accent1"/>
+              </a:effectRef>
+              <a:fontRef idx="minor">
+                <a:schemeClr val="tx1"/>
+              </a:fontRef>
+            </p:style>
+          </p:cxnSp>
+          <mc:AlternateContent xmlns:mc="http://schemas.openxmlformats.org/markup-compatibility/2006" xmlns:a14="http://schemas.microsoft.com/office/drawing/2010/main">
+            <mc:Choice Requires="a14">
+              <p:sp>
+                <p:nvSpPr>
+                  <p:cNvPr id="243" name="TextBox 242"/>
+                  <p:cNvSpPr txBox="1"/>
+                  <p:nvPr/>
+                </p:nvSpPr>
+                <p:spPr>
+                  <a:xfrm>
+                    <a:off x="8583719" y="3189698"/>
+                    <a:ext cx="160429" cy="307777"/>
+                  </a:xfrm>
+                  <a:prstGeom prst="rect">
+                    <a:avLst/>
+                  </a:prstGeom>
+                  <a:noFill/>
+                </p:spPr>
+                <p:txBody>
+                  <a:bodyPr wrap="none" lIns="0" tIns="0" rIns="0" bIns="0" rtlCol="0">
+                    <a:spAutoFit/>
+                  </a:bodyPr>
+                  <a:lstStyle/>
+                  <a:p>
+                    <a:pPr/>
+                    <a14:m>
+                      <m:oMathPara xmlns:m="http://schemas.openxmlformats.org/officeDocument/2006/math">
+                        <m:oMathParaPr>
+                          <m:jc m:val="centerGroup"/>
+                        </m:oMathParaPr>
+                        <m:oMath xmlns:m="http://schemas.openxmlformats.org/officeDocument/2006/math">
+                          <m:r>
+                            <a:rPr lang="en-US" sz="2000" b="0" i="1" smtClean="0">
+                              <a:latin typeface="Cambria Math" panose="02040503050406030204" pitchFamily="18" charset="0"/>
+                              <a:cs typeface="Arial" panose="020B0604020202020204" pitchFamily="34" charset="0"/>
+                            </a:rPr>
+                            <m:t>𝑙</m:t>
+                          </m:r>
+                        </m:oMath>
+                      </m:oMathPara>
+                    </a14:m>
+                    <a:endParaRPr lang="en-US" sz="2000" dirty="0" smtClean="0">
+                      <a:latin typeface="Arial" panose="020B0604020202020204" pitchFamily="34" charset="0"/>
+                      <a:cs typeface="Arial" panose="020B0604020202020204" pitchFamily="34" charset="0"/>
+                    </a:endParaRPr>
+                  </a:p>
+                </p:txBody>
+              </p:sp>
+            </mc:Choice>
+            <mc:Fallback xmlns="">
+              <p:sp>
+                <p:nvSpPr>
+                  <p:cNvPr id="243" name="TextBox 242"/>
+                  <p:cNvSpPr txBox="1">
+                    <a:spLocks noRot="1" noChangeAspect="1" noMove="1" noResize="1" noEditPoints="1" noAdjustHandles="1" noChangeArrowheads="1" noChangeShapeType="1" noTextEdit="1"/>
+                  </p:cNvSpPr>
+                  <p:nvPr/>
+                </p:nvSpPr>
+                <p:spPr>
+                  <a:xfrm>
+                    <a:off x="8583719" y="3189698"/>
+                    <a:ext cx="160429" cy="307777"/>
+                  </a:xfrm>
+                  <a:prstGeom prst="rect">
+                    <a:avLst/>
+                  </a:prstGeom>
+                  <a:blipFill>
+                    <a:blip r:embed="rId9"/>
+                    <a:stretch>
+                      <a:fillRect l="-34615" r="-30769" b="-12000"/>
+                    </a:stretch>
+                  </a:blipFill>
+                </p:spPr>
+                <p:txBody>
+                  <a:bodyPr/>
+                  <a:lstStyle/>
+                  <a:p>
+                    <a:r>
+                      <a:rPr lang="en-US">
+                        <a:noFill/>
+                      </a:rPr>
+                      <a:t> </a:t>
+                    </a:r>
+                  </a:p>
+                </p:txBody>
+              </p:sp>
+            </mc:Fallback>
+          </mc:AlternateContent>
+          <mc:AlternateContent xmlns:mc="http://schemas.openxmlformats.org/markup-compatibility/2006" xmlns:a14="http://schemas.microsoft.com/office/drawing/2010/main">
+            <mc:Choice Requires="a14">
+              <p:sp>
+                <p:nvSpPr>
+                  <p:cNvPr id="244" name="TextBox 243"/>
+                  <p:cNvSpPr txBox="1"/>
+                  <p:nvPr/>
+                </p:nvSpPr>
+                <p:spPr>
+                  <a:xfrm>
+                    <a:off x="8170993" y="4029911"/>
+                    <a:ext cx="153440" cy="215444"/>
+                  </a:xfrm>
+                  <a:prstGeom prst="rect">
+                    <a:avLst/>
+                  </a:prstGeom>
+                  <a:noFill/>
+                </p:spPr>
+                <p:txBody>
+                  <a:bodyPr wrap="none" lIns="0" tIns="0" rIns="0" bIns="0" rtlCol="0">
+                    <a:spAutoFit/>
+                  </a:bodyPr>
+                  <a:lstStyle/>
+                  <a:p>
+                    <a:pPr/>
+                    <a14:m>
+                      <m:oMathPara xmlns:m="http://schemas.openxmlformats.org/officeDocument/2006/math">
+                        <m:oMathParaPr>
+                          <m:jc m:val="centerGroup"/>
+                        </m:oMathParaPr>
+                        <m:oMath xmlns:m="http://schemas.openxmlformats.org/officeDocument/2006/math">
+                          <m:r>
+                            <a:rPr lang="en-US" sz="1400" b="0" i="1" smtClean="0">
+                              <a:solidFill>
+                                <a:srgbClr val="FF0000"/>
+                              </a:solidFill>
+                              <a:latin typeface="Cambria Math" panose="02040503050406030204" pitchFamily="18" charset="0"/>
+                              <a:cs typeface="Arial" panose="020B0604020202020204" pitchFamily="34" charset="0"/>
+                            </a:rPr>
+                            <m:t>𝑎</m:t>
+                          </m:r>
+                        </m:oMath>
+                      </m:oMathPara>
+                    </a14:m>
+                    <a:endParaRPr lang="en-US" sz="1400" dirty="0" smtClean="0">
+                      <a:solidFill>
+                        <a:srgbClr val="FF0000"/>
+                      </a:solidFill>
+                      <a:latin typeface="Arial" panose="020B0604020202020204" pitchFamily="34" charset="0"/>
+                      <a:cs typeface="Arial" panose="020B0604020202020204" pitchFamily="34" charset="0"/>
+                    </a:endParaRPr>
+                  </a:p>
+                </p:txBody>
+              </p:sp>
+            </mc:Choice>
+            <mc:Fallback xmlns="">
+              <p:sp>
+                <p:nvSpPr>
+                  <p:cNvPr id="244" name="TextBox 243"/>
+                  <p:cNvSpPr txBox="1">
+                    <a:spLocks noRot="1" noChangeAspect="1" noMove="1" noResize="1" noEditPoints="1" noAdjustHandles="1" noChangeArrowheads="1" noChangeShapeType="1" noTextEdit="1"/>
+                  </p:cNvSpPr>
+                  <p:nvPr/>
+                </p:nvSpPr>
+                <p:spPr>
+                  <a:xfrm>
+                    <a:off x="8170993" y="4029911"/>
+                    <a:ext cx="153440" cy="215444"/>
+                  </a:xfrm>
+                  <a:prstGeom prst="rect">
+                    <a:avLst/>
+                  </a:prstGeom>
+                  <a:blipFill>
+                    <a:blip r:embed="rId10"/>
+                    <a:stretch>
+                      <a:fillRect l="-16000" r="-8000"/>
+                    </a:stretch>
+                  </a:blipFill>
+                </p:spPr>
+                <p:txBody>
+                  <a:bodyPr/>
+                  <a:lstStyle/>
+                  <a:p>
+                    <a:r>
+                      <a:rPr lang="en-US">
+                        <a:noFill/>
+                      </a:rPr>
+                      <a:t> </a:t>
+                    </a:r>
+                  </a:p>
+                </p:txBody>
+              </p:sp>
+            </mc:Fallback>
+          </mc:AlternateContent>
+          <mc:AlternateContent xmlns:mc="http://schemas.openxmlformats.org/markup-compatibility/2006" xmlns:a14="http://schemas.microsoft.com/office/drawing/2010/main">
+            <mc:Choice Requires="a14">
+              <p:sp>
+                <p:nvSpPr>
+                  <p:cNvPr id="245" name="TextBox 244"/>
+                  <p:cNvSpPr txBox="1"/>
+                  <p:nvPr/>
+                </p:nvSpPr>
+                <p:spPr>
+                  <a:xfrm>
+                    <a:off x="8100338" y="3376646"/>
+                    <a:ext cx="153440" cy="215444"/>
+                  </a:xfrm>
+                  <a:prstGeom prst="rect">
+                    <a:avLst/>
+                  </a:prstGeom>
+                  <a:noFill/>
+                </p:spPr>
+                <p:txBody>
+                  <a:bodyPr wrap="none" lIns="0" tIns="0" rIns="0" bIns="0" rtlCol="0">
+                    <a:spAutoFit/>
+                  </a:bodyPr>
+                  <a:lstStyle/>
+                  <a:p>
+                    <a:pPr/>
+                    <a14:m>
+                      <m:oMathPara xmlns:m="http://schemas.openxmlformats.org/officeDocument/2006/math">
+                        <m:oMathParaPr>
+                          <m:jc m:val="centerGroup"/>
+                        </m:oMathParaPr>
+                        <m:oMath xmlns:m="http://schemas.openxmlformats.org/officeDocument/2006/math">
+                          <m:r>
+                            <a:rPr lang="en-US" sz="1400" b="0" i="1" smtClean="0">
+                              <a:solidFill>
+                                <a:srgbClr val="FF0000"/>
+                              </a:solidFill>
+                              <a:latin typeface="Cambria Math" panose="02040503050406030204" pitchFamily="18" charset="0"/>
+                              <a:cs typeface="Arial" panose="020B0604020202020204" pitchFamily="34" charset="0"/>
+                            </a:rPr>
+                            <m:t>𝑏</m:t>
+                          </m:r>
+                        </m:oMath>
+                      </m:oMathPara>
+                    </a14:m>
+                    <a:endParaRPr lang="en-US" sz="1400" dirty="0" smtClean="0">
+                      <a:solidFill>
+                        <a:srgbClr val="FF0000"/>
+                      </a:solidFill>
+                      <a:latin typeface="Arial" panose="020B0604020202020204" pitchFamily="34" charset="0"/>
+                      <a:cs typeface="Arial" panose="020B0604020202020204" pitchFamily="34" charset="0"/>
+                    </a:endParaRPr>
+                  </a:p>
+                </p:txBody>
+              </p:sp>
+            </mc:Choice>
+            <mc:Fallback xmlns="">
+              <p:sp>
+                <p:nvSpPr>
+                  <p:cNvPr id="245" name="TextBox 244"/>
+                  <p:cNvSpPr txBox="1">
+                    <a:spLocks noRot="1" noChangeAspect="1" noMove="1" noResize="1" noEditPoints="1" noAdjustHandles="1" noChangeArrowheads="1" noChangeShapeType="1" noTextEdit="1"/>
+                  </p:cNvSpPr>
+                  <p:nvPr/>
+                </p:nvSpPr>
+                <p:spPr>
+                  <a:xfrm>
+                    <a:off x="8100338" y="3376646"/>
+                    <a:ext cx="153440" cy="215444"/>
+                  </a:xfrm>
+                  <a:prstGeom prst="rect">
+                    <a:avLst/>
+                  </a:prstGeom>
+                  <a:blipFill>
+                    <a:blip r:embed="rId11"/>
+                    <a:stretch>
+                      <a:fillRect l="-23077" r="-19231" b="-8333"/>
+                    </a:stretch>
+                  </a:blipFill>
+                </p:spPr>
+                <p:txBody>
+                  <a:bodyPr/>
+                  <a:lstStyle/>
+                  <a:p>
+                    <a:r>
+                      <a:rPr lang="en-US">
+                        <a:noFill/>
+                      </a:rPr>
+                      <a:t> </a:t>
+                    </a:r>
+                  </a:p>
+                </p:txBody>
+              </p:sp>
+            </mc:Fallback>
+          </mc:AlternateContent>
+          <mc:AlternateContent xmlns:mc="http://schemas.openxmlformats.org/markup-compatibility/2006" xmlns:a14="http://schemas.microsoft.com/office/drawing/2010/main">
+            <mc:Choice Requires="a14">
+              <p:sp>
+                <p:nvSpPr>
+                  <p:cNvPr id="246" name="TextBox 245"/>
+                  <p:cNvSpPr txBox="1"/>
+                  <p:nvPr/>
+                </p:nvSpPr>
+                <p:spPr>
+                  <a:xfrm>
+                    <a:off x="9004005" y="3375309"/>
+                    <a:ext cx="129297" cy="215444"/>
+                  </a:xfrm>
+                  <a:prstGeom prst="rect">
+                    <a:avLst/>
+                  </a:prstGeom>
+                  <a:noFill/>
+                </p:spPr>
+                <p:txBody>
+                  <a:bodyPr wrap="square" lIns="0" tIns="0" rIns="0" bIns="0" rtlCol="0">
+                    <a:spAutoFit/>
+                  </a:bodyPr>
+                  <a:lstStyle/>
+                  <a:p>
+                    <a:pPr/>
+                    <a14:m>
+                      <m:oMathPara xmlns:m="http://schemas.openxmlformats.org/officeDocument/2006/math">
+                        <m:oMathParaPr>
+                          <m:jc m:val="centerGroup"/>
+                        </m:oMathParaPr>
+                        <m:oMath xmlns:m="http://schemas.openxmlformats.org/officeDocument/2006/math">
+                          <m:r>
+                            <a:rPr lang="en-US" sz="1400" b="0" i="1" smtClean="0">
+                              <a:solidFill>
+                                <a:srgbClr val="FF0000"/>
+                              </a:solidFill>
+                              <a:latin typeface="Cambria Math" panose="02040503050406030204" pitchFamily="18" charset="0"/>
+                              <a:cs typeface="Arial" panose="020B0604020202020204" pitchFamily="34" charset="0"/>
+                            </a:rPr>
+                            <m:t>𝑐</m:t>
+                          </m:r>
+                        </m:oMath>
+                      </m:oMathPara>
+                    </a14:m>
+                    <a:endParaRPr lang="en-US" sz="1400" dirty="0" smtClean="0">
+                      <a:solidFill>
+                        <a:srgbClr val="FF0000"/>
+                      </a:solidFill>
+                      <a:latin typeface="Arial" panose="020B0604020202020204" pitchFamily="34" charset="0"/>
+                      <a:cs typeface="Arial" panose="020B0604020202020204" pitchFamily="34" charset="0"/>
+                    </a:endParaRPr>
+                  </a:p>
+                </p:txBody>
+              </p:sp>
+            </mc:Choice>
+            <mc:Fallback xmlns="">
+              <p:sp>
+                <p:nvSpPr>
+                  <p:cNvPr id="246" name="TextBox 245"/>
+                  <p:cNvSpPr txBox="1">
+                    <a:spLocks noRot="1" noChangeAspect="1" noMove="1" noResize="1" noEditPoints="1" noAdjustHandles="1" noChangeArrowheads="1" noChangeShapeType="1" noTextEdit="1"/>
+                  </p:cNvSpPr>
+                  <p:nvPr/>
+                </p:nvSpPr>
+                <p:spPr>
+                  <a:xfrm>
+                    <a:off x="9004005" y="3375309"/>
+                    <a:ext cx="129297" cy="215444"/>
+                  </a:xfrm>
+                  <a:prstGeom prst="rect">
+                    <a:avLst/>
+                  </a:prstGeom>
+                  <a:blipFill>
+                    <a:blip r:embed="rId12"/>
+                    <a:stretch>
+                      <a:fillRect l="-23810" r="-9524"/>
+                    </a:stretch>
+                  </a:blipFill>
+                </p:spPr>
+                <p:txBody>
+                  <a:bodyPr/>
+                  <a:lstStyle/>
+                  <a:p>
+                    <a:r>
+                      <a:rPr lang="en-US">
+                        <a:noFill/>
+                      </a:rPr>
+                      <a:t> </a:t>
+                    </a:r>
+                  </a:p>
+                </p:txBody>
+              </p:sp>
+            </mc:Fallback>
+          </mc:AlternateContent>
+          <mc:AlternateContent xmlns:mc="http://schemas.openxmlformats.org/markup-compatibility/2006" xmlns:a14="http://schemas.microsoft.com/office/drawing/2010/main">
+            <mc:Choice Requires="a14">
+              <p:sp>
+                <p:nvSpPr>
+                  <p:cNvPr id="247" name="TextBox 246"/>
+                  <p:cNvSpPr txBox="1"/>
+                  <p:nvPr/>
+                </p:nvSpPr>
+                <p:spPr>
+                  <a:xfrm>
+                    <a:off x="8916443" y="4030517"/>
+                    <a:ext cx="159595" cy="215444"/>
+                  </a:xfrm>
+                  <a:prstGeom prst="rect">
+                    <a:avLst/>
+                  </a:prstGeom>
+                  <a:noFill/>
+                </p:spPr>
+                <p:txBody>
+                  <a:bodyPr wrap="none" lIns="0" tIns="0" rIns="0" bIns="0" rtlCol="0">
+                    <a:spAutoFit/>
+                  </a:bodyPr>
+                  <a:lstStyle/>
+                  <a:p>
+                    <a:pPr/>
+                    <a14:m>
+                      <m:oMathPara xmlns:m="http://schemas.openxmlformats.org/officeDocument/2006/math">
+                        <m:oMathParaPr>
+                          <m:jc m:val="centerGroup"/>
+                        </m:oMathParaPr>
+                        <m:oMath xmlns:m="http://schemas.openxmlformats.org/officeDocument/2006/math">
+                          <m:r>
+                            <a:rPr lang="en-US" sz="1400" b="0" i="1" smtClean="0">
+                              <a:solidFill>
+                                <a:srgbClr val="FF0000"/>
+                              </a:solidFill>
+                              <a:latin typeface="Cambria Math" panose="02040503050406030204" pitchFamily="18" charset="0"/>
+                              <a:cs typeface="Arial" panose="020B0604020202020204" pitchFamily="34" charset="0"/>
+                            </a:rPr>
+                            <m:t>𝑑</m:t>
+                          </m:r>
+                        </m:oMath>
+                      </m:oMathPara>
+                    </a14:m>
+                    <a:endParaRPr lang="en-US" sz="1400" dirty="0" smtClean="0">
+                      <a:solidFill>
+                        <a:srgbClr val="FF0000"/>
+                      </a:solidFill>
+                      <a:latin typeface="Arial" panose="020B0604020202020204" pitchFamily="34" charset="0"/>
+                      <a:cs typeface="Arial" panose="020B0604020202020204" pitchFamily="34" charset="0"/>
+                    </a:endParaRPr>
+                  </a:p>
+                </p:txBody>
+              </p:sp>
+            </mc:Choice>
+            <mc:Fallback xmlns="">
+              <p:sp>
+                <p:nvSpPr>
+                  <p:cNvPr id="247" name="TextBox 246"/>
+                  <p:cNvSpPr txBox="1">
+                    <a:spLocks noRot="1" noChangeAspect="1" noMove="1" noResize="1" noEditPoints="1" noAdjustHandles="1" noChangeArrowheads="1" noChangeShapeType="1" noTextEdit="1"/>
+                  </p:cNvSpPr>
+                  <p:nvPr/>
+                </p:nvSpPr>
+                <p:spPr>
+                  <a:xfrm>
+                    <a:off x="8916443" y="4030517"/>
+                    <a:ext cx="159595" cy="215444"/>
+                  </a:xfrm>
+                  <a:prstGeom prst="rect">
+                    <a:avLst/>
+                  </a:prstGeom>
+                  <a:blipFill>
+                    <a:blip r:embed="rId13"/>
+                    <a:stretch>
+                      <a:fillRect l="-23077" r="-23077" b="-8333"/>
+                    </a:stretch>
+                  </a:blipFill>
+                </p:spPr>
+                <p:txBody>
+                  <a:bodyPr/>
+                  <a:lstStyle/>
+                  <a:p>
+                    <a:r>
+                      <a:rPr lang="en-US">
+                        <a:noFill/>
+                      </a:rPr>
+                      <a:t> </a:t>
+                    </a:r>
+                  </a:p>
+                </p:txBody>
+              </p:sp>
+            </mc:Fallback>
+          </mc:AlternateContent>
+        </p:grpSp>
+        <p:cxnSp>
+          <p:nvCxnSpPr>
+            <p:cNvPr id="56" name="Straight Arrow Connector 55"/>
+            <p:cNvCxnSpPr/>
+            <p:nvPr/>
+          </p:nvCxnSpPr>
+          <p:spPr>
+            <a:xfrm flipH="1">
+              <a:off x="7181470" y="4031121"/>
+              <a:ext cx="289171" cy="0"/>
+            </a:xfrm>
+            <a:prstGeom prst="straightConnector1">
+              <a:avLst/>
+            </a:prstGeom>
+            <a:ln w="38100">
+              <a:solidFill>
+                <a:srgbClr val="FF0000"/>
+              </a:solidFill>
+              <a:tailEnd type="triangle"/>
+            </a:ln>
+          </p:spPr>
+          <p:style>
+            <a:lnRef idx="1">
+              <a:schemeClr val="accent1"/>
+            </a:lnRef>
+            <a:fillRef idx="0">
+              <a:schemeClr val="accent1"/>
+            </a:fillRef>
+            <a:effectRef idx="0">
+              <a:schemeClr val="accent1"/>
+            </a:effectRef>
+            <a:fontRef idx="minor">
+              <a:schemeClr val="tx1"/>
+            </a:fontRef>
+          </p:style>
+        </p:cxnSp>
+        <mc:AlternateContent xmlns:mc="http://schemas.openxmlformats.org/markup-compatibility/2006">
+          <mc:Choice xmlns:a14="http://schemas.microsoft.com/office/drawing/2010/main" Requires="a14">
+            <p:sp>
+              <p:nvSpPr>
+                <p:cNvPr id="312" name="TextBox 311"/>
+                <p:cNvSpPr txBox="1"/>
+                <p:nvPr/>
+              </p:nvSpPr>
+              <p:spPr>
+                <a:xfrm>
+                  <a:off x="7297126" y="3809936"/>
+                  <a:ext cx="221407" cy="247312"/>
+                </a:xfrm>
+                <a:prstGeom prst="rect">
+                  <a:avLst/>
+                </a:prstGeom>
+                <a:noFill/>
+              </p:spPr>
+              <p:txBody>
+                <a:bodyPr wrap="none" lIns="0" tIns="0" rIns="0" bIns="0" rtlCol="0">
+                  <a:spAutoFit/>
+                </a:bodyPr>
+                <a:lstStyle/>
+                <a:p>
+                  <a:pPr/>
+                  <a14:m>
+                    <m:oMathPara xmlns:m="http://schemas.openxmlformats.org/officeDocument/2006/math">
+                      <m:oMathParaPr>
+                        <m:jc m:val="centerGroup"/>
+                      </m:oMathParaPr>
+                      <m:oMath xmlns:m="http://schemas.openxmlformats.org/officeDocument/2006/math">
+                        <m:r>
+                          <a:rPr lang="en-US" sz="1400" b="0" i="1" smtClean="0">
+                            <a:solidFill>
+                              <a:srgbClr val="FF0000"/>
+                            </a:solidFill>
+                            <a:latin typeface="Cambria Math" panose="02040503050406030204" pitchFamily="18" charset="0"/>
+                            <a:cs typeface="Arial" panose="020B0604020202020204" pitchFamily="34" charset="0"/>
+                          </a:rPr>
+                          <m:t>𝑑</m:t>
+                        </m:r>
+                        <m:acc>
+                          <m:accPr>
+                            <m:chr m:val="⃗"/>
+                            <m:ctrlPr>
+                              <a:rPr lang="en-US" sz="1400" b="0" i="1" smtClean="0">
+                                <a:solidFill>
+                                  <a:srgbClr val="FF0000"/>
+                                </a:solidFill>
+                                <a:latin typeface="Cambria Math" panose="02040503050406030204" pitchFamily="18" charset="0"/>
+                                <a:cs typeface="Arial" panose="020B0604020202020204" pitchFamily="34" charset="0"/>
+                              </a:rPr>
+                            </m:ctrlPr>
+                          </m:accPr>
+                          <m:e>
+                            <m:r>
+                              <a:rPr lang="en-US" sz="1400" b="0" i="1" smtClean="0">
+                                <a:solidFill>
+                                  <a:srgbClr val="FF0000"/>
+                                </a:solidFill>
+                                <a:latin typeface="Cambria Math" panose="02040503050406030204" pitchFamily="18" charset="0"/>
+                                <a:cs typeface="Arial" panose="020B0604020202020204" pitchFamily="34" charset="0"/>
+                              </a:rPr>
+                              <m:t>𝑙</m:t>
+                            </m:r>
+                          </m:e>
+                        </m:acc>
+                      </m:oMath>
+                    </m:oMathPara>
+                  </a14:m>
+                  <a:endParaRPr lang="en-US" sz="1400" dirty="0" smtClean="0">
+                    <a:solidFill>
+                      <a:srgbClr val="FF0000"/>
+                    </a:solidFill>
+                    <a:latin typeface="Arial" panose="020B0604020202020204" pitchFamily="34" charset="0"/>
+                    <a:cs typeface="Arial" panose="020B0604020202020204" pitchFamily="34" charset="0"/>
+                  </a:endParaRPr>
+                </a:p>
+              </p:txBody>
+            </p:sp>
+          </mc:Choice>
+          <mc:Fallback>
+            <p:sp>
+              <p:nvSpPr>
+                <p:cNvPr id="312" name="TextBox 311"/>
+                <p:cNvSpPr txBox="1">
+                  <a:spLocks noRot="1" noChangeAspect="1" noMove="1" noResize="1" noEditPoints="1" noAdjustHandles="1" noChangeArrowheads="1" noChangeShapeType="1" noTextEdit="1"/>
+                </p:cNvSpPr>
+                <p:nvPr/>
+              </p:nvSpPr>
+              <p:spPr>
+                <a:xfrm>
+                  <a:off x="7297126" y="3809936"/>
+                  <a:ext cx="221407" cy="247312"/>
+                </a:xfrm>
+                <a:prstGeom prst="rect">
+                  <a:avLst/>
+                </a:prstGeom>
+                <a:blipFill>
+                  <a:blip r:embed="rId19"/>
+                  <a:stretch>
+                    <a:fillRect l="-16667" t="-31707" r="-105556" b="-7317"/>
                   </a:stretch>
                 </a:blipFill>
               </p:spPr>

--- a/tex/figures/MagneticSource/Figures.pptx
+++ b/tex/figures/MagneticSource/Figures.pptx
@@ -46640,721 +46640,736 @@
           </p:txBody>
         </p:sp>
       </p:grpSp>
-      <p:cxnSp>
-        <p:nvCxnSpPr>
-          <p:cNvPr id="163" name="Straight Connector 162"/>
-          <p:cNvCxnSpPr/>
+      <p:grpSp>
+        <p:nvGrpSpPr>
+          <p:cNvPr id="50" name="Group 49"/>
+          <p:cNvGrpSpPr/>
           <p:nvPr/>
-        </p:nvCxnSpPr>
-        <p:spPr>
-          <a:xfrm flipV="1">
-            <a:off x="1946765" y="4471410"/>
-            <a:ext cx="3844378" cy="1"/>
+        </p:nvGrpSpPr>
+        <p:grpSpPr>
+          <a:xfrm>
+            <a:off x="533112" y="3079569"/>
+            <a:ext cx="3844380" cy="1824973"/>
+            <a:chOff x="533112" y="3079569"/>
+            <a:chExt cx="3844380" cy="1824973"/>
           </a:xfrm>
-          <a:prstGeom prst="line">
-            <a:avLst/>
-          </a:prstGeom>
-          <a:ln w="25400">
-            <a:solidFill>
-              <a:srgbClr val="FF0000"/>
-            </a:solidFill>
-          </a:ln>
-        </p:spPr>
-        <p:style>
-          <a:lnRef idx="1">
-            <a:schemeClr val="accent1"/>
-          </a:lnRef>
-          <a:fillRef idx="0">
-            <a:schemeClr val="accent1"/>
-          </a:fillRef>
-          <a:effectRef idx="0">
-            <a:schemeClr val="accent1"/>
-          </a:effectRef>
-          <a:fontRef idx="minor">
-            <a:schemeClr val="tx1"/>
-          </a:fontRef>
-        </p:style>
-      </p:cxnSp>
-      <p:sp>
-        <p:nvSpPr>
-          <p:cNvPr id="164" name="Freeform 163"/>
-          <p:cNvSpPr/>
-          <p:nvPr/>
-        </p:nvSpPr>
-        <p:spPr>
-          <a:xfrm>
-            <a:off x="1946765" y="4104416"/>
-            <a:ext cx="3844378" cy="258178"/>
-          </a:xfrm>
-          <a:custGeom>
-            <a:avLst/>
-            <a:gdLst>
-              <a:gd name="connsiteX0" fmla="*/ 0 w 2735826"/>
-              <a:gd name="connsiteY0" fmla="*/ 22122 h 258178"/>
-              <a:gd name="connsiteX1" fmla="*/ 1386349 w 2735826"/>
-              <a:gd name="connsiteY1" fmla="*/ 258096 h 258178"/>
-              <a:gd name="connsiteX2" fmla="*/ 2735826 w 2735826"/>
-              <a:gd name="connsiteY2" fmla="*/ 0 h 258178"/>
-            </a:gdLst>
-            <a:ahLst/>
-            <a:cxnLst>
-              <a:cxn ang="0">
-                <a:pos x="connsiteX0" y="connsiteY0"/>
-              </a:cxn>
-              <a:cxn ang="0">
-                <a:pos x="connsiteX1" y="connsiteY1"/>
-              </a:cxn>
-              <a:cxn ang="0">
-                <a:pos x="connsiteX2" y="connsiteY2"/>
-              </a:cxn>
-            </a:cxnLst>
-            <a:rect l="l" t="t" r="r" b="b"/>
-            <a:pathLst>
-              <a:path w="2735826" h="258178">
-                <a:moveTo>
-                  <a:pt x="0" y="22122"/>
-                </a:moveTo>
-                <a:cubicBezTo>
-                  <a:pt x="465189" y="141952"/>
-                  <a:pt x="930378" y="261783"/>
-                  <a:pt x="1386349" y="258096"/>
-                </a:cubicBezTo>
-                <a:cubicBezTo>
-                  <a:pt x="1842320" y="254409"/>
-                  <a:pt x="2289073" y="127204"/>
-                  <a:pt x="2735826" y="0"/>
-                </a:cubicBezTo>
-              </a:path>
-            </a:pathLst>
-          </a:custGeom>
-          <a:noFill/>
-          <a:ln w="25400">
-            <a:solidFill>
-              <a:srgbClr val="FF0000"/>
-            </a:solidFill>
-          </a:ln>
-        </p:spPr>
-        <p:style>
-          <a:lnRef idx="2">
-            <a:schemeClr val="accent1">
-              <a:shade val="50000"/>
-            </a:schemeClr>
-          </a:lnRef>
-          <a:fillRef idx="1">
-            <a:schemeClr val="accent1"/>
-          </a:fillRef>
-          <a:effectRef idx="0">
-            <a:schemeClr val="accent1"/>
-          </a:effectRef>
-          <a:fontRef idx="minor">
-            <a:schemeClr val="lt1"/>
-          </a:fontRef>
-        </p:style>
-        <p:txBody>
-          <a:bodyPr rtlCol="0" anchor="ctr"/>
-          <a:lstStyle/>
-          <a:p>
-            <a:pPr algn="ctr"/>
-            <a:endParaRPr lang="en-US"/>
-          </a:p>
-        </p:txBody>
-      </p:sp>
-      <p:sp>
-        <p:nvSpPr>
-          <p:cNvPr id="165" name="Freeform 164"/>
-          <p:cNvSpPr/>
-          <p:nvPr/>
-        </p:nvSpPr>
-        <p:spPr>
-          <a:xfrm rot="10800000">
-            <a:off x="1946765" y="4545399"/>
-            <a:ext cx="3844378" cy="258178"/>
-          </a:xfrm>
-          <a:custGeom>
-            <a:avLst/>
-            <a:gdLst>
-              <a:gd name="connsiteX0" fmla="*/ 0 w 2735826"/>
-              <a:gd name="connsiteY0" fmla="*/ 22122 h 258178"/>
-              <a:gd name="connsiteX1" fmla="*/ 1386349 w 2735826"/>
-              <a:gd name="connsiteY1" fmla="*/ 258096 h 258178"/>
-              <a:gd name="connsiteX2" fmla="*/ 2735826 w 2735826"/>
-              <a:gd name="connsiteY2" fmla="*/ 0 h 258178"/>
-            </a:gdLst>
-            <a:ahLst/>
-            <a:cxnLst>
-              <a:cxn ang="0">
-                <a:pos x="connsiteX0" y="connsiteY0"/>
-              </a:cxn>
-              <a:cxn ang="0">
-                <a:pos x="connsiteX1" y="connsiteY1"/>
-              </a:cxn>
-              <a:cxn ang="0">
-                <a:pos x="connsiteX2" y="connsiteY2"/>
-              </a:cxn>
-            </a:cxnLst>
-            <a:rect l="l" t="t" r="r" b="b"/>
-            <a:pathLst>
-              <a:path w="2735826" h="258178">
-                <a:moveTo>
-                  <a:pt x="0" y="22122"/>
-                </a:moveTo>
-                <a:cubicBezTo>
-                  <a:pt x="465189" y="141952"/>
-                  <a:pt x="930378" y="261783"/>
-                  <a:pt x="1386349" y="258096"/>
-                </a:cubicBezTo>
-                <a:cubicBezTo>
-                  <a:pt x="1842320" y="254409"/>
-                  <a:pt x="2289073" y="127204"/>
-                  <a:pt x="2735826" y="0"/>
-                </a:cubicBezTo>
-              </a:path>
-            </a:pathLst>
-          </a:custGeom>
-          <a:noFill/>
-          <a:ln w="25400">
-            <a:solidFill>
-              <a:srgbClr val="FF0000"/>
-            </a:solidFill>
-          </a:ln>
-        </p:spPr>
-        <p:style>
-          <a:lnRef idx="2">
-            <a:schemeClr val="accent1">
-              <a:shade val="50000"/>
-            </a:schemeClr>
-          </a:lnRef>
-          <a:fillRef idx="1">
-            <a:schemeClr val="accent1"/>
-          </a:fillRef>
-          <a:effectRef idx="0">
-            <a:schemeClr val="accent1"/>
-          </a:effectRef>
-          <a:fontRef idx="minor">
-            <a:schemeClr val="lt1"/>
-          </a:fontRef>
-        </p:style>
-        <p:txBody>
-          <a:bodyPr rtlCol="0" anchor="ctr"/>
-          <a:lstStyle/>
-          <a:p>
-            <a:pPr algn="ctr"/>
-            <a:endParaRPr lang="en-US"/>
-          </a:p>
-        </p:txBody>
-      </p:sp>
-      <p:sp>
-        <p:nvSpPr>
-          <p:cNvPr id="166" name="Freeform 165"/>
-          <p:cNvSpPr/>
-          <p:nvPr/>
-        </p:nvSpPr>
-        <p:spPr>
-          <a:xfrm>
-            <a:off x="1946763" y="3852694"/>
-            <a:ext cx="3844380" cy="412976"/>
-          </a:xfrm>
-          <a:custGeom>
-            <a:avLst/>
-            <a:gdLst>
-              <a:gd name="connsiteX0" fmla="*/ 0 w 1850922"/>
-              <a:gd name="connsiteY0" fmla="*/ 0 h 412976"/>
-              <a:gd name="connsiteX1" fmla="*/ 951271 w 1850922"/>
-              <a:gd name="connsiteY1" fmla="*/ 412954 h 412976"/>
-              <a:gd name="connsiteX2" fmla="*/ 1850922 w 1850922"/>
-              <a:gd name="connsiteY2" fmla="*/ 14748 h 412976"/>
-            </a:gdLst>
-            <a:ahLst/>
-            <a:cxnLst>
-              <a:cxn ang="0">
-                <a:pos x="connsiteX0" y="connsiteY0"/>
-              </a:cxn>
-              <a:cxn ang="0">
-                <a:pos x="connsiteX1" y="connsiteY1"/>
-              </a:cxn>
-              <a:cxn ang="0">
-                <a:pos x="connsiteX2" y="connsiteY2"/>
-              </a:cxn>
-            </a:cxnLst>
-            <a:rect l="l" t="t" r="r" b="b"/>
-            <a:pathLst>
-              <a:path w="1850922" h="412976">
-                <a:moveTo>
-                  <a:pt x="0" y="0"/>
-                </a:moveTo>
-                <a:cubicBezTo>
-                  <a:pt x="321392" y="205248"/>
-                  <a:pt x="642784" y="410496"/>
-                  <a:pt x="951271" y="412954"/>
-                </a:cubicBezTo>
-                <a:cubicBezTo>
-                  <a:pt x="1259758" y="415412"/>
-                  <a:pt x="1555340" y="215080"/>
-                  <a:pt x="1850922" y="14748"/>
-                </a:cubicBezTo>
-              </a:path>
-            </a:pathLst>
-          </a:custGeom>
-          <a:noFill/>
-          <a:ln w="25400">
-            <a:solidFill>
-              <a:srgbClr val="FF0000"/>
-            </a:solidFill>
-          </a:ln>
-        </p:spPr>
-        <p:style>
-          <a:lnRef idx="2">
-            <a:schemeClr val="accent1">
-              <a:shade val="50000"/>
-            </a:schemeClr>
-          </a:lnRef>
-          <a:fillRef idx="1">
-            <a:schemeClr val="accent1"/>
-          </a:fillRef>
-          <a:effectRef idx="0">
-            <a:schemeClr val="accent1"/>
-          </a:effectRef>
-          <a:fontRef idx="minor">
-            <a:schemeClr val="lt1"/>
-          </a:fontRef>
-        </p:style>
-        <p:txBody>
-          <a:bodyPr rtlCol="0" anchor="ctr"/>
-          <a:lstStyle/>
-          <a:p>
-            <a:pPr algn="ctr"/>
-            <a:endParaRPr lang="en-US"/>
-          </a:p>
-        </p:txBody>
-      </p:sp>
-      <p:sp>
-        <p:nvSpPr>
-          <p:cNvPr id="167" name="Freeform 166"/>
-          <p:cNvSpPr/>
-          <p:nvPr/>
-        </p:nvSpPr>
-        <p:spPr>
-          <a:xfrm rot="10800000">
-            <a:off x="1946767" y="4627083"/>
-            <a:ext cx="3844376" cy="412976"/>
-          </a:xfrm>
-          <a:custGeom>
-            <a:avLst/>
-            <a:gdLst>
-              <a:gd name="connsiteX0" fmla="*/ 0 w 1850922"/>
-              <a:gd name="connsiteY0" fmla="*/ 0 h 412976"/>
-              <a:gd name="connsiteX1" fmla="*/ 951271 w 1850922"/>
-              <a:gd name="connsiteY1" fmla="*/ 412954 h 412976"/>
-              <a:gd name="connsiteX2" fmla="*/ 1850922 w 1850922"/>
-              <a:gd name="connsiteY2" fmla="*/ 14748 h 412976"/>
-            </a:gdLst>
-            <a:ahLst/>
-            <a:cxnLst>
-              <a:cxn ang="0">
-                <a:pos x="connsiteX0" y="connsiteY0"/>
-              </a:cxn>
-              <a:cxn ang="0">
-                <a:pos x="connsiteX1" y="connsiteY1"/>
-              </a:cxn>
-              <a:cxn ang="0">
-                <a:pos x="connsiteX2" y="connsiteY2"/>
-              </a:cxn>
-            </a:cxnLst>
-            <a:rect l="l" t="t" r="r" b="b"/>
-            <a:pathLst>
-              <a:path w="1850922" h="412976">
-                <a:moveTo>
-                  <a:pt x="0" y="0"/>
-                </a:moveTo>
-                <a:cubicBezTo>
-                  <a:pt x="321392" y="205248"/>
-                  <a:pt x="642784" y="410496"/>
-                  <a:pt x="951271" y="412954"/>
-                </a:cubicBezTo>
-                <a:cubicBezTo>
-                  <a:pt x="1259758" y="415412"/>
-                  <a:pt x="1555340" y="215080"/>
-                  <a:pt x="1850922" y="14748"/>
-                </a:cubicBezTo>
-              </a:path>
-            </a:pathLst>
-          </a:custGeom>
-          <a:noFill/>
-          <a:ln w="25400">
-            <a:solidFill>
-              <a:srgbClr val="FF0000"/>
-            </a:solidFill>
-          </a:ln>
-        </p:spPr>
-        <p:style>
-          <a:lnRef idx="2">
-            <a:schemeClr val="accent1">
-              <a:shade val="50000"/>
-            </a:schemeClr>
-          </a:lnRef>
-          <a:fillRef idx="1">
-            <a:schemeClr val="accent1"/>
-          </a:fillRef>
-          <a:effectRef idx="0">
-            <a:schemeClr val="accent1"/>
-          </a:effectRef>
-          <a:fontRef idx="minor">
-            <a:schemeClr val="lt1"/>
-          </a:fontRef>
-        </p:style>
-        <p:txBody>
-          <a:bodyPr rtlCol="0" anchor="ctr"/>
-          <a:lstStyle/>
-          <a:p>
-            <a:pPr algn="ctr"/>
-            <a:endParaRPr lang="en-US"/>
-          </a:p>
-        </p:txBody>
-      </p:sp>
-      <p:sp>
-        <p:nvSpPr>
-          <p:cNvPr id="168" name="Oval 167"/>
-          <p:cNvSpPr/>
-          <p:nvPr/>
-        </p:nvSpPr>
-        <p:spPr>
-          <a:xfrm>
-            <a:off x="2827030" y="4715503"/>
-            <a:ext cx="2131760" cy="644773"/>
-          </a:xfrm>
-          <a:prstGeom prst="ellipse">
-            <a:avLst/>
-          </a:prstGeom>
-          <a:noFill/>
-          <a:ln w="25400">
-            <a:solidFill>
-              <a:srgbClr val="FF0000"/>
-            </a:solidFill>
-          </a:ln>
-        </p:spPr>
-        <p:style>
-          <a:lnRef idx="2">
-            <a:schemeClr val="accent1">
-              <a:shade val="50000"/>
-            </a:schemeClr>
-          </a:lnRef>
-          <a:fillRef idx="1">
-            <a:schemeClr val="accent1"/>
-          </a:fillRef>
-          <a:effectRef idx="0">
-            <a:schemeClr val="accent1"/>
-          </a:effectRef>
-          <a:fontRef idx="minor">
-            <a:schemeClr val="lt1"/>
-          </a:fontRef>
-        </p:style>
-        <p:txBody>
-          <a:bodyPr rtlCol="0" anchor="ctr"/>
-          <a:lstStyle/>
-          <a:p>
-            <a:pPr algn="ctr"/>
-            <a:endParaRPr lang="en-US"/>
-          </a:p>
-        </p:txBody>
-      </p:sp>
-      <p:cxnSp>
-        <p:nvCxnSpPr>
-          <p:cNvPr id="176" name="Straight Arrow Connector 175"/>
-          <p:cNvCxnSpPr/>
-          <p:nvPr/>
-        </p:nvCxnSpPr>
-        <p:spPr>
-          <a:xfrm flipH="1" flipV="1">
-            <a:off x="2587578" y="4038921"/>
-            <a:ext cx="171709" cy="46734"/>
-          </a:xfrm>
-          <a:prstGeom prst="straightConnector1">
-            <a:avLst/>
-          </a:prstGeom>
-          <a:ln w="25400">
-            <a:solidFill>
-              <a:srgbClr val="FF0000"/>
-            </a:solidFill>
-            <a:tailEnd type="triangle"/>
-          </a:ln>
-        </p:spPr>
-        <p:style>
-          <a:lnRef idx="1">
-            <a:schemeClr val="accent1"/>
-          </a:lnRef>
-          <a:fillRef idx="0">
-            <a:schemeClr val="accent1"/>
-          </a:fillRef>
-          <a:effectRef idx="0">
-            <a:schemeClr val="accent1"/>
-          </a:effectRef>
-          <a:fontRef idx="minor">
-            <a:schemeClr val="tx1"/>
-          </a:fontRef>
-        </p:style>
-      </p:cxnSp>
-      <p:cxnSp>
-        <p:nvCxnSpPr>
-          <p:cNvPr id="177" name="Straight Arrow Connector 176"/>
-          <p:cNvCxnSpPr/>
-          <p:nvPr/>
-        </p:nvCxnSpPr>
-        <p:spPr>
-          <a:xfrm flipH="1" flipV="1">
-            <a:off x="2564640" y="4241217"/>
-            <a:ext cx="171708" cy="27328"/>
-          </a:xfrm>
-          <a:prstGeom prst="straightConnector1">
-            <a:avLst/>
-          </a:prstGeom>
-          <a:ln w="25400">
-            <a:solidFill>
-              <a:srgbClr val="FF0000"/>
-            </a:solidFill>
-            <a:tailEnd type="triangle"/>
-          </a:ln>
-        </p:spPr>
-        <p:style>
-          <a:lnRef idx="1">
-            <a:schemeClr val="accent1"/>
-          </a:lnRef>
-          <a:fillRef idx="0">
-            <a:schemeClr val="accent1"/>
-          </a:fillRef>
-          <a:effectRef idx="0">
-            <a:schemeClr val="accent1"/>
-          </a:effectRef>
-          <a:fontRef idx="minor">
-            <a:schemeClr val="tx1"/>
-          </a:fontRef>
-        </p:style>
-      </p:cxnSp>
-      <p:cxnSp>
-        <p:nvCxnSpPr>
-          <p:cNvPr id="178" name="Straight Arrow Connector 177"/>
-          <p:cNvCxnSpPr/>
-          <p:nvPr/>
-        </p:nvCxnSpPr>
-        <p:spPr>
-          <a:xfrm flipH="1" flipV="1">
-            <a:off x="2564640" y="4465592"/>
-            <a:ext cx="202598" cy="5818"/>
-          </a:xfrm>
-          <a:prstGeom prst="straightConnector1">
-            <a:avLst/>
-          </a:prstGeom>
-          <a:ln w="25400">
-            <a:solidFill>
-              <a:srgbClr val="FF0000"/>
-            </a:solidFill>
-            <a:tailEnd type="triangle"/>
-          </a:ln>
-        </p:spPr>
-        <p:style>
-          <a:lnRef idx="1">
-            <a:schemeClr val="accent1"/>
-          </a:lnRef>
-          <a:fillRef idx="0">
-            <a:schemeClr val="accent1"/>
-          </a:fillRef>
-          <a:effectRef idx="0">
-            <a:schemeClr val="accent1"/>
-          </a:effectRef>
-          <a:fontRef idx="minor">
-            <a:schemeClr val="tx1"/>
-          </a:fontRef>
-        </p:style>
-      </p:cxnSp>
-      <p:cxnSp>
-        <p:nvCxnSpPr>
-          <p:cNvPr id="179" name="Straight Arrow Connector 178"/>
-          <p:cNvCxnSpPr/>
-          <p:nvPr/>
-        </p:nvCxnSpPr>
-        <p:spPr>
-          <a:xfrm flipH="1">
-            <a:off x="2568773" y="4642985"/>
-            <a:ext cx="198465" cy="34939"/>
-          </a:xfrm>
-          <a:prstGeom prst="straightConnector1">
-            <a:avLst/>
-          </a:prstGeom>
-          <a:ln w="25400">
-            <a:solidFill>
-              <a:srgbClr val="FF0000"/>
-            </a:solidFill>
-            <a:tailEnd type="triangle"/>
-          </a:ln>
-        </p:spPr>
-        <p:style>
-          <a:lnRef idx="1">
-            <a:schemeClr val="accent1"/>
-          </a:lnRef>
-          <a:fillRef idx="0">
-            <a:schemeClr val="accent1"/>
-          </a:fillRef>
-          <a:effectRef idx="0">
-            <a:schemeClr val="accent1"/>
-          </a:effectRef>
-          <a:fontRef idx="minor">
-            <a:schemeClr val="tx1"/>
-          </a:fontRef>
-        </p:style>
-      </p:cxnSp>
-      <p:cxnSp>
-        <p:nvCxnSpPr>
-          <p:cNvPr id="180" name="Straight Arrow Connector 179"/>
-          <p:cNvCxnSpPr/>
-          <p:nvPr/>
-        </p:nvCxnSpPr>
-        <p:spPr>
-          <a:xfrm flipH="1">
-            <a:off x="2584650" y="4784543"/>
-            <a:ext cx="182588" cy="44568"/>
-          </a:xfrm>
-          <a:prstGeom prst="straightConnector1">
-            <a:avLst/>
-          </a:prstGeom>
-          <a:ln w="25400">
-            <a:solidFill>
-              <a:srgbClr val="FF0000"/>
-            </a:solidFill>
-            <a:tailEnd type="triangle"/>
-          </a:ln>
-        </p:spPr>
-        <p:style>
-          <a:lnRef idx="1">
-            <a:schemeClr val="accent1"/>
-          </a:lnRef>
-          <a:fillRef idx="0">
-            <a:schemeClr val="accent1"/>
-          </a:fillRef>
-          <a:effectRef idx="0">
-            <a:schemeClr val="accent1"/>
-          </a:effectRef>
-          <a:fontRef idx="minor">
-            <a:schemeClr val="tx1"/>
-          </a:fontRef>
-        </p:style>
-      </p:cxnSp>
-      <p:cxnSp>
-        <p:nvCxnSpPr>
-          <p:cNvPr id="181" name="Straight Arrow Connector 180"/>
-          <p:cNvCxnSpPr/>
-          <p:nvPr/>
-        </p:nvCxnSpPr>
-        <p:spPr>
-          <a:xfrm flipH="1" flipV="1">
-            <a:off x="2848919" y="3952201"/>
-            <a:ext cx="135194" cy="81543"/>
-          </a:xfrm>
-          <a:prstGeom prst="straightConnector1">
-            <a:avLst/>
-          </a:prstGeom>
-          <a:ln w="25400">
-            <a:solidFill>
-              <a:srgbClr val="FF0000"/>
-            </a:solidFill>
-            <a:tailEnd type="triangle"/>
-          </a:ln>
-        </p:spPr>
-        <p:style>
-          <a:lnRef idx="1">
-            <a:schemeClr val="accent1"/>
-          </a:lnRef>
-          <a:fillRef idx="0">
-            <a:schemeClr val="accent1"/>
-          </a:fillRef>
-          <a:effectRef idx="0">
-            <a:schemeClr val="accent1"/>
-          </a:effectRef>
-          <a:fontRef idx="minor">
-            <a:schemeClr val="tx1"/>
-          </a:fontRef>
-        </p:style>
-      </p:cxnSp>
-      <p:cxnSp>
-        <p:nvCxnSpPr>
-          <p:cNvPr id="182" name="Straight Arrow Connector 181"/>
-          <p:cNvCxnSpPr/>
-          <p:nvPr/>
-        </p:nvCxnSpPr>
-        <p:spPr>
-          <a:xfrm flipH="1">
-            <a:off x="2844646" y="4867148"/>
-            <a:ext cx="133615" cy="96428"/>
-          </a:xfrm>
-          <a:prstGeom prst="straightConnector1">
-            <a:avLst/>
-          </a:prstGeom>
-          <a:ln w="25400">
-            <a:solidFill>
-              <a:srgbClr val="FF0000"/>
-            </a:solidFill>
-            <a:tailEnd type="triangle"/>
-          </a:ln>
-        </p:spPr>
-        <p:style>
-          <a:lnRef idx="1">
-            <a:schemeClr val="accent1"/>
-          </a:lnRef>
-          <a:fillRef idx="0">
-            <a:schemeClr val="accent1"/>
-          </a:fillRef>
-          <a:effectRef idx="0">
-            <a:schemeClr val="accent1"/>
-          </a:effectRef>
-          <a:fontRef idx="minor">
-            <a:schemeClr val="tx1"/>
-          </a:fontRef>
-        </p:style>
-      </p:cxnSp>
-      <p:sp>
-        <p:nvSpPr>
-          <p:cNvPr id="183" name="Oval 182"/>
-          <p:cNvSpPr/>
-          <p:nvPr/>
-        </p:nvSpPr>
-        <p:spPr>
-          <a:xfrm>
-            <a:off x="2827030" y="3535303"/>
-            <a:ext cx="2131760" cy="644773"/>
-          </a:xfrm>
-          <a:prstGeom prst="ellipse">
-            <a:avLst/>
-          </a:prstGeom>
-          <a:noFill/>
-          <a:ln w="25400">
-            <a:solidFill>
-              <a:srgbClr val="FF0000"/>
-            </a:solidFill>
-          </a:ln>
-        </p:spPr>
-        <p:style>
-          <a:lnRef idx="2">
-            <a:schemeClr val="accent1">
-              <a:shade val="50000"/>
-            </a:schemeClr>
-          </a:lnRef>
-          <a:fillRef idx="1">
-            <a:schemeClr val="accent1"/>
-          </a:fillRef>
-          <a:effectRef idx="0">
-            <a:schemeClr val="accent1"/>
-          </a:effectRef>
-          <a:fontRef idx="minor">
-            <a:schemeClr val="lt1"/>
-          </a:fontRef>
-        </p:style>
-        <p:txBody>
-          <a:bodyPr rtlCol="0" anchor="ctr"/>
-          <a:lstStyle/>
-          <a:p>
-            <a:pPr algn="ctr"/>
-            <a:endParaRPr lang="en-US"/>
-          </a:p>
-        </p:txBody>
-      </p:sp>
+        </p:grpSpPr>
+        <p:cxnSp>
+          <p:nvCxnSpPr>
+            <p:cNvPr id="163" name="Straight Connector 162"/>
+            <p:cNvCxnSpPr/>
+            <p:nvPr/>
+          </p:nvCxnSpPr>
+          <p:spPr>
+            <a:xfrm flipV="1">
+              <a:off x="533114" y="4015676"/>
+              <a:ext cx="3844378" cy="1"/>
+            </a:xfrm>
+            <a:prstGeom prst="line">
+              <a:avLst/>
+            </a:prstGeom>
+            <a:ln w="25400">
+              <a:solidFill>
+                <a:srgbClr val="FF0000"/>
+              </a:solidFill>
+            </a:ln>
+          </p:spPr>
+          <p:style>
+            <a:lnRef idx="1">
+              <a:schemeClr val="accent1"/>
+            </a:lnRef>
+            <a:fillRef idx="0">
+              <a:schemeClr val="accent1"/>
+            </a:fillRef>
+            <a:effectRef idx="0">
+              <a:schemeClr val="accent1"/>
+            </a:effectRef>
+            <a:fontRef idx="minor">
+              <a:schemeClr val="tx1"/>
+            </a:fontRef>
+          </p:style>
+        </p:cxnSp>
+        <p:sp>
+          <p:nvSpPr>
+            <p:cNvPr id="164" name="Freeform 163"/>
+            <p:cNvSpPr/>
+            <p:nvPr/>
+          </p:nvSpPr>
+          <p:spPr>
+            <a:xfrm>
+              <a:off x="533114" y="3648682"/>
+              <a:ext cx="3844378" cy="258178"/>
+            </a:xfrm>
+            <a:custGeom>
+              <a:avLst/>
+              <a:gdLst>
+                <a:gd name="connsiteX0" fmla="*/ 0 w 2735826"/>
+                <a:gd name="connsiteY0" fmla="*/ 22122 h 258178"/>
+                <a:gd name="connsiteX1" fmla="*/ 1386349 w 2735826"/>
+                <a:gd name="connsiteY1" fmla="*/ 258096 h 258178"/>
+                <a:gd name="connsiteX2" fmla="*/ 2735826 w 2735826"/>
+                <a:gd name="connsiteY2" fmla="*/ 0 h 258178"/>
+              </a:gdLst>
+              <a:ahLst/>
+              <a:cxnLst>
+                <a:cxn ang="0">
+                  <a:pos x="connsiteX0" y="connsiteY0"/>
+                </a:cxn>
+                <a:cxn ang="0">
+                  <a:pos x="connsiteX1" y="connsiteY1"/>
+                </a:cxn>
+                <a:cxn ang="0">
+                  <a:pos x="connsiteX2" y="connsiteY2"/>
+                </a:cxn>
+              </a:cxnLst>
+              <a:rect l="l" t="t" r="r" b="b"/>
+              <a:pathLst>
+                <a:path w="2735826" h="258178">
+                  <a:moveTo>
+                    <a:pt x="0" y="22122"/>
+                  </a:moveTo>
+                  <a:cubicBezTo>
+                    <a:pt x="465189" y="141952"/>
+                    <a:pt x="930378" y="261783"/>
+                    <a:pt x="1386349" y="258096"/>
+                  </a:cubicBezTo>
+                  <a:cubicBezTo>
+                    <a:pt x="1842320" y="254409"/>
+                    <a:pt x="2289073" y="127204"/>
+                    <a:pt x="2735826" y="0"/>
+                  </a:cubicBezTo>
+                </a:path>
+              </a:pathLst>
+            </a:custGeom>
+            <a:noFill/>
+            <a:ln w="25400">
+              <a:solidFill>
+                <a:srgbClr val="FF0000"/>
+              </a:solidFill>
+            </a:ln>
+          </p:spPr>
+          <p:style>
+            <a:lnRef idx="2">
+              <a:schemeClr val="accent1">
+                <a:shade val="50000"/>
+              </a:schemeClr>
+            </a:lnRef>
+            <a:fillRef idx="1">
+              <a:schemeClr val="accent1"/>
+            </a:fillRef>
+            <a:effectRef idx="0">
+              <a:schemeClr val="accent1"/>
+            </a:effectRef>
+            <a:fontRef idx="minor">
+              <a:schemeClr val="lt1"/>
+            </a:fontRef>
+          </p:style>
+          <p:txBody>
+            <a:bodyPr rtlCol="0" anchor="ctr"/>
+            <a:lstStyle/>
+            <a:p>
+              <a:pPr algn="ctr"/>
+              <a:endParaRPr lang="en-US"/>
+            </a:p>
+          </p:txBody>
+        </p:sp>
+        <p:sp>
+          <p:nvSpPr>
+            <p:cNvPr id="165" name="Freeform 164"/>
+            <p:cNvSpPr/>
+            <p:nvPr/>
+          </p:nvSpPr>
+          <p:spPr>
+            <a:xfrm rot="10800000">
+              <a:off x="533114" y="4089665"/>
+              <a:ext cx="3844378" cy="258178"/>
+            </a:xfrm>
+            <a:custGeom>
+              <a:avLst/>
+              <a:gdLst>
+                <a:gd name="connsiteX0" fmla="*/ 0 w 2735826"/>
+                <a:gd name="connsiteY0" fmla="*/ 22122 h 258178"/>
+                <a:gd name="connsiteX1" fmla="*/ 1386349 w 2735826"/>
+                <a:gd name="connsiteY1" fmla="*/ 258096 h 258178"/>
+                <a:gd name="connsiteX2" fmla="*/ 2735826 w 2735826"/>
+                <a:gd name="connsiteY2" fmla="*/ 0 h 258178"/>
+              </a:gdLst>
+              <a:ahLst/>
+              <a:cxnLst>
+                <a:cxn ang="0">
+                  <a:pos x="connsiteX0" y="connsiteY0"/>
+                </a:cxn>
+                <a:cxn ang="0">
+                  <a:pos x="connsiteX1" y="connsiteY1"/>
+                </a:cxn>
+                <a:cxn ang="0">
+                  <a:pos x="connsiteX2" y="connsiteY2"/>
+                </a:cxn>
+              </a:cxnLst>
+              <a:rect l="l" t="t" r="r" b="b"/>
+              <a:pathLst>
+                <a:path w="2735826" h="258178">
+                  <a:moveTo>
+                    <a:pt x="0" y="22122"/>
+                  </a:moveTo>
+                  <a:cubicBezTo>
+                    <a:pt x="465189" y="141952"/>
+                    <a:pt x="930378" y="261783"/>
+                    <a:pt x="1386349" y="258096"/>
+                  </a:cubicBezTo>
+                  <a:cubicBezTo>
+                    <a:pt x="1842320" y="254409"/>
+                    <a:pt x="2289073" y="127204"/>
+                    <a:pt x="2735826" y="0"/>
+                  </a:cubicBezTo>
+                </a:path>
+              </a:pathLst>
+            </a:custGeom>
+            <a:noFill/>
+            <a:ln w="25400">
+              <a:solidFill>
+                <a:srgbClr val="FF0000"/>
+              </a:solidFill>
+            </a:ln>
+          </p:spPr>
+          <p:style>
+            <a:lnRef idx="2">
+              <a:schemeClr val="accent1">
+                <a:shade val="50000"/>
+              </a:schemeClr>
+            </a:lnRef>
+            <a:fillRef idx="1">
+              <a:schemeClr val="accent1"/>
+            </a:fillRef>
+            <a:effectRef idx="0">
+              <a:schemeClr val="accent1"/>
+            </a:effectRef>
+            <a:fontRef idx="minor">
+              <a:schemeClr val="lt1"/>
+            </a:fontRef>
+          </p:style>
+          <p:txBody>
+            <a:bodyPr rtlCol="0" anchor="ctr"/>
+            <a:lstStyle/>
+            <a:p>
+              <a:pPr algn="ctr"/>
+              <a:endParaRPr lang="en-US"/>
+            </a:p>
+          </p:txBody>
+        </p:sp>
+        <p:sp>
+          <p:nvSpPr>
+            <p:cNvPr id="166" name="Freeform 165"/>
+            <p:cNvSpPr/>
+            <p:nvPr/>
+          </p:nvSpPr>
+          <p:spPr>
+            <a:xfrm>
+              <a:off x="533112" y="3396960"/>
+              <a:ext cx="3844380" cy="412976"/>
+            </a:xfrm>
+            <a:custGeom>
+              <a:avLst/>
+              <a:gdLst>
+                <a:gd name="connsiteX0" fmla="*/ 0 w 1850922"/>
+                <a:gd name="connsiteY0" fmla="*/ 0 h 412976"/>
+                <a:gd name="connsiteX1" fmla="*/ 951271 w 1850922"/>
+                <a:gd name="connsiteY1" fmla="*/ 412954 h 412976"/>
+                <a:gd name="connsiteX2" fmla="*/ 1850922 w 1850922"/>
+                <a:gd name="connsiteY2" fmla="*/ 14748 h 412976"/>
+              </a:gdLst>
+              <a:ahLst/>
+              <a:cxnLst>
+                <a:cxn ang="0">
+                  <a:pos x="connsiteX0" y="connsiteY0"/>
+                </a:cxn>
+                <a:cxn ang="0">
+                  <a:pos x="connsiteX1" y="connsiteY1"/>
+                </a:cxn>
+                <a:cxn ang="0">
+                  <a:pos x="connsiteX2" y="connsiteY2"/>
+                </a:cxn>
+              </a:cxnLst>
+              <a:rect l="l" t="t" r="r" b="b"/>
+              <a:pathLst>
+                <a:path w="1850922" h="412976">
+                  <a:moveTo>
+                    <a:pt x="0" y="0"/>
+                  </a:moveTo>
+                  <a:cubicBezTo>
+                    <a:pt x="321392" y="205248"/>
+                    <a:pt x="642784" y="410496"/>
+                    <a:pt x="951271" y="412954"/>
+                  </a:cubicBezTo>
+                  <a:cubicBezTo>
+                    <a:pt x="1259758" y="415412"/>
+                    <a:pt x="1555340" y="215080"/>
+                    <a:pt x="1850922" y="14748"/>
+                  </a:cubicBezTo>
+                </a:path>
+              </a:pathLst>
+            </a:custGeom>
+            <a:noFill/>
+            <a:ln w="25400">
+              <a:solidFill>
+                <a:srgbClr val="FF0000"/>
+              </a:solidFill>
+            </a:ln>
+          </p:spPr>
+          <p:style>
+            <a:lnRef idx="2">
+              <a:schemeClr val="accent1">
+                <a:shade val="50000"/>
+              </a:schemeClr>
+            </a:lnRef>
+            <a:fillRef idx="1">
+              <a:schemeClr val="accent1"/>
+            </a:fillRef>
+            <a:effectRef idx="0">
+              <a:schemeClr val="accent1"/>
+            </a:effectRef>
+            <a:fontRef idx="minor">
+              <a:schemeClr val="lt1"/>
+            </a:fontRef>
+          </p:style>
+          <p:txBody>
+            <a:bodyPr rtlCol="0" anchor="ctr"/>
+            <a:lstStyle/>
+            <a:p>
+              <a:pPr algn="ctr"/>
+              <a:endParaRPr lang="en-US"/>
+            </a:p>
+          </p:txBody>
+        </p:sp>
+        <p:sp>
+          <p:nvSpPr>
+            <p:cNvPr id="167" name="Freeform 166"/>
+            <p:cNvSpPr/>
+            <p:nvPr/>
+          </p:nvSpPr>
+          <p:spPr>
+            <a:xfrm rot="10800000">
+              <a:off x="533116" y="4171349"/>
+              <a:ext cx="3844376" cy="412976"/>
+            </a:xfrm>
+            <a:custGeom>
+              <a:avLst/>
+              <a:gdLst>
+                <a:gd name="connsiteX0" fmla="*/ 0 w 1850922"/>
+                <a:gd name="connsiteY0" fmla="*/ 0 h 412976"/>
+                <a:gd name="connsiteX1" fmla="*/ 951271 w 1850922"/>
+                <a:gd name="connsiteY1" fmla="*/ 412954 h 412976"/>
+                <a:gd name="connsiteX2" fmla="*/ 1850922 w 1850922"/>
+                <a:gd name="connsiteY2" fmla="*/ 14748 h 412976"/>
+              </a:gdLst>
+              <a:ahLst/>
+              <a:cxnLst>
+                <a:cxn ang="0">
+                  <a:pos x="connsiteX0" y="connsiteY0"/>
+                </a:cxn>
+                <a:cxn ang="0">
+                  <a:pos x="connsiteX1" y="connsiteY1"/>
+                </a:cxn>
+                <a:cxn ang="0">
+                  <a:pos x="connsiteX2" y="connsiteY2"/>
+                </a:cxn>
+              </a:cxnLst>
+              <a:rect l="l" t="t" r="r" b="b"/>
+              <a:pathLst>
+                <a:path w="1850922" h="412976">
+                  <a:moveTo>
+                    <a:pt x="0" y="0"/>
+                  </a:moveTo>
+                  <a:cubicBezTo>
+                    <a:pt x="321392" y="205248"/>
+                    <a:pt x="642784" y="410496"/>
+                    <a:pt x="951271" y="412954"/>
+                  </a:cubicBezTo>
+                  <a:cubicBezTo>
+                    <a:pt x="1259758" y="415412"/>
+                    <a:pt x="1555340" y="215080"/>
+                    <a:pt x="1850922" y="14748"/>
+                  </a:cubicBezTo>
+                </a:path>
+              </a:pathLst>
+            </a:custGeom>
+            <a:noFill/>
+            <a:ln w="25400">
+              <a:solidFill>
+                <a:srgbClr val="FF0000"/>
+              </a:solidFill>
+            </a:ln>
+          </p:spPr>
+          <p:style>
+            <a:lnRef idx="2">
+              <a:schemeClr val="accent1">
+                <a:shade val="50000"/>
+              </a:schemeClr>
+            </a:lnRef>
+            <a:fillRef idx="1">
+              <a:schemeClr val="accent1"/>
+            </a:fillRef>
+            <a:effectRef idx="0">
+              <a:schemeClr val="accent1"/>
+            </a:effectRef>
+            <a:fontRef idx="minor">
+              <a:schemeClr val="lt1"/>
+            </a:fontRef>
+          </p:style>
+          <p:txBody>
+            <a:bodyPr rtlCol="0" anchor="ctr"/>
+            <a:lstStyle/>
+            <a:p>
+              <a:pPr algn="ctr"/>
+              <a:endParaRPr lang="en-US"/>
+            </a:p>
+          </p:txBody>
+        </p:sp>
+        <p:sp>
+          <p:nvSpPr>
+            <p:cNvPr id="168" name="Oval 167"/>
+            <p:cNvSpPr/>
+            <p:nvPr/>
+          </p:nvSpPr>
+          <p:spPr>
+            <a:xfrm>
+              <a:off x="1413379" y="4259769"/>
+              <a:ext cx="2131760" cy="644773"/>
+            </a:xfrm>
+            <a:prstGeom prst="ellipse">
+              <a:avLst/>
+            </a:prstGeom>
+            <a:noFill/>
+            <a:ln w="25400">
+              <a:solidFill>
+                <a:srgbClr val="FF0000"/>
+              </a:solidFill>
+            </a:ln>
+          </p:spPr>
+          <p:style>
+            <a:lnRef idx="2">
+              <a:schemeClr val="accent1">
+                <a:shade val="50000"/>
+              </a:schemeClr>
+            </a:lnRef>
+            <a:fillRef idx="1">
+              <a:schemeClr val="accent1"/>
+            </a:fillRef>
+            <a:effectRef idx="0">
+              <a:schemeClr val="accent1"/>
+            </a:effectRef>
+            <a:fontRef idx="minor">
+              <a:schemeClr val="lt1"/>
+            </a:fontRef>
+          </p:style>
+          <p:txBody>
+            <a:bodyPr rtlCol="0" anchor="ctr"/>
+            <a:lstStyle/>
+            <a:p>
+              <a:pPr algn="ctr"/>
+              <a:endParaRPr lang="en-US"/>
+            </a:p>
+          </p:txBody>
+        </p:sp>
+        <p:cxnSp>
+          <p:nvCxnSpPr>
+            <p:cNvPr id="176" name="Straight Arrow Connector 175"/>
+            <p:cNvCxnSpPr/>
+            <p:nvPr/>
+          </p:nvCxnSpPr>
+          <p:spPr>
+            <a:xfrm flipH="1" flipV="1">
+              <a:off x="1173927" y="3583187"/>
+              <a:ext cx="171709" cy="46734"/>
+            </a:xfrm>
+            <a:prstGeom prst="straightConnector1">
+              <a:avLst/>
+            </a:prstGeom>
+            <a:ln w="25400">
+              <a:solidFill>
+                <a:srgbClr val="FF0000"/>
+              </a:solidFill>
+              <a:tailEnd type="triangle"/>
+            </a:ln>
+          </p:spPr>
+          <p:style>
+            <a:lnRef idx="1">
+              <a:schemeClr val="accent1"/>
+            </a:lnRef>
+            <a:fillRef idx="0">
+              <a:schemeClr val="accent1"/>
+            </a:fillRef>
+            <a:effectRef idx="0">
+              <a:schemeClr val="accent1"/>
+            </a:effectRef>
+            <a:fontRef idx="minor">
+              <a:schemeClr val="tx1"/>
+            </a:fontRef>
+          </p:style>
+        </p:cxnSp>
+        <p:cxnSp>
+          <p:nvCxnSpPr>
+            <p:cNvPr id="177" name="Straight Arrow Connector 176"/>
+            <p:cNvCxnSpPr/>
+            <p:nvPr/>
+          </p:nvCxnSpPr>
+          <p:spPr>
+            <a:xfrm flipH="1" flipV="1">
+              <a:off x="1150989" y="3785483"/>
+              <a:ext cx="171708" cy="27328"/>
+            </a:xfrm>
+            <a:prstGeom prst="straightConnector1">
+              <a:avLst/>
+            </a:prstGeom>
+            <a:ln w="25400">
+              <a:solidFill>
+                <a:srgbClr val="FF0000"/>
+              </a:solidFill>
+              <a:tailEnd type="triangle"/>
+            </a:ln>
+          </p:spPr>
+          <p:style>
+            <a:lnRef idx="1">
+              <a:schemeClr val="accent1"/>
+            </a:lnRef>
+            <a:fillRef idx="0">
+              <a:schemeClr val="accent1"/>
+            </a:fillRef>
+            <a:effectRef idx="0">
+              <a:schemeClr val="accent1"/>
+            </a:effectRef>
+            <a:fontRef idx="minor">
+              <a:schemeClr val="tx1"/>
+            </a:fontRef>
+          </p:style>
+        </p:cxnSp>
+        <p:cxnSp>
+          <p:nvCxnSpPr>
+            <p:cNvPr id="178" name="Straight Arrow Connector 177"/>
+            <p:cNvCxnSpPr/>
+            <p:nvPr/>
+          </p:nvCxnSpPr>
+          <p:spPr>
+            <a:xfrm flipH="1" flipV="1">
+              <a:off x="1150989" y="4009858"/>
+              <a:ext cx="202598" cy="5818"/>
+            </a:xfrm>
+            <a:prstGeom prst="straightConnector1">
+              <a:avLst/>
+            </a:prstGeom>
+            <a:ln w="25400">
+              <a:solidFill>
+                <a:srgbClr val="FF0000"/>
+              </a:solidFill>
+              <a:tailEnd type="triangle"/>
+            </a:ln>
+          </p:spPr>
+          <p:style>
+            <a:lnRef idx="1">
+              <a:schemeClr val="accent1"/>
+            </a:lnRef>
+            <a:fillRef idx="0">
+              <a:schemeClr val="accent1"/>
+            </a:fillRef>
+            <a:effectRef idx="0">
+              <a:schemeClr val="accent1"/>
+            </a:effectRef>
+            <a:fontRef idx="minor">
+              <a:schemeClr val="tx1"/>
+            </a:fontRef>
+          </p:style>
+        </p:cxnSp>
+        <p:cxnSp>
+          <p:nvCxnSpPr>
+            <p:cNvPr id="179" name="Straight Arrow Connector 178"/>
+            <p:cNvCxnSpPr/>
+            <p:nvPr/>
+          </p:nvCxnSpPr>
+          <p:spPr>
+            <a:xfrm flipH="1">
+              <a:off x="1155122" y="4187251"/>
+              <a:ext cx="198465" cy="34939"/>
+            </a:xfrm>
+            <a:prstGeom prst="straightConnector1">
+              <a:avLst/>
+            </a:prstGeom>
+            <a:ln w="25400">
+              <a:solidFill>
+                <a:srgbClr val="FF0000"/>
+              </a:solidFill>
+              <a:tailEnd type="triangle"/>
+            </a:ln>
+          </p:spPr>
+          <p:style>
+            <a:lnRef idx="1">
+              <a:schemeClr val="accent1"/>
+            </a:lnRef>
+            <a:fillRef idx="0">
+              <a:schemeClr val="accent1"/>
+            </a:fillRef>
+            <a:effectRef idx="0">
+              <a:schemeClr val="accent1"/>
+            </a:effectRef>
+            <a:fontRef idx="minor">
+              <a:schemeClr val="tx1"/>
+            </a:fontRef>
+          </p:style>
+        </p:cxnSp>
+        <p:cxnSp>
+          <p:nvCxnSpPr>
+            <p:cNvPr id="180" name="Straight Arrow Connector 179"/>
+            <p:cNvCxnSpPr/>
+            <p:nvPr/>
+          </p:nvCxnSpPr>
+          <p:spPr>
+            <a:xfrm flipH="1">
+              <a:off x="1170999" y="4328809"/>
+              <a:ext cx="182588" cy="44568"/>
+            </a:xfrm>
+            <a:prstGeom prst="straightConnector1">
+              <a:avLst/>
+            </a:prstGeom>
+            <a:ln w="25400">
+              <a:solidFill>
+                <a:srgbClr val="FF0000"/>
+              </a:solidFill>
+              <a:tailEnd type="triangle"/>
+            </a:ln>
+          </p:spPr>
+          <p:style>
+            <a:lnRef idx="1">
+              <a:schemeClr val="accent1"/>
+            </a:lnRef>
+            <a:fillRef idx="0">
+              <a:schemeClr val="accent1"/>
+            </a:fillRef>
+            <a:effectRef idx="0">
+              <a:schemeClr val="accent1"/>
+            </a:effectRef>
+            <a:fontRef idx="minor">
+              <a:schemeClr val="tx1"/>
+            </a:fontRef>
+          </p:style>
+        </p:cxnSp>
+        <p:cxnSp>
+          <p:nvCxnSpPr>
+            <p:cNvPr id="181" name="Straight Arrow Connector 180"/>
+            <p:cNvCxnSpPr/>
+            <p:nvPr/>
+          </p:nvCxnSpPr>
+          <p:spPr>
+            <a:xfrm flipH="1" flipV="1">
+              <a:off x="1435268" y="3496467"/>
+              <a:ext cx="135194" cy="81543"/>
+            </a:xfrm>
+            <a:prstGeom prst="straightConnector1">
+              <a:avLst/>
+            </a:prstGeom>
+            <a:ln w="25400">
+              <a:solidFill>
+                <a:srgbClr val="FF0000"/>
+              </a:solidFill>
+              <a:tailEnd type="triangle"/>
+            </a:ln>
+          </p:spPr>
+          <p:style>
+            <a:lnRef idx="1">
+              <a:schemeClr val="accent1"/>
+            </a:lnRef>
+            <a:fillRef idx="0">
+              <a:schemeClr val="accent1"/>
+            </a:fillRef>
+            <a:effectRef idx="0">
+              <a:schemeClr val="accent1"/>
+            </a:effectRef>
+            <a:fontRef idx="minor">
+              <a:schemeClr val="tx1"/>
+            </a:fontRef>
+          </p:style>
+        </p:cxnSp>
+        <p:cxnSp>
+          <p:nvCxnSpPr>
+            <p:cNvPr id="182" name="Straight Arrow Connector 181"/>
+            <p:cNvCxnSpPr/>
+            <p:nvPr/>
+          </p:nvCxnSpPr>
+          <p:spPr>
+            <a:xfrm flipH="1">
+              <a:off x="1430995" y="4411414"/>
+              <a:ext cx="133615" cy="96428"/>
+            </a:xfrm>
+            <a:prstGeom prst="straightConnector1">
+              <a:avLst/>
+            </a:prstGeom>
+            <a:ln w="25400">
+              <a:solidFill>
+                <a:srgbClr val="FF0000"/>
+              </a:solidFill>
+              <a:tailEnd type="triangle"/>
+            </a:ln>
+          </p:spPr>
+          <p:style>
+            <a:lnRef idx="1">
+              <a:schemeClr val="accent1"/>
+            </a:lnRef>
+            <a:fillRef idx="0">
+              <a:schemeClr val="accent1"/>
+            </a:fillRef>
+            <a:effectRef idx="0">
+              <a:schemeClr val="accent1"/>
+            </a:effectRef>
+            <a:fontRef idx="minor">
+              <a:schemeClr val="tx1"/>
+            </a:fontRef>
+          </p:style>
+        </p:cxnSp>
+        <p:sp>
+          <p:nvSpPr>
+            <p:cNvPr id="183" name="Oval 182"/>
+            <p:cNvSpPr/>
+            <p:nvPr/>
+          </p:nvSpPr>
+          <p:spPr>
+            <a:xfrm>
+              <a:off x="1413379" y="3079569"/>
+              <a:ext cx="2131760" cy="644773"/>
+            </a:xfrm>
+            <a:prstGeom prst="ellipse">
+              <a:avLst/>
+            </a:prstGeom>
+            <a:noFill/>
+            <a:ln w="25400">
+              <a:solidFill>
+                <a:srgbClr val="FF0000"/>
+              </a:solidFill>
+            </a:ln>
+          </p:spPr>
+          <p:style>
+            <a:lnRef idx="2">
+              <a:schemeClr val="accent1">
+                <a:shade val="50000"/>
+              </a:schemeClr>
+            </a:lnRef>
+            <a:fillRef idx="1">
+              <a:schemeClr val="accent1"/>
+            </a:fillRef>
+            <a:effectRef idx="0">
+              <a:schemeClr val="accent1"/>
+            </a:effectRef>
+            <a:fontRef idx="minor">
+              <a:schemeClr val="lt1"/>
+            </a:fontRef>
+          </p:style>
+          <p:txBody>
+            <a:bodyPr rtlCol="0" anchor="ctr"/>
+            <a:lstStyle/>
+            <a:p>
+              <a:pPr algn="ctr"/>
+              <a:endParaRPr lang="en-US"/>
+            </a:p>
+          </p:txBody>
+        </p:sp>
+      </p:grpSp>
       <p:grpSp>
         <p:nvGrpSpPr>
           <p:cNvPr id="251" name="Group 250"/>
@@ -52419,8 +52434,8 @@
             </a:fontRef>
           </p:style>
         </p:cxnSp>
-        <mc:AlternateContent xmlns:mc="http://schemas.openxmlformats.org/markup-compatibility/2006">
-          <mc:Choice xmlns:a14="http://schemas.microsoft.com/office/drawing/2010/main" Requires="a14">
+        <mc:AlternateContent xmlns:mc="http://schemas.openxmlformats.org/markup-compatibility/2006" xmlns:a14="http://schemas.microsoft.com/office/drawing/2010/main">
+          <mc:Choice Requires="a14">
             <p:sp>
               <p:nvSpPr>
                 <p:cNvPr id="312" name="TextBox 311"/>
@@ -52500,7 +52515,7 @@
               </p:txBody>
             </p:sp>
           </mc:Choice>
-          <mc:Fallback>
+          <mc:Fallback xmlns="">
             <p:sp>
               <p:nvSpPr>
                 <p:cNvPr id="312" name="TextBox 311"/>

--- a/tex/figures/MagneticSource/Figures.pptx
+++ b/tex/figures/MagneticSource/Figures.pptx
@@ -5,7 +5,7 @@
     <p:sldMasterId id="2147483648" r:id="rId1"/>
   </p:sldMasterIdLst>
   <p:notesMasterIdLst>
-    <p:notesMasterId r:id="rId12"/>
+    <p:notesMasterId r:id="rId16"/>
   </p:notesMasterIdLst>
   <p:sldIdLst>
     <p:sldId id="271" r:id="rId2"/>
@@ -18,6 +18,10 @@
     <p:sldId id="297" r:id="rId9"/>
     <p:sldId id="298" r:id="rId10"/>
     <p:sldId id="299" r:id="rId11"/>
+    <p:sldId id="303" r:id="rId12"/>
+    <p:sldId id="300" r:id="rId13"/>
+    <p:sldId id="301" r:id="rId14"/>
+    <p:sldId id="302" r:id="rId15"/>
   </p:sldIdLst>
   <p:sldSz cx="12192000" cy="6858000"/>
   <p:notesSz cx="6858000" cy="9144000"/>
@@ -124,6 +128,1063 @@
 </p:presentation>
 </file>
 
+<file path=ppt/revisionInfo.xml><?xml version="1.0" encoding="utf-8"?>
+<p1510:revInfo xmlns:a="http://schemas.openxmlformats.org/drawingml/2006/main" xmlns:r="http://schemas.openxmlformats.org/officeDocument/2006/relationships" xmlns:p1510="http://schemas.microsoft.com/office/powerpoint/2015/10/main">
+  <p1510:revLst>
+    <p1510:client id="{0CFB0F58-71E6-4057-8C2C-756F638B1CC4}" v="414" dt="2019-08-10T21:04:18.067"/>
+  </p1510:revLst>
+</p1510:revInfo>
+</file>
+
+<file path=ppt/changesInfos/changesInfo1.xml><?xml version="1.0" encoding="utf-8"?>
+<pc:chgInfo xmlns:a="http://schemas.openxmlformats.org/drawingml/2006/main" xmlns:r="http://schemas.openxmlformats.org/officeDocument/2006/relationships" xmlns:ac="http://schemas.microsoft.com/office/drawing/2013/main/command" xmlns:pc="http://schemas.microsoft.com/office/powerpoint/2013/main/command">
+  <pc:docChgLst>
+    <pc:chgData name="Joshua Rinaldo" userId="eeaa994f99e4e508" providerId="LiveId" clId="{0CFB0F58-71E6-4057-8C2C-756F638B1CC4}"/>
+    <pc:docChg chg="undo custSel addSld modSld">
+      <pc:chgData name="Joshua Rinaldo" userId="eeaa994f99e4e508" providerId="LiveId" clId="{0CFB0F58-71E6-4057-8C2C-756F638B1CC4}" dt="2019-08-10T21:15:47.500" v="949" actId="1076"/>
+      <pc:docMkLst>
+        <pc:docMk/>
+      </pc:docMkLst>
+      <pc:sldChg chg="addSp delSp modSp">
+        <pc:chgData name="Joshua Rinaldo" userId="eeaa994f99e4e508" providerId="LiveId" clId="{0CFB0F58-71E6-4057-8C2C-756F638B1CC4}" dt="2019-08-09T18:07:21.611" v="847" actId="1076"/>
+        <pc:sldMkLst>
+          <pc:docMk/>
+          <pc:sldMk cId="4078106684" sldId="290"/>
+        </pc:sldMkLst>
+        <pc:spChg chg="add mod ord">
+          <ac:chgData name="Joshua Rinaldo" userId="eeaa994f99e4e508" providerId="LiveId" clId="{0CFB0F58-71E6-4057-8C2C-756F638B1CC4}" dt="2019-08-09T18:03:53.593" v="841" actId="166"/>
+          <ac:spMkLst>
+            <pc:docMk/>
+            <pc:sldMk cId="4078106684" sldId="290"/>
+            <ac:spMk id="3" creationId="{EB4E49DE-F317-4BAA-8220-8B668045D82F}"/>
+          </ac:spMkLst>
+        </pc:spChg>
+        <pc:spChg chg="add mod ord">
+          <ac:chgData name="Joshua Rinaldo" userId="eeaa994f99e4e508" providerId="LiveId" clId="{0CFB0F58-71E6-4057-8C2C-756F638B1CC4}" dt="2019-08-09T18:03:53.593" v="841" actId="166"/>
+          <ac:spMkLst>
+            <pc:docMk/>
+            <pc:sldMk cId="4078106684" sldId="290"/>
+            <ac:spMk id="4" creationId="{BAA7FBA1-4106-4E06-8A7F-2A704B2B8A74}"/>
+          </ac:spMkLst>
+        </pc:spChg>
+        <pc:spChg chg="mod ord topLvl">
+          <ac:chgData name="Joshua Rinaldo" userId="eeaa994f99e4e508" providerId="LiveId" clId="{0CFB0F58-71E6-4057-8C2C-756F638B1CC4}" dt="2019-08-09T18:05:04.239" v="846" actId="1076"/>
+          <ac:spMkLst>
+            <pc:docMk/>
+            <pc:sldMk cId="4078106684" sldId="290"/>
+            <ac:spMk id="5" creationId="{00000000-0000-0000-0000-000000000000}"/>
+          </ac:spMkLst>
+        </pc:spChg>
+        <pc:spChg chg="mod topLvl">
+          <ac:chgData name="Joshua Rinaldo" userId="eeaa994f99e4e508" providerId="LiveId" clId="{0CFB0F58-71E6-4057-8C2C-756F638B1CC4}" dt="2019-08-09T17:48:53.317" v="566" actId="1076"/>
+          <ac:spMkLst>
+            <pc:docMk/>
+            <pc:sldMk cId="4078106684" sldId="290"/>
+            <ac:spMk id="32" creationId="{00000000-0000-0000-0000-000000000000}"/>
+          </ac:spMkLst>
+        </pc:spChg>
+        <pc:spChg chg="mod topLvl">
+          <ac:chgData name="Joshua Rinaldo" userId="eeaa994f99e4e508" providerId="LiveId" clId="{0CFB0F58-71E6-4057-8C2C-756F638B1CC4}" dt="2019-08-09T17:46:20.943" v="544" actId="165"/>
+          <ac:spMkLst>
+            <pc:docMk/>
+            <pc:sldMk cId="4078106684" sldId="290"/>
+            <ac:spMk id="51" creationId="{00000000-0000-0000-0000-000000000000}"/>
+          </ac:spMkLst>
+        </pc:spChg>
+        <pc:spChg chg="add mod ord">
+          <ac:chgData name="Joshua Rinaldo" userId="eeaa994f99e4e508" providerId="LiveId" clId="{0CFB0F58-71E6-4057-8C2C-756F638B1CC4}" dt="2019-08-09T18:04:42.095" v="843" actId="1076"/>
+          <ac:spMkLst>
+            <pc:docMk/>
+            <pc:sldMk cId="4078106684" sldId="290"/>
+            <ac:spMk id="67" creationId="{B780E8A6-750F-475F-9DD8-21D3DBBC1A92}"/>
+          </ac:spMkLst>
+        </pc:spChg>
+        <pc:spChg chg="add mod ord">
+          <ac:chgData name="Joshua Rinaldo" userId="eeaa994f99e4e508" providerId="LiveId" clId="{0CFB0F58-71E6-4057-8C2C-756F638B1CC4}" dt="2019-08-09T18:04:47.803" v="844" actId="1076"/>
+          <ac:spMkLst>
+            <pc:docMk/>
+            <pc:sldMk cId="4078106684" sldId="290"/>
+            <ac:spMk id="68" creationId="{499180B6-19C8-44D2-B4E3-114DB267FC4E}"/>
+          </ac:spMkLst>
+        </pc:spChg>
+        <pc:spChg chg="add mod ord">
+          <ac:chgData name="Joshua Rinaldo" userId="eeaa994f99e4e508" providerId="LiveId" clId="{0CFB0F58-71E6-4057-8C2C-756F638B1CC4}" dt="2019-08-09T18:04:52.638" v="845" actId="1076"/>
+          <ac:spMkLst>
+            <pc:docMk/>
+            <pc:sldMk cId="4078106684" sldId="290"/>
+            <ac:spMk id="69" creationId="{E7A494FD-DE2C-4256-BC50-0FA61AEED08D}"/>
+          </ac:spMkLst>
+        </pc:spChg>
+        <pc:spChg chg="add mod ord">
+          <ac:chgData name="Joshua Rinaldo" userId="eeaa994f99e4e508" providerId="LiveId" clId="{0CFB0F58-71E6-4057-8C2C-756F638B1CC4}" dt="2019-08-09T18:03:53.593" v="841" actId="166"/>
+          <ac:spMkLst>
+            <pc:docMk/>
+            <pc:sldMk cId="4078106684" sldId="290"/>
+            <ac:spMk id="71" creationId="{5AD22054-4DA4-4B8D-A38D-62E73884B9B2}"/>
+          </ac:spMkLst>
+        </pc:spChg>
+        <pc:spChg chg="add mod ord">
+          <ac:chgData name="Joshua Rinaldo" userId="eeaa994f99e4e508" providerId="LiveId" clId="{0CFB0F58-71E6-4057-8C2C-756F638B1CC4}" dt="2019-08-09T18:03:53.593" v="841" actId="166"/>
+          <ac:spMkLst>
+            <pc:docMk/>
+            <pc:sldMk cId="4078106684" sldId="290"/>
+            <ac:spMk id="73" creationId="{2F152942-69C6-414C-86D9-B89C08FDEEC8}"/>
+          </ac:spMkLst>
+        </pc:spChg>
+        <pc:spChg chg="add mod ord">
+          <ac:chgData name="Joshua Rinaldo" userId="eeaa994f99e4e508" providerId="LiveId" clId="{0CFB0F58-71E6-4057-8C2C-756F638B1CC4}" dt="2019-08-09T18:03:53.593" v="841" actId="166"/>
+          <ac:spMkLst>
+            <pc:docMk/>
+            <pc:sldMk cId="4078106684" sldId="290"/>
+            <ac:spMk id="74" creationId="{AF1B2269-06E4-440E-BD0A-BB4BB32C6CF7}"/>
+          </ac:spMkLst>
+        </pc:spChg>
+        <pc:grpChg chg="del">
+          <ac:chgData name="Joshua Rinaldo" userId="eeaa994f99e4e508" providerId="LiveId" clId="{0CFB0F58-71E6-4057-8C2C-756F638B1CC4}" dt="2019-08-09T17:46:20.943" v="544" actId="165"/>
+          <ac:grpSpMkLst>
+            <pc:docMk/>
+            <pc:sldMk cId="4078106684" sldId="290"/>
+            <ac:grpSpMk id="40" creationId="{00000000-0000-0000-0000-000000000000}"/>
+          </ac:grpSpMkLst>
+        </pc:grpChg>
+        <pc:grpChg chg="mod topLvl">
+          <ac:chgData name="Joshua Rinaldo" userId="eeaa994f99e4e508" providerId="LiveId" clId="{0CFB0F58-71E6-4057-8C2C-756F638B1CC4}" dt="2019-08-09T17:48:53.317" v="566" actId="1076"/>
+          <ac:grpSpMkLst>
+            <pc:docMk/>
+            <pc:sldMk cId="4078106684" sldId="290"/>
+            <ac:grpSpMk id="85" creationId="{00000000-0000-0000-0000-000000000000}"/>
+          </ac:grpSpMkLst>
+        </pc:grpChg>
+        <pc:grpChg chg="mod topLvl">
+          <ac:chgData name="Joshua Rinaldo" userId="eeaa994f99e4e508" providerId="LiveId" clId="{0CFB0F58-71E6-4057-8C2C-756F638B1CC4}" dt="2019-08-09T17:48:53.317" v="566" actId="1076"/>
+          <ac:grpSpMkLst>
+            <pc:docMk/>
+            <pc:sldMk cId="4078106684" sldId="290"/>
+            <ac:grpSpMk id="92" creationId="{00000000-0000-0000-0000-000000000000}"/>
+          </ac:grpSpMkLst>
+        </pc:grpChg>
+        <pc:grpChg chg="del mod topLvl">
+          <ac:chgData name="Joshua Rinaldo" userId="eeaa994f99e4e508" providerId="LiveId" clId="{0CFB0F58-71E6-4057-8C2C-756F638B1CC4}" dt="2019-08-09T17:50:00.625" v="580" actId="478"/>
+          <ac:grpSpMkLst>
+            <pc:docMk/>
+            <pc:sldMk cId="4078106684" sldId="290"/>
+            <ac:grpSpMk id="95" creationId="{00000000-0000-0000-0000-000000000000}"/>
+          </ac:grpSpMkLst>
+        </pc:grpChg>
+        <pc:grpChg chg="mod topLvl">
+          <ac:chgData name="Joshua Rinaldo" userId="eeaa994f99e4e508" providerId="LiveId" clId="{0CFB0F58-71E6-4057-8C2C-756F638B1CC4}" dt="2019-08-09T17:48:53.317" v="566" actId="1076"/>
+          <ac:grpSpMkLst>
+            <pc:docMk/>
+            <pc:sldMk cId="4078106684" sldId="290"/>
+            <ac:grpSpMk id="98" creationId="{00000000-0000-0000-0000-000000000000}"/>
+          </ac:grpSpMkLst>
+        </pc:grpChg>
+        <pc:cxnChg chg="mod ord topLvl">
+          <ac:chgData name="Joshua Rinaldo" userId="eeaa994f99e4e508" providerId="LiveId" clId="{0CFB0F58-71E6-4057-8C2C-756F638B1CC4}" dt="2019-08-09T18:02:07.345" v="824" actId="1076"/>
+          <ac:cxnSpMkLst>
+            <pc:docMk/>
+            <pc:sldMk cId="4078106684" sldId="290"/>
+            <ac:cxnSpMk id="49" creationId="{00000000-0000-0000-0000-000000000000}"/>
+          </ac:cxnSpMkLst>
+        </pc:cxnChg>
+        <pc:cxnChg chg="mod topLvl">
+          <ac:chgData name="Joshua Rinaldo" userId="eeaa994f99e4e508" providerId="LiveId" clId="{0CFB0F58-71E6-4057-8C2C-756F638B1CC4}" dt="2019-08-09T17:48:18.298" v="561" actId="1076"/>
+          <ac:cxnSpMkLst>
+            <pc:docMk/>
+            <pc:sldMk cId="4078106684" sldId="290"/>
+            <ac:cxnSpMk id="50" creationId="{00000000-0000-0000-0000-000000000000}"/>
+          </ac:cxnSpMkLst>
+        </pc:cxnChg>
+        <pc:cxnChg chg="mod ord topLvl">
+          <ac:chgData name="Joshua Rinaldo" userId="eeaa994f99e4e508" providerId="LiveId" clId="{0CFB0F58-71E6-4057-8C2C-756F638B1CC4}" dt="2019-08-09T18:04:19.729" v="842" actId="166"/>
+          <ac:cxnSpMkLst>
+            <pc:docMk/>
+            <pc:sldMk cId="4078106684" sldId="290"/>
+            <ac:cxnSpMk id="52" creationId="{00000000-0000-0000-0000-000000000000}"/>
+          </ac:cxnSpMkLst>
+        </pc:cxnChg>
+        <pc:cxnChg chg="mod ord topLvl">
+          <ac:chgData name="Joshua Rinaldo" userId="eeaa994f99e4e508" providerId="LiveId" clId="{0CFB0F58-71E6-4057-8C2C-756F638B1CC4}" dt="2019-08-09T18:07:21.611" v="847" actId="1076"/>
+          <ac:cxnSpMkLst>
+            <pc:docMk/>
+            <pc:sldMk cId="4078106684" sldId="290"/>
+            <ac:cxnSpMk id="56" creationId="{00000000-0000-0000-0000-000000000000}"/>
+          </ac:cxnSpMkLst>
+        </pc:cxnChg>
+      </pc:sldChg>
+      <pc:sldChg chg="addSp delSp modSp add">
+        <pc:chgData name="Joshua Rinaldo" userId="eeaa994f99e4e508" providerId="LiveId" clId="{0CFB0F58-71E6-4057-8C2C-756F638B1CC4}" dt="2019-08-10T18:33:23.799" v="944" actId="1076"/>
+        <pc:sldMkLst>
+          <pc:docMk/>
+          <pc:sldMk cId="135700177" sldId="300"/>
+        </pc:sldMkLst>
+        <pc:spChg chg="del">
+          <ac:chgData name="Joshua Rinaldo" userId="eeaa994f99e4e508" providerId="LiveId" clId="{0CFB0F58-71E6-4057-8C2C-756F638B1CC4}" dt="2019-08-07T20:56:33.072" v="2" actId="478"/>
+          <ac:spMkLst>
+            <pc:docMk/>
+            <pc:sldMk cId="135700177" sldId="300"/>
+            <ac:spMk id="2" creationId="{4B06077E-2698-4753-B7FC-61E4DE7DD1F1}"/>
+          </ac:spMkLst>
+        </pc:spChg>
+        <pc:spChg chg="del">
+          <ac:chgData name="Joshua Rinaldo" userId="eeaa994f99e4e508" providerId="LiveId" clId="{0CFB0F58-71E6-4057-8C2C-756F638B1CC4}" dt="2019-08-07T20:56:31.566" v="1" actId="478"/>
+          <ac:spMkLst>
+            <pc:docMk/>
+            <pc:sldMk cId="135700177" sldId="300"/>
+            <ac:spMk id="3" creationId="{16428BD5-1E48-492D-B2FF-4EFDDA5844F4}"/>
+          </ac:spMkLst>
+        </pc:spChg>
+        <pc:spChg chg="add del">
+          <ac:chgData name="Joshua Rinaldo" userId="eeaa994f99e4e508" providerId="LiveId" clId="{0CFB0F58-71E6-4057-8C2C-756F638B1CC4}" dt="2019-08-07T20:56:37.516" v="4" actId="478"/>
+          <ac:spMkLst>
+            <pc:docMk/>
+            <pc:sldMk cId="135700177" sldId="300"/>
+            <ac:spMk id="4" creationId="{901011C9-5A33-419D-A38F-18F3F3A66D69}"/>
+          </ac:spMkLst>
+        </pc:spChg>
+        <pc:spChg chg="add mod">
+          <ac:chgData name="Joshua Rinaldo" userId="eeaa994f99e4e508" providerId="LiveId" clId="{0CFB0F58-71E6-4057-8C2C-756F638B1CC4}" dt="2019-08-10T18:23:28.589" v="942" actId="1076"/>
+          <ac:spMkLst>
+            <pc:docMk/>
+            <pc:sldMk cId="135700177" sldId="300"/>
+            <ac:spMk id="9" creationId="{6F459C70-25BC-4843-A7EA-BF315EEC4331}"/>
+          </ac:spMkLst>
+        </pc:spChg>
+        <pc:spChg chg="add del mod">
+          <ac:chgData name="Joshua Rinaldo" userId="eeaa994f99e4e508" providerId="LiveId" clId="{0CFB0F58-71E6-4057-8C2C-756F638B1CC4}" dt="2019-08-07T20:58:38.590" v="26" actId="478"/>
+          <ac:spMkLst>
+            <pc:docMk/>
+            <pc:sldMk cId="135700177" sldId="300"/>
+            <ac:spMk id="10" creationId="{4DEB61A8-82C4-45F1-A5F7-BBEF7EBA478F}"/>
+          </ac:spMkLst>
+        </pc:spChg>
+        <pc:spChg chg="add del mod">
+          <ac:chgData name="Joshua Rinaldo" userId="eeaa994f99e4e508" providerId="LiveId" clId="{0CFB0F58-71E6-4057-8C2C-756F638B1CC4}" dt="2019-08-07T20:58:57.547" v="30" actId="478"/>
+          <ac:spMkLst>
+            <pc:docMk/>
+            <pc:sldMk cId="135700177" sldId="300"/>
+            <ac:spMk id="11" creationId="{BF75EC39-8938-47B4-88FD-678BAFDA1B82}"/>
+          </ac:spMkLst>
+        </pc:spChg>
+        <pc:spChg chg="add del mod">
+          <ac:chgData name="Joshua Rinaldo" userId="eeaa994f99e4e508" providerId="LiveId" clId="{0CFB0F58-71E6-4057-8C2C-756F638B1CC4}" dt="2019-08-07T20:59:06.308" v="34" actId="478"/>
+          <ac:spMkLst>
+            <pc:docMk/>
+            <pc:sldMk cId="135700177" sldId="300"/>
+            <ac:spMk id="12" creationId="{EF7FDD8C-4373-4011-A57E-EDDF8278B057}"/>
+          </ac:spMkLst>
+        </pc:spChg>
+        <pc:spChg chg="add mod">
+          <ac:chgData name="Joshua Rinaldo" userId="eeaa994f99e4e508" providerId="LiveId" clId="{0CFB0F58-71E6-4057-8C2C-756F638B1CC4}" dt="2019-08-07T20:59:35.068" v="39" actId="207"/>
+          <ac:spMkLst>
+            <pc:docMk/>
+            <pc:sldMk cId="135700177" sldId="300"/>
+            <ac:spMk id="13" creationId="{E6F5F1BB-B6CD-4C56-B08B-688532F44A07}"/>
+          </ac:spMkLst>
+        </pc:spChg>
+        <pc:spChg chg="add mod">
+          <ac:chgData name="Joshua Rinaldo" userId="eeaa994f99e4e508" providerId="LiveId" clId="{0CFB0F58-71E6-4057-8C2C-756F638B1CC4}" dt="2019-08-07T21:01:56.934" v="65" actId="1076"/>
+          <ac:spMkLst>
+            <pc:docMk/>
+            <pc:sldMk cId="135700177" sldId="300"/>
+            <ac:spMk id="15" creationId="{9192B40B-E40B-43FC-B86E-805F59F80CCE}"/>
+          </ac:spMkLst>
+        </pc:spChg>
+        <pc:spChg chg="add mod">
+          <ac:chgData name="Joshua Rinaldo" userId="eeaa994f99e4e508" providerId="LiveId" clId="{0CFB0F58-71E6-4057-8C2C-756F638B1CC4}" dt="2019-08-07T21:01:53.421" v="64" actId="1076"/>
+          <ac:spMkLst>
+            <pc:docMk/>
+            <pc:sldMk cId="135700177" sldId="300"/>
+            <ac:spMk id="16" creationId="{A0615A93-4C3F-4668-B005-933A4851BC2A}"/>
+          </ac:spMkLst>
+        </pc:spChg>
+        <pc:spChg chg="add del mod">
+          <ac:chgData name="Joshua Rinaldo" userId="eeaa994f99e4e508" providerId="LiveId" clId="{0CFB0F58-71E6-4057-8C2C-756F638B1CC4}" dt="2019-08-08T17:19:55.262" v="70" actId="478"/>
+          <ac:spMkLst>
+            <pc:docMk/>
+            <pc:sldMk cId="135700177" sldId="300"/>
+            <ac:spMk id="17" creationId="{81A06019-BD08-4D3B-9847-F069189194FE}"/>
+          </ac:spMkLst>
+        </pc:spChg>
+        <pc:spChg chg="add mod">
+          <ac:chgData name="Joshua Rinaldo" userId="eeaa994f99e4e508" providerId="LiveId" clId="{0CFB0F58-71E6-4057-8C2C-756F638B1CC4}" dt="2019-08-08T17:20:10.445" v="77" actId="1076"/>
+          <ac:spMkLst>
+            <pc:docMk/>
+            <pc:sldMk cId="135700177" sldId="300"/>
+            <ac:spMk id="18" creationId="{F8277362-B2B7-4837-80D6-68FE9E1E1516}"/>
+          </ac:spMkLst>
+        </pc:spChg>
+        <pc:spChg chg="add mod">
+          <ac:chgData name="Joshua Rinaldo" userId="eeaa994f99e4e508" providerId="LiveId" clId="{0CFB0F58-71E6-4057-8C2C-756F638B1CC4}" dt="2019-08-08T17:20:15.113" v="79" actId="1076"/>
+          <ac:spMkLst>
+            <pc:docMk/>
+            <pc:sldMk cId="135700177" sldId="300"/>
+            <ac:spMk id="19" creationId="{56B1BE82-F9EE-4940-97D6-C2BEBB87D132}"/>
+          </ac:spMkLst>
+        </pc:spChg>
+        <pc:spChg chg="add mod">
+          <ac:chgData name="Joshua Rinaldo" userId="eeaa994f99e4e508" providerId="LiveId" clId="{0CFB0F58-71E6-4057-8C2C-756F638B1CC4}" dt="2019-08-08T17:20:18.856" v="81" actId="1076"/>
+          <ac:spMkLst>
+            <pc:docMk/>
+            <pc:sldMk cId="135700177" sldId="300"/>
+            <ac:spMk id="20" creationId="{5AB603D6-4272-4BFA-8DD0-6F4D2567A046}"/>
+          </ac:spMkLst>
+        </pc:spChg>
+        <pc:spChg chg="add mod">
+          <ac:chgData name="Joshua Rinaldo" userId="eeaa994f99e4e508" providerId="LiveId" clId="{0CFB0F58-71E6-4057-8C2C-756F638B1CC4}" dt="2019-08-08T17:20:30.751" v="85" actId="1076"/>
+          <ac:spMkLst>
+            <pc:docMk/>
+            <pc:sldMk cId="135700177" sldId="300"/>
+            <ac:spMk id="21" creationId="{852A0A1A-20FB-47B6-B870-A9A21F5B273C}"/>
+          </ac:spMkLst>
+        </pc:spChg>
+        <pc:spChg chg="add mod">
+          <ac:chgData name="Joshua Rinaldo" userId="eeaa994f99e4e508" providerId="LiveId" clId="{0CFB0F58-71E6-4057-8C2C-756F638B1CC4}" dt="2019-08-08T17:29:19.229" v="91" actId="1076"/>
+          <ac:spMkLst>
+            <pc:docMk/>
+            <pc:sldMk cId="135700177" sldId="300"/>
+            <ac:spMk id="22" creationId="{76FAB1D9-9CE0-4BC9-9B81-9B7144578E7A}"/>
+          </ac:spMkLst>
+        </pc:spChg>
+        <pc:spChg chg="add mod">
+          <ac:chgData name="Joshua Rinaldo" userId="eeaa994f99e4e508" providerId="LiveId" clId="{0CFB0F58-71E6-4057-8C2C-756F638B1CC4}" dt="2019-08-08T17:29:25.411" v="95" actId="1076"/>
+          <ac:spMkLst>
+            <pc:docMk/>
+            <pc:sldMk cId="135700177" sldId="300"/>
+            <ac:spMk id="23" creationId="{1F7D34B6-286F-4242-8A96-C3EA63AB3669}"/>
+          </ac:spMkLst>
+        </pc:spChg>
+        <pc:spChg chg="add mod">
+          <ac:chgData name="Joshua Rinaldo" userId="eeaa994f99e4e508" providerId="LiveId" clId="{0CFB0F58-71E6-4057-8C2C-756F638B1CC4}" dt="2019-08-08T17:29:36.981" v="101" actId="1076"/>
+          <ac:spMkLst>
+            <pc:docMk/>
+            <pc:sldMk cId="135700177" sldId="300"/>
+            <ac:spMk id="24" creationId="{591E9942-B388-4963-B352-66C7E386271A}"/>
+          </ac:spMkLst>
+        </pc:spChg>
+        <pc:spChg chg="add mod">
+          <ac:chgData name="Joshua Rinaldo" userId="eeaa994f99e4e508" providerId="LiveId" clId="{0CFB0F58-71E6-4057-8C2C-756F638B1CC4}" dt="2019-08-08T17:29:45.493" v="105" actId="1076"/>
+          <ac:spMkLst>
+            <pc:docMk/>
+            <pc:sldMk cId="135700177" sldId="300"/>
+            <ac:spMk id="25" creationId="{F73A1BF5-35BF-4DE7-BDD8-7CF598324728}"/>
+          </ac:spMkLst>
+        </pc:spChg>
+        <pc:spChg chg="add mod">
+          <ac:chgData name="Joshua Rinaldo" userId="eeaa994f99e4e508" providerId="LiveId" clId="{0CFB0F58-71E6-4057-8C2C-756F638B1CC4}" dt="2019-08-08T17:29:56.908" v="109" actId="1076"/>
+          <ac:spMkLst>
+            <pc:docMk/>
+            <pc:sldMk cId="135700177" sldId="300"/>
+            <ac:spMk id="26" creationId="{762E62CE-BDF5-4033-8883-8D8729B9AFAF}"/>
+          </ac:spMkLst>
+        </pc:spChg>
+        <pc:spChg chg="add mod">
+          <ac:chgData name="Joshua Rinaldo" userId="eeaa994f99e4e508" providerId="LiveId" clId="{0CFB0F58-71E6-4057-8C2C-756F638B1CC4}" dt="2019-08-08T17:30:10.361" v="114" actId="1076"/>
+          <ac:spMkLst>
+            <pc:docMk/>
+            <pc:sldMk cId="135700177" sldId="300"/>
+            <ac:spMk id="27" creationId="{FF746CDE-4426-4F70-96C1-DE3DE312A6E1}"/>
+          </ac:spMkLst>
+        </pc:spChg>
+        <pc:spChg chg="add mod">
+          <ac:chgData name="Joshua Rinaldo" userId="eeaa994f99e4e508" providerId="LiveId" clId="{0CFB0F58-71E6-4057-8C2C-756F638B1CC4}" dt="2019-08-08T17:30:34.836" v="123" actId="1076"/>
+          <ac:spMkLst>
+            <pc:docMk/>
+            <pc:sldMk cId="135700177" sldId="300"/>
+            <ac:spMk id="28" creationId="{A265A2C8-BF1C-4A8F-B508-2B33E8F05E93}"/>
+          </ac:spMkLst>
+        </pc:spChg>
+        <pc:spChg chg="add mod">
+          <ac:chgData name="Joshua Rinaldo" userId="eeaa994f99e4e508" providerId="LiveId" clId="{0CFB0F58-71E6-4057-8C2C-756F638B1CC4}" dt="2019-08-08T17:30:48.065" v="129" actId="1076"/>
+          <ac:spMkLst>
+            <pc:docMk/>
+            <pc:sldMk cId="135700177" sldId="300"/>
+            <ac:spMk id="29" creationId="{F3B3C0CE-E4E4-409F-879E-C04FF193A59F}"/>
+          </ac:spMkLst>
+        </pc:spChg>
+        <pc:spChg chg="add mod">
+          <ac:chgData name="Joshua Rinaldo" userId="eeaa994f99e4e508" providerId="LiveId" clId="{0CFB0F58-71E6-4057-8C2C-756F638B1CC4}" dt="2019-08-08T17:31:01.424" v="135" actId="1076"/>
+          <ac:spMkLst>
+            <pc:docMk/>
+            <pc:sldMk cId="135700177" sldId="300"/>
+            <ac:spMk id="30" creationId="{4B6DE01A-3E04-440B-9452-C422028651F3}"/>
+          </ac:spMkLst>
+        </pc:spChg>
+        <pc:spChg chg="add mod">
+          <ac:chgData name="Joshua Rinaldo" userId="eeaa994f99e4e508" providerId="LiveId" clId="{0CFB0F58-71E6-4057-8C2C-756F638B1CC4}" dt="2019-08-08T17:31:19.450" v="142" actId="1076"/>
+          <ac:spMkLst>
+            <pc:docMk/>
+            <pc:sldMk cId="135700177" sldId="300"/>
+            <ac:spMk id="31" creationId="{436723D8-03A8-4E3C-85E8-85F7BD539E97}"/>
+          </ac:spMkLst>
+        </pc:spChg>
+        <pc:spChg chg="add mod">
+          <ac:chgData name="Joshua Rinaldo" userId="eeaa994f99e4e508" providerId="LiveId" clId="{0CFB0F58-71E6-4057-8C2C-756F638B1CC4}" dt="2019-08-08T17:31:24.326" v="145" actId="688"/>
+          <ac:spMkLst>
+            <pc:docMk/>
+            <pc:sldMk cId="135700177" sldId="300"/>
+            <ac:spMk id="32" creationId="{A121D1B2-594B-48C8-9384-24D7612B230B}"/>
+          </ac:spMkLst>
+        </pc:spChg>
+        <pc:spChg chg="add mod">
+          <ac:chgData name="Joshua Rinaldo" userId="eeaa994f99e4e508" providerId="LiveId" clId="{0CFB0F58-71E6-4057-8C2C-756F638B1CC4}" dt="2019-08-08T17:31:31.968" v="149" actId="1076"/>
+          <ac:spMkLst>
+            <pc:docMk/>
+            <pc:sldMk cId="135700177" sldId="300"/>
+            <ac:spMk id="33" creationId="{53DDE7DD-E675-4CC9-A0F2-C679DB35E0B5}"/>
+          </ac:spMkLst>
+        </pc:spChg>
+        <pc:spChg chg="add mod">
+          <ac:chgData name="Joshua Rinaldo" userId="eeaa994f99e4e508" providerId="LiveId" clId="{0CFB0F58-71E6-4057-8C2C-756F638B1CC4}" dt="2019-08-08T17:31:43.002" v="153" actId="1076"/>
+          <ac:spMkLst>
+            <pc:docMk/>
+            <pc:sldMk cId="135700177" sldId="300"/>
+            <ac:spMk id="34" creationId="{010C3272-1380-4E53-9C1E-401A8EB9D2F4}"/>
+          </ac:spMkLst>
+        </pc:spChg>
+        <pc:spChg chg="add mod">
+          <ac:chgData name="Joshua Rinaldo" userId="eeaa994f99e4e508" providerId="LiveId" clId="{0CFB0F58-71E6-4057-8C2C-756F638B1CC4}" dt="2019-08-08T17:31:53.858" v="157" actId="1076"/>
+          <ac:spMkLst>
+            <pc:docMk/>
+            <pc:sldMk cId="135700177" sldId="300"/>
+            <ac:spMk id="35" creationId="{324DC08D-19A3-48ED-83AE-C1F24FB08667}"/>
+          </ac:spMkLst>
+        </pc:spChg>
+        <pc:spChg chg="add mod">
+          <ac:chgData name="Joshua Rinaldo" userId="eeaa994f99e4e508" providerId="LiveId" clId="{0CFB0F58-71E6-4057-8C2C-756F638B1CC4}" dt="2019-08-08T17:32:04.798" v="161" actId="1076"/>
+          <ac:spMkLst>
+            <pc:docMk/>
+            <pc:sldMk cId="135700177" sldId="300"/>
+            <ac:spMk id="36" creationId="{74D6BDFE-569E-4E9E-9848-8FFA60F929CD}"/>
+          </ac:spMkLst>
+        </pc:spChg>
+        <pc:spChg chg="add mod">
+          <ac:chgData name="Joshua Rinaldo" userId="eeaa994f99e4e508" providerId="LiveId" clId="{0CFB0F58-71E6-4057-8C2C-756F638B1CC4}" dt="2019-08-08T17:32:15.799" v="165" actId="1076"/>
+          <ac:spMkLst>
+            <pc:docMk/>
+            <pc:sldMk cId="135700177" sldId="300"/>
+            <ac:spMk id="37" creationId="{D2C25F1B-165A-4905-93DB-84D53F6AEC2E}"/>
+          </ac:spMkLst>
+        </pc:spChg>
+        <pc:spChg chg="add mod">
+          <ac:chgData name="Joshua Rinaldo" userId="eeaa994f99e4e508" providerId="LiveId" clId="{0CFB0F58-71E6-4057-8C2C-756F638B1CC4}" dt="2019-08-08T17:32:31.723" v="169" actId="1076"/>
+          <ac:spMkLst>
+            <pc:docMk/>
+            <pc:sldMk cId="135700177" sldId="300"/>
+            <ac:spMk id="38" creationId="{1CB73A02-CD2D-4E7A-A484-4ADFE70C0EC7}"/>
+          </ac:spMkLst>
+        </pc:spChg>
+        <pc:spChg chg="add mod">
+          <ac:chgData name="Joshua Rinaldo" userId="eeaa994f99e4e508" providerId="LiveId" clId="{0CFB0F58-71E6-4057-8C2C-756F638B1CC4}" dt="2019-08-08T17:32:38.986" v="173" actId="1076"/>
+          <ac:spMkLst>
+            <pc:docMk/>
+            <pc:sldMk cId="135700177" sldId="300"/>
+            <ac:spMk id="39" creationId="{51CD6068-85B6-4130-9966-C2C09ED44A1E}"/>
+          </ac:spMkLst>
+        </pc:spChg>
+        <pc:spChg chg="add mod">
+          <ac:chgData name="Joshua Rinaldo" userId="eeaa994f99e4e508" providerId="LiveId" clId="{0CFB0F58-71E6-4057-8C2C-756F638B1CC4}" dt="2019-08-08T17:32:46.864" v="177" actId="1076"/>
+          <ac:spMkLst>
+            <pc:docMk/>
+            <pc:sldMk cId="135700177" sldId="300"/>
+            <ac:spMk id="40" creationId="{6C2BE266-C6D6-4525-BE3D-C723B3D5825A}"/>
+          </ac:spMkLst>
+        </pc:spChg>
+        <pc:spChg chg="add mod">
+          <ac:chgData name="Joshua Rinaldo" userId="eeaa994f99e4e508" providerId="LiveId" clId="{0CFB0F58-71E6-4057-8C2C-756F638B1CC4}" dt="2019-08-08T17:32:55.579" v="180" actId="688"/>
+          <ac:spMkLst>
+            <pc:docMk/>
+            <pc:sldMk cId="135700177" sldId="300"/>
+            <ac:spMk id="41" creationId="{3383BA5C-167E-4D26-8BAD-335D08327560}"/>
+          </ac:spMkLst>
+        </pc:spChg>
+        <pc:spChg chg="add mod">
+          <ac:chgData name="Joshua Rinaldo" userId="eeaa994f99e4e508" providerId="LiveId" clId="{0CFB0F58-71E6-4057-8C2C-756F638B1CC4}" dt="2019-08-08T17:33:03.564" v="183" actId="688"/>
+          <ac:spMkLst>
+            <pc:docMk/>
+            <pc:sldMk cId="135700177" sldId="300"/>
+            <ac:spMk id="42" creationId="{177963F9-956C-4F76-85DB-661391D2F457}"/>
+          </ac:spMkLst>
+        </pc:spChg>
+        <pc:spChg chg="add mod">
+          <ac:chgData name="Joshua Rinaldo" userId="eeaa994f99e4e508" providerId="LiveId" clId="{0CFB0F58-71E6-4057-8C2C-756F638B1CC4}" dt="2019-08-08T17:33:12.970" v="187" actId="1076"/>
+          <ac:spMkLst>
+            <pc:docMk/>
+            <pc:sldMk cId="135700177" sldId="300"/>
+            <ac:spMk id="43" creationId="{67A4D2F5-F28B-42DB-9CFE-0C2F1E185A11}"/>
+          </ac:spMkLst>
+        </pc:spChg>
+        <pc:spChg chg="add mod">
+          <ac:chgData name="Joshua Rinaldo" userId="eeaa994f99e4e508" providerId="LiveId" clId="{0CFB0F58-71E6-4057-8C2C-756F638B1CC4}" dt="2019-08-08T17:33:22.494" v="191" actId="1076"/>
+          <ac:spMkLst>
+            <pc:docMk/>
+            <pc:sldMk cId="135700177" sldId="300"/>
+            <ac:spMk id="44" creationId="{44F4CE2E-10C5-474A-9214-DF48C44A9814}"/>
+          </ac:spMkLst>
+        </pc:spChg>
+        <pc:spChg chg="add mod">
+          <ac:chgData name="Joshua Rinaldo" userId="eeaa994f99e4e508" providerId="LiveId" clId="{0CFB0F58-71E6-4057-8C2C-756F638B1CC4}" dt="2019-08-08T17:33:35.539" v="197" actId="1076"/>
+          <ac:spMkLst>
+            <pc:docMk/>
+            <pc:sldMk cId="135700177" sldId="300"/>
+            <ac:spMk id="45" creationId="{7D9C3444-3CF1-421F-945B-7684ABBC6BA1}"/>
+          </ac:spMkLst>
+        </pc:spChg>
+        <pc:picChg chg="add del mod">
+          <ac:chgData name="Joshua Rinaldo" userId="eeaa994f99e4e508" providerId="LiveId" clId="{0CFB0F58-71E6-4057-8C2C-756F638B1CC4}" dt="2019-08-07T20:57:13.253" v="16" actId="478"/>
+          <ac:picMkLst>
+            <pc:docMk/>
+            <pc:sldMk cId="135700177" sldId="300"/>
+            <ac:picMk id="6" creationId="{DF316775-9DA5-4762-BE86-1E38BD70F387}"/>
+          </ac:picMkLst>
+        </pc:picChg>
+        <pc:picChg chg="add mod modCrop">
+          <ac:chgData name="Joshua Rinaldo" userId="eeaa994f99e4e508" providerId="LiveId" clId="{0CFB0F58-71E6-4057-8C2C-756F638B1CC4}" dt="2019-08-10T18:33:23.799" v="944" actId="1076"/>
+          <ac:picMkLst>
+            <pc:docMk/>
+            <pc:sldMk cId="135700177" sldId="300"/>
+            <ac:picMk id="8" creationId="{0ECA33B7-E5B6-4039-9612-8830138C7A01}"/>
+          </ac:picMkLst>
+        </pc:picChg>
+        <pc:picChg chg="add del">
+          <ac:chgData name="Joshua Rinaldo" userId="eeaa994f99e4e508" providerId="LiveId" clId="{0CFB0F58-71E6-4057-8C2C-756F638B1CC4}" dt="2019-08-07T20:59:54.257" v="41"/>
+          <ac:picMkLst>
+            <pc:docMk/>
+            <pc:sldMk cId="135700177" sldId="300"/>
+            <ac:picMk id="14" creationId="{D1873F72-C276-454A-9524-21D3C765A4F3}"/>
+          </ac:picMkLst>
+        </pc:picChg>
+      </pc:sldChg>
+      <pc:sldChg chg="addSp delSp modSp add">
+        <pc:chgData name="Joshua Rinaldo" userId="eeaa994f99e4e508" providerId="LiveId" clId="{0CFB0F58-71E6-4057-8C2C-756F638B1CC4}" dt="2019-08-08T17:40:20.173" v="351" actId="1076"/>
+        <pc:sldMkLst>
+          <pc:docMk/>
+          <pc:sldMk cId="1207706665" sldId="301"/>
+        </pc:sldMkLst>
+        <pc:spChg chg="del">
+          <ac:chgData name="Joshua Rinaldo" userId="eeaa994f99e4e508" providerId="LiveId" clId="{0CFB0F58-71E6-4057-8C2C-756F638B1CC4}" dt="2019-08-07T20:59:59.625" v="44" actId="478"/>
+          <ac:spMkLst>
+            <pc:docMk/>
+            <pc:sldMk cId="1207706665" sldId="301"/>
+            <ac:spMk id="2" creationId="{BC741730-7B65-4484-93F8-3AC820324833}"/>
+          </ac:spMkLst>
+        </pc:spChg>
+        <pc:spChg chg="del">
+          <ac:chgData name="Joshua Rinaldo" userId="eeaa994f99e4e508" providerId="LiveId" clId="{0CFB0F58-71E6-4057-8C2C-756F638B1CC4}" dt="2019-08-07T20:59:58.258" v="43" actId="478"/>
+          <ac:spMkLst>
+            <pc:docMk/>
+            <pc:sldMk cId="1207706665" sldId="301"/>
+            <ac:spMk id="3" creationId="{DC99AEFA-9EF6-40BD-B013-4005275C7C2A}"/>
+          </ac:spMkLst>
+        </pc:spChg>
+        <pc:spChg chg="add mod">
+          <ac:chgData name="Joshua Rinaldo" userId="eeaa994f99e4e508" providerId="LiveId" clId="{0CFB0F58-71E6-4057-8C2C-756F638B1CC4}" dt="2019-08-08T17:39:39.524" v="325" actId="1076"/>
+          <ac:spMkLst>
+            <pc:docMk/>
+            <pc:sldMk cId="1207706665" sldId="301"/>
+            <ac:spMk id="5" creationId="{60304C17-EBD5-4918-98D0-30892C65AEA2}"/>
+          </ac:spMkLst>
+        </pc:spChg>
+        <pc:spChg chg="add mod">
+          <ac:chgData name="Joshua Rinaldo" userId="eeaa994f99e4e508" providerId="LiveId" clId="{0CFB0F58-71E6-4057-8C2C-756F638B1CC4}" dt="2019-08-08T17:36:45.396" v="274" actId="1076"/>
+          <ac:spMkLst>
+            <pc:docMk/>
+            <pc:sldMk cId="1207706665" sldId="301"/>
+            <ac:spMk id="8" creationId="{D7ED54A5-868E-41A7-B40A-E05D9690FBCF}"/>
+          </ac:spMkLst>
+        </pc:spChg>
+        <pc:spChg chg="add del mod">
+          <ac:chgData name="Joshua Rinaldo" userId="eeaa994f99e4e508" providerId="LiveId" clId="{0CFB0F58-71E6-4057-8C2C-756F638B1CC4}" dt="2019-08-08T17:37:55.264" v="293" actId="478"/>
+          <ac:spMkLst>
+            <pc:docMk/>
+            <pc:sldMk cId="1207706665" sldId="301"/>
+            <ac:spMk id="16" creationId="{7506B755-2221-4AF4-89B1-8C520454080E}"/>
+          </ac:spMkLst>
+        </pc:spChg>
+        <pc:spChg chg="add mod">
+          <ac:chgData name="Joshua Rinaldo" userId="eeaa994f99e4e508" providerId="LiveId" clId="{0CFB0F58-71E6-4057-8C2C-756F638B1CC4}" dt="2019-08-08T17:38:31.555" v="299" actId="1076"/>
+          <ac:spMkLst>
+            <pc:docMk/>
+            <pc:sldMk cId="1207706665" sldId="301"/>
+            <ac:spMk id="17" creationId="{E5244717-30BE-407C-9F24-FECA34C07C55}"/>
+          </ac:spMkLst>
+        </pc:spChg>
+        <pc:spChg chg="add mod">
+          <ac:chgData name="Joshua Rinaldo" userId="eeaa994f99e4e508" providerId="LiveId" clId="{0CFB0F58-71E6-4057-8C2C-756F638B1CC4}" dt="2019-08-08T17:39:05.027" v="310" actId="688"/>
+          <ac:spMkLst>
+            <pc:docMk/>
+            <pc:sldMk cId="1207706665" sldId="301"/>
+            <ac:spMk id="18" creationId="{896C3535-769E-4A4D-8594-BCA08BDEB92E}"/>
+          </ac:spMkLst>
+        </pc:spChg>
+        <pc:spChg chg="add mod">
+          <ac:chgData name="Joshua Rinaldo" userId="eeaa994f99e4e508" providerId="LiveId" clId="{0CFB0F58-71E6-4057-8C2C-756F638B1CC4}" dt="2019-08-08T17:39:20.213" v="316" actId="1076"/>
+          <ac:spMkLst>
+            <pc:docMk/>
+            <pc:sldMk cId="1207706665" sldId="301"/>
+            <ac:spMk id="19" creationId="{86036CBA-E6C5-485D-910A-5E90A3D4D2AA}"/>
+          </ac:spMkLst>
+        </pc:spChg>
+        <pc:spChg chg="add mod">
+          <ac:chgData name="Joshua Rinaldo" userId="eeaa994f99e4e508" providerId="LiveId" clId="{0CFB0F58-71E6-4057-8C2C-756F638B1CC4}" dt="2019-08-08T17:39:28.102" v="319" actId="1076"/>
+          <ac:spMkLst>
+            <pc:docMk/>
+            <pc:sldMk cId="1207706665" sldId="301"/>
+            <ac:spMk id="20" creationId="{C852208A-F33E-4CDB-A34B-66A2B98F9D8C}"/>
+          </ac:spMkLst>
+        </pc:spChg>
+        <pc:spChg chg="add mod">
+          <ac:chgData name="Joshua Rinaldo" userId="eeaa994f99e4e508" providerId="LiveId" clId="{0CFB0F58-71E6-4057-8C2C-756F638B1CC4}" dt="2019-08-08T17:39:42.971" v="326" actId="688"/>
+          <ac:spMkLst>
+            <pc:docMk/>
+            <pc:sldMk cId="1207706665" sldId="301"/>
+            <ac:spMk id="21" creationId="{D7C4B9AB-FDEF-4DCB-A726-2CF32DD4F25E}"/>
+          </ac:spMkLst>
+        </pc:spChg>
+        <pc:spChg chg="add mod">
+          <ac:chgData name="Joshua Rinaldo" userId="eeaa994f99e4e508" providerId="LiveId" clId="{0CFB0F58-71E6-4057-8C2C-756F638B1CC4}" dt="2019-08-08T17:39:58.065" v="332" actId="1076"/>
+          <ac:spMkLst>
+            <pc:docMk/>
+            <pc:sldMk cId="1207706665" sldId="301"/>
+            <ac:spMk id="22" creationId="{6E4C9CAB-AC75-4509-9D90-5291DD1AD040}"/>
+          </ac:spMkLst>
+        </pc:spChg>
+        <pc:spChg chg="add mod">
+          <ac:chgData name="Joshua Rinaldo" userId="eeaa994f99e4e508" providerId="LiveId" clId="{0CFB0F58-71E6-4057-8C2C-756F638B1CC4}" dt="2019-08-08T17:40:20.173" v="351" actId="1076"/>
+          <ac:spMkLst>
+            <pc:docMk/>
+            <pc:sldMk cId="1207706665" sldId="301"/>
+            <ac:spMk id="23" creationId="{3BEE9B05-7C65-4324-99C8-C79165562C3D}"/>
+          </ac:spMkLst>
+        </pc:spChg>
+        <pc:picChg chg="add del mod modCrop">
+          <ac:chgData name="Joshua Rinaldo" userId="eeaa994f99e4e508" providerId="LiveId" clId="{0CFB0F58-71E6-4057-8C2C-756F638B1CC4}" dt="2019-08-07T21:00:34.788" v="51" actId="478"/>
+          <ac:picMkLst>
+            <pc:docMk/>
+            <pc:sldMk cId="1207706665" sldId="301"/>
+            <ac:picMk id="4" creationId="{9B693446-9D4E-4D2C-8999-A4BF486378AD}"/>
+          </ac:picMkLst>
+        </pc:picChg>
+        <pc:cxnChg chg="add del mod">
+          <ac:chgData name="Joshua Rinaldo" userId="eeaa994f99e4e508" providerId="LiveId" clId="{0CFB0F58-71E6-4057-8C2C-756F638B1CC4}" dt="2019-08-08T17:37:24.655" v="283" actId="478"/>
+          <ac:cxnSpMkLst>
+            <pc:docMk/>
+            <pc:sldMk cId="1207706665" sldId="301"/>
+            <ac:cxnSpMk id="7" creationId="{B8C03B71-8E03-408F-87DF-FEFD1C1B15EF}"/>
+          </ac:cxnSpMkLst>
+        </pc:cxnChg>
+        <pc:cxnChg chg="add mod">
+          <ac:chgData name="Joshua Rinaldo" userId="eeaa994f99e4e508" providerId="LiveId" clId="{0CFB0F58-71E6-4057-8C2C-756F638B1CC4}" dt="2019-08-08T17:37:38.240" v="287" actId="693"/>
+          <ac:cxnSpMkLst>
+            <pc:docMk/>
+            <pc:sldMk cId="1207706665" sldId="301"/>
+            <ac:cxnSpMk id="12" creationId="{6FF2140B-813F-493C-946E-F6C3CA9E2544}"/>
+          </ac:cxnSpMkLst>
+        </pc:cxnChg>
+      </pc:sldChg>
+      <pc:sldChg chg="addSp delSp modSp add">
+        <pc:chgData name="Joshua Rinaldo" userId="eeaa994f99e4e508" providerId="LiveId" clId="{0CFB0F58-71E6-4057-8C2C-756F638B1CC4}" dt="2019-08-09T00:11:52.071" v="541" actId="1582"/>
+        <pc:sldMkLst>
+          <pc:docMk/>
+          <pc:sldMk cId="156130554" sldId="302"/>
+        </pc:sldMkLst>
+        <pc:spChg chg="del">
+          <ac:chgData name="Joshua Rinaldo" userId="eeaa994f99e4e508" providerId="LiveId" clId="{0CFB0F58-71E6-4057-8C2C-756F638B1CC4}" dt="2019-08-08T22:25:58.322" v="354" actId="478"/>
+          <ac:spMkLst>
+            <pc:docMk/>
+            <pc:sldMk cId="156130554" sldId="302"/>
+            <ac:spMk id="2" creationId="{9FB763A6-B58B-44E7-81C7-CE622C991019}"/>
+          </ac:spMkLst>
+        </pc:spChg>
+        <pc:spChg chg="del">
+          <ac:chgData name="Joshua Rinaldo" userId="eeaa994f99e4e508" providerId="LiveId" clId="{0CFB0F58-71E6-4057-8C2C-756F638B1CC4}" dt="2019-08-08T22:25:57.170" v="353" actId="478"/>
+          <ac:spMkLst>
+            <pc:docMk/>
+            <pc:sldMk cId="156130554" sldId="302"/>
+            <ac:spMk id="3" creationId="{CBD91080-18B0-4BA2-A039-280C91D0744A}"/>
+          </ac:spMkLst>
+        </pc:spChg>
+        <pc:spChg chg="add mod">
+          <ac:chgData name="Joshua Rinaldo" userId="eeaa994f99e4e508" providerId="LiveId" clId="{0CFB0F58-71E6-4057-8C2C-756F638B1CC4}" dt="2019-08-08T22:35:18.824" v="364" actId="164"/>
+          <ac:spMkLst>
+            <pc:docMk/>
+            <pc:sldMk cId="156130554" sldId="302"/>
+            <ac:spMk id="6" creationId="{3C9485B5-911E-4F20-B0C3-76A021084F95}"/>
+          </ac:spMkLst>
+        </pc:spChg>
+        <pc:spChg chg="add mod">
+          <ac:chgData name="Joshua Rinaldo" userId="eeaa994f99e4e508" providerId="LiveId" clId="{0CFB0F58-71E6-4057-8C2C-756F638B1CC4}" dt="2019-08-08T22:35:18.824" v="364" actId="164"/>
+          <ac:spMkLst>
+            <pc:docMk/>
+            <pc:sldMk cId="156130554" sldId="302"/>
+            <ac:spMk id="7" creationId="{AE0D2D1A-2F2C-4CDF-9918-1C0527FDA8D4}"/>
+          </ac:spMkLst>
+        </pc:spChg>
+        <pc:spChg chg="add mod">
+          <ac:chgData name="Joshua Rinaldo" userId="eeaa994f99e4e508" providerId="LiveId" clId="{0CFB0F58-71E6-4057-8C2C-756F638B1CC4}" dt="2019-08-08T22:35:18.824" v="364" actId="164"/>
+          <ac:spMkLst>
+            <pc:docMk/>
+            <pc:sldMk cId="156130554" sldId="302"/>
+            <ac:spMk id="8" creationId="{64711ACE-8173-46A9-9DE9-09945132AC44}"/>
+          </ac:spMkLst>
+        </pc:spChg>
+        <pc:spChg chg="add del mod">
+          <ac:chgData name="Joshua Rinaldo" userId="eeaa994f99e4e508" providerId="LiveId" clId="{0CFB0F58-71E6-4057-8C2C-756F638B1CC4}" dt="2019-08-08T22:35:39.978" v="367" actId="11529"/>
+          <ac:spMkLst>
+            <pc:docMk/>
+            <pc:sldMk cId="156130554" sldId="302"/>
+            <ac:spMk id="10" creationId="{65DE0F1A-B404-4F2F-9BCC-8C48DB8A4AF0}"/>
+          </ac:spMkLst>
+        </pc:spChg>
+        <pc:spChg chg="add del mod">
+          <ac:chgData name="Joshua Rinaldo" userId="eeaa994f99e4e508" providerId="LiveId" clId="{0CFB0F58-71E6-4057-8C2C-756F638B1CC4}" dt="2019-08-08T22:35:48.938" v="369" actId="478"/>
+          <ac:spMkLst>
+            <pc:docMk/>
+            <pc:sldMk cId="156130554" sldId="302"/>
+            <ac:spMk id="11" creationId="{3253980E-22B6-40CE-9A23-848F370186A7}"/>
+          </ac:spMkLst>
+        </pc:spChg>
+        <pc:spChg chg="add del mod">
+          <ac:chgData name="Joshua Rinaldo" userId="eeaa994f99e4e508" providerId="LiveId" clId="{0CFB0F58-71E6-4057-8C2C-756F638B1CC4}" dt="2019-08-08T22:37:32.390" v="371" actId="11529"/>
+          <ac:spMkLst>
+            <pc:docMk/>
+            <pc:sldMk cId="156130554" sldId="302"/>
+            <ac:spMk id="12" creationId="{3DB0D8FF-3D4F-4A09-A114-72BED76726B7}"/>
+          </ac:spMkLst>
+        </pc:spChg>
+        <pc:spChg chg="add mod">
+          <ac:chgData name="Joshua Rinaldo" userId="eeaa994f99e4e508" providerId="LiveId" clId="{0CFB0F58-71E6-4057-8C2C-756F638B1CC4}" dt="2019-08-08T22:52:01.265" v="445" actId="164"/>
+          <ac:spMkLst>
+            <pc:docMk/>
+            <pc:sldMk cId="156130554" sldId="302"/>
+            <ac:spMk id="13" creationId="{B09A4F87-FEE7-426C-A379-953953D5F5CE}"/>
+          </ac:spMkLst>
+        </pc:spChg>
+        <pc:spChg chg="add mod ord">
+          <ac:chgData name="Joshua Rinaldo" userId="eeaa994f99e4e508" providerId="LiveId" clId="{0CFB0F58-71E6-4057-8C2C-756F638B1CC4}" dt="2019-08-08T23:03:31.780" v="464" actId="1076"/>
+          <ac:spMkLst>
+            <pc:docMk/>
+            <pc:sldMk cId="156130554" sldId="302"/>
+            <ac:spMk id="14" creationId="{E19F9CCF-8D4E-44F1-AC10-3D27D3A0C4C6}"/>
+          </ac:spMkLst>
+        </pc:spChg>
+        <pc:spChg chg="add mod">
+          <ac:chgData name="Joshua Rinaldo" userId="eeaa994f99e4e508" providerId="LiveId" clId="{0CFB0F58-71E6-4057-8C2C-756F638B1CC4}" dt="2019-08-08T22:52:01.265" v="445" actId="164"/>
+          <ac:spMkLst>
+            <pc:docMk/>
+            <pc:sldMk cId="156130554" sldId="302"/>
+            <ac:spMk id="15" creationId="{9359EB57-35C5-4B39-BDAF-C4F4BD54E834}"/>
+          </ac:spMkLst>
+        </pc:spChg>
+        <pc:spChg chg="add mod">
+          <ac:chgData name="Joshua Rinaldo" userId="eeaa994f99e4e508" providerId="LiveId" clId="{0CFB0F58-71E6-4057-8C2C-756F638B1CC4}" dt="2019-08-08T22:52:01.265" v="445" actId="164"/>
+          <ac:spMkLst>
+            <pc:docMk/>
+            <pc:sldMk cId="156130554" sldId="302"/>
+            <ac:spMk id="16" creationId="{0D789E01-5F1E-45C5-B36B-8BD50676FD23}"/>
+          </ac:spMkLst>
+        </pc:spChg>
+        <pc:spChg chg="add del">
+          <ac:chgData name="Joshua Rinaldo" userId="eeaa994f99e4e508" providerId="LiveId" clId="{0CFB0F58-71E6-4057-8C2C-756F638B1CC4}" dt="2019-08-08T22:52:04.018" v="447" actId="478"/>
+          <ac:spMkLst>
+            <pc:docMk/>
+            <pc:sldMk cId="156130554" sldId="302"/>
+            <ac:spMk id="30" creationId="{AF24D5B4-8045-4778-A195-35D3E801793E}"/>
+          </ac:spMkLst>
+        </pc:spChg>
+        <pc:spChg chg="mod ord">
+          <ac:chgData name="Joshua Rinaldo" userId="eeaa994f99e4e508" providerId="LiveId" clId="{0CFB0F58-71E6-4057-8C2C-756F638B1CC4}" dt="2019-08-08T22:53:25.240" v="463" actId="1076"/>
+          <ac:spMkLst>
+            <pc:docMk/>
+            <pc:sldMk cId="156130554" sldId="302"/>
+            <ac:spMk id="32" creationId="{9664E902-B56F-4EC2-8AF5-3E693F71AE24}"/>
+          </ac:spMkLst>
+        </pc:spChg>
+        <pc:spChg chg="ord">
+          <ac:chgData name="Joshua Rinaldo" userId="eeaa994f99e4e508" providerId="LiveId" clId="{0CFB0F58-71E6-4057-8C2C-756F638B1CC4}" dt="2019-08-08T22:53:21.573" v="462" actId="166"/>
+          <ac:spMkLst>
+            <pc:docMk/>
+            <pc:sldMk cId="156130554" sldId="302"/>
+            <ac:spMk id="33" creationId="{BBF2E73B-3201-4B67-92ED-DDDB9826C1EB}"/>
+          </ac:spMkLst>
+        </pc:spChg>
+        <pc:spChg chg="mod">
+          <ac:chgData name="Joshua Rinaldo" userId="eeaa994f99e4e508" providerId="LiveId" clId="{0CFB0F58-71E6-4057-8C2C-756F638B1CC4}" dt="2019-08-08T22:52:45.781" v="453" actId="1076"/>
+          <ac:spMkLst>
+            <pc:docMk/>
+            <pc:sldMk cId="156130554" sldId="302"/>
+            <ac:spMk id="34" creationId="{D68169E2-C818-49C7-83FB-BCE44DA9766D}"/>
+          </ac:spMkLst>
+        </pc:spChg>
+        <pc:spChg chg="add del mod">
+          <ac:chgData name="Joshua Rinaldo" userId="eeaa994f99e4e508" providerId="LiveId" clId="{0CFB0F58-71E6-4057-8C2C-756F638B1CC4}" dt="2019-08-08T23:04:16.531" v="473" actId="478"/>
+          <ac:spMkLst>
+            <pc:docMk/>
+            <pc:sldMk cId="156130554" sldId="302"/>
+            <ac:spMk id="38" creationId="{B04DCEC7-6B18-4B57-BBDD-6471C26209B0}"/>
+          </ac:spMkLst>
+        </pc:spChg>
+        <pc:spChg chg="add mod ord">
+          <ac:chgData name="Joshua Rinaldo" userId="eeaa994f99e4e508" providerId="LiveId" clId="{0CFB0F58-71E6-4057-8C2C-756F638B1CC4}" dt="2019-08-09T00:11:45.767" v="540" actId="1582"/>
+          <ac:spMkLst>
+            <pc:docMk/>
+            <pc:sldMk cId="156130554" sldId="302"/>
+            <ac:spMk id="39" creationId="{2FCD5895-75B9-40AD-852C-F83EA961ED58}"/>
+          </ac:spMkLst>
+        </pc:spChg>
+        <pc:spChg chg="add mod ord">
+          <ac:chgData name="Joshua Rinaldo" userId="eeaa994f99e4e508" providerId="LiveId" clId="{0CFB0F58-71E6-4057-8C2C-756F638B1CC4}" dt="2019-08-09T00:11:52.071" v="541" actId="1582"/>
+          <ac:spMkLst>
+            <pc:docMk/>
+            <pc:sldMk cId="156130554" sldId="302"/>
+            <ac:spMk id="40" creationId="{CDF3B956-9187-4906-94A1-24954A99EAC9}"/>
+          </ac:spMkLst>
+        </pc:spChg>
+        <pc:spChg chg="add mod">
+          <ac:chgData name="Joshua Rinaldo" userId="eeaa994f99e4e508" providerId="LiveId" clId="{0CFB0F58-71E6-4057-8C2C-756F638B1CC4}" dt="2019-08-08T23:59:57.208" v="537" actId="164"/>
+          <ac:spMkLst>
+            <pc:docMk/>
+            <pc:sldMk cId="156130554" sldId="302"/>
+            <ac:spMk id="44" creationId="{7266DE96-26E4-4EBE-BBAC-08B839349917}"/>
+          </ac:spMkLst>
+        </pc:spChg>
+        <pc:spChg chg="add mod">
+          <ac:chgData name="Joshua Rinaldo" userId="eeaa994f99e4e508" providerId="LiveId" clId="{0CFB0F58-71E6-4057-8C2C-756F638B1CC4}" dt="2019-08-08T23:59:57.208" v="537" actId="164"/>
+          <ac:spMkLst>
+            <pc:docMk/>
+            <pc:sldMk cId="156130554" sldId="302"/>
+            <ac:spMk id="45" creationId="{29E19FBC-C2A0-48E4-9A44-1A0C24C7DBD6}"/>
+          </ac:spMkLst>
+        </pc:spChg>
+        <pc:grpChg chg="add mod">
+          <ac:chgData name="Joshua Rinaldo" userId="eeaa994f99e4e508" providerId="LiveId" clId="{0CFB0F58-71E6-4057-8C2C-756F638B1CC4}" dt="2019-08-08T23:59:57.208" v="537" actId="164"/>
+          <ac:grpSpMkLst>
+            <pc:docMk/>
+            <pc:sldMk cId="156130554" sldId="302"/>
+            <ac:grpSpMk id="9" creationId="{4766AE7E-1D2B-48B9-8560-88DBB628C4E0}"/>
+          </ac:grpSpMkLst>
+        </pc:grpChg>
+        <pc:grpChg chg="add del mod">
+          <ac:chgData name="Joshua Rinaldo" userId="eeaa994f99e4e508" providerId="LiveId" clId="{0CFB0F58-71E6-4057-8C2C-756F638B1CC4}" dt="2019-08-08T23:42:08.814" v="498" actId="478"/>
+          <ac:grpSpMkLst>
+            <pc:docMk/>
+            <pc:sldMk cId="156130554" sldId="302"/>
+            <ac:grpSpMk id="29" creationId="{D0790508-12A0-4CBB-8430-CC36B2889A24}"/>
+          </ac:grpSpMkLst>
+        </pc:grpChg>
+        <pc:grpChg chg="add del mod ord">
+          <ac:chgData name="Joshua Rinaldo" userId="eeaa994f99e4e508" providerId="LiveId" clId="{0CFB0F58-71E6-4057-8C2C-756F638B1CC4}" dt="2019-08-08T23:03:50.956" v="465" actId="478"/>
+          <ac:grpSpMkLst>
+            <pc:docMk/>
+            <pc:sldMk cId="156130554" sldId="302"/>
+            <ac:grpSpMk id="31" creationId="{1017A208-D859-411A-9A4F-7DF5B793907B}"/>
+          </ac:grpSpMkLst>
+        </pc:grpChg>
+        <pc:grpChg chg="add mod">
+          <ac:chgData name="Joshua Rinaldo" userId="eeaa994f99e4e508" providerId="LiveId" clId="{0CFB0F58-71E6-4057-8C2C-756F638B1CC4}" dt="2019-08-08T23:59:57.208" v="537" actId="164"/>
+          <ac:grpSpMkLst>
+            <pc:docMk/>
+            <pc:sldMk cId="156130554" sldId="302"/>
+            <ac:grpSpMk id="43" creationId="{C121B804-DD36-4351-8BE5-806A46977383}"/>
+          </ac:grpSpMkLst>
+        </pc:grpChg>
+        <pc:grpChg chg="add mod">
+          <ac:chgData name="Joshua Rinaldo" userId="eeaa994f99e4e508" providerId="LiveId" clId="{0CFB0F58-71E6-4057-8C2C-756F638B1CC4}" dt="2019-08-08T23:59:57.208" v="537" actId="164"/>
+          <ac:grpSpMkLst>
+            <pc:docMk/>
+            <pc:sldMk cId="156130554" sldId="302"/>
+            <ac:grpSpMk id="46" creationId="{25390CD8-FD0A-45E0-9E92-859EC19DC48A}"/>
+          </ac:grpSpMkLst>
+        </pc:grpChg>
+        <pc:picChg chg="add mod modCrop">
+          <ac:chgData name="Joshua Rinaldo" userId="eeaa994f99e4e508" providerId="LiveId" clId="{0CFB0F58-71E6-4057-8C2C-756F638B1CC4}" dt="2019-08-09T00:00:04.972" v="539" actId="1076"/>
+          <ac:picMkLst>
+            <pc:docMk/>
+            <pc:sldMk cId="156130554" sldId="302"/>
+            <ac:picMk id="5" creationId="{C2243CA0-D2A4-4BD1-9FEA-E7CB403FA94A}"/>
+          </ac:picMkLst>
+        </pc:picChg>
+        <pc:picChg chg="add mod modCrop">
+          <ac:chgData name="Joshua Rinaldo" userId="eeaa994f99e4e508" providerId="LiveId" clId="{0CFB0F58-71E6-4057-8C2C-756F638B1CC4}" dt="2019-08-08T23:59:57.208" v="537" actId="164"/>
+          <ac:picMkLst>
+            <pc:docMk/>
+            <pc:sldMk cId="156130554" sldId="302"/>
+            <ac:picMk id="42" creationId="{A4FB208C-E9BD-4F75-BFB7-D2AF4FF93921}"/>
+          </ac:picMkLst>
+        </pc:picChg>
+        <pc:cxnChg chg="add mod">
+          <ac:chgData name="Joshua Rinaldo" userId="eeaa994f99e4e508" providerId="LiveId" clId="{0CFB0F58-71E6-4057-8C2C-756F638B1CC4}" dt="2019-08-08T22:52:01.265" v="445" actId="164"/>
+          <ac:cxnSpMkLst>
+            <pc:docMk/>
+            <pc:sldMk cId="156130554" sldId="302"/>
+            <ac:cxnSpMk id="18" creationId="{388E71F4-0A8A-4202-8DB1-92032AB2D521}"/>
+          </ac:cxnSpMkLst>
+        </pc:cxnChg>
+        <pc:cxnChg chg="add del mod">
+          <ac:chgData name="Joshua Rinaldo" userId="eeaa994f99e4e508" providerId="LiveId" clId="{0CFB0F58-71E6-4057-8C2C-756F638B1CC4}" dt="2019-08-08T22:51:35.961" v="440" actId="478"/>
+          <ac:cxnSpMkLst>
+            <pc:docMk/>
+            <pc:sldMk cId="156130554" sldId="302"/>
+            <ac:cxnSpMk id="27" creationId="{4C97A303-0B56-41D3-9EA5-BEE4F28E02D6}"/>
+          </ac:cxnSpMkLst>
+        </pc:cxnChg>
+        <pc:cxnChg chg="add mod">
+          <ac:chgData name="Joshua Rinaldo" userId="eeaa994f99e4e508" providerId="LiveId" clId="{0CFB0F58-71E6-4057-8C2C-756F638B1CC4}" dt="2019-08-08T22:52:01.265" v="445" actId="164"/>
+          <ac:cxnSpMkLst>
+            <pc:docMk/>
+            <pc:sldMk cId="156130554" sldId="302"/>
+            <ac:cxnSpMk id="28" creationId="{D7B44547-3DCF-4E1C-8671-85580531C9A5}"/>
+          </ac:cxnSpMkLst>
+        </pc:cxnChg>
+      </pc:sldChg>
+      <pc:sldChg chg="addSp delSp modSp add">
+        <pc:chgData name="Joshua Rinaldo" userId="eeaa994f99e4e508" providerId="LiveId" clId="{0CFB0F58-71E6-4057-8C2C-756F638B1CC4}" dt="2019-08-10T21:15:47.500" v="949" actId="1076"/>
+        <pc:sldMkLst>
+          <pc:docMk/>
+          <pc:sldMk cId="390938266" sldId="303"/>
+        </pc:sldMkLst>
+        <pc:spChg chg="del">
+          <ac:chgData name="Joshua Rinaldo" userId="eeaa994f99e4e508" providerId="LiveId" clId="{0CFB0F58-71E6-4057-8C2C-756F638B1CC4}" dt="2019-08-09T18:50:27.512" v="850" actId="478"/>
+          <ac:spMkLst>
+            <pc:docMk/>
+            <pc:sldMk cId="390938266" sldId="303"/>
+            <ac:spMk id="2" creationId="{63F76B62-51AD-4613-B2D1-7ED031BFB808}"/>
+          </ac:spMkLst>
+        </pc:spChg>
+        <pc:spChg chg="del">
+          <ac:chgData name="Joshua Rinaldo" userId="eeaa994f99e4e508" providerId="LiveId" clId="{0CFB0F58-71E6-4057-8C2C-756F638B1CC4}" dt="2019-08-09T18:50:25.550" v="849" actId="478"/>
+          <ac:spMkLst>
+            <pc:docMk/>
+            <pc:sldMk cId="390938266" sldId="303"/>
+            <ac:spMk id="3" creationId="{1E999BFD-0F3F-4855-9C54-13376A9282F4}"/>
+          </ac:spMkLst>
+        </pc:spChg>
+        <pc:spChg chg="add mod">
+          <ac:chgData name="Joshua Rinaldo" userId="eeaa994f99e4e508" providerId="LiveId" clId="{0CFB0F58-71E6-4057-8C2C-756F638B1CC4}" dt="2019-08-09T18:55:21.010" v="936" actId="164"/>
+          <ac:spMkLst>
+            <pc:docMk/>
+            <pc:sldMk cId="390938266" sldId="303"/>
+            <ac:spMk id="4" creationId="{329E9828-17EF-4C85-ABCA-25970A55742B}"/>
+          </ac:spMkLst>
+        </pc:spChg>
+        <pc:spChg chg="add mod">
+          <ac:chgData name="Joshua Rinaldo" userId="eeaa994f99e4e508" providerId="LiveId" clId="{0CFB0F58-71E6-4057-8C2C-756F638B1CC4}" dt="2019-08-09T18:55:21.010" v="936" actId="164"/>
+          <ac:spMkLst>
+            <pc:docMk/>
+            <pc:sldMk cId="390938266" sldId="303"/>
+            <ac:spMk id="5" creationId="{C553CD14-909E-4291-9BED-37EFA313D30F}"/>
+          </ac:spMkLst>
+        </pc:spChg>
+        <pc:spChg chg="add mod">
+          <ac:chgData name="Joshua Rinaldo" userId="eeaa994f99e4e508" providerId="LiveId" clId="{0CFB0F58-71E6-4057-8C2C-756F638B1CC4}" dt="2019-08-09T18:55:21.010" v="936" actId="164"/>
+          <ac:spMkLst>
+            <pc:docMk/>
+            <pc:sldMk cId="390938266" sldId="303"/>
+            <ac:spMk id="12" creationId="{F32DFC31-2693-498C-8636-9D5A60D55AE8}"/>
+          </ac:spMkLst>
+        </pc:spChg>
+        <pc:spChg chg="add mod">
+          <ac:chgData name="Joshua Rinaldo" userId="eeaa994f99e4e508" providerId="LiveId" clId="{0CFB0F58-71E6-4057-8C2C-756F638B1CC4}" dt="2019-08-09T18:55:41.012" v="940" actId="1076"/>
+          <ac:spMkLst>
+            <pc:docMk/>
+            <pc:sldMk cId="390938266" sldId="303"/>
+            <ac:spMk id="13" creationId="{9B3D09EA-9DEB-44AE-A507-460CFD469FAC}"/>
+          </ac:spMkLst>
+        </pc:spChg>
+        <pc:spChg chg="add mod">
+          <ac:chgData name="Joshua Rinaldo" userId="eeaa994f99e4e508" providerId="LiveId" clId="{0CFB0F58-71E6-4057-8C2C-756F638B1CC4}" dt="2019-08-09T18:55:21.010" v="936" actId="164"/>
+          <ac:spMkLst>
+            <pc:docMk/>
+            <pc:sldMk cId="390938266" sldId="303"/>
+            <ac:spMk id="14" creationId="{4F1EB258-D1FC-436E-B5CF-3D25DFCA07FF}"/>
+          </ac:spMkLst>
+        </pc:spChg>
+        <pc:spChg chg="add del mod">
+          <ac:chgData name="Joshua Rinaldo" userId="eeaa994f99e4e508" providerId="LiveId" clId="{0CFB0F58-71E6-4057-8C2C-756F638B1CC4}" dt="2019-08-09T18:52:38.561" v="881" actId="478"/>
+          <ac:spMkLst>
+            <pc:docMk/>
+            <pc:sldMk cId="390938266" sldId="303"/>
+            <ac:spMk id="15" creationId="{8777FA0E-75B8-4C59-8C20-95EA4E550E31}"/>
+          </ac:spMkLst>
+        </pc:spChg>
+        <pc:spChg chg="add mod">
+          <ac:chgData name="Joshua Rinaldo" userId="eeaa994f99e4e508" providerId="LiveId" clId="{0CFB0F58-71E6-4057-8C2C-756F638B1CC4}" dt="2019-08-09T18:55:21.010" v="936" actId="164"/>
+          <ac:spMkLst>
+            <pc:docMk/>
+            <pc:sldMk cId="390938266" sldId="303"/>
+            <ac:spMk id="16" creationId="{11A69940-88BB-4BC6-9A66-BE70B5070601}"/>
+          </ac:spMkLst>
+        </pc:spChg>
+        <pc:spChg chg="add mod">
+          <ac:chgData name="Joshua Rinaldo" userId="eeaa994f99e4e508" providerId="LiveId" clId="{0CFB0F58-71E6-4057-8C2C-756F638B1CC4}" dt="2019-08-09T18:55:21.010" v="936" actId="164"/>
+          <ac:spMkLst>
+            <pc:docMk/>
+            <pc:sldMk cId="390938266" sldId="303"/>
+            <ac:spMk id="17" creationId="{1ED7AB06-2EE4-4C39-AE49-076194F625B3}"/>
+          </ac:spMkLst>
+        </pc:spChg>
+        <pc:spChg chg="add mod">
+          <ac:chgData name="Joshua Rinaldo" userId="eeaa994f99e4e508" providerId="LiveId" clId="{0CFB0F58-71E6-4057-8C2C-756F638B1CC4}" dt="2019-08-09T18:55:21.010" v="936" actId="164"/>
+          <ac:spMkLst>
+            <pc:docMk/>
+            <pc:sldMk cId="390938266" sldId="303"/>
+            <ac:spMk id="18" creationId="{C4F133CC-6C91-464B-913E-252F60E3329F}"/>
+          </ac:spMkLst>
+        </pc:spChg>
+        <pc:spChg chg="add mod">
+          <ac:chgData name="Joshua Rinaldo" userId="eeaa994f99e4e508" providerId="LiveId" clId="{0CFB0F58-71E6-4057-8C2C-756F638B1CC4}" dt="2019-08-09T18:55:21.010" v="936" actId="164"/>
+          <ac:spMkLst>
+            <pc:docMk/>
+            <pc:sldMk cId="390938266" sldId="303"/>
+            <ac:spMk id="19" creationId="{55D5A723-A5A2-4290-9C57-2C4E369EE769}"/>
+          </ac:spMkLst>
+        </pc:spChg>
+        <pc:spChg chg="add mod">
+          <ac:chgData name="Joshua Rinaldo" userId="eeaa994f99e4e508" providerId="LiveId" clId="{0CFB0F58-71E6-4057-8C2C-756F638B1CC4}" dt="2019-08-09T18:55:21.010" v="936" actId="164"/>
+          <ac:spMkLst>
+            <pc:docMk/>
+            <pc:sldMk cId="390938266" sldId="303"/>
+            <ac:spMk id="20" creationId="{0B5BB5ED-71C1-4D22-991B-DD5475D6232D}"/>
+          </ac:spMkLst>
+        </pc:spChg>
+        <pc:grpChg chg="add mod">
+          <ac:chgData name="Joshua Rinaldo" userId="eeaa994f99e4e508" providerId="LiveId" clId="{0CFB0F58-71E6-4057-8C2C-756F638B1CC4}" dt="2019-08-10T21:15:44.297" v="948" actId="1076"/>
+          <ac:grpSpMkLst>
+            <pc:docMk/>
+            <pc:sldMk cId="390938266" sldId="303"/>
+            <ac:grpSpMk id="21" creationId="{302EF815-7EAC-4079-8E80-D35C487A0B95}"/>
+          </ac:grpSpMkLst>
+        </pc:grpChg>
+        <pc:grpChg chg="add mod">
+          <ac:chgData name="Joshua Rinaldo" userId="eeaa994f99e4e508" providerId="LiveId" clId="{0CFB0F58-71E6-4057-8C2C-756F638B1CC4}" dt="2019-08-10T21:04:23.396" v="947" actId="1076"/>
+          <ac:grpSpMkLst>
+            <pc:docMk/>
+            <pc:sldMk cId="390938266" sldId="303"/>
+            <ac:grpSpMk id="22" creationId="{85D81F3E-7370-4106-B09D-EB85ECDE5B5E}"/>
+          </ac:grpSpMkLst>
+        </pc:grpChg>
+        <pc:cxnChg chg="add mod">
+          <ac:chgData name="Joshua Rinaldo" userId="eeaa994f99e4e508" providerId="LiveId" clId="{0CFB0F58-71E6-4057-8C2C-756F638B1CC4}" dt="2019-08-10T21:15:47.500" v="949" actId="1076"/>
+          <ac:cxnSpMkLst>
+            <pc:docMk/>
+            <pc:sldMk cId="390938266" sldId="303"/>
+            <ac:cxnSpMk id="7" creationId="{0E98FC0B-6658-4BF4-974E-BDB87561BFFD}"/>
+          </ac:cxnSpMkLst>
+        </pc:cxnChg>
+        <pc:cxnChg chg="add mod">
+          <ac:chgData name="Joshua Rinaldo" userId="eeaa994f99e4e508" providerId="LiveId" clId="{0CFB0F58-71E6-4057-8C2C-756F638B1CC4}" dt="2019-08-09T18:55:21.010" v="936" actId="164"/>
+          <ac:cxnSpMkLst>
+            <pc:docMk/>
+            <pc:sldMk cId="390938266" sldId="303"/>
+            <ac:cxnSpMk id="10" creationId="{C08B44A9-E0E5-40E1-846C-18C5611B7CFE}"/>
+          </ac:cxnSpMkLst>
+        </pc:cxnChg>
+      </pc:sldChg>
+    </pc:docChg>
+  </pc:docChgLst>
+</pc:chgInfo>
+</file>
+
 <file path=ppt/notesMasters/notesMaster1.xml><?xml version="1.0" encoding="utf-8"?>
 <p:notesMaster xmlns:a="http://schemas.openxmlformats.org/drawingml/2006/main" xmlns:r="http://schemas.openxmlformats.org/officeDocument/2006/relationships" xmlns:p="http://schemas.openxmlformats.org/presentationml/2006/main">
   <p:cSld>
@@ -206,7 +1267,7 @@
           <a:p>
             <a:fld id="{FA15A6B2-55AC-CD4B-A1E6-BB01091FE9DC}" type="datetimeFigureOut">
               <a:rPr lang="en-US" smtClean="0"/>
-              <a:t>7/30/2019</a:t>
+              <a:t>8/7/2019</a:t>
             </a:fld>
             <a:endParaRPr lang="en-US"/>
           </a:p>
@@ -604,7 +1665,7 @@
           <a:p>
             <a:fld id="{F7249F8D-641B-4CAF-BAE5-10524742F6F1}" type="datetimeFigureOut">
               <a:rPr lang="en-CA" smtClean="0"/>
-              <a:t>2019-07-30</a:t>
+              <a:t>2019-08-07</a:t>
             </a:fld>
             <a:endParaRPr lang="en-CA"/>
           </a:p>
@@ -774,7 +1835,7 @@
           <a:p>
             <a:fld id="{F7249F8D-641B-4CAF-BAE5-10524742F6F1}" type="datetimeFigureOut">
               <a:rPr lang="en-CA" smtClean="0"/>
-              <a:t>2019-07-30</a:t>
+              <a:t>2019-08-07</a:t>
             </a:fld>
             <a:endParaRPr lang="en-CA"/>
           </a:p>
@@ -954,7 +2015,7 @@
           <a:p>
             <a:fld id="{F7249F8D-641B-4CAF-BAE5-10524742F6F1}" type="datetimeFigureOut">
               <a:rPr lang="en-CA" smtClean="0"/>
-              <a:t>2019-07-30</a:t>
+              <a:t>2019-08-07</a:t>
             </a:fld>
             <a:endParaRPr lang="en-CA"/>
           </a:p>
@@ -1124,7 +2185,7 @@
           <a:p>
             <a:fld id="{F7249F8D-641B-4CAF-BAE5-10524742F6F1}" type="datetimeFigureOut">
               <a:rPr lang="en-CA" smtClean="0"/>
-              <a:t>2019-07-30</a:t>
+              <a:t>2019-08-07</a:t>
             </a:fld>
             <a:endParaRPr lang="en-CA"/>
           </a:p>
@@ -1370,7 +2431,7 @@
           <a:p>
             <a:fld id="{F7249F8D-641B-4CAF-BAE5-10524742F6F1}" type="datetimeFigureOut">
               <a:rPr lang="en-CA" smtClean="0"/>
-              <a:t>2019-07-30</a:t>
+              <a:t>2019-08-07</a:t>
             </a:fld>
             <a:endParaRPr lang="en-CA"/>
           </a:p>
@@ -1602,7 +2663,7 @@
           <a:p>
             <a:fld id="{F7249F8D-641B-4CAF-BAE5-10524742F6F1}" type="datetimeFigureOut">
               <a:rPr lang="en-CA" smtClean="0"/>
-              <a:t>2019-07-30</a:t>
+              <a:t>2019-08-07</a:t>
             </a:fld>
             <a:endParaRPr lang="en-CA"/>
           </a:p>
@@ -1969,7 +3030,7 @@
           <a:p>
             <a:fld id="{F7249F8D-641B-4CAF-BAE5-10524742F6F1}" type="datetimeFigureOut">
               <a:rPr lang="en-CA" smtClean="0"/>
-              <a:t>2019-07-30</a:t>
+              <a:t>2019-08-07</a:t>
             </a:fld>
             <a:endParaRPr lang="en-CA"/>
           </a:p>
@@ -2087,7 +3148,7 @@
           <a:p>
             <a:fld id="{F7249F8D-641B-4CAF-BAE5-10524742F6F1}" type="datetimeFigureOut">
               <a:rPr lang="en-CA" smtClean="0"/>
-              <a:t>2019-07-30</a:t>
+              <a:t>2019-08-07</a:t>
             </a:fld>
             <a:endParaRPr lang="en-CA"/>
           </a:p>
@@ -2182,7 +3243,7 @@
           <a:p>
             <a:fld id="{F7249F8D-641B-4CAF-BAE5-10524742F6F1}" type="datetimeFigureOut">
               <a:rPr lang="en-CA" smtClean="0"/>
-              <a:t>2019-07-30</a:t>
+              <a:t>2019-08-07</a:t>
             </a:fld>
             <a:endParaRPr lang="en-CA"/>
           </a:p>
@@ -2459,7 +3520,7 @@
           <a:p>
             <a:fld id="{F7249F8D-641B-4CAF-BAE5-10524742F6F1}" type="datetimeFigureOut">
               <a:rPr lang="en-CA" smtClean="0"/>
-              <a:t>2019-07-30</a:t>
+              <a:t>2019-08-07</a:t>
             </a:fld>
             <a:endParaRPr lang="en-CA"/>
           </a:p>
@@ -2712,7 +3773,7 @@
           <a:p>
             <a:fld id="{F7249F8D-641B-4CAF-BAE5-10524742F6F1}" type="datetimeFigureOut">
               <a:rPr lang="en-CA" smtClean="0"/>
-              <a:t>2019-07-30</a:t>
+              <a:t>2019-08-07</a:t>
             </a:fld>
             <a:endParaRPr lang="en-CA"/>
           </a:p>
@@ -2925,7 +3986,7 @@
           <a:p>
             <a:fld id="{F7249F8D-641B-4CAF-BAE5-10524742F6F1}" type="datetimeFigureOut">
               <a:rPr lang="en-CA" smtClean="0"/>
-              <a:t>2019-07-30</a:t>
+              <a:t>2019-08-07</a:t>
             </a:fld>
             <a:endParaRPr lang="en-CA"/>
           </a:p>
@@ -13659,7 +14720,7 @@
                     </m:oMath>
                   </m:oMathPara>
                 </a14:m>
-                <a:endParaRPr lang="en-US" sz="2000" dirty="0" smtClean="0">
+                <a:endParaRPr lang="en-US" sz="2000" dirty="0">
                   <a:solidFill>
                     <a:schemeClr val="tx1">
                       <a:lumMod val="50000"/>
@@ -13838,7 +14899,7 @@
                     </m:oMath>
                   </m:oMathPara>
                 </a14:m>
-                <a:endParaRPr lang="en-US" sz="2000" dirty="0" smtClean="0">
+                <a:endParaRPr lang="en-US" sz="2000" dirty="0">
                   <a:latin typeface="Arial" panose="020B0604020202020204" pitchFamily="34" charset="0"/>
                   <a:cs typeface="Arial" panose="020B0604020202020204" pitchFamily="34" charset="0"/>
                 </a:endParaRPr>
@@ -13929,7 +14990,7 @@
                     </m:oMath>
                   </m:oMathPara>
                 </a14:m>
-                <a:endParaRPr lang="en-US" sz="1400" dirty="0" smtClean="0">
+                <a:endParaRPr lang="en-US" sz="1400" dirty="0">
                   <a:solidFill>
                     <a:srgbClr val="FF0000"/>
                   </a:solidFill>
@@ -14023,7 +15084,7 @@
                     </m:oMath>
                   </m:oMathPara>
                 </a14:m>
-                <a:endParaRPr lang="en-US" sz="1400" dirty="0" smtClean="0">
+                <a:endParaRPr lang="en-US" sz="1400" dirty="0">
                   <a:solidFill>
                     <a:srgbClr val="FF0000"/>
                   </a:solidFill>
@@ -14117,7 +15178,7 @@
                     </m:oMath>
                   </m:oMathPara>
                 </a14:m>
-                <a:endParaRPr lang="en-US" sz="1400" dirty="0" smtClean="0">
+                <a:endParaRPr lang="en-US" sz="1400" dirty="0">
                   <a:solidFill>
                     <a:srgbClr val="FF0000"/>
                   </a:solidFill>
@@ -14211,7 +15272,7 @@
                     </m:oMath>
                   </m:oMathPara>
                 </a14:m>
-                <a:endParaRPr lang="en-US" sz="1400" dirty="0" smtClean="0">
+                <a:endParaRPr lang="en-US" sz="1400" dirty="0">
                   <a:solidFill>
                     <a:srgbClr val="FF0000"/>
                   </a:solidFill>
@@ -21305,7 +22366,7 @@
                           </m:oMath>
                         </m:oMathPara>
                       </a14:m>
-                      <a:endParaRPr lang="en-US" sz="2000" dirty="0" smtClean="0">
+                      <a:endParaRPr lang="en-US" sz="2000" dirty="0">
                         <a:latin typeface="Arial" panose="020B0604020202020204" pitchFamily="34" charset="0"/>
                         <a:cs typeface="Arial" panose="020B0604020202020204" pitchFamily="34" charset="0"/>
                       </a:endParaRPr>
@@ -21393,7 +22454,7 @@
                           </m:oMath>
                         </m:oMathPara>
                       </a14:m>
-                      <a:endParaRPr lang="en-US" sz="2000" dirty="0" smtClean="0">
+                      <a:endParaRPr lang="en-US" sz="2000" dirty="0">
                         <a:latin typeface="Arial" panose="020B0604020202020204" pitchFamily="34" charset="0"/>
                         <a:cs typeface="Arial" panose="020B0604020202020204" pitchFamily="34" charset="0"/>
                       </a:endParaRPr>
@@ -21525,7 +22586,7 @@
                         </m:oMath>
                       </m:oMathPara>
                     </a14:m>
-                    <a:endParaRPr lang="en-US" sz="2000" dirty="0" smtClean="0">
+                    <a:endParaRPr lang="en-US" sz="2000" dirty="0">
                       <a:solidFill>
                         <a:srgbClr val="FF0000"/>
                       </a:solidFill>
@@ -21694,6 +22755,4821 @@
 </p:sld>
 </file>
 
+<file path=ppt/slides/slide11.xml><?xml version="1.0" encoding="utf-8"?>
+<p:sld xmlns:a="http://schemas.openxmlformats.org/drawingml/2006/main" xmlns:r="http://schemas.openxmlformats.org/officeDocument/2006/relationships" xmlns:p="http://schemas.openxmlformats.org/presentationml/2006/main">
+  <p:cSld>
+    <p:spTree>
+      <p:nvGrpSpPr>
+        <p:cNvPr id="1" name=""/>
+        <p:cNvGrpSpPr/>
+        <p:nvPr/>
+      </p:nvGrpSpPr>
+      <p:grpSpPr>
+        <a:xfrm>
+          <a:off x="0" y="0"/>
+          <a:ext cx="0" cy="0"/>
+          <a:chOff x="0" y="0"/>
+          <a:chExt cx="0" cy="0"/>
+        </a:xfrm>
+      </p:grpSpPr>
+      <p:grpSp>
+        <p:nvGrpSpPr>
+          <p:cNvPr id="21" name="Group 20">
+            <a:extLst>
+              <a:ext uri="{FF2B5EF4-FFF2-40B4-BE49-F238E27FC236}">
+                <a16:creationId xmlns:a16="http://schemas.microsoft.com/office/drawing/2014/main" id="{302EF815-7EAC-4079-8E80-D35C487A0B95}"/>
+              </a:ext>
+            </a:extLst>
+          </p:cNvPr>
+          <p:cNvGrpSpPr/>
+          <p:nvPr/>
+        </p:nvGrpSpPr>
+        <p:grpSpPr>
+          <a:xfrm>
+            <a:off x="150337" y="1297951"/>
+            <a:ext cx="3784255" cy="1552792"/>
+            <a:chOff x="2247577" y="2069432"/>
+            <a:chExt cx="3784255" cy="1552792"/>
+          </a:xfrm>
+        </p:grpSpPr>
+        <p:sp>
+          <p:nvSpPr>
+            <p:cNvPr id="4" name="Oval 3">
+              <a:extLst>
+                <a:ext uri="{FF2B5EF4-FFF2-40B4-BE49-F238E27FC236}">
+                  <a16:creationId xmlns:a16="http://schemas.microsoft.com/office/drawing/2014/main" id="{329E9828-17EF-4C85-ABCA-25970A55742B}"/>
+                </a:ext>
+              </a:extLst>
+            </p:cNvPr>
+            <p:cNvSpPr/>
+            <p:nvPr/>
+          </p:nvSpPr>
+          <p:spPr>
+            <a:xfrm>
+              <a:off x="2679032" y="2382253"/>
+              <a:ext cx="3352800" cy="713873"/>
+            </a:xfrm>
+            <a:prstGeom prst="ellipse">
+              <a:avLst/>
+            </a:prstGeom>
+            <a:noFill/>
+            <a:ln w="38100">
+              <a:solidFill>
+                <a:schemeClr val="tx1"/>
+              </a:solidFill>
+            </a:ln>
+          </p:spPr>
+          <p:style>
+            <a:lnRef idx="2">
+              <a:schemeClr val="accent1">
+                <a:shade val="50000"/>
+              </a:schemeClr>
+            </a:lnRef>
+            <a:fillRef idx="1">
+              <a:schemeClr val="accent1"/>
+            </a:fillRef>
+            <a:effectRef idx="0">
+              <a:schemeClr val="accent1"/>
+            </a:effectRef>
+            <a:fontRef idx="minor">
+              <a:schemeClr val="lt1"/>
+            </a:fontRef>
+          </p:style>
+          <p:txBody>
+            <a:bodyPr rtlCol="0" anchor="ctr"/>
+            <a:lstStyle/>
+            <a:p>
+              <a:pPr algn="ctr"/>
+              <a:endParaRPr lang="en-CA"/>
+            </a:p>
+          </p:txBody>
+        </p:sp>
+        <p:sp>
+          <p:nvSpPr>
+            <p:cNvPr id="5" name="Oval 4">
+              <a:extLst>
+                <a:ext uri="{FF2B5EF4-FFF2-40B4-BE49-F238E27FC236}">
+                  <a16:creationId xmlns:a16="http://schemas.microsoft.com/office/drawing/2014/main" id="{C553CD14-909E-4291-9BED-37EFA313D30F}"/>
+                </a:ext>
+              </a:extLst>
+            </p:cNvPr>
+            <p:cNvSpPr/>
+            <p:nvPr/>
+          </p:nvSpPr>
+          <p:spPr>
+            <a:xfrm flipH="1">
+              <a:off x="4323348" y="2707105"/>
+              <a:ext cx="64168" cy="64168"/>
+            </a:xfrm>
+            <a:prstGeom prst="ellipse">
+              <a:avLst/>
+            </a:prstGeom>
+            <a:solidFill>
+              <a:schemeClr val="tx1"/>
+            </a:solidFill>
+            <a:ln w="38100">
+              <a:solidFill>
+                <a:schemeClr val="tx1"/>
+              </a:solidFill>
+            </a:ln>
+          </p:spPr>
+          <p:style>
+            <a:lnRef idx="2">
+              <a:schemeClr val="accent1">
+                <a:shade val="50000"/>
+              </a:schemeClr>
+            </a:lnRef>
+            <a:fillRef idx="1">
+              <a:schemeClr val="accent1"/>
+            </a:fillRef>
+            <a:effectRef idx="0">
+              <a:schemeClr val="accent1"/>
+            </a:effectRef>
+            <a:fontRef idx="minor">
+              <a:schemeClr val="lt1"/>
+            </a:fontRef>
+          </p:style>
+          <p:txBody>
+            <a:bodyPr rtlCol="0" anchor="ctr"/>
+            <a:lstStyle/>
+            <a:p>
+              <a:pPr algn="ctr"/>
+              <a:endParaRPr lang="en-CA"/>
+            </a:p>
+          </p:txBody>
+        </p:sp>
+        <p:cxnSp>
+          <p:nvCxnSpPr>
+            <p:cNvPr id="7" name="Straight Connector 6">
+              <a:extLst>
+                <a:ext uri="{FF2B5EF4-FFF2-40B4-BE49-F238E27FC236}">
+                  <a16:creationId xmlns:a16="http://schemas.microsoft.com/office/drawing/2014/main" id="{0E98FC0B-6658-4BF4-974E-BDB87561BFFD}"/>
+                </a:ext>
+              </a:extLst>
+            </p:cNvPr>
+            <p:cNvCxnSpPr>
+              <a:cxnSpLocks/>
+            </p:cNvCxnSpPr>
+            <p:nvPr/>
+          </p:nvCxnSpPr>
+          <p:spPr>
+            <a:xfrm>
+              <a:off x="2671519" y="2737889"/>
+              <a:ext cx="1676400" cy="1"/>
+            </a:xfrm>
+            <a:prstGeom prst="line">
+              <a:avLst/>
+            </a:prstGeom>
+            <a:ln w="38100">
+              <a:solidFill>
+                <a:schemeClr val="tx1"/>
+              </a:solidFill>
+              <a:prstDash val="sysDash"/>
+            </a:ln>
+          </p:spPr>
+          <p:style>
+            <a:lnRef idx="1">
+              <a:schemeClr val="accent1"/>
+            </a:lnRef>
+            <a:fillRef idx="0">
+              <a:schemeClr val="accent1"/>
+            </a:fillRef>
+            <a:effectRef idx="0">
+              <a:schemeClr val="accent1"/>
+            </a:effectRef>
+            <a:fontRef idx="minor">
+              <a:schemeClr val="tx1"/>
+            </a:fontRef>
+          </p:style>
+        </p:cxnSp>
+        <p:cxnSp>
+          <p:nvCxnSpPr>
+            <p:cNvPr id="10" name="Straight Connector 9">
+              <a:extLst>
+                <a:ext uri="{FF2B5EF4-FFF2-40B4-BE49-F238E27FC236}">
+                  <a16:creationId xmlns:a16="http://schemas.microsoft.com/office/drawing/2014/main" id="{C08B44A9-E0E5-40E1-846C-18C5611B7CFE}"/>
+                </a:ext>
+              </a:extLst>
+            </p:cNvPr>
+            <p:cNvCxnSpPr>
+              <a:cxnSpLocks/>
+            </p:cNvCxnSpPr>
+            <p:nvPr/>
+          </p:nvCxnSpPr>
+          <p:spPr>
+            <a:xfrm flipV="1">
+              <a:off x="2679032" y="2069432"/>
+              <a:ext cx="0" cy="669758"/>
+            </a:xfrm>
+            <a:prstGeom prst="line">
+              <a:avLst/>
+            </a:prstGeom>
+            <a:ln w="38100">
+              <a:solidFill>
+                <a:schemeClr val="tx1"/>
+              </a:solidFill>
+              <a:prstDash val="sysDash"/>
+            </a:ln>
+          </p:spPr>
+          <p:style>
+            <a:lnRef idx="1">
+              <a:schemeClr val="accent1"/>
+            </a:lnRef>
+            <a:fillRef idx="0">
+              <a:schemeClr val="accent1"/>
+            </a:fillRef>
+            <a:effectRef idx="0">
+              <a:schemeClr val="accent1"/>
+            </a:effectRef>
+            <a:fontRef idx="minor">
+              <a:schemeClr val="tx1"/>
+            </a:fontRef>
+          </p:style>
+        </p:cxnSp>
+        <p:sp>
+          <p:nvSpPr>
+            <p:cNvPr id="12" name="Oval 11">
+              <a:extLst>
+                <a:ext uri="{FF2B5EF4-FFF2-40B4-BE49-F238E27FC236}">
+                  <a16:creationId xmlns:a16="http://schemas.microsoft.com/office/drawing/2014/main" id="{F32DFC31-2693-498C-8636-9D5A60D55AE8}"/>
+                </a:ext>
+              </a:extLst>
+            </p:cNvPr>
+            <p:cNvSpPr/>
+            <p:nvPr/>
+          </p:nvSpPr>
+          <p:spPr>
+            <a:xfrm flipH="1">
+              <a:off x="2646948" y="2069432"/>
+              <a:ext cx="64168" cy="64168"/>
+            </a:xfrm>
+            <a:prstGeom prst="ellipse">
+              <a:avLst/>
+            </a:prstGeom>
+            <a:solidFill>
+              <a:schemeClr val="tx1"/>
+            </a:solidFill>
+            <a:ln w="38100">
+              <a:solidFill>
+                <a:schemeClr val="tx1"/>
+              </a:solidFill>
+            </a:ln>
+          </p:spPr>
+          <p:style>
+            <a:lnRef idx="2">
+              <a:schemeClr val="accent1">
+                <a:shade val="50000"/>
+              </a:schemeClr>
+            </a:lnRef>
+            <a:fillRef idx="1">
+              <a:schemeClr val="accent1"/>
+            </a:fillRef>
+            <a:effectRef idx="0">
+              <a:schemeClr val="accent1"/>
+            </a:effectRef>
+            <a:fontRef idx="minor">
+              <a:schemeClr val="lt1"/>
+            </a:fontRef>
+          </p:style>
+          <p:txBody>
+            <a:bodyPr rtlCol="0" anchor="ctr"/>
+            <a:lstStyle/>
+            <a:p>
+              <a:pPr algn="ctr"/>
+              <a:endParaRPr lang="en-CA"/>
+            </a:p>
+          </p:txBody>
+        </p:sp>
+        <mc:AlternateContent xmlns:mc="http://schemas.openxmlformats.org/markup-compatibility/2006">
+          <mc:Choice xmlns:a14="http://schemas.microsoft.com/office/drawing/2010/main" Requires="a14">
+            <p:sp>
+              <p:nvSpPr>
+                <p:cNvPr id="13" name="TextBox 12">
+                  <a:extLst>
+                    <a:ext uri="{FF2B5EF4-FFF2-40B4-BE49-F238E27FC236}">
+                      <a16:creationId xmlns:a16="http://schemas.microsoft.com/office/drawing/2014/main" id="{9B3D09EA-9DEB-44AE-A507-460CFD469FAC}"/>
+                    </a:ext>
+                  </a:extLst>
+                </p:cNvPr>
+                <p:cNvSpPr txBox="1"/>
+                <p:nvPr/>
+              </p:nvSpPr>
+              <p:spPr>
+                <a:xfrm>
+                  <a:off x="4355431" y="2301049"/>
+                  <a:ext cx="523797" cy="523220"/>
+                </a:xfrm>
+                <a:prstGeom prst="rect">
+                  <a:avLst/>
+                </a:prstGeom>
+                <a:noFill/>
+              </p:spPr>
+              <p:txBody>
+                <a:bodyPr wrap="none" rtlCol="0">
+                  <a:spAutoFit/>
+                </a:bodyPr>
+                <a:lstStyle/>
+                <a:p>
+                  <a14:m>
+                    <m:oMathPara xmlns:m="http://schemas.openxmlformats.org/officeDocument/2006/math">
+                      <m:oMathParaPr>
+                        <m:jc m:val="centerGroup"/>
+                      </m:oMathParaPr>
+                      <m:oMath xmlns:m="http://schemas.openxmlformats.org/officeDocument/2006/math">
+                        <m:r>
+                          <a:rPr lang="en-CA" sz="2800" b="0" i="1" smtClean="0">
+                            <a:latin typeface="Cambria Math" panose="02040503050406030204" pitchFamily="18" charset="0"/>
+                            <a:cs typeface="Arial" panose="020B0604020202020204" pitchFamily="34" charset="0"/>
+                          </a:rPr>
+                          <m:t>𝑅</m:t>
+                        </m:r>
+                      </m:oMath>
+                    </m:oMathPara>
+                  </a14:m>
+                  <a:endParaRPr lang="en-CA" sz="2000" dirty="0">
+                    <a:latin typeface="Arial" panose="020B0604020202020204" pitchFamily="34" charset="0"/>
+                    <a:cs typeface="Arial" panose="020B0604020202020204" pitchFamily="34" charset="0"/>
+                  </a:endParaRPr>
+                </a:p>
+              </p:txBody>
+            </p:sp>
+          </mc:Choice>
+          <mc:Fallback>
+            <p:sp>
+              <p:nvSpPr>
+                <p:cNvPr id="13" name="TextBox 12">
+                  <a:extLst>
+                    <a:ext uri="{FF2B5EF4-FFF2-40B4-BE49-F238E27FC236}">
+                      <a16:creationId xmlns:a16="http://schemas.microsoft.com/office/drawing/2014/main" id="{9B3D09EA-9DEB-44AE-A507-460CFD469FAC}"/>
+                    </a:ext>
+                  </a:extLst>
+                </p:cNvPr>
+                <p:cNvSpPr txBox="1">
+                  <a:spLocks noRot="1" noChangeAspect="1" noMove="1" noResize="1" noEditPoints="1" noAdjustHandles="1" noChangeArrowheads="1" noChangeShapeType="1" noTextEdit="1"/>
+                </p:cNvSpPr>
+                <p:nvPr/>
+              </p:nvSpPr>
+              <p:spPr>
+                <a:xfrm>
+                  <a:off x="4355431" y="2301049"/>
+                  <a:ext cx="523797" cy="523220"/>
+                </a:xfrm>
+                <a:prstGeom prst="rect">
+                  <a:avLst/>
+                </a:prstGeom>
+                <a:blipFill>
+                  <a:blip r:embed="rId2"/>
+                  <a:stretch>
+                    <a:fillRect/>
+                  </a:stretch>
+                </a:blipFill>
+              </p:spPr>
+              <p:txBody>
+                <a:bodyPr/>
+                <a:lstStyle/>
+                <a:p>
+                  <a:r>
+                    <a:rPr lang="en-CA">
+                      <a:noFill/>
+                    </a:rPr>
+                    <a:t> </a:t>
+                  </a:r>
+                </a:p>
+              </p:txBody>
+            </p:sp>
+          </mc:Fallback>
+        </mc:AlternateContent>
+        <mc:AlternateContent xmlns:mc="http://schemas.openxmlformats.org/markup-compatibility/2006">
+          <mc:Choice xmlns:a14="http://schemas.microsoft.com/office/drawing/2010/main" Requires="a14">
+            <p:sp>
+              <p:nvSpPr>
+                <p:cNvPr id="14" name="TextBox 13">
+                  <a:extLst>
+                    <a:ext uri="{FF2B5EF4-FFF2-40B4-BE49-F238E27FC236}">
+                      <a16:creationId xmlns:a16="http://schemas.microsoft.com/office/drawing/2014/main" id="{4F1EB258-D1FC-436E-B5CF-3D25DFCA07FF}"/>
+                    </a:ext>
+                  </a:extLst>
+                </p:cNvPr>
+                <p:cNvSpPr txBox="1"/>
+                <p:nvPr/>
+              </p:nvSpPr>
+              <p:spPr>
+                <a:xfrm>
+                  <a:off x="2247577" y="2117765"/>
+                  <a:ext cx="503856" cy="523220"/>
+                </a:xfrm>
+                <a:prstGeom prst="rect">
+                  <a:avLst/>
+                </a:prstGeom>
+                <a:noFill/>
+              </p:spPr>
+              <p:txBody>
+                <a:bodyPr wrap="none" rtlCol="0">
+                  <a:spAutoFit/>
+                </a:bodyPr>
+                <a:lstStyle/>
+                <a:p>
+                  <a14:m>
+                    <m:oMathPara xmlns:m="http://schemas.openxmlformats.org/officeDocument/2006/math">
+                      <m:oMathParaPr>
+                        <m:jc m:val="centerGroup"/>
+                      </m:oMathParaPr>
+                      <m:oMath xmlns:m="http://schemas.openxmlformats.org/officeDocument/2006/math">
+                        <m:r>
+                          <a:rPr lang="en-CA" sz="2800" b="0" i="1" smtClean="0">
+                            <a:latin typeface="Cambria Math" panose="02040503050406030204" pitchFamily="18" charset="0"/>
+                            <a:cs typeface="Arial" panose="020B0604020202020204" pitchFamily="34" charset="0"/>
+                          </a:rPr>
+                          <m:t>𝑑</m:t>
+                        </m:r>
+                      </m:oMath>
+                    </m:oMathPara>
+                  </a14:m>
+                  <a:endParaRPr lang="en-CA" sz="2000" dirty="0">
+                    <a:latin typeface="Arial" panose="020B0604020202020204" pitchFamily="34" charset="0"/>
+                    <a:cs typeface="Arial" panose="020B0604020202020204" pitchFamily="34" charset="0"/>
+                  </a:endParaRPr>
+                </a:p>
+              </p:txBody>
+            </p:sp>
+          </mc:Choice>
+          <mc:Fallback>
+            <p:sp>
+              <p:nvSpPr>
+                <p:cNvPr id="14" name="TextBox 13">
+                  <a:extLst>
+                    <a:ext uri="{FF2B5EF4-FFF2-40B4-BE49-F238E27FC236}">
+                      <a16:creationId xmlns:a16="http://schemas.microsoft.com/office/drawing/2014/main" id="{4F1EB258-D1FC-436E-B5CF-3D25DFCA07FF}"/>
+                    </a:ext>
+                  </a:extLst>
+                </p:cNvPr>
+                <p:cNvSpPr txBox="1">
+                  <a:spLocks noRot="1" noChangeAspect="1" noMove="1" noResize="1" noEditPoints="1" noAdjustHandles="1" noChangeArrowheads="1" noChangeShapeType="1" noTextEdit="1"/>
+                </p:cNvSpPr>
+                <p:nvPr/>
+              </p:nvSpPr>
+              <p:spPr>
+                <a:xfrm>
+                  <a:off x="2247577" y="2117765"/>
+                  <a:ext cx="503856" cy="523220"/>
+                </a:xfrm>
+                <a:prstGeom prst="rect">
+                  <a:avLst/>
+                </a:prstGeom>
+                <a:blipFill>
+                  <a:blip r:embed="rId3"/>
+                  <a:stretch>
+                    <a:fillRect/>
+                  </a:stretch>
+                </a:blipFill>
+              </p:spPr>
+              <p:txBody>
+                <a:bodyPr/>
+                <a:lstStyle/>
+                <a:p>
+                  <a:r>
+                    <a:rPr lang="en-CA">
+                      <a:noFill/>
+                    </a:rPr>
+                    <a:t> </a:t>
+                  </a:r>
+                </a:p>
+              </p:txBody>
+            </p:sp>
+          </mc:Fallback>
+        </mc:AlternateContent>
+        <p:sp>
+          <p:nvSpPr>
+            <p:cNvPr id="16" name="Isosceles Triangle 15">
+              <a:extLst>
+                <a:ext uri="{FF2B5EF4-FFF2-40B4-BE49-F238E27FC236}">
+                  <a16:creationId xmlns:a16="http://schemas.microsoft.com/office/drawing/2014/main" id="{11A69940-88BB-4BC6-9A66-BE70B5070601}"/>
+                </a:ext>
+              </a:extLst>
+            </p:cNvPr>
+            <p:cNvSpPr/>
+            <p:nvPr/>
+          </p:nvSpPr>
+          <p:spPr>
+            <a:xfrm rot="4757802">
+              <a:off x="5196865" y="2964181"/>
+              <a:ext cx="197245" cy="170039"/>
+            </a:xfrm>
+            <a:prstGeom prst="triangle">
+              <a:avLst/>
+            </a:prstGeom>
+            <a:solidFill>
+              <a:schemeClr val="tx1"/>
+            </a:solidFill>
+            <a:ln w="38100">
+              <a:solidFill>
+                <a:schemeClr val="tx1"/>
+              </a:solidFill>
+            </a:ln>
+          </p:spPr>
+          <p:style>
+            <a:lnRef idx="2">
+              <a:schemeClr val="accent1">
+                <a:shade val="50000"/>
+              </a:schemeClr>
+            </a:lnRef>
+            <a:fillRef idx="1">
+              <a:schemeClr val="accent1"/>
+            </a:fillRef>
+            <a:effectRef idx="0">
+              <a:schemeClr val="accent1"/>
+            </a:effectRef>
+            <a:fontRef idx="minor">
+              <a:schemeClr val="lt1"/>
+            </a:fontRef>
+          </p:style>
+          <p:txBody>
+            <a:bodyPr rtlCol="0" anchor="ctr"/>
+            <a:lstStyle/>
+            <a:p>
+              <a:pPr algn="ctr"/>
+              <a:endParaRPr lang="en-CA"/>
+            </a:p>
+          </p:txBody>
+        </p:sp>
+        <p:sp>
+          <p:nvSpPr>
+            <p:cNvPr id="17" name="Isosceles Triangle 16">
+              <a:extLst>
+                <a:ext uri="{FF2B5EF4-FFF2-40B4-BE49-F238E27FC236}">
+                  <a16:creationId xmlns:a16="http://schemas.microsoft.com/office/drawing/2014/main" id="{1ED7AB06-2EE4-4C39-AE49-076194F625B3}"/>
+                </a:ext>
+              </a:extLst>
+            </p:cNvPr>
+            <p:cNvSpPr/>
+            <p:nvPr/>
+          </p:nvSpPr>
+          <p:spPr>
+            <a:xfrm rot="6186844">
+              <a:off x="3521289" y="2966824"/>
+              <a:ext cx="197245" cy="170039"/>
+            </a:xfrm>
+            <a:prstGeom prst="triangle">
+              <a:avLst/>
+            </a:prstGeom>
+            <a:solidFill>
+              <a:schemeClr val="tx1"/>
+            </a:solidFill>
+            <a:ln w="38100">
+              <a:solidFill>
+                <a:schemeClr val="tx1"/>
+              </a:solidFill>
+            </a:ln>
+          </p:spPr>
+          <p:style>
+            <a:lnRef idx="2">
+              <a:schemeClr val="accent1">
+                <a:shade val="50000"/>
+              </a:schemeClr>
+            </a:lnRef>
+            <a:fillRef idx="1">
+              <a:schemeClr val="accent1"/>
+            </a:fillRef>
+            <a:effectRef idx="0">
+              <a:schemeClr val="accent1"/>
+            </a:effectRef>
+            <a:fontRef idx="minor">
+              <a:schemeClr val="lt1"/>
+            </a:fontRef>
+          </p:style>
+          <p:txBody>
+            <a:bodyPr rtlCol="0" anchor="ctr"/>
+            <a:lstStyle/>
+            <a:p>
+              <a:pPr algn="ctr"/>
+              <a:endParaRPr lang="en-CA"/>
+            </a:p>
+          </p:txBody>
+        </p:sp>
+        <p:sp>
+          <p:nvSpPr>
+            <p:cNvPr id="18" name="Isosceles Triangle 17">
+              <a:extLst>
+                <a:ext uri="{FF2B5EF4-FFF2-40B4-BE49-F238E27FC236}">
+                  <a16:creationId xmlns:a16="http://schemas.microsoft.com/office/drawing/2014/main" id="{C4F133CC-6C91-464B-913E-252F60E3329F}"/>
+                </a:ext>
+              </a:extLst>
+            </p:cNvPr>
+            <p:cNvSpPr/>
+            <p:nvPr/>
+          </p:nvSpPr>
+          <p:spPr>
+            <a:xfrm rot="15162038">
+              <a:off x="3426560" y="2335473"/>
+              <a:ext cx="197245" cy="170039"/>
+            </a:xfrm>
+            <a:prstGeom prst="triangle">
+              <a:avLst/>
+            </a:prstGeom>
+            <a:solidFill>
+              <a:schemeClr val="tx1"/>
+            </a:solidFill>
+            <a:ln w="38100">
+              <a:solidFill>
+                <a:schemeClr val="tx1"/>
+              </a:solidFill>
+            </a:ln>
+          </p:spPr>
+          <p:style>
+            <a:lnRef idx="2">
+              <a:schemeClr val="accent1">
+                <a:shade val="50000"/>
+              </a:schemeClr>
+            </a:lnRef>
+            <a:fillRef idx="1">
+              <a:schemeClr val="accent1"/>
+            </a:fillRef>
+            <a:effectRef idx="0">
+              <a:schemeClr val="accent1"/>
+            </a:effectRef>
+            <a:fontRef idx="minor">
+              <a:schemeClr val="lt1"/>
+            </a:fontRef>
+          </p:style>
+          <p:txBody>
+            <a:bodyPr rtlCol="0" anchor="ctr"/>
+            <a:lstStyle/>
+            <a:p>
+              <a:pPr algn="ctr"/>
+              <a:endParaRPr lang="en-CA"/>
+            </a:p>
+          </p:txBody>
+        </p:sp>
+        <p:sp>
+          <p:nvSpPr>
+            <p:cNvPr id="19" name="Isosceles Triangle 18">
+              <a:extLst>
+                <a:ext uri="{FF2B5EF4-FFF2-40B4-BE49-F238E27FC236}">
+                  <a16:creationId xmlns:a16="http://schemas.microsoft.com/office/drawing/2014/main" id="{55D5A723-A5A2-4290-9C57-2C4E369EE769}"/>
+                </a:ext>
+              </a:extLst>
+            </p:cNvPr>
+            <p:cNvSpPr/>
+            <p:nvPr/>
+          </p:nvSpPr>
+          <p:spPr>
+            <a:xfrm rot="17331174">
+              <a:off x="5522102" y="2418038"/>
+              <a:ext cx="197245" cy="170039"/>
+            </a:xfrm>
+            <a:prstGeom prst="triangle">
+              <a:avLst/>
+            </a:prstGeom>
+            <a:solidFill>
+              <a:schemeClr val="tx1"/>
+            </a:solidFill>
+            <a:ln w="38100">
+              <a:solidFill>
+                <a:schemeClr val="tx1"/>
+              </a:solidFill>
+            </a:ln>
+          </p:spPr>
+          <p:style>
+            <a:lnRef idx="2">
+              <a:schemeClr val="accent1">
+                <a:shade val="50000"/>
+              </a:schemeClr>
+            </a:lnRef>
+            <a:fillRef idx="1">
+              <a:schemeClr val="accent1"/>
+            </a:fillRef>
+            <a:effectRef idx="0">
+              <a:schemeClr val="accent1"/>
+            </a:effectRef>
+            <a:fontRef idx="minor">
+              <a:schemeClr val="lt1"/>
+            </a:fontRef>
+          </p:style>
+          <p:txBody>
+            <a:bodyPr rtlCol="0" anchor="ctr"/>
+            <a:lstStyle/>
+            <a:p>
+              <a:pPr algn="ctr"/>
+              <a:endParaRPr lang="en-CA"/>
+            </a:p>
+          </p:txBody>
+        </p:sp>
+        <mc:AlternateContent xmlns:mc="http://schemas.openxmlformats.org/markup-compatibility/2006">
+          <mc:Choice xmlns:a14="http://schemas.microsoft.com/office/drawing/2010/main" Requires="a14">
+            <p:sp>
+              <p:nvSpPr>
+                <p:cNvPr id="20" name="TextBox 19">
+                  <a:extLst>
+                    <a:ext uri="{FF2B5EF4-FFF2-40B4-BE49-F238E27FC236}">
+                      <a16:creationId xmlns:a16="http://schemas.microsoft.com/office/drawing/2014/main" id="{0B5BB5ED-71C1-4D22-991B-DD5475D6232D}"/>
+                    </a:ext>
+                  </a:extLst>
+                </p:cNvPr>
+                <p:cNvSpPr txBox="1"/>
+                <p:nvPr/>
+              </p:nvSpPr>
+              <p:spPr>
+                <a:xfrm>
+                  <a:off x="3525182" y="3099004"/>
+                  <a:ext cx="431720" cy="523220"/>
+                </a:xfrm>
+                <a:prstGeom prst="rect">
+                  <a:avLst/>
+                </a:prstGeom>
+                <a:noFill/>
+              </p:spPr>
+              <p:txBody>
+                <a:bodyPr wrap="none" rtlCol="0">
+                  <a:spAutoFit/>
+                </a:bodyPr>
+                <a:lstStyle/>
+                <a:p>
+                  <a14:m>
+                    <m:oMathPara xmlns:m="http://schemas.openxmlformats.org/officeDocument/2006/math">
+                      <m:oMathParaPr>
+                        <m:jc m:val="centerGroup"/>
+                      </m:oMathParaPr>
+                      <m:oMath xmlns:m="http://schemas.openxmlformats.org/officeDocument/2006/math">
+                        <m:r>
+                          <a:rPr lang="en-CA" sz="2800" b="0" i="1" smtClean="0">
+                            <a:latin typeface="Cambria Math" panose="02040503050406030204" pitchFamily="18" charset="0"/>
+                            <a:cs typeface="Arial" panose="020B0604020202020204" pitchFamily="34" charset="0"/>
+                          </a:rPr>
+                          <m:t>𝐼</m:t>
+                        </m:r>
+                      </m:oMath>
+                    </m:oMathPara>
+                  </a14:m>
+                  <a:endParaRPr lang="en-CA" sz="2800" dirty="0">
+                    <a:latin typeface="Arial" panose="020B0604020202020204" pitchFamily="34" charset="0"/>
+                    <a:cs typeface="Arial" panose="020B0604020202020204" pitchFamily="34" charset="0"/>
+                  </a:endParaRPr>
+                </a:p>
+              </p:txBody>
+            </p:sp>
+          </mc:Choice>
+          <mc:Fallback>
+            <p:sp>
+              <p:nvSpPr>
+                <p:cNvPr id="20" name="TextBox 19">
+                  <a:extLst>
+                    <a:ext uri="{FF2B5EF4-FFF2-40B4-BE49-F238E27FC236}">
+                      <a16:creationId xmlns:a16="http://schemas.microsoft.com/office/drawing/2014/main" id="{0B5BB5ED-71C1-4D22-991B-DD5475D6232D}"/>
+                    </a:ext>
+                  </a:extLst>
+                </p:cNvPr>
+                <p:cNvSpPr txBox="1">
+                  <a:spLocks noRot="1" noChangeAspect="1" noMove="1" noResize="1" noEditPoints="1" noAdjustHandles="1" noChangeArrowheads="1" noChangeShapeType="1" noTextEdit="1"/>
+                </p:cNvSpPr>
+                <p:nvPr/>
+              </p:nvSpPr>
+              <p:spPr>
+                <a:xfrm>
+                  <a:off x="3525182" y="3099004"/>
+                  <a:ext cx="431720" cy="523220"/>
+                </a:xfrm>
+                <a:prstGeom prst="rect">
+                  <a:avLst/>
+                </a:prstGeom>
+                <a:blipFill>
+                  <a:blip r:embed="rId4"/>
+                  <a:stretch>
+                    <a:fillRect/>
+                  </a:stretch>
+                </a:blipFill>
+              </p:spPr>
+              <p:txBody>
+                <a:bodyPr/>
+                <a:lstStyle/>
+                <a:p>
+                  <a:r>
+                    <a:rPr lang="en-CA">
+                      <a:noFill/>
+                    </a:rPr>
+                    <a:t> </a:t>
+                  </a:r>
+                </a:p>
+              </p:txBody>
+            </p:sp>
+          </mc:Fallback>
+        </mc:AlternateContent>
+      </p:grpSp>
+      <p:grpSp>
+        <p:nvGrpSpPr>
+          <p:cNvPr id="22" name="Group 21">
+            <a:extLst>
+              <a:ext uri="{FF2B5EF4-FFF2-40B4-BE49-F238E27FC236}">
+                <a16:creationId xmlns:a16="http://schemas.microsoft.com/office/drawing/2014/main" id="{85D81F3E-7370-4106-B09D-EB85ECDE5B5E}"/>
+              </a:ext>
+            </a:extLst>
+          </p:cNvPr>
+          <p:cNvGrpSpPr/>
+          <p:nvPr/>
+        </p:nvGrpSpPr>
+        <p:grpSpPr>
+          <a:xfrm>
+            <a:off x="4780304" y="1466859"/>
+            <a:ext cx="3218173" cy="2322927"/>
+            <a:chOff x="8248391" y="2564515"/>
+            <a:chExt cx="983624" cy="709995"/>
+          </a:xfrm>
+        </p:grpSpPr>
+        <p:grpSp>
+          <p:nvGrpSpPr>
+            <p:cNvPr id="23" name="Group 22">
+              <a:extLst>
+                <a:ext uri="{FF2B5EF4-FFF2-40B4-BE49-F238E27FC236}">
+                  <a16:creationId xmlns:a16="http://schemas.microsoft.com/office/drawing/2014/main" id="{EA91085E-899D-45A9-A978-884CAE880E2E}"/>
+                </a:ext>
+              </a:extLst>
+            </p:cNvPr>
+            <p:cNvGrpSpPr/>
+            <p:nvPr/>
+          </p:nvGrpSpPr>
+          <p:grpSpPr>
+            <a:xfrm>
+              <a:off x="8248391" y="2564515"/>
+              <a:ext cx="888156" cy="709995"/>
+              <a:chOff x="758520" y="708040"/>
+              <a:chExt cx="2565390" cy="2135605"/>
+            </a:xfrm>
+          </p:grpSpPr>
+          <p:grpSp>
+            <p:nvGrpSpPr>
+              <p:cNvPr id="26" name="Group 25">
+                <a:extLst>
+                  <a:ext uri="{FF2B5EF4-FFF2-40B4-BE49-F238E27FC236}">
+                    <a16:creationId xmlns:a16="http://schemas.microsoft.com/office/drawing/2014/main" id="{51F60858-A4B5-4C1A-BC4D-F6E978CBAB23}"/>
+                  </a:ext>
+                </a:extLst>
+              </p:cNvPr>
+              <p:cNvGrpSpPr/>
+              <p:nvPr/>
+            </p:nvGrpSpPr>
+            <p:grpSpPr>
+              <a:xfrm>
+                <a:off x="758520" y="708040"/>
+                <a:ext cx="2565390" cy="2135605"/>
+                <a:chOff x="785815" y="680744"/>
+                <a:chExt cx="2565390" cy="2135605"/>
+              </a:xfrm>
+            </p:grpSpPr>
+            <p:cxnSp>
+              <p:nvCxnSpPr>
+                <p:cNvPr id="28" name="Straight Arrow Connector 27">
+                  <a:extLst>
+                    <a:ext uri="{FF2B5EF4-FFF2-40B4-BE49-F238E27FC236}">
+                      <a16:creationId xmlns:a16="http://schemas.microsoft.com/office/drawing/2014/main" id="{8CAD0557-ED91-4427-BEC9-B68AC5CC4DF6}"/>
+                    </a:ext>
+                  </a:extLst>
+                </p:cNvPr>
+                <p:cNvCxnSpPr/>
+                <p:nvPr/>
+              </p:nvCxnSpPr>
+              <p:spPr>
+                <a:xfrm flipV="1">
+                  <a:off x="1516583" y="680744"/>
+                  <a:ext cx="7683" cy="1859535"/>
+                </a:xfrm>
+                <a:prstGeom prst="straightConnector1">
+                  <a:avLst/>
+                </a:prstGeom>
+                <a:ln w="38100">
+                  <a:solidFill>
+                    <a:schemeClr val="tx1"/>
+                  </a:solidFill>
+                  <a:tailEnd type="triangle"/>
+                </a:ln>
+              </p:spPr>
+              <p:style>
+                <a:lnRef idx="1">
+                  <a:schemeClr val="accent1"/>
+                </a:lnRef>
+                <a:fillRef idx="0">
+                  <a:schemeClr val="accent1"/>
+                </a:fillRef>
+                <a:effectRef idx="0">
+                  <a:schemeClr val="accent1"/>
+                </a:effectRef>
+                <a:fontRef idx="minor">
+                  <a:schemeClr val="tx1"/>
+                </a:fontRef>
+              </p:style>
+            </p:cxnSp>
+            <p:cxnSp>
+              <p:nvCxnSpPr>
+                <p:cNvPr id="29" name="Straight Arrow Connector 28">
+                  <a:extLst>
+                    <a:ext uri="{FF2B5EF4-FFF2-40B4-BE49-F238E27FC236}">
+                      <a16:creationId xmlns:a16="http://schemas.microsoft.com/office/drawing/2014/main" id="{09FCF12C-6AEB-46D8-94E8-BADE3266CF1C}"/>
+                    </a:ext>
+                  </a:extLst>
+                </p:cNvPr>
+                <p:cNvCxnSpPr/>
+                <p:nvPr/>
+              </p:nvCxnSpPr>
+              <p:spPr>
+                <a:xfrm flipV="1">
+                  <a:off x="1476301" y="2503276"/>
+                  <a:ext cx="1874904" cy="0"/>
+                </a:xfrm>
+                <a:prstGeom prst="straightConnector1">
+                  <a:avLst/>
+                </a:prstGeom>
+                <a:ln w="38100">
+                  <a:solidFill>
+                    <a:schemeClr val="tx1"/>
+                  </a:solidFill>
+                  <a:tailEnd type="triangle"/>
+                </a:ln>
+              </p:spPr>
+              <p:style>
+                <a:lnRef idx="1">
+                  <a:schemeClr val="accent1"/>
+                </a:lnRef>
+                <a:fillRef idx="0">
+                  <a:schemeClr val="accent1"/>
+                </a:fillRef>
+                <a:effectRef idx="0">
+                  <a:schemeClr val="accent1"/>
+                </a:effectRef>
+                <a:fontRef idx="minor">
+                  <a:schemeClr val="tx1"/>
+                </a:fontRef>
+              </p:style>
+            </p:cxnSp>
+            <mc:AlternateContent xmlns:mc="http://schemas.openxmlformats.org/markup-compatibility/2006" xmlns:a14="http://schemas.microsoft.com/office/drawing/2010/main">
+              <mc:Choice Requires="a14">
+                <p:sp>
+                  <p:nvSpPr>
+                    <p:cNvPr id="30" name="Rectangle 29">
+                      <a:extLst>
+                        <a:ext uri="{FF2B5EF4-FFF2-40B4-BE49-F238E27FC236}">
+                          <a16:creationId xmlns:a16="http://schemas.microsoft.com/office/drawing/2014/main" id="{F2926D3B-855F-4A02-A636-40436225F3D7}"/>
+                        </a:ext>
+                      </a:extLst>
+                    </p:cNvPr>
+                    <p:cNvSpPr/>
+                    <p:nvPr/>
+                  </p:nvSpPr>
+                  <p:spPr>
+                    <a:xfrm>
+                      <a:off x="2697555" y="2447016"/>
+                      <a:ext cx="367985" cy="369333"/>
+                    </a:xfrm>
+                    <a:prstGeom prst="rect">
+                      <a:avLst/>
+                    </a:prstGeom>
+                  </p:spPr>
+                  <p:txBody>
+                    <a:bodyPr wrap="none">
+                      <a:spAutoFit/>
+                    </a:bodyPr>
+                    <a:lstStyle/>
+                    <a:p>
+                      <a:pPr/>
+                      <a14:m>
+                        <m:oMathPara xmlns:m="http://schemas.openxmlformats.org/officeDocument/2006/math">
+                          <m:oMathParaPr>
+                            <m:jc m:val="centerGroup"/>
+                          </m:oMathParaPr>
+                          <m:oMath xmlns:m="http://schemas.openxmlformats.org/officeDocument/2006/math">
+                            <m:r>
+                              <a:rPr lang="en-US" i="1">
+                                <a:latin typeface="Cambria Math" panose="02040503050406030204" pitchFamily="18" charset="0"/>
+                                <a:cs typeface="Arial" panose="020B0604020202020204" pitchFamily="34" charset="0"/>
+                              </a:rPr>
+                              <m:t>𝑥</m:t>
+                            </m:r>
+                          </m:oMath>
+                        </m:oMathPara>
+                      </a14:m>
+                      <a:endParaRPr lang="en-CA" dirty="0"/>
+                    </a:p>
+                  </p:txBody>
+                </p:sp>
+              </mc:Choice>
+              <mc:Fallback xmlns="">
+                <p:sp>
+                  <p:nvSpPr>
+                    <p:cNvPr id="107" name="Rectangle 106"/>
+                    <p:cNvSpPr>
+                      <a:spLocks noRot="1" noChangeAspect="1" noMove="1" noResize="1" noEditPoints="1" noAdjustHandles="1" noChangeArrowheads="1" noChangeShapeType="1" noTextEdit="1"/>
+                    </p:cNvSpPr>
+                    <p:nvPr/>
+                  </p:nvSpPr>
+                  <p:spPr>
+                    <a:xfrm>
+                      <a:off x="2697555" y="2447016"/>
+                      <a:ext cx="367985" cy="369333"/>
+                    </a:xfrm>
+                    <a:prstGeom prst="rect">
+                      <a:avLst/>
+                    </a:prstGeom>
+                    <a:blipFill>
+                      <a:blip r:embed="rId27"/>
+                      <a:stretch>
+                        <a:fillRect r="-95238" b="-160000"/>
+                      </a:stretch>
+                    </a:blipFill>
+                  </p:spPr>
+                  <p:txBody>
+                    <a:bodyPr/>
+                    <a:lstStyle/>
+                    <a:p>
+                      <a:r>
+                        <a:rPr lang="en-US">
+                          <a:noFill/>
+                        </a:rPr>
+                        <a:t> </a:t>
+                      </a:r>
+                    </a:p>
+                  </p:txBody>
+                </p:sp>
+              </mc:Fallback>
+            </mc:AlternateContent>
+            <mc:AlternateContent xmlns:mc="http://schemas.openxmlformats.org/markup-compatibility/2006" xmlns:a14="http://schemas.microsoft.com/office/drawing/2010/main">
+              <mc:Choice Requires="a14">
+                <p:sp>
+                  <p:nvSpPr>
+                    <p:cNvPr id="31" name="Rectangle 30">
+                      <a:extLst>
+                        <a:ext uri="{FF2B5EF4-FFF2-40B4-BE49-F238E27FC236}">
+                          <a16:creationId xmlns:a16="http://schemas.microsoft.com/office/drawing/2014/main" id="{B2E32F20-4834-48CC-BC3D-8A7232214661}"/>
+                        </a:ext>
+                      </a:extLst>
+                    </p:cNvPr>
+                    <p:cNvSpPr/>
+                    <p:nvPr/>
+                  </p:nvSpPr>
+                  <p:spPr>
+                    <a:xfrm>
+                      <a:off x="785815" y="912420"/>
+                      <a:ext cx="1021790" cy="1110919"/>
+                    </a:xfrm>
+                    <a:prstGeom prst="rect">
+                      <a:avLst/>
+                    </a:prstGeom>
+                  </p:spPr>
+                  <p:txBody>
+                    <a:bodyPr wrap="none">
+                      <a:spAutoFit/>
+                    </a:bodyPr>
+                    <a:lstStyle/>
+                    <a:p>
+                      <a:pPr/>
+                      <a14:m>
+                        <m:oMathPara xmlns:m="http://schemas.openxmlformats.org/officeDocument/2006/math">
+                          <m:oMathParaPr>
+                            <m:jc m:val="centerGroup"/>
+                          </m:oMathParaPr>
+                          <m:oMath xmlns:m="http://schemas.openxmlformats.org/officeDocument/2006/math">
+                            <m:r>
+                              <a:rPr lang="en-US" b="0" i="1" smtClean="0">
+                                <a:latin typeface="Cambria Math" panose="02040503050406030204" pitchFamily="18" charset="0"/>
+                              </a:rPr>
+                              <m:t>𝑧</m:t>
+                            </m:r>
+                          </m:oMath>
+                        </m:oMathPara>
+                      </a14:m>
+                      <a:endParaRPr lang="en-CA" dirty="0"/>
+                    </a:p>
+                  </p:txBody>
+                </p:sp>
+              </mc:Choice>
+              <mc:Fallback xmlns="">
+                <p:sp>
+                  <p:nvSpPr>
+                    <p:cNvPr id="89" name="Rectangle 88"/>
+                    <p:cNvSpPr>
+                      <a:spLocks noRot="1" noChangeAspect="1" noMove="1" noResize="1" noEditPoints="1" noAdjustHandles="1" noChangeArrowheads="1" noChangeShapeType="1" noTextEdit="1"/>
+                    </p:cNvSpPr>
+                    <p:nvPr/>
+                  </p:nvSpPr>
+                  <p:spPr>
+                    <a:xfrm>
+                      <a:off x="785815" y="912420"/>
+                      <a:ext cx="1021790" cy="1110919"/>
+                    </a:xfrm>
+                    <a:prstGeom prst="rect">
+                      <a:avLst/>
+                    </a:prstGeom>
+                    <a:blipFill>
+                      <a:blip r:embed="rId32"/>
+                      <a:stretch>
+                        <a:fillRect/>
+                      </a:stretch>
+                    </a:blipFill>
+                  </p:spPr>
+                  <p:txBody>
+                    <a:bodyPr/>
+                    <a:lstStyle/>
+                    <a:p>
+                      <a:r>
+                        <a:rPr lang="en-US">
+                          <a:noFill/>
+                        </a:rPr>
+                        <a:t> </a:t>
+                      </a:r>
+                    </a:p>
+                  </p:txBody>
+                </p:sp>
+              </mc:Fallback>
+            </mc:AlternateContent>
+            <mc:AlternateContent xmlns:mc="http://schemas.openxmlformats.org/markup-compatibility/2006" xmlns:a14="http://schemas.microsoft.com/office/drawing/2010/main">
+              <mc:Choice Requires="a14">
+                <p:sp>
+                  <p:nvSpPr>
+                    <p:cNvPr id="32" name="Rectangle 31">
+                      <a:extLst>
+                        <a:ext uri="{FF2B5EF4-FFF2-40B4-BE49-F238E27FC236}">
+                          <a16:creationId xmlns:a16="http://schemas.microsoft.com/office/drawing/2014/main" id="{9ED6E0C6-2131-4206-86F2-B3CA7EE7100B}"/>
+                        </a:ext>
+                      </a:extLst>
+                    </p:cNvPr>
+                    <p:cNvSpPr/>
+                    <p:nvPr/>
+                  </p:nvSpPr>
+                  <p:spPr>
+                    <a:xfrm>
+                      <a:off x="1006642" y="2350591"/>
+                      <a:ext cx="367985" cy="369333"/>
+                    </a:xfrm>
+                    <a:prstGeom prst="rect">
+                      <a:avLst/>
+                    </a:prstGeom>
+                  </p:spPr>
+                  <p:txBody>
+                    <a:bodyPr wrap="none">
+                      <a:spAutoFit/>
+                    </a:bodyPr>
+                    <a:lstStyle/>
+                    <a:p>
+                      <a:pPr/>
+                      <a14:m>
+                        <m:oMathPara xmlns:m="http://schemas.openxmlformats.org/officeDocument/2006/math">
+                          <m:oMathParaPr>
+                            <m:jc m:val="centerGroup"/>
+                          </m:oMathParaPr>
+                          <m:oMath xmlns:m="http://schemas.openxmlformats.org/officeDocument/2006/math">
+                            <m:r>
+                              <a:rPr lang="en-US" b="0" i="1" smtClean="0">
+                                <a:latin typeface="Cambria Math" panose="02040503050406030204" pitchFamily="18" charset="0"/>
+                                <a:cs typeface="Arial" panose="020B0604020202020204" pitchFamily="34" charset="0"/>
+                              </a:rPr>
+                              <m:t>0</m:t>
+                            </m:r>
+                          </m:oMath>
+                        </m:oMathPara>
+                      </a14:m>
+                      <a:endParaRPr lang="en-CA" dirty="0"/>
+                    </a:p>
+                  </p:txBody>
+                </p:sp>
+              </mc:Choice>
+              <mc:Fallback xmlns="">
+                <p:sp>
+                  <p:nvSpPr>
+                    <p:cNvPr id="109" name="Rectangle 108"/>
+                    <p:cNvSpPr>
+                      <a:spLocks noRot="1" noChangeAspect="1" noMove="1" noResize="1" noEditPoints="1" noAdjustHandles="1" noChangeArrowheads="1" noChangeShapeType="1" noTextEdit="1"/>
+                    </p:cNvSpPr>
+                    <p:nvPr/>
+                  </p:nvSpPr>
+                  <p:spPr>
+                    <a:xfrm>
+                      <a:off x="1006642" y="2350591"/>
+                      <a:ext cx="367985" cy="369333"/>
+                    </a:xfrm>
+                    <a:prstGeom prst="rect">
+                      <a:avLst/>
+                    </a:prstGeom>
+                    <a:blipFill>
+                      <a:blip r:embed="rId29"/>
+                      <a:stretch>
+                        <a:fillRect l="-14286" r="-114286" b="-180000"/>
+                      </a:stretch>
+                    </a:blipFill>
+                  </p:spPr>
+                  <p:txBody>
+                    <a:bodyPr/>
+                    <a:lstStyle/>
+                    <a:p>
+                      <a:r>
+                        <a:rPr lang="en-US">
+                          <a:noFill/>
+                        </a:rPr>
+                        <a:t> </a:t>
+                      </a:r>
+                    </a:p>
+                  </p:txBody>
+                </p:sp>
+              </mc:Fallback>
+            </mc:AlternateContent>
+          </p:grpSp>
+          <p:sp>
+            <p:nvSpPr>
+              <p:cNvPr id="27" name="Rectangle 26">
+                <a:extLst>
+                  <a:ext uri="{FF2B5EF4-FFF2-40B4-BE49-F238E27FC236}">
+                    <a16:creationId xmlns:a16="http://schemas.microsoft.com/office/drawing/2014/main" id="{461E1FAC-CA86-4B0B-B98F-643E6D70538D}"/>
+                  </a:ext>
+                </a:extLst>
+              </p:cNvPr>
+              <p:cNvSpPr/>
+              <p:nvPr/>
+            </p:nvSpPr>
+            <p:spPr>
+              <a:xfrm>
+                <a:off x="1129904" y="1614682"/>
+                <a:ext cx="184731" cy="369332"/>
+              </a:xfrm>
+              <a:prstGeom prst="rect">
+                <a:avLst/>
+              </a:prstGeom>
+            </p:spPr>
+            <p:txBody>
+              <a:bodyPr wrap="none">
+                <a:spAutoFit/>
+              </a:bodyPr>
+              <a:lstStyle/>
+              <a:p>
+                <a:endParaRPr lang="en-CA" dirty="0"/>
+              </a:p>
+            </p:txBody>
+          </p:sp>
+        </p:grpSp>
+        <p:cxnSp>
+          <p:nvCxnSpPr>
+            <p:cNvPr id="24" name="Straight Arrow Connector 23">
+              <a:extLst>
+                <a:ext uri="{FF2B5EF4-FFF2-40B4-BE49-F238E27FC236}">
+                  <a16:creationId xmlns:a16="http://schemas.microsoft.com/office/drawing/2014/main" id="{F432B642-B2EF-4D55-9D50-840EBEFCA037}"/>
+                </a:ext>
+              </a:extLst>
+            </p:cNvPr>
+            <p:cNvCxnSpPr/>
+            <p:nvPr/>
+          </p:nvCxnSpPr>
+          <p:spPr>
+            <a:xfrm flipV="1">
+              <a:off x="8499634" y="2899233"/>
+              <a:ext cx="474314" cy="273145"/>
+            </a:xfrm>
+            <a:prstGeom prst="straightConnector1">
+              <a:avLst/>
+            </a:prstGeom>
+            <a:ln w="38100">
+              <a:solidFill>
+                <a:schemeClr val="tx1"/>
+              </a:solidFill>
+              <a:prstDash val="sysDot"/>
+              <a:tailEnd type="triangle"/>
+            </a:ln>
+          </p:spPr>
+          <p:style>
+            <a:lnRef idx="1">
+              <a:schemeClr val="accent1"/>
+            </a:lnRef>
+            <a:fillRef idx="0">
+              <a:schemeClr val="accent1"/>
+            </a:fillRef>
+            <a:effectRef idx="0">
+              <a:schemeClr val="accent1"/>
+            </a:effectRef>
+            <a:fontRef idx="minor">
+              <a:schemeClr val="tx1"/>
+            </a:fontRef>
+          </p:style>
+        </p:cxnSp>
+        <mc:AlternateContent xmlns:mc="http://schemas.openxmlformats.org/markup-compatibility/2006" xmlns:a14="http://schemas.microsoft.com/office/drawing/2010/main">
+          <mc:Choice Requires="a14">
+            <p:sp>
+              <p:nvSpPr>
+                <p:cNvPr id="25" name="Rectangle 24">
+                  <a:extLst>
+                    <a:ext uri="{FF2B5EF4-FFF2-40B4-BE49-F238E27FC236}">
+                      <a16:creationId xmlns:a16="http://schemas.microsoft.com/office/drawing/2014/main" id="{07E6BBB3-D92D-4178-9340-9EB4CDDFC367}"/>
+                    </a:ext>
+                  </a:extLst>
+                </p:cNvPr>
+                <p:cNvSpPr/>
+                <p:nvPr/>
+              </p:nvSpPr>
+              <p:spPr>
+                <a:xfrm>
+                  <a:off x="8860631" y="2742661"/>
+                  <a:ext cx="371384" cy="369332"/>
+                </a:xfrm>
+                <a:prstGeom prst="rect">
+                  <a:avLst/>
+                </a:prstGeom>
+              </p:spPr>
+              <p:txBody>
+                <a:bodyPr wrap="none">
+                  <a:spAutoFit/>
+                </a:bodyPr>
+                <a:lstStyle/>
+                <a:p>
+                  <a:pPr/>
+                  <a14:m>
+                    <m:oMathPara xmlns:m="http://schemas.openxmlformats.org/officeDocument/2006/math">
+                      <m:oMathParaPr>
+                        <m:jc m:val="centerGroup"/>
+                      </m:oMathParaPr>
+                      <m:oMath xmlns:m="http://schemas.openxmlformats.org/officeDocument/2006/math">
+                        <m:r>
+                          <a:rPr lang="en-US" b="0" i="1" smtClean="0">
+                            <a:latin typeface="Cambria Math" panose="02040503050406030204" pitchFamily="18" charset="0"/>
+                          </a:rPr>
+                          <m:t>𝑦</m:t>
+                        </m:r>
+                      </m:oMath>
+                    </m:oMathPara>
+                  </a14:m>
+                  <a:endParaRPr lang="en-CA" dirty="0"/>
+                </a:p>
+              </p:txBody>
+            </p:sp>
+          </mc:Choice>
+          <mc:Fallback xmlns="">
+            <p:sp>
+              <p:nvSpPr>
+                <p:cNvPr id="83" name="Rectangle 82"/>
+                <p:cNvSpPr>
+                  <a:spLocks noRot="1" noChangeAspect="1" noMove="1" noResize="1" noEditPoints="1" noAdjustHandles="1" noChangeArrowheads="1" noChangeShapeType="1" noTextEdit="1"/>
+                </p:cNvSpPr>
+                <p:nvPr/>
+              </p:nvSpPr>
+              <p:spPr>
+                <a:xfrm>
+                  <a:off x="8860631" y="2742661"/>
+                  <a:ext cx="371384" cy="369332"/>
+                </a:xfrm>
+                <a:prstGeom prst="rect">
+                  <a:avLst/>
+                </a:prstGeom>
+                <a:blipFill>
+                  <a:blip r:embed="rId33"/>
+                  <a:stretch>
+                    <a:fillRect b="-6557"/>
+                  </a:stretch>
+                </a:blipFill>
+              </p:spPr>
+              <p:txBody>
+                <a:bodyPr/>
+                <a:lstStyle/>
+                <a:p>
+                  <a:r>
+                    <a:rPr lang="en-US">
+                      <a:noFill/>
+                    </a:rPr>
+                    <a:t> </a:t>
+                  </a:r>
+                </a:p>
+              </p:txBody>
+            </p:sp>
+          </mc:Fallback>
+        </mc:AlternateContent>
+      </p:grpSp>
+    </p:spTree>
+    <p:extLst>
+      <p:ext uri="{BB962C8B-B14F-4D97-AF65-F5344CB8AC3E}">
+        <p14:creationId xmlns:p14="http://schemas.microsoft.com/office/powerpoint/2010/main" val="390938266"/>
+      </p:ext>
+    </p:extLst>
+  </p:cSld>
+  <p:clrMapOvr>
+    <a:masterClrMapping/>
+  </p:clrMapOvr>
+</p:sld>
+</file>
+
+<file path=ppt/slides/slide12.xml><?xml version="1.0" encoding="utf-8"?>
+<p:sld xmlns:a="http://schemas.openxmlformats.org/drawingml/2006/main" xmlns:r="http://schemas.openxmlformats.org/officeDocument/2006/relationships" xmlns:p="http://schemas.openxmlformats.org/presentationml/2006/main">
+  <p:cSld>
+    <p:spTree>
+      <p:nvGrpSpPr>
+        <p:cNvPr id="1" name=""/>
+        <p:cNvGrpSpPr/>
+        <p:nvPr/>
+      </p:nvGrpSpPr>
+      <p:grpSpPr>
+        <a:xfrm>
+          <a:off x="0" y="0"/>
+          <a:ext cx="0" cy="0"/>
+          <a:chOff x="0" y="0"/>
+          <a:chExt cx="0" cy="0"/>
+        </a:xfrm>
+      </p:grpSpPr>
+      <p:pic>
+        <p:nvPicPr>
+          <p:cNvPr id="8" name="Picture 7">
+            <a:extLst>
+              <a:ext uri="{FF2B5EF4-FFF2-40B4-BE49-F238E27FC236}">
+                <a16:creationId xmlns:a16="http://schemas.microsoft.com/office/drawing/2014/main" id="{0ECA33B7-E5B6-4039-9612-8830138C7A01}"/>
+              </a:ext>
+            </a:extLst>
+          </p:cNvPr>
+          <p:cNvPicPr>
+            <a:picLocks noChangeAspect="1"/>
+          </p:cNvPicPr>
+          <p:nvPr/>
+        </p:nvPicPr>
+        <p:blipFill rotWithShape="1">
+          <a:blip r:embed="rId2">
+            <a:extLst>
+              <a:ext uri="{28A0092B-C50C-407E-A947-70E740481C1C}">
+                <a14:useLocalDpi xmlns:a14="http://schemas.microsoft.com/office/drawing/2010/main" val="0"/>
+              </a:ext>
+            </a:extLst>
+          </a:blip>
+          <a:srcRect t="3131"/>
+          <a:stretch/>
+        </p:blipFill>
+        <p:spPr>
+          <a:xfrm>
+            <a:off x="1981599" y="214684"/>
+            <a:ext cx="7035267" cy="6643315"/>
+          </a:xfrm>
+          <a:prstGeom prst="rect">
+            <a:avLst/>
+          </a:prstGeom>
+        </p:spPr>
+      </p:pic>
+      <p:sp>
+        <p:nvSpPr>
+          <p:cNvPr id="9" name="Rectangle 8">
+            <a:extLst>
+              <a:ext uri="{FF2B5EF4-FFF2-40B4-BE49-F238E27FC236}">
+                <a16:creationId xmlns:a16="http://schemas.microsoft.com/office/drawing/2014/main" id="{6F459C70-25BC-4843-A7EA-BF315EEC4331}"/>
+              </a:ext>
+            </a:extLst>
+          </p:cNvPr>
+          <p:cNvSpPr/>
+          <p:nvPr/>
+        </p:nvSpPr>
+        <p:spPr>
+          <a:xfrm>
+            <a:off x="3118585" y="2986237"/>
+            <a:ext cx="2377440" cy="885525"/>
+          </a:xfrm>
+          <a:prstGeom prst="rect">
+            <a:avLst/>
+          </a:prstGeom>
+          <a:solidFill>
+            <a:srgbClr val="FF0000"/>
+          </a:solidFill>
+          <a:ln w="38100">
+            <a:solidFill>
+              <a:schemeClr val="tx1"/>
+            </a:solidFill>
+          </a:ln>
+        </p:spPr>
+        <p:style>
+          <a:lnRef idx="2">
+            <a:schemeClr val="accent1">
+              <a:shade val="50000"/>
+            </a:schemeClr>
+          </a:lnRef>
+          <a:fillRef idx="1">
+            <a:schemeClr val="accent1"/>
+          </a:fillRef>
+          <a:effectRef idx="0">
+            <a:schemeClr val="accent1"/>
+          </a:effectRef>
+          <a:fontRef idx="minor">
+            <a:schemeClr val="lt1"/>
+          </a:fontRef>
+        </p:style>
+        <p:txBody>
+          <a:bodyPr rtlCol="0" anchor="ctr"/>
+          <a:lstStyle/>
+          <a:p>
+            <a:pPr algn="ctr"/>
+            <a:endParaRPr lang="en-CA"/>
+          </a:p>
+        </p:txBody>
+      </p:sp>
+      <p:sp>
+        <p:nvSpPr>
+          <p:cNvPr id="13" name="Rectangle 12">
+            <a:extLst>
+              <a:ext uri="{FF2B5EF4-FFF2-40B4-BE49-F238E27FC236}">
+                <a16:creationId xmlns:a16="http://schemas.microsoft.com/office/drawing/2014/main" id="{E6F5F1BB-B6CD-4C56-B08B-688532F44A07}"/>
+              </a:ext>
+            </a:extLst>
+          </p:cNvPr>
+          <p:cNvSpPr/>
+          <p:nvPr/>
+        </p:nvSpPr>
+        <p:spPr>
+          <a:xfrm>
+            <a:off x="5507257" y="2986237"/>
+            <a:ext cx="2377440" cy="885525"/>
+          </a:xfrm>
+          <a:prstGeom prst="rect">
+            <a:avLst/>
+          </a:prstGeom>
+          <a:solidFill>
+            <a:srgbClr val="0070C0"/>
+          </a:solidFill>
+          <a:ln w="38100">
+            <a:solidFill>
+              <a:schemeClr val="tx1"/>
+            </a:solidFill>
+          </a:ln>
+        </p:spPr>
+        <p:style>
+          <a:lnRef idx="2">
+            <a:schemeClr val="accent1">
+              <a:shade val="50000"/>
+            </a:schemeClr>
+          </a:lnRef>
+          <a:fillRef idx="1">
+            <a:schemeClr val="accent1"/>
+          </a:fillRef>
+          <a:effectRef idx="0">
+            <a:schemeClr val="accent1"/>
+          </a:effectRef>
+          <a:fontRef idx="minor">
+            <a:schemeClr val="lt1"/>
+          </a:fontRef>
+        </p:style>
+        <p:txBody>
+          <a:bodyPr rtlCol="0" anchor="ctr"/>
+          <a:lstStyle/>
+          <a:p>
+            <a:pPr algn="ctr"/>
+            <a:endParaRPr lang="en-CA"/>
+          </a:p>
+        </p:txBody>
+      </p:sp>
+      <mc:AlternateContent xmlns:mc="http://schemas.openxmlformats.org/markup-compatibility/2006">
+        <mc:Choice xmlns:a14="http://schemas.microsoft.com/office/drawing/2010/main" Requires="a14">
+          <p:sp>
+            <p:nvSpPr>
+              <p:cNvPr id="15" name="TextBox 14">
+                <a:extLst>
+                  <a:ext uri="{FF2B5EF4-FFF2-40B4-BE49-F238E27FC236}">
+                    <a16:creationId xmlns:a16="http://schemas.microsoft.com/office/drawing/2014/main" id="{9192B40B-E40B-43FC-B86E-805F59F80CCE}"/>
+                  </a:ext>
+                </a:extLst>
+              </p:cNvPr>
+              <p:cNvSpPr txBox="1"/>
+              <p:nvPr/>
+            </p:nvSpPr>
+            <p:spPr>
+              <a:xfrm>
+                <a:off x="3107353" y="3167389"/>
+                <a:ext cx="555730" cy="523220"/>
+              </a:xfrm>
+              <a:prstGeom prst="rect">
+                <a:avLst/>
+              </a:prstGeom>
+              <a:noFill/>
+            </p:spPr>
+            <p:txBody>
+              <a:bodyPr wrap="none" rtlCol="0">
+                <a:spAutoFit/>
+              </a:bodyPr>
+              <a:lstStyle/>
+              <a:p>
+                <a14:m>
+                  <m:oMathPara xmlns:m="http://schemas.openxmlformats.org/officeDocument/2006/math">
+                    <m:oMathParaPr>
+                      <m:jc m:val="centerGroup"/>
+                    </m:oMathParaPr>
+                    <m:oMath xmlns:m="http://schemas.openxmlformats.org/officeDocument/2006/math">
+                      <m:r>
+                        <a:rPr lang="en-CA" sz="2800" b="1" i="1" smtClean="0">
+                          <a:latin typeface="Cambria Math" panose="02040503050406030204" pitchFamily="18" charset="0"/>
+                          <a:cs typeface="Arial" panose="020B0604020202020204" pitchFamily="34" charset="0"/>
+                        </a:rPr>
+                        <m:t>𝑵</m:t>
+                      </m:r>
+                    </m:oMath>
+                  </m:oMathPara>
+                </a14:m>
+                <a:endParaRPr lang="en-CA" sz="2800" b="1" dirty="0">
+                  <a:latin typeface="Arial" panose="020B0604020202020204" pitchFamily="34" charset="0"/>
+                  <a:cs typeface="Arial" panose="020B0604020202020204" pitchFamily="34" charset="0"/>
+                </a:endParaRPr>
+              </a:p>
+            </p:txBody>
+          </p:sp>
+        </mc:Choice>
+        <mc:Fallback>
+          <p:sp>
+            <p:nvSpPr>
+              <p:cNvPr id="15" name="TextBox 14">
+                <a:extLst>
+                  <a:ext uri="{FF2B5EF4-FFF2-40B4-BE49-F238E27FC236}">
+                    <a16:creationId xmlns:a16="http://schemas.microsoft.com/office/drawing/2014/main" id="{9192B40B-E40B-43FC-B86E-805F59F80CCE}"/>
+                  </a:ext>
+                </a:extLst>
+              </p:cNvPr>
+              <p:cNvSpPr txBox="1">
+                <a:spLocks noRot="1" noChangeAspect="1" noMove="1" noResize="1" noEditPoints="1" noAdjustHandles="1" noChangeArrowheads="1" noChangeShapeType="1" noTextEdit="1"/>
+              </p:cNvSpPr>
+              <p:nvPr/>
+            </p:nvSpPr>
+            <p:spPr>
+              <a:xfrm>
+                <a:off x="3107353" y="3167389"/>
+                <a:ext cx="555730" cy="523220"/>
+              </a:xfrm>
+              <a:prstGeom prst="rect">
+                <a:avLst/>
+              </a:prstGeom>
+              <a:blipFill>
+                <a:blip r:embed="rId3"/>
+                <a:stretch>
+                  <a:fillRect/>
+                </a:stretch>
+              </a:blipFill>
+            </p:spPr>
+            <p:txBody>
+              <a:bodyPr/>
+              <a:lstStyle/>
+              <a:p>
+                <a:r>
+                  <a:rPr lang="en-CA">
+                    <a:noFill/>
+                  </a:rPr>
+                  <a:t> </a:t>
+                </a:r>
+              </a:p>
+            </p:txBody>
+          </p:sp>
+        </mc:Fallback>
+      </mc:AlternateContent>
+      <mc:AlternateContent xmlns:mc="http://schemas.openxmlformats.org/markup-compatibility/2006">
+        <mc:Choice xmlns:a14="http://schemas.microsoft.com/office/drawing/2010/main" Requires="a14">
+          <p:sp>
+            <p:nvSpPr>
+              <p:cNvPr id="16" name="TextBox 15">
+                <a:extLst>
+                  <a:ext uri="{FF2B5EF4-FFF2-40B4-BE49-F238E27FC236}">
+                    <a16:creationId xmlns:a16="http://schemas.microsoft.com/office/drawing/2014/main" id="{A0615A93-4C3F-4668-B005-933A4851BC2A}"/>
+                  </a:ext>
+                </a:extLst>
+              </p:cNvPr>
+              <p:cNvSpPr txBox="1"/>
+              <p:nvPr/>
+            </p:nvSpPr>
+            <p:spPr>
+              <a:xfrm>
+                <a:off x="7397063" y="3167389"/>
+                <a:ext cx="487634" cy="523220"/>
+              </a:xfrm>
+              <a:prstGeom prst="rect">
+                <a:avLst/>
+              </a:prstGeom>
+              <a:noFill/>
+            </p:spPr>
+            <p:txBody>
+              <a:bodyPr wrap="none" rtlCol="0">
+                <a:spAutoFit/>
+              </a:bodyPr>
+              <a:lstStyle/>
+              <a:p>
+                <a14:m>
+                  <m:oMathPara xmlns:m="http://schemas.openxmlformats.org/officeDocument/2006/math">
+                    <m:oMathParaPr>
+                      <m:jc m:val="centerGroup"/>
+                    </m:oMathParaPr>
+                    <m:oMath xmlns:m="http://schemas.openxmlformats.org/officeDocument/2006/math">
+                      <m:r>
+                        <a:rPr lang="en-CA" sz="2800" b="1" i="1" smtClean="0">
+                          <a:latin typeface="Cambria Math" panose="02040503050406030204" pitchFamily="18" charset="0"/>
+                          <a:cs typeface="Arial" panose="020B0604020202020204" pitchFamily="34" charset="0"/>
+                        </a:rPr>
+                        <m:t>𝑺</m:t>
+                      </m:r>
+                    </m:oMath>
+                  </m:oMathPara>
+                </a14:m>
+                <a:endParaRPr lang="en-CA" sz="2800" b="1" dirty="0">
+                  <a:latin typeface="Arial" panose="020B0604020202020204" pitchFamily="34" charset="0"/>
+                  <a:cs typeface="Arial" panose="020B0604020202020204" pitchFamily="34" charset="0"/>
+                </a:endParaRPr>
+              </a:p>
+            </p:txBody>
+          </p:sp>
+        </mc:Choice>
+        <mc:Fallback>
+          <p:sp>
+            <p:nvSpPr>
+              <p:cNvPr id="16" name="TextBox 15">
+                <a:extLst>
+                  <a:ext uri="{FF2B5EF4-FFF2-40B4-BE49-F238E27FC236}">
+                    <a16:creationId xmlns:a16="http://schemas.microsoft.com/office/drawing/2014/main" id="{A0615A93-4C3F-4668-B005-933A4851BC2A}"/>
+                  </a:ext>
+                </a:extLst>
+              </p:cNvPr>
+              <p:cNvSpPr txBox="1">
+                <a:spLocks noRot="1" noChangeAspect="1" noMove="1" noResize="1" noEditPoints="1" noAdjustHandles="1" noChangeArrowheads="1" noChangeShapeType="1" noTextEdit="1"/>
+              </p:cNvSpPr>
+              <p:nvPr/>
+            </p:nvSpPr>
+            <p:spPr>
+              <a:xfrm>
+                <a:off x="7397063" y="3167389"/>
+                <a:ext cx="487634" cy="523220"/>
+              </a:xfrm>
+              <a:prstGeom prst="rect">
+                <a:avLst/>
+              </a:prstGeom>
+              <a:blipFill>
+                <a:blip r:embed="rId4"/>
+                <a:stretch>
+                  <a:fillRect/>
+                </a:stretch>
+              </a:blipFill>
+            </p:spPr>
+            <p:txBody>
+              <a:bodyPr/>
+              <a:lstStyle/>
+              <a:p>
+                <a:r>
+                  <a:rPr lang="en-CA">
+                    <a:noFill/>
+                  </a:rPr>
+                  <a:t> </a:t>
+                </a:r>
+              </a:p>
+            </p:txBody>
+          </p:sp>
+        </mc:Fallback>
+      </mc:AlternateContent>
+      <p:sp>
+        <p:nvSpPr>
+          <p:cNvPr id="18" name="Isosceles Triangle 17">
+            <a:extLst>
+              <a:ext uri="{FF2B5EF4-FFF2-40B4-BE49-F238E27FC236}">
+                <a16:creationId xmlns:a16="http://schemas.microsoft.com/office/drawing/2014/main" id="{F8277362-B2B7-4837-80D6-68FE9E1E1516}"/>
+              </a:ext>
+            </a:extLst>
+          </p:cNvPr>
+          <p:cNvSpPr/>
+          <p:nvPr/>
+        </p:nvSpPr>
+        <p:spPr>
+          <a:xfrm rot="5400000">
+            <a:off x="5446648" y="1942963"/>
+            <a:ext cx="53034" cy="45719"/>
+          </a:xfrm>
+          <a:prstGeom prst="triangle">
+            <a:avLst/>
+          </a:prstGeom>
+          <a:noFill/>
+          <a:ln w="38100">
+            <a:solidFill>
+              <a:schemeClr val="tx1"/>
+            </a:solidFill>
+          </a:ln>
+        </p:spPr>
+        <p:style>
+          <a:lnRef idx="2">
+            <a:schemeClr val="accent1">
+              <a:shade val="50000"/>
+            </a:schemeClr>
+          </a:lnRef>
+          <a:fillRef idx="1">
+            <a:schemeClr val="accent1"/>
+          </a:fillRef>
+          <a:effectRef idx="0">
+            <a:schemeClr val="accent1"/>
+          </a:effectRef>
+          <a:fontRef idx="minor">
+            <a:schemeClr val="lt1"/>
+          </a:fontRef>
+        </p:style>
+        <p:txBody>
+          <a:bodyPr rtlCol="0" anchor="ctr"/>
+          <a:lstStyle/>
+          <a:p>
+            <a:pPr algn="ctr"/>
+            <a:endParaRPr lang="en-CA"/>
+          </a:p>
+        </p:txBody>
+      </p:sp>
+      <p:sp>
+        <p:nvSpPr>
+          <p:cNvPr id="19" name="Isosceles Triangle 18">
+            <a:extLst>
+              <a:ext uri="{FF2B5EF4-FFF2-40B4-BE49-F238E27FC236}">
+                <a16:creationId xmlns:a16="http://schemas.microsoft.com/office/drawing/2014/main" id="{56B1BE82-F9EE-4940-97D6-C2BEBB87D132}"/>
+              </a:ext>
+            </a:extLst>
+          </p:cNvPr>
+          <p:cNvSpPr/>
+          <p:nvPr/>
+        </p:nvSpPr>
+        <p:spPr>
+          <a:xfrm rot="5400000">
+            <a:off x="5423788" y="2359860"/>
+            <a:ext cx="53034" cy="45719"/>
+          </a:xfrm>
+          <a:prstGeom prst="triangle">
+            <a:avLst/>
+          </a:prstGeom>
+          <a:noFill/>
+          <a:ln w="38100">
+            <a:solidFill>
+              <a:schemeClr val="tx1"/>
+            </a:solidFill>
+          </a:ln>
+        </p:spPr>
+        <p:style>
+          <a:lnRef idx="2">
+            <a:schemeClr val="accent1">
+              <a:shade val="50000"/>
+            </a:schemeClr>
+          </a:lnRef>
+          <a:fillRef idx="1">
+            <a:schemeClr val="accent1"/>
+          </a:fillRef>
+          <a:effectRef idx="0">
+            <a:schemeClr val="accent1"/>
+          </a:effectRef>
+          <a:fontRef idx="minor">
+            <a:schemeClr val="lt1"/>
+          </a:fontRef>
+        </p:style>
+        <p:txBody>
+          <a:bodyPr rtlCol="0" anchor="ctr"/>
+          <a:lstStyle/>
+          <a:p>
+            <a:pPr algn="ctr"/>
+            <a:endParaRPr lang="en-CA"/>
+          </a:p>
+        </p:txBody>
+      </p:sp>
+      <p:sp>
+        <p:nvSpPr>
+          <p:cNvPr id="20" name="Isosceles Triangle 19">
+            <a:extLst>
+              <a:ext uri="{FF2B5EF4-FFF2-40B4-BE49-F238E27FC236}">
+                <a16:creationId xmlns:a16="http://schemas.microsoft.com/office/drawing/2014/main" id="{5AB603D6-4272-4BFA-8DD0-6F4D2567A046}"/>
+              </a:ext>
+            </a:extLst>
+          </p:cNvPr>
+          <p:cNvSpPr/>
+          <p:nvPr/>
+        </p:nvSpPr>
+        <p:spPr>
+          <a:xfrm rot="5400000">
+            <a:off x="5378068" y="2723723"/>
+            <a:ext cx="53034" cy="45719"/>
+          </a:xfrm>
+          <a:prstGeom prst="triangle">
+            <a:avLst/>
+          </a:prstGeom>
+          <a:noFill/>
+          <a:ln w="38100">
+            <a:solidFill>
+              <a:schemeClr val="tx1"/>
+            </a:solidFill>
+          </a:ln>
+        </p:spPr>
+        <p:style>
+          <a:lnRef idx="2">
+            <a:schemeClr val="accent1">
+              <a:shade val="50000"/>
+            </a:schemeClr>
+          </a:lnRef>
+          <a:fillRef idx="1">
+            <a:schemeClr val="accent1"/>
+          </a:fillRef>
+          <a:effectRef idx="0">
+            <a:schemeClr val="accent1"/>
+          </a:effectRef>
+          <a:fontRef idx="minor">
+            <a:schemeClr val="lt1"/>
+          </a:fontRef>
+        </p:style>
+        <p:txBody>
+          <a:bodyPr rtlCol="0" anchor="ctr"/>
+          <a:lstStyle/>
+          <a:p>
+            <a:pPr algn="ctr"/>
+            <a:endParaRPr lang="en-CA"/>
+          </a:p>
+        </p:txBody>
+      </p:sp>
+      <p:sp>
+        <p:nvSpPr>
+          <p:cNvPr id="21" name="Isosceles Triangle 20">
+            <a:extLst>
+              <a:ext uri="{FF2B5EF4-FFF2-40B4-BE49-F238E27FC236}">
+                <a16:creationId xmlns:a16="http://schemas.microsoft.com/office/drawing/2014/main" id="{852A0A1A-20FB-47B6-B870-A9A21F5B273C}"/>
+              </a:ext>
+            </a:extLst>
+          </p:cNvPr>
+          <p:cNvSpPr/>
+          <p:nvPr/>
+        </p:nvSpPr>
+        <p:spPr>
+          <a:xfrm rot="5135608">
+            <a:off x="5606038" y="4070554"/>
+            <a:ext cx="53034" cy="45719"/>
+          </a:xfrm>
+          <a:prstGeom prst="triangle">
+            <a:avLst/>
+          </a:prstGeom>
+          <a:noFill/>
+          <a:ln w="38100">
+            <a:solidFill>
+              <a:schemeClr val="tx1"/>
+            </a:solidFill>
+          </a:ln>
+        </p:spPr>
+        <p:style>
+          <a:lnRef idx="2">
+            <a:schemeClr val="accent1">
+              <a:shade val="50000"/>
+            </a:schemeClr>
+          </a:lnRef>
+          <a:fillRef idx="1">
+            <a:schemeClr val="accent1"/>
+          </a:fillRef>
+          <a:effectRef idx="0">
+            <a:schemeClr val="accent1"/>
+          </a:effectRef>
+          <a:fontRef idx="minor">
+            <a:schemeClr val="lt1"/>
+          </a:fontRef>
+        </p:style>
+        <p:txBody>
+          <a:bodyPr rtlCol="0" anchor="ctr"/>
+          <a:lstStyle/>
+          <a:p>
+            <a:pPr algn="ctr"/>
+            <a:endParaRPr lang="en-CA"/>
+          </a:p>
+        </p:txBody>
+      </p:sp>
+      <p:sp>
+        <p:nvSpPr>
+          <p:cNvPr id="22" name="Isosceles Triangle 21">
+            <a:extLst>
+              <a:ext uri="{FF2B5EF4-FFF2-40B4-BE49-F238E27FC236}">
+                <a16:creationId xmlns:a16="http://schemas.microsoft.com/office/drawing/2014/main" id="{76FAB1D9-9CE0-4BC9-9B81-9B7144578E7A}"/>
+              </a:ext>
+            </a:extLst>
+          </p:cNvPr>
+          <p:cNvSpPr/>
+          <p:nvPr/>
+        </p:nvSpPr>
+        <p:spPr>
+          <a:xfrm rot="7042289">
+            <a:off x="4765529" y="4319934"/>
+            <a:ext cx="53034" cy="45719"/>
+          </a:xfrm>
+          <a:prstGeom prst="triangle">
+            <a:avLst/>
+          </a:prstGeom>
+          <a:noFill/>
+          <a:ln w="38100">
+            <a:solidFill>
+              <a:schemeClr val="tx1"/>
+            </a:solidFill>
+          </a:ln>
+        </p:spPr>
+        <p:style>
+          <a:lnRef idx="2">
+            <a:schemeClr val="accent1">
+              <a:shade val="50000"/>
+            </a:schemeClr>
+          </a:lnRef>
+          <a:fillRef idx="1">
+            <a:schemeClr val="accent1"/>
+          </a:fillRef>
+          <a:effectRef idx="0">
+            <a:schemeClr val="accent1"/>
+          </a:effectRef>
+          <a:fontRef idx="minor">
+            <a:schemeClr val="lt1"/>
+          </a:fontRef>
+        </p:style>
+        <p:txBody>
+          <a:bodyPr rtlCol="0" anchor="ctr"/>
+          <a:lstStyle/>
+          <a:p>
+            <a:pPr algn="ctr"/>
+            <a:endParaRPr lang="en-CA"/>
+          </a:p>
+        </p:txBody>
+      </p:sp>
+      <p:sp>
+        <p:nvSpPr>
+          <p:cNvPr id="23" name="Isosceles Triangle 22">
+            <a:extLst>
+              <a:ext uri="{FF2B5EF4-FFF2-40B4-BE49-F238E27FC236}">
+                <a16:creationId xmlns:a16="http://schemas.microsoft.com/office/drawing/2014/main" id="{1F7D34B6-286F-4242-8A96-C3EA63AB3669}"/>
+              </a:ext>
+            </a:extLst>
+          </p:cNvPr>
+          <p:cNvSpPr/>
+          <p:nvPr/>
+        </p:nvSpPr>
+        <p:spPr>
+          <a:xfrm rot="4052114">
+            <a:off x="5984728" y="4786370"/>
+            <a:ext cx="53034" cy="45719"/>
+          </a:xfrm>
+          <a:prstGeom prst="triangle">
+            <a:avLst/>
+          </a:prstGeom>
+          <a:noFill/>
+          <a:ln w="38100">
+            <a:solidFill>
+              <a:schemeClr val="tx1"/>
+            </a:solidFill>
+          </a:ln>
+        </p:spPr>
+        <p:style>
+          <a:lnRef idx="2">
+            <a:schemeClr val="accent1">
+              <a:shade val="50000"/>
+            </a:schemeClr>
+          </a:lnRef>
+          <a:fillRef idx="1">
+            <a:schemeClr val="accent1"/>
+          </a:fillRef>
+          <a:effectRef idx="0">
+            <a:schemeClr val="accent1"/>
+          </a:effectRef>
+          <a:fontRef idx="minor">
+            <a:schemeClr val="lt1"/>
+          </a:fontRef>
+        </p:style>
+        <p:txBody>
+          <a:bodyPr rtlCol="0" anchor="ctr"/>
+          <a:lstStyle/>
+          <a:p>
+            <a:pPr algn="ctr"/>
+            <a:endParaRPr lang="en-CA"/>
+          </a:p>
+        </p:txBody>
+      </p:sp>
+      <p:sp>
+        <p:nvSpPr>
+          <p:cNvPr id="24" name="Isosceles Triangle 23">
+            <a:extLst>
+              <a:ext uri="{FF2B5EF4-FFF2-40B4-BE49-F238E27FC236}">
+                <a16:creationId xmlns:a16="http://schemas.microsoft.com/office/drawing/2014/main" id="{591E9942-B388-4963-B352-66C7E386271A}"/>
+              </a:ext>
+            </a:extLst>
+          </p:cNvPr>
+          <p:cNvSpPr/>
+          <p:nvPr/>
+        </p:nvSpPr>
+        <p:spPr>
+          <a:xfrm rot="7705423">
+            <a:off x="4396183" y="4962085"/>
+            <a:ext cx="53034" cy="45719"/>
+          </a:xfrm>
+          <a:prstGeom prst="triangle">
+            <a:avLst/>
+          </a:prstGeom>
+          <a:noFill/>
+          <a:ln w="38100">
+            <a:solidFill>
+              <a:schemeClr val="tx1"/>
+            </a:solidFill>
+          </a:ln>
+        </p:spPr>
+        <p:style>
+          <a:lnRef idx="2">
+            <a:schemeClr val="accent1">
+              <a:shade val="50000"/>
+            </a:schemeClr>
+          </a:lnRef>
+          <a:fillRef idx="1">
+            <a:schemeClr val="accent1"/>
+          </a:fillRef>
+          <a:effectRef idx="0">
+            <a:schemeClr val="accent1"/>
+          </a:effectRef>
+          <a:fontRef idx="minor">
+            <a:schemeClr val="lt1"/>
+          </a:fontRef>
+        </p:style>
+        <p:txBody>
+          <a:bodyPr rtlCol="0" anchor="ctr"/>
+          <a:lstStyle/>
+          <a:p>
+            <a:pPr algn="ctr"/>
+            <a:endParaRPr lang="en-CA"/>
+          </a:p>
+        </p:txBody>
+      </p:sp>
+      <p:sp>
+        <p:nvSpPr>
+          <p:cNvPr id="25" name="Isosceles Triangle 24">
+            <a:extLst>
+              <a:ext uri="{FF2B5EF4-FFF2-40B4-BE49-F238E27FC236}">
+                <a16:creationId xmlns:a16="http://schemas.microsoft.com/office/drawing/2014/main" id="{F73A1BF5-35BF-4DE7-BDD8-7CF598324728}"/>
+              </a:ext>
+            </a:extLst>
+          </p:cNvPr>
+          <p:cNvSpPr/>
+          <p:nvPr/>
+        </p:nvSpPr>
+        <p:spPr>
+          <a:xfrm rot="2782562">
+            <a:off x="6853055" y="5239175"/>
+            <a:ext cx="53034" cy="45719"/>
+          </a:xfrm>
+          <a:prstGeom prst="triangle">
+            <a:avLst/>
+          </a:prstGeom>
+          <a:noFill/>
+          <a:ln w="38100">
+            <a:solidFill>
+              <a:schemeClr val="tx1"/>
+            </a:solidFill>
+          </a:ln>
+        </p:spPr>
+        <p:style>
+          <a:lnRef idx="2">
+            <a:schemeClr val="accent1">
+              <a:shade val="50000"/>
+            </a:schemeClr>
+          </a:lnRef>
+          <a:fillRef idx="1">
+            <a:schemeClr val="accent1"/>
+          </a:fillRef>
+          <a:effectRef idx="0">
+            <a:schemeClr val="accent1"/>
+          </a:effectRef>
+          <a:fontRef idx="minor">
+            <a:schemeClr val="lt1"/>
+          </a:fontRef>
+        </p:style>
+        <p:txBody>
+          <a:bodyPr rtlCol="0" anchor="ctr"/>
+          <a:lstStyle/>
+          <a:p>
+            <a:pPr algn="ctr"/>
+            <a:endParaRPr lang="en-CA"/>
+          </a:p>
+        </p:txBody>
+      </p:sp>
+      <p:sp>
+        <p:nvSpPr>
+          <p:cNvPr id="26" name="Isosceles Triangle 25">
+            <a:extLst>
+              <a:ext uri="{FF2B5EF4-FFF2-40B4-BE49-F238E27FC236}">
+                <a16:creationId xmlns:a16="http://schemas.microsoft.com/office/drawing/2014/main" id="{762E62CE-BDF5-4033-8883-8D8729B9AFAF}"/>
+              </a:ext>
+            </a:extLst>
+          </p:cNvPr>
+          <p:cNvSpPr/>
+          <p:nvPr/>
+        </p:nvSpPr>
+        <p:spPr>
+          <a:xfrm rot="8699820">
+            <a:off x="3885626" y="5828359"/>
+            <a:ext cx="53034" cy="45719"/>
+          </a:xfrm>
+          <a:prstGeom prst="triangle">
+            <a:avLst/>
+          </a:prstGeom>
+          <a:noFill/>
+          <a:ln w="38100">
+            <a:solidFill>
+              <a:schemeClr val="tx1"/>
+            </a:solidFill>
+          </a:ln>
+        </p:spPr>
+        <p:style>
+          <a:lnRef idx="2">
+            <a:schemeClr val="accent1">
+              <a:shade val="50000"/>
+            </a:schemeClr>
+          </a:lnRef>
+          <a:fillRef idx="1">
+            <a:schemeClr val="accent1"/>
+          </a:fillRef>
+          <a:effectRef idx="0">
+            <a:schemeClr val="accent1"/>
+          </a:effectRef>
+          <a:fontRef idx="minor">
+            <a:schemeClr val="lt1"/>
+          </a:fontRef>
+        </p:style>
+        <p:txBody>
+          <a:bodyPr rtlCol="0" anchor="ctr"/>
+          <a:lstStyle/>
+          <a:p>
+            <a:pPr algn="ctr"/>
+            <a:endParaRPr lang="en-CA"/>
+          </a:p>
+        </p:txBody>
+      </p:sp>
+      <p:sp>
+        <p:nvSpPr>
+          <p:cNvPr id="27" name="Isosceles Triangle 26">
+            <a:extLst>
+              <a:ext uri="{FF2B5EF4-FFF2-40B4-BE49-F238E27FC236}">
+                <a16:creationId xmlns:a16="http://schemas.microsoft.com/office/drawing/2014/main" id="{FF746CDE-4426-4F70-96C1-DE3DE312A6E1}"/>
+              </a:ext>
+            </a:extLst>
+          </p:cNvPr>
+          <p:cNvSpPr/>
+          <p:nvPr/>
+        </p:nvSpPr>
+        <p:spPr>
+          <a:xfrm rot="496977">
+            <a:off x="7768322" y="5468142"/>
+            <a:ext cx="53034" cy="45719"/>
+          </a:xfrm>
+          <a:prstGeom prst="triangle">
+            <a:avLst/>
+          </a:prstGeom>
+          <a:noFill/>
+          <a:ln w="38100">
+            <a:solidFill>
+              <a:schemeClr val="tx1"/>
+            </a:solidFill>
+          </a:ln>
+        </p:spPr>
+        <p:style>
+          <a:lnRef idx="2">
+            <a:schemeClr val="accent1">
+              <a:shade val="50000"/>
+            </a:schemeClr>
+          </a:lnRef>
+          <a:fillRef idx="1">
+            <a:schemeClr val="accent1"/>
+          </a:fillRef>
+          <a:effectRef idx="0">
+            <a:schemeClr val="accent1"/>
+          </a:effectRef>
+          <a:fontRef idx="minor">
+            <a:schemeClr val="lt1"/>
+          </a:fontRef>
+        </p:style>
+        <p:txBody>
+          <a:bodyPr rtlCol="0" anchor="ctr"/>
+          <a:lstStyle/>
+          <a:p>
+            <a:pPr algn="ctr"/>
+            <a:endParaRPr lang="en-CA"/>
+          </a:p>
+        </p:txBody>
+      </p:sp>
+      <p:sp>
+        <p:nvSpPr>
+          <p:cNvPr id="28" name="Isosceles Triangle 27">
+            <a:extLst>
+              <a:ext uri="{FF2B5EF4-FFF2-40B4-BE49-F238E27FC236}">
+                <a16:creationId xmlns:a16="http://schemas.microsoft.com/office/drawing/2014/main" id="{A265A2C8-BF1C-4A8F-B508-2B33E8F05E93}"/>
+              </a:ext>
+            </a:extLst>
+          </p:cNvPr>
+          <p:cNvSpPr/>
+          <p:nvPr/>
+        </p:nvSpPr>
+        <p:spPr>
+          <a:xfrm rot="10800000">
+            <a:off x="2706660" y="5418841"/>
+            <a:ext cx="53034" cy="45719"/>
+          </a:xfrm>
+          <a:prstGeom prst="triangle">
+            <a:avLst/>
+          </a:prstGeom>
+          <a:noFill/>
+          <a:ln w="38100">
+            <a:solidFill>
+              <a:schemeClr val="tx1"/>
+            </a:solidFill>
+          </a:ln>
+        </p:spPr>
+        <p:style>
+          <a:lnRef idx="2">
+            <a:schemeClr val="accent1">
+              <a:shade val="50000"/>
+            </a:schemeClr>
+          </a:lnRef>
+          <a:fillRef idx="1">
+            <a:schemeClr val="accent1"/>
+          </a:fillRef>
+          <a:effectRef idx="0">
+            <a:schemeClr val="accent1"/>
+          </a:effectRef>
+          <a:fontRef idx="minor">
+            <a:schemeClr val="lt1"/>
+          </a:fontRef>
+        </p:style>
+        <p:txBody>
+          <a:bodyPr rtlCol="0" anchor="ctr"/>
+          <a:lstStyle/>
+          <a:p>
+            <a:pPr algn="ctr"/>
+            <a:endParaRPr lang="en-CA"/>
+          </a:p>
+        </p:txBody>
+      </p:sp>
+      <p:sp>
+        <p:nvSpPr>
+          <p:cNvPr id="29" name="Isosceles Triangle 28">
+            <a:extLst>
+              <a:ext uri="{FF2B5EF4-FFF2-40B4-BE49-F238E27FC236}">
+                <a16:creationId xmlns:a16="http://schemas.microsoft.com/office/drawing/2014/main" id="{F3B3C0CE-E4E4-409F-879E-C04FF193A59F}"/>
+              </a:ext>
+            </a:extLst>
+          </p:cNvPr>
+          <p:cNvSpPr/>
+          <p:nvPr/>
+        </p:nvSpPr>
+        <p:spPr>
+          <a:xfrm rot="20115033">
+            <a:off x="8387024" y="4577407"/>
+            <a:ext cx="53034" cy="45719"/>
+          </a:xfrm>
+          <a:prstGeom prst="triangle">
+            <a:avLst/>
+          </a:prstGeom>
+          <a:noFill/>
+          <a:ln w="38100">
+            <a:solidFill>
+              <a:schemeClr val="tx1"/>
+            </a:solidFill>
+          </a:ln>
+        </p:spPr>
+        <p:style>
+          <a:lnRef idx="2">
+            <a:schemeClr val="accent1">
+              <a:shade val="50000"/>
+            </a:schemeClr>
+          </a:lnRef>
+          <a:fillRef idx="1">
+            <a:schemeClr val="accent1"/>
+          </a:fillRef>
+          <a:effectRef idx="0">
+            <a:schemeClr val="accent1"/>
+          </a:effectRef>
+          <a:fontRef idx="minor">
+            <a:schemeClr val="lt1"/>
+          </a:fontRef>
+        </p:style>
+        <p:txBody>
+          <a:bodyPr rtlCol="0" anchor="ctr"/>
+          <a:lstStyle/>
+          <a:p>
+            <a:pPr algn="ctr"/>
+            <a:endParaRPr lang="en-CA"/>
+          </a:p>
+        </p:txBody>
+      </p:sp>
+      <p:sp>
+        <p:nvSpPr>
+          <p:cNvPr id="30" name="Isosceles Triangle 29">
+            <a:extLst>
+              <a:ext uri="{FF2B5EF4-FFF2-40B4-BE49-F238E27FC236}">
+                <a16:creationId xmlns:a16="http://schemas.microsoft.com/office/drawing/2014/main" id="{4B6DE01A-3E04-440B-9452-C422028651F3}"/>
+              </a:ext>
+            </a:extLst>
+          </p:cNvPr>
+          <p:cNvSpPr/>
+          <p:nvPr/>
+        </p:nvSpPr>
+        <p:spPr>
+          <a:xfrm rot="18303158">
+            <a:off x="8571752" y="4007522"/>
+            <a:ext cx="53034" cy="45719"/>
+          </a:xfrm>
+          <a:prstGeom prst="triangle">
+            <a:avLst/>
+          </a:prstGeom>
+          <a:noFill/>
+          <a:ln w="38100">
+            <a:solidFill>
+              <a:schemeClr val="tx1"/>
+            </a:solidFill>
+          </a:ln>
+        </p:spPr>
+        <p:style>
+          <a:lnRef idx="2">
+            <a:schemeClr val="accent1">
+              <a:shade val="50000"/>
+            </a:schemeClr>
+          </a:lnRef>
+          <a:fillRef idx="1">
+            <a:schemeClr val="accent1"/>
+          </a:fillRef>
+          <a:effectRef idx="0">
+            <a:schemeClr val="accent1"/>
+          </a:effectRef>
+          <a:fontRef idx="minor">
+            <a:schemeClr val="lt1"/>
+          </a:fontRef>
+        </p:style>
+        <p:txBody>
+          <a:bodyPr rtlCol="0" anchor="ctr"/>
+          <a:lstStyle/>
+          <a:p>
+            <a:pPr algn="ctr"/>
+            <a:endParaRPr lang="en-CA"/>
+          </a:p>
+        </p:txBody>
+      </p:sp>
+      <p:sp>
+        <p:nvSpPr>
+          <p:cNvPr id="31" name="Isosceles Triangle 30">
+            <a:extLst>
+              <a:ext uri="{FF2B5EF4-FFF2-40B4-BE49-F238E27FC236}">
+                <a16:creationId xmlns:a16="http://schemas.microsoft.com/office/drawing/2014/main" id="{436723D8-03A8-4E3C-85E8-85F7BD539E97}"/>
+              </a:ext>
+            </a:extLst>
+          </p:cNvPr>
+          <p:cNvSpPr/>
+          <p:nvPr/>
+        </p:nvSpPr>
+        <p:spPr>
+          <a:xfrm rot="16956542">
+            <a:off x="8605695" y="3586733"/>
+            <a:ext cx="53034" cy="45719"/>
+          </a:xfrm>
+          <a:prstGeom prst="triangle">
+            <a:avLst/>
+          </a:prstGeom>
+          <a:noFill/>
+          <a:ln w="38100">
+            <a:solidFill>
+              <a:schemeClr val="tx1"/>
+            </a:solidFill>
+          </a:ln>
+        </p:spPr>
+        <p:style>
+          <a:lnRef idx="2">
+            <a:schemeClr val="accent1">
+              <a:shade val="50000"/>
+            </a:schemeClr>
+          </a:lnRef>
+          <a:fillRef idx="1">
+            <a:schemeClr val="accent1"/>
+          </a:fillRef>
+          <a:effectRef idx="0">
+            <a:schemeClr val="accent1"/>
+          </a:effectRef>
+          <a:fontRef idx="minor">
+            <a:schemeClr val="lt1"/>
+          </a:fontRef>
+        </p:style>
+        <p:txBody>
+          <a:bodyPr rtlCol="0" anchor="ctr"/>
+          <a:lstStyle/>
+          <a:p>
+            <a:pPr algn="ctr"/>
+            <a:endParaRPr lang="en-CA"/>
+          </a:p>
+        </p:txBody>
+      </p:sp>
+      <p:sp>
+        <p:nvSpPr>
+          <p:cNvPr id="32" name="Isosceles Triangle 31">
+            <a:extLst>
+              <a:ext uri="{FF2B5EF4-FFF2-40B4-BE49-F238E27FC236}">
+                <a16:creationId xmlns:a16="http://schemas.microsoft.com/office/drawing/2014/main" id="{A121D1B2-594B-48C8-9384-24D7612B230B}"/>
+              </a:ext>
+            </a:extLst>
+          </p:cNvPr>
+          <p:cNvSpPr/>
+          <p:nvPr/>
+        </p:nvSpPr>
+        <p:spPr>
+          <a:xfrm rot="14786949">
+            <a:off x="8678529" y="3208042"/>
+            <a:ext cx="53034" cy="45719"/>
+          </a:xfrm>
+          <a:prstGeom prst="triangle">
+            <a:avLst/>
+          </a:prstGeom>
+          <a:noFill/>
+          <a:ln w="38100">
+            <a:solidFill>
+              <a:schemeClr val="tx1"/>
+            </a:solidFill>
+          </a:ln>
+        </p:spPr>
+        <p:style>
+          <a:lnRef idx="2">
+            <a:schemeClr val="accent1">
+              <a:shade val="50000"/>
+            </a:schemeClr>
+          </a:lnRef>
+          <a:fillRef idx="1">
+            <a:schemeClr val="accent1"/>
+          </a:fillRef>
+          <a:effectRef idx="0">
+            <a:schemeClr val="accent1"/>
+          </a:effectRef>
+          <a:fontRef idx="minor">
+            <a:schemeClr val="lt1"/>
+          </a:fontRef>
+        </p:style>
+        <p:txBody>
+          <a:bodyPr rtlCol="0" anchor="ctr"/>
+          <a:lstStyle/>
+          <a:p>
+            <a:pPr algn="ctr"/>
+            <a:endParaRPr lang="en-CA"/>
+          </a:p>
+        </p:txBody>
+      </p:sp>
+      <p:sp>
+        <p:nvSpPr>
+          <p:cNvPr id="33" name="Isosceles Triangle 32">
+            <a:extLst>
+              <a:ext uri="{FF2B5EF4-FFF2-40B4-BE49-F238E27FC236}">
+                <a16:creationId xmlns:a16="http://schemas.microsoft.com/office/drawing/2014/main" id="{53DDE7DD-E675-4CC9-A0F2-C679DB35E0B5}"/>
+              </a:ext>
+            </a:extLst>
+          </p:cNvPr>
+          <p:cNvSpPr/>
+          <p:nvPr/>
+        </p:nvSpPr>
+        <p:spPr>
+          <a:xfrm rot="13915579">
+            <a:off x="8599218" y="2785212"/>
+            <a:ext cx="53034" cy="45719"/>
+          </a:xfrm>
+          <a:prstGeom prst="triangle">
+            <a:avLst/>
+          </a:prstGeom>
+          <a:noFill/>
+          <a:ln w="38100">
+            <a:solidFill>
+              <a:schemeClr val="tx1"/>
+            </a:solidFill>
+          </a:ln>
+        </p:spPr>
+        <p:style>
+          <a:lnRef idx="2">
+            <a:schemeClr val="accent1">
+              <a:shade val="50000"/>
+            </a:schemeClr>
+          </a:lnRef>
+          <a:fillRef idx="1">
+            <a:schemeClr val="accent1"/>
+          </a:fillRef>
+          <a:effectRef idx="0">
+            <a:schemeClr val="accent1"/>
+          </a:effectRef>
+          <a:fontRef idx="minor">
+            <a:schemeClr val="lt1"/>
+          </a:fontRef>
+        </p:style>
+        <p:txBody>
+          <a:bodyPr rtlCol="0" anchor="ctr"/>
+          <a:lstStyle/>
+          <a:p>
+            <a:pPr algn="ctr"/>
+            <a:endParaRPr lang="en-CA"/>
+          </a:p>
+        </p:txBody>
+      </p:sp>
+      <p:sp>
+        <p:nvSpPr>
+          <p:cNvPr id="34" name="Isosceles Triangle 33">
+            <a:extLst>
+              <a:ext uri="{FF2B5EF4-FFF2-40B4-BE49-F238E27FC236}">
+                <a16:creationId xmlns:a16="http://schemas.microsoft.com/office/drawing/2014/main" id="{010C3272-1380-4E53-9C1E-401A8EB9D2F4}"/>
+              </a:ext>
+            </a:extLst>
+          </p:cNvPr>
+          <p:cNvSpPr/>
+          <p:nvPr/>
+        </p:nvSpPr>
+        <p:spPr>
+          <a:xfrm rot="13110292">
+            <a:off x="8506441" y="2539917"/>
+            <a:ext cx="53034" cy="45719"/>
+          </a:xfrm>
+          <a:prstGeom prst="triangle">
+            <a:avLst/>
+          </a:prstGeom>
+          <a:noFill/>
+          <a:ln w="38100">
+            <a:solidFill>
+              <a:schemeClr val="tx1"/>
+            </a:solidFill>
+          </a:ln>
+        </p:spPr>
+        <p:style>
+          <a:lnRef idx="2">
+            <a:schemeClr val="accent1">
+              <a:shade val="50000"/>
+            </a:schemeClr>
+          </a:lnRef>
+          <a:fillRef idx="1">
+            <a:schemeClr val="accent1"/>
+          </a:fillRef>
+          <a:effectRef idx="0">
+            <a:schemeClr val="accent1"/>
+          </a:effectRef>
+          <a:fontRef idx="minor">
+            <a:schemeClr val="lt1"/>
+          </a:fontRef>
+        </p:style>
+        <p:txBody>
+          <a:bodyPr rtlCol="0" anchor="ctr"/>
+          <a:lstStyle/>
+          <a:p>
+            <a:pPr algn="ctr"/>
+            <a:endParaRPr lang="en-CA"/>
+          </a:p>
+        </p:txBody>
+      </p:sp>
+      <p:sp>
+        <p:nvSpPr>
+          <p:cNvPr id="35" name="Isosceles Triangle 34">
+            <a:extLst>
+              <a:ext uri="{FF2B5EF4-FFF2-40B4-BE49-F238E27FC236}">
+                <a16:creationId xmlns:a16="http://schemas.microsoft.com/office/drawing/2014/main" id="{324DC08D-19A3-48ED-83AE-C1F24FB08667}"/>
+              </a:ext>
+            </a:extLst>
+          </p:cNvPr>
+          <p:cNvSpPr/>
+          <p:nvPr/>
+        </p:nvSpPr>
+        <p:spPr>
+          <a:xfrm rot="11672445">
+            <a:off x="8081568" y="2257066"/>
+            <a:ext cx="53034" cy="45719"/>
+          </a:xfrm>
+          <a:prstGeom prst="triangle">
+            <a:avLst/>
+          </a:prstGeom>
+          <a:noFill/>
+          <a:ln w="38100">
+            <a:solidFill>
+              <a:schemeClr val="tx1"/>
+            </a:solidFill>
+          </a:ln>
+        </p:spPr>
+        <p:style>
+          <a:lnRef idx="2">
+            <a:schemeClr val="accent1">
+              <a:shade val="50000"/>
+            </a:schemeClr>
+          </a:lnRef>
+          <a:fillRef idx="1">
+            <a:schemeClr val="accent1"/>
+          </a:fillRef>
+          <a:effectRef idx="0">
+            <a:schemeClr val="accent1"/>
+          </a:effectRef>
+          <a:fontRef idx="minor">
+            <a:schemeClr val="lt1"/>
+          </a:fontRef>
+        </p:style>
+        <p:txBody>
+          <a:bodyPr rtlCol="0" anchor="ctr"/>
+          <a:lstStyle/>
+          <a:p>
+            <a:pPr algn="ctr"/>
+            <a:endParaRPr lang="en-CA"/>
+          </a:p>
+        </p:txBody>
+      </p:sp>
+      <p:sp>
+        <p:nvSpPr>
+          <p:cNvPr id="36" name="Isosceles Triangle 35">
+            <a:extLst>
+              <a:ext uri="{FF2B5EF4-FFF2-40B4-BE49-F238E27FC236}">
+                <a16:creationId xmlns:a16="http://schemas.microsoft.com/office/drawing/2014/main" id="{74D6BDFE-569E-4E9E-9848-8FFA60F929CD}"/>
+              </a:ext>
+            </a:extLst>
+          </p:cNvPr>
+          <p:cNvSpPr/>
+          <p:nvPr/>
+        </p:nvSpPr>
+        <p:spPr>
+          <a:xfrm rot="9919549">
+            <a:off x="7527387" y="2030318"/>
+            <a:ext cx="53034" cy="45719"/>
+          </a:xfrm>
+          <a:prstGeom prst="triangle">
+            <a:avLst/>
+          </a:prstGeom>
+          <a:noFill/>
+          <a:ln w="38100">
+            <a:solidFill>
+              <a:schemeClr val="tx1"/>
+            </a:solidFill>
+          </a:ln>
+        </p:spPr>
+        <p:style>
+          <a:lnRef idx="2">
+            <a:schemeClr val="accent1">
+              <a:shade val="50000"/>
+            </a:schemeClr>
+          </a:lnRef>
+          <a:fillRef idx="1">
+            <a:schemeClr val="accent1"/>
+          </a:fillRef>
+          <a:effectRef idx="0">
+            <a:schemeClr val="accent1"/>
+          </a:effectRef>
+          <a:fontRef idx="minor">
+            <a:schemeClr val="lt1"/>
+          </a:fontRef>
+        </p:style>
+        <p:txBody>
+          <a:bodyPr rtlCol="0" anchor="ctr"/>
+          <a:lstStyle/>
+          <a:p>
+            <a:pPr algn="ctr"/>
+            <a:endParaRPr lang="en-CA"/>
+          </a:p>
+        </p:txBody>
+      </p:sp>
+      <p:sp>
+        <p:nvSpPr>
+          <p:cNvPr id="37" name="Isosceles Triangle 36">
+            <a:extLst>
+              <a:ext uri="{FF2B5EF4-FFF2-40B4-BE49-F238E27FC236}">
+                <a16:creationId xmlns:a16="http://schemas.microsoft.com/office/drawing/2014/main" id="{D2C25F1B-165A-4905-93DB-84D53F6AEC2E}"/>
+              </a:ext>
+            </a:extLst>
+          </p:cNvPr>
+          <p:cNvSpPr/>
+          <p:nvPr/>
+        </p:nvSpPr>
+        <p:spPr>
+          <a:xfrm rot="5779048">
+            <a:off x="5645036" y="1461024"/>
+            <a:ext cx="53034" cy="45719"/>
+          </a:xfrm>
+          <a:prstGeom prst="triangle">
+            <a:avLst/>
+          </a:prstGeom>
+          <a:noFill/>
+          <a:ln w="38100">
+            <a:solidFill>
+              <a:schemeClr val="tx1"/>
+            </a:solidFill>
+          </a:ln>
+        </p:spPr>
+        <p:style>
+          <a:lnRef idx="2">
+            <a:schemeClr val="accent1">
+              <a:shade val="50000"/>
+            </a:schemeClr>
+          </a:lnRef>
+          <a:fillRef idx="1">
+            <a:schemeClr val="accent1"/>
+          </a:fillRef>
+          <a:effectRef idx="0">
+            <a:schemeClr val="accent1"/>
+          </a:effectRef>
+          <a:fontRef idx="minor">
+            <a:schemeClr val="lt1"/>
+          </a:fontRef>
+        </p:style>
+        <p:txBody>
+          <a:bodyPr rtlCol="0" anchor="ctr"/>
+          <a:lstStyle/>
+          <a:p>
+            <a:pPr algn="ctr"/>
+            <a:endParaRPr lang="en-CA"/>
+          </a:p>
+        </p:txBody>
+      </p:sp>
+      <p:sp>
+        <p:nvSpPr>
+          <p:cNvPr id="38" name="Isosceles Triangle 37">
+            <a:extLst>
+              <a:ext uri="{FF2B5EF4-FFF2-40B4-BE49-F238E27FC236}">
+                <a16:creationId xmlns:a16="http://schemas.microsoft.com/office/drawing/2014/main" id="{1CB73A02-CD2D-4E7A-A484-4ADFE70C0EC7}"/>
+              </a:ext>
+            </a:extLst>
+          </p:cNvPr>
+          <p:cNvSpPr/>
+          <p:nvPr/>
+        </p:nvSpPr>
+        <p:spPr>
+          <a:xfrm rot="1541513">
+            <a:off x="3636566" y="2275295"/>
+            <a:ext cx="53034" cy="45719"/>
+          </a:xfrm>
+          <a:prstGeom prst="triangle">
+            <a:avLst/>
+          </a:prstGeom>
+          <a:noFill/>
+          <a:ln w="38100">
+            <a:solidFill>
+              <a:schemeClr val="tx1"/>
+            </a:solidFill>
+          </a:ln>
+        </p:spPr>
+        <p:style>
+          <a:lnRef idx="2">
+            <a:schemeClr val="accent1">
+              <a:shade val="50000"/>
+            </a:schemeClr>
+          </a:lnRef>
+          <a:fillRef idx="1">
+            <a:schemeClr val="accent1"/>
+          </a:fillRef>
+          <a:effectRef idx="0">
+            <a:schemeClr val="accent1"/>
+          </a:effectRef>
+          <a:fontRef idx="minor">
+            <a:schemeClr val="lt1"/>
+          </a:fontRef>
+        </p:style>
+        <p:txBody>
+          <a:bodyPr rtlCol="0" anchor="ctr"/>
+          <a:lstStyle/>
+          <a:p>
+            <a:pPr algn="ctr"/>
+            <a:endParaRPr lang="en-CA"/>
+          </a:p>
+        </p:txBody>
+      </p:sp>
+      <p:sp>
+        <p:nvSpPr>
+          <p:cNvPr id="39" name="Isosceles Triangle 38">
+            <a:extLst>
+              <a:ext uri="{FF2B5EF4-FFF2-40B4-BE49-F238E27FC236}">
+                <a16:creationId xmlns:a16="http://schemas.microsoft.com/office/drawing/2014/main" id="{51CD6068-85B6-4130-9966-C2C09ED44A1E}"/>
+              </a:ext>
+            </a:extLst>
+          </p:cNvPr>
+          <p:cNvSpPr/>
+          <p:nvPr/>
+        </p:nvSpPr>
+        <p:spPr>
+          <a:xfrm>
+            <a:off x="3118585" y="2168244"/>
+            <a:ext cx="53034" cy="45719"/>
+          </a:xfrm>
+          <a:prstGeom prst="triangle">
+            <a:avLst/>
+          </a:prstGeom>
+          <a:noFill/>
+          <a:ln w="38100">
+            <a:solidFill>
+              <a:schemeClr val="tx1"/>
+            </a:solidFill>
+          </a:ln>
+        </p:spPr>
+        <p:style>
+          <a:lnRef idx="2">
+            <a:schemeClr val="accent1">
+              <a:shade val="50000"/>
+            </a:schemeClr>
+          </a:lnRef>
+          <a:fillRef idx="1">
+            <a:schemeClr val="accent1"/>
+          </a:fillRef>
+          <a:effectRef idx="0">
+            <a:schemeClr val="accent1"/>
+          </a:effectRef>
+          <a:fontRef idx="minor">
+            <a:schemeClr val="lt1"/>
+          </a:fontRef>
+        </p:style>
+        <p:txBody>
+          <a:bodyPr rtlCol="0" anchor="ctr"/>
+          <a:lstStyle/>
+          <a:p>
+            <a:pPr algn="ctr"/>
+            <a:endParaRPr lang="en-CA"/>
+          </a:p>
+        </p:txBody>
+      </p:sp>
+      <p:sp>
+        <p:nvSpPr>
+          <p:cNvPr id="40" name="Isosceles Triangle 39">
+            <a:extLst>
+              <a:ext uri="{FF2B5EF4-FFF2-40B4-BE49-F238E27FC236}">
+                <a16:creationId xmlns:a16="http://schemas.microsoft.com/office/drawing/2014/main" id="{6C2BE266-C6D6-4525-BE3D-C723B3D5825A}"/>
+              </a:ext>
+            </a:extLst>
+          </p:cNvPr>
+          <p:cNvSpPr/>
+          <p:nvPr/>
+        </p:nvSpPr>
+        <p:spPr>
+          <a:xfrm rot="19809815">
+            <a:off x="2645767" y="2392882"/>
+            <a:ext cx="53034" cy="45719"/>
+          </a:xfrm>
+          <a:prstGeom prst="triangle">
+            <a:avLst/>
+          </a:prstGeom>
+          <a:noFill/>
+          <a:ln w="38100">
+            <a:solidFill>
+              <a:schemeClr val="tx1"/>
+            </a:solidFill>
+          </a:ln>
+        </p:spPr>
+        <p:style>
+          <a:lnRef idx="2">
+            <a:schemeClr val="accent1">
+              <a:shade val="50000"/>
+            </a:schemeClr>
+          </a:lnRef>
+          <a:fillRef idx="1">
+            <a:schemeClr val="accent1"/>
+          </a:fillRef>
+          <a:effectRef idx="0">
+            <a:schemeClr val="accent1"/>
+          </a:effectRef>
+          <a:fontRef idx="minor">
+            <a:schemeClr val="lt1"/>
+          </a:fontRef>
+        </p:style>
+        <p:txBody>
+          <a:bodyPr rtlCol="0" anchor="ctr"/>
+          <a:lstStyle/>
+          <a:p>
+            <a:pPr algn="ctr"/>
+            <a:endParaRPr lang="en-CA"/>
+          </a:p>
+        </p:txBody>
+      </p:sp>
+      <p:sp>
+        <p:nvSpPr>
+          <p:cNvPr id="41" name="Isosceles Triangle 40">
+            <a:extLst>
+              <a:ext uri="{FF2B5EF4-FFF2-40B4-BE49-F238E27FC236}">
+                <a16:creationId xmlns:a16="http://schemas.microsoft.com/office/drawing/2014/main" id="{3383BA5C-167E-4D26-8BAD-335D08327560}"/>
+              </a:ext>
+            </a:extLst>
+          </p:cNvPr>
+          <p:cNvSpPr/>
+          <p:nvPr/>
+        </p:nvSpPr>
+        <p:spPr>
+          <a:xfrm rot="18560850">
+            <a:off x="2502604" y="2896264"/>
+            <a:ext cx="53034" cy="45719"/>
+          </a:xfrm>
+          <a:prstGeom prst="triangle">
+            <a:avLst/>
+          </a:prstGeom>
+          <a:noFill/>
+          <a:ln w="38100">
+            <a:solidFill>
+              <a:schemeClr val="tx1"/>
+            </a:solidFill>
+          </a:ln>
+        </p:spPr>
+        <p:style>
+          <a:lnRef idx="2">
+            <a:schemeClr val="accent1">
+              <a:shade val="50000"/>
+            </a:schemeClr>
+          </a:lnRef>
+          <a:fillRef idx="1">
+            <a:schemeClr val="accent1"/>
+          </a:fillRef>
+          <a:effectRef idx="0">
+            <a:schemeClr val="accent1"/>
+          </a:effectRef>
+          <a:fontRef idx="minor">
+            <a:schemeClr val="lt1"/>
+          </a:fontRef>
+        </p:style>
+        <p:txBody>
+          <a:bodyPr rtlCol="0" anchor="ctr"/>
+          <a:lstStyle/>
+          <a:p>
+            <a:pPr algn="ctr"/>
+            <a:endParaRPr lang="en-CA"/>
+          </a:p>
+        </p:txBody>
+      </p:sp>
+      <p:sp>
+        <p:nvSpPr>
+          <p:cNvPr id="42" name="Isosceles Triangle 41">
+            <a:extLst>
+              <a:ext uri="{FF2B5EF4-FFF2-40B4-BE49-F238E27FC236}">
+                <a16:creationId xmlns:a16="http://schemas.microsoft.com/office/drawing/2014/main" id="{177963F9-956C-4F76-85DB-661391D2F457}"/>
+              </a:ext>
+            </a:extLst>
+          </p:cNvPr>
+          <p:cNvSpPr/>
+          <p:nvPr/>
+        </p:nvSpPr>
+        <p:spPr>
+          <a:xfrm rot="16917869">
+            <a:off x="2454595" y="3243041"/>
+            <a:ext cx="53034" cy="45719"/>
+          </a:xfrm>
+          <a:prstGeom prst="triangle">
+            <a:avLst/>
+          </a:prstGeom>
+          <a:noFill/>
+          <a:ln w="38100">
+            <a:solidFill>
+              <a:schemeClr val="tx1"/>
+            </a:solidFill>
+          </a:ln>
+        </p:spPr>
+        <p:style>
+          <a:lnRef idx="2">
+            <a:schemeClr val="accent1">
+              <a:shade val="50000"/>
+            </a:schemeClr>
+          </a:lnRef>
+          <a:fillRef idx="1">
+            <a:schemeClr val="accent1"/>
+          </a:fillRef>
+          <a:effectRef idx="0">
+            <a:schemeClr val="accent1"/>
+          </a:effectRef>
+          <a:fontRef idx="minor">
+            <a:schemeClr val="lt1"/>
+          </a:fontRef>
+        </p:style>
+        <p:txBody>
+          <a:bodyPr rtlCol="0" anchor="ctr"/>
+          <a:lstStyle/>
+          <a:p>
+            <a:pPr algn="ctr"/>
+            <a:endParaRPr lang="en-CA"/>
+          </a:p>
+        </p:txBody>
+      </p:sp>
+      <p:sp>
+        <p:nvSpPr>
+          <p:cNvPr id="43" name="Isosceles Triangle 42">
+            <a:extLst>
+              <a:ext uri="{FF2B5EF4-FFF2-40B4-BE49-F238E27FC236}">
+                <a16:creationId xmlns:a16="http://schemas.microsoft.com/office/drawing/2014/main" id="{67A4D2F5-F28B-42DB-9CFE-0C2F1E185A11}"/>
+              </a:ext>
+            </a:extLst>
+          </p:cNvPr>
+          <p:cNvSpPr/>
+          <p:nvPr/>
+        </p:nvSpPr>
+        <p:spPr>
+          <a:xfrm rot="14961872">
+            <a:off x="2593834" y="3522993"/>
+            <a:ext cx="53034" cy="45719"/>
+          </a:xfrm>
+          <a:prstGeom prst="triangle">
+            <a:avLst/>
+          </a:prstGeom>
+          <a:noFill/>
+          <a:ln w="38100">
+            <a:solidFill>
+              <a:schemeClr val="tx1"/>
+            </a:solidFill>
+          </a:ln>
+        </p:spPr>
+        <p:style>
+          <a:lnRef idx="2">
+            <a:schemeClr val="accent1">
+              <a:shade val="50000"/>
+            </a:schemeClr>
+          </a:lnRef>
+          <a:fillRef idx="1">
+            <a:schemeClr val="accent1"/>
+          </a:fillRef>
+          <a:effectRef idx="0">
+            <a:schemeClr val="accent1"/>
+          </a:effectRef>
+          <a:fontRef idx="minor">
+            <a:schemeClr val="lt1"/>
+          </a:fontRef>
+        </p:style>
+        <p:txBody>
+          <a:bodyPr rtlCol="0" anchor="ctr"/>
+          <a:lstStyle/>
+          <a:p>
+            <a:pPr algn="ctr"/>
+            <a:endParaRPr lang="en-CA"/>
+          </a:p>
+        </p:txBody>
+      </p:sp>
+      <p:sp>
+        <p:nvSpPr>
+          <p:cNvPr id="44" name="Isosceles Triangle 43">
+            <a:extLst>
+              <a:ext uri="{FF2B5EF4-FFF2-40B4-BE49-F238E27FC236}">
+                <a16:creationId xmlns:a16="http://schemas.microsoft.com/office/drawing/2014/main" id="{44F4CE2E-10C5-474A-9214-DF48C44A9814}"/>
+              </a:ext>
+            </a:extLst>
+          </p:cNvPr>
+          <p:cNvSpPr/>
+          <p:nvPr/>
+        </p:nvSpPr>
+        <p:spPr>
+          <a:xfrm rot="13711378">
+            <a:off x="2559144" y="3861501"/>
+            <a:ext cx="53034" cy="45719"/>
+          </a:xfrm>
+          <a:prstGeom prst="triangle">
+            <a:avLst/>
+          </a:prstGeom>
+          <a:noFill/>
+          <a:ln w="38100">
+            <a:solidFill>
+              <a:schemeClr val="tx1"/>
+            </a:solidFill>
+          </a:ln>
+        </p:spPr>
+        <p:style>
+          <a:lnRef idx="2">
+            <a:schemeClr val="accent1">
+              <a:shade val="50000"/>
+            </a:schemeClr>
+          </a:lnRef>
+          <a:fillRef idx="1">
+            <a:schemeClr val="accent1"/>
+          </a:fillRef>
+          <a:effectRef idx="0">
+            <a:schemeClr val="accent1"/>
+          </a:effectRef>
+          <a:fontRef idx="minor">
+            <a:schemeClr val="lt1"/>
+          </a:fontRef>
+        </p:style>
+        <p:txBody>
+          <a:bodyPr rtlCol="0" anchor="ctr"/>
+          <a:lstStyle/>
+          <a:p>
+            <a:pPr algn="ctr"/>
+            <a:endParaRPr lang="en-CA"/>
+          </a:p>
+        </p:txBody>
+      </p:sp>
+      <p:sp>
+        <p:nvSpPr>
+          <p:cNvPr id="45" name="Isosceles Triangle 44">
+            <a:extLst>
+              <a:ext uri="{FF2B5EF4-FFF2-40B4-BE49-F238E27FC236}">
+                <a16:creationId xmlns:a16="http://schemas.microsoft.com/office/drawing/2014/main" id="{7D9C3444-3CF1-421F-945B-7684ABBC6BA1}"/>
+              </a:ext>
+            </a:extLst>
+          </p:cNvPr>
+          <p:cNvSpPr/>
+          <p:nvPr/>
+        </p:nvSpPr>
+        <p:spPr>
+          <a:xfrm rot="12795588">
+            <a:off x="2659284" y="4385018"/>
+            <a:ext cx="53034" cy="45719"/>
+          </a:xfrm>
+          <a:prstGeom prst="triangle">
+            <a:avLst/>
+          </a:prstGeom>
+          <a:noFill/>
+          <a:ln w="38100">
+            <a:solidFill>
+              <a:schemeClr val="tx1"/>
+            </a:solidFill>
+          </a:ln>
+        </p:spPr>
+        <p:style>
+          <a:lnRef idx="2">
+            <a:schemeClr val="accent1">
+              <a:shade val="50000"/>
+            </a:schemeClr>
+          </a:lnRef>
+          <a:fillRef idx="1">
+            <a:schemeClr val="accent1"/>
+          </a:fillRef>
+          <a:effectRef idx="0">
+            <a:schemeClr val="accent1"/>
+          </a:effectRef>
+          <a:fontRef idx="minor">
+            <a:schemeClr val="lt1"/>
+          </a:fontRef>
+        </p:style>
+        <p:txBody>
+          <a:bodyPr rtlCol="0" anchor="ctr"/>
+          <a:lstStyle/>
+          <a:p>
+            <a:pPr algn="ctr"/>
+            <a:endParaRPr lang="en-CA"/>
+          </a:p>
+        </p:txBody>
+      </p:sp>
+    </p:spTree>
+    <p:extLst>
+      <p:ext uri="{BB962C8B-B14F-4D97-AF65-F5344CB8AC3E}">
+        <p14:creationId xmlns:p14="http://schemas.microsoft.com/office/powerpoint/2010/main" val="135700177"/>
+      </p:ext>
+    </p:extLst>
+  </p:cSld>
+  <p:clrMapOvr>
+    <a:masterClrMapping/>
+  </p:clrMapOvr>
+</p:sld>
+</file>
+
+<file path=ppt/slides/slide13.xml><?xml version="1.0" encoding="utf-8"?>
+<p:sld xmlns:a="http://schemas.openxmlformats.org/drawingml/2006/main" xmlns:r="http://schemas.openxmlformats.org/officeDocument/2006/relationships" xmlns:p="http://schemas.openxmlformats.org/presentationml/2006/main">
+  <p:cSld>
+    <p:spTree>
+      <p:nvGrpSpPr>
+        <p:cNvPr id="1" name=""/>
+        <p:cNvGrpSpPr/>
+        <p:nvPr/>
+      </p:nvGrpSpPr>
+      <p:grpSpPr>
+        <a:xfrm>
+          <a:off x="0" y="0"/>
+          <a:ext cx="0" cy="0"/>
+          <a:chOff x="0" y="0"/>
+          <a:chExt cx="0" cy="0"/>
+        </a:xfrm>
+      </p:grpSpPr>
+      <p:sp>
+        <p:nvSpPr>
+          <p:cNvPr id="5" name="Oval 4">
+            <a:extLst>
+              <a:ext uri="{FF2B5EF4-FFF2-40B4-BE49-F238E27FC236}">
+                <a16:creationId xmlns:a16="http://schemas.microsoft.com/office/drawing/2014/main" id="{60304C17-EBD5-4918-98D0-30892C65AEA2}"/>
+              </a:ext>
+            </a:extLst>
+          </p:cNvPr>
+          <p:cNvSpPr/>
+          <p:nvPr/>
+        </p:nvSpPr>
+        <p:spPr>
+          <a:xfrm>
+            <a:off x="5269832" y="2013284"/>
+            <a:ext cx="441157" cy="3360821"/>
+          </a:xfrm>
+          <a:prstGeom prst="ellipse">
+            <a:avLst/>
+          </a:prstGeom>
+          <a:noFill/>
+          <a:ln w="38100">
+            <a:solidFill>
+              <a:schemeClr val="tx1"/>
+            </a:solidFill>
+          </a:ln>
+        </p:spPr>
+        <p:style>
+          <a:lnRef idx="2">
+            <a:schemeClr val="accent1">
+              <a:shade val="50000"/>
+            </a:schemeClr>
+          </a:lnRef>
+          <a:fillRef idx="1">
+            <a:schemeClr val="accent1"/>
+          </a:fillRef>
+          <a:effectRef idx="0">
+            <a:schemeClr val="accent1"/>
+          </a:effectRef>
+          <a:fontRef idx="minor">
+            <a:schemeClr val="lt1"/>
+          </a:fontRef>
+        </p:style>
+        <p:txBody>
+          <a:bodyPr rtlCol="0" anchor="ctr"/>
+          <a:lstStyle/>
+          <a:p>
+            <a:pPr algn="ctr"/>
+            <a:endParaRPr lang="en-CA"/>
+          </a:p>
+        </p:txBody>
+      </p:sp>
+      <mc:AlternateContent xmlns:mc="http://schemas.openxmlformats.org/markup-compatibility/2006">
+        <mc:Choice xmlns:a14="http://schemas.microsoft.com/office/drawing/2010/main" Requires="a14">
+          <p:sp>
+            <p:nvSpPr>
+              <p:cNvPr id="8" name="TextBox 7">
+                <a:extLst>
+                  <a:ext uri="{FF2B5EF4-FFF2-40B4-BE49-F238E27FC236}">
+                    <a16:creationId xmlns:a16="http://schemas.microsoft.com/office/drawing/2014/main" id="{D7ED54A5-868E-41A7-B40A-E05D9690FBCF}"/>
+                  </a:ext>
+                </a:extLst>
+              </p:cNvPr>
+              <p:cNvSpPr txBox="1"/>
+              <p:nvPr/>
+            </p:nvSpPr>
+            <p:spPr>
+              <a:xfrm>
+                <a:off x="2108944" y="3285371"/>
+                <a:ext cx="3243003" cy="400110"/>
+              </a:xfrm>
+              <a:prstGeom prst="rect">
+                <a:avLst/>
+              </a:prstGeom>
+              <a:noFill/>
+            </p:spPr>
+            <p:txBody>
+              <a:bodyPr wrap="none" rtlCol="0">
+                <a:spAutoFit/>
+              </a:bodyPr>
+              <a:lstStyle/>
+              <a:p>
+                <a14:m>
+                  <m:oMathPara xmlns:m="http://schemas.openxmlformats.org/officeDocument/2006/math">
+                    <m:oMathParaPr>
+                      <m:jc m:val="centerGroup"/>
+                    </m:oMathParaPr>
+                    <m:oMath xmlns:m="http://schemas.openxmlformats.org/officeDocument/2006/math">
+                      <m:r>
+                        <a:rPr lang="en-CA" sz="2000" b="0" i="1" smtClean="0">
+                          <a:solidFill>
+                            <a:srgbClr val="FF0000"/>
+                          </a:solidFill>
+                          <a:latin typeface="Cambria Math" panose="02040503050406030204" pitchFamily="18" charset="0"/>
+                          <a:cs typeface="Arial" panose="020B0604020202020204" pitchFamily="34" charset="0"/>
+                        </a:rPr>
+                        <m:t>𝐸𝑞𝑢𝑖𝑣𝑎𝑙𝑒𝑛𝑡</m:t>
+                      </m:r>
+                      <m:r>
+                        <a:rPr lang="en-CA" sz="2000" b="0" i="1" smtClean="0">
+                          <a:solidFill>
+                            <a:srgbClr val="FF0000"/>
+                          </a:solidFill>
+                          <a:latin typeface="Cambria Math" panose="02040503050406030204" pitchFamily="18" charset="0"/>
+                          <a:cs typeface="Arial" panose="020B0604020202020204" pitchFamily="34" charset="0"/>
+                        </a:rPr>
+                        <m:t> </m:t>
+                      </m:r>
+                      <m:r>
+                        <a:rPr lang="en-CA" sz="2000" b="0" i="1" smtClean="0">
+                          <a:solidFill>
+                            <a:srgbClr val="FF0000"/>
+                          </a:solidFill>
+                          <a:latin typeface="Cambria Math" panose="02040503050406030204" pitchFamily="18" charset="0"/>
+                          <a:cs typeface="Arial" panose="020B0604020202020204" pitchFamily="34" charset="0"/>
+                        </a:rPr>
+                        <m:t>𝑡𝑜</m:t>
+                      </m:r>
+                      <m:r>
+                        <a:rPr lang="en-CA" sz="2000" b="0" i="1" smtClean="0">
+                          <a:solidFill>
+                            <a:srgbClr val="FF0000"/>
+                          </a:solidFill>
+                          <a:latin typeface="Cambria Math" panose="02040503050406030204" pitchFamily="18" charset="0"/>
+                          <a:cs typeface="Arial" panose="020B0604020202020204" pitchFamily="34" charset="0"/>
+                        </a:rPr>
+                        <m:t> </m:t>
+                      </m:r>
+                      <m:r>
+                        <a:rPr lang="en-CA" sz="2000" b="0" i="1" smtClean="0">
+                          <a:solidFill>
+                            <a:srgbClr val="FF0000"/>
+                          </a:solidFill>
+                          <a:latin typeface="Cambria Math" panose="02040503050406030204" pitchFamily="18" charset="0"/>
+                          <a:cs typeface="Arial" panose="020B0604020202020204" pitchFamily="34" charset="0"/>
+                        </a:rPr>
+                        <m:t>𝑏𝑎𝑟</m:t>
+                      </m:r>
+                      <m:r>
+                        <a:rPr lang="en-CA" sz="2000" b="0" i="1" smtClean="0">
+                          <a:solidFill>
+                            <a:srgbClr val="FF0000"/>
+                          </a:solidFill>
+                          <a:latin typeface="Cambria Math" panose="02040503050406030204" pitchFamily="18" charset="0"/>
+                          <a:cs typeface="Arial" panose="020B0604020202020204" pitchFamily="34" charset="0"/>
+                        </a:rPr>
+                        <m:t> </m:t>
+                      </m:r>
+                      <m:r>
+                        <a:rPr lang="en-CA" sz="2000" b="0" i="1" smtClean="0">
+                          <a:solidFill>
+                            <a:srgbClr val="FF0000"/>
+                          </a:solidFill>
+                          <a:latin typeface="Cambria Math" panose="02040503050406030204" pitchFamily="18" charset="0"/>
+                          <a:cs typeface="Arial" panose="020B0604020202020204" pitchFamily="34" charset="0"/>
+                        </a:rPr>
+                        <m:t>𝑚𝑎𝑔𝑛𝑒𝑡</m:t>
+                      </m:r>
+                    </m:oMath>
+                  </m:oMathPara>
+                </a14:m>
+                <a:endParaRPr lang="en-CA" sz="2000" dirty="0">
+                  <a:solidFill>
+                    <a:srgbClr val="FF0000"/>
+                  </a:solidFill>
+                  <a:latin typeface="Arial" panose="020B0604020202020204" pitchFamily="34" charset="0"/>
+                  <a:cs typeface="Arial" panose="020B0604020202020204" pitchFamily="34" charset="0"/>
+                </a:endParaRPr>
+              </a:p>
+            </p:txBody>
+          </p:sp>
+        </mc:Choice>
+        <mc:Fallback>
+          <p:sp>
+            <p:nvSpPr>
+              <p:cNvPr id="8" name="TextBox 7">
+                <a:extLst>
+                  <a:ext uri="{FF2B5EF4-FFF2-40B4-BE49-F238E27FC236}">
+                    <a16:creationId xmlns:a16="http://schemas.microsoft.com/office/drawing/2014/main" id="{D7ED54A5-868E-41A7-B40A-E05D9690FBCF}"/>
+                  </a:ext>
+                </a:extLst>
+              </p:cNvPr>
+              <p:cNvSpPr txBox="1">
+                <a:spLocks noRot="1" noChangeAspect="1" noMove="1" noResize="1" noEditPoints="1" noAdjustHandles="1" noChangeArrowheads="1" noChangeShapeType="1" noTextEdit="1"/>
+              </p:cNvSpPr>
+              <p:nvPr/>
+            </p:nvSpPr>
+            <p:spPr>
+              <a:xfrm>
+                <a:off x="2108944" y="3285371"/>
+                <a:ext cx="3243003" cy="400110"/>
+              </a:xfrm>
+              <a:prstGeom prst="rect">
+                <a:avLst/>
+              </a:prstGeom>
+              <a:blipFill>
+                <a:blip r:embed="rId2"/>
+                <a:stretch>
+                  <a:fillRect b="-16667"/>
+                </a:stretch>
+              </a:blipFill>
+            </p:spPr>
+            <p:txBody>
+              <a:bodyPr/>
+              <a:lstStyle/>
+              <a:p>
+                <a:r>
+                  <a:rPr lang="en-CA">
+                    <a:noFill/>
+                  </a:rPr>
+                  <a:t> </a:t>
+                </a:r>
+              </a:p>
+            </p:txBody>
+          </p:sp>
+        </mc:Fallback>
+      </mc:AlternateContent>
+      <p:cxnSp>
+        <p:nvCxnSpPr>
+          <p:cNvPr id="12" name="Straight Arrow Connector 11">
+            <a:extLst>
+              <a:ext uri="{FF2B5EF4-FFF2-40B4-BE49-F238E27FC236}">
+                <a16:creationId xmlns:a16="http://schemas.microsoft.com/office/drawing/2014/main" id="{6FF2140B-813F-493C-946E-F6C3CA9E2544}"/>
+              </a:ext>
+            </a:extLst>
+          </p:cNvPr>
+          <p:cNvCxnSpPr>
+            <a:cxnSpLocks/>
+          </p:cNvCxnSpPr>
+          <p:nvPr/>
+        </p:nvCxnSpPr>
+        <p:spPr>
+          <a:xfrm flipH="1">
+            <a:off x="1657761" y="3685481"/>
+            <a:ext cx="5282469" cy="0"/>
+          </a:xfrm>
+          <a:prstGeom prst="straightConnector1">
+            <a:avLst/>
+          </a:prstGeom>
+          <a:ln w="38100">
+            <a:solidFill>
+              <a:srgbClr val="FF0000"/>
+            </a:solidFill>
+            <a:prstDash val="dash"/>
+            <a:tailEnd type="triangle"/>
+          </a:ln>
+        </p:spPr>
+        <p:style>
+          <a:lnRef idx="1">
+            <a:schemeClr val="accent1"/>
+          </a:lnRef>
+          <a:fillRef idx="0">
+            <a:schemeClr val="accent1"/>
+          </a:fillRef>
+          <a:effectRef idx="0">
+            <a:schemeClr val="accent1"/>
+          </a:effectRef>
+          <a:fontRef idx="minor">
+            <a:schemeClr val="tx1"/>
+          </a:fontRef>
+        </p:style>
+      </p:cxnSp>
+      <p:sp>
+        <p:nvSpPr>
+          <p:cNvPr id="17" name="Isosceles Triangle 16">
+            <a:extLst>
+              <a:ext uri="{FF2B5EF4-FFF2-40B4-BE49-F238E27FC236}">
+                <a16:creationId xmlns:a16="http://schemas.microsoft.com/office/drawing/2014/main" id="{E5244717-30BE-407C-9F24-FECA34C07C55}"/>
+              </a:ext>
+            </a:extLst>
+          </p:cNvPr>
+          <p:cNvSpPr/>
+          <p:nvPr/>
+        </p:nvSpPr>
+        <p:spPr>
+          <a:xfrm rot="21146913">
+            <a:off x="5556953" y="2366062"/>
+            <a:ext cx="146380" cy="126190"/>
+          </a:xfrm>
+          <a:prstGeom prst="triangle">
+            <a:avLst/>
+          </a:prstGeom>
+          <a:solidFill>
+            <a:schemeClr val="tx1"/>
+          </a:solidFill>
+          <a:ln w="38100">
+            <a:solidFill>
+              <a:schemeClr val="tx1"/>
+            </a:solidFill>
+          </a:ln>
+        </p:spPr>
+        <p:style>
+          <a:lnRef idx="2">
+            <a:schemeClr val="accent1">
+              <a:shade val="50000"/>
+            </a:schemeClr>
+          </a:lnRef>
+          <a:fillRef idx="1">
+            <a:schemeClr val="accent1"/>
+          </a:fillRef>
+          <a:effectRef idx="0">
+            <a:schemeClr val="accent1"/>
+          </a:effectRef>
+          <a:fontRef idx="minor">
+            <a:schemeClr val="lt1"/>
+          </a:fontRef>
+        </p:style>
+        <p:txBody>
+          <a:bodyPr rtlCol="0" anchor="ctr"/>
+          <a:lstStyle/>
+          <a:p>
+            <a:pPr algn="ctr"/>
+            <a:endParaRPr lang="en-CA"/>
+          </a:p>
+        </p:txBody>
+      </p:sp>
+      <p:sp>
+        <p:nvSpPr>
+          <p:cNvPr id="18" name="Isosceles Triangle 17">
+            <a:extLst>
+              <a:ext uri="{FF2B5EF4-FFF2-40B4-BE49-F238E27FC236}">
+                <a16:creationId xmlns:a16="http://schemas.microsoft.com/office/drawing/2014/main" id="{896C3535-769E-4A4D-8594-BCA08BDEB92E}"/>
+              </a:ext>
+            </a:extLst>
+          </p:cNvPr>
+          <p:cNvSpPr/>
+          <p:nvPr/>
+        </p:nvSpPr>
+        <p:spPr>
+          <a:xfrm rot="21406450">
+            <a:off x="5634824" y="3282540"/>
+            <a:ext cx="146380" cy="126190"/>
+          </a:xfrm>
+          <a:prstGeom prst="triangle">
+            <a:avLst/>
+          </a:prstGeom>
+          <a:solidFill>
+            <a:schemeClr val="tx1"/>
+          </a:solidFill>
+          <a:ln w="38100">
+            <a:solidFill>
+              <a:schemeClr val="tx1"/>
+            </a:solidFill>
+          </a:ln>
+        </p:spPr>
+        <p:style>
+          <a:lnRef idx="2">
+            <a:schemeClr val="accent1">
+              <a:shade val="50000"/>
+            </a:schemeClr>
+          </a:lnRef>
+          <a:fillRef idx="1">
+            <a:schemeClr val="accent1"/>
+          </a:fillRef>
+          <a:effectRef idx="0">
+            <a:schemeClr val="accent1"/>
+          </a:effectRef>
+          <a:fontRef idx="minor">
+            <a:schemeClr val="lt1"/>
+          </a:fontRef>
+        </p:style>
+        <p:txBody>
+          <a:bodyPr rtlCol="0" anchor="ctr"/>
+          <a:lstStyle/>
+          <a:p>
+            <a:pPr algn="ctr"/>
+            <a:endParaRPr lang="en-CA"/>
+          </a:p>
+        </p:txBody>
+      </p:sp>
+      <p:sp>
+        <p:nvSpPr>
+          <p:cNvPr id="19" name="Isosceles Triangle 18">
+            <a:extLst>
+              <a:ext uri="{FF2B5EF4-FFF2-40B4-BE49-F238E27FC236}">
+                <a16:creationId xmlns:a16="http://schemas.microsoft.com/office/drawing/2014/main" id="{86036CBA-E6C5-485D-910A-5E90A3D4D2AA}"/>
+              </a:ext>
+            </a:extLst>
+          </p:cNvPr>
+          <p:cNvSpPr/>
+          <p:nvPr/>
+        </p:nvSpPr>
+        <p:spPr>
+          <a:xfrm rot="373457">
+            <a:off x="5605801" y="4463152"/>
+            <a:ext cx="146380" cy="126190"/>
+          </a:xfrm>
+          <a:prstGeom prst="triangle">
+            <a:avLst/>
+          </a:prstGeom>
+          <a:solidFill>
+            <a:schemeClr val="tx1"/>
+          </a:solidFill>
+          <a:ln w="38100">
+            <a:solidFill>
+              <a:schemeClr val="tx1"/>
+            </a:solidFill>
+          </a:ln>
+        </p:spPr>
+        <p:style>
+          <a:lnRef idx="2">
+            <a:schemeClr val="accent1">
+              <a:shade val="50000"/>
+            </a:schemeClr>
+          </a:lnRef>
+          <a:fillRef idx="1">
+            <a:schemeClr val="accent1"/>
+          </a:fillRef>
+          <a:effectRef idx="0">
+            <a:schemeClr val="accent1"/>
+          </a:effectRef>
+          <a:fontRef idx="minor">
+            <a:schemeClr val="lt1"/>
+          </a:fontRef>
+        </p:style>
+        <p:txBody>
+          <a:bodyPr rtlCol="0" anchor="ctr"/>
+          <a:lstStyle/>
+          <a:p>
+            <a:pPr algn="ctr"/>
+            <a:endParaRPr lang="en-CA"/>
+          </a:p>
+        </p:txBody>
+      </p:sp>
+      <p:sp>
+        <p:nvSpPr>
+          <p:cNvPr id="20" name="Isosceles Triangle 19">
+            <a:extLst>
+              <a:ext uri="{FF2B5EF4-FFF2-40B4-BE49-F238E27FC236}">
+                <a16:creationId xmlns:a16="http://schemas.microsoft.com/office/drawing/2014/main" id="{C852208A-F33E-4CDB-A34B-66A2B98F9D8C}"/>
+              </a:ext>
+            </a:extLst>
+          </p:cNvPr>
+          <p:cNvSpPr/>
+          <p:nvPr/>
+        </p:nvSpPr>
+        <p:spPr>
+          <a:xfrm rot="9981666">
+            <a:off x="5282645" y="4973046"/>
+            <a:ext cx="146380" cy="126190"/>
+          </a:xfrm>
+          <a:prstGeom prst="triangle">
+            <a:avLst/>
+          </a:prstGeom>
+          <a:solidFill>
+            <a:schemeClr val="tx1"/>
+          </a:solidFill>
+          <a:ln w="38100">
+            <a:solidFill>
+              <a:schemeClr val="tx1"/>
+            </a:solidFill>
+          </a:ln>
+        </p:spPr>
+        <p:style>
+          <a:lnRef idx="2">
+            <a:schemeClr val="accent1">
+              <a:shade val="50000"/>
+            </a:schemeClr>
+          </a:lnRef>
+          <a:fillRef idx="1">
+            <a:schemeClr val="accent1"/>
+          </a:fillRef>
+          <a:effectRef idx="0">
+            <a:schemeClr val="accent1"/>
+          </a:effectRef>
+          <a:fontRef idx="minor">
+            <a:schemeClr val="lt1"/>
+          </a:fontRef>
+        </p:style>
+        <p:txBody>
+          <a:bodyPr rtlCol="0" anchor="ctr"/>
+          <a:lstStyle/>
+          <a:p>
+            <a:pPr algn="ctr"/>
+            <a:endParaRPr lang="en-CA"/>
+          </a:p>
+        </p:txBody>
+      </p:sp>
+      <p:sp>
+        <p:nvSpPr>
+          <p:cNvPr id="21" name="Isosceles Triangle 20">
+            <a:extLst>
+              <a:ext uri="{FF2B5EF4-FFF2-40B4-BE49-F238E27FC236}">
+                <a16:creationId xmlns:a16="http://schemas.microsoft.com/office/drawing/2014/main" id="{D7C4B9AB-FDEF-4DCB-A726-2CF32DD4F25E}"/>
+              </a:ext>
+            </a:extLst>
+          </p:cNvPr>
+          <p:cNvSpPr/>
+          <p:nvPr/>
+        </p:nvSpPr>
+        <p:spPr>
+          <a:xfrm rot="10800000">
+            <a:off x="5200022" y="3870474"/>
+            <a:ext cx="146380" cy="126190"/>
+          </a:xfrm>
+          <a:prstGeom prst="triangle">
+            <a:avLst/>
+          </a:prstGeom>
+          <a:solidFill>
+            <a:schemeClr val="tx1"/>
+          </a:solidFill>
+          <a:ln w="38100">
+            <a:solidFill>
+              <a:schemeClr val="tx1"/>
+            </a:solidFill>
+          </a:ln>
+        </p:spPr>
+        <p:style>
+          <a:lnRef idx="2">
+            <a:schemeClr val="accent1">
+              <a:shade val="50000"/>
+            </a:schemeClr>
+          </a:lnRef>
+          <a:fillRef idx="1">
+            <a:schemeClr val="accent1"/>
+          </a:fillRef>
+          <a:effectRef idx="0">
+            <a:schemeClr val="accent1"/>
+          </a:effectRef>
+          <a:fontRef idx="minor">
+            <a:schemeClr val="lt1"/>
+          </a:fontRef>
+        </p:style>
+        <p:txBody>
+          <a:bodyPr rtlCol="0" anchor="ctr"/>
+          <a:lstStyle/>
+          <a:p>
+            <a:pPr algn="ctr"/>
+            <a:endParaRPr lang="en-CA"/>
+          </a:p>
+        </p:txBody>
+      </p:sp>
+      <p:sp>
+        <p:nvSpPr>
+          <p:cNvPr id="22" name="Isosceles Triangle 21">
+            <a:extLst>
+              <a:ext uri="{FF2B5EF4-FFF2-40B4-BE49-F238E27FC236}">
+                <a16:creationId xmlns:a16="http://schemas.microsoft.com/office/drawing/2014/main" id="{6E4C9CAB-AC75-4509-9D90-5291DD1AD040}"/>
+              </a:ext>
+            </a:extLst>
+          </p:cNvPr>
+          <p:cNvSpPr/>
+          <p:nvPr/>
+        </p:nvSpPr>
+        <p:spPr>
+          <a:xfrm rot="11149254">
+            <a:off x="5228252" y="2881835"/>
+            <a:ext cx="146380" cy="126190"/>
+          </a:xfrm>
+          <a:prstGeom prst="triangle">
+            <a:avLst/>
+          </a:prstGeom>
+          <a:solidFill>
+            <a:schemeClr val="tx1"/>
+          </a:solidFill>
+          <a:ln w="38100">
+            <a:solidFill>
+              <a:schemeClr val="tx1"/>
+            </a:solidFill>
+          </a:ln>
+        </p:spPr>
+        <p:style>
+          <a:lnRef idx="2">
+            <a:schemeClr val="accent1">
+              <a:shade val="50000"/>
+            </a:schemeClr>
+          </a:lnRef>
+          <a:fillRef idx="1">
+            <a:schemeClr val="accent1"/>
+          </a:fillRef>
+          <a:effectRef idx="0">
+            <a:schemeClr val="accent1"/>
+          </a:effectRef>
+          <a:fontRef idx="minor">
+            <a:schemeClr val="lt1"/>
+          </a:fontRef>
+        </p:style>
+        <p:txBody>
+          <a:bodyPr rtlCol="0" anchor="ctr"/>
+          <a:lstStyle/>
+          <a:p>
+            <a:pPr algn="ctr"/>
+            <a:endParaRPr lang="en-CA"/>
+          </a:p>
+        </p:txBody>
+      </p:sp>
+      <mc:AlternateContent xmlns:mc="http://schemas.openxmlformats.org/markup-compatibility/2006">
+        <mc:Choice xmlns:a14="http://schemas.microsoft.com/office/drawing/2010/main" Requires="a14">
+          <p:sp>
+            <p:nvSpPr>
+              <p:cNvPr id="23" name="TextBox 22">
+                <a:extLst>
+                  <a:ext uri="{FF2B5EF4-FFF2-40B4-BE49-F238E27FC236}">
+                    <a16:creationId xmlns:a16="http://schemas.microsoft.com/office/drawing/2014/main" id="{3BEE9B05-7C65-4324-99C8-C79165562C3D}"/>
+                  </a:ext>
+                </a:extLst>
+              </p:cNvPr>
+              <p:cNvSpPr txBox="1"/>
+              <p:nvPr/>
+            </p:nvSpPr>
+            <p:spPr>
+              <a:xfrm>
+                <a:off x="5678991" y="2261838"/>
+                <a:ext cx="361125" cy="400110"/>
+              </a:xfrm>
+              <a:prstGeom prst="rect">
+                <a:avLst/>
+              </a:prstGeom>
+              <a:noFill/>
+            </p:spPr>
+            <p:txBody>
+              <a:bodyPr wrap="none" rtlCol="0">
+                <a:spAutoFit/>
+              </a:bodyPr>
+              <a:lstStyle/>
+              <a:p>
+                <a14:m>
+                  <m:oMathPara xmlns:m="http://schemas.openxmlformats.org/officeDocument/2006/math">
+                    <m:oMathParaPr>
+                      <m:jc m:val="centerGroup"/>
+                    </m:oMathParaPr>
+                    <m:oMath xmlns:m="http://schemas.openxmlformats.org/officeDocument/2006/math">
+                      <m:r>
+                        <a:rPr lang="en-CA" sz="2000" b="0" i="1" smtClean="0">
+                          <a:latin typeface="Cambria Math" panose="02040503050406030204" pitchFamily="18" charset="0"/>
+                          <a:cs typeface="Arial" panose="020B0604020202020204" pitchFamily="34" charset="0"/>
+                        </a:rPr>
+                        <m:t>𝐼</m:t>
+                      </m:r>
+                    </m:oMath>
+                  </m:oMathPara>
+                </a14:m>
+                <a:endParaRPr lang="en-CA" sz="2000" dirty="0">
+                  <a:latin typeface="Arial" panose="020B0604020202020204" pitchFamily="34" charset="0"/>
+                  <a:cs typeface="Arial" panose="020B0604020202020204" pitchFamily="34" charset="0"/>
+                </a:endParaRPr>
+              </a:p>
+            </p:txBody>
+          </p:sp>
+        </mc:Choice>
+        <mc:Fallback>
+          <p:sp>
+            <p:nvSpPr>
+              <p:cNvPr id="23" name="TextBox 22">
+                <a:extLst>
+                  <a:ext uri="{FF2B5EF4-FFF2-40B4-BE49-F238E27FC236}">
+                    <a16:creationId xmlns:a16="http://schemas.microsoft.com/office/drawing/2014/main" id="{3BEE9B05-7C65-4324-99C8-C79165562C3D}"/>
+                  </a:ext>
+                </a:extLst>
+              </p:cNvPr>
+              <p:cNvSpPr txBox="1">
+                <a:spLocks noRot="1" noChangeAspect="1" noMove="1" noResize="1" noEditPoints="1" noAdjustHandles="1" noChangeArrowheads="1" noChangeShapeType="1" noTextEdit="1"/>
+              </p:cNvSpPr>
+              <p:nvPr/>
+            </p:nvSpPr>
+            <p:spPr>
+              <a:xfrm>
+                <a:off x="5678991" y="2261838"/>
+                <a:ext cx="361125" cy="400110"/>
+              </a:xfrm>
+              <a:prstGeom prst="rect">
+                <a:avLst/>
+              </a:prstGeom>
+              <a:blipFill>
+                <a:blip r:embed="rId3"/>
+                <a:stretch>
+                  <a:fillRect/>
+                </a:stretch>
+              </a:blipFill>
+            </p:spPr>
+            <p:txBody>
+              <a:bodyPr/>
+              <a:lstStyle/>
+              <a:p>
+                <a:r>
+                  <a:rPr lang="en-CA">
+                    <a:noFill/>
+                  </a:rPr>
+                  <a:t> </a:t>
+                </a:r>
+              </a:p>
+            </p:txBody>
+          </p:sp>
+        </mc:Fallback>
+      </mc:AlternateContent>
+    </p:spTree>
+    <p:extLst>
+      <p:ext uri="{BB962C8B-B14F-4D97-AF65-F5344CB8AC3E}">
+        <p14:creationId xmlns:p14="http://schemas.microsoft.com/office/powerpoint/2010/main" val="1207706665"/>
+      </p:ext>
+    </p:extLst>
+  </p:cSld>
+  <p:clrMapOvr>
+    <a:masterClrMapping/>
+  </p:clrMapOvr>
+</p:sld>
+</file>
+
+<file path=ppt/slides/slide14.xml><?xml version="1.0" encoding="utf-8"?>
+<p:sld xmlns:a="http://schemas.openxmlformats.org/drawingml/2006/main" xmlns:r="http://schemas.openxmlformats.org/officeDocument/2006/relationships" xmlns:p="http://schemas.openxmlformats.org/presentationml/2006/main">
+  <p:cSld>
+    <p:spTree>
+      <p:nvGrpSpPr>
+        <p:cNvPr id="1" name=""/>
+        <p:cNvGrpSpPr/>
+        <p:nvPr/>
+      </p:nvGrpSpPr>
+      <p:grpSpPr>
+        <a:xfrm>
+          <a:off x="0" y="0"/>
+          <a:ext cx="0" cy="0"/>
+          <a:chOff x="0" y="0"/>
+          <a:chExt cx="0" cy="0"/>
+        </a:xfrm>
+      </p:grpSpPr>
+      <p:grpSp>
+        <p:nvGrpSpPr>
+          <p:cNvPr id="46" name="Group 45">
+            <a:extLst>
+              <a:ext uri="{FF2B5EF4-FFF2-40B4-BE49-F238E27FC236}">
+                <a16:creationId xmlns:a16="http://schemas.microsoft.com/office/drawing/2014/main" id="{25390CD8-FD0A-45E0-9E92-859EC19DC48A}"/>
+              </a:ext>
+            </a:extLst>
+          </p:cNvPr>
+          <p:cNvGrpSpPr/>
+          <p:nvPr/>
+        </p:nvGrpSpPr>
+        <p:grpSpPr>
+          <a:xfrm>
+            <a:off x="1918853" y="371363"/>
+            <a:ext cx="8155103" cy="6248422"/>
+            <a:chOff x="1918853" y="371363"/>
+            <a:chExt cx="8155103" cy="6248422"/>
+          </a:xfrm>
+        </p:grpSpPr>
+        <p:grpSp>
+          <p:nvGrpSpPr>
+            <p:cNvPr id="9" name="Group 8">
+              <a:extLst>
+                <a:ext uri="{FF2B5EF4-FFF2-40B4-BE49-F238E27FC236}">
+                  <a16:creationId xmlns:a16="http://schemas.microsoft.com/office/drawing/2014/main" id="{4766AE7E-1D2B-48B9-8560-88DBB628C4E0}"/>
+                </a:ext>
+              </a:extLst>
+            </p:cNvPr>
+            <p:cNvGrpSpPr/>
+            <p:nvPr/>
+          </p:nvGrpSpPr>
+          <p:grpSpPr>
+            <a:xfrm>
+              <a:off x="7639100" y="2434855"/>
+              <a:ext cx="2434856" cy="3665172"/>
+              <a:chOff x="1217629" y="3053134"/>
+              <a:chExt cx="2434856" cy="3665172"/>
+            </a:xfrm>
+          </p:grpSpPr>
+          <p:pic>
+            <p:nvPicPr>
+              <p:cNvPr id="5" name="Picture 4">
+                <a:extLst>
+                  <a:ext uri="{FF2B5EF4-FFF2-40B4-BE49-F238E27FC236}">
+                    <a16:creationId xmlns:a16="http://schemas.microsoft.com/office/drawing/2014/main" id="{C2243CA0-D2A4-4BD1-9FEA-E7CB403FA94A}"/>
+                  </a:ext>
+                </a:extLst>
+              </p:cNvPr>
+              <p:cNvPicPr>
+                <a:picLocks noChangeAspect="1"/>
+              </p:cNvPicPr>
+              <p:nvPr/>
+            </p:nvPicPr>
+            <p:blipFill rotWithShape="1">
+              <a:blip r:embed="rId2">
+                <a:extLst>
+                  <a:ext uri="{28A0092B-C50C-407E-A947-70E740481C1C}">
+                    <a14:useLocalDpi xmlns:a14="http://schemas.microsoft.com/office/drawing/2010/main" val="0"/>
+                  </a:ext>
+                </a:extLst>
+              </a:blip>
+              <a:srcRect l="37575" t="42870" r="40748"/>
+              <a:stretch/>
+            </p:blipFill>
+            <p:spPr>
+              <a:xfrm>
+                <a:off x="1217629" y="3053134"/>
+                <a:ext cx="2434856" cy="3639608"/>
+              </a:xfrm>
+              <a:prstGeom prst="rect">
+                <a:avLst/>
+              </a:prstGeom>
+            </p:spPr>
+          </p:pic>
+          <mc:AlternateContent xmlns:mc="http://schemas.openxmlformats.org/markup-compatibility/2006">
+            <mc:Choice xmlns:a14="http://schemas.microsoft.com/office/drawing/2010/main" Requires="a14">
+              <p:sp>
+                <p:nvSpPr>
+                  <p:cNvPr id="6" name="TextBox 5">
+                    <a:extLst>
+                      <a:ext uri="{FF2B5EF4-FFF2-40B4-BE49-F238E27FC236}">
+                        <a16:creationId xmlns:a16="http://schemas.microsoft.com/office/drawing/2014/main" id="{3C9485B5-911E-4F20-B0C3-76A021084F95}"/>
+                      </a:ext>
+                    </a:extLst>
+                  </p:cNvPr>
+                  <p:cNvSpPr txBox="1"/>
+                  <p:nvPr/>
+                </p:nvSpPr>
+                <p:spPr>
+                  <a:xfrm>
+                    <a:off x="2708534" y="3507394"/>
+                    <a:ext cx="657551" cy="646331"/>
+                  </a:xfrm>
+                  <a:prstGeom prst="rect">
+                    <a:avLst/>
+                  </a:prstGeom>
+                  <a:noFill/>
+                </p:spPr>
+                <p:txBody>
+                  <a:bodyPr wrap="none" rtlCol="0">
+                    <a:spAutoFit/>
+                  </a:bodyPr>
+                  <a:lstStyle/>
+                  <a:p>
+                    <a:pPr/>
+                    <a14:m>
+                      <m:oMathPara xmlns:m="http://schemas.openxmlformats.org/officeDocument/2006/math">
+                        <m:oMathParaPr>
+                          <m:jc m:val="centerGroup"/>
+                        </m:oMathParaPr>
+                        <m:oMath xmlns:m="http://schemas.openxmlformats.org/officeDocument/2006/math">
+                          <m:r>
+                            <a:rPr lang="en-CA" sz="3600" b="1" i="1" smtClean="0">
+                              <a:latin typeface="Cambria Math" panose="02040503050406030204" pitchFamily="18" charset="0"/>
+                              <a:cs typeface="Arial" panose="020B0604020202020204" pitchFamily="34" charset="0"/>
+                            </a:rPr>
+                            <m:t>+</m:t>
+                          </m:r>
+                        </m:oMath>
+                      </m:oMathPara>
+                    </a14:m>
+                    <a:endParaRPr lang="en-CA" sz="3600" b="1" dirty="0">
+                      <a:latin typeface="Arial" panose="020B0604020202020204" pitchFamily="34" charset="0"/>
+                      <a:cs typeface="Arial" panose="020B0604020202020204" pitchFamily="34" charset="0"/>
+                    </a:endParaRPr>
+                  </a:p>
+                </p:txBody>
+              </p:sp>
+            </mc:Choice>
+            <mc:Fallback>
+              <p:sp>
+                <p:nvSpPr>
+                  <p:cNvPr id="6" name="TextBox 5">
+                    <a:extLst>
+                      <a:ext uri="{FF2B5EF4-FFF2-40B4-BE49-F238E27FC236}">
+                        <a16:creationId xmlns:a16="http://schemas.microsoft.com/office/drawing/2014/main" id="{3C9485B5-911E-4F20-B0C3-76A021084F95}"/>
+                      </a:ext>
+                    </a:extLst>
+                  </p:cNvPr>
+                  <p:cNvSpPr txBox="1">
+                    <a:spLocks noRot="1" noChangeAspect="1" noMove="1" noResize="1" noEditPoints="1" noAdjustHandles="1" noChangeArrowheads="1" noChangeShapeType="1" noTextEdit="1"/>
+                  </p:cNvSpPr>
+                  <p:nvPr/>
+                </p:nvSpPr>
+                <p:spPr>
+                  <a:xfrm>
+                    <a:off x="2708534" y="3507394"/>
+                    <a:ext cx="657551" cy="646331"/>
+                  </a:xfrm>
+                  <a:prstGeom prst="rect">
+                    <a:avLst/>
+                  </a:prstGeom>
+                  <a:blipFill>
+                    <a:blip r:embed="rId3"/>
+                    <a:stretch>
+                      <a:fillRect/>
+                    </a:stretch>
+                  </a:blipFill>
+                </p:spPr>
+                <p:txBody>
+                  <a:bodyPr/>
+                  <a:lstStyle/>
+                  <a:p>
+                    <a:r>
+                      <a:rPr lang="en-CA">
+                        <a:noFill/>
+                      </a:rPr>
+                      <a:t> </a:t>
+                    </a:r>
+                  </a:p>
+                </p:txBody>
+              </p:sp>
+            </mc:Fallback>
+          </mc:AlternateContent>
+          <mc:AlternateContent xmlns:mc="http://schemas.openxmlformats.org/markup-compatibility/2006">
+            <mc:Choice xmlns:a14="http://schemas.microsoft.com/office/drawing/2010/main" Requires="a14">
+              <p:sp>
+                <p:nvSpPr>
+                  <p:cNvPr id="7" name="TextBox 6">
+                    <a:extLst>
+                      <a:ext uri="{FF2B5EF4-FFF2-40B4-BE49-F238E27FC236}">
+                        <a16:creationId xmlns:a16="http://schemas.microsoft.com/office/drawing/2014/main" id="{AE0D2D1A-2F2C-4CDF-9918-1C0527FDA8D4}"/>
+                      </a:ext>
+                    </a:extLst>
+                  </p:cNvPr>
+                  <p:cNvSpPr txBox="1"/>
+                  <p:nvPr/>
+                </p:nvSpPr>
+                <p:spPr>
+                  <a:xfrm>
+                    <a:off x="1545841" y="3507394"/>
+                    <a:ext cx="758541" cy="646331"/>
+                  </a:xfrm>
+                  <a:prstGeom prst="rect">
+                    <a:avLst/>
+                  </a:prstGeom>
+                  <a:noFill/>
+                </p:spPr>
+                <p:txBody>
+                  <a:bodyPr wrap="none" rtlCol="0">
+                    <a:spAutoFit/>
+                  </a:bodyPr>
+                  <a:lstStyle/>
+                  <a:p>
+                    <a:pPr/>
+                    <a14:m>
+                      <m:oMathPara xmlns:m="http://schemas.openxmlformats.org/officeDocument/2006/math">
+                        <m:oMathParaPr>
+                          <m:jc m:val="centerGroup"/>
+                        </m:oMathParaPr>
+                        <m:oMath xmlns:m="http://schemas.openxmlformats.org/officeDocument/2006/math">
+                          <m:r>
+                            <a:rPr lang="en-CA" sz="3600" b="1" i="1" smtClean="0">
+                              <a:latin typeface="Cambria Math" panose="02040503050406030204" pitchFamily="18" charset="0"/>
+                              <a:cs typeface="Arial" panose="020B0604020202020204" pitchFamily="34" charset="0"/>
+                            </a:rPr>
+                            <m:t> −</m:t>
+                          </m:r>
+                        </m:oMath>
+                      </m:oMathPara>
+                    </a14:m>
+                    <a:endParaRPr lang="en-CA" sz="3600" b="1" dirty="0">
+                      <a:latin typeface="Arial" panose="020B0604020202020204" pitchFamily="34" charset="0"/>
+                      <a:cs typeface="Arial" panose="020B0604020202020204" pitchFamily="34" charset="0"/>
+                    </a:endParaRPr>
+                  </a:p>
+                </p:txBody>
+              </p:sp>
+            </mc:Choice>
+            <mc:Fallback>
+              <p:sp>
+                <p:nvSpPr>
+                  <p:cNvPr id="7" name="TextBox 6">
+                    <a:extLst>
+                      <a:ext uri="{FF2B5EF4-FFF2-40B4-BE49-F238E27FC236}">
+                        <a16:creationId xmlns:a16="http://schemas.microsoft.com/office/drawing/2014/main" id="{AE0D2D1A-2F2C-4CDF-9918-1C0527FDA8D4}"/>
+                      </a:ext>
+                    </a:extLst>
+                  </p:cNvPr>
+                  <p:cNvSpPr txBox="1">
+                    <a:spLocks noRot="1" noChangeAspect="1" noMove="1" noResize="1" noEditPoints="1" noAdjustHandles="1" noChangeArrowheads="1" noChangeShapeType="1" noTextEdit="1"/>
+                  </p:cNvSpPr>
+                  <p:nvPr/>
+                </p:nvSpPr>
+                <p:spPr>
+                  <a:xfrm>
+                    <a:off x="1545841" y="3507394"/>
+                    <a:ext cx="758541" cy="646331"/>
+                  </a:xfrm>
+                  <a:prstGeom prst="rect">
+                    <a:avLst/>
+                  </a:prstGeom>
+                  <a:blipFill>
+                    <a:blip r:embed="rId4"/>
+                    <a:stretch>
+                      <a:fillRect/>
+                    </a:stretch>
+                  </a:blipFill>
+                </p:spPr>
+                <p:txBody>
+                  <a:bodyPr/>
+                  <a:lstStyle/>
+                  <a:p>
+                    <a:r>
+                      <a:rPr lang="en-CA">
+                        <a:noFill/>
+                      </a:rPr>
+                      <a:t> </a:t>
+                    </a:r>
+                  </a:p>
+                </p:txBody>
+              </p:sp>
+            </mc:Fallback>
+          </mc:AlternateContent>
+          <p:sp>
+            <p:nvSpPr>
+              <p:cNvPr id="8" name="TextBox 7">
+                <a:extLst>
+                  <a:ext uri="{FF2B5EF4-FFF2-40B4-BE49-F238E27FC236}">
+                    <a16:creationId xmlns:a16="http://schemas.microsoft.com/office/drawing/2014/main" id="{64711ACE-8173-46A9-9DE9-09945132AC44}"/>
+                  </a:ext>
+                </a:extLst>
+              </p:cNvPr>
+              <p:cNvSpPr txBox="1"/>
+              <p:nvPr/>
+            </p:nvSpPr>
+            <p:spPr>
+              <a:xfrm>
+                <a:off x="2740591" y="6256641"/>
+                <a:ext cx="561372" cy="461665"/>
+              </a:xfrm>
+              <a:prstGeom prst="rect">
+                <a:avLst/>
+              </a:prstGeom>
+              <a:noFill/>
+            </p:spPr>
+            <p:txBody>
+              <a:bodyPr wrap="none" rtlCol="0">
+                <a:spAutoFit/>
+              </a:bodyPr>
+              <a:lstStyle/>
+              <a:p>
+                <a:r>
+                  <a:rPr lang="en-CA" sz="2400" b="1" dirty="0">
+                    <a:solidFill>
+                      <a:schemeClr val="bg1"/>
+                    </a:solidFill>
+                    <a:latin typeface="Arial" panose="020B0604020202020204" pitchFamily="34" charset="0"/>
+                    <a:cs typeface="Arial" panose="020B0604020202020204" pitchFamily="34" charset="0"/>
+                  </a:rPr>
+                  <a:t>9V</a:t>
+                </a:r>
+              </a:p>
+            </p:txBody>
+          </p:sp>
+        </p:grpSp>
+        <p:pic>
+          <p:nvPicPr>
+            <p:cNvPr id="42" name="Picture 41" descr="A close up of a logo&#10;&#10;Description automatically generated">
+              <a:extLst>
+                <a:ext uri="{FF2B5EF4-FFF2-40B4-BE49-F238E27FC236}">
+                  <a16:creationId xmlns:a16="http://schemas.microsoft.com/office/drawing/2014/main" id="{A4FB208C-E9BD-4F75-BFB7-D2AF4FF93921}"/>
+                </a:ext>
+              </a:extLst>
+            </p:cNvPr>
+            <p:cNvPicPr>
+              <a:picLocks noChangeAspect="1"/>
+            </p:cNvPicPr>
+            <p:nvPr/>
+          </p:nvPicPr>
+          <p:blipFill rotWithShape="1">
+            <a:blip r:embed="rId5">
+              <a:extLst>
+                <a:ext uri="{28A0092B-C50C-407E-A947-70E740481C1C}">
+                  <a14:useLocalDpi xmlns:a14="http://schemas.microsoft.com/office/drawing/2010/main" val="0"/>
+                </a:ext>
+              </a:extLst>
+            </a:blip>
+            <a:srcRect l="29859" t="7909" r="29629" b="2763"/>
+            <a:stretch/>
+          </p:blipFill>
+          <p:spPr>
+            <a:xfrm>
+              <a:off x="1918853" y="493636"/>
+              <a:ext cx="4898638" cy="6126149"/>
+            </a:xfrm>
+            <a:prstGeom prst="rect">
+              <a:avLst/>
+            </a:prstGeom>
+          </p:spPr>
+        </p:pic>
+        <p:grpSp>
+          <p:nvGrpSpPr>
+            <p:cNvPr id="43" name="Group 42">
+              <a:extLst>
+                <a:ext uri="{FF2B5EF4-FFF2-40B4-BE49-F238E27FC236}">
+                  <a16:creationId xmlns:a16="http://schemas.microsoft.com/office/drawing/2014/main" id="{C121B804-DD36-4351-8BE5-806A46977383}"/>
+                </a:ext>
+              </a:extLst>
+            </p:cNvPr>
+            <p:cNvGrpSpPr/>
+            <p:nvPr/>
+          </p:nvGrpSpPr>
+          <p:grpSpPr>
+            <a:xfrm>
+              <a:off x="4153443" y="371363"/>
+              <a:ext cx="5209954" cy="2360453"/>
+              <a:chOff x="2576719" y="931824"/>
+              <a:chExt cx="5209954" cy="2442105"/>
+            </a:xfrm>
+          </p:grpSpPr>
+          <p:sp>
+            <p:nvSpPr>
+              <p:cNvPr id="39" name="Freeform: Shape 38">
+                <a:extLst>
+                  <a:ext uri="{FF2B5EF4-FFF2-40B4-BE49-F238E27FC236}">
+                    <a16:creationId xmlns:a16="http://schemas.microsoft.com/office/drawing/2014/main" id="{2FCD5895-75B9-40AD-852C-F83EA961ED58}"/>
+                  </a:ext>
+                </a:extLst>
+              </p:cNvPr>
+              <p:cNvSpPr/>
+              <p:nvPr/>
+            </p:nvSpPr>
+            <p:spPr>
+              <a:xfrm>
+                <a:off x="2576719" y="1757780"/>
+                <a:ext cx="4196216" cy="1616149"/>
+              </a:xfrm>
+              <a:custGeom>
+                <a:avLst/>
+                <a:gdLst>
+                  <a:gd name="connsiteX0" fmla="*/ 4196216 w 4196216"/>
+                  <a:gd name="connsiteY0" fmla="*/ 1616149 h 1616149"/>
+                  <a:gd name="connsiteX1" fmla="*/ 3824077 w 4196216"/>
+                  <a:gd name="connsiteY1" fmla="*/ 1031358 h 1616149"/>
+                  <a:gd name="connsiteX2" fmla="*/ 2250458 w 4196216"/>
+                  <a:gd name="connsiteY2" fmla="*/ 723014 h 1616149"/>
+                  <a:gd name="connsiteX3" fmla="*/ 347230 w 4196216"/>
+                  <a:gd name="connsiteY3" fmla="*/ 382772 h 1616149"/>
+                  <a:gd name="connsiteX4" fmla="*/ 6988 w 4196216"/>
+                  <a:gd name="connsiteY4" fmla="*/ 0 h 1616149"/>
+                </a:gdLst>
+                <a:ahLst/>
+                <a:cxnLst>
+                  <a:cxn ang="0">
+                    <a:pos x="connsiteX0" y="connsiteY0"/>
+                  </a:cxn>
+                  <a:cxn ang="0">
+                    <a:pos x="connsiteX1" y="connsiteY1"/>
+                  </a:cxn>
+                  <a:cxn ang="0">
+                    <a:pos x="connsiteX2" y="connsiteY2"/>
+                  </a:cxn>
+                  <a:cxn ang="0">
+                    <a:pos x="connsiteX3" y="connsiteY3"/>
+                  </a:cxn>
+                  <a:cxn ang="0">
+                    <a:pos x="connsiteX4" y="connsiteY4"/>
+                  </a:cxn>
+                </a:cxnLst>
+                <a:rect l="l" t="t" r="r" b="b"/>
+                <a:pathLst>
+                  <a:path w="4196216" h="1616149">
+                    <a:moveTo>
+                      <a:pt x="4196216" y="1616149"/>
+                    </a:moveTo>
+                    <a:cubicBezTo>
+                      <a:pt x="4172293" y="1398181"/>
+                      <a:pt x="4148370" y="1180214"/>
+                      <a:pt x="3824077" y="1031358"/>
+                    </a:cubicBezTo>
+                    <a:cubicBezTo>
+                      <a:pt x="3499784" y="882502"/>
+                      <a:pt x="2250458" y="723014"/>
+                      <a:pt x="2250458" y="723014"/>
+                    </a:cubicBezTo>
+                    <a:cubicBezTo>
+                      <a:pt x="1670984" y="614916"/>
+                      <a:pt x="721142" y="503274"/>
+                      <a:pt x="347230" y="382772"/>
+                    </a:cubicBezTo>
+                    <a:cubicBezTo>
+                      <a:pt x="-26682" y="262270"/>
+                      <a:pt x="-9847" y="131135"/>
+                      <a:pt x="6988" y="0"/>
+                    </a:cubicBezTo>
+                  </a:path>
+                </a:pathLst>
+              </a:custGeom>
+              <a:noFill/>
+              <a:ln w="76200">
+                <a:solidFill>
+                  <a:schemeClr val="tx1"/>
+                </a:solidFill>
+              </a:ln>
+            </p:spPr>
+            <p:style>
+              <a:lnRef idx="2">
+                <a:schemeClr val="accent1">
+                  <a:shade val="50000"/>
+                </a:schemeClr>
+              </a:lnRef>
+              <a:fillRef idx="1">
+                <a:schemeClr val="accent1"/>
+              </a:fillRef>
+              <a:effectRef idx="0">
+                <a:schemeClr val="accent1"/>
+              </a:effectRef>
+              <a:fontRef idx="minor">
+                <a:schemeClr val="lt1"/>
+              </a:fontRef>
+            </p:style>
+            <p:txBody>
+              <a:bodyPr rtlCol="0" anchor="ctr"/>
+              <a:lstStyle/>
+              <a:p>
+                <a:pPr algn="ctr"/>
+                <a:endParaRPr lang="en-CA" dirty="0"/>
+              </a:p>
+            </p:txBody>
+          </p:sp>
+          <p:sp>
+            <p:nvSpPr>
+              <p:cNvPr id="40" name="Freeform: Shape 39">
+                <a:extLst>
+                  <a:ext uri="{FF2B5EF4-FFF2-40B4-BE49-F238E27FC236}">
+                    <a16:creationId xmlns:a16="http://schemas.microsoft.com/office/drawing/2014/main" id="{CDF3B956-9187-4906-94A1-24954A99EAC9}"/>
+                  </a:ext>
+                </a:extLst>
+              </p:cNvPr>
+              <p:cNvSpPr/>
+              <p:nvPr/>
+            </p:nvSpPr>
+            <p:spPr>
+              <a:xfrm>
+                <a:off x="2576719" y="931824"/>
+                <a:ext cx="5209954" cy="2395135"/>
+              </a:xfrm>
+              <a:custGeom>
+                <a:avLst/>
+                <a:gdLst>
+                  <a:gd name="connsiteX0" fmla="*/ 0 w 5433999"/>
+                  <a:gd name="connsiteY0" fmla="*/ 830643 h 2393629"/>
+                  <a:gd name="connsiteX1" fmla="*/ 956930 w 5433999"/>
+                  <a:gd name="connsiteY1" fmla="*/ 65099 h 2393629"/>
+                  <a:gd name="connsiteX2" fmla="*/ 4199861 w 5433999"/>
+                  <a:gd name="connsiteY2" fmla="*/ 224587 h 2393629"/>
+                  <a:gd name="connsiteX3" fmla="*/ 5337544 w 5433999"/>
+                  <a:gd name="connsiteY3" fmla="*/ 1681248 h 2393629"/>
+                  <a:gd name="connsiteX4" fmla="*/ 5295014 w 5433999"/>
+                  <a:gd name="connsiteY4" fmla="*/ 2393629 h 2393629"/>
+                  <a:gd name="connsiteX0" fmla="*/ 0 w 5333379"/>
+                  <a:gd name="connsiteY0" fmla="*/ 832149 h 2395135"/>
+                  <a:gd name="connsiteX1" fmla="*/ 956930 w 5333379"/>
+                  <a:gd name="connsiteY1" fmla="*/ 66605 h 2395135"/>
+                  <a:gd name="connsiteX2" fmla="*/ 4199861 w 5333379"/>
+                  <a:gd name="connsiteY2" fmla="*/ 226093 h 2395135"/>
+                  <a:gd name="connsiteX3" fmla="*/ 5071730 w 5333379"/>
+                  <a:gd name="connsiteY3" fmla="*/ 1714652 h 2395135"/>
+                  <a:gd name="connsiteX4" fmla="*/ 5295014 w 5333379"/>
+                  <a:gd name="connsiteY4" fmla="*/ 2395135 h 2395135"/>
+                  <a:gd name="connsiteX0" fmla="*/ 0 w 5322104"/>
+                  <a:gd name="connsiteY0" fmla="*/ 832149 h 2395135"/>
+                  <a:gd name="connsiteX1" fmla="*/ 956930 w 5322104"/>
+                  <a:gd name="connsiteY1" fmla="*/ 66605 h 2395135"/>
+                  <a:gd name="connsiteX2" fmla="*/ 4199861 w 5322104"/>
+                  <a:gd name="connsiteY2" fmla="*/ 226093 h 2395135"/>
+                  <a:gd name="connsiteX3" fmla="*/ 5071730 w 5322104"/>
+                  <a:gd name="connsiteY3" fmla="*/ 1714652 h 2395135"/>
+                  <a:gd name="connsiteX4" fmla="*/ 5295014 w 5322104"/>
+                  <a:gd name="connsiteY4" fmla="*/ 2395135 h 2395135"/>
+                  <a:gd name="connsiteX0" fmla="*/ 0 w 5261674"/>
+                  <a:gd name="connsiteY0" fmla="*/ 832149 h 2395135"/>
+                  <a:gd name="connsiteX1" fmla="*/ 956930 w 5261674"/>
+                  <a:gd name="connsiteY1" fmla="*/ 66605 h 2395135"/>
+                  <a:gd name="connsiteX2" fmla="*/ 4199861 w 5261674"/>
+                  <a:gd name="connsiteY2" fmla="*/ 226093 h 2395135"/>
+                  <a:gd name="connsiteX3" fmla="*/ 5071730 w 5261674"/>
+                  <a:gd name="connsiteY3" fmla="*/ 1714652 h 2395135"/>
+                  <a:gd name="connsiteX4" fmla="*/ 5209954 w 5261674"/>
+                  <a:gd name="connsiteY4" fmla="*/ 2395135 h 2395135"/>
+                  <a:gd name="connsiteX0" fmla="*/ 0 w 5209954"/>
+                  <a:gd name="connsiteY0" fmla="*/ 832149 h 2395135"/>
+                  <a:gd name="connsiteX1" fmla="*/ 956930 w 5209954"/>
+                  <a:gd name="connsiteY1" fmla="*/ 66605 h 2395135"/>
+                  <a:gd name="connsiteX2" fmla="*/ 4199861 w 5209954"/>
+                  <a:gd name="connsiteY2" fmla="*/ 226093 h 2395135"/>
+                  <a:gd name="connsiteX3" fmla="*/ 5071730 w 5209954"/>
+                  <a:gd name="connsiteY3" fmla="*/ 1714652 h 2395135"/>
+                  <a:gd name="connsiteX4" fmla="*/ 5209954 w 5209954"/>
+                  <a:gd name="connsiteY4" fmla="*/ 2395135 h 2395135"/>
+                  <a:gd name="connsiteX0" fmla="*/ 0 w 5209954"/>
+                  <a:gd name="connsiteY0" fmla="*/ 832149 h 2395135"/>
+                  <a:gd name="connsiteX1" fmla="*/ 956930 w 5209954"/>
+                  <a:gd name="connsiteY1" fmla="*/ 66605 h 2395135"/>
+                  <a:gd name="connsiteX2" fmla="*/ 4199861 w 5209954"/>
+                  <a:gd name="connsiteY2" fmla="*/ 226093 h 2395135"/>
+                  <a:gd name="connsiteX3" fmla="*/ 5071730 w 5209954"/>
+                  <a:gd name="connsiteY3" fmla="*/ 1714652 h 2395135"/>
+                  <a:gd name="connsiteX4" fmla="*/ 5209954 w 5209954"/>
+                  <a:gd name="connsiteY4" fmla="*/ 2395135 h 2395135"/>
+                  <a:gd name="connsiteX0" fmla="*/ 0 w 5209954"/>
+                  <a:gd name="connsiteY0" fmla="*/ 832149 h 2395135"/>
+                  <a:gd name="connsiteX1" fmla="*/ 956930 w 5209954"/>
+                  <a:gd name="connsiteY1" fmla="*/ 66605 h 2395135"/>
+                  <a:gd name="connsiteX2" fmla="*/ 4199861 w 5209954"/>
+                  <a:gd name="connsiteY2" fmla="*/ 226093 h 2395135"/>
+                  <a:gd name="connsiteX3" fmla="*/ 5071730 w 5209954"/>
+                  <a:gd name="connsiteY3" fmla="*/ 1714652 h 2395135"/>
+                  <a:gd name="connsiteX4" fmla="*/ 5209954 w 5209954"/>
+                  <a:gd name="connsiteY4" fmla="*/ 2395135 h 2395135"/>
+                </a:gdLst>
+                <a:ahLst/>
+                <a:cxnLst>
+                  <a:cxn ang="0">
+                    <a:pos x="connsiteX0" y="connsiteY0"/>
+                  </a:cxn>
+                  <a:cxn ang="0">
+                    <a:pos x="connsiteX1" y="connsiteY1"/>
+                  </a:cxn>
+                  <a:cxn ang="0">
+                    <a:pos x="connsiteX2" y="connsiteY2"/>
+                  </a:cxn>
+                  <a:cxn ang="0">
+                    <a:pos x="connsiteX3" y="connsiteY3"/>
+                  </a:cxn>
+                  <a:cxn ang="0">
+                    <a:pos x="connsiteX4" y="connsiteY4"/>
+                  </a:cxn>
+                </a:cxnLst>
+                <a:rect l="l" t="t" r="r" b="b"/>
+                <a:pathLst>
+                  <a:path w="5209954" h="2395135">
+                    <a:moveTo>
+                      <a:pt x="0" y="832149"/>
+                    </a:moveTo>
+                    <a:cubicBezTo>
+                      <a:pt x="128476" y="499881"/>
+                      <a:pt x="256953" y="167614"/>
+                      <a:pt x="956930" y="66605"/>
+                    </a:cubicBezTo>
+                    <a:cubicBezTo>
+                      <a:pt x="1656907" y="-34404"/>
+                      <a:pt x="3514061" y="-48582"/>
+                      <a:pt x="4199861" y="226093"/>
+                    </a:cubicBezTo>
+                    <a:cubicBezTo>
+                      <a:pt x="4885661" y="500768"/>
+                      <a:pt x="4967176" y="1278717"/>
+                      <a:pt x="5071730" y="1714652"/>
+                    </a:cubicBezTo>
+                    <a:cubicBezTo>
+                      <a:pt x="5176284" y="2150587"/>
+                      <a:pt x="5131096" y="2028311"/>
+                      <a:pt x="5209954" y="2395135"/>
+                    </a:cubicBezTo>
+                  </a:path>
+                </a:pathLst>
+              </a:custGeom>
+              <a:noFill/>
+              <a:ln w="76200">
+                <a:solidFill>
+                  <a:schemeClr val="tx1"/>
+                </a:solidFill>
+              </a:ln>
+            </p:spPr>
+            <p:style>
+              <a:lnRef idx="2">
+                <a:schemeClr val="accent1">
+                  <a:shade val="50000"/>
+                </a:schemeClr>
+              </a:lnRef>
+              <a:fillRef idx="1">
+                <a:schemeClr val="accent1"/>
+              </a:fillRef>
+              <a:effectRef idx="0">
+                <a:schemeClr val="accent1"/>
+              </a:effectRef>
+              <a:fontRef idx="minor">
+                <a:schemeClr val="lt1"/>
+              </a:fontRef>
+            </p:style>
+            <p:txBody>
+              <a:bodyPr rtlCol="0" anchor="ctr"/>
+              <a:lstStyle/>
+              <a:p>
+                <a:pPr algn="ctr"/>
+                <a:endParaRPr lang="en-CA" dirty="0"/>
+              </a:p>
+            </p:txBody>
+          </p:sp>
+        </p:grpSp>
+        <mc:AlternateContent xmlns:mc="http://schemas.openxmlformats.org/markup-compatibility/2006">
+          <mc:Choice xmlns:a14="http://schemas.microsoft.com/office/drawing/2010/main" Requires="a14">
+            <p:sp>
+              <p:nvSpPr>
+                <p:cNvPr id="44" name="TextBox 43">
+                  <a:extLst>
+                    <a:ext uri="{FF2B5EF4-FFF2-40B4-BE49-F238E27FC236}">
+                      <a16:creationId xmlns:a16="http://schemas.microsoft.com/office/drawing/2014/main" id="{7266DE96-26E4-4EBE-BBAC-08B839349917}"/>
+                    </a:ext>
+                  </a:extLst>
+                </p:cNvPr>
+                <p:cNvSpPr txBox="1"/>
+                <p:nvPr/>
+              </p:nvSpPr>
+              <p:spPr>
+                <a:xfrm>
+                  <a:off x="2202553" y="1169703"/>
+                  <a:ext cx="555730" cy="523220"/>
+                </a:xfrm>
+                <a:prstGeom prst="rect">
+                  <a:avLst/>
+                </a:prstGeom>
+                <a:noFill/>
+              </p:spPr>
+              <p:txBody>
+                <a:bodyPr wrap="none" rtlCol="0">
+                  <a:spAutoFit/>
+                </a:bodyPr>
+                <a:lstStyle/>
+                <a:p>
+                  <a14:m>
+                    <m:oMathPara xmlns:m="http://schemas.openxmlformats.org/officeDocument/2006/math">
+                      <m:oMathParaPr>
+                        <m:jc m:val="centerGroup"/>
+                      </m:oMathParaPr>
+                      <m:oMath xmlns:m="http://schemas.openxmlformats.org/officeDocument/2006/math">
+                        <m:r>
+                          <a:rPr lang="en-CA" sz="2800" b="1" i="1" smtClean="0">
+                            <a:latin typeface="Cambria Math" panose="02040503050406030204" pitchFamily="18" charset="0"/>
+                            <a:cs typeface="Arial" panose="020B0604020202020204" pitchFamily="34" charset="0"/>
+                          </a:rPr>
+                          <m:t>𝑵</m:t>
+                        </m:r>
+                      </m:oMath>
+                    </m:oMathPara>
+                  </a14:m>
+                  <a:endParaRPr lang="en-CA" sz="2800" b="1" dirty="0">
+                    <a:latin typeface="Arial" panose="020B0604020202020204" pitchFamily="34" charset="0"/>
+                    <a:cs typeface="Arial" panose="020B0604020202020204" pitchFamily="34" charset="0"/>
+                  </a:endParaRPr>
+                </a:p>
+              </p:txBody>
+            </p:sp>
+          </mc:Choice>
+          <mc:Fallback>
+            <p:sp>
+              <p:nvSpPr>
+                <p:cNvPr id="44" name="TextBox 43">
+                  <a:extLst>
+                    <a:ext uri="{FF2B5EF4-FFF2-40B4-BE49-F238E27FC236}">
+                      <a16:creationId xmlns:a16="http://schemas.microsoft.com/office/drawing/2014/main" id="{7266DE96-26E4-4EBE-BBAC-08B839349917}"/>
+                    </a:ext>
+                  </a:extLst>
+                </p:cNvPr>
+                <p:cNvSpPr txBox="1">
+                  <a:spLocks noRot="1" noChangeAspect="1" noMove="1" noResize="1" noEditPoints="1" noAdjustHandles="1" noChangeArrowheads="1" noChangeShapeType="1" noTextEdit="1"/>
+                </p:cNvSpPr>
+                <p:nvPr/>
+              </p:nvSpPr>
+              <p:spPr>
+                <a:xfrm>
+                  <a:off x="2202553" y="1169703"/>
+                  <a:ext cx="555730" cy="523220"/>
+                </a:xfrm>
+                <a:prstGeom prst="rect">
+                  <a:avLst/>
+                </a:prstGeom>
+                <a:blipFill>
+                  <a:blip r:embed="rId6"/>
+                  <a:stretch>
+                    <a:fillRect/>
+                  </a:stretch>
+                </a:blipFill>
+              </p:spPr>
+              <p:txBody>
+                <a:bodyPr/>
+                <a:lstStyle/>
+                <a:p>
+                  <a:r>
+                    <a:rPr lang="en-CA">
+                      <a:noFill/>
+                    </a:rPr>
+                    <a:t> </a:t>
+                  </a:r>
+                </a:p>
+              </p:txBody>
+            </p:sp>
+          </mc:Fallback>
+        </mc:AlternateContent>
+        <mc:AlternateContent xmlns:mc="http://schemas.openxmlformats.org/markup-compatibility/2006">
+          <mc:Choice xmlns:a14="http://schemas.microsoft.com/office/drawing/2010/main" Requires="a14">
+            <p:sp>
+              <p:nvSpPr>
+                <p:cNvPr id="45" name="TextBox 44">
+                  <a:extLst>
+                    <a:ext uri="{FF2B5EF4-FFF2-40B4-BE49-F238E27FC236}">
+                      <a16:creationId xmlns:a16="http://schemas.microsoft.com/office/drawing/2014/main" id="{29E19FBC-C2A0-48E4-9A44-1A0C24C7DBD6}"/>
+                    </a:ext>
+                  </a:extLst>
+                </p:cNvPr>
+                <p:cNvSpPr txBox="1"/>
+                <p:nvPr/>
+              </p:nvSpPr>
+              <p:spPr>
+                <a:xfrm>
+                  <a:off x="6007734" y="1169703"/>
+                  <a:ext cx="487634" cy="523220"/>
+                </a:xfrm>
+                <a:prstGeom prst="rect">
+                  <a:avLst/>
+                </a:prstGeom>
+                <a:noFill/>
+              </p:spPr>
+              <p:txBody>
+                <a:bodyPr wrap="none" rtlCol="0">
+                  <a:spAutoFit/>
+                </a:bodyPr>
+                <a:lstStyle/>
+                <a:p>
+                  <a14:m>
+                    <m:oMathPara xmlns:m="http://schemas.openxmlformats.org/officeDocument/2006/math">
+                      <m:oMathParaPr>
+                        <m:jc m:val="centerGroup"/>
+                      </m:oMathParaPr>
+                      <m:oMath xmlns:m="http://schemas.openxmlformats.org/officeDocument/2006/math">
+                        <m:r>
+                          <a:rPr lang="en-CA" sz="2800" b="1" i="1" smtClean="0">
+                            <a:latin typeface="Cambria Math" panose="02040503050406030204" pitchFamily="18" charset="0"/>
+                            <a:cs typeface="Arial" panose="020B0604020202020204" pitchFamily="34" charset="0"/>
+                          </a:rPr>
+                          <m:t>𝑺</m:t>
+                        </m:r>
+                      </m:oMath>
+                    </m:oMathPara>
+                  </a14:m>
+                  <a:endParaRPr lang="en-CA" sz="2800" b="1" dirty="0">
+                    <a:latin typeface="Arial" panose="020B0604020202020204" pitchFamily="34" charset="0"/>
+                    <a:cs typeface="Arial" panose="020B0604020202020204" pitchFamily="34" charset="0"/>
+                  </a:endParaRPr>
+                </a:p>
+              </p:txBody>
+            </p:sp>
+          </mc:Choice>
+          <mc:Fallback>
+            <p:sp>
+              <p:nvSpPr>
+                <p:cNvPr id="45" name="TextBox 44">
+                  <a:extLst>
+                    <a:ext uri="{FF2B5EF4-FFF2-40B4-BE49-F238E27FC236}">
+                      <a16:creationId xmlns:a16="http://schemas.microsoft.com/office/drawing/2014/main" id="{29E19FBC-C2A0-48E4-9A44-1A0C24C7DBD6}"/>
+                    </a:ext>
+                  </a:extLst>
+                </p:cNvPr>
+                <p:cNvSpPr txBox="1">
+                  <a:spLocks noRot="1" noChangeAspect="1" noMove="1" noResize="1" noEditPoints="1" noAdjustHandles="1" noChangeArrowheads="1" noChangeShapeType="1" noTextEdit="1"/>
+                </p:cNvSpPr>
+                <p:nvPr/>
+              </p:nvSpPr>
+              <p:spPr>
+                <a:xfrm>
+                  <a:off x="6007734" y="1169703"/>
+                  <a:ext cx="487634" cy="523220"/>
+                </a:xfrm>
+                <a:prstGeom prst="rect">
+                  <a:avLst/>
+                </a:prstGeom>
+                <a:blipFill>
+                  <a:blip r:embed="rId7"/>
+                  <a:stretch>
+                    <a:fillRect/>
+                  </a:stretch>
+                </a:blipFill>
+              </p:spPr>
+              <p:txBody>
+                <a:bodyPr/>
+                <a:lstStyle/>
+                <a:p>
+                  <a:r>
+                    <a:rPr lang="en-CA">
+                      <a:noFill/>
+                    </a:rPr>
+                    <a:t> </a:t>
+                  </a:r>
+                </a:p>
+              </p:txBody>
+            </p:sp>
+          </mc:Fallback>
+        </mc:AlternateContent>
+      </p:grpSp>
+    </p:spTree>
+    <p:extLst>
+      <p:ext uri="{BB962C8B-B14F-4D97-AF65-F5344CB8AC3E}">
+        <p14:creationId xmlns:p14="http://schemas.microsoft.com/office/powerpoint/2010/main" val="156130554"/>
+      </p:ext>
+    </p:extLst>
+  </p:cSld>
+  <p:clrMapOvr>
+    <a:masterClrMapping/>
+  </p:clrMapOvr>
+</p:sld>
+</file>
+
 <file path=ppt/slides/slide2.xml><?xml version="1.0" encoding="utf-8"?>
 <p:sld xmlns:a="http://schemas.openxmlformats.org/drawingml/2006/main" xmlns:r="http://schemas.openxmlformats.org/officeDocument/2006/relationships" xmlns:p="http://schemas.openxmlformats.org/presentationml/2006/main">
   <p:cSld>
@@ -21711,6 +27587,97 @@
           <a:chExt cx="0" cy="0"/>
         </a:xfrm>
       </p:grpSpPr>
+      <p:cxnSp>
+        <p:nvCxnSpPr>
+          <p:cNvPr id="49" name="Straight Connector 48"/>
+          <p:cNvCxnSpPr/>
+          <p:nvPr/>
+        </p:nvCxnSpPr>
+        <p:spPr>
+          <a:xfrm>
+            <a:off x="3691966" y="5329632"/>
+            <a:ext cx="0" cy="880635"/>
+          </a:xfrm>
+          <a:prstGeom prst="line">
+            <a:avLst/>
+          </a:prstGeom>
+          <a:ln w="47625">
+            <a:solidFill>
+              <a:schemeClr val="tx1"/>
+            </a:solidFill>
+          </a:ln>
+        </p:spPr>
+        <p:style>
+          <a:lnRef idx="1">
+            <a:schemeClr val="accent1"/>
+          </a:lnRef>
+          <a:fillRef idx="0">
+            <a:schemeClr val="accent1"/>
+          </a:fillRef>
+          <a:effectRef idx="0">
+            <a:schemeClr val="accent1"/>
+          </a:effectRef>
+          <a:fontRef idx="minor">
+            <a:schemeClr val="tx1"/>
+          </a:fontRef>
+        </p:style>
+      </p:cxnSp>
+      <p:sp>
+        <p:nvSpPr>
+          <p:cNvPr id="5" name="Parallelogram 4"/>
+          <p:cNvSpPr/>
+          <p:nvPr/>
+        </p:nvSpPr>
+        <p:spPr>
+          <a:xfrm>
+            <a:off x="1711199" y="4423133"/>
+            <a:ext cx="4017629" cy="980840"/>
+          </a:xfrm>
+          <a:prstGeom prst="parallelogram">
+            <a:avLst>
+              <a:gd name="adj" fmla="val 52573"/>
+            </a:avLst>
+          </a:prstGeom>
+          <a:solidFill>
+            <a:srgbClr val="D4CACA"/>
+          </a:solidFill>
+          <a:ln w="38100">
+            <a:solidFill>
+              <a:schemeClr val="tx1"/>
+            </a:solidFill>
+          </a:ln>
+          <a:scene3d>
+            <a:camera prst="orthographicFront">
+              <a:rot lat="0" lon="0" rev="0"/>
+            </a:camera>
+            <a:lightRig rig="threePt" dir="t"/>
+          </a:scene3d>
+        </p:spPr>
+        <p:style>
+          <a:lnRef idx="2">
+            <a:schemeClr val="accent1">
+              <a:shade val="50000"/>
+            </a:schemeClr>
+          </a:lnRef>
+          <a:fillRef idx="1">
+            <a:schemeClr val="accent1"/>
+          </a:fillRef>
+          <a:effectRef idx="0">
+            <a:schemeClr val="accent1"/>
+          </a:effectRef>
+          <a:fontRef idx="minor">
+            <a:schemeClr val="lt1"/>
+          </a:fontRef>
+        </p:style>
+        <p:txBody>
+          <a:bodyPr rtlCol="0" anchor="ctr"/>
+          <a:lstStyle/>
+          <a:p>
+            <a:pPr algn="ctr"/>
+            <a:endParaRPr lang="en-US"/>
+          </a:p>
+        </p:txBody>
+      </p:sp>
       <p:grpSp>
         <p:nvGrpSpPr>
           <p:cNvPr id="48" name="Group 47"/>
@@ -24401,201 +30368,272 @@
           </mc:Fallback>
         </mc:AlternateContent>
       </p:grpSp>
+      <p:cxnSp>
+        <p:nvCxnSpPr>
+          <p:cNvPr id="50" name="Straight Arrow Connector 49"/>
+          <p:cNvCxnSpPr/>
+          <p:nvPr/>
+        </p:nvCxnSpPr>
+        <p:spPr>
+          <a:xfrm flipH="1" flipV="1">
+            <a:off x="2756354" y="5653518"/>
+            <a:ext cx="1" cy="390431"/>
+          </a:xfrm>
+          <a:prstGeom prst="straightConnector1">
+            <a:avLst/>
+          </a:prstGeom>
+          <a:ln w="38100">
+            <a:solidFill>
+              <a:schemeClr val="tx1"/>
+            </a:solidFill>
+            <a:tailEnd type="triangle" w="lg" len="lg"/>
+          </a:ln>
+        </p:spPr>
+        <p:style>
+          <a:lnRef idx="1">
+            <a:schemeClr val="accent1"/>
+          </a:lnRef>
+          <a:fillRef idx="0">
+            <a:schemeClr val="accent1"/>
+          </a:fillRef>
+          <a:effectRef idx="0">
+            <a:schemeClr val="accent1"/>
+          </a:effectRef>
+          <a:fontRef idx="minor">
+            <a:schemeClr val="tx1"/>
+          </a:fontRef>
+        </p:style>
+      </p:cxnSp>
+      <mc:AlternateContent xmlns:mc="http://schemas.openxmlformats.org/markup-compatibility/2006">
+        <mc:Choice xmlns:a14="http://schemas.microsoft.com/office/drawing/2010/main" Requires="a14">
+          <p:sp>
+            <p:nvSpPr>
+              <p:cNvPr id="51" name="TextBox 50"/>
+              <p:cNvSpPr txBox="1"/>
+              <p:nvPr/>
+            </p:nvSpPr>
+            <p:spPr>
+              <a:xfrm>
+                <a:off x="3327047" y="5815152"/>
+                <a:ext cx="176459" cy="307777"/>
+              </a:xfrm>
+              <a:prstGeom prst="rect">
+                <a:avLst/>
+              </a:prstGeom>
+              <a:noFill/>
+            </p:spPr>
+            <p:txBody>
+              <a:bodyPr wrap="none" lIns="0" tIns="0" rIns="0" bIns="0" rtlCol="0">
+                <a:spAutoFit/>
+              </a:bodyPr>
+              <a:lstStyle/>
+              <a:p>
+                <a:pPr/>
+                <a14:m>
+                  <m:oMathPara xmlns:m="http://schemas.openxmlformats.org/officeDocument/2006/math">
+                    <m:oMathParaPr>
+                      <m:jc m:val="centerGroup"/>
+                    </m:oMathParaPr>
+                    <m:oMath xmlns:m="http://schemas.openxmlformats.org/officeDocument/2006/math">
+                      <m:r>
+                        <a:rPr lang="en-US" sz="2000" b="0" i="1" smtClean="0">
+                          <a:latin typeface="Cambria Math" panose="02040503050406030204" pitchFamily="18" charset="0"/>
+                          <a:cs typeface="Arial" panose="020B0604020202020204" pitchFamily="34" charset="0"/>
+                        </a:rPr>
+                        <m:t>𝐼</m:t>
+                      </m:r>
+                    </m:oMath>
+                  </m:oMathPara>
+                </a14:m>
+                <a:endParaRPr lang="en-US" sz="2000" dirty="0">
+                  <a:latin typeface="Arial" panose="020B0604020202020204" pitchFamily="34" charset="0"/>
+                  <a:cs typeface="Arial" panose="020B0604020202020204" pitchFamily="34" charset="0"/>
+                </a:endParaRPr>
+              </a:p>
+            </p:txBody>
+          </p:sp>
+        </mc:Choice>
+        <mc:Fallback>
+          <p:sp>
+            <p:nvSpPr>
+              <p:cNvPr id="51" name="TextBox 50"/>
+              <p:cNvSpPr txBox="1">
+                <a:spLocks noRot="1" noChangeAspect="1" noMove="1" noResize="1" noEditPoints="1" noAdjustHandles="1" noChangeArrowheads="1" noChangeShapeType="1" noTextEdit="1"/>
+              </p:cNvSpPr>
+              <p:nvPr/>
+            </p:nvSpPr>
+            <p:spPr>
+              <a:xfrm>
+                <a:off x="3327047" y="5815152"/>
+                <a:ext cx="176459" cy="307777"/>
+              </a:xfrm>
+              <a:prstGeom prst="rect">
+                <a:avLst/>
+              </a:prstGeom>
+              <a:blipFill>
+                <a:blip r:embed="rId32"/>
+                <a:stretch>
+                  <a:fillRect l="-31034" r="-24138" b="-10000"/>
+                </a:stretch>
+              </a:blipFill>
+            </p:spPr>
+            <p:txBody>
+              <a:bodyPr/>
+              <a:lstStyle/>
+              <a:p>
+                <a:r>
+                  <a:rPr lang="en-CA">
+                    <a:noFill/>
+                  </a:rPr>
+                  <a:t> </a:t>
+                </a:r>
+              </a:p>
+            </p:txBody>
+          </p:sp>
+        </mc:Fallback>
+      </mc:AlternateContent>
+      <mc:AlternateContent xmlns:mc="http://schemas.openxmlformats.org/markup-compatibility/2006">
+        <mc:Choice xmlns:a14="http://schemas.microsoft.com/office/drawing/2010/main" Requires="a14">
+          <p:sp>
+            <p:nvSpPr>
+              <p:cNvPr id="32" name="TextBox 31"/>
+              <p:cNvSpPr txBox="1"/>
+              <p:nvPr/>
+            </p:nvSpPr>
+            <p:spPr>
+              <a:xfrm>
+                <a:off x="10972826" y="4487474"/>
+                <a:ext cx="245708" cy="345159"/>
+              </a:xfrm>
+              <a:prstGeom prst="rect">
+                <a:avLst/>
+              </a:prstGeom>
+              <a:noFill/>
+            </p:spPr>
+            <p:txBody>
+              <a:bodyPr wrap="none" lIns="0" tIns="0" rIns="0" bIns="0" rtlCol="0">
+                <a:spAutoFit/>
+              </a:bodyPr>
+              <a:lstStyle/>
+              <a:p>
+                <a:pPr/>
+                <a14:m>
+                  <m:oMathPara xmlns:m="http://schemas.openxmlformats.org/officeDocument/2006/math">
+                    <m:oMathParaPr>
+                      <m:jc m:val="centerGroup"/>
+                    </m:oMathParaPr>
+                    <m:oMath xmlns:m="http://schemas.openxmlformats.org/officeDocument/2006/math">
+                      <m:acc>
+                        <m:accPr>
+                          <m:chr m:val="⃗"/>
+                          <m:ctrlPr>
+                            <a:rPr lang="en-US" sz="2000" b="0" i="1" smtClean="0">
+                              <a:solidFill>
+                                <a:srgbClr val="FF0000"/>
+                              </a:solidFill>
+                              <a:latin typeface="Cambria Math" panose="02040503050406030204" pitchFamily="18" charset="0"/>
+                              <a:cs typeface="Arial" panose="020B0604020202020204" pitchFamily="34" charset="0"/>
+                            </a:rPr>
+                          </m:ctrlPr>
+                        </m:accPr>
+                        <m:e>
+                          <m:r>
+                            <a:rPr lang="en-US" sz="2000" b="0" i="1" smtClean="0">
+                              <a:solidFill>
+                                <a:srgbClr val="FF0000"/>
+                              </a:solidFill>
+                              <a:latin typeface="Cambria Math" panose="02040503050406030204" pitchFamily="18" charset="0"/>
+                              <a:cs typeface="Arial" panose="020B0604020202020204" pitchFamily="34" charset="0"/>
+                            </a:rPr>
+                            <m:t>𝐵</m:t>
+                          </m:r>
+                        </m:e>
+                      </m:acc>
+                    </m:oMath>
+                  </m:oMathPara>
+                </a14:m>
+                <a:endParaRPr lang="en-US" sz="2000" dirty="0">
+                  <a:solidFill>
+                    <a:srgbClr val="FF0000"/>
+                  </a:solidFill>
+                  <a:latin typeface="Arial" panose="020B0604020202020204" pitchFamily="34" charset="0"/>
+                  <a:cs typeface="Arial" panose="020B0604020202020204" pitchFamily="34" charset="0"/>
+                </a:endParaRPr>
+              </a:p>
+            </p:txBody>
+          </p:sp>
+        </mc:Choice>
+        <mc:Fallback>
+          <p:sp>
+            <p:nvSpPr>
+              <p:cNvPr id="32" name="TextBox 31"/>
+              <p:cNvSpPr txBox="1">
+                <a:spLocks noRot="1" noChangeAspect="1" noMove="1" noResize="1" noEditPoints="1" noAdjustHandles="1" noChangeArrowheads="1" noChangeShapeType="1" noTextEdit="1"/>
+              </p:cNvSpPr>
+              <p:nvPr/>
+            </p:nvSpPr>
+            <p:spPr>
+              <a:xfrm>
+                <a:off x="10972826" y="4487474"/>
+                <a:ext cx="245708" cy="345159"/>
+              </a:xfrm>
+              <a:prstGeom prst="rect">
+                <a:avLst/>
+              </a:prstGeom>
+              <a:blipFill>
+                <a:blip r:embed="rId33"/>
+                <a:stretch>
+                  <a:fillRect l="-20000" r="-22500" b="-8772"/>
+                </a:stretch>
+              </a:blipFill>
+            </p:spPr>
+            <p:txBody>
+              <a:bodyPr/>
+              <a:lstStyle/>
+              <a:p>
+                <a:r>
+                  <a:rPr lang="en-CA">
+                    <a:noFill/>
+                  </a:rPr>
+                  <a:t> </a:t>
+                </a:r>
+              </a:p>
+            </p:txBody>
+          </p:sp>
+        </mc:Fallback>
+      </mc:AlternateContent>
       <p:grpSp>
         <p:nvGrpSpPr>
-          <p:cNvPr id="40" name="Group 39"/>
+          <p:cNvPr id="85" name="Group 84"/>
           <p:cNvGrpSpPr/>
           <p:nvPr/>
         </p:nvGrpSpPr>
         <p:grpSpPr>
           <a:xfrm>
-            <a:off x="991518" y="2972743"/>
-            <a:ext cx="5520002" cy="3318125"/>
-            <a:chOff x="991518" y="2972743"/>
-            <a:chExt cx="5520002" cy="3318125"/>
+            <a:off x="9654989" y="4577262"/>
+            <a:ext cx="882650" cy="247348"/>
+            <a:chOff x="9055100" y="3993844"/>
+            <a:chExt cx="882650" cy="247348"/>
           </a:xfrm>
         </p:grpSpPr>
-        <p:cxnSp>
-          <p:nvCxnSpPr>
-            <p:cNvPr id="49" name="Straight Connector 48"/>
-            <p:cNvCxnSpPr/>
-            <p:nvPr/>
-          </p:nvCxnSpPr>
-          <p:spPr>
-            <a:xfrm>
-              <a:off x="3689581" y="5410233"/>
-              <a:ext cx="0" cy="880635"/>
-            </a:xfrm>
-            <a:prstGeom prst="line">
-              <a:avLst/>
-            </a:prstGeom>
-            <a:ln w="47625">
-              <a:solidFill>
-                <a:schemeClr val="tx1"/>
-              </a:solidFill>
-            </a:ln>
-          </p:spPr>
-          <p:style>
-            <a:lnRef idx="1">
-              <a:schemeClr val="accent1"/>
-            </a:lnRef>
-            <a:fillRef idx="0">
-              <a:schemeClr val="accent1"/>
-            </a:fillRef>
-            <a:effectRef idx="0">
-              <a:schemeClr val="accent1"/>
-            </a:effectRef>
-            <a:fontRef idx="minor">
-              <a:schemeClr val="tx1"/>
-            </a:fontRef>
-          </p:style>
-        </p:cxnSp>
-        <p:cxnSp>
-          <p:nvCxnSpPr>
-            <p:cNvPr id="50" name="Straight Arrow Connector 49"/>
-            <p:cNvCxnSpPr/>
-            <p:nvPr/>
-          </p:nvCxnSpPr>
-          <p:spPr>
-            <a:xfrm flipH="1" flipV="1">
-              <a:off x="3675435" y="5732498"/>
-              <a:ext cx="1" cy="390431"/>
-            </a:xfrm>
-            <a:prstGeom prst="straightConnector1">
-              <a:avLst/>
-            </a:prstGeom>
-            <a:ln w="38100">
-              <a:solidFill>
-                <a:schemeClr val="tx1"/>
-              </a:solidFill>
-              <a:tailEnd type="triangle" w="lg" len="lg"/>
-            </a:ln>
-          </p:spPr>
-          <p:style>
-            <a:lnRef idx="1">
-              <a:schemeClr val="accent1"/>
-            </a:lnRef>
-            <a:fillRef idx="0">
-              <a:schemeClr val="accent1"/>
-            </a:fillRef>
-            <a:effectRef idx="0">
-              <a:schemeClr val="accent1"/>
-            </a:effectRef>
-            <a:fontRef idx="minor">
-              <a:schemeClr val="tx1"/>
-            </a:fontRef>
-          </p:style>
-        </p:cxnSp>
-        <mc:AlternateContent xmlns:mc="http://schemas.openxmlformats.org/markup-compatibility/2006" xmlns:a14="http://schemas.microsoft.com/office/drawing/2010/main">
-          <mc:Choice Requires="a14">
-            <p:sp>
-              <p:nvSpPr>
-                <p:cNvPr id="51" name="TextBox 50"/>
-                <p:cNvSpPr txBox="1"/>
-                <p:nvPr/>
-              </p:nvSpPr>
-              <p:spPr>
-                <a:xfrm>
-                  <a:off x="3327047" y="5815152"/>
-                  <a:ext cx="176459" cy="307777"/>
-                </a:xfrm>
-                <a:prstGeom prst="rect">
-                  <a:avLst/>
-                </a:prstGeom>
-                <a:noFill/>
-              </p:spPr>
-              <p:txBody>
-                <a:bodyPr wrap="none" lIns="0" tIns="0" rIns="0" bIns="0" rtlCol="0">
-                  <a:spAutoFit/>
-                </a:bodyPr>
-                <a:lstStyle/>
-                <a:p>
-                  <a:pPr/>
-                  <a14:m>
-                    <m:oMathPara xmlns:m="http://schemas.openxmlformats.org/officeDocument/2006/math">
-                      <m:oMathParaPr>
-                        <m:jc m:val="centerGroup"/>
-                      </m:oMathParaPr>
-                      <m:oMath xmlns:m="http://schemas.openxmlformats.org/officeDocument/2006/math">
-                        <m:r>
-                          <a:rPr lang="en-US" sz="2000" b="0" i="1" smtClean="0">
-                            <a:latin typeface="Cambria Math" panose="02040503050406030204" pitchFamily="18" charset="0"/>
-                            <a:cs typeface="Arial" panose="020B0604020202020204" pitchFamily="34" charset="0"/>
-                          </a:rPr>
-                          <m:t>𝐼</m:t>
-                        </m:r>
-                      </m:oMath>
-                    </m:oMathPara>
-                  </a14:m>
-                  <a:endParaRPr lang="en-US" sz="2000" dirty="0">
-                    <a:latin typeface="Arial" panose="020B0604020202020204" pitchFamily="34" charset="0"/>
-                    <a:cs typeface="Arial" panose="020B0604020202020204" pitchFamily="34" charset="0"/>
-                  </a:endParaRPr>
-                </a:p>
-              </p:txBody>
-            </p:sp>
-          </mc:Choice>
-          <mc:Fallback xmlns="">
-            <p:sp>
-              <p:nvSpPr>
-                <p:cNvPr id="51" name="TextBox 50"/>
-                <p:cNvSpPr txBox="1">
-                  <a:spLocks noRot="1" noChangeAspect="1" noMove="1" noResize="1" noEditPoints="1" noAdjustHandles="1" noChangeArrowheads="1" noChangeShapeType="1" noTextEdit="1"/>
-                </p:cNvSpPr>
-                <p:nvPr/>
-              </p:nvSpPr>
-              <p:spPr>
-                <a:xfrm>
-                  <a:off x="3327047" y="5815152"/>
-                  <a:ext cx="176459" cy="307777"/>
-                </a:xfrm>
-                <a:prstGeom prst="rect">
-                  <a:avLst/>
-                </a:prstGeom>
-                <a:blipFill>
-                  <a:blip r:embed="rId32"/>
-                  <a:stretch>
-                    <a:fillRect l="-31034" r="-24138" b="-10000"/>
-                  </a:stretch>
-                </a:blipFill>
-              </p:spPr>
-              <p:txBody>
-                <a:bodyPr/>
-                <a:lstStyle/>
-                <a:p>
-                  <a:r>
-                    <a:rPr lang="en-US">
-                      <a:noFill/>
-                    </a:rPr>
-                    <a:t> </a:t>
-                  </a:r>
-                </a:p>
-              </p:txBody>
-            </p:sp>
-          </mc:Fallback>
-        </mc:AlternateContent>
         <p:sp>
           <p:nvSpPr>
-            <p:cNvPr id="5" name="Parallelogram 4"/>
+            <p:cNvPr id="86" name="Oval 85"/>
             <p:cNvSpPr/>
             <p:nvPr/>
           </p:nvSpPr>
           <p:spPr>
             <a:xfrm>
-              <a:off x="991518" y="4310443"/>
-              <a:ext cx="5520002" cy="1076805"/>
+              <a:off x="9055100" y="3993844"/>
+              <a:ext cx="882650" cy="247348"/>
             </a:xfrm>
-            <a:prstGeom prst="parallelogram">
-              <a:avLst>
-                <a:gd name="adj" fmla="val 182083"/>
-              </a:avLst>
+            <a:prstGeom prst="ellipse">
+              <a:avLst/>
             </a:prstGeom>
-            <a:solidFill>
-              <a:schemeClr val="bg2"/>
-            </a:solidFill>
+            <a:noFill/>
             <a:ln w="38100">
               <a:solidFill>
-                <a:schemeClr val="tx1"/>
+                <a:srgbClr val="FF0000"/>
               </a:solidFill>
             </a:ln>
           </p:spPr>
@@ -24626,556 +30664,23 @@
         </p:sp>
         <p:cxnSp>
           <p:nvCxnSpPr>
-            <p:cNvPr id="56" name="Straight Connector 55"/>
+            <p:cNvPr id="87" name="Straight Arrow Connector 86"/>
             <p:cNvCxnSpPr/>
             <p:nvPr/>
           </p:nvCxnSpPr>
           <p:spPr>
-            <a:xfrm>
-              <a:off x="3691966" y="4629940"/>
-              <a:ext cx="0" cy="1220017"/>
+            <a:xfrm flipV="1">
+              <a:off x="9703011" y="4205424"/>
+              <a:ext cx="116205" cy="30118"/>
             </a:xfrm>
-            <a:prstGeom prst="line">
+            <a:prstGeom prst="straightConnector1">
               <a:avLst/>
             </a:prstGeom>
-            <a:ln w="47625">
+            <a:ln w="38100">
               <a:solidFill>
-                <a:schemeClr val="tx1"/>
+                <a:srgbClr val="FF0000"/>
               </a:solidFill>
-              <a:prstDash val="sysDash"/>
-            </a:ln>
-          </p:spPr>
-          <p:style>
-            <a:lnRef idx="1">
-              <a:schemeClr val="accent1"/>
-            </a:lnRef>
-            <a:fillRef idx="0">
-              <a:schemeClr val="accent1"/>
-            </a:fillRef>
-            <a:effectRef idx="0">
-              <a:schemeClr val="accent1"/>
-            </a:effectRef>
-            <a:fontRef idx="minor">
-              <a:schemeClr val="tx1"/>
-            </a:fontRef>
-          </p:style>
-        </p:cxnSp>
-        <mc:AlternateContent xmlns:mc="http://schemas.openxmlformats.org/markup-compatibility/2006" xmlns:a14="http://schemas.microsoft.com/office/drawing/2010/main">
-          <mc:Choice Requires="a14">
-            <p:sp>
-              <p:nvSpPr>
-                <p:cNvPr id="32" name="TextBox 31"/>
-                <p:cNvSpPr txBox="1"/>
-                <p:nvPr/>
-              </p:nvSpPr>
-              <p:spPr>
-                <a:xfrm>
-                  <a:off x="4566093" y="4674178"/>
-                  <a:ext cx="245708" cy="345159"/>
-                </a:xfrm>
-                <a:prstGeom prst="rect">
-                  <a:avLst/>
-                </a:prstGeom>
-                <a:noFill/>
-              </p:spPr>
-              <p:txBody>
-                <a:bodyPr wrap="none" lIns="0" tIns="0" rIns="0" bIns="0" rtlCol="0">
-                  <a:spAutoFit/>
-                </a:bodyPr>
-                <a:lstStyle/>
-                <a:p>
-                  <a:pPr/>
-                  <a14:m>
-                    <m:oMathPara xmlns:m="http://schemas.openxmlformats.org/officeDocument/2006/math">
-                      <m:oMathParaPr>
-                        <m:jc m:val="centerGroup"/>
-                      </m:oMathParaPr>
-                      <m:oMath xmlns:m="http://schemas.openxmlformats.org/officeDocument/2006/math">
-                        <m:acc>
-                          <m:accPr>
-                            <m:chr m:val="⃗"/>
-                            <m:ctrlPr>
-                              <a:rPr lang="en-US" sz="2000" b="0" i="1" smtClean="0">
-                                <a:solidFill>
-                                  <a:srgbClr val="FF0000"/>
-                                </a:solidFill>
-                                <a:latin typeface="Cambria Math" panose="02040503050406030204" pitchFamily="18" charset="0"/>
-                                <a:cs typeface="Arial" panose="020B0604020202020204" pitchFamily="34" charset="0"/>
-                              </a:rPr>
-                            </m:ctrlPr>
-                          </m:accPr>
-                          <m:e>
-                            <m:r>
-                              <a:rPr lang="en-US" sz="2000" b="0" i="1" smtClean="0">
-                                <a:solidFill>
-                                  <a:srgbClr val="FF0000"/>
-                                </a:solidFill>
-                                <a:latin typeface="Cambria Math" panose="02040503050406030204" pitchFamily="18" charset="0"/>
-                                <a:cs typeface="Arial" panose="020B0604020202020204" pitchFamily="34" charset="0"/>
-                              </a:rPr>
-                              <m:t>𝐵</m:t>
-                            </m:r>
-                          </m:e>
-                        </m:acc>
-                      </m:oMath>
-                    </m:oMathPara>
-                  </a14:m>
-                  <a:endParaRPr lang="en-US" sz="2000" dirty="0">
-                    <a:solidFill>
-                      <a:srgbClr val="FF0000"/>
-                    </a:solidFill>
-                    <a:latin typeface="Arial" panose="020B0604020202020204" pitchFamily="34" charset="0"/>
-                    <a:cs typeface="Arial" panose="020B0604020202020204" pitchFamily="34" charset="0"/>
-                  </a:endParaRPr>
-                </a:p>
-              </p:txBody>
-            </p:sp>
-          </mc:Choice>
-          <mc:Fallback xmlns="">
-            <p:sp>
-              <p:nvSpPr>
-                <p:cNvPr id="32" name="TextBox 31"/>
-                <p:cNvSpPr txBox="1">
-                  <a:spLocks noRot="1" noChangeAspect="1" noMove="1" noResize="1" noEditPoints="1" noAdjustHandles="1" noChangeArrowheads="1" noChangeShapeType="1" noTextEdit="1"/>
-                </p:cNvSpPr>
-                <p:nvPr/>
-              </p:nvSpPr>
-              <p:spPr>
-                <a:xfrm>
-                  <a:off x="4566093" y="4674178"/>
-                  <a:ext cx="245708" cy="345159"/>
-                </a:xfrm>
-                <a:prstGeom prst="rect">
-                  <a:avLst/>
-                </a:prstGeom>
-                <a:blipFill>
-                  <a:blip r:embed="rId33"/>
-                  <a:stretch>
-                    <a:fillRect l="-20000" r="-22500" b="-8929"/>
-                  </a:stretch>
-                </a:blipFill>
-              </p:spPr>
-              <p:txBody>
-                <a:bodyPr/>
-                <a:lstStyle/>
-                <a:p>
-                  <a:r>
-                    <a:rPr lang="en-US">
-                      <a:noFill/>
-                    </a:rPr>
-                    <a:t> </a:t>
-                  </a:r>
-                </a:p>
-              </p:txBody>
-            </p:sp>
-          </mc:Fallback>
-        </mc:AlternateContent>
-        <p:grpSp>
-          <p:nvGrpSpPr>
-            <p:cNvPr id="85" name="Group 84"/>
-            <p:cNvGrpSpPr/>
-            <p:nvPr/>
-          </p:nvGrpSpPr>
-          <p:grpSpPr>
-            <a:xfrm>
-              <a:off x="3248256" y="4763966"/>
-              <a:ext cx="882650" cy="247348"/>
-              <a:chOff x="9055100" y="3993844"/>
-              <a:chExt cx="882650" cy="247348"/>
-            </a:xfrm>
-          </p:grpSpPr>
-          <p:sp>
-            <p:nvSpPr>
-              <p:cNvPr id="86" name="Oval 85"/>
-              <p:cNvSpPr/>
-              <p:nvPr/>
-            </p:nvSpPr>
-            <p:spPr>
-              <a:xfrm>
-                <a:off x="9055100" y="3993844"/>
-                <a:ext cx="882650" cy="247348"/>
-              </a:xfrm>
-              <a:prstGeom prst="ellipse">
-                <a:avLst/>
-              </a:prstGeom>
-              <a:noFill/>
-              <a:ln w="38100">
-                <a:solidFill>
-                  <a:srgbClr val="FF0000"/>
-                </a:solidFill>
-              </a:ln>
-            </p:spPr>
-            <p:style>
-              <a:lnRef idx="2">
-                <a:schemeClr val="accent1">
-                  <a:shade val="50000"/>
-                </a:schemeClr>
-              </a:lnRef>
-              <a:fillRef idx="1">
-                <a:schemeClr val="accent1"/>
-              </a:fillRef>
-              <a:effectRef idx="0">
-                <a:schemeClr val="accent1"/>
-              </a:effectRef>
-              <a:fontRef idx="minor">
-                <a:schemeClr val="lt1"/>
-              </a:fontRef>
-            </p:style>
-            <p:txBody>
-              <a:bodyPr rtlCol="0" anchor="ctr"/>
-              <a:lstStyle/>
-              <a:p>
-                <a:pPr algn="ctr"/>
-                <a:endParaRPr lang="en-US"/>
-              </a:p>
-            </p:txBody>
-          </p:sp>
-          <p:cxnSp>
-            <p:nvCxnSpPr>
-              <p:cNvPr id="87" name="Straight Arrow Connector 86"/>
-              <p:cNvCxnSpPr/>
-              <p:nvPr/>
-            </p:nvCxnSpPr>
-            <p:spPr>
-              <a:xfrm flipV="1">
-                <a:off x="9703011" y="4205424"/>
-                <a:ext cx="116205" cy="30118"/>
-              </a:xfrm>
-              <a:prstGeom prst="straightConnector1">
-                <a:avLst/>
-              </a:prstGeom>
-              <a:ln w="38100">
-                <a:solidFill>
-                  <a:srgbClr val="FF0000"/>
-                </a:solidFill>
-                <a:tailEnd type="triangle"/>
-              </a:ln>
-            </p:spPr>
-            <p:style>
-              <a:lnRef idx="1">
-                <a:schemeClr val="accent1"/>
-              </a:lnRef>
-              <a:fillRef idx="0">
-                <a:schemeClr val="accent1"/>
-              </a:fillRef>
-              <a:effectRef idx="0">
-                <a:schemeClr val="accent1"/>
-              </a:effectRef>
-              <a:fontRef idx="minor">
-                <a:schemeClr val="tx1"/>
-              </a:fontRef>
-            </p:style>
-          </p:cxnSp>
-        </p:grpSp>
-        <p:grpSp>
-          <p:nvGrpSpPr>
-            <p:cNvPr id="92" name="Group 91"/>
-            <p:cNvGrpSpPr/>
-            <p:nvPr/>
-          </p:nvGrpSpPr>
-          <p:grpSpPr>
-            <a:xfrm>
-              <a:off x="2973211" y="4694384"/>
-              <a:ext cx="1426482" cy="399748"/>
-              <a:chOff x="9055100" y="3993844"/>
-              <a:chExt cx="882650" cy="247348"/>
-            </a:xfrm>
-          </p:grpSpPr>
-          <p:sp>
-            <p:nvSpPr>
-              <p:cNvPr id="93" name="Oval 92"/>
-              <p:cNvSpPr/>
-              <p:nvPr/>
-            </p:nvSpPr>
-            <p:spPr>
-              <a:xfrm>
-                <a:off x="9055100" y="3993844"/>
-                <a:ext cx="882650" cy="247348"/>
-              </a:xfrm>
-              <a:prstGeom prst="ellipse">
-                <a:avLst/>
-              </a:prstGeom>
-              <a:noFill/>
-              <a:ln w="38100">
-                <a:solidFill>
-                  <a:srgbClr val="FF0000"/>
-                </a:solidFill>
-              </a:ln>
-            </p:spPr>
-            <p:style>
-              <a:lnRef idx="2">
-                <a:schemeClr val="accent1">
-                  <a:shade val="50000"/>
-                </a:schemeClr>
-              </a:lnRef>
-              <a:fillRef idx="1">
-                <a:schemeClr val="accent1"/>
-              </a:fillRef>
-              <a:effectRef idx="0">
-                <a:schemeClr val="accent1"/>
-              </a:effectRef>
-              <a:fontRef idx="minor">
-                <a:schemeClr val="lt1"/>
-              </a:fontRef>
-            </p:style>
-            <p:txBody>
-              <a:bodyPr rtlCol="0" anchor="ctr"/>
-              <a:lstStyle/>
-              <a:p>
-                <a:pPr algn="ctr"/>
-                <a:endParaRPr lang="en-US"/>
-              </a:p>
-            </p:txBody>
-          </p:sp>
-          <p:cxnSp>
-            <p:nvCxnSpPr>
-              <p:cNvPr id="94" name="Straight Arrow Connector 93"/>
-              <p:cNvCxnSpPr/>
-              <p:nvPr/>
-            </p:nvCxnSpPr>
-            <p:spPr>
-              <a:xfrm flipV="1">
-                <a:off x="9713401" y="4207939"/>
-                <a:ext cx="58035" cy="19164"/>
-              </a:xfrm>
-              <a:prstGeom prst="straightConnector1">
-                <a:avLst/>
-              </a:prstGeom>
-              <a:ln w="38100">
-                <a:solidFill>
-                  <a:srgbClr val="FF0000"/>
-                </a:solidFill>
-                <a:tailEnd type="triangle"/>
-              </a:ln>
-            </p:spPr>
-            <p:style>
-              <a:lnRef idx="1">
-                <a:schemeClr val="accent1"/>
-              </a:lnRef>
-              <a:fillRef idx="0">
-                <a:schemeClr val="accent1"/>
-              </a:fillRef>
-              <a:effectRef idx="0">
-                <a:schemeClr val="accent1"/>
-              </a:effectRef>
-              <a:fontRef idx="minor">
-                <a:schemeClr val="tx1"/>
-              </a:fontRef>
-            </p:style>
-          </p:cxnSp>
-        </p:grpSp>
-        <p:grpSp>
-          <p:nvGrpSpPr>
-            <p:cNvPr id="95" name="Group 94"/>
-            <p:cNvGrpSpPr/>
-            <p:nvPr/>
-          </p:nvGrpSpPr>
-          <p:grpSpPr>
-            <a:xfrm>
-              <a:off x="2308574" y="4487686"/>
-              <a:ext cx="2784550" cy="780324"/>
-              <a:chOff x="9055100" y="3993844"/>
-              <a:chExt cx="882650" cy="247348"/>
-            </a:xfrm>
-          </p:grpSpPr>
-          <p:sp>
-            <p:nvSpPr>
-              <p:cNvPr id="96" name="Oval 95"/>
-              <p:cNvSpPr/>
-              <p:nvPr/>
-            </p:nvSpPr>
-            <p:spPr>
-              <a:xfrm>
-                <a:off x="9055100" y="3993844"/>
-                <a:ext cx="882650" cy="247348"/>
-              </a:xfrm>
-              <a:prstGeom prst="ellipse">
-                <a:avLst/>
-              </a:prstGeom>
-              <a:noFill/>
-              <a:ln w="38100">
-                <a:solidFill>
-                  <a:srgbClr val="FF0000"/>
-                </a:solidFill>
-              </a:ln>
-            </p:spPr>
-            <p:style>
-              <a:lnRef idx="2">
-                <a:schemeClr val="accent1">
-                  <a:shade val="50000"/>
-                </a:schemeClr>
-              </a:lnRef>
-              <a:fillRef idx="1">
-                <a:schemeClr val="accent1"/>
-              </a:fillRef>
-              <a:effectRef idx="0">
-                <a:schemeClr val="accent1"/>
-              </a:effectRef>
-              <a:fontRef idx="minor">
-                <a:schemeClr val="lt1"/>
-              </a:fontRef>
-            </p:style>
-            <p:txBody>
-              <a:bodyPr rtlCol="0" anchor="ctr"/>
-              <a:lstStyle/>
-              <a:p>
-                <a:pPr algn="ctr"/>
-                <a:endParaRPr lang="en-US"/>
-              </a:p>
-            </p:txBody>
-          </p:sp>
-          <p:cxnSp>
-            <p:nvCxnSpPr>
-              <p:cNvPr id="97" name="Straight Arrow Connector 96"/>
-              <p:cNvCxnSpPr/>
-              <p:nvPr/>
-            </p:nvCxnSpPr>
-            <p:spPr>
-              <a:xfrm flipV="1">
-                <a:off x="9700977" y="4216702"/>
-                <a:ext cx="42125" cy="12669"/>
-              </a:xfrm>
-              <a:prstGeom prst="straightConnector1">
-                <a:avLst/>
-              </a:prstGeom>
-              <a:ln w="38100">
-                <a:solidFill>
-                  <a:srgbClr val="FF0000"/>
-                </a:solidFill>
-                <a:tailEnd type="triangle"/>
-              </a:ln>
-            </p:spPr>
-            <p:style>
-              <a:lnRef idx="1">
-                <a:schemeClr val="accent1"/>
-              </a:lnRef>
-              <a:fillRef idx="0">
-                <a:schemeClr val="accent1"/>
-              </a:fillRef>
-              <a:effectRef idx="0">
-                <a:schemeClr val="accent1"/>
-              </a:effectRef>
-              <a:fontRef idx="minor">
-                <a:schemeClr val="tx1"/>
-              </a:fontRef>
-            </p:style>
-          </p:cxnSp>
-        </p:grpSp>
-        <p:grpSp>
-          <p:nvGrpSpPr>
-            <p:cNvPr id="98" name="Group 97"/>
-            <p:cNvGrpSpPr/>
-            <p:nvPr/>
-          </p:nvGrpSpPr>
-          <p:grpSpPr>
-            <a:xfrm>
-              <a:off x="3465060" y="4829079"/>
-              <a:ext cx="442783" cy="124086"/>
-              <a:chOff x="9055100" y="3993838"/>
-              <a:chExt cx="882650" cy="247354"/>
-            </a:xfrm>
-          </p:grpSpPr>
-          <p:sp>
-            <p:nvSpPr>
-              <p:cNvPr id="99" name="Oval 98"/>
-              <p:cNvSpPr/>
-              <p:nvPr/>
-            </p:nvSpPr>
-            <p:spPr>
-              <a:xfrm>
-                <a:off x="9055100" y="3993838"/>
-                <a:ext cx="882650" cy="247348"/>
-              </a:xfrm>
-              <a:prstGeom prst="ellipse">
-                <a:avLst/>
-              </a:prstGeom>
-              <a:noFill/>
-              <a:ln w="38100">
-                <a:solidFill>
-                  <a:srgbClr val="FF0000"/>
-                </a:solidFill>
-              </a:ln>
-            </p:spPr>
-            <p:style>
-              <a:lnRef idx="2">
-                <a:schemeClr val="accent1">
-                  <a:shade val="50000"/>
-                </a:schemeClr>
-              </a:lnRef>
-              <a:fillRef idx="1">
-                <a:schemeClr val="accent1"/>
-              </a:fillRef>
-              <a:effectRef idx="0">
-                <a:schemeClr val="accent1"/>
-              </a:effectRef>
-              <a:fontRef idx="minor">
-                <a:schemeClr val="lt1"/>
-              </a:fontRef>
-            </p:style>
-            <p:txBody>
-              <a:bodyPr rtlCol="0" anchor="ctr"/>
-              <a:lstStyle/>
-              <a:p>
-                <a:pPr algn="ctr"/>
-                <a:endParaRPr lang="en-US"/>
-              </a:p>
-            </p:txBody>
-          </p:sp>
-          <p:cxnSp>
-            <p:nvCxnSpPr>
-              <p:cNvPr id="100" name="Straight Arrow Connector 99"/>
-              <p:cNvCxnSpPr/>
-              <p:nvPr/>
-            </p:nvCxnSpPr>
-            <p:spPr>
-              <a:xfrm flipV="1">
-                <a:off x="9631680" y="4211074"/>
-                <a:ext cx="116205" cy="30118"/>
-              </a:xfrm>
-              <a:prstGeom prst="straightConnector1">
-                <a:avLst/>
-              </a:prstGeom>
-              <a:ln w="38100">
-                <a:solidFill>
-                  <a:srgbClr val="FF0000"/>
-                </a:solidFill>
-                <a:tailEnd type="triangle"/>
-              </a:ln>
-            </p:spPr>
-            <p:style>
-              <a:lnRef idx="1">
-                <a:schemeClr val="accent1"/>
-              </a:lnRef>
-              <a:fillRef idx="0">
-                <a:schemeClr val="accent1"/>
-              </a:fillRef>
-              <a:effectRef idx="0">
-                <a:schemeClr val="accent1"/>
-              </a:effectRef>
-              <a:fontRef idx="minor">
-                <a:schemeClr val="tx1"/>
-              </a:fontRef>
-            </p:style>
-          </p:cxnSp>
-        </p:grpSp>
-        <p:cxnSp>
-          <p:nvCxnSpPr>
-            <p:cNvPr id="52" name="Straight Connector 51"/>
-            <p:cNvCxnSpPr/>
-            <p:nvPr/>
-          </p:nvCxnSpPr>
-          <p:spPr>
-            <a:xfrm>
-              <a:off x="3691966" y="2972743"/>
-              <a:ext cx="291" cy="1888464"/>
-            </a:xfrm>
-            <a:prstGeom prst="line">
-              <a:avLst/>
-            </a:prstGeom>
-            <a:ln w="47625">
-              <a:solidFill>
-                <a:schemeClr val="tx1"/>
-              </a:solidFill>
+              <a:tailEnd type="triangle"/>
             </a:ln>
           </p:spPr>
           <p:style>
@@ -25194,6 +30699,743 @@
           </p:style>
         </p:cxnSp>
       </p:grpSp>
+      <p:grpSp>
+        <p:nvGrpSpPr>
+          <p:cNvPr id="92" name="Group 91"/>
+          <p:cNvGrpSpPr/>
+          <p:nvPr/>
+        </p:nvGrpSpPr>
+        <p:grpSpPr>
+          <a:xfrm>
+            <a:off x="9364344" y="4504542"/>
+            <a:ext cx="1426482" cy="399748"/>
+            <a:chOff x="9055100" y="3993844"/>
+            <a:chExt cx="882650" cy="247348"/>
+          </a:xfrm>
+        </p:grpSpPr>
+        <p:sp>
+          <p:nvSpPr>
+            <p:cNvPr id="93" name="Oval 92"/>
+            <p:cNvSpPr/>
+            <p:nvPr/>
+          </p:nvSpPr>
+          <p:spPr>
+            <a:xfrm>
+              <a:off x="9055100" y="3993844"/>
+              <a:ext cx="882650" cy="247348"/>
+            </a:xfrm>
+            <a:prstGeom prst="ellipse">
+              <a:avLst/>
+            </a:prstGeom>
+            <a:noFill/>
+            <a:ln w="38100">
+              <a:solidFill>
+                <a:srgbClr val="FF0000"/>
+              </a:solidFill>
+            </a:ln>
+          </p:spPr>
+          <p:style>
+            <a:lnRef idx="2">
+              <a:schemeClr val="accent1">
+                <a:shade val="50000"/>
+              </a:schemeClr>
+            </a:lnRef>
+            <a:fillRef idx="1">
+              <a:schemeClr val="accent1"/>
+            </a:fillRef>
+            <a:effectRef idx="0">
+              <a:schemeClr val="accent1"/>
+            </a:effectRef>
+            <a:fontRef idx="minor">
+              <a:schemeClr val="lt1"/>
+            </a:fontRef>
+          </p:style>
+          <p:txBody>
+            <a:bodyPr rtlCol="0" anchor="ctr"/>
+            <a:lstStyle/>
+            <a:p>
+              <a:pPr algn="ctr"/>
+              <a:endParaRPr lang="en-US" dirty="0"/>
+            </a:p>
+          </p:txBody>
+        </p:sp>
+        <p:cxnSp>
+          <p:nvCxnSpPr>
+            <p:cNvPr id="94" name="Straight Arrow Connector 93"/>
+            <p:cNvCxnSpPr/>
+            <p:nvPr/>
+          </p:nvCxnSpPr>
+          <p:spPr>
+            <a:xfrm flipV="1">
+              <a:off x="9713401" y="4207939"/>
+              <a:ext cx="58035" cy="19164"/>
+            </a:xfrm>
+            <a:prstGeom prst="straightConnector1">
+              <a:avLst/>
+            </a:prstGeom>
+            <a:ln w="38100">
+              <a:solidFill>
+                <a:srgbClr val="FF0000"/>
+              </a:solidFill>
+              <a:tailEnd type="triangle"/>
+            </a:ln>
+          </p:spPr>
+          <p:style>
+            <a:lnRef idx="1">
+              <a:schemeClr val="accent1"/>
+            </a:lnRef>
+            <a:fillRef idx="0">
+              <a:schemeClr val="accent1"/>
+            </a:fillRef>
+            <a:effectRef idx="0">
+              <a:schemeClr val="accent1"/>
+            </a:effectRef>
+            <a:fontRef idx="minor">
+              <a:schemeClr val="tx1"/>
+            </a:fontRef>
+          </p:style>
+        </p:cxnSp>
+      </p:grpSp>
+      <p:grpSp>
+        <p:nvGrpSpPr>
+          <p:cNvPr id="98" name="Group 97"/>
+          <p:cNvGrpSpPr/>
+          <p:nvPr/>
+        </p:nvGrpSpPr>
+        <p:grpSpPr>
+          <a:xfrm>
+            <a:off x="9871793" y="4642375"/>
+            <a:ext cx="442783" cy="124086"/>
+            <a:chOff x="9055100" y="3993838"/>
+            <a:chExt cx="882650" cy="247354"/>
+          </a:xfrm>
+        </p:grpSpPr>
+        <p:sp>
+          <p:nvSpPr>
+            <p:cNvPr id="99" name="Oval 98"/>
+            <p:cNvSpPr/>
+            <p:nvPr/>
+          </p:nvSpPr>
+          <p:spPr>
+            <a:xfrm>
+              <a:off x="9055100" y="3993838"/>
+              <a:ext cx="882650" cy="247348"/>
+            </a:xfrm>
+            <a:prstGeom prst="ellipse">
+              <a:avLst/>
+            </a:prstGeom>
+            <a:noFill/>
+            <a:ln w="38100">
+              <a:solidFill>
+                <a:srgbClr val="FF0000"/>
+              </a:solidFill>
+            </a:ln>
+          </p:spPr>
+          <p:style>
+            <a:lnRef idx="2">
+              <a:schemeClr val="accent1">
+                <a:shade val="50000"/>
+              </a:schemeClr>
+            </a:lnRef>
+            <a:fillRef idx="1">
+              <a:schemeClr val="accent1"/>
+            </a:fillRef>
+            <a:effectRef idx="0">
+              <a:schemeClr val="accent1"/>
+            </a:effectRef>
+            <a:fontRef idx="minor">
+              <a:schemeClr val="lt1"/>
+            </a:fontRef>
+          </p:style>
+          <p:txBody>
+            <a:bodyPr rtlCol="0" anchor="ctr"/>
+            <a:lstStyle/>
+            <a:p>
+              <a:pPr algn="ctr"/>
+              <a:endParaRPr lang="en-US"/>
+            </a:p>
+          </p:txBody>
+        </p:sp>
+        <p:cxnSp>
+          <p:nvCxnSpPr>
+            <p:cNvPr id="100" name="Straight Arrow Connector 99"/>
+            <p:cNvCxnSpPr/>
+            <p:nvPr/>
+          </p:nvCxnSpPr>
+          <p:spPr>
+            <a:xfrm flipV="1">
+              <a:off x="9631680" y="4211074"/>
+              <a:ext cx="116205" cy="30118"/>
+            </a:xfrm>
+            <a:prstGeom prst="straightConnector1">
+              <a:avLst/>
+            </a:prstGeom>
+            <a:ln w="38100">
+              <a:solidFill>
+                <a:srgbClr val="FF0000"/>
+              </a:solidFill>
+              <a:tailEnd type="triangle"/>
+            </a:ln>
+          </p:spPr>
+          <p:style>
+            <a:lnRef idx="1">
+              <a:schemeClr val="accent1"/>
+            </a:lnRef>
+            <a:fillRef idx="0">
+              <a:schemeClr val="accent1"/>
+            </a:fillRef>
+            <a:effectRef idx="0">
+              <a:schemeClr val="accent1"/>
+            </a:effectRef>
+            <a:fontRef idx="minor">
+              <a:schemeClr val="tx1"/>
+            </a:fontRef>
+          </p:style>
+        </p:cxnSp>
+      </p:grpSp>
+      <p:cxnSp>
+        <p:nvCxnSpPr>
+          <p:cNvPr id="56" name="Straight Connector 55"/>
+          <p:cNvCxnSpPr/>
+          <p:nvPr/>
+        </p:nvCxnSpPr>
+        <p:spPr>
+          <a:xfrm>
+            <a:off x="3691863" y="4402480"/>
+            <a:ext cx="0" cy="1220017"/>
+          </a:xfrm>
+          <a:prstGeom prst="line">
+            <a:avLst/>
+          </a:prstGeom>
+          <a:ln w="47625">
+            <a:solidFill>
+              <a:schemeClr val="tx1"/>
+            </a:solidFill>
+            <a:prstDash val="sysDash"/>
+          </a:ln>
+        </p:spPr>
+        <p:style>
+          <a:lnRef idx="1">
+            <a:schemeClr val="accent1"/>
+          </a:lnRef>
+          <a:fillRef idx="0">
+            <a:schemeClr val="accent1"/>
+          </a:fillRef>
+          <a:effectRef idx="0">
+            <a:schemeClr val="accent1"/>
+          </a:effectRef>
+          <a:fontRef idx="minor">
+            <a:schemeClr val="tx1"/>
+          </a:fontRef>
+        </p:style>
+      </p:cxnSp>
+      <p:sp>
+        <p:nvSpPr>
+          <p:cNvPr id="3" name="Oval 2">
+            <a:extLst>
+              <a:ext uri="{FF2B5EF4-FFF2-40B4-BE49-F238E27FC236}">
+                <a16:creationId xmlns:a16="http://schemas.microsoft.com/office/drawing/2014/main" id="{EB4E49DE-F317-4BAA-8220-8B668045D82F}"/>
+              </a:ext>
+            </a:extLst>
+          </p:cNvPr>
+          <p:cNvSpPr/>
+          <p:nvPr/>
+        </p:nvSpPr>
+        <p:spPr>
+          <a:xfrm>
+            <a:off x="2376449" y="4487474"/>
+            <a:ext cx="2626263" cy="842158"/>
+          </a:xfrm>
+          <a:prstGeom prst="ellipse">
+            <a:avLst/>
+          </a:prstGeom>
+          <a:noFill/>
+          <a:ln w="38100">
+            <a:solidFill>
+              <a:srgbClr val="FF0000"/>
+            </a:solidFill>
+          </a:ln>
+          <a:scene3d>
+            <a:camera prst="orthographicFront">
+              <a:rot lat="19499975" lon="0" rev="0"/>
+            </a:camera>
+            <a:lightRig rig="threePt" dir="t"/>
+          </a:scene3d>
+          <a:sp3d/>
+        </p:spPr>
+        <p:style>
+          <a:lnRef idx="2">
+            <a:schemeClr val="accent1">
+              <a:shade val="50000"/>
+            </a:schemeClr>
+          </a:lnRef>
+          <a:fillRef idx="1">
+            <a:schemeClr val="accent1"/>
+          </a:fillRef>
+          <a:effectRef idx="0">
+            <a:schemeClr val="accent1"/>
+          </a:effectRef>
+          <a:fontRef idx="minor">
+            <a:schemeClr val="lt1"/>
+          </a:fontRef>
+        </p:style>
+        <p:txBody>
+          <a:bodyPr rtlCol="0" anchor="ctr"/>
+          <a:lstStyle/>
+          <a:p>
+            <a:pPr algn="ctr"/>
+            <a:endParaRPr lang="en-CA"/>
+          </a:p>
+        </p:txBody>
+      </p:sp>
+      <p:sp>
+        <p:nvSpPr>
+          <p:cNvPr id="67" name="Oval 66">
+            <a:extLst>
+              <a:ext uri="{FF2B5EF4-FFF2-40B4-BE49-F238E27FC236}">
+                <a16:creationId xmlns:a16="http://schemas.microsoft.com/office/drawing/2014/main" id="{B780E8A6-750F-475F-9DD8-21D3DBBC1A92}"/>
+              </a:ext>
+            </a:extLst>
+          </p:cNvPr>
+          <p:cNvSpPr/>
+          <p:nvPr/>
+        </p:nvSpPr>
+        <p:spPr>
+          <a:xfrm>
+            <a:off x="2655342" y="4593015"/>
+            <a:ext cx="2068471" cy="663292"/>
+          </a:xfrm>
+          <a:prstGeom prst="ellipse">
+            <a:avLst/>
+          </a:prstGeom>
+          <a:noFill/>
+          <a:ln w="38100">
+            <a:solidFill>
+              <a:srgbClr val="FF0000"/>
+            </a:solidFill>
+          </a:ln>
+          <a:scene3d>
+            <a:camera prst="orthographicFront">
+              <a:rot lat="19499975" lon="0" rev="0"/>
+            </a:camera>
+            <a:lightRig rig="threePt" dir="t"/>
+          </a:scene3d>
+          <a:sp3d/>
+        </p:spPr>
+        <p:style>
+          <a:lnRef idx="2">
+            <a:schemeClr val="accent1">
+              <a:shade val="50000"/>
+            </a:schemeClr>
+          </a:lnRef>
+          <a:fillRef idx="1">
+            <a:schemeClr val="accent1"/>
+          </a:fillRef>
+          <a:effectRef idx="0">
+            <a:schemeClr val="accent1"/>
+          </a:effectRef>
+          <a:fontRef idx="minor">
+            <a:schemeClr val="lt1"/>
+          </a:fontRef>
+        </p:style>
+        <p:txBody>
+          <a:bodyPr rtlCol="0" anchor="ctr"/>
+          <a:lstStyle/>
+          <a:p>
+            <a:pPr algn="ctr"/>
+            <a:endParaRPr lang="en-CA"/>
+          </a:p>
+        </p:txBody>
+      </p:sp>
+      <p:sp>
+        <p:nvSpPr>
+          <p:cNvPr id="68" name="Oval 67">
+            <a:extLst>
+              <a:ext uri="{FF2B5EF4-FFF2-40B4-BE49-F238E27FC236}">
+                <a16:creationId xmlns:a16="http://schemas.microsoft.com/office/drawing/2014/main" id="{499180B6-19C8-44D2-B4E3-114DB267FC4E}"/>
+              </a:ext>
+            </a:extLst>
+          </p:cNvPr>
+          <p:cNvSpPr/>
+          <p:nvPr/>
+        </p:nvSpPr>
+        <p:spPr>
+          <a:xfrm>
+            <a:off x="2943272" y="4700936"/>
+            <a:ext cx="1487623" cy="477033"/>
+          </a:xfrm>
+          <a:prstGeom prst="ellipse">
+            <a:avLst/>
+          </a:prstGeom>
+          <a:noFill/>
+          <a:ln w="38100">
+            <a:solidFill>
+              <a:srgbClr val="FF0000"/>
+            </a:solidFill>
+          </a:ln>
+          <a:scene3d>
+            <a:camera prst="orthographicFront">
+              <a:rot lat="19499975" lon="0" rev="0"/>
+            </a:camera>
+            <a:lightRig rig="threePt" dir="t"/>
+          </a:scene3d>
+          <a:sp3d/>
+        </p:spPr>
+        <p:style>
+          <a:lnRef idx="2">
+            <a:schemeClr val="accent1">
+              <a:shade val="50000"/>
+            </a:schemeClr>
+          </a:lnRef>
+          <a:fillRef idx="1">
+            <a:schemeClr val="accent1"/>
+          </a:fillRef>
+          <a:effectRef idx="0">
+            <a:schemeClr val="accent1"/>
+          </a:effectRef>
+          <a:fontRef idx="minor">
+            <a:schemeClr val="lt1"/>
+          </a:fontRef>
+        </p:style>
+        <p:txBody>
+          <a:bodyPr rtlCol="0" anchor="ctr"/>
+          <a:lstStyle/>
+          <a:p>
+            <a:pPr algn="ctr"/>
+            <a:endParaRPr lang="en-CA"/>
+          </a:p>
+        </p:txBody>
+      </p:sp>
+      <p:sp>
+        <p:nvSpPr>
+          <p:cNvPr id="69" name="Oval 68">
+            <a:extLst>
+              <a:ext uri="{FF2B5EF4-FFF2-40B4-BE49-F238E27FC236}">
+                <a16:creationId xmlns:a16="http://schemas.microsoft.com/office/drawing/2014/main" id="{E7A494FD-DE2C-4256-BC50-0FA61AEED08D}"/>
+              </a:ext>
+            </a:extLst>
+          </p:cNvPr>
+          <p:cNvSpPr/>
+          <p:nvPr/>
+        </p:nvSpPr>
+        <p:spPr>
+          <a:xfrm>
+            <a:off x="3187379" y="4775462"/>
+            <a:ext cx="992115" cy="318139"/>
+          </a:xfrm>
+          <a:prstGeom prst="ellipse">
+            <a:avLst/>
+          </a:prstGeom>
+          <a:noFill/>
+          <a:ln w="38100">
+            <a:solidFill>
+              <a:srgbClr val="FF0000"/>
+            </a:solidFill>
+          </a:ln>
+          <a:scene3d>
+            <a:camera prst="orthographicFront">
+              <a:rot lat="19499975" lon="0" rev="0"/>
+            </a:camera>
+            <a:lightRig rig="threePt" dir="t"/>
+          </a:scene3d>
+          <a:sp3d/>
+        </p:spPr>
+        <p:style>
+          <a:lnRef idx="2">
+            <a:schemeClr val="accent1">
+              <a:shade val="50000"/>
+            </a:schemeClr>
+          </a:lnRef>
+          <a:fillRef idx="1">
+            <a:schemeClr val="accent1"/>
+          </a:fillRef>
+          <a:effectRef idx="0">
+            <a:schemeClr val="accent1"/>
+          </a:effectRef>
+          <a:fontRef idx="minor">
+            <a:schemeClr val="lt1"/>
+          </a:fontRef>
+        </p:style>
+        <p:txBody>
+          <a:bodyPr rtlCol="0" anchor="ctr"/>
+          <a:lstStyle/>
+          <a:p>
+            <a:pPr algn="ctr"/>
+            <a:endParaRPr lang="en-CA"/>
+          </a:p>
+        </p:txBody>
+      </p:sp>
+      <p:sp>
+        <p:nvSpPr>
+          <p:cNvPr id="4" name="Isosceles Triangle 3">
+            <a:extLst>
+              <a:ext uri="{FF2B5EF4-FFF2-40B4-BE49-F238E27FC236}">
+                <a16:creationId xmlns:a16="http://schemas.microsoft.com/office/drawing/2014/main" id="{BAA7FBA1-4106-4E06-8A7F-2A704B2B8A74}"/>
+              </a:ext>
+            </a:extLst>
+          </p:cNvPr>
+          <p:cNvSpPr/>
+          <p:nvPr/>
+        </p:nvSpPr>
+        <p:spPr>
+          <a:xfrm rot="10800000">
+            <a:off x="2354019" y="4875202"/>
+            <a:ext cx="53034" cy="45719"/>
+          </a:xfrm>
+          <a:prstGeom prst="triangle">
+            <a:avLst/>
+          </a:prstGeom>
+          <a:noFill/>
+          <a:ln w="38100">
+            <a:solidFill>
+              <a:srgbClr val="FF0000"/>
+            </a:solidFill>
+          </a:ln>
+          <a:scene3d>
+            <a:camera prst="orthographicFront">
+              <a:rot lat="19499975" lon="0" rev="0"/>
+            </a:camera>
+            <a:lightRig rig="threePt" dir="t"/>
+          </a:scene3d>
+          <a:sp3d/>
+        </p:spPr>
+        <p:style>
+          <a:lnRef idx="2">
+            <a:schemeClr val="accent1">
+              <a:shade val="50000"/>
+            </a:schemeClr>
+          </a:lnRef>
+          <a:fillRef idx="1">
+            <a:schemeClr val="accent1"/>
+          </a:fillRef>
+          <a:effectRef idx="0">
+            <a:schemeClr val="accent1"/>
+          </a:effectRef>
+          <a:fontRef idx="minor">
+            <a:schemeClr val="lt1"/>
+          </a:fontRef>
+        </p:style>
+        <p:txBody>
+          <a:bodyPr rtlCol="0" anchor="ctr"/>
+          <a:lstStyle/>
+          <a:p>
+            <a:pPr algn="ctr"/>
+            <a:endParaRPr lang="en-CA"/>
+          </a:p>
+        </p:txBody>
+      </p:sp>
+      <p:sp>
+        <p:nvSpPr>
+          <p:cNvPr id="71" name="Isosceles Triangle 70">
+            <a:extLst>
+              <a:ext uri="{FF2B5EF4-FFF2-40B4-BE49-F238E27FC236}">
+                <a16:creationId xmlns:a16="http://schemas.microsoft.com/office/drawing/2014/main" id="{5AD22054-4DA4-4B8D-A38D-62E73884B9B2}"/>
+              </a:ext>
+            </a:extLst>
+          </p:cNvPr>
+          <p:cNvSpPr/>
+          <p:nvPr/>
+        </p:nvSpPr>
+        <p:spPr>
+          <a:xfrm rot="10800000">
+            <a:off x="2632914" y="4875202"/>
+            <a:ext cx="53034" cy="45719"/>
+          </a:xfrm>
+          <a:prstGeom prst="triangle">
+            <a:avLst/>
+          </a:prstGeom>
+          <a:noFill/>
+          <a:ln w="38100">
+            <a:solidFill>
+              <a:srgbClr val="FF0000"/>
+            </a:solidFill>
+          </a:ln>
+          <a:scene3d>
+            <a:camera prst="orthographicFront">
+              <a:rot lat="19499975" lon="0" rev="0"/>
+            </a:camera>
+            <a:lightRig rig="threePt" dir="t"/>
+          </a:scene3d>
+          <a:sp3d/>
+        </p:spPr>
+        <p:style>
+          <a:lnRef idx="2">
+            <a:schemeClr val="accent1">
+              <a:shade val="50000"/>
+            </a:schemeClr>
+          </a:lnRef>
+          <a:fillRef idx="1">
+            <a:schemeClr val="accent1"/>
+          </a:fillRef>
+          <a:effectRef idx="0">
+            <a:schemeClr val="accent1"/>
+          </a:effectRef>
+          <a:fontRef idx="minor">
+            <a:schemeClr val="lt1"/>
+          </a:fontRef>
+        </p:style>
+        <p:txBody>
+          <a:bodyPr rtlCol="0" anchor="ctr"/>
+          <a:lstStyle/>
+          <a:p>
+            <a:pPr algn="ctr"/>
+            <a:endParaRPr lang="en-CA"/>
+          </a:p>
+        </p:txBody>
+      </p:sp>
+      <p:sp>
+        <p:nvSpPr>
+          <p:cNvPr id="73" name="Isosceles Triangle 72">
+            <a:extLst>
+              <a:ext uri="{FF2B5EF4-FFF2-40B4-BE49-F238E27FC236}">
+                <a16:creationId xmlns:a16="http://schemas.microsoft.com/office/drawing/2014/main" id="{2F152942-69C6-414C-86D9-B89C08FDEEC8}"/>
+              </a:ext>
+            </a:extLst>
+          </p:cNvPr>
+          <p:cNvSpPr/>
+          <p:nvPr/>
+        </p:nvSpPr>
+        <p:spPr>
+          <a:xfrm rot="10800000">
+            <a:off x="2927561" y="4883166"/>
+            <a:ext cx="53034" cy="45719"/>
+          </a:xfrm>
+          <a:prstGeom prst="triangle">
+            <a:avLst/>
+          </a:prstGeom>
+          <a:noFill/>
+          <a:ln w="38100">
+            <a:solidFill>
+              <a:srgbClr val="FF0000"/>
+            </a:solidFill>
+          </a:ln>
+          <a:scene3d>
+            <a:camera prst="orthographicFront">
+              <a:rot lat="19499975" lon="0" rev="0"/>
+            </a:camera>
+            <a:lightRig rig="threePt" dir="t"/>
+          </a:scene3d>
+          <a:sp3d/>
+        </p:spPr>
+        <p:style>
+          <a:lnRef idx="2">
+            <a:schemeClr val="accent1">
+              <a:shade val="50000"/>
+            </a:schemeClr>
+          </a:lnRef>
+          <a:fillRef idx="1">
+            <a:schemeClr val="accent1"/>
+          </a:fillRef>
+          <a:effectRef idx="0">
+            <a:schemeClr val="accent1"/>
+          </a:effectRef>
+          <a:fontRef idx="minor">
+            <a:schemeClr val="lt1"/>
+          </a:fontRef>
+        </p:style>
+        <p:txBody>
+          <a:bodyPr rtlCol="0" anchor="ctr"/>
+          <a:lstStyle/>
+          <a:p>
+            <a:pPr algn="ctr"/>
+            <a:endParaRPr lang="en-CA"/>
+          </a:p>
+        </p:txBody>
+      </p:sp>
+      <p:sp>
+        <p:nvSpPr>
+          <p:cNvPr id="74" name="Isosceles Triangle 73">
+            <a:extLst>
+              <a:ext uri="{FF2B5EF4-FFF2-40B4-BE49-F238E27FC236}">
+                <a16:creationId xmlns:a16="http://schemas.microsoft.com/office/drawing/2014/main" id="{AF1B2269-06E4-440E-BD0A-BB4BB32C6CF7}"/>
+              </a:ext>
+            </a:extLst>
+          </p:cNvPr>
+          <p:cNvSpPr/>
+          <p:nvPr/>
+        </p:nvSpPr>
+        <p:spPr>
+          <a:xfrm rot="10800000">
+            <a:off x="3160863" y="4883165"/>
+            <a:ext cx="53034" cy="45719"/>
+          </a:xfrm>
+          <a:prstGeom prst="triangle">
+            <a:avLst/>
+          </a:prstGeom>
+          <a:noFill/>
+          <a:ln w="38100">
+            <a:solidFill>
+              <a:srgbClr val="FF0000"/>
+            </a:solidFill>
+          </a:ln>
+          <a:scene3d>
+            <a:camera prst="orthographicFront">
+              <a:rot lat="19499975" lon="0" rev="0"/>
+            </a:camera>
+            <a:lightRig rig="threePt" dir="t"/>
+          </a:scene3d>
+          <a:sp3d/>
+        </p:spPr>
+        <p:style>
+          <a:lnRef idx="2">
+            <a:schemeClr val="accent1">
+              <a:shade val="50000"/>
+            </a:schemeClr>
+          </a:lnRef>
+          <a:fillRef idx="1">
+            <a:schemeClr val="accent1"/>
+          </a:fillRef>
+          <a:effectRef idx="0">
+            <a:schemeClr val="accent1"/>
+          </a:effectRef>
+          <a:fontRef idx="minor">
+            <a:schemeClr val="lt1"/>
+          </a:fontRef>
+        </p:style>
+        <p:txBody>
+          <a:bodyPr rtlCol="0" anchor="ctr"/>
+          <a:lstStyle/>
+          <a:p>
+            <a:pPr algn="ctr"/>
+            <a:endParaRPr lang="en-CA"/>
+          </a:p>
+        </p:txBody>
+      </p:sp>
+      <p:cxnSp>
+        <p:nvCxnSpPr>
+          <p:cNvPr id="52" name="Straight Connector 51"/>
+          <p:cNvCxnSpPr/>
+          <p:nvPr/>
+        </p:nvCxnSpPr>
+        <p:spPr>
+          <a:xfrm>
+            <a:off x="3691966" y="2972743"/>
+            <a:ext cx="291" cy="1888464"/>
+          </a:xfrm>
+          <a:prstGeom prst="line">
+            <a:avLst/>
+          </a:prstGeom>
+          <a:ln w="47625">
+            <a:solidFill>
+              <a:schemeClr val="tx1"/>
+            </a:solidFill>
+          </a:ln>
+        </p:spPr>
+        <p:style>
+          <a:lnRef idx="1">
+            <a:schemeClr val="accent1"/>
+          </a:lnRef>
+          <a:fillRef idx="0">
+            <a:schemeClr val="accent1"/>
+          </a:fillRef>
+          <a:effectRef idx="0">
+            <a:schemeClr val="accent1"/>
+          </a:effectRef>
+          <a:fontRef idx="minor">
+            <a:schemeClr val="tx1"/>
+          </a:fontRef>
+        </p:style>
+      </p:cxnSp>
     </p:spTree>
     <p:extLst>
       <p:ext uri="{BB962C8B-B14F-4D97-AF65-F5344CB8AC3E}">
@@ -33962,7 +40204,7 @@
                         </m:oMath>
                       </m:oMathPara>
                     </a14:m>
-                    <a:endParaRPr lang="en-US" sz="2000" dirty="0" smtClean="0">
+                    <a:endParaRPr lang="en-US" sz="2000" dirty="0">
                       <a:latin typeface="Arial" panose="020B0604020202020204" pitchFamily="34" charset="0"/>
                       <a:cs typeface="Arial" panose="020B0604020202020204" pitchFamily="34" charset="0"/>
                     </a:endParaRPr>
@@ -34233,7 +40475,7 @@
                         </m:oMath>
                       </m:oMathPara>
                     </a14:m>
-                    <a:endParaRPr lang="en-US" sz="2000" dirty="0" smtClean="0">
+                    <a:endParaRPr lang="en-US" sz="2000" dirty="0">
                       <a:solidFill>
                         <a:srgbClr val="FF0000"/>
                       </a:solidFill>
@@ -34740,7 +40982,7 @@
                         </m:oMath>
                       </m:oMathPara>
                     </a14:m>
-                    <a:endParaRPr lang="en-US" sz="2000" dirty="0" smtClean="0">
+                    <a:endParaRPr lang="en-US" sz="2000" dirty="0">
                       <a:solidFill>
                         <a:srgbClr val="FF0000"/>
                       </a:solidFill>
@@ -34981,7 +41223,7 @@
                         </m:oMath>
                       </m:oMathPara>
                     </a14:m>
-                    <a:endParaRPr lang="en-US" sz="2000" dirty="0" smtClean="0">
+                    <a:endParaRPr lang="en-US" sz="2000" dirty="0">
                       <a:latin typeface="Arial" panose="020B0604020202020204" pitchFamily="34" charset="0"/>
                       <a:cs typeface="Arial" panose="020B0604020202020204" pitchFamily="34" charset="0"/>
                     </a:endParaRPr>
@@ -35125,7 +41367,7 @@
                         </m:oMath>
                       </m:oMathPara>
                     </a14:m>
-                    <a:endParaRPr lang="en-US" sz="2000" dirty="0" smtClean="0">
+                    <a:endParaRPr lang="en-US" sz="2000" dirty="0">
                       <a:latin typeface="Arial" panose="020B0604020202020204" pitchFamily="34" charset="0"/>
                       <a:cs typeface="Arial" panose="020B0604020202020204" pitchFamily="34" charset="0"/>
                     </a:endParaRPr>
@@ -35214,7 +41456,7 @@
                       </m:oMath>
                     </m:oMathPara>
                   </a14:m>
-                  <a:endParaRPr lang="en-US" sz="2000" dirty="0" smtClean="0">
+                  <a:endParaRPr lang="en-US" sz="2000" dirty="0">
                     <a:latin typeface="Arial" panose="020B0604020202020204" pitchFamily="34" charset="0"/>
                     <a:cs typeface="Arial" panose="020B0604020202020204" pitchFamily="34" charset="0"/>
                   </a:endParaRPr>
@@ -35809,7 +42051,7 @@
                       </m:oMath>
                     </m:oMathPara>
                   </a14:m>
-                  <a:endParaRPr lang="en-US" sz="2000" dirty="0" smtClean="0">
+                  <a:endParaRPr lang="en-US" sz="2000" dirty="0">
                     <a:latin typeface="Arial" panose="020B0604020202020204" pitchFamily="34" charset="0"/>
                     <a:cs typeface="Arial" panose="020B0604020202020204" pitchFamily="34" charset="0"/>
                   </a:endParaRPr>
@@ -36027,7 +42269,7 @@
                       </m:oMath>
                     </m:oMathPara>
                   </a14:m>
-                  <a:endParaRPr lang="en-US" sz="2000" dirty="0" smtClean="0">
+                  <a:endParaRPr lang="en-US" sz="2000" dirty="0">
                     <a:latin typeface="Arial" panose="020B0604020202020204" pitchFamily="34" charset="0"/>
                     <a:cs typeface="Arial" panose="020B0604020202020204" pitchFamily="34" charset="0"/>
                   </a:endParaRPr>
@@ -36133,7 +42375,7 @@
                       </m:oMath>
                     </m:oMathPara>
                   </a14:m>
-                  <a:endParaRPr lang="en-US" sz="2000" dirty="0" smtClean="0">
+                  <a:endParaRPr lang="en-US" sz="2000" dirty="0">
                     <a:latin typeface="Arial" panose="020B0604020202020204" pitchFamily="34" charset="0"/>
                     <a:cs typeface="Arial" panose="020B0604020202020204" pitchFamily="34" charset="0"/>
                   </a:endParaRPr>
@@ -38261,7 +44503,7 @@
                       </m:oMath>
                     </m:oMathPara>
                   </a14:m>
-                  <a:endParaRPr lang="en-US" sz="2000" dirty="0" smtClean="0">
+                  <a:endParaRPr lang="en-US" sz="2000" dirty="0">
                     <a:solidFill>
                       <a:schemeClr val="accent5"/>
                     </a:solidFill>
@@ -39673,7 +45915,7 @@
                       </m:oMath>
                     </m:oMathPara>
                   </a14:m>
-                  <a:endParaRPr lang="en-US" sz="2000" dirty="0" smtClean="0">
+                  <a:endParaRPr lang="en-US" sz="2000" dirty="0">
                     <a:latin typeface="Arial" panose="020B0604020202020204" pitchFamily="34" charset="0"/>
                     <a:cs typeface="Arial" panose="020B0604020202020204" pitchFamily="34" charset="0"/>
                   </a:endParaRPr>
@@ -39775,7 +46017,7 @@
                       </m:oMath>
                     </m:oMathPara>
                   </a14:m>
-                  <a:endParaRPr lang="en-US" sz="2000" dirty="0" smtClean="0">
+                  <a:endParaRPr lang="en-US" sz="2000" dirty="0">
                     <a:latin typeface="Arial" panose="020B0604020202020204" pitchFamily="34" charset="0"/>
                     <a:cs typeface="Arial" panose="020B0604020202020204" pitchFamily="34" charset="0"/>
                   </a:endParaRPr>
@@ -40817,7 +47059,7 @@
                       </m:oMath>
                     </m:oMathPara>
                   </a14:m>
-                  <a:endParaRPr lang="en-US" sz="2000" dirty="0" smtClean="0">
+                  <a:endParaRPr lang="en-US" sz="2000" dirty="0">
                     <a:latin typeface="Arial" panose="020B0604020202020204" pitchFamily="34" charset="0"/>
                     <a:cs typeface="Arial" panose="020B0604020202020204" pitchFamily="34" charset="0"/>
                   </a:endParaRPr>
@@ -40905,7 +47147,7 @@
                       </m:oMath>
                     </m:oMathPara>
                   </a14:m>
-                  <a:endParaRPr lang="en-US" sz="2000" dirty="0" smtClean="0">
+                  <a:endParaRPr lang="en-US" sz="2000" dirty="0">
                     <a:latin typeface="Arial" panose="020B0604020202020204" pitchFamily="34" charset="0"/>
                     <a:cs typeface="Arial" panose="020B0604020202020204" pitchFamily="34" charset="0"/>
                   </a:endParaRPr>
@@ -42140,7 +48382,7 @@
                       </m:oMath>
                     </m:oMathPara>
                   </a14:m>
-                  <a:endParaRPr lang="en-US" sz="2000" dirty="0" smtClean="0">
+                  <a:endParaRPr lang="en-US" sz="2000" dirty="0">
                     <a:latin typeface="Arial" panose="020B0604020202020204" pitchFamily="34" charset="0"/>
                     <a:cs typeface="Arial" panose="020B0604020202020204" pitchFamily="34" charset="0"/>
                   </a:endParaRPr>
@@ -42228,7 +48470,7 @@
                       </m:oMath>
                     </m:oMathPara>
                   </a14:m>
-                  <a:endParaRPr lang="en-US" sz="2000" dirty="0" smtClean="0">
+                  <a:endParaRPr lang="en-US" sz="2000" dirty="0">
                     <a:latin typeface="Arial" panose="020B0604020202020204" pitchFamily="34" charset="0"/>
                     <a:cs typeface="Arial" panose="020B0604020202020204" pitchFamily="34" charset="0"/>
                   </a:endParaRPr>
@@ -42653,7 +48895,7 @@
                       </m:oMath>
                     </m:oMathPara>
                   </a14:m>
-                  <a:endParaRPr lang="en-US" sz="2000" dirty="0" smtClean="0">
+                  <a:endParaRPr lang="en-US" sz="2000" dirty="0">
                     <a:latin typeface="Arial" panose="020B0604020202020204" pitchFamily="34" charset="0"/>
                     <a:cs typeface="Arial" panose="020B0604020202020204" pitchFamily="34" charset="0"/>
                   </a:endParaRPr>
@@ -42741,7 +48983,7 @@
                       </m:oMath>
                     </m:oMathPara>
                   </a14:m>
-                  <a:endParaRPr lang="en-US" sz="2000" dirty="0" smtClean="0">
+                  <a:endParaRPr lang="en-US" sz="2000" dirty="0">
                     <a:latin typeface="Arial" panose="020B0604020202020204" pitchFamily="34" charset="0"/>
                     <a:cs typeface="Arial" panose="020B0604020202020204" pitchFamily="34" charset="0"/>
                   </a:endParaRPr>
@@ -43130,7 +49372,7 @@
                       </m:oMath>
                     </m:oMathPara>
                   </a14:m>
-                  <a:endParaRPr lang="en-US" sz="2000" dirty="0" smtClean="0">
+                  <a:endParaRPr lang="en-US" sz="2000" dirty="0">
                     <a:latin typeface="Arial" panose="020B0604020202020204" pitchFamily="34" charset="0"/>
                     <a:cs typeface="Arial" panose="020B0604020202020204" pitchFamily="34" charset="0"/>
                   </a:endParaRPr>
@@ -43218,7 +49460,7 @@
                       </m:oMath>
                     </m:oMathPara>
                   </a14:m>
-                  <a:endParaRPr lang="en-US" sz="2000" dirty="0" smtClean="0">
+                  <a:endParaRPr lang="en-US" sz="2000" dirty="0">
                     <a:latin typeface="Arial" panose="020B0604020202020204" pitchFamily="34" charset="0"/>
                     <a:cs typeface="Arial" panose="020B0604020202020204" pitchFamily="34" charset="0"/>
                   </a:endParaRPr>
@@ -49274,7 +55516,7 @@
                       </m:oMath>
                     </m:oMathPara>
                   </a14:m>
-                  <a:endParaRPr lang="en-US" sz="2000" dirty="0" smtClean="0">
+                  <a:endParaRPr lang="en-US" sz="2000" dirty="0">
                     <a:solidFill>
                       <a:schemeClr val="tx1">
                         <a:lumMod val="50000"/>
@@ -49453,7 +55695,7 @@
                       </m:oMath>
                     </m:oMathPara>
                   </a14:m>
-                  <a:endParaRPr lang="en-US" sz="2000" dirty="0" smtClean="0">
+                  <a:endParaRPr lang="en-US" sz="2000" dirty="0">
                     <a:latin typeface="Arial" panose="020B0604020202020204" pitchFamily="34" charset="0"/>
                     <a:cs typeface="Arial" panose="020B0604020202020204" pitchFamily="34" charset="0"/>
                   </a:endParaRPr>
@@ -49544,7 +55786,7 @@
                       </m:oMath>
                     </m:oMathPara>
                   </a14:m>
-                  <a:endParaRPr lang="en-US" sz="1400" dirty="0" smtClean="0">
+                  <a:endParaRPr lang="en-US" sz="1400" dirty="0">
                     <a:solidFill>
                       <a:srgbClr val="FF0000"/>
                     </a:solidFill>
@@ -49638,7 +55880,7 @@
                       </m:oMath>
                     </m:oMathPara>
                   </a14:m>
-                  <a:endParaRPr lang="en-US" sz="1400" dirty="0" smtClean="0">
+                  <a:endParaRPr lang="en-US" sz="1400" dirty="0">
                     <a:solidFill>
                       <a:srgbClr val="FF0000"/>
                     </a:solidFill>
@@ -49732,7 +55974,7 @@
                       </m:oMath>
                     </m:oMathPara>
                   </a14:m>
-                  <a:endParaRPr lang="en-US" sz="1400" dirty="0" smtClean="0">
+                  <a:endParaRPr lang="en-US" sz="1400" dirty="0">
                     <a:solidFill>
                       <a:srgbClr val="FF0000"/>
                     </a:solidFill>
@@ -49826,7 +56068,7 @@
                       </m:oMath>
                     </m:oMathPara>
                   </a14:m>
-                  <a:endParaRPr lang="en-US" sz="1400" dirty="0" smtClean="0">
+                  <a:endParaRPr lang="en-US" sz="1400" dirty="0">
                     <a:solidFill>
                       <a:srgbClr val="FF0000"/>
                     </a:solidFill>
@@ -51795,7 +58037,7 @@
                         </m:oMath>
                       </m:oMathPara>
                     </a14:m>
-                    <a:endParaRPr lang="en-US" sz="2000" dirty="0" smtClean="0">
+                    <a:endParaRPr lang="en-US" sz="2000" dirty="0">
                       <a:solidFill>
                         <a:schemeClr val="tx1">
                           <a:lumMod val="50000"/>
@@ -51974,7 +58216,7 @@
                         </m:oMath>
                       </m:oMathPara>
                     </a14:m>
-                    <a:endParaRPr lang="en-US" sz="2000" dirty="0" smtClean="0">
+                    <a:endParaRPr lang="en-US" sz="2000" dirty="0">
                       <a:latin typeface="Arial" panose="020B0604020202020204" pitchFamily="34" charset="0"/>
                       <a:cs typeface="Arial" panose="020B0604020202020204" pitchFamily="34" charset="0"/>
                     </a:endParaRPr>
@@ -52065,7 +58307,7 @@
                         </m:oMath>
                       </m:oMathPara>
                     </a14:m>
-                    <a:endParaRPr lang="en-US" sz="1400" dirty="0" smtClean="0">
+                    <a:endParaRPr lang="en-US" sz="1400" dirty="0">
                       <a:solidFill>
                         <a:srgbClr val="FF0000"/>
                       </a:solidFill>
@@ -52159,7 +58401,7 @@
                         </m:oMath>
                       </m:oMathPara>
                     </a14:m>
-                    <a:endParaRPr lang="en-US" sz="1400" dirty="0" smtClean="0">
+                    <a:endParaRPr lang="en-US" sz="1400" dirty="0">
                       <a:solidFill>
                         <a:srgbClr val="FF0000"/>
                       </a:solidFill>
@@ -52253,7 +58495,7 @@
                         </m:oMath>
                       </m:oMathPara>
                     </a14:m>
-                    <a:endParaRPr lang="en-US" sz="1400" dirty="0" smtClean="0">
+                    <a:endParaRPr lang="en-US" sz="1400" dirty="0">
                       <a:solidFill>
                         <a:srgbClr val="FF0000"/>
                       </a:solidFill>
@@ -52347,7 +58589,7 @@
                         </m:oMath>
                       </m:oMathPara>
                     </a14:m>
-                    <a:endParaRPr lang="en-US" sz="1400" dirty="0" smtClean="0">
+                    <a:endParaRPr lang="en-US" sz="1400" dirty="0">
                       <a:solidFill>
                         <a:srgbClr val="FF0000"/>
                       </a:solidFill>
@@ -52504,7 +58746,7 @@
                       </m:oMath>
                     </m:oMathPara>
                   </a14:m>
-                  <a:endParaRPr lang="en-US" sz="1400" dirty="0" smtClean="0">
+                  <a:endParaRPr lang="en-US" sz="1400" dirty="0">
                     <a:solidFill>
                       <a:srgbClr val="FF0000"/>
                     </a:solidFill>
